--- a/Slides/E91 Protocol.pptx
+++ b/Slides/E91 Protocol.pptx
@@ -6,23 +6,35 @@
   </p:sldMasterIdLst>
   <p:sldIdLst>
     <p:sldId id="285" r:id="rId2"/>
-    <p:sldId id="287" r:id="rId3"/>
-    <p:sldId id="268" r:id="rId4"/>
-    <p:sldId id="288" r:id="rId5"/>
-    <p:sldId id="290" r:id="rId6"/>
-    <p:sldId id="289" r:id="rId7"/>
-    <p:sldId id="291" r:id="rId8"/>
-    <p:sldId id="286" r:id="rId9"/>
-    <p:sldId id="256" r:id="rId10"/>
-    <p:sldId id="269" r:id="rId11"/>
-    <p:sldId id="275" r:id="rId12"/>
-    <p:sldId id="271" r:id="rId13"/>
-    <p:sldId id="276" r:id="rId14"/>
-    <p:sldId id="277" r:id="rId15"/>
-    <p:sldId id="282" r:id="rId16"/>
-    <p:sldId id="279" r:id="rId17"/>
-    <p:sldId id="283" r:id="rId18"/>
-    <p:sldId id="284" r:id="rId19"/>
+    <p:sldId id="296" r:id="rId3"/>
+    <p:sldId id="287" r:id="rId4"/>
+    <p:sldId id="268" r:id="rId5"/>
+    <p:sldId id="288" r:id="rId6"/>
+    <p:sldId id="290" r:id="rId7"/>
+    <p:sldId id="289" r:id="rId8"/>
+    <p:sldId id="292" r:id="rId9"/>
+    <p:sldId id="293" r:id="rId10"/>
+    <p:sldId id="294" r:id="rId11"/>
+    <p:sldId id="295" r:id="rId12"/>
+    <p:sldId id="297" r:id="rId13"/>
+    <p:sldId id="298" r:id="rId14"/>
+    <p:sldId id="299" r:id="rId15"/>
+    <p:sldId id="300" r:id="rId16"/>
+    <p:sldId id="301" r:id="rId17"/>
+    <p:sldId id="302" r:id="rId18"/>
+    <p:sldId id="303" r:id="rId19"/>
+    <p:sldId id="291" r:id="rId20"/>
+    <p:sldId id="286" r:id="rId21"/>
+    <p:sldId id="256" r:id="rId22"/>
+    <p:sldId id="269" r:id="rId23"/>
+    <p:sldId id="275" r:id="rId24"/>
+    <p:sldId id="271" r:id="rId25"/>
+    <p:sldId id="276" r:id="rId26"/>
+    <p:sldId id="277" r:id="rId27"/>
+    <p:sldId id="282" r:id="rId28"/>
+    <p:sldId id="279" r:id="rId29"/>
+    <p:sldId id="283" r:id="rId30"/>
+    <p:sldId id="284" r:id="rId31"/>
   </p:sldIdLst>
   <p:sldSz cx="12192000" cy="6858000"/>
   <p:notesSz cx="6858000" cy="9144000"/>
@@ -3058,7 +3070,7 @@
           <a:p>
             <a:fld id="{500455EF-361E-4070-8C1A-88C48059B2BF}" type="datetimeFigureOut">
               <a:rPr lang="it-IT" smtClean="0"/>
-              <a:t>28/01/2025</a:t>
+              <a:t>29/01/2025</a:t>
             </a:fld>
             <a:endParaRPr lang="it-IT"/>
           </a:p>
@@ -3256,7 +3268,7 @@
           <a:p>
             <a:fld id="{500455EF-361E-4070-8C1A-88C48059B2BF}" type="datetimeFigureOut">
               <a:rPr lang="it-IT" smtClean="0"/>
-              <a:t>28/01/2025</a:t>
+              <a:t>29/01/2025</a:t>
             </a:fld>
             <a:endParaRPr lang="it-IT"/>
           </a:p>
@@ -3831,10 +3843,10 @@
         </p:nvGrpSpPr>
         <p:grpSpPr>
           <a:xfrm>
-            <a:off x="1643692" y="2163068"/>
-            <a:ext cx="8904617" cy="1004162"/>
-            <a:chOff x="1643688" y="2144018"/>
-            <a:chExt cx="8904617" cy="1004162"/>
+            <a:off x="1643692" y="2201168"/>
+            <a:ext cx="8904617" cy="966062"/>
+            <a:chOff x="1643688" y="2182118"/>
+            <a:chExt cx="8904617" cy="966062"/>
           </a:xfrm>
         </p:grpSpPr>
         <p:sp>
@@ -3907,7 +3919,7 @@
           </p:nvSpPr>
           <p:spPr>
             <a:xfrm>
-              <a:off x="3518138" y="2144018"/>
+              <a:off x="3518138" y="2182118"/>
               <a:ext cx="5155721" cy="307777"/>
             </a:xfrm>
             <a:prstGeom prst="rect">
@@ -4355,6 +4367,4874 @@
     <p:bg>
       <p:bgPr>
         <a:solidFill>
+          <a:srgbClr val="463F3A"/>
+        </a:solidFill>
+        <a:effectLst/>
+      </p:bgPr>
+    </p:bg>
+    <p:spTree>
+      <p:nvGrpSpPr>
+        <p:cNvPr id="1" name="">
+          <a:extLst>
+            <a:ext uri="{FF2B5EF4-FFF2-40B4-BE49-F238E27FC236}">
+              <a16:creationId xmlns:a16="http://schemas.microsoft.com/office/drawing/2014/main" id="{AA9F9D1A-6E46-F814-D636-BAB52458463D}"/>
+            </a:ext>
+          </a:extLst>
+        </p:cNvPr>
+        <p:cNvGrpSpPr/>
+        <p:nvPr/>
+      </p:nvGrpSpPr>
+      <p:grpSpPr>
+        <a:xfrm>
+          <a:off x="0" y="0"/>
+          <a:ext cx="0" cy="0"/>
+          <a:chOff x="0" y="0"/>
+          <a:chExt cx="0" cy="0"/>
+        </a:xfrm>
+      </p:grpSpPr>
+      <p:pic>
+        <p:nvPicPr>
+          <p:cNvPr id="3" name="Immagine 2">
+            <a:extLst>
+              <a:ext uri="{FF2B5EF4-FFF2-40B4-BE49-F238E27FC236}">
+                <a16:creationId xmlns:a16="http://schemas.microsoft.com/office/drawing/2014/main" id="{DC3E7AF2-F7AD-4557-9F6B-F142F9CB9110}"/>
+              </a:ext>
+            </a:extLst>
+          </p:cNvPr>
+          <p:cNvPicPr>
+            <a:picLocks noChangeAspect="1"/>
+          </p:cNvPicPr>
+          <p:nvPr/>
+        </p:nvPicPr>
+        <p:blipFill>
+          <a:blip r:embed="rId2"/>
+          <a:stretch>
+            <a:fillRect/>
+          </a:stretch>
+        </p:blipFill>
+        <p:spPr>
+          <a:xfrm>
+            <a:off x="2130058" y="-552450"/>
+            <a:ext cx="7931884" cy="4238706"/>
+          </a:xfrm>
+          <a:prstGeom prst="rect">
+            <a:avLst/>
+          </a:prstGeom>
+        </p:spPr>
+      </p:pic>
+      <p:pic>
+        <p:nvPicPr>
+          <p:cNvPr id="5" name="Immagine 4">
+            <a:extLst>
+              <a:ext uri="{FF2B5EF4-FFF2-40B4-BE49-F238E27FC236}">
+                <a16:creationId xmlns:a16="http://schemas.microsoft.com/office/drawing/2014/main" id="{AED4A5EE-4FA2-C2E9-232D-9C5A6AD74A90}"/>
+              </a:ext>
+            </a:extLst>
+          </p:cNvPr>
+          <p:cNvPicPr>
+            <a:picLocks noChangeAspect="1"/>
+          </p:cNvPicPr>
+          <p:nvPr/>
+        </p:nvPicPr>
+        <p:blipFill>
+          <a:blip r:embed="rId3"/>
+          <a:stretch>
+            <a:fillRect/>
+          </a:stretch>
+        </p:blipFill>
+        <p:spPr>
+          <a:xfrm>
+            <a:off x="2266950" y="2619294"/>
+            <a:ext cx="7931884" cy="4238706"/>
+          </a:xfrm>
+          <a:prstGeom prst="rect">
+            <a:avLst/>
+          </a:prstGeom>
+        </p:spPr>
+      </p:pic>
+    </p:spTree>
+    <p:extLst>
+      <p:ext uri="{BB962C8B-B14F-4D97-AF65-F5344CB8AC3E}">
+        <p14:creationId xmlns:p14="http://schemas.microsoft.com/office/powerpoint/2010/main" val="3503238415"/>
+      </p:ext>
+    </p:extLst>
+  </p:cSld>
+  <p:clrMapOvr>
+    <a:masterClrMapping/>
+  </p:clrMapOvr>
+</p:sld>
+</file>
+
+<file path=ppt/slides/slide11.xml><?xml version="1.0" encoding="utf-8"?>
+<p:sld xmlns:a="http://schemas.openxmlformats.org/drawingml/2006/main" xmlns:r="http://schemas.openxmlformats.org/officeDocument/2006/relationships" xmlns:p="http://schemas.openxmlformats.org/presentationml/2006/main">
+  <p:cSld>
+    <p:bg>
+      <p:bgPr>
+        <a:solidFill>
+          <a:srgbClr val="463F3A"/>
+        </a:solidFill>
+        <a:effectLst/>
+      </p:bgPr>
+    </p:bg>
+    <p:spTree>
+      <p:nvGrpSpPr>
+        <p:cNvPr id="1" name="">
+          <a:extLst>
+            <a:ext uri="{FF2B5EF4-FFF2-40B4-BE49-F238E27FC236}">
+              <a16:creationId xmlns:a16="http://schemas.microsoft.com/office/drawing/2014/main" id="{B7FF99A9-C507-734B-9495-5E140802B78C}"/>
+            </a:ext>
+          </a:extLst>
+        </p:cNvPr>
+        <p:cNvGrpSpPr/>
+        <p:nvPr/>
+      </p:nvGrpSpPr>
+      <p:grpSpPr>
+        <a:xfrm>
+          <a:off x="0" y="0"/>
+          <a:ext cx="0" cy="0"/>
+          <a:chOff x="0" y="0"/>
+          <a:chExt cx="0" cy="0"/>
+        </a:xfrm>
+      </p:grpSpPr>
+      <p:sp>
+        <p:nvSpPr>
+          <p:cNvPr id="2" name="CasellaDiTesto 1">
+            <a:extLst>
+              <a:ext uri="{FF2B5EF4-FFF2-40B4-BE49-F238E27FC236}">
+                <a16:creationId xmlns:a16="http://schemas.microsoft.com/office/drawing/2014/main" id="{CD383918-0880-4A70-C995-E243FED2F57B}"/>
+              </a:ext>
+            </a:extLst>
+          </p:cNvPr>
+          <p:cNvSpPr txBox="1"/>
+          <p:nvPr/>
+        </p:nvSpPr>
+        <p:spPr>
+          <a:xfrm>
+            <a:off x="2241761" y="1576354"/>
+            <a:ext cx="7861462" cy="400110"/>
+          </a:xfrm>
+          <a:prstGeom prst="rect">
+            <a:avLst/>
+          </a:prstGeom>
+          <a:noFill/>
+        </p:spPr>
+        <p:txBody>
+          <a:bodyPr wrap="square" rtlCol="0">
+            <a:spAutoFit/>
+          </a:bodyPr>
+          <a:lstStyle/>
+          <a:p>
+            <a:pPr algn="ctr"/>
+            <a:r>
+              <a:rPr lang="en-US" sz="2000" b="1" spc="600" noProof="0">
+                <a:solidFill>
+                  <a:srgbClr val="F4F3EE"/>
+                </a:solidFill>
+              </a:rPr>
+              <a:t>RESULTS WITH FOLLOWIN SETTING:</a:t>
+            </a:r>
+            <a:endParaRPr lang="en-US" sz="2000" spc="600" noProof="0" dirty="0">
+              <a:solidFill>
+                <a:srgbClr val="F4F3EE"/>
+              </a:solidFill>
+            </a:endParaRPr>
+          </a:p>
+        </p:txBody>
+      </p:sp>
+      <p:sp>
+        <p:nvSpPr>
+          <p:cNvPr id="5" name="CasellaDiTesto 4">
+            <a:extLst>
+              <a:ext uri="{FF2B5EF4-FFF2-40B4-BE49-F238E27FC236}">
+                <a16:creationId xmlns:a16="http://schemas.microsoft.com/office/drawing/2014/main" id="{7109AD39-AD20-65CF-B858-893C6D767E56}"/>
+              </a:ext>
+            </a:extLst>
+          </p:cNvPr>
+          <p:cNvSpPr txBox="1"/>
+          <p:nvPr/>
+        </p:nvSpPr>
+        <p:spPr>
+          <a:xfrm>
+            <a:off x="2931459" y="1903313"/>
+            <a:ext cx="6185646" cy="2199769"/>
+          </a:xfrm>
+          <a:prstGeom prst="rect">
+            <a:avLst/>
+          </a:prstGeom>
+          <a:noFill/>
+        </p:spPr>
+        <p:txBody>
+          <a:bodyPr wrap="square">
+            <a:spAutoFit/>
+          </a:bodyPr>
+          <a:lstStyle/>
+          <a:p>
+            <a:pPr>
+              <a:lnSpc>
+                <a:spcPts val="1500"/>
+              </a:lnSpc>
+            </a:pPr>
+            <a:r>
+              <a:rPr lang="en-US" sz="1200" b="0" dirty="0">
+                <a:solidFill>
+                  <a:srgbClr val="676F7D"/>
+                </a:solidFill>
+                <a:effectLst/>
+                <a:latin typeface="Consolas" panose="020B0609020204030204" pitchFamily="49" charset="0"/>
+              </a:rPr>
+              <a:t># Number of times the protocol is executed for each setting</a:t>
+            </a:r>
+            <a:endParaRPr lang="en-US" sz="1200" b="0" dirty="0">
+              <a:solidFill>
+                <a:srgbClr val="BBBBBB"/>
+              </a:solidFill>
+              <a:effectLst/>
+              <a:latin typeface="Consolas" panose="020B0609020204030204" pitchFamily="49" charset="0"/>
+            </a:endParaRPr>
+          </a:p>
+          <a:p>
+            <a:pPr>
+              <a:lnSpc>
+                <a:spcPts val="1500"/>
+              </a:lnSpc>
+            </a:pPr>
+            <a:r>
+              <a:rPr lang="en-US" sz="1200" b="0" dirty="0">
+                <a:solidFill>
+                  <a:srgbClr val="BBBBBB"/>
+                </a:solidFill>
+                <a:effectLst/>
+                <a:latin typeface="Consolas" panose="020B0609020204030204" pitchFamily="49" charset="0"/>
+              </a:rPr>
+              <a:t>n </a:t>
+            </a:r>
+            <a:r>
+              <a:rPr lang="en-US" sz="1200" b="0" dirty="0">
+                <a:solidFill>
+                  <a:srgbClr val="E06C75"/>
+                </a:solidFill>
+                <a:effectLst/>
+                <a:latin typeface="Consolas" panose="020B0609020204030204" pitchFamily="49" charset="0"/>
+              </a:rPr>
+              <a:t>=</a:t>
+            </a:r>
+            <a:r>
+              <a:rPr lang="en-US" sz="1200" b="0" dirty="0">
+                <a:solidFill>
+                  <a:srgbClr val="BBBBBB"/>
+                </a:solidFill>
+                <a:effectLst/>
+                <a:latin typeface="Consolas" panose="020B0609020204030204" pitchFamily="49" charset="0"/>
+              </a:rPr>
+              <a:t> </a:t>
+            </a:r>
+            <a:r>
+              <a:rPr lang="en-US" sz="1200" b="0" dirty="0">
+                <a:solidFill>
+                  <a:srgbClr val="C678DD"/>
+                </a:solidFill>
+                <a:effectLst/>
+                <a:latin typeface="Consolas" panose="020B0609020204030204" pitchFamily="49" charset="0"/>
+              </a:rPr>
+              <a:t>30</a:t>
+            </a:r>
+            <a:endParaRPr lang="en-US" sz="1200" b="0" dirty="0">
+              <a:solidFill>
+                <a:srgbClr val="BBBBBB"/>
+              </a:solidFill>
+              <a:effectLst/>
+              <a:latin typeface="Consolas" panose="020B0609020204030204" pitchFamily="49" charset="0"/>
+            </a:endParaRPr>
+          </a:p>
+          <a:p>
+            <a:pPr>
+              <a:lnSpc>
+                <a:spcPts val="1500"/>
+              </a:lnSpc>
+            </a:pPr>
+            <a:br>
+              <a:rPr lang="en-US" sz="1200" b="0" dirty="0">
+                <a:solidFill>
+                  <a:srgbClr val="BBBBBB"/>
+                </a:solidFill>
+                <a:effectLst/>
+                <a:latin typeface="Consolas" panose="020B0609020204030204" pitchFamily="49" charset="0"/>
+              </a:rPr>
+            </a:br>
+            <a:r>
+              <a:rPr lang="en-US" sz="1200" b="0" dirty="0">
+                <a:solidFill>
+                  <a:srgbClr val="676F7D"/>
+                </a:solidFill>
+                <a:effectLst/>
+                <a:latin typeface="Consolas" panose="020B0609020204030204" pitchFamily="49" charset="0"/>
+              </a:rPr>
+              <a:t># Theta values to be used for the generation of the Werner States</a:t>
+            </a:r>
+            <a:endParaRPr lang="en-US" sz="1200" b="0" dirty="0">
+              <a:solidFill>
+                <a:srgbClr val="BBBBBB"/>
+              </a:solidFill>
+              <a:effectLst/>
+              <a:latin typeface="Consolas" panose="020B0609020204030204" pitchFamily="49" charset="0"/>
+            </a:endParaRPr>
+          </a:p>
+          <a:p>
+            <a:pPr>
+              <a:lnSpc>
+                <a:spcPts val="1500"/>
+              </a:lnSpc>
+            </a:pPr>
+            <a:r>
+              <a:rPr lang="en-US" sz="1200" b="0" dirty="0" err="1">
+                <a:solidFill>
+                  <a:srgbClr val="BBBBBB"/>
+                </a:solidFill>
+                <a:effectLst/>
+                <a:latin typeface="Consolas" panose="020B0609020204030204" pitchFamily="49" charset="0"/>
+              </a:rPr>
+              <a:t>theta_values</a:t>
+            </a:r>
+            <a:r>
+              <a:rPr lang="en-US" sz="1200" b="0" dirty="0">
+                <a:solidFill>
+                  <a:srgbClr val="BBBBBB"/>
+                </a:solidFill>
+                <a:effectLst/>
+                <a:latin typeface="Consolas" panose="020B0609020204030204" pitchFamily="49" charset="0"/>
+              </a:rPr>
+              <a:t> </a:t>
+            </a:r>
+            <a:r>
+              <a:rPr lang="en-US" sz="1200" b="0" dirty="0">
+                <a:solidFill>
+                  <a:srgbClr val="E06C75"/>
+                </a:solidFill>
+                <a:effectLst/>
+                <a:latin typeface="Consolas" panose="020B0609020204030204" pitchFamily="49" charset="0"/>
+              </a:rPr>
+              <a:t>=</a:t>
+            </a:r>
+            <a:r>
+              <a:rPr lang="en-US" sz="1200" b="0" dirty="0">
+                <a:solidFill>
+                  <a:srgbClr val="BBBBBB"/>
+                </a:solidFill>
+                <a:effectLst/>
+                <a:latin typeface="Consolas" panose="020B0609020204030204" pitchFamily="49" charset="0"/>
+              </a:rPr>
+              <a:t> </a:t>
+            </a:r>
+            <a:r>
+              <a:rPr lang="en-US" sz="1200" b="0" dirty="0" err="1">
+                <a:solidFill>
+                  <a:srgbClr val="BBBBBB"/>
+                </a:solidFill>
+                <a:effectLst/>
+                <a:latin typeface="Consolas" panose="020B0609020204030204" pitchFamily="49" charset="0"/>
+              </a:rPr>
+              <a:t>np</a:t>
+            </a:r>
+            <a:r>
+              <a:rPr lang="en-US" sz="1200" b="0" dirty="0" err="1">
+                <a:solidFill>
+                  <a:srgbClr val="ABB2BF"/>
+                </a:solidFill>
+                <a:effectLst/>
+                <a:latin typeface="Consolas" panose="020B0609020204030204" pitchFamily="49" charset="0"/>
+              </a:rPr>
+              <a:t>.</a:t>
+            </a:r>
+            <a:r>
+              <a:rPr lang="en-US" sz="1200" b="0" dirty="0" err="1">
+                <a:solidFill>
+                  <a:srgbClr val="BBBBBB"/>
+                </a:solidFill>
+                <a:effectLst/>
+                <a:latin typeface="Consolas" panose="020B0609020204030204" pitchFamily="49" charset="0"/>
+              </a:rPr>
+              <a:t>linspace</a:t>
+            </a:r>
+            <a:r>
+              <a:rPr lang="en-US" sz="1200" b="0" dirty="0">
+                <a:solidFill>
+                  <a:srgbClr val="BBBBBB"/>
+                </a:solidFill>
+                <a:effectLst/>
+                <a:latin typeface="Consolas" panose="020B0609020204030204" pitchFamily="49" charset="0"/>
+              </a:rPr>
+              <a:t>(</a:t>
+            </a:r>
+            <a:r>
+              <a:rPr lang="en-US" sz="1200" b="0" dirty="0">
+                <a:solidFill>
+                  <a:srgbClr val="C678DD"/>
+                </a:solidFill>
+                <a:effectLst/>
+                <a:latin typeface="Consolas" panose="020B0609020204030204" pitchFamily="49" charset="0"/>
+              </a:rPr>
+              <a:t>0</a:t>
+            </a:r>
+            <a:r>
+              <a:rPr lang="en-US" sz="1200" b="0" dirty="0">
+                <a:solidFill>
+                  <a:srgbClr val="ABB2BF"/>
+                </a:solidFill>
+                <a:effectLst/>
+                <a:latin typeface="Consolas" panose="020B0609020204030204" pitchFamily="49" charset="0"/>
+              </a:rPr>
+              <a:t>,</a:t>
+            </a:r>
+            <a:r>
+              <a:rPr lang="en-US" sz="1200" b="0" dirty="0">
+                <a:solidFill>
+                  <a:srgbClr val="BBBBBB"/>
+                </a:solidFill>
+                <a:effectLst/>
+                <a:latin typeface="Consolas" panose="020B0609020204030204" pitchFamily="49" charset="0"/>
+              </a:rPr>
+              <a:t> </a:t>
+            </a:r>
+            <a:r>
+              <a:rPr lang="en-US" sz="1200" b="0" dirty="0" err="1">
+                <a:solidFill>
+                  <a:srgbClr val="BBBBBB"/>
+                </a:solidFill>
+                <a:effectLst/>
+                <a:latin typeface="Consolas" panose="020B0609020204030204" pitchFamily="49" charset="0"/>
+              </a:rPr>
+              <a:t>np</a:t>
+            </a:r>
+            <a:r>
+              <a:rPr lang="en-US" sz="1200" b="0" dirty="0" err="1">
+                <a:solidFill>
+                  <a:srgbClr val="ABB2BF"/>
+                </a:solidFill>
+                <a:effectLst/>
+                <a:latin typeface="Consolas" panose="020B0609020204030204" pitchFamily="49" charset="0"/>
+              </a:rPr>
+              <a:t>.</a:t>
+            </a:r>
+            <a:r>
+              <a:rPr lang="en-US" sz="1200" b="0" dirty="0" err="1">
+                <a:solidFill>
+                  <a:srgbClr val="BBBBBB"/>
+                </a:solidFill>
+                <a:effectLst/>
+                <a:latin typeface="Consolas" panose="020B0609020204030204" pitchFamily="49" charset="0"/>
+              </a:rPr>
+              <a:t>pi</a:t>
+            </a:r>
+            <a:r>
+              <a:rPr lang="en-US" sz="1200" b="0" dirty="0">
+                <a:solidFill>
+                  <a:srgbClr val="ABB2BF"/>
+                </a:solidFill>
+                <a:effectLst/>
+                <a:latin typeface="Consolas" panose="020B0609020204030204" pitchFamily="49" charset="0"/>
+              </a:rPr>
+              <a:t>,</a:t>
+            </a:r>
+            <a:r>
+              <a:rPr lang="en-US" sz="1200" b="0" dirty="0">
+                <a:solidFill>
+                  <a:srgbClr val="BBBBBB"/>
+                </a:solidFill>
+                <a:effectLst/>
+                <a:latin typeface="Consolas" panose="020B0609020204030204" pitchFamily="49" charset="0"/>
+              </a:rPr>
+              <a:t> </a:t>
+            </a:r>
+            <a:r>
+              <a:rPr lang="en-US" sz="1200" b="0" dirty="0">
+                <a:solidFill>
+                  <a:srgbClr val="C678DD"/>
+                </a:solidFill>
+                <a:effectLst/>
+                <a:latin typeface="Consolas" panose="020B0609020204030204" pitchFamily="49" charset="0"/>
+              </a:rPr>
+              <a:t>15</a:t>
+            </a:r>
+            <a:r>
+              <a:rPr lang="en-US" sz="1200" b="0" dirty="0">
+                <a:solidFill>
+                  <a:srgbClr val="BBBBBB"/>
+                </a:solidFill>
+                <a:effectLst/>
+                <a:latin typeface="Consolas" panose="020B0609020204030204" pitchFamily="49" charset="0"/>
+              </a:rPr>
+              <a:t>)</a:t>
+            </a:r>
+          </a:p>
+          <a:p>
+            <a:pPr>
+              <a:lnSpc>
+                <a:spcPts val="1500"/>
+              </a:lnSpc>
+            </a:pPr>
+            <a:br>
+              <a:rPr lang="en-US" sz="1200" b="0" dirty="0">
+                <a:solidFill>
+                  <a:srgbClr val="BBBBBB"/>
+                </a:solidFill>
+                <a:effectLst/>
+                <a:latin typeface="Consolas" panose="020B0609020204030204" pitchFamily="49" charset="0"/>
+              </a:rPr>
+            </a:br>
+            <a:r>
+              <a:rPr lang="en-US" sz="1200" b="0" dirty="0">
+                <a:solidFill>
+                  <a:srgbClr val="676F7D"/>
+                </a:solidFill>
+                <a:effectLst/>
+                <a:latin typeface="Consolas" panose="020B0609020204030204" pitchFamily="49" charset="0"/>
+              </a:rPr>
+              <a:t># Whether Eve is eavesdropping or not</a:t>
+            </a:r>
+            <a:endParaRPr lang="en-US" sz="1200" b="0" dirty="0">
+              <a:solidFill>
+                <a:srgbClr val="BBBBBB"/>
+              </a:solidFill>
+              <a:effectLst/>
+              <a:latin typeface="Consolas" panose="020B0609020204030204" pitchFamily="49" charset="0"/>
+            </a:endParaRPr>
+          </a:p>
+          <a:p>
+            <a:pPr>
+              <a:lnSpc>
+                <a:spcPts val="1500"/>
+              </a:lnSpc>
+            </a:pPr>
+            <a:r>
+              <a:rPr lang="en-US" sz="1200" b="0" dirty="0">
+                <a:solidFill>
+                  <a:srgbClr val="BBBBBB"/>
+                </a:solidFill>
+                <a:effectLst/>
+                <a:latin typeface="Consolas" panose="020B0609020204030204" pitchFamily="49" charset="0"/>
+              </a:rPr>
+              <a:t>eavesdropping </a:t>
+            </a:r>
+            <a:r>
+              <a:rPr lang="en-US" sz="1200" b="0" dirty="0">
+                <a:solidFill>
+                  <a:srgbClr val="E06C75"/>
+                </a:solidFill>
+                <a:effectLst/>
+                <a:latin typeface="Consolas" panose="020B0609020204030204" pitchFamily="49" charset="0"/>
+              </a:rPr>
+              <a:t>=</a:t>
+            </a:r>
+            <a:r>
+              <a:rPr lang="en-US" sz="1200" b="0" dirty="0">
+                <a:solidFill>
+                  <a:srgbClr val="BBBBBB"/>
+                </a:solidFill>
+                <a:effectLst/>
+                <a:latin typeface="Consolas" panose="020B0609020204030204" pitchFamily="49" charset="0"/>
+              </a:rPr>
+              <a:t> </a:t>
+            </a:r>
+            <a:r>
+              <a:rPr lang="en-US" sz="1200" b="0" dirty="0">
+                <a:solidFill>
+                  <a:srgbClr val="56B6C2"/>
+                </a:solidFill>
+                <a:effectLst/>
+                <a:latin typeface="Consolas" panose="020B0609020204030204" pitchFamily="49" charset="0"/>
+              </a:rPr>
+              <a:t>False</a:t>
+            </a:r>
+            <a:endParaRPr lang="en-US" sz="1200" b="0" dirty="0">
+              <a:solidFill>
+                <a:srgbClr val="BBBBBB"/>
+              </a:solidFill>
+              <a:effectLst/>
+              <a:latin typeface="Consolas" panose="020B0609020204030204" pitchFamily="49" charset="0"/>
+            </a:endParaRPr>
+          </a:p>
+          <a:p>
+            <a:pPr>
+              <a:lnSpc>
+                <a:spcPts val="1500"/>
+              </a:lnSpc>
+            </a:pPr>
+            <a:br>
+              <a:rPr lang="en-US" sz="1200" b="0" dirty="0">
+                <a:solidFill>
+                  <a:srgbClr val="BBBBBB"/>
+                </a:solidFill>
+                <a:effectLst/>
+                <a:latin typeface="Consolas" panose="020B0609020204030204" pitchFamily="49" charset="0"/>
+              </a:rPr>
+            </a:br>
+            <a:r>
+              <a:rPr lang="en-US" sz="1200" b="0" dirty="0">
+                <a:solidFill>
+                  <a:srgbClr val="676F7D"/>
+                </a:solidFill>
+                <a:effectLst/>
+                <a:latin typeface="Consolas" panose="020B0609020204030204" pitchFamily="49" charset="0"/>
+              </a:rPr>
+              <a:t># Number of EPR pairs to be generated in one execution of the protocol</a:t>
+            </a:r>
+            <a:endParaRPr lang="en-US" sz="1200" b="0" dirty="0">
+              <a:solidFill>
+                <a:srgbClr val="BBBBBB"/>
+              </a:solidFill>
+              <a:effectLst/>
+              <a:latin typeface="Consolas" panose="020B0609020204030204" pitchFamily="49" charset="0"/>
+            </a:endParaRPr>
+          </a:p>
+          <a:p>
+            <a:pPr>
+              <a:lnSpc>
+                <a:spcPts val="1500"/>
+              </a:lnSpc>
+            </a:pPr>
+            <a:r>
+              <a:rPr lang="en-US" sz="1200" b="0" dirty="0" err="1">
+                <a:solidFill>
+                  <a:srgbClr val="BBBBBB"/>
+                </a:solidFill>
+                <a:effectLst/>
+                <a:latin typeface="Consolas" panose="020B0609020204030204" pitchFamily="49" charset="0"/>
+              </a:rPr>
+              <a:t>epr_pairs</a:t>
+            </a:r>
+            <a:r>
+              <a:rPr lang="en-US" sz="1200" b="0" dirty="0">
+                <a:solidFill>
+                  <a:srgbClr val="BBBBBB"/>
+                </a:solidFill>
+                <a:effectLst/>
+                <a:latin typeface="Consolas" panose="020B0609020204030204" pitchFamily="49" charset="0"/>
+              </a:rPr>
+              <a:t> </a:t>
+            </a:r>
+            <a:r>
+              <a:rPr lang="en-US" sz="1200" b="0" dirty="0">
+                <a:solidFill>
+                  <a:srgbClr val="E06C75"/>
+                </a:solidFill>
+                <a:effectLst/>
+                <a:latin typeface="Consolas" panose="020B0609020204030204" pitchFamily="49" charset="0"/>
+              </a:rPr>
+              <a:t>=</a:t>
+            </a:r>
+            <a:r>
+              <a:rPr lang="en-US" sz="1200" b="0" dirty="0">
+                <a:solidFill>
+                  <a:srgbClr val="BBBBBB"/>
+                </a:solidFill>
+                <a:effectLst/>
+                <a:latin typeface="Consolas" panose="020B0609020204030204" pitchFamily="49" charset="0"/>
+              </a:rPr>
+              <a:t> </a:t>
+            </a:r>
+            <a:r>
+              <a:rPr lang="it-IT" sz="1200" b="0" dirty="0">
+                <a:solidFill>
+                  <a:srgbClr val="C678DD"/>
+                </a:solidFill>
+                <a:effectLst/>
+                <a:latin typeface="Consolas" panose="020B0609020204030204" pitchFamily="49" charset="0"/>
+              </a:rPr>
+              <a:t>1000</a:t>
+            </a:r>
+            <a:endParaRPr lang="it-IT" sz="1200" b="0" dirty="0">
+              <a:solidFill>
+                <a:srgbClr val="BBBBBB"/>
+              </a:solidFill>
+              <a:effectLst/>
+              <a:latin typeface="Consolas" panose="020B0609020204030204" pitchFamily="49" charset="0"/>
+            </a:endParaRPr>
+          </a:p>
+        </p:txBody>
+      </p:sp>
+    </p:spTree>
+    <p:extLst>
+      <p:ext uri="{BB962C8B-B14F-4D97-AF65-F5344CB8AC3E}">
+        <p14:creationId xmlns:p14="http://schemas.microsoft.com/office/powerpoint/2010/main" val="3412683463"/>
+      </p:ext>
+    </p:extLst>
+  </p:cSld>
+  <p:clrMapOvr>
+    <a:masterClrMapping/>
+  </p:clrMapOvr>
+</p:sld>
+</file>
+
+<file path=ppt/slides/slide12.xml><?xml version="1.0" encoding="utf-8"?>
+<p:sld xmlns:a="http://schemas.openxmlformats.org/drawingml/2006/main" xmlns:r="http://schemas.openxmlformats.org/officeDocument/2006/relationships" xmlns:p="http://schemas.openxmlformats.org/presentationml/2006/main">
+  <p:cSld>
+    <p:bg>
+      <p:bgPr>
+        <a:solidFill>
+          <a:srgbClr val="463F3A"/>
+        </a:solidFill>
+        <a:effectLst/>
+      </p:bgPr>
+    </p:bg>
+    <p:spTree>
+      <p:nvGrpSpPr>
+        <p:cNvPr id="1" name="">
+          <a:extLst>
+            <a:ext uri="{FF2B5EF4-FFF2-40B4-BE49-F238E27FC236}">
+              <a16:creationId xmlns:a16="http://schemas.microsoft.com/office/drawing/2014/main" id="{F0C17A6F-A5BA-CDF9-414B-199A64188FC8}"/>
+            </a:ext>
+          </a:extLst>
+        </p:cNvPr>
+        <p:cNvGrpSpPr/>
+        <p:nvPr/>
+      </p:nvGrpSpPr>
+      <p:grpSpPr>
+        <a:xfrm>
+          <a:off x="0" y="0"/>
+          <a:ext cx="0" cy="0"/>
+          <a:chOff x="0" y="0"/>
+          <a:chExt cx="0" cy="0"/>
+        </a:xfrm>
+      </p:grpSpPr>
+      <p:pic>
+        <p:nvPicPr>
+          <p:cNvPr id="4" name="Immagine 3">
+            <a:extLst>
+              <a:ext uri="{FF2B5EF4-FFF2-40B4-BE49-F238E27FC236}">
+                <a16:creationId xmlns:a16="http://schemas.microsoft.com/office/drawing/2014/main" id="{1802E09E-FEB5-CE3E-3B8C-685C1E0792A4}"/>
+              </a:ext>
+            </a:extLst>
+          </p:cNvPr>
+          <p:cNvPicPr>
+            <a:picLocks noChangeAspect="1"/>
+          </p:cNvPicPr>
+          <p:nvPr/>
+        </p:nvPicPr>
+        <p:blipFill>
+          <a:blip r:embed="rId2"/>
+          <a:stretch>
+            <a:fillRect/>
+          </a:stretch>
+        </p:blipFill>
+        <p:spPr>
+          <a:xfrm>
+            <a:off x="1362075" y="-66676"/>
+            <a:ext cx="8520080" cy="4553031"/>
+          </a:xfrm>
+          <a:prstGeom prst="rect">
+            <a:avLst/>
+          </a:prstGeom>
+        </p:spPr>
+      </p:pic>
+      <p:pic>
+        <p:nvPicPr>
+          <p:cNvPr id="7" name="Immagine 6">
+            <a:extLst>
+              <a:ext uri="{FF2B5EF4-FFF2-40B4-BE49-F238E27FC236}">
+                <a16:creationId xmlns:a16="http://schemas.microsoft.com/office/drawing/2014/main" id="{3467A05B-3E85-BC33-40A3-532C02831868}"/>
+              </a:ext>
+            </a:extLst>
+          </p:cNvPr>
+          <p:cNvPicPr>
+            <a:picLocks noChangeAspect="1"/>
+          </p:cNvPicPr>
+          <p:nvPr/>
+        </p:nvPicPr>
+        <p:blipFill>
+          <a:blip r:embed="rId3"/>
+          <a:stretch>
+            <a:fillRect/>
+          </a:stretch>
+        </p:blipFill>
+        <p:spPr>
+          <a:xfrm>
+            <a:off x="1509680" y="3212602"/>
+            <a:ext cx="8372475" cy="4474153"/>
+          </a:xfrm>
+          <a:prstGeom prst="rect">
+            <a:avLst/>
+          </a:prstGeom>
+        </p:spPr>
+      </p:pic>
+    </p:spTree>
+    <p:extLst>
+      <p:ext uri="{BB962C8B-B14F-4D97-AF65-F5344CB8AC3E}">
+        <p14:creationId xmlns:p14="http://schemas.microsoft.com/office/powerpoint/2010/main" val="1078289415"/>
+      </p:ext>
+    </p:extLst>
+  </p:cSld>
+  <p:clrMapOvr>
+    <a:masterClrMapping/>
+  </p:clrMapOvr>
+</p:sld>
+</file>
+
+<file path=ppt/slides/slide13.xml><?xml version="1.0" encoding="utf-8"?>
+<p:sld xmlns:a="http://schemas.openxmlformats.org/drawingml/2006/main" xmlns:r="http://schemas.openxmlformats.org/officeDocument/2006/relationships" xmlns:p="http://schemas.openxmlformats.org/presentationml/2006/main">
+  <p:cSld>
+    <p:bg>
+      <p:bgPr>
+        <a:solidFill>
+          <a:srgbClr val="463F3A"/>
+        </a:solidFill>
+        <a:effectLst/>
+      </p:bgPr>
+    </p:bg>
+    <p:spTree>
+      <p:nvGrpSpPr>
+        <p:cNvPr id="1" name="">
+          <a:extLst>
+            <a:ext uri="{FF2B5EF4-FFF2-40B4-BE49-F238E27FC236}">
+              <a16:creationId xmlns:a16="http://schemas.microsoft.com/office/drawing/2014/main" id="{D94C57A8-1D08-FED9-1250-FEF65320443E}"/>
+            </a:ext>
+          </a:extLst>
+        </p:cNvPr>
+        <p:cNvGrpSpPr/>
+        <p:nvPr/>
+      </p:nvGrpSpPr>
+      <p:grpSpPr>
+        <a:xfrm>
+          <a:off x="0" y="0"/>
+          <a:ext cx="0" cy="0"/>
+          <a:chOff x="0" y="0"/>
+          <a:chExt cx="0" cy="0"/>
+        </a:xfrm>
+      </p:grpSpPr>
+      <p:pic>
+        <p:nvPicPr>
+          <p:cNvPr id="3" name="Immagine 2">
+            <a:extLst>
+              <a:ext uri="{FF2B5EF4-FFF2-40B4-BE49-F238E27FC236}">
+                <a16:creationId xmlns:a16="http://schemas.microsoft.com/office/drawing/2014/main" id="{D04FBCA0-6920-C075-F1BB-FEC8FA2C711B}"/>
+              </a:ext>
+            </a:extLst>
+          </p:cNvPr>
+          <p:cNvPicPr>
+            <a:picLocks noChangeAspect="1"/>
+          </p:cNvPicPr>
+          <p:nvPr/>
+        </p:nvPicPr>
+        <p:blipFill>
+          <a:blip r:embed="rId2"/>
+          <a:stretch>
+            <a:fillRect/>
+          </a:stretch>
+        </p:blipFill>
+        <p:spPr>
+          <a:xfrm>
+            <a:off x="2209800" y="-628651"/>
+            <a:ext cx="8039100" cy="4296001"/>
+          </a:xfrm>
+          <a:prstGeom prst="rect">
+            <a:avLst/>
+          </a:prstGeom>
+        </p:spPr>
+      </p:pic>
+      <p:pic>
+        <p:nvPicPr>
+          <p:cNvPr id="5" name="Immagine 4">
+            <a:extLst>
+              <a:ext uri="{FF2B5EF4-FFF2-40B4-BE49-F238E27FC236}">
+                <a16:creationId xmlns:a16="http://schemas.microsoft.com/office/drawing/2014/main" id="{A8EFFA03-C570-6E52-9B12-F6E4C74A2ED0}"/>
+              </a:ext>
+            </a:extLst>
+          </p:cNvPr>
+          <p:cNvPicPr>
+            <a:picLocks noChangeAspect="1"/>
+          </p:cNvPicPr>
+          <p:nvPr/>
+        </p:nvPicPr>
+        <p:blipFill>
+          <a:blip r:embed="rId3"/>
+          <a:stretch>
+            <a:fillRect/>
+          </a:stretch>
+        </p:blipFill>
+        <p:spPr>
+          <a:xfrm>
+            <a:off x="2209800" y="2800204"/>
+            <a:ext cx="8039100" cy="4296001"/>
+          </a:xfrm>
+          <a:prstGeom prst="rect">
+            <a:avLst/>
+          </a:prstGeom>
+        </p:spPr>
+      </p:pic>
+    </p:spTree>
+    <p:extLst>
+      <p:ext uri="{BB962C8B-B14F-4D97-AF65-F5344CB8AC3E}">
+        <p14:creationId xmlns:p14="http://schemas.microsoft.com/office/powerpoint/2010/main" val="2265571867"/>
+      </p:ext>
+    </p:extLst>
+  </p:cSld>
+  <p:clrMapOvr>
+    <a:masterClrMapping/>
+  </p:clrMapOvr>
+</p:sld>
+</file>
+
+<file path=ppt/slides/slide14.xml><?xml version="1.0" encoding="utf-8"?>
+<p:sld xmlns:a="http://schemas.openxmlformats.org/drawingml/2006/main" xmlns:r="http://schemas.openxmlformats.org/officeDocument/2006/relationships" xmlns:p="http://schemas.openxmlformats.org/presentationml/2006/main">
+  <p:cSld>
+    <p:bg>
+      <p:bgPr>
+        <a:solidFill>
+          <a:srgbClr val="463F3A"/>
+        </a:solidFill>
+        <a:effectLst/>
+      </p:bgPr>
+    </p:bg>
+    <p:spTree>
+      <p:nvGrpSpPr>
+        <p:cNvPr id="1" name="">
+          <a:extLst>
+            <a:ext uri="{FF2B5EF4-FFF2-40B4-BE49-F238E27FC236}">
+              <a16:creationId xmlns:a16="http://schemas.microsoft.com/office/drawing/2014/main" id="{76BEA295-54B5-11D6-F7F3-E5CC68217D00}"/>
+            </a:ext>
+          </a:extLst>
+        </p:cNvPr>
+        <p:cNvGrpSpPr/>
+        <p:nvPr/>
+      </p:nvGrpSpPr>
+      <p:grpSpPr>
+        <a:xfrm>
+          <a:off x="0" y="0"/>
+          <a:ext cx="0" cy="0"/>
+          <a:chOff x="0" y="0"/>
+          <a:chExt cx="0" cy="0"/>
+        </a:xfrm>
+      </p:grpSpPr>
+      <p:sp>
+        <p:nvSpPr>
+          <p:cNvPr id="2" name="CasellaDiTesto 1">
+            <a:extLst>
+              <a:ext uri="{FF2B5EF4-FFF2-40B4-BE49-F238E27FC236}">
+                <a16:creationId xmlns:a16="http://schemas.microsoft.com/office/drawing/2014/main" id="{86F6B094-7751-70AA-5F0E-83BB78AACEEC}"/>
+              </a:ext>
+            </a:extLst>
+          </p:cNvPr>
+          <p:cNvSpPr txBox="1"/>
+          <p:nvPr/>
+        </p:nvSpPr>
+        <p:spPr>
+          <a:xfrm>
+            <a:off x="2241761" y="1576354"/>
+            <a:ext cx="7861462" cy="400110"/>
+          </a:xfrm>
+          <a:prstGeom prst="rect">
+            <a:avLst/>
+          </a:prstGeom>
+          <a:noFill/>
+        </p:spPr>
+        <p:txBody>
+          <a:bodyPr wrap="square" rtlCol="0">
+            <a:spAutoFit/>
+          </a:bodyPr>
+          <a:lstStyle/>
+          <a:p>
+            <a:pPr algn="ctr"/>
+            <a:r>
+              <a:rPr lang="en-US" sz="2000" b="1" spc="600" noProof="0">
+                <a:solidFill>
+                  <a:srgbClr val="F4F3EE"/>
+                </a:solidFill>
+              </a:rPr>
+              <a:t>RESULTS WITH FOLLOWIN SETTING:</a:t>
+            </a:r>
+            <a:endParaRPr lang="en-US" sz="2000" spc="600" noProof="0" dirty="0">
+              <a:solidFill>
+                <a:srgbClr val="F4F3EE"/>
+              </a:solidFill>
+            </a:endParaRPr>
+          </a:p>
+        </p:txBody>
+      </p:sp>
+      <p:sp>
+        <p:nvSpPr>
+          <p:cNvPr id="5" name="CasellaDiTesto 4">
+            <a:extLst>
+              <a:ext uri="{FF2B5EF4-FFF2-40B4-BE49-F238E27FC236}">
+                <a16:creationId xmlns:a16="http://schemas.microsoft.com/office/drawing/2014/main" id="{AFC2EA0D-6A91-03F0-FFF3-999C5996FF39}"/>
+              </a:ext>
+            </a:extLst>
+          </p:cNvPr>
+          <p:cNvSpPr txBox="1"/>
+          <p:nvPr/>
+        </p:nvSpPr>
+        <p:spPr>
+          <a:xfrm>
+            <a:off x="2864784" y="1976464"/>
+            <a:ext cx="6185646" cy="2199769"/>
+          </a:xfrm>
+          <a:prstGeom prst="rect">
+            <a:avLst/>
+          </a:prstGeom>
+          <a:noFill/>
+        </p:spPr>
+        <p:txBody>
+          <a:bodyPr wrap="square">
+            <a:spAutoFit/>
+          </a:bodyPr>
+          <a:lstStyle/>
+          <a:p>
+            <a:pPr>
+              <a:lnSpc>
+                <a:spcPts val="1500"/>
+              </a:lnSpc>
+            </a:pPr>
+            <a:r>
+              <a:rPr lang="en-US" sz="1200" b="0" dirty="0">
+                <a:solidFill>
+                  <a:srgbClr val="676F7D"/>
+                </a:solidFill>
+                <a:effectLst/>
+                <a:latin typeface="Consolas" panose="020B0609020204030204" pitchFamily="49" charset="0"/>
+              </a:rPr>
+              <a:t># Number of times the protocol is executed for each setting</a:t>
+            </a:r>
+            <a:endParaRPr lang="en-US" sz="1200" b="0" dirty="0">
+              <a:solidFill>
+                <a:srgbClr val="BBBBBB"/>
+              </a:solidFill>
+              <a:effectLst/>
+              <a:latin typeface="Consolas" panose="020B0609020204030204" pitchFamily="49" charset="0"/>
+            </a:endParaRPr>
+          </a:p>
+          <a:p>
+            <a:pPr>
+              <a:lnSpc>
+                <a:spcPts val="1500"/>
+              </a:lnSpc>
+            </a:pPr>
+            <a:r>
+              <a:rPr lang="en-US" sz="1200" b="0" dirty="0">
+                <a:solidFill>
+                  <a:srgbClr val="BBBBBB"/>
+                </a:solidFill>
+                <a:effectLst/>
+                <a:latin typeface="Consolas" panose="020B0609020204030204" pitchFamily="49" charset="0"/>
+              </a:rPr>
+              <a:t>n </a:t>
+            </a:r>
+            <a:r>
+              <a:rPr lang="en-US" sz="1200" b="0" dirty="0">
+                <a:solidFill>
+                  <a:srgbClr val="E06C75"/>
+                </a:solidFill>
+                <a:effectLst/>
+                <a:latin typeface="Consolas" panose="020B0609020204030204" pitchFamily="49" charset="0"/>
+              </a:rPr>
+              <a:t>=</a:t>
+            </a:r>
+            <a:r>
+              <a:rPr lang="en-US" sz="1200" b="0" dirty="0">
+                <a:solidFill>
+                  <a:srgbClr val="BBBBBB"/>
+                </a:solidFill>
+                <a:effectLst/>
+                <a:latin typeface="Consolas" panose="020B0609020204030204" pitchFamily="49" charset="0"/>
+              </a:rPr>
+              <a:t> </a:t>
+            </a:r>
+            <a:r>
+              <a:rPr lang="en-US" sz="1200" b="0" dirty="0">
+                <a:solidFill>
+                  <a:srgbClr val="C678DD"/>
+                </a:solidFill>
+                <a:effectLst/>
+                <a:latin typeface="Consolas" panose="020B0609020204030204" pitchFamily="49" charset="0"/>
+              </a:rPr>
+              <a:t>30</a:t>
+            </a:r>
+            <a:endParaRPr lang="en-US" sz="1200" b="0" dirty="0">
+              <a:solidFill>
+                <a:srgbClr val="BBBBBB"/>
+              </a:solidFill>
+              <a:effectLst/>
+              <a:latin typeface="Consolas" panose="020B0609020204030204" pitchFamily="49" charset="0"/>
+            </a:endParaRPr>
+          </a:p>
+          <a:p>
+            <a:pPr>
+              <a:lnSpc>
+                <a:spcPts val="1500"/>
+              </a:lnSpc>
+            </a:pPr>
+            <a:br>
+              <a:rPr lang="en-US" sz="1200" b="0" dirty="0">
+                <a:solidFill>
+                  <a:srgbClr val="BBBBBB"/>
+                </a:solidFill>
+                <a:effectLst/>
+                <a:latin typeface="Consolas" panose="020B0609020204030204" pitchFamily="49" charset="0"/>
+              </a:rPr>
+            </a:br>
+            <a:r>
+              <a:rPr lang="en-US" sz="1200" b="0" dirty="0">
+                <a:solidFill>
+                  <a:srgbClr val="676F7D"/>
+                </a:solidFill>
+                <a:effectLst/>
+                <a:latin typeface="Consolas" panose="020B0609020204030204" pitchFamily="49" charset="0"/>
+              </a:rPr>
+              <a:t># Theta values to be used for the generation of the Werner States</a:t>
+            </a:r>
+            <a:endParaRPr lang="en-US" sz="1200" b="0" dirty="0">
+              <a:solidFill>
+                <a:srgbClr val="BBBBBB"/>
+              </a:solidFill>
+              <a:effectLst/>
+              <a:latin typeface="Consolas" panose="020B0609020204030204" pitchFamily="49" charset="0"/>
+            </a:endParaRPr>
+          </a:p>
+          <a:p>
+            <a:pPr>
+              <a:lnSpc>
+                <a:spcPts val="1500"/>
+              </a:lnSpc>
+            </a:pPr>
+            <a:r>
+              <a:rPr lang="en-US" sz="1200" b="0" dirty="0" err="1">
+                <a:solidFill>
+                  <a:srgbClr val="BBBBBB"/>
+                </a:solidFill>
+                <a:effectLst/>
+                <a:latin typeface="Consolas" panose="020B0609020204030204" pitchFamily="49" charset="0"/>
+              </a:rPr>
+              <a:t>theta_values</a:t>
+            </a:r>
+            <a:r>
+              <a:rPr lang="en-US" sz="1200" b="0" dirty="0">
+                <a:solidFill>
+                  <a:srgbClr val="BBBBBB"/>
+                </a:solidFill>
+                <a:effectLst/>
+                <a:latin typeface="Consolas" panose="020B0609020204030204" pitchFamily="49" charset="0"/>
+              </a:rPr>
+              <a:t> </a:t>
+            </a:r>
+            <a:r>
+              <a:rPr lang="en-US" sz="1200" b="0" dirty="0">
+                <a:solidFill>
+                  <a:srgbClr val="E06C75"/>
+                </a:solidFill>
+                <a:effectLst/>
+                <a:latin typeface="Consolas" panose="020B0609020204030204" pitchFamily="49" charset="0"/>
+              </a:rPr>
+              <a:t>=</a:t>
+            </a:r>
+            <a:r>
+              <a:rPr lang="en-US" sz="1200" b="0" dirty="0">
+                <a:solidFill>
+                  <a:srgbClr val="BBBBBB"/>
+                </a:solidFill>
+                <a:effectLst/>
+                <a:latin typeface="Consolas" panose="020B0609020204030204" pitchFamily="49" charset="0"/>
+              </a:rPr>
+              <a:t> </a:t>
+            </a:r>
+            <a:r>
+              <a:rPr lang="en-US" sz="1200" b="0" dirty="0" err="1">
+                <a:solidFill>
+                  <a:srgbClr val="BBBBBB"/>
+                </a:solidFill>
+                <a:effectLst/>
+                <a:latin typeface="Consolas" panose="020B0609020204030204" pitchFamily="49" charset="0"/>
+              </a:rPr>
+              <a:t>np</a:t>
+            </a:r>
+            <a:r>
+              <a:rPr lang="en-US" sz="1200" b="0" dirty="0" err="1">
+                <a:solidFill>
+                  <a:srgbClr val="ABB2BF"/>
+                </a:solidFill>
+                <a:effectLst/>
+                <a:latin typeface="Consolas" panose="020B0609020204030204" pitchFamily="49" charset="0"/>
+              </a:rPr>
+              <a:t>.</a:t>
+            </a:r>
+            <a:r>
+              <a:rPr lang="en-US" sz="1200" b="0" dirty="0" err="1">
+                <a:solidFill>
+                  <a:srgbClr val="BBBBBB"/>
+                </a:solidFill>
+                <a:effectLst/>
+                <a:latin typeface="Consolas" panose="020B0609020204030204" pitchFamily="49" charset="0"/>
+              </a:rPr>
+              <a:t>linspace</a:t>
+            </a:r>
+            <a:r>
+              <a:rPr lang="en-US" sz="1200" b="0" dirty="0">
+                <a:solidFill>
+                  <a:srgbClr val="BBBBBB"/>
+                </a:solidFill>
+                <a:effectLst/>
+                <a:latin typeface="Consolas" panose="020B0609020204030204" pitchFamily="49" charset="0"/>
+              </a:rPr>
+              <a:t>(</a:t>
+            </a:r>
+            <a:r>
+              <a:rPr lang="en-US" sz="1200" b="0" dirty="0">
+                <a:solidFill>
+                  <a:srgbClr val="C678DD"/>
+                </a:solidFill>
+                <a:effectLst/>
+                <a:latin typeface="Consolas" panose="020B0609020204030204" pitchFamily="49" charset="0"/>
+              </a:rPr>
+              <a:t>0</a:t>
+            </a:r>
+            <a:r>
+              <a:rPr lang="en-US" sz="1200" b="0" dirty="0">
+                <a:solidFill>
+                  <a:srgbClr val="ABB2BF"/>
+                </a:solidFill>
+                <a:effectLst/>
+                <a:latin typeface="Consolas" panose="020B0609020204030204" pitchFamily="49" charset="0"/>
+              </a:rPr>
+              <a:t>,</a:t>
+            </a:r>
+            <a:r>
+              <a:rPr lang="en-US" sz="1200" b="0" dirty="0">
+                <a:solidFill>
+                  <a:srgbClr val="BBBBBB"/>
+                </a:solidFill>
+                <a:effectLst/>
+                <a:latin typeface="Consolas" panose="020B0609020204030204" pitchFamily="49" charset="0"/>
+              </a:rPr>
+              <a:t> </a:t>
+            </a:r>
+            <a:r>
+              <a:rPr lang="en-US" sz="1200" b="0" dirty="0" err="1">
+                <a:solidFill>
+                  <a:srgbClr val="BBBBBB"/>
+                </a:solidFill>
+                <a:effectLst/>
+                <a:latin typeface="Consolas" panose="020B0609020204030204" pitchFamily="49" charset="0"/>
+              </a:rPr>
+              <a:t>np</a:t>
+            </a:r>
+            <a:r>
+              <a:rPr lang="en-US" sz="1200" b="0" dirty="0" err="1">
+                <a:solidFill>
+                  <a:srgbClr val="ABB2BF"/>
+                </a:solidFill>
+                <a:effectLst/>
+                <a:latin typeface="Consolas" panose="020B0609020204030204" pitchFamily="49" charset="0"/>
+              </a:rPr>
+              <a:t>.</a:t>
+            </a:r>
+            <a:r>
+              <a:rPr lang="en-US" sz="1200" b="0" dirty="0" err="1">
+                <a:solidFill>
+                  <a:srgbClr val="BBBBBB"/>
+                </a:solidFill>
+                <a:effectLst/>
+                <a:latin typeface="Consolas" panose="020B0609020204030204" pitchFamily="49" charset="0"/>
+              </a:rPr>
+              <a:t>pi</a:t>
+            </a:r>
+            <a:r>
+              <a:rPr lang="en-US" sz="1200" b="0" dirty="0">
+                <a:solidFill>
+                  <a:srgbClr val="ABB2BF"/>
+                </a:solidFill>
+                <a:effectLst/>
+                <a:latin typeface="Consolas" panose="020B0609020204030204" pitchFamily="49" charset="0"/>
+              </a:rPr>
+              <a:t>,</a:t>
+            </a:r>
+            <a:r>
+              <a:rPr lang="en-US" sz="1200" b="0" dirty="0">
+                <a:solidFill>
+                  <a:srgbClr val="BBBBBB"/>
+                </a:solidFill>
+                <a:effectLst/>
+                <a:latin typeface="Consolas" panose="020B0609020204030204" pitchFamily="49" charset="0"/>
+              </a:rPr>
+              <a:t> </a:t>
+            </a:r>
+            <a:r>
+              <a:rPr lang="en-US" sz="1200" b="0" dirty="0">
+                <a:solidFill>
+                  <a:srgbClr val="C678DD"/>
+                </a:solidFill>
+                <a:effectLst/>
+                <a:latin typeface="Consolas" panose="020B0609020204030204" pitchFamily="49" charset="0"/>
+              </a:rPr>
+              <a:t>15</a:t>
+            </a:r>
+            <a:r>
+              <a:rPr lang="en-US" sz="1200" b="0" dirty="0">
+                <a:solidFill>
+                  <a:srgbClr val="BBBBBB"/>
+                </a:solidFill>
+                <a:effectLst/>
+                <a:latin typeface="Consolas" panose="020B0609020204030204" pitchFamily="49" charset="0"/>
+              </a:rPr>
+              <a:t>)</a:t>
+            </a:r>
+          </a:p>
+          <a:p>
+            <a:pPr>
+              <a:lnSpc>
+                <a:spcPts val="1500"/>
+              </a:lnSpc>
+            </a:pPr>
+            <a:br>
+              <a:rPr lang="en-US" sz="1200" b="0" dirty="0">
+                <a:solidFill>
+                  <a:srgbClr val="BBBBBB"/>
+                </a:solidFill>
+                <a:effectLst/>
+                <a:latin typeface="Consolas" panose="020B0609020204030204" pitchFamily="49" charset="0"/>
+              </a:rPr>
+            </a:br>
+            <a:r>
+              <a:rPr lang="en-US" sz="1200" b="0" dirty="0">
+                <a:solidFill>
+                  <a:srgbClr val="676F7D"/>
+                </a:solidFill>
+                <a:effectLst/>
+                <a:latin typeface="Consolas" panose="020B0609020204030204" pitchFamily="49" charset="0"/>
+              </a:rPr>
+              <a:t># Whether Eve is eavesdropping or not</a:t>
+            </a:r>
+            <a:endParaRPr lang="en-US" sz="1200" b="0" dirty="0">
+              <a:solidFill>
+                <a:srgbClr val="BBBBBB"/>
+              </a:solidFill>
+              <a:effectLst/>
+              <a:latin typeface="Consolas" panose="020B0609020204030204" pitchFamily="49" charset="0"/>
+            </a:endParaRPr>
+          </a:p>
+          <a:p>
+            <a:pPr>
+              <a:lnSpc>
+                <a:spcPts val="1500"/>
+              </a:lnSpc>
+            </a:pPr>
+            <a:r>
+              <a:rPr lang="en-US" sz="1200" b="0" dirty="0">
+                <a:solidFill>
+                  <a:srgbClr val="BBBBBB"/>
+                </a:solidFill>
+                <a:effectLst/>
+                <a:latin typeface="Consolas" panose="020B0609020204030204" pitchFamily="49" charset="0"/>
+              </a:rPr>
+              <a:t>eavesdropping </a:t>
+            </a:r>
+            <a:r>
+              <a:rPr lang="en-US" sz="1200" b="0" dirty="0">
+                <a:solidFill>
+                  <a:srgbClr val="E06C75"/>
+                </a:solidFill>
+                <a:effectLst/>
+                <a:latin typeface="Consolas" panose="020B0609020204030204" pitchFamily="49" charset="0"/>
+              </a:rPr>
+              <a:t>=</a:t>
+            </a:r>
+            <a:r>
+              <a:rPr lang="en-US" sz="1200" b="0" dirty="0">
+                <a:solidFill>
+                  <a:srgbClr val="BBBBBB"/>
+                </a:solidFill>
+                <a:effectLst/>
+                <a:latin typeface="Consolas" panose="020B0609020204030204" pitchFamily="49" charset="0"/>
+              </a:rPr>
+              <a:t> </a:t>
+            </a:r>
+            <a:r>
+              <a:rPr lang="en-US" sz="1200" b="0" dirty="0">
+                <a:solidFill>
+                  <a:srgbClr val="56B6C2"/>
+                </a:solidFill>
+                <a:effectLst/>
+                <a:latin typeface="Consolas" panose="020B0609020204030204" pitchFamily="49" charset="0"/>
+              </a:rPr>
+              <a:t>False</a:t>
+            </a:r>
+            <a:endParaRPr lang="en-US" sz="1200" b="0" dirty="0">
+              <a:solidFill>
+                <a:srgbClr val="BBBBBB"/>
+              </a:solidFill>
+              <a:effectLst/>
+              <a:latin typeface="Consolas" panose="020B0609020204030204" pitchFamily="49" charset="0"/>
+            </a:endParaRPr>
+          </a:p>
+          <a:p>
+            <a:pPr>
+              <a:lnSpc>
+                <a:spcPts val="1500"/>
+              </a:lnSpc>
+            </a:pPr>
+            <a:br>
+              <a:rPr lang="en-US" sz="1200" b="0" dirty="0">
+                <a:solidFill>
+                  <a:srgbClr val="BBBBBB"/>
+                </a:solidFill>
+                <a:effectLst/>
+                <a:latin typeface="Consolas" panose="020B0609020204030204" pitchFamily="49" charset="0"/>
+              </a:rPr>
+            </a:br>
+            <a:r>
+              <a:rPr lang="en-US" sz="1200" b="0" dirty="0">
+                <a:solidFill>
+                  <a:srgbClr val="676F7D"/>
+                </a:solidFill>
+                <a:effectLst/>
+                <a:latin typeface="Consolas" panose="020B0609020204030204" pitchFamily="49" charset="0"/>
+              </a:rPr>
+              <a:t># Number of EPR pairs to be generated in one execution of the protocol</a:t>
+            </a:r>
+            <a:endParaRPr lang="en-US" sz="1200" b="0" dirty="0">
+              <a:solidFill>
+                <a:srgbClr val="BBBBBB"/>
+              </a:solidFill>
+              <a:effectLst/>
+              <a:latin typeface="Consolas" panose="020B0609020204030204" pitchFamily="49" charset="0"/>
+            </a:endParaRPr>
+          </a:p>
+          <a:p>
+            <a:pPr>
+              <a:lnSpc>
+                <a:spcPts val="1500"/>
+              </a:lnSpc>
+            </a:pPr>
+            <a:r>
+              <a:rPr lang="en-US" sz="1200" b="0" dirty="0" err="1">
+                <a:solidFill>
+                  <a:srgbClr val="BBBBBB"/>
+                </a:solidFill>
+                <a:effectLst/>
+                <a:latin typeface="Consolas" panose="020B0609020204030204" pitchFamily="49" charset="0"/>
+              </a:rPr>
+              <a:t>epr_pairs</a:t>
+            </a:r>
+            <a:r>
+              <a:rPr lang="en-US" sz="1200" b="0" dirty="0">
+                <a:solidFill>
+                  <a:srgbClr val="BBBBBB"/>
+                </a:solidFill>
+                <a:effectLst/>
+                <a:latin typeface="Consolas" panose="020B0609020204030204" pitchFamily="49" charset="0"/>
+              </a:rPr>
+              <a:t> </a:t>
+            </a:r>
+            <a:r>
+              <a:rPr lang="en-US" sz="1200" b="0" dirty="0">
+                <a:solidFill>
+                  <a:srgbClr val="E06C75"/>
+                </a:solidFill>
+                <a:effectLst/>
+                <a:latin typeface="Consolas" panose="020B0609020204030204" pitchFamily="49" charset="0"/>
+              </a:rPr>
+              <a:t>=</a:t>
+            </a:r>
+            <a:r>
+              <a:rPr lang="en-US" sz="1200" b="0" dirty="0">
+                <a:solidFill>
+                  <a:srgbClr val="BBBBBB"/>
+                </a:solidFill>
+                <a:effectLst/>
+                <a:latin typeface="Consolas" panose="020B0609020204030204" pitchFamily="49" charset="0"/>
+              </a:rPr>
+              <a:t> </a:t>
+            </a:r>
+            <a:r>
+              <a:rPr lang="it-IT" sz="1200" b="0" dirty="0">
+                <a:solidFill>
+                  <a:srgbClr val="C678DD"/>
+                </a:solidFill>
+                <a:effectLst/>
+                <a:latin typeface="Consolas" panose="020B0609020204030204" pitchFamily="49" charset="0"/>
+              </a:rPr>
+              <a:t>80</a:t>
+            </a:r>
+            <a:endParaRPr lang="it-IT" sz="1200" b="0" dirty="0">
+              <a:solidFill>
+                <a:srgbClr val="BBBBBB"/>
+              </a:solidFill>
+              <a:effectLst/>
+              <a:latin typeface="Consolas" panose="020B0609020204030204" pitchFamily="49" charset="0"/>
+            </a:endParaRPr>
+          </a:p>
+        </p:txBody>
+      </p:sp>
+    </p:spTree>
+    <p:extLst>
+      <p:ext uri="{BB962C8B-B14F-4D97-AF65-F5344CB8AC3E}">
+        <p14:creationId xmlns:p14="http://schemas.microsoft.com/office/powerpoint/2010/main" val="1336057881"/>
+      </p:ext>
+    </p:extLst>
+  </p:cSld>
+  <p:clrMapOvr>
+    <a:masterClrMapping/>
+  </p:clrMapOvr>
+</p:sld>
+</file>
+
+<file path=ppt/slides/slide15.xml><?xml version="1.0" encoding="utf-8"?>
+<p:sld xmlns:a="http://schemas.openxmlformats.org/drawingml/2006/main" xmlns:r="http://schemas.openxmlformats.org/officeDocument/2006/relationships" xmlns:p="http://schemas.openxmlformats.org/presentationml/2006/main">
+  <p:cSld>
+    <p:bg>
+      <p:bgPr>
+        <a:solidFill>
+          <a:srgbClr val="463F3A"/>
+        </a:solidFill>
+        <a:effectLst/>
+      </p:bgPr>
+    </p:bg>
+    <p:spTree>
+      <p:nvGrpSpPr>
+        <p:cNvPr id="1" name="">
+          <a:extLst>
+            <a:ext uri="{FF2B5EF4-FFF2-40B4-BE49-F238E27FC236}">
+              <a16:creationId xmlns:a16="http://schemas.microsoft.com/office/drawing/2014/main" id="{32C3F3C1-5C51-5D0E-2CCD-A1756B68F7E0}"/>
+            </a:ext>
+          </a:extLst>
+        </p:cNvPr>
+        <p:cNvGrpSpPr/>
+        <p:nvPr/>
+      </p:nvGrpSpPr>
+      <p:grpSpPr>
+        <a:xfrm>
+          <a:off x="0" y="0"/>
+          <a:ext cx="0" cy="0"/>
+          <a:chOff x="0" y="0"/>
+          <a:chExt cx="0" cy="0"/>
+        </a:xfrm>
+      </p:grpSpPr>
+      <p:pic>
+        <p:nvPicPr>
+          <p:cNvPr id="3" name="Immagine 2">
+            <a:extLst>
+              <a:ext uri="{FF2B5EF4-FFF2-40B4-BE49-F238E27FC236}">
+                <a16:creationId xmlns:a16="http://schemas.microsoft.com/office/drawing/2014/main" id="{CF7241E1-C9B8-700D-84FD-6155B6B78C4E}"/>
+              </a:ext>
+            </a:extLst>
+          </p:cNvPr>
+          <p:cNvPicPr>
+            <a:picLocks noChangeAspect="1"/>
+          </p:cNvPicPr>
+          <p:nvPr/>
+        </p:nvPicPr>
+        <p:blipFill>
+          <a:blip r:embed="rId2"/>
+          <a:stretch>
+            <a:fillRect/>
+          </a:stretch>
+        </p:blipFill>
+        <p:spPr>
+          <a:xfrm>
+            <a:off x="2228850" y="-415517"/>
+            <a:ext cx="7515225" cy="4016048"/>
+          </a:xfrm>
+          <a:prstGeom prst="rect">
+            <a:avLst/>
+          </a:prstGeom>
+        </p:spPr>
+      </p:pic>
+      <p:pic>
+        <p:nvPicPr>
+          <p:cNvPr id="5" name="Immagine 4">
+            <a:extLst>
+              <a:ext uri="{FF2B5EF4-FFF2-40B4-BE49-F238E27FC236}">
+                <a16:creationId xmlns:a16="http://schemas.microsoft.com/office/drawing/2014/main" id="{1BB35834-93CA-40D8-DE66-07792771DE5A}"/>
+              </a:ext>
+            </a:extLst>
+          </p:cNvPr>
+          <p:cNvPicPr>
+            <a:picLocks noChangeAspect="1"/>
+          </p:cNvPicPr>
+          <p:nvPr/>
+        </p:nvPicPr>
+        <p:blipFill>
+          <a:blip r:embed="rId3"/>
+          <a:stretch>
+            <a:fillRect/>
+          </a:stretch>
+        </p:blipFill>
+        <p:spPr>
+          <a:xfrm>
+            <a:off x="2181224" y="3229281"/>
+            <a:ext cx="7610475" cy="4066949"/>
+          </a:xfrm>
+          <a:prstGeom prst="rect">
+            <a:avLst/>
+          </a:prstGeom>
+        </p:spPr>
+      </p:pic>
+    </p:spTree>
+    <p:extLst>
+      <p:ext uri="{BB962C8B-B14F-4D97-AF65-F5344CB8AC3E}">
+        <p14:creationId xmlns:p14="http://schemas.microsoft.com/office/powerpoint/2010/main" val="2043562851"/>
+      </p:ext>
+    </p:extLst>
+  </p:cSld>
+  <p:clrMapOvr>
+    <a:masterClrMapping/>
+  </p:clrMapOvr>
+</p:sld>
+</file>
+
+<file path=ppt/slides/slide16.xml><?xml version="1.0" encoding="utf-8"?>
+<p:sld xmlns:a="http://schemas.openxmlformats.org/drawingml/2006/main" xmlns:r="http://schemas.openxmlformats.org/officeDocument/2006/relationships" xmlns:p="http://schemas.openxmlformats.org/presentationml/2006/main">
+  <p:cSld>
+    <p:bg>
+      <p:bgPr>
+        <a:solidFill>
+          <a:srgbClr val="463F3A"/>
+        </a:solidFill>
+        <a:effectLst/>
+      </p:bgPr>
+    </p:bg>
+    <p:spTree>
+      <p:nvGrpSpPr>
+        <p:cNvPr id="1" name="">
+          <a:extLst>
+            <a:ext uri="{FF2B5EF4-FFF2-40B4-BE49-F238E27FC236}">
+              <a16:creationId xmlns:a16="http://schemas.microsoft.com/office/drawing/2014/main" id="{F675B972-ECCB-3400-73D1-FE98AE0758BB}"/>
+            </a:ext>
+          </a:extLst>
+        </p:cNvPr>
+        <p:cNvGrpSpPr/>
+        <p:nvPr/>
+      </p:nvGrpSpPr>
+      <p:grpSpPr>
+        <a:xfrm>
+          <a:off x="0" y="0"/>
+          <a:ext cx="0" cy="0"/>
+          <a:chOff x="0" y="0"/>
+          <a:chExt cx="0" cy="0"/>
+        </a:xfrm>
+      </p:grpSpPr>
+      <p:pic>
+        <p:nvPicPr>
+          <p:cNvPr id="3" name="Immagine 2">
+            <a:extLst>
+              <a:ext uri="{FF2B5EF4-FFF2-40B4-BE49-F238E27FC236}">
+                <a16:creationId xmlns:a16="http://schemas.microsoft.com/office/drawing/2014/main" id="{E4634D6D-2858-9F58-6C29-FB2FBF1F50AF}"/>
+              </a:ext>
+            </a:extLst>
+          </p:cNvPr>
+          <p:cNvPicPr>
+            <a:picLocks noChangeAspect="1"/>
+          </p:cNvPicPr>
+          <p:nvPr/>
+        </p:nvPicPr>
+        <p:blipFill>
+          <a:blip r:embed="rId2"/>
+          <a:stretch>
+            <a:fillRect/>
+          </a:stretch>
+        </p:blipFill>
+        <p:spPr>
+          <a:xfrm>
+            <a:off x="2047875" y="-333375"/>
+            <a:ext cx="8359663" cy="4467306"/>
+          </a:xfrm>
+          <a:prstGeom prst="rect">
+            <a:avLst/>
+          </a:prstGeom>
+        </p:spPr>
+      </p:pic>
+      <p:pic>
+        <p:nvPicPr>
+          <p:cNvPr id="5" name="Immagine 4">
+            <a:extLst>
+              <a:ext uri="{FF2B5EF4-FFF2-40B4-BE49-F238E27FC236}">
+                <a16:creationId xmlns:a16="http://schemas.microsoft.com/office/drawing/2014/main" id="{CDDBF328-A918-AACF-9E81-C6D910EC2446}"/>
+              </a:ext>
+            </a:extLst>
+          </p:cNvPr>
+          <p:cNvPicPr>
+            <a:picLocks noChangeAspect="1"/>
+          </p:cNvPicPr>
+          <p:nvPr/>
+        </p:nvPicPr>
+        <p:blipFill>
+          <a:blip r:embed="rId3"/>
+          <a:stretch>
+            <a:fillRect/>
+          </a:stretch>
+        </p:blipFill>
+        <p:spPr>
+          <a:xfrm>
+            <a:off x="2166936" y="2968749"/>
+            <a:ext cx="8240601" cy="4403681"/>
+          </a:xfrm>
+          <a:prstGeom prst="rect">
+            <a:avLst/>
+          </a:prstGeom>
+        </p:spPr>
+      </p:pic>
+    </p:spTree>
+    <p:extLst>
+      <p:ext uri="{BB962C8B-B14F-4D97-AF65-F5344CB8AC3E}">
+        <p14:creationId xmlns:p14="http://schemas.microsoft.com/office/powerpoint/2010/main" val="427575264"/>
+      </p:ext>
+    </p:extLst>
+  </p:cSld>
+  <p:clrMapOvr>
+    <a:masterClrMapping/>
+  </p:clrMapOvr>
+</p:sld>
+</file>
+
+<file path=ppt/slides/slide17.xml><?xml version="1.0" encoding="utf-8"?>
+<p:sld xmlns:a="http://schemas.openxmlformats.org/drawingml/2006/main" xmlns:r="http://schemas.openxmlformats.org/officeDocument/2006/relationships" xmlns:p="http://schemas.openxmlformats.org/presentationml/2006/main">
+  <p:cSld>
+    <p:bg>
+      <p:bgPr>
+        <a:solidFill>
+          <a:srgbClr val="463F3A"/>
+        </a:solidFill>
+        <a:effectLst/>
+      </p:bgPr>
+    </p:bg>
+    <p:spTree>
+      <p:nvGrpSpPr>
+        <p:cNvPr id="1" name="">
+          <a:extLst>
+            <a:ext uri="{FF2B5EF4-FFF2-40B4-BE49-F238E27FC236}">
+              <a16:creationId xmlns:a16="http://schemas.microsoft.com/office/drawing/2014/main" id="{9A62E4E8-3FCF-BC1F-2301-7F4D67D03DD3}"/>
+            </a:ext>
+          </a:extLst>
+        </p:cNvPr>
+        <p:cNvGrpSpPr/>
+        <p:nvPr/>
+      </p:nvGrpSpPr>
+      <p:grpSpPr>
+        <a:xfrm>
+          <a:off x="0" y="0"/>
+          <a:ext cx="0" cy="0"/>
+          <a:chOff x="0" y="0"/>
+          <a:chExt cx="0" cy="0"/>
+        </a:xfrm>
+      </p:grpSpPr>
+      <p:sp>
+        <p:nvSpPr>
+          <p:cNvPr id="2" name="CasellaDiTesto 1">
+            <a:extLst>
+              <a:ext uri="{FF2B5EF4-FFF2-40B4-BE49-F238E27FC236}">
+                <a16:creationId xmlns:a16="http://schemas.microsoft.com/office/drawing/2014/main" id="{A0C79545-482E-1509-0078-6A514D1DC318}"/>
+              </a:ext>
+            </a:extLst>
+          </p:cNvPr>
+          <p:cNvSpPr txBox="1"/>
+          <p:nvPr/>
+        </p:nvSpPr>
+        <p:spPr>
+          <a:xfrm>
+            <a:off x="2241761" y="1576354"/>
+            <a:ext cx="7861462" cy="400110"/>
+          </a:xfrm>
+          <a:prstGeom prst="rect">
+            <a:avLst/>
+          </a:prstGeom>
+          <a:noFill/>
+        </p:spPr>
+        <p:txBody>
+          <a:bodyPr wrap="square" rtlCol="0">
+            <a:spAutoFit/>
+          </a:bodyPr>
+          <a:lstStyle/>
+          <a:p>
+            <a:pPr algn="ctr"/>
+            <a:r>
+              <a:rPr lang="en-US" sz="2000" b="1" spc="600" noProof="0" dirty="0">
+                <a:solidFill>
+                  <a:srgbClr val="F4F3EE"/>
+                </a:solidFill>
+              </a:rPr>
+              <a:t>RESULTS WITH FOLLOWIN SETTING:</a:t>
+            </a:r>
+            <a:endParaRPr lang="en-US" sz="2000" spc="600" noProof="0" dirty="0">
+              <a:solidFill>
+                <a:srgbClr val="F4F3EE"/>
+              </a:solidFill>
+            </a:endParaRPr>
+          </a:p>
+        </p:txBody>
+      </p:sp>
+      <p:sp>
+        <p:nvSpPr>
+          <p:cNvPr id="5" name="CasellaDiTesto 4">
+            <a:extLst>
+              <a:ext uri="{FF2B5EF4-FFF2-40B4-BE49-F238E27FC236}">
+                <a16:creationId xmlns:a16="http://schemas.microsoft.com/office/drawing/2014/main" id="{7A3638CD-D646-B6DB-9838-42353AEEF000}"/>
+              </a:ext>
+            </a:extLst>
+          </p:cNvPr>
+          <p:cNvSpPr txBox="1"/>
+          <p:nvPr/>
+        </p:nvSpPr>
+        <p:spPr>
+          <a:xfrm>
+            <a:off x="2864784" y="1976464"/>
+            <a:ext cx="6185646" cy="2199769"/>
+          </a:xfrm>
+          <a:prstGeom prst="rect">
+            <a:avLst/>
+          </a:prstGeom>
+          <a:noFill/>
+        </p:spPr>
+        <p:txBody>
+          <a:bodyPr wrap="square">
+            <a:spAutoFit/>
+          </a:bodyPr>
+          <a:lstStyle/>
+          <a:p>
+            <a:pPr>
+              <a:lnSpc>
+                <a:spcPts val="1500"/>
+              </a:lnSpc>
+            </a:pPr>
+            <a:r>
+              <a:rPr lang="en-US" sz="1200" b="0" dirty="0">
+                <a:solidFill>
+                  <a:srgbClr val="676F7D"/>
+                </a:solidFill>
+                <a:effectLst/>
+                <a:latin typeface="Consolas" panose="020B0609020204030204" pitchFamily="49" charset="0"/>
+              </a:rPr>
+              <a:t># Number of times the protocol is executed for each setting</a:t>
+            </a:r>
+            <a:endParaRPr lang="en-US" sz="1200" b="0" dirty="0">
+              <a:solidFill>
+                <a:srgbClr val="BBBBBB"/>
+              </a:solidFill>
+              <a:effectLst/>
+              <a:latin typeface="Consolas" panose="020B0609020204030204" pitchFamily="49" charset="0"/>
+            </a:endParaRPr>
+          </a:p>
+          <a:p>
+            <a:pPr>
+              <a:lnSpc>
+                <a:spcPts val="1500"/>
+              </a:lnSpc>
+            </a:pPr>
+            <a:r>
+              <a:rPr lang="en-US" sz="1200" b="0" dirty="0">
+                <a:solidFill>
+                  <a:srgbClr val="BBBBBB"/>
+                </a:solidFill>
+                <a:effectLst/>
+                <a:latin typeface="Consolas" panose="020B0609020204030204" pitchFamily="49" charset="0"/>
+              </a:rPr>
+              <a:t>n </a:t>
+            </a:r>
+            <a:r>
+              <a:rPr lang="en-US" sz="1200" b="0" dirty="0">
+                <a:solidFill>
+                  <a:srgbClr val="E06C75"/>
+                </a:solidFill>
+                <a:effectLst/>
+                <a:latin typeface="Consolas" panose="020B0609020204030204" pitchFamily="49" charset="0"/>
+              </a:rPr>
+              <a:t>=</a:t>
+            </a:r>
+            <a:r>
+              <a:rPr lang="en-US" sz="1200" b="0" dirty="0">
+                <a:solidFill>
+                  <a:srgbClr val="BBBBBB"/>
+                </a:solidFill>
+                <a:effectLst/>
+                <a:latin typeface="Consolas" panose="020B0609020204030204" pitchFamily="49" charset="0"/>
+              </a:rPr>
+              <a:t> </a:t>
+            </a:r>
+            <a:r>
+              <a:rPr lang="en-US" sz="1200" b="0" dirty="0">
+                <a:solidFill>
+                  <a:srgbClr val="C678DD"/>
+                </a:solidFill>
+                <a:effectLst/>
+                <a:latin typeface="Consolas" panose="020B0609020204030204" pitchFamily="49" charset="0"/>
+              </a:rPr>
+              <a:t>30</a:t>
+            </a:r>
+            <a:endParaRPr lang="en-US" sz="1200" b="0" dirty="0">
+              <a:solidFill>
+                <a:srgbClr val="BBBBBB"/>
+              </a:solidFill>
+              <a:effectLst/>
+              <a:latin typeface="Consolas" panose="020B0609020204030204" pitchFamily="49" charset="0"/>
+            </a:endParaRPr>
+          </a:p>
+          <a:p>
+            <a:pPr>
+              <a:lnSpc>
+                <a:spcPts val="1500"/>
+              </a:lnSpc>
+            </a:pPr>
+            <a:br>
+              <a:rPr lang="en-US" sz="1200" b="0" dirty="0">
+                <a:solidFill>
+                  <a:srgbClr val="BBBBBB"/>
+                </a:solidFill>
+                <a:effectLst/>
+                <a:latin typeface="Consolas" panose="020B0609020204030204" pitchFamily="49" charset="0"/>
+              </a:rPr>
+            </a:br>
+            <a:r>
+              <a:rPr lang="en-US" sz="1200" b="0" dirty="0">
+                <a:solidFill>
+                  <a:srgbClr val="676F7D"/>
+                </a:solidFill>
+                <a:effectLst/>
+                <a:latin typeface="Consolas" panose="020B0609020204030204" pitchFamily="49" charset="0"/>
+              </a:rPr>
+              <a:t># Theta values to be used for the generation of the Werner States</a:t>
+            </a:r>
+            <a:endParaRPr lang="en-US" sz="1200" b="0" dirty="0">
+              <a:solidFill>
+                <a:srgbClr val="BBBBBB"/>
+              </a:solidFill>
+              <a:effectLst/>
+              <a:latin typeface="Consolas" panose="020B0609020204030204" pitchFamily="49" charset="0"/>
+            </a:endParaRPr>
+          </a:p>
+          <a:p>
+            <a:pPr>
+              <a:lnSpc>
+                <a:spcPts val="1500"/>
+              </a:lnSpc>
+            </a:pPr>
+            <a:r>
+              <a:rPr lang="en-US" sz="1200" b="0" dirty="0" err="1">
+                <a:solidFill>
+                  <a:srgbClr val="BBBBBB"/>
+                </a:solidFill>
+                <a:effectLst/>
+                <a:latin typeface="Consolas" panose="020B0609020204030204" pitchFamily="49" charset="0"/>
+              </a:rPr>
+              <a:t>theta_values</a:t>
+            </a:r>
+            <a:r>
+              <a:rPr lang="en-US" sz="1200" b="0" dirty="0">
+                <a:solidFill>
+                  <a:srgbClr val="BBBBBB"/>
+                </a:solidFill>
+                <a:effectLst/>
+                <a:latin typeface="Consolas" panose="020B0609020204030204" pitchFamily="49" charset="0"/>
+              </a:rPr>
+              <a:t> </a:t>
+            </a:r>
+            <a:r>
+              <a:rPr lang="en-US" sz="1200" b="0" dirty="0">
+                <a:solidFill>
+                  <a:srgbClr val="E06C75"/>
+                </a:solidFill>
+                <a:effectLst/>
+                <a:latin typeface="Consolas" panose="020B0609020204030204" pitchFamily="49" charset="0"/>
+              </a:rPr>
+              <a:t>=</a:t>
+            </a:r>
+            <a:r>
+              <a:rPr lang="en-US" sz="1200" b="0" dirty="0">
+                <a:solidFill>
+                  <a:srgbClr val="BBBBBB"/>
+                </a:solidFill>
+                <a:effectLst/>
+                <a:latin typeface="Consolas" panose="020B0609020204030204" pitchFamily="49" charset="0"/>
+              </a:rPr>
+              <a:t> [</a:t>
+            </a:r>
+            <a:r>
+              <a:rPr lang="en-US" sz="1200" b="0" dirty="0" err="1">
+                <a:solidFill>
+                  <a:srgbClr val="BBBBBB"/>
+                </a:solidFill>
+                <a:effectLst/>
+                <a:latin typeface="Consolas" panose="020B0609020204030204" pitchFamily="49" charset="0"/>
+              </a:rPr>
+              <a:t>np</a:t>
+            </a:r>
+            <a:r>
+              <a:rPr lang="en-US" sz="1200" b="0" dirty="0" err="1">
+                <a:solidFill>
+                  <a:srgbClr val="ABB2BF"/>
+                </a:solidFill>
+                <a:effectLst/>
+                <a:latin typeface="Consolas" panose="020B0609020204030204" pitchFamily="49" charset="0"/>
+              </a:rPr>
+              <a:t>.</a:t>
+            </a:r>
+            <a:r>
+              <a:rPr lang="en-US" sz="1200" b="0" dirty="0" err="1">
+                <a:solidFill>
+                  <a:srgbClr val="BBBBBB"/>
+                </a:solidFill>
+                <a:effectLst/>
+                <a:latin typeface="Consolas" panose="020B0609020204030204" pitchFamily="49" charset="0"/>
+              </a:rPr>
+              <a:t>pi</a:t>
+            </a:r>
+            <a:r>
+              <a:rPr lang="en-US" sz="1200" b="0" dirty="0">
+                <a:solidFill>
+                  <a:srgbClr val="BBBBBB"/>
+                </a:solidFill>
+                <a:effectLst/>
+                <a:latin typeface="Consolas" panose="020B0609020204030204" pitchFamily="49" charset="0"/>
+              </a:rPr>
+              <a:t>] </a:t>
+            </a:r>
+            <a:r>
+              <a:rPr lang="en-US" sz="1200" b="0" dirty="0">
+                <a:solidFill>
+                  <a:srgbClr val="676F7D"/>
+                </a:solidFill>
+                <a:effectLst/>
+                <a:latin typeface="Consolas" panose="020B0609020204030204" pitchFamily="49" charset="0"/>
+              </a:rPr>
+              <a:t># </a:t>
+            </a:r>
+            <a:r>
+              <a:rPr lang="en-US" sz="1200" b="0" dirty="0" err="1">
+                <a:solidFill>
+                  <a:srgbClr val="676F7D"/>
+                </a:solidFill>
+                <a:effectLst/>
+                <a:latin typeface="Consolas" panose="020B0609020204030204" pitchFamily="49" charset="0"/>
+              </a:rPr>
+              <a:t>np.linspace</a:t>
+            </a:r>
+            <a:r>
+              <a:rPr lang="en-US" sz="1200" b="0" dirty="0">
+                <a:solidFill>
+                  <a:srgbClr val="676F7D"/>
+                </a:solidFill>
+                <a:effectLst/>
+                <a:latin typeface="Consolas" panose="020B0609020204030204" pitchFamily="49" charset="0"/>
+              </a:rPr>
+              <a:t>(0, </a:t>
+            </a:r>
+            <a:r>
+              <a:rPr lang="en-US" sz="1200" b="0" dirty="0" err="1">
+                <a:solidFill>
+                  <a:srgbClr val="676F7D"/>
+                </a:solidFill>
+                <a:effectLst/>
+                <a:latin typeface="Consolas" panose="020B0609020204030204" pitchFamily="49" charset="0"/>
+              </a:rPr>
+              <a:t>np.pi</a:t>
+            </a:r>
+            <a:r>
+              <a:rPr lang="en-US" sz="1200" b="0" dirty="0">
+                <a:solidFill>
+                  <a:srgbClr val="676F7D"/>
+                </a:solidFill>
+                <a:effectLst/>
+                <a:latin typeface="Consolas" panose="020B0609020204030204" pitchFamily="49" charset="0"/>
+              </a:rPr>
+              <a:t>, 15)</a:t>
+            </a:r>
+            <a:endParaRPr lang="en-US" sz="1200" b="0" dirty="0">
+              <a:solidFill>
+                <a:srgbClr val="BBBBBB"/>
+              </a:solidFill>
+              <a:effectLst/>
+              <a:latin typeface="Consolas" panose="020B0609020204030204" pitchFamily="49" charset="0"/>
+            </a:endParaRPr>
+          </a:p>
+          <a:p>
+            <a:pPr>
+              <a:lnSpc>
+                <a:spcPts val="1500"/>
+              </a:lnSpc>
+            </a:pPr>
+            <a:br>
+              <a:rPr lang="en-US" sz="1200" b="0" dirty="0">
+                <a:solidFill>
+                  <a:srgbClr val="BBBBBB"/>
+                </a:solidFill>
+                <a:effectLst/>
+                <a:latin typeface="Consolas" panose="020B0609020204030204" pitchFamily="49" charset="0"/>
+              </a:rPr>
+            </a:br>
+            <a:r>
+              <a:rPr lang="en-US" sz="1200" b="0" dirty="0">
+                <a:solidFill>
+                  <a:srgbClr val="676F7D"/>
+                </a:solidFill>
+                <a:effectLst/>
+                <a:latin typeface="Consolas" panose="020B0609020204030204" pitchFamily="49" charset="0"/>
+              </a:rPr>
+              <a:t># Whether Eve is eavesdropping or not</a:t>
+            </a:r>
+            <a:endParaRPr lang="en-US" sz="1200" b="0" dirty="0">
+              <a:solidFill>
+                <a:srgbClr val="BBBBBB"/>
+              </a:solidFill>
+              <a:effectLst/>
+              <a:latin typeface="Consolas" panose="020B0609020204030204" pitchFamily="49" charset="0"/>
+            </a:endParaRPr>
+          </a:p>
+          <a:p>
+            <a:pPr>
+              <a:lnSpc>
+                <a:spcPts val="1500"/>
+              </a:lnSpc>
+            </a:pPr>
+            <a:r>
+              <a:rPr lang="en-US" sz="1200" b="0" dirty="0">
+                <a:solidFill>
+                  <a:srgbClr val="BBBBBB"/>
+                </a:solidFill>
+                <a:effectLst/>
+                <a:latin typeface="Consolas" panose="020B0609020204030204" pitchFamily="49" charset="0"/>
+              </a:rPr>
+              <a:t>eavesdropping </a:t>
+            </a:r>
+            <a:r>
+              <a:rPr lang="en-US" sz="1200" b="0" dirty="0">
+                <a:solidFill>
+                  <a:srgbClr val="E06C75"/>
+                </a:solidFill>
+                <a:effectLst/>
+                <a:latin typeface="Consolas" panose="020B0609020204030204" pitchFamily="49" charset="0"/>
+              </a:rPr>
+              <a:t>=</a:t>
+            </a:r>
+            <a:r>
+              <a:rPr lang="en-US" sz="1200" b="0" dirty="0">
+                <a:solidFill>
+                  <a:srgbClr val="BBBBBB"/>
+                </a:solidFill>
+                <a:effectLst/>
+                <a:latin typeface="Consolas" panose="020B0609020204030204" pitchFamily="49" charset="0"/>
+              </a:rPr>
+              <a:t> </a:t>
+            </a:r>
+            <a:r>
+              <a:rPr lang="en-US" sz="1200" b="0" dirty="0">
+                <a:solidFill>
+                  <a:srgbClr val="56B6C2"/>
+                </a:solidFill>
+                <a:effectLst/>
+                <a:latin typeface="Consolas" panose="020B0609020204030204" pitchFamily="49" charset="0"/>
+              </a:rPr>
+              <a:t>True</a:t>
+            </a:r>
+            <a:endParaRPr lang="en-US" sz="1200" b="0" dirty="0">
+              <a:solidFill>
+                <a:srgbClr val="BBBBBB"/>
+              </a:solidFill>
+              <a:effectLst/>
+              <a:latin typeface="Consolas" panose="020B0609020204030204" pitchFamily="49" charset="0"/>
+            </a:endParaRPr>
+          </a:p>
+          <a:p>
+            <a:pPr>
+              <a:lnSpc>
+                <a:spcPts val="1500"/>
+              </a:lnSpc>
+            </a:pPr>
+            <a:br>
+              <a:rPr lang="en-US" sz="1200" b="0" dirty="0">
+                <a:solidFill>
+                  <a:srgbClr val="BBBBBB"/>
+                </a:solidFill>
+                <a:effectLst/>
+                <a:latin typeface="Consolas" panose="020B0609020204030204" pitchFamily="49" charset="0"/>
+              </a:rPr>
+            </a:br>
+            <a:r>
+              <a:rPr lang="en-US" sz="1200" b="0" dirty="0">
+                <a:solidFill>
+                  <a:srgbClr val="676F7D"/>
+                </a:solidFill>
+                <a:effectLst/>
+                <a:latin typeface="Consolas" panose="020B0609020204030204" pitchFamily="49" charset="0"/>
+              </a:rPr>
+              <a:t># Number of EPR pairs to be generated in one execution of the protocol</a:t>
+            </a:r>
+            <a:endParaRPr lang="en-US" sz="1200" b="0" dirty="0">
+              <a:solidFill>
+                <a:srgbClr val="BBBBBB"/>
+              </a:solidFill>
+              <a:effectLst/>
+              <a:latin typeface="Consolas" panose="020B0609020204030204" pitchFamily="49" charset="0"/>
+            </a:endParaRPr>
+          </a:p>
+          <a:p>
+            <a:pPr>
+              <a:lnSpc>
+                <a:spcPts val="1500"/>
+              </a:lnSpc>
+            </a:pPr>
+            <a:r>
+              <a:rPr lang="en-US" sz="1200" b="0" dirty="0" err="1">
+                <a:solidFill>
+                  <a:srgbClr val="BBBBBB"/>
+                </a:solidFill>
+                <a:effectLst/>
+                <a:latin typeface="Consolas" panose="020B0609020204030204" pitchFamily="49" charset="0"/>
+              </a:rPr>
+              <a:t>epr_pairs</a:t>
+            </a:r>
+            <a:r>
+              <a:rPr lang="en-US" sz="1200" b="0" dirty="0">
+                <a:solidFill>
+                  <a:srgbClr val="BBBBBB"/>
+                </a:solidFill>
+                <a:effectLst/>
+                <a:latin typeface="Consolas" panose="020B0609020204030204" pitchFamily="49" charset="0"/>
+              </a:rPr>
+              <a:t> </a:t>
+            </a:r>
+            <a:r>
+              <a:rPr lang="en-US" sz="1200" b="0" dirty="0">
+                <a:solidFill>
+                  <a:srgbClr val="E06C75"/>
+                </a:solidFill>
+                <a:effectLst/>
+                <a:latin typeface="Consolas" panose="020B0609020204030204" pitchFamily="49" charset="0"/>
+              </a:rPr>
+              <a:t>=</a:t>
+            </a:r>
+            <a:r>
+              <a:rPr lang="en-US" sz="1200" b="0" dirty="0">
+                <a:solidFill>
+                  <a:srgbClr val="BBBBBB"/>
+                </a:solidFill>
+                <a:effectLst/>
+                <a:latin typeface="Consolas" panose="020B0609020204030204" pitchFamily="49" charset="0"/>
+              </a:rPr>
+              <a:t> </a:t>
+            </a:r>
+            <a:r>
+              <a:rPr lang="en-US" sz="1200" b="0" dirty="0">
+                <a:solidFill>
+                  <a:srgbClr val="C678DD"/>
+                </a:solidFill>
+                <a:effectLst/>
+                <a:latin typeface="Consolas" panose="020B0609020204030204" pitchFamily="49" charset="0"/>
+              </a:rPr>
+              <a:t>300</a:t>
+            </a:r>
+            <a:endParaRPr lang="en-US" sz="1200" b="0" dirty="0">
+              <a:solidFill>
+                <a:srgbClr val="BBBBBB"/>
+              </a:solidFill>
+              <a:effectLst/>
+              <a:latin typeface="Consolas" panose="020B0609020204030204" pitchFamily="49" charset="0"/>
+            </a:endParaRPr>
+          </a:p>
+        </p:txBody>
+      </p:sp>
+    </p:spTree>
+    <p:extLst>
+      <p:ext uri="{BB962C8B-B14F-4D97-AF65-F5344CB8AC3E}">
+        <p14:creationId xmlns:p14="http://schemas.microsoft.com/office/powerpoint/2010/main" val="3849072498"/>
+      </p:ext>
+    </p:extLst>
+  </p:cSld>
+  <p:clrMapOvr>
+    <a:masterClrMapping/>
+  </p:clrMapOvr>
+</p:sld>
+</file>
+
+<file path=ppt/slides/slide18.xml><?xml version="1.0" encoding="utf-8"?>
+<p:sld xmlns:a="http://schemas.openxmlformats.org/drawingml/2006/main" xmlns:r="http://schemas.openxmlformats.org/officeDocument/2006/relationships" xmlns:p="http://schemas.openxmlformats.org/presentationml/2006/main">
+  <p:cSld>
+    <p:bg>
+      <p:bgPr>
+        <a:solidFill>
+          <a:srgbClr val="463F3A"/>
+        </a:solidFill>
+        <a:effectLst/>
+      </p:bgPr>
+    </p:bg>
+    <p:spTree>
+      <p:nvGrpSpPr>
+        <p:cNvPr id="1" name="">
+          <a:extLst>
+            <a:ext uri="{FF2B5EF4-FFF2-40B4-BE49-F238E27FC236}">
+              <a16:creationId xmlns:a16="http://schemas.microsoft.com/office/drawing/2014/main" id="{89921AC0-8BD6-88D2-B515-A4274862E0D8}"/>
+            </a:ext>
+          </a:extLst>
+        </p:cNvPr>
+        <p:cNvGrpSpPr/>
+        <p:nvPr/>
+      </p:nvGrpSpPr>
+      <p:grpSpPr>
+        <a:xfrm>
+          <a:off x="0" y="0"/>
+          <a:ext cx="0" cy="0"/>
+          <a:chOff x="0" y="0"/>
+          <a:chExt cx="0" cy="0"/>
+        </a:xfrm>
+      </p:grpSpPr>
+      <p:pic>
+        <p:nvPicPr>
+          <p:cNvPr id="4" name="Immagine 3">
+            <a:extLst>
+              <a:ext uri="{FF2B5EF4-FFF2-40B4-BE49-F238E27FC236}">
+                <a16:creationId xmlns:a16="http://schemas.microsoft.com/office/drawing/2014/main" id="{A726A4BB-BC56-0AB2-D5A7-1884C735F400}"/>
+              </a:ext>
+            </a:extLst>
+          </p:cNvPr>
+          <p:cNvPicPr>
+            <a:picLocks noChangeAspect="1"/>
+          </p:cNvPicPr>
+          <p:nvPr/>
+        </p:nvPicPr>
+        <p:blipFill>
+          <a:blip r:embed="rId2"/>
+          <a:stretch>
+            <a:fillRect/>
+          </a:stretch>
+        </p:blipFill>
+        <p:spPr>
+          <a:xfrm>
+            <a:off x="1238250" y="-381000"/>
+            <a:ext cx="9143924" cy="4886406"/>
+          </a:xfrm>
+          <a:prstGeom prst="rect">
+            <a:avLst/>
+          </a:prstGeom>
+        </p:spPr>
+      </p:pic>
+      <p:pic>
+        <p:nvPicPr>
+          <p:cNvPr id="7" name="Immagine 6">
+            <a:extLst>
+              <a:ext uri="{FF2B5EF4-FFF2-40B4-BE49-F238E27FC236}">
+                <a16:creationId xmlns:a16="http://schemas.microsoft.com/office/drawing/2014/main" id="{2C3BF394-AEC2-0BB6-781A-498B3EC0B745}"/>
+              </a:ext>
+            </a:extLst>
+          </p:cNvPr>
+          <p:cNvPicPr>
+            <a:picLocks noChangeAspect="1"/>
+          </p:cNvPicPr>
+          <p:nvPr/>
+        </p:nvPicPr>
+        <p:blipFill>
+          <a:blip r:embed="rId3"/>
+          <a:stretch>
+            <a:fillRect/>
+          </a:stretch>
+        </p:blipFill>
+        <p:spPr>
+          <a:xfrm>
+            <a:off x="1641610" y="2727076"/>
+            <a:ext cx="8740564" cy="4670856"/>
+          </a:xfrm>
+          <a:prstGeom prst="rect">
+            <a:avLst/>
+          </a:prstGeom>
+        </p:spPr>
+      </p:pic>
+      <p:sp>
+        <p:nvSpPr>
+          <p:cNvPr id="8" name="CasellaDiTesto 7">
+            <a:extLst>
+              <a:ext uri="{FF2B5EF4-FFF2-40B4-BE49-F238E27FC236}">
+                <a16:creationId xmlns:a16="http://schemas.microsoft.com/office/drawing/2014/main" id="{5491E73A-5427-6999-70A7-A4F45B29876E}"/>
+              </a:ext>
+            </a:extLst>
+          </p:cNvPr>
+          <p:cNvSpPr txBox="1"/>
+          <p:nvPr/>
+        </p:nvSpPr>
+        <p:spPr>
+          <a:xfrm>
+            <a:off x="8213936" y="5062504"/>
+            <a:ext cx="6645064" cy="954107"/>
+          </a:xfrm>
+          <a:prstGeom prst="rect">
+            <a:avLst/>
+          </a:prstGeom>
+          <a:noFill/>
+        </p:spPr>
+        <p:txBody>
+          <a:bodyPr wrap="square" rtlCol="0">
+            <a:spAutoFit/>
+          </a:bodyPr>
+          <a:lstStyle/>
+          <a:p>
+            <a:pPr algn="ctr"/>
+            <a:r>
+              <a:rPr lang="en-US" sz="1400" b="1" spc="600" noProof="0" dirty="0" err="1">
+                <a:solidFill>
+                  <a:srgbClr val="F4F3EE"/>
+                </a:solidFill>
+              </a:rPr>
+              <a:t>Spiegare</a:t>
+            </a:r>
+            <a:r>
+              <a:rPr lang="en-US" sz="1400" b="1" spc="600" noProof="0" dirty="0">
+                <a:solidFill>
+                  <a:srgbClr val="F4F3EE"/>
+                </a:solidFill>
+              </a:rPr>
+              <a:t> a </a:t>
+            </a:r>
+            <a:r>
+              <a:rPr lang="en-US" sz="1400" b="1" spc="600" noProof="0" dirty="0" err="1">
+                <a:solidFill>
+                  <a:srgbClr val="F4F3EE"/>
+                </a:solidFill>
+              </a:rPr>
+              <a:t>cosa</a:t>
+            </a:r>
+            <a:r>
+              <a:rPr lang="en-US" sz="1400" b="1" spc="600" noProof="0" dirty="0">
+                <a:solidFill>
+                  <a:srgbClr val="F4F3EE"/>
+                </a:solidFill>
+              </a:rPr>
+              <a:t> </a:t>
+            </a:r>
+            <a:r>
+              <a:rPr lang="en-US" sz="1400" b="1" spc="600" noProof="0" dirty="0" err="1">
+                <a:solidFill>
+                  <a:srgbClr val="F4F3EE"/>
+                </a:solidFill>
+              </a:rPr>
+              <a:t>sono</a:t>
+            </a:r>
+            <a:r>
+              <a:rPr lang="en-US" sz="1400" b="1" spc="600" noProof="0" dirty="0">
+                <a:solidFill>
+                  <a:srgbClr val="F4F3EE"/>
+                </a:solidFill>
+              </a:rPr>
+              <a:t> </a:t>
+            </a:r>
+            <a:r>
+              <a:rPr lang="en-US" sz="1400" b="1" spc="600" noProof="0" dirty="0" err="1">
+                <a:solidFill>
+                  <a:srgbClr val="F4F3EE"/>
+                </a:solidFill>
+              </a:rPr>
+              <a:t>dovuti</a:t>
+            </a:r>
+            <a:r>
+              <a:rPr lang="en-US" sz="1400" b="1" spc="600" noProof="0" dirty="0">
+                <a:solidFill>
+                  <a:srgbClr val="F4F3EE"/>
+                </a:solidFill>
+              </a:rPr>
+              <a:t> </a:t>
+            </a:r>
+            <a:r>
+              <a:rPr lang="en-US" sz="1400" b="1" spc="600" noProof="0" dirty="0" err="1">
+                <a:solidFill>
+                  <a:srgbClr val="F4F3EE"/>
+                </a:solidFill>
+              </a:rPr>
+              <a:t>gli</a:t>
+            </a:r>
+            <a:r>
+              <a:rPr lang="en-US" sz="1400" b="1" spc="600" noProof="0" dirty="0">
+                <a:solidFill>
+                  <a:srgbClr val="F4F3EE"/>
+                </a:solidFill>
+              </a:rPr>
+              <a:t> </a:t>
+            </a:r>
+            <a:r>
+              <a:rPr lang="en-US" sz="1400" b="1" spc="600" noProof="0" dirty="0" err="1">
+                <a:solidFill>
+                  <a:srgbClr val="F4F3EE"/>
+                </a:solidFill>
+              </a:rPr>
+              <a:t>errori</a:t>
+            </a:r>
+            <a:r>
+              <a:rPr lang="en-US" sz="1400" b="1" spc="600" noProof="0" dirty="0">
+                <a:solidFill>
+                  <a:srgbClr val="F4F3EE"/>
+                </a:solidFill>
+              </a:rPr>
+              <a:t> in </a:t>
+            </a:r>
+            <a:r>
+              <a:rPr lang="en-US" sz="1400" b="1" spc="600" noProof="0" dirty="0" err="1">
+                <a:solidFill>
+                  <a:srgbClr val="F4F3EE"/>
+                </a:solidFill>
+              </a:rPr>
+              <a:t>questo</a:t>
+            </a:r>
+            <a:r>
+              <a:rPr lang="en-US" sz="1400" b="1" spc="600" noProof="0" dirty="0">
+                <a:solidFill>
+                  <a:srgbClr val="F4F3EE"/>
+                </a:solidFill>
+              </a:rPr>
+              <a:t> </a:t>
+            </a:r>
+            <a:r>
+              <a:rPr lang="en-US" sz="1400" b="1" spc="600" noProof="0" dirty="0" err="1">
+                <a:solidFill>
+                  <a:srgbClr val="F4F3EE"/>
+                </a:solidFill>
+              </a:rPr>
+              <a:t>caso</a:t>
+            </a:r>
+            <a:r>
+              <a:rPr lang="en-US" sz="1400" b="1" spc="600" dirty="0">
+                <a:solidFill>
+                  <a:srgbClr val="F4F3EE"/>
+                </a:solidFill>
+              </a:rPr>
+              <a:t>… Il </a:t>
+            </a:r>
+            <a:r>
+              <a:rPr lang="en-US" sz="1400" b="1" spc="600" dirty="0" err="1">
+                <a:solidFill>
+                  <a:srgbClr val="F4F3EE"/>
+                </a:solidFill>
+              </a:rPr>
+              <a:t>fatto</a:t>
+            </a:r>
+            <a:r>
+              <a:rPr lang="en-US" sz="1400" b="1" spc="600" dirty="0">
+                <a:solidFill>
+                  <a:srgbClr val="F4F3EE"/>
+                </a:solidFill>
+              </a:rPr>
+              <a:t> </a:t>
+            </a:r>
+            <a:r>
+              <a:rPr lang="en-US" sz="1400" b="1" spc="600" dirty="0" err="1">
+                <a:solidFill>
+                  <a:srgbClr val="F4F3EE"/>
+                </a:solidFill>
+              </a:rPr>
+              <a:t>che</a:t>
+            </a:r>
+            <a:r>
+              <a:rPr lang="en-US" sz="1400" b="1" spc="600" dirty="0">
+                <a:solidFill>
+                  <a:srgbClr val="F4F3EE"/>
+                </a:solidFill>
+              </a:rPr>
+              <a:t> se </a:t>
+            </a:r>
+            <a:r>
+              <a:rPr lang="en-US" sz="1400" b="1" spc="600" dirty="0" err="1">
+                <a:solidFill>
+                  <a:srgbClr val="F4F3EE"/>
+                </a:solidFill>
+              </a:rPr>
+              <a:t>misuro</a:t>
+            </a:r>
+            <a:r>
+              <a:rPr lang="en-US" sz="1400" b="1" spc="600" dirty="0">
+                <a:solidFill>
+                  <a:srgbClr val="F4F3EE"/>
+                </a:solidFill>
+              </a:rPr>
+              <a:t> in base W e ho 01 o 10 </a:t>
+            </a:r>
+            <a:r>
+              <a:rPr lang="en-US" sz="1400" b="1" spc="600" dirty="0" err="1">
+                <a:solidFill>
+                  <a:srgbClr val="F4F3EE"/>
+                </a:solidFill>
+              </a:rPr>
+              <a:t>allora</a:t>
+            </a:r>
+            <a:r>
+              <a:rPr lang="en-US" sz="1400" b="1" spc="600" dirty="0">
+                <a:solidFill>
+                  <a:srgbClr val="F4F3EE"/>
+                </a:solidFill>
+              </a:rPr>
+              <a:t> </a:t>
+            </a:r>
+            <a:r>
+              <a:rPr lang="en-US" sz="1400" b="1" spc="600" dirty="0" err="1">
+                <a:solidFill>
+                  <a:srgbClr val="F4F3EE"/>
+                </a:solidFill>
+              </a:rPr>
+              <a:t>posso</a:t>
+            </a:r>
+            <a:r>
+              <a:rPr lang="en-US" sz="1400" b="1" spc="600" dirty="0">
+                <a:solidFill>
+                  <a:srgbClr val="F4F3EE"/>
+                </a:solidFill>
+              </a:rPr>
+              <a:t> </a:t>
+            </a:r>
+            <a:r>
+              <a:rPr lang="en-US" sz="1400" b="1" spc="600" dirty="0" err="1">
+                <a:solidFill>
+                  <a:srgbClr val="F4F3EE"/>
+                </a:solidFill>
+              </a:rPr>
+              <a:t>ottenere</a:t>
+            </a:r>
+            <a:r>
+              <a:rPr lang="en-US" sz="1400" b="1" spc="600" dirty="0">
+                <a:solidFill>
+                  <a:srgbClr val="F4F3EE"/>
+                </a:solidFill>
+              </a:rPr>
+              <a:t> tutti </a:t>
+            </a:r>
+            <a:r>
+              <a:rPr lang="en-US" sz="1400" b="1" spc="600" dirty="0" err="1">
+                <a:solidFill>
+                  <a:srgbClr val="F4F3EE"/>
+                </a:solidFill>
+              </a:rPr>
+              <a:t>gli</a:t>
+            </a:r>
+            <a:r>
+              <a:rPr lang="en-US" sz="1400" b="1" spc="600" dirty="0">
+                <a:solidFill>
+                  <a:srgbClr val="F4F3EE"/>
+                </a:solidFill>
+              </a:rPr>
+              <a:t> outcome con diverse </a:t>
+            </a:r>
+            <a:r>
+              <a:rPr lang="en-US" sz="1400" b="1" spc="600" dirty="0" err="1">
+                <a:solidFill>
+                  <a:srgbClr val="F4F3EE"/>
+                </a:solidFill>
+              </a:rPr>
+              <a:t>probabilità</a:t>
+            </a:r>
+            <a:endParaRPr lang="en-US" sz="1400" spc="600" noProof="0" dirty="0">
+              <a:solidFill>
+                <a:srgbClr val="F4F3EE"/>
+              </a:solidFill>
+            </a:endParaRPr>
+          </a:p>
+        </p:txBody>
+      </p:sp>
+    </p:spTree>
+    <p:extLst>
+      <p:ext uri="{BB962C8B-B14F-4D97-AF65-F5344CB8AC3E}">
+        <p14:creationId xmlns:p14="http://schemas.microsoft.com/office/powerpoint/2010/main" val="1591680045"/>
+      </p:ext>
+    </p:extLst>
+  </p:cSld>
+  <p:clrMapOvr>
+    <a:masterClrMapping/>
+  </p:clrMapOvr>
+</p:sld>
+</file>
+
+<file path=ppt/slides/slide19.xml><?xml version="1.0" encoding="utf-8"?>
+<p:sld xmlns:a="http://schemas.openxmlformats.org/drawingml/2006/main" xmlns:r="http://schemas.openxmlformats.org/officeDocument/2006/relationships" xmlns:p="http://schemas.openxmlformats.org/presentationml/2006/main">
+  <p:cSld>
+    <p:bg>
+      <p:bgPr>
+        <a:solidFill>
+          <a:srgbClr val="463F3A"/>
+        </a:solidFill>
+        <a:effectLst/>
+      </p:bgPr>
+    </p:bg>
+    <p:spTree>
+      <p:nvGrpSpPr>
+        <p:cNvPr id="1" name="">
+          <a:extLst>
+            <a:ext uri="{FF2B5EF4-FFF2-40B4-BE49-F238E27FC236}">
+              <a16:creationId xmlns:a16="http://schemas.microsoft.com/office/drawing/2014/main" id="{BFF32CE1-18C4-C494-13D1-032D1668DD33}"/>
+            </a:ext>
+          </a:extLst>
+        </p:cNvPr>
+        <p:cNvGrpSpPr/>
+        <p:nvPr/>
+      </p:nvGrpSpPr>
+      <p:grpSpPr>
+        <a:xfrm>
+          <a:off x="0" y="0"/>
+          <a:ext cx="0" cy="0"/>
+          <a:chOff x="0" y="0"/>
+          <a:chExt cx="0" cy="0"/>
+        </a:xfrm>
+      </p:grpSpPr>
+      <p:sp>
+        <p:nvSpPr>
+          <p:cNvPr id="4" name="CasellaDiTesto 3">
+            <a:extLst>
+              <a:ext uri="{FF2B5EF4-FFF2-40B4-BE49-F238E27FC236}">
+                <a16:creationId xmlns:a16="http://schemas.microsoft.com/office/drawing/2014/main" id="{BA14FFB1-D715-62A6-F850-4AF31FB390C4}"/>
+              </a:ext>
+            </a:extLst>
+          </p:cNvPr>
+          <p:cNvSpPr txBox="1"/>
+          <p:nvPr/>
+        </p:nvSpPr>
+        <p:spPr>
+          <a:xfrm>
+            <a:off x="3335456" y="554377"/>
+            <a:ext cx="5521087" cy="400110"/>
+          </a:xfrm>
+          <a:prstGeom prst="rect">
+            <a:avLst/>
+          </a:prstGeom>
+          <a:noFill/>
+        </p:spPr>
+        <p:txBody>
+          <a:bodyPr wrap="square" rtlCol="0">
+            <a:spAutoFit/>
+          </a:bodyPr>
+          <a:lstStyle/>
+          <a:p>
+            <a:pPr algn="ctr"/>
+            <a:r>
+              <a:rPr lang="en-US" sz="2000" b="1" spc="600" noProof="0" dirty="0">
+                <a:solidFill>
+                  <a:srgbClr val="F4F3EE"/>
+                </a:solidFill>
+              </a:rPr>
+              <a:t>EAVESDROPPING</a:t>
+            </a:r>
+            <a:endParaRPr lang="en-US" sz="2000" spc="600" noProof="0" dirty="0">
+              <a:solidFill>
+                <a:srgbClr val="F4F3EE"/>
+              </a:solidFill>
+            </a:endParaRPr>
+          </a:p>
+        </p:txBody>
+      </p:sp>
+      <p:sp>
+        <p:nvSpPr>
+          <p:cNvPr id="2" name="CasellaDiTesto 1">
+            <a:extLst>
+              <a:ext uri="{FF2B5EF4-FFF2-40B4-BE49-F238E27FC236}">
+                <a16:creationId xmlns:a16="http://schemas.microsoft.com/office/drawing/2014/main" id="{C3487B51-E56E-3DA7-C337-46D2DD92CB9D}"/>
+              </a:ext>
+            </a:extLst>
+          </p:cNvPr>
+          <p:cNvSpPr txBox="1"/>
+          <p:nvPr/>
+        </p:nvSpPr>
+        <p:spPr>
+          <a:xfrm>
+            <a:off x="3335456" y="2194918"/>
+            <a:ext cx="5521087" cy="707886"/>
+          </a:xfrm>
+          <a:prstGeom prst="rect">
+            <a:avLst/>
+          </a:prstGeom>
+          <a:noFill/>
+        </p:spPr>
+        <p:txBody>
+          <a:bodyPr wrap="square" rtlCol="0">
+            <a:spAutoFit/>
+          </a:bodyPr>
+          <a:lstStyle/>
+          <a:p>
+            <a:pPr algn="ctr"/>
+            <a:r>
+              <a:rPr lang="en-US" sz="2000" b="1" spc="600" noProof="0" dirty="0">
+                <a:solidFill>
+                  <a:srgbClr val="F4F3EE"/>
+                </a:solidFill>
+              </a:rPr>
+              <a:t>GRAPH OF S WITH CI THAT IS BELOW 2sqrt(2)</a:t>
+            </a:r>
+            <a:endParaRPr lang="en-US" sz="2000" spc="600" noProof="0" dirty="0">
+              <a:solidFill>
+                <a:srgbClr val="F4F3EE"/>
+              </a:solidFill>
+            </a:endParaRPr>
+          </a:p>
+        </p:txBody>
+      </p:sp>
+      <mc:AlternateContent xmlns:mc="http://schemas.openxmlformats.org/markup-compatibility/2006">
+        <mc:Choice xmlns:a14="http://schemas.microsoft.com/office/drawing/2010/main" Requires="a14">
+          <p:sp>
+            <p:nvSpPr>
+              <p:cNvPr id="3" name="CasellaDiTesto 2">
+                <a:extLst>
+                  <a:ext uri="{FF2B5EF4-FFF2-40B4-BE49-F238E27FC236}">
+                    <a16:creationId xmlns:a16="http://schemas.microsoft.com/office/drawing/2014/main" id="{4502011D-5A39-F269-7AA8-618DF74EFD0B}"/>
+                  </a:ext>
+                </a:extLst>
+              </p:cNvPr>
+              <p:cNvSpPr txBox="1"/>
+              <p:nvPr/>
+            </p:nvSpPr>
+            <p:spPr>
+              <a:xfrm>
+                <a:off x="-889736" y="3955197"/>
+                <a:ext cx="10028119" cy="400110"/>
+              </a:xfrm>
+              <a:prstGeom prst="rect">
+                <a:avLst/>
+              </a:prstGeom>
+              <a:noFill/>
+            </p:spPr>
+            <p:txBody>
+              <a:bodyPr wrap="square" rtlCol="0">
+                <a:spAutoFit/>
+              </a:bodyPr>
+              <a:lstStyle/>
+              <a:p>
+                <a:pPr algn="ctr"/>
+                <a14:m>
+                  <m:oMathPara xmlns:m="http://schemas.openxmlformats.org/officeDocument/2006/math">
+                    <m:oMathParaPr>
+                      <m:jc m:val="centerGroup"/>
+                    </m:oMathParaPr>
+                    <m:oMath xmlns:m="http://schemas.openxmlformats.org/officeDocument/2006/math">
+                      <m:d>
+                        <m:dPr>
+                          <m:begChr m:val="|"/>
+                          <m:endChr m:val="⟩"/>
+                          <m:ctrlPr>
+                            <a:rPr lang="it-IT" sz="2000" b="0" i="1" smtClean="0">
+                              <a:solidFill>
+                                <a:srgbClr val="F4F3EE"/>
+                              </a:solidFill>
+                              <a:latin typeface="Cambria Math" panose="02040503050406030204" pitchFamily="18" charset="0"/>
+                            </a:rPr>
+                          </m:ctrlPr>
+                        </m:dPr>
+                        <m:e>
+                          <m:sSup>
+                            <m:sSupPr>
+                              <m:ctrlPr>
+                                <a:rPr lang="it-IT" sz="2000" b="0" i="1" smtClean="0">
+                                  <a:solidFill>
+                                    <a:srgbClr val="F4F3EE"/>
+                                  </a:solidFill>
+                                  <a:latin typeface="Cambria Math" panose="02040503050406030204" pitchFamily="18" charset="0"/>
+                                </a:rPr>
+                              </m:ctrlPr>
+                            </m:sSupPr>
+                            <m:e>
+                              <m:r>
+                                <a:rPr lang="it-IT" sz="2000" b="0" i="1" smtClean="0">
+                                  <a:solidFill>
+                                    <a:srgbClr val="F4F3EE"/>
+                                  </a:solidFill>
+                                  <a:latin typeface="Cambria Math" panose="02040503050406030204" pitchFamily="18" charset="0"/>
+                                </a:rPr>
+                                <m:t>𝜓</m:t>
+                              </m:r>
+                            </m:e>
+                            <m:sup>
+                              <m:r>
+                                <a:rPr lang="it-IT" sz="2000" b="0" i="1" smtClean="0">
+                                  <a:solidFill>
+                                    <a:srgbClr val="F4F3EE"/>
+                                  </a:solidFill>
+                                  <a:latin typeface="Cambria Math" panose="02040503050406030204" pitchFamily="18" charset="0"/>
+                                </a:rPr>
+                                <m:t>−</m:t>
+                              </m:r>
+                            </m:sup>
+                          </m:sSup>
+                        </m:e>
+                      </m:d>
+                      <m:r>
+                        <a:rPr lang="it-IT" sz="2000" b="0" i="1" smtClean="0">
+                          <a:solidFill>
+                            <a:srgbClr val="F4F3EE"/>
+                          </a:solidFill>
+                          <a:latin typeface="Cambria Math" panose="02040503050406030204" pitchFamily="18" charset="0"/>
+                        </a:rPr>
+                        <m:t>→ </m:t>
+                      </m:r>
+                    </m:oMath>
+                  </m:oMathPara>
+                </a14:m>
+                <a:endParaRPr lang="en-US" sz="2000" dirty="0">
+                  <a:solidFill>
+                    <a:srgbClr val="F4F3EE"/>
+                  </a:solidFill>
+                </a:endParaRPr>
+              </a:p>
+            </p:txBody>
+          </p:sp>
+        </mc:Choice>
+        <mc:Fallback>
+          <p:sp>
+            <p:nvSpPr>
+              <p:cNvPr id="3" name="CasellaDiTesto 2">
+                <a:extLst>
+                  <a:ext uri="{FF2B5EF4-FFF2-40B4-BE49-F238E27FC236}">
+                    <a16:creationId xmlns:a16="http://schemas.microsoft.com/office/drawing/2014/main" id="{4502011D-5A39-F269-7AA8-618DF74EFD0B}"/>
+                  </a:ext>
+                </a:extLst>
+              </p:cNvPr>
+              <p:cNvSpPr txBox="1">
+                <a:spLocks noRot="1" noChangeAspect="1" noMove="1" noResize="1" noEditPoints="1" noAdjustHandles="1" noChangeArrowheads="1" noChangeShapeType="1" noTextEdit="1"/>
+              </p:cNvSpPr>
+              <p:nvPr/>
+            </p:nvSpPr>
+            <p:spPr>
+              <a:xfrm>
+                <a:off x="-889736" y="3955197"/>
+                <a:ext cx="10028119" cy="400110"/>
+              </a:xfrm>
+              <a:prstGeom prst="rect">
+                <a:avLst/>
+              </a:prstGeom>
+              <a:blipFill>
+                <a:blip r:embed="rId2"/>
+                <a:stretch>
+                  <a:fillRect b="-15385"/>
+                </a:stretch>
+              </a:blipFill>
+            </p:spPr>
+            <p:txBody>
+              <a:bodyPr/>
+              <a:lstStyle/>
+              <a:p>
+                <a:r>
+                  <a:rPr lang="it-IT">
+                    <a:noFill/>
+                  </a:rPr>
+                  <a:t> </a:t>
+                </a:r>
+              </a:p>
+            </p:txBody>
+          </p:sp>
+        </mc:Fallback>
+      </mc:AlternateContent>
+      <mc:AlternateContent xmlns:mc="http://schemas.openxmlformats.org/markup-compatibility/2006">
+        <mc:Choice xmlns:a14="http://schemas.microsoft.com/office/drawing/2010/main" Requires="a14">
+          <p:sp>
+            <p:nvSpPr>
+              <p:cNvPr id="5" name="CasellaDiTesto 4">
+                <a:extLst>
+                  <a:ext uri="{FF2B5EF4-FFF2-40B4-BE49-F238E27FC236}">
+                    <a16:creationId xmlns:a16="http://schemas.microsoft.com/office/drawing/2014/main" id="{AB4C2B19-16FC-97A4-46C3-CE72F3DA075E}"/>
+                  </a:ext>
+                </a:extLst>
+              </p:cNvPr>
+              <p:cNvSpPr txBox="1"/>
+              <p:nvPr/>
+            </p:nvSpPr>
+            <p:spPr>
+              <a:xfrm>
+                <a:off x="4425214" y="4367214"/>
+                <a:ext cx="1394561" cy="400110"/>
+              </a:xfrm>
+              <a:prstGeom prst="rect">
+                <a:avLst/>
+              </a:prstGeom>
+              <a:noFill/>
+            </p:spPr>
+            <p:txBody>
+              <a:bodyPr wrap="square" rtlCol="0">
+                <a:spAutoFit/>
+              </a:bodyPr>
+              <a:lstStyle/>
+              <a:p>
+                <a:pPr algn="ctr"/>
+                <a14:m>
+                  <m:oMathPara xmlns:m="http://schemas.openxmlformats.org/officeDocument/2006/math">
+                    <m:oMathParaPr>
+                      <m:jc m:val="centerGroup"/>
+                    </m:oMathParaPr>
+                    <m:oMath xmlns:m="http://schemas.openxmlformats.org/officeDocument/2006/math">
+                      <m:r>
+                        <m:rPr>
+                          <m:lit/>
+                        </m:rPr>
+                        <a:rPr lang="it-IT" sz="2000" i="1" smtClean="0">
+                          <a:solidFill>
+                            <a:srgbClr val="F4F3EE"/>
+                          </a:solidFill>
+                          <a:latin typeface="Cambria Math" panose="02040503050406030204" pitchFamily="18" charset="0"/>
+                        </a:rPr>
+                        <m:t>|</m:t>
+                      </m:r>
+                      <m:r>
+                        <a:rPr lang="it-IT" sz="2000" b="0" i="1" smtClean="0">
+                          <a:solidFill>
+                            <a:srgbClr val="F4F3EE"/>
+                          </a:solidFill>
+                          <a:latin typeface="Cambria Math" panose="02040503050406030204" pitchFamily="18" charset="0"/>
+                        </a:rPr>
+                        <m:t>01⟩ </m:t>
+                      </m:r>
+                    </m:oMath>
+                  </m:oMathPara>
+                </a14:m>
+                <a:endParaRPr lang="en-US" sz="2000" dirty="0">
+                  <a:solidFill>
+                    <a:srgbClr val="F4F3EE"/>
+                  </a:solidFill>
+                </a:endParaRPr>
+              </a:p>
+            </p:txBody>
+          </p:sp>
+        </mc:Choice>
+        <mc:Fallback>
+          <p:sp>
+            <p:nvSpPr>
+              <p:cNvPr id="5" name="CasellaDiTesto 4">
+                <a:extLst>
+                  <a:ext uri="{FF2B5EF4-FFF2-40B4-BE49-F238E27FC236}">
+                    <a16:creationId xmlns:a16="http://schemas.microsoft.com/office/drawing/2014/main" id="{AB4C2B19-16FC-97A4-46C3-CE72F3DA075E}"/>
+                  </a:ext>
+                </a:extLst>
+              </p:cNvPr>
+              <p:cNvSpPr txBox="1">
+                <a:spLocks noRot="1" noChangeAspect="1" noMove="1" noResize="1" noEditPoints="1" noAdjustHandles="1" noChangeArrowheads="1" noChangeShapeType="1" noTextEdit="1"/>
+              </p:cNvSpPr>
+              <p:nvPr/>
+            </p:nvSpPr>
+            <p:spPr>
+              <a:xfrm>
+                <a:off x="4425214" y="4367214"/>
+                <a:ext cx="1394561" cy="400110"/>
+              </a:xfrm>
+              <a:prstGeom prst="rect">
+                <a:avLst/>
+              </a:prstGeom>
+              <a:blipFill>
+                <a:blip r:embed="rId3"/>
+                <a:stretch>
+                  <a:fillRect b="-13636"/>
+                </a:stretch>
+              </a:blipFill>
+            </p:spPr>
+            <p:txBody>
+              <a:bodyPr/>
+              <a:lstStyle/>
+              <a:p>
+                <a:r>
+                  <a:rPr lang="it-IT">
+                    <a:noFill/>
+                  </a:rPr>
+                  <a:t> </a:t>
+                </a:r>
+              </a:p>
+            </p:txBody>
+          </p:sp>
+        </mc:Fallback>
+      </mc:AlternateContent>
+      <mc:AlternateContent xmlns:mc="http://schemas.openxmlformats.org/markup-compatibility/2006">
+        <mc:Choice xmlns:a14="http://schemas.microsoft.com/office/drawing/2010/main" Requires="a14">
+          <p:sp>
+            <p:nvSpPr>
+              <p:cNvPr id="6" name="CasellaDiTesto 5">
+                <a:extLst>
+                  <a:ext uri="{FF2B5EF4-FFF2-40B4-BE49-F238E27FC236}">
+                    <a16:creationId xmlns:a16="http://schemas.microsoft.com/office/drawing/2014/main" id="{189B4400-FD72-5A17-CA7E-D84CA17DD5AF}"/>
+                  </a:ext>
+                </a:extLst>
+              </p:cNvPr>
+              <p:cNvSpPr txBox="1"/>
+              <p:nvPr/>
+            </p:nvSpPr>
+            <p:spPr>
+              <a:xfrm>
+                <a:off x="4425213" y="4767324"/>
+                <a:ext cx="1394561" cy="400110"/>
+              </a:xfrm>
+              <a:prstGeom prst="rect">
+                <a:avLst/>
+              </a:prstGeom>
+              <a:noFill/>
+            </p:spPr>
+            <p:txBody>
+              <a:bodyPr wrap="square" rtlCol="0">
+                <a:spAutoFit/>
+              </a:bodyPr>
+              <a:lstStyle/>
+              <a:p>
+                <a:pPr algn="ctr"/>
+                <a14:m>
+                  <m:oMathPara xmlns:m="http://schemas.openxmlformats.org/officeDocument/2006/math">
+                    <m:oMathParaPr>
+                      <m:jc m:val="centerGroup"/>
+                    </m:oMathParaPr>
+                    <m:oMath xmlns:m="http://schemas.openxmlformats.org/officeDocument/2006/math">
+                      <m:r>
+                        <m:rPr>
+                          <m:lit/>
+                        </m:rPr>
+                        <a:rPr lang="it-IT" sz="2000" i="1" smtClean="0">
+                          <a:solidFill>
+                            <a:srgbClr val="F4F3EE"/>
+                          </a:solidFill>
+                          <a:latin typeface="Cambria Math" panose="02040503050406030204" pitchFamily="18" charset="0"/>
+                        </a:rPr>
+                        <m:t>|</m:t>
+                      </m:r>
+                      <m:r>
+                        <a:rPr lang="it-IT" sz="2000" b="0" i="1" smtClean="0">
+                          <a:solidFill>
+                            <a:srgbClr val="F4F3EE"/>
+                          </a:solidFill>
+                          <a:latin typeface="Cambria Math" panose="02040503050406030204" pitchFamily="18" charset="0"/>
+                        </a:rPr>
+                        <m:t>10⟩ </m:t>
+                      </m:r>
+                    </m:oMath>
+                  </m:oMathPara>
+                </a14:m>
+                <a:endParaRPr lang="en-US" sz="2000" dirty="0">
+                  <a:solidFill>
+                    <a:srgbClr val="F4F3EE"/>
+                  </a:solidFill>
+                </a:endParaRPr>
+              </a:p>
+            </p:txBody>
+          </p:sp>
+        </mc:Choice>
+        <mc:Fallback>
+          <p:sp>
+            <p:nvSpPr>
+              <p:cNvPr id="6" name="CasellaDiTesto 5">
+                <a:extLst>
+                  <a:ext uri="{FF2B5EF4-FFF2-40B4-BE49-F238E27FC236}">
+                    <a16:creationId xmlns:a16="http://schemas.microsoft.com/office/drawing/2014/main" id="{189B4400-FD72-5A17-CA7E-D84CA17DD5AF}"/>
+                  </a:ext>
+                </a:extLst>
+              </p:cNvPr>
+              <p:cNvSpPr txBox="1">
+                <a:spLocks noRot="1" noChangeAspect="1" noMove="1" noResize="1" noEditPoints="1" noAdjustHandles="1" noChangeArrowheads="1" noChangeShapeType="1" noTextEdit="1"/>
+              </p:cNvSpPr>
+              <p:nvPr/>
+            </p:nvSpPr>
+            <p:spPr>
+              <a:xfrm>
+                <a:off x="4425213" y="4767324"/>
+                <a:ext cx="1394561" cy="400110"/>
+              </a:xfrm>
+              <a:prstGeom prst="rect">
+                <a:avLst/>
+              </a:prstGeom>
+              <a:blipFill>
+                <a:blip r:embed="rId4"/>
+                <a:stretch>
+                  <a:fillRect b="-13636"/>
+                </a:stretch>
+              </a:blipFill>
+            </p:spPr>
+            <p:txBody>
+              <a:bodyPr/>
+              <a:lstStyle/>
+              <a:p>
+                <a:r>
+                  <a:rPr lang="it-IT">
+                    <a:noFill/>
+                  </a:rPr>
+                  <a:t> </a:t>
+                </a:r>
+              </a:p>
+            </p:txBody>
+          </p:sp>
+        </mc:Fallback>
+      </mc:AlternateContent>
+      <mc:AlternateContent xmlns:mc="http://schemas.openxmlformats.org/markup-compatibility/2006">
+        <mc:Choice xmlns:a14="http://schemas.microsoft.com/office/drawing/2010/main" Requires="a14">
+          <p:sp>
+            <p:nvSpPr>
+              <p:cNvPr id="7" name="CasellaDiTesto 6">
+                <a:extLst>
+                  <a:ext uri="{FF2B5EF4-FFF2-40B4-BE49-F238E27FC236}">
+                    <a16:creationId xmlns:a16="http://schemas.microsoft.com/office/drawing/2014/main" id="{0C50DA1F-D0DE-2FFB-C00B-2D46708C782A}"/>
+                  </a:ext>
+                </a:extLst>
+              </p:cNvPr>
+              <p:cNvSpPr txBox="1"/>
+              <p:nvPr/>
+            </p:nvSpPr>
+            <p:spPr>
+              <a:xfrm>
+                <a:off x="5398718" y="4444973"/>
+                <a:ext cx="1394561" cy="668516"/>
+              </a:xfrm>
+              <a:prstGeom prst="rect">
+                <a:avLst/>
+              </a:prstGeom>
+              <a:noFill/>
+            </p:spPr>
+            <p:txBody>
+              <a:bodyPr wrap="square" rtlCol="0">
+                <a:spAutoFit/>
+              </a:bodyPr>
+              <a:lstStyle/>
+              <a:p>
+                <a:pPr algn="ctr"/>
+                <a14:m>
+                  <m:oMathPara xmlns:m="http://schemas.openxmlformats.org/officeDocument/2006/math">
+                    <m:oMathParaPr>
+                      <m:jc m:val="centerGroup"/>
+                    </m:oMathParaPr>
+                    <m:oMath xmlns:m="http://schemas.openxmlformats.org/officeDocument/2006/math">
+                      <m:f>
+                        <m:fPr>
+                          <m:ctrlPr>
+                            <a:rPr lang="it-IT" sz="2000" b="0" i="1" smtClean="0">
+                              <a:solidFill>
+                                <a:srgbClr val="F4F3EE"/>
+                              </a:solidFill>
+                              <a:latin typeface="Cambria Math" panose="02040503050406030204" pitchFamily="18" charset="0"/>
+                            </a:rPr>
+                          </m:ctrlPr>
+                        </m:fPr>
+                        <m:num>
+                          <m:r>
+                            <a:rPr lang="it-IT" sz="2000" i="1" smtClean="0">
+                              <a:solidFill>
+                                <a:srgbClr val="F4F3EE"/>
+                              </a:solidFill>
+                              <a:latin typeface="Cambria Math" panose="02040503050406030204" pitchFamily="18" charset="0"/>
+                            </a:rPr>
+                            <m:t>1</m:t>
+                          </m:r>
+                        </m:num>
+                        <m:den>
+                          <m:r>
+                            <a:rPr lang="it-IT" sz="2000" b="0" i="1" smtClean="0">
+                              <a:solidFill>
+                                <a:srgbClr val="F4F3EE"/>
+                              </a:solidFill>
+                              <a:latin typeface="Cambria Math" panose="02040503050406030204" pitchFamily="18" charset="0"/>
+                            </a:rPr>
+                            <m:t>2</m:t>
+                          </m:r>
+                        </m:den>
+                      </m:f>
+                    </m:oMath>
+                  </m:oMathPara>
+                </a14:m>
+                <a:endParaRPr lang="en-US" sz="2000" dirty="0">
+                  <a:solidFill>
+                    <a:srgbClr val="F4F3EE"/>
+                  </a:solidFill>
+                </a:endParaRPr>
+              </a:p>
+            </p:txBody>
+          </p:sp>
+        </mc:Choice>
+        <mc:Fallback>
+          <p:sp>
+            <p:nvSpPr>
+              <p:cNvPr id="7" name="CasellaDiTesto 6">
+                <a:extLst>
+                  <a:ext uri="{FF2B5EF4-FFF2-40B4-BE49-F238E27FC236}">
+                    <a16:creationId xmlns:a16="http://schemas.microsoft.com/office/drawing/2014/main" id="{0C50DA1F-D0DE-2FFB-C00B-2D46708C782A}"/>
+                  </a:ext>
+                </a:extLst>
+              </p:cNvPr>
+              <p:cNvSpPr txBox="1">
+                <a:spLocks noRot="1" noChangeAspect="1" noMove="1" noResize="1" noEditPoints="1" noAdjustHandles="1" noChangeArrowheads="1" noChangeShapeType="1" noTextEdit="1"/>
+              </p:cNvSpPr>
+              <p:nvPr/>
+            </p:nvSpPr>
+            <p:spPr>
+              <a:xfrm>
+                <a:off x="5398718" y="4444973"/>
+                <a:ext cx="1394561" cy="668516"/>
+              </a:xfrm>
+              <a:prstGeom prst="rect">
+                <a:avLst/>
+              </a:prstGeom>
+              <a:blipFill>
+                <a:blip r:embed="rId5"/>
+                <a:stretch>
+                  <a:fillRect/>
+                </a:stretch>
+              </a:blipFill>
+            </p:spPr>
+            <p:txBody>
+              <a:bodyPr/>
+              <a:lstStyle/>
+              <a:p>
+                <a:r>
+                  <a:rPr lang="it-IT">
+                    <a:noFill/>
+                  </a:rPr>
+                  <a:t> </a:t>
+                </a:r>
+              </a:p>
+            </p:txBody>
+          </p:sp>
+        </mc:Fallback>
+      </mc:AlternateContent>
+    </p:spTree>
+    <p:extLst>
+      <p:ext uri="{BB962C8B-B14F-4D97-AF65-F5344CB8AC3E}">
+        <p14:creationId xmlns:p14="http://schemas.microsoft.com/office/powerpoint/2010/main" val="953764923"/>
+      </p:ext>
+    </p:extLst>
+  </p:cSld>
+  <p:clrMapOvr>
+    <a:masterClrMapping/>
+  </p:clrMapOvr>
+</p:sld>
+</file>
+
+<file path=ppt/slides/slide2.xml><?xml version="1.0" encoding="utf-8"?>
+<p:sld xmlns:a="http://schemas.openxmlformats.org/drawingml/2006/main" xmlns:r="http://schemas.openxmlformats.org/officeDocument/2006/relationships" xmlns:p="http://schemas.openxmlformats.org/presentationml/2006/main">
+  <p:cSld>
+    <p:bg>
+      <p:bgPr>
+        <a:solidFill>
+          <a:srgbClr val="463F3A"/>
+        </a:solidFill>
+        <a:effectLst/>
+      </p:bgPr>
+    </p:bg>
+    <p:spTree>
+      <p:nvGrpSpPr>
+        <p:cNvPr id="1" name="">
+          <a:extLst>
+            <a:ext uri="{FF2B5EF4-FFF2-40B4-BE49-F238E27FC236}">
+              <a16:creationId xmlns:a16="http://schemas.microsoft.com/office/drawing/2014/main" id="{2C973A0C-0201-0786-2A07-5285442F9DBA}"/>
+            </a:ext>
+          </a:extLst>
+        </p:cNvPr>
+        <p:cNvGrpSpPr/>
+        <p:nvPr/>
+      </p:nvGrpSpPr>
+      <p:grpSpPr>
+        <a:xfrm>
+          <a:off x="0" y="0"/>
+          <a:ext cx="0" cy="0"/>
+          <a:chOff x="0" y="0"/>
+          <a:chExt cx="0" cy="0"/>
+        </a:xfrm>
+      </p:grpSpPr>
+      <p:sp>
+        <p:nvSpPr>
+          <p:cNvPr id="10" name="CasellaDiTesto 9">
+            <a:extLst>
+              <a:ext uri="{FF2B5EF4-FFF2-40B4-BE49-F238E27FC236}">
+                <a16:creationId xmlns:a16="http://schemas.microsoft.com/office/drawing/2014/main" id="{1EF4E37A-67CA-D344-23CF-0952E07B3389}"/>
+              </a:ext>
+            </a:extLst>
+          </p:cNvPr>
+          <p:cNvSpPr txBox="1"/>
+          <p:nvPr/>
+        </p:nvSpPr>
+        <p:spPr>
+          <a:xfrm>
+            <a:off x="3335452" y="733672"/>
+            <a:ext cx="5521087" cy="369332"/>
+          </a:xfrm>
+          <a:prstGeom prst="rect">
+            <a:avLst/>
+          </a:prstGeom>
+          <a:noFill/>
+        </p:spPr>
+        <p:txBody>
+          <a:bodyPr wrap="square" rtlCol="0">
+            <a:spAutoFit/>
+          </a:bodyPr>
+          <a:lstStyle/>
+          <a:p>
+            <a:pPr algn="ctr"/>
+            <a:r>
+              <a:rPr lang="en-US" noProof="0" dirty="0">
+                <a:solidFill>
+                  <a:srgbClr val="F4F3EE"/>
+                </a:solidFill>
+              </a:rPr>
+              <a:t>QUANTUM COMPUTING AND QUANTUM INTERNET</a:t>
+            </a:r>
+          </a:p>
+        </p:txBody>
+      </p:sp>
+      <p:grpSp>
+        <p:nvGrpSpPr>
+          <p:cNvPr id="14" name="Gruppo 13">
+            <a:extLst>
+              <a:ext uri="{FF2B5EF4-FFF2-40B4-BE49-F238E27FC236}">
+                <a16:creationId xmlns:a16="http://schemas.microsoft.com/office/drawing/2014/main" id="{67055E64-B434-4655-5722-8277A665D942}"/>
+              </a:ext>
+            </a:extLst>
+          </p:cNvPr>
+          <p:cNvGrpSpPr/>
+          <p:nvPr/>
+        </p:nvGrpSpPr>
+        <p:grpSpPr>
+          <a:xfrm>
+            <a:off x="4326864" y="5275071"/>
+            <a:ext cx="3538270" cy="1469902"/>
+            <a:chOff x="4326864" y="966076"/>
+            <a:chExt cx="3538270" cy="1469902"/>
+          </a:xfrm>
+        </p:grpSpPr>
+        <p:pic>
+          <p:nvPicPr>
+            <p:cNvPr id="12" name="Elemento grafico 11">
+              <a:extLst>
+                <a:ext uri="{FF2B5EF4-FFF2-40B4-BE49-F238E27FC236}">
+                  <a16:creationId xmlns:a16="http://schemas.microsoft.com/office/drawing/2014/main" id="{586185FB-79B2-8A7E-A618-2ECE30C4988D}"/>
+                </a:ext>
+              </a:extLst>
+            </p:cNvPr>
+            <p:cNvPicPr>
+              <a:picLocks noChangeAspect="1"/>
+            </p:cNvPicPr>
+            <p:nvPr/>
+          </p:nvPicPr>
+          <p:blipFill>
+            <a:blip r:embed="rId2">
+              <a:extLst>
+                <a:ext uri="{28A0092B-C50C-407E-A947-70E740481C1C}">
+                  <a14:useLocalDpi xmlns:a14="http://schemas.microsoft.com/office/drawing/2010/main" val="0"/>
+                </a:ext>
+                <a:ext uri="{96DAC541-7B7A-43D3-8B79-37D633B846F1}">
+                  <asvg:svgBlip xmlns:asvg="http://schemas.microsoft.com/office/drawing/2016/SVG/main" r:embed="rId3"/>
+                </a:ext>
+              </a:extLst>
+            </a:blip>
+            <a:stretch>
+              <a:fillRect/>
+            </a:stretch>
+          </p:blipFill>
+          <p:spPr>
+            <a:xfrm>
+              <a:off x="5536856" y="966076"/>
+              <a:ext cx="1118288" cy="1138781"/>
+            </a:xfrm>
+            <a:prstGeom prst="rect">
+              <a:avLst/>
+            </a:prstGeom>
+          </p:spPr>
+        </p:pic>
+        <p:sp>
+          <p:nvSpPr>
+            <p:cNvPr id="13" name="CasellaDiTesto 12">
+              <a:extLst>
+                <a:ext uri="{FF2B5EF4-FFF2-40B4-BE49-F238E27FC236}">
+                  <a16:creationId xmlns:a16="http://schemas.microsoft.com/office/drawing/2014/main" id="{0B7BBDCD-8E22-90E7-C094-56C76AE8ACAB}"/>
+                </a:ext>
+              </a:extLst>
+            </p:cNvPr>
+            <p:cNvSpPr txBox="1"/>
+            <p:nvPr/>
+          </p:nvSpPr>
+          <p:spPr>
+            <a:xfrm>
+              <a:off x="4326864" y="2158979"/>
+              <a:ext cx="3538270" cy="276999"/>
+            </a:xfrm>
+            <a:prstGeom prst="rect">
+              <a:avLst/>
+            </a:prstGeom>
+            <a:noFill/>
+          </p:spPr>
+          <p:txBody>
+            <a:bodyPr wrap="square" rtlCol="0">
+              <a:spAutoFit/>
+            </a:bodyPr>
+            <a:lstStyle/>
+            <a:p>
+              <a:pPr algn="ctr"/>
+              <a:r>
+                <a:rPr lang="en-US" sz="1200" spc="300" noProof="0" dirty="0">
+                  <a:solidFill>
+                    <a:srgbClr val="F4F3EE"/>
+                  </a:solidFill>
+                </a:rPr>
+                <a:t>UNIVERSITY OF PISA</a:t>
+              </a:r>
+            </a:p>
+          </p:txBody>
+        </p:sp>
+      </p:grpSp>
+      <p:grpSp>
+        <p:nvGrpSpPr>
+          <p:cNvPr id="30" name="Gruppo 29">
+            <a:extLst>
+              <a:ext uri="{FF2B5EF4-FFF2-40B4-BE49-F238E27FC236}">
+                <a16:creationId xmlns:a16="http://schemas.microsoft.com/office/drawing/2014/main" id="{A2CDD36A-3938-F7F8-759B-769CFB7D4C41}"/>
+              </a:ext>
+            </a:extLst>
+          </p:cNvPr>
+          <p:cNvGrpSpPr/>
+          <p:nvPr/>
+        </p:nvGrpSpPr>
+        <p:grpSpPr>
+          <a:xfrm>
+            <a:off x="1643692" y="2575446"/>
+            <a:ext cx="8904617" cy="932442"/>
+            <a:chOff x="1643688" y="2144018"/>
+            <a:chExt cx="8904617" cy="932442"/>
+          </a:xfrm>
+        </p:grpSpPr>
+        <p:sp>
+          <p:nvSpPr>
+            <p:cNvPr id="5" name="CasellaDiTesto 4">
+              <a:extLst>
+                <a:ext uri="{FF2B5EF4-FFF2-40B4-BE49-F238E27FC236}">
+                  <a16:creationId xmlns:a16="http://schemas.microsoft.com/office/drawing/2014/main" id="{B5511A07-059C-80E0-1193-67EC4216885C}"/>
+                </a:ext>
+              </a:extLst>
+            </p:cNvPr>
+            <p:cNvSpPr txBox="1"/>
+            <p:nvPr/>
+          </p:nvSpPr>
+          <p:spPr>
+            <a:xfrm>
+              <a:off x="1643688" y="2399352"/>
+              <a:ext cx="8904617" cy="677108"/>
+            </a:xfrm>
+            <a:prstGeom prst="rect">
+              <a:avLst/>
+            </a:prstGeom>
+            <a:noFill/>
+          </p:spPr>
+          <p:txBody>
+            <a:bodyPr wrap="square" rtlCol="0">
+              <a:spAutoFit/>
+            </a:bodyPr>
+            <a:lstStyle/>
+            <a:p>
+              <a:pPr algn="ctr"/>
+              <a:r>
+                <a:rPr lang="en-US" sz="3800" b="1" noProof="0" dirty="0">
+                  <a:solidFill>
+                    <a:srgbClr val="E0AFA0"/>
+                  </a:solidFill>
+                </a:rPr>
+                <a:t>E91</a:t>
+              </a:r>
+              <a:r>
+                <a:rPr lang="en-US" sz="3800" b="1" noProof="0" dirty="0">
+                  <a:solidFill>
+                    <a:srgbClr val="F4F3EE"/>
+                  </a:solidFill>
+                </a:rPr>
+                <a:t> </a:t>
+              </a:r>
+              <a:r>
+                <a:rPr lang="en-US" sz="3800" b="1" noProof="0" dirty="0">
+                  <a:solidFill>
+                    <a:srgbClr val="E0AFA0"/>
+                  </a:solidFill>
+                </a:rPr>
+                <a:t>PROTOCOL</a:t>
+              </a:r>
+            </a:p>
+          </p:txBody>
+        </p:sp>
+        <p:sp>
+          <p:nvSpPr>
+            <p:cNvPr id="16" name="CasellaDiTesto 15">
+              <a:extLst>
+                <a:ext uri="{FF2B5EF4-FFF2-40B4-BE49-F238E27FC236}">
+                  <a16:creationId xmlns:a16="http://schemas.microsoft.com/office/drawing/2014/main" id="{749CBE1A-4364-D10A-727D-06936B6EB0A0}"/>
+                </a:ext>
+              </a:extLst>
+            </p:cNvPr>
+            <p:cNvSpPr txBox="1"/>
+            <p:nvPr/>
+          </p:nvSpPr>
+          <p:spPr>
+            <a:xfrm>
+              <a:off x="3518138" y="2144018"/>
+              <a:ext cx="5155721" cy="307777"/>
+            </a:xfrm>
+            <a:prstGeom prst="rect">
+              <a:avLst/>
+            </a:prstGeom>
+            <a:noFill/>
+          </p:spPr>
+          <p:txBody>
+            <a:bodyPr wrap="square" rtlCol="0">
+              <a:spAutoFit/>
+            </a:bodyPr>
+            <a:lstStyle/>
+            <a:p>
+              <a:pPr algn="ctr"/>
+              <a:r>
+                <a:rPr lang="en-US" sz="1400" noProof="0" dirty="0">
+                  <a:solidFill>
+                    <a:srgbClr val="F4F3EE"/>
+                  </a:solidFill>
+                </a:rPr>
+                <a:t>PROJECT DISCUSSION</a:t>
+              </a:r>
+            </a:p>
+          </p:txBody>
+        </p:sp>
+      </p:grpSp>
+      <p:grpSp>
+        <p:nvGrpSpPr>
+          <p:cNvPr id="6" name="Gruppo 5">
+            <a:extLst>
+              <a:ext uri="{FF2B5EF4-FFF2-40B4-BE49-F238E27FC236}">
+                <a16:creationId xmlns:a16="http://schemas.microsoft.com/office/drawing/2014/main" id="{2BC2CFEF-CB80-C08D-9674-4FBE0AB6CDBD}"/>
+              </a:ext>
+            </a:extLst>
+          </p:cNvPr>
+          <p:cNvGrpSpPr/>
+          <p:nvPr/>
+        </p:nvGrpSpPr>
+        <p:grpSpPr>
+          <a:xfrm>
+            <a:off x="605075" y="4094788"/>
+            <a:ext cx="2684252" cy="853912"/>
+            <a:chOff x="458636" y="4195298"/>
+            <a:chExt cx="2684252" cy="853912"/>
+          </a:xfrm>
+        </p:grpSpPr>
+        <p:sp>
+          <p:nvSpPr>
+            <p:cNvPr id="26" name="CasellaDiTesto 25">
+              <a:extLst>
+                <a:ext uri="{FF2B5EF4-FFF2-40B4-BE49-F238E27FC236}">
+                  <a16:creationId xmlns:a16="http://schemas.microsoft.com/office/drawing/2014/main" id="{216E9C81-5F23-184F-0E8A-61843CB3AD76}"/>
+                </a:ext>
+              </a:extLst>
+            </p:cNvPr>
+            <p:cNvSpPr txBox="1"/>
+            <p:nvPr/>
+          </p:nvSpPr>
+          <p:spPr>
+            <a:xfrm>
+              <a:off x="473743" y="4587545"/>
+              <a:ext cx="2071777" cy="461665"/>
+            </a:xfrm>
+            <a:prstGeom prst="rect">
+              <a:avLst/>
+            </a:prstGeom>
+            <a:noFill/>
+          </p:spPr>
+          <p:txBody>
+            <a:bodyPr wrap="square" rtlCol="0">
+              <a:spAutoFit/>
+            </a:bodyPr>
+            <a:lstStyle/>
+            <a:p>
+              <a:r>
+                <a:rPr lang="en-US" sz="1200" noProof="0" dirty="0">
+                  <a:solidFill>
+                    <a:srgbClr val="F4F3EE"/>
+                  </a:solidFill>
+                </a:rPr>
+                <a:t>LUCIANO </a:t>
+              </a:r>
+              <a:r>
+                <a:rPr lang="en-US" sz="1200" b="1" noProof="0" dirty="0">
+                  <a:solidFill>
+                    <a:srgbClr val="F4F3EE"/>
+                  </a:solidFill>
+                </a:rPr>
+                <a:t>LENZINI</a:t>
+              </a:r>
+            </a:p>
+            <a:p>
+              <a:r>
+                <a:rPr lang="en-US" sz="1200" noProof="0" dirty="0">
+                  <a:solidFill>
+                    <a:srgbClr val="F4F3EE"/>
+                  </a:solidFill>
+                </a:rPr>
+                <a:t>LEONARDO </a:t>
+              </a:r>
+              <a:r>
+                <a:rPr lang="en-US" sz="1200" b="1" noProof="0" dirty="0">
+                  <a:solidFill>
+                    <a:srgbClr val="F4F3EE"/>
+                  </a:solidFill>
+                </a:rPr>
+                <a:t>BACCIOTTINI</a:t>
+              </a:r>
+            </a:p>
+          </p:txBody>
+        </p:sp>
+        <p:grpSp>
+          <p:nvGrpSpPr>
+            <p:cNvPr id="27" name="Gruppo 26">
+              <a:extLst>
+                <a:ext uri="{FF2B5EF4-FFF2-40B4-BE49-F238E27FC236}">
+                  <a16:creationId xmlns:a16="http://schemas.microsoft.com/office/drawing/2014/main" id="{5CDCBC5E-9CCE-73B3-30BE-77AAC8BE69E5}"/>
+                </a:ext>
+              </a:extLst>
+            </p:cNvPr>
+            <p:cNvGrpSpPr/>
+            <p:nvPr/>
+          </p:nvGrpSpPr>
+          <p:grpSpPr>
+            <a:xfrm>
+              <a:off x="458636" y="4195298"/>
+              <a:ext cx="2684252" cy="353943"/>
+              <a:chOff x="8268417" y="3961051"/>
+              <a:chExt cx="2684252" cy="353943"/>
+            </a:xfrm>
+          </p:grpSpPr>
+          <p:sp>
+            <p:nvSpPr>
+              <p:cNvPr id="28" name="CasellaDiTesto 27">
+                <a:extLst>
+                  <a:ext uri="{FF2B5EF4-FFF2-40B4-BE49-F238E27FC236}">
+                    <a16:creationId xmlns:a16="http://schemas.microsoft.com/office/drawing/2014/main" id="{1E8277BA-E9EC-34A6-BF55-A7447FB23EAC}"/>
+                  </a:ext>
+                </a:extLst>
+              </p:cNvPr>
+              <p:cNvSpPr txBox="1"/>
+              <p:nvPr/>
+            </p:nvSpPr>
+            <p:spPr>
+              <a:xfrm>
+                <a:off x="8268417" y="3961051"/>
+                <a:ext cx="2684252" cy="353943"/>
+              </a:xfrm>
+              <a:prstGeom prst="rect">
+                <a:avLst/>
+              </a:prstGeom>
+              <a:noFill/>
+            </p:spPr>
+            <p:txBody>
+              <a:bodyPr wrap="square" rtlCol="0">
+                <a:spAutoFit/>
+              </a:bodyPr>
+              <a:lstStyle/>
+              <a:p>
+                <a:r>
+                  <a:rPr lang="en-US" sz="1700" noProof="0" dirty="0">
+                    <a:solidFill>
+                      <a:srgbClr val="F4F3EE"/>
+                    </a:solidFill>
+                  </a:rPr>
+                  <a:t>PROFESSORS</a:t>
+                </a:r>
+              </a:p>
+            </p:txBody>
+          </p:sp>
+          <p:cxnSp>
+            <p:nvCxnSpPr>
+              <p:cNvPr id="29" name="Connettore diritto 28">
+                <a:extLst>
+                  <a:ext uri="{FF2B5EF4-FFF2-40B4-BE49-F238E27FC236}">
+                    <a16:creationId xmlns:a16="http://schemas.microsoft.com/office/drawing/2014/main" id="{9BE11CAA-D52E-B7DD-5ACA-D699F28FB1C6}"/>
+                  </a:ext>
+                </a:extLst>
+              </p:cNvPr>
+              <p:cNvCxnSpPr>
+                <a:cxnSpLocks/>
+              </p:cNvCxnSpPr>
+              <p:nvPr/>
+            </p:nvCxnSpPr>
+            <p:spPr>
+              <a:xfrm>
+                <a:off x="8364026" y="4299605"/>
+                <a:ext cx="1285279" cy="0"/>
+              </a:xfrm>
+              <a:prstGeom prst="line">
+                <a:avLst/>
+              </a:prstGeom>
+              <a:ln w="19050" cap="rnd">
+                <a:solidFill>
+                  <a:srgbClr val="F4F3EE"/>
+                </a:solidFill>
+              </a:ln>
+            </p:spPr>
+            <p:style>
+              <a:lnRef idx="1">
+                <a:schemeClr val="accent1"/>
+              </a:lnRef>
+              <a:fillRef idx="0">
+                <a:schemeClr val="accent1"/>
+              </a:fillRef>
+              <a:effectRef idx="0">
+                <a:schemeClr val="accent1"/>
+              </a:effectRef>
+              <a:fontRef idx="minor">
+                <a:schemeClr val="tx1"/>
+              </a:fontRef>
+            </p:style>
+          </p:cxnSp>
+        </p:grpSp>
+      </p:grpSp>
+      <p:sp>
+        <p:nvSpPr>
+          <p:cNvPr id="2" name="CasellaDiTesto 1">
+            <a:extLst>
+              <a:ext uri="{FF2B5EF4-FFF2-40B4-BE49-F238E27FC236}">
+                <a16:creationId xmlns:a16="http://schemas.microsoft.com/office/drawing/2014/main" id="{EBC35876-5454-E676-452D-47AA1CA4521F}"/>
+              </a:ext>
+            </a:extLst>
+          </p:cNvPr>
+          <p:cNvSpPr txBox="1"/>
+          <p:nvPr/>
+        </p:nvSpPr>
+        <p:spPr>
+          <a:xfrm>
+            <a:off x="3518140" y="498929"/>
+            <a:ext cx="5155721" cy="292388"/>
+          </a:xfrm>
+          <a:prstGeom prst="rect">
+            <a:avLst/>
+          </a:prstGeom>
+          <a:noFill/>
+        </p:spPr>
+        <p:txBody>
+          <a:bodyPr wrap="square" rtlCol="0">
+            <a:spAutoFit/>
+          </a:bodyPr>
+          <a:lstStyle/>
+          <a:p>
+            <a:pPr algn="ctr"/>
+            <a:r>
+              <a:rPr lang="en-US" sz="1300" noProof="0" dirty="0">
+                <a:solidFill>
+                  <a:srgbClr val="F4F3EE"/>
+                </a:solidFill>
+              </a:rPr>
+              <a:t>MASTER’S DEGREE IN COMPUTER ENGINEERING</a:t>
+            </a:r>
+          </a:p>
+        </p:txBody>
+      </p:sp>
+      <p:grpSp>
+        <p:nvGrpSpPr>
+          <p:cNvPr id="9" name="Gruppo 8">
+            <a:extLst>
+              <a:ext uri="{FF2B5EF4-FFF2-40B4-BE49-F238E27FC236}">
+                <a16:creationId xmlns:a16="http://schemas.microsoft.com/office/drawing/2014/main" id="{350DE610-0B8C-3DCE-339E-F953271E7612}"/>
+              </a:ext>
+            </a:extLst>
+          </p:cNvPr>
+          <p:cNvGrpSpPr/>
+          <p:nvPr/>
+        </p:nvGrpSpPr>
+        <p:grpSpPr>
+          <a:xfrm>
+            <a:off x="8856539" y="4094788"/>
+            <a:ext cx="2712523" cy="671639"/>
+            <a:chOff x="-543464" y="4192905"/>
+            <a:chExt cx="2712523" cy="671639"/>
+          </a:xfrm>
+        </p:grpSpPr>
+        <p:sp>
+          <p:nvSpPr>
+            <p:cNvPr id="11" name="CasellaDiTesto 10">
+              <a:extLst>
+                <a:ext uri="{FF2B5EF4-FFF2-40B4-BE49-F238E27FC236}">
+                  <a16:creationId xmlns:a16="http://schemas.microsoft.com/office/drawing/2014/main" id="{C2E5E7B4-A8D7-CFEC-6CCE-847D715AFF6D}"/>
+                </a:ext>
+              </a:extLst>
+            </p:cNvPr>
+            <p:cNvSpPr txBox="1"/>
+            <p:nvPr/>
+          </p:nvSpPr>
+          <p:spPr>
+            <a:xfrm>
+              <a:off x="97282" y="4587545"/>
+              <a:ext cx="2071777" cy="276999"/>
+            </a:xfrm>
+            <a:prstGeom prst="rect">
+              <a:avLst/>
+            </a:prstGeom>
+            <a:noFill/>
+          </p:spPr>
+          <p:txBody>
+            <a:bodyPr wrap="square" rtlCol="0">
+              <a:spAutoFit/>
+            </a:bodyPr>
+            <a:lstStyle/>
+            <a:p>
+              <a:pPr algn="r"/>
+              <a:r>
+                <a:rPr lang="en-US" sz="1200" noProof="0" dirty="0">
+                  <a:solidFill>
+                    <a:srgbClr val="F4F3EE"/>
+                  </a:solidFill>
+                </a:rPr>
+                <a:t>GIOVANNI </a:t>
+              </a:r>
+              <a:r>
+                <a:rPr lang="en-US" sz="1200" b="1" noProof="0" dirty="0">
+                  <a:solidFill>
+                    <a:srgbClr val="F4F3EE"/>
+                  </a:solidFill>
+                </a:rPr>
+                <a:t>LIGATO</a:t>
+              </a:r>
+            </a:p>
+          </p:txBody>
+        </p:sp>
+        <p:grpSp>
+          <p:nvGrpSpPr>
+            <p:cNvPr id="19" name="Gruppo 18">
+              <a:extLst>
+                <a:ext uri="{FF2B5EF4-FFF2-40B4-BE49-F238E27FC236}">
+                  <a16:creationId xmlns:a16="http://schemas.microsoft.com/office/drawing/2014/main" id="{39E69EED-F58B-BC54-06C9-1D7C3424E1CD}"/>
+                </a:ext>
+              </a:extLst>
+            </p:cNvPr>
+            <p:cNvGrpSpPr/>
+            <p:nvPr/>
+          </p:nvGrpSpPr>
+          <p:grpSpPr>
+            <a:xfrm>
+              <a:off x="-543464" y="4192905"/>
+              <a:ext cx="2684252" cy="353943"/>
+              <a:chOff x="7266317" y="3958658"/>
+              <a:chExt cx="2684252" cy="353943"/>
+            </a:xfrm>
+          </p:grpSpPr>
+          <p:sp>
+            <p:nvSpPr>
+              <p:cNvPr id="21" name="CasellaDiTesto 20">
+                <a:extLst>
+                  <a:ext uri="{FF2B5EF4-FFF2-40B4-BE49-F238E27FC236}">
+                    <a16:creationId xmlns:a16="http://schemas.microsoft.com/office/drawing/2014/main" id="{82F0D5A7-900F-2706-E713-7E22F7250606}"/>
+                  </a:ext>
+                </a:extLst>
+              </p:cNvPr>
+              <p:cNvSpPr txBox="1"/>
+              <p:nvPr/>
+            </p:nvSpPr>
+            <p:spPr>
+              <a:xfrm>
+                <a:off x="7266317" y="3958658"/>
+                <a:ext cx="2684252" cy="353943"/>
+              </a:xfrm>
+              <a:prstGeom prst="rect">
+                <a:avLst/>
+              </a:prstGeom>
+              <a:noFill/>
+            </p:spPr>
+            <p:txBody>
+              <a:bodyPr wrap="square" rtlCol="0">
+                <a:spAutoFit/>
+              </a:bodyPr>
+              <a:lstStyle/>
+              <a:p>
+                <a:pPr algn="r"/>
+                <a:r>
+                  <a:rPr lang="en-US" sz="1700" noProof="0" dirty="0">
+                    <a:solidFill>
+                      <a:srgbClr val="F4F3EE"/>
+                    </a:solidFill>
+                  </a:rPr>
+                  <a:t>STUDENT</a:t>
+                </a:r>
+              </a:p>
+            </p:txBody>
+          </p:sp>
+          <p:cxnSp>
+            <p:nvCxnSpPr>
+              <p:cNvPr id="22" name="Connettore diritto 21">
+                <a:extLst>
+                  <a:ext uri="{FF2B5EF4-FFF2-40B4-BE49-F238E27FC236}">
+                    <a16:creationId xmlns:a16="http://schemas.microsoft.com/office/drawing/2014/main" id="{2B594560-F6DF-A063-FE32-627E98B20619}"/>
+                  </a:ext>
+                </a:extLst>
+              </p:cNvPr>
+              <p:cNvCxnSpPr>
+                <a:cxnSpLocks/>
+              </p:cNvCxnSpPr>
+              <p:nvPr/>
+            </p:nvCxnSpPr>
+            <p:spPr>
+              <a:xfrm>
+                <a:off x="8952478" y="4299605"/>
+                <a:ext cx="928687" cy="0"/>
+              </a:xfrm>
+              <a:prstGeom prst="line">
+                <a:avLst/>
+              </a:prstGeom>
+              <a:ln w="19050" cap="rnd">
+                <a:solidFill>
+                  <a:srgbClr val="F4F3EE"/>
+                </a:solidFill>
+              </a:ln>
+            </p:spPr>
+            <p:style>
+              <a:lnRef idx="1">
+                <a:schemeClr val="accent1"/>
+              </a:lnRef>
+              <a:fillRef idx="0">
+                <a:schemeClr val="accent1"/>
+              </a:fillRef>
+              <a:effectRef idx="0">
+                <a:schemeClr val="accent1"/>
+              </a:effectRef>
+              <a:fontRef idx="minor">
+                <a:schemeClr val="tx1"/>
+              </a:fontRef>
+            </p:style>
+          </p:cxnSp>
+        </p:grpSp>
+      </p:grpSp>
+      <p:pic>
+        <p:nvPicPr>
+          <p:cNvPr id="4" name="Immagine 3" descr="Immagine che contiene Elementi grafici, simbolo, cerchio, arte&#10;&#10;Descrizione generata automaticamente">
+            <a:extLst>
+              <a:ext uri="{FF2B5EF4-FFF2-40B4-BE49-F238E27FC236}">
+                <a16:creationId xmlns:a16="http://schemas.microsoft.com/office/drawing/2014/main" id="{D965A264-6996-6DAF-7FB0-19157C9B592F}"/>
+              </a:ext>
+            </a:extLst>
+          </p:cNvPr>
+          <p:cNvPicPr>
+            <a:picLocks noChangeAspect="1"/>
+          </p:cNvPicPr>
+          <p:nvPr/>
+        </p:nvPicPr>
+        <p:blipFill>
+          <a:blip r:embed="rId4">
+            <a:extLst>
+              <a:ext uri="{28A0092B-C50C-407E-A947-70E740481C1C}">
+                <a14:useLocalDpi xmlns:a14="http://schemas.microsoft.com/office/drawing/2010/main" val="0"/>
+              </a:ext>
+            </a:extLst>
+          </a:blip>
+          <a:stretch>
+            <a:fillRect/>
+          </a:stretch>
+        </p:blipFill>
+        <p:spPr>
+          <a:xfrm>
+            <a:off x="5662527" y="1396824"/>
+            <a:ext cx="866935" cy="866935"/>
+          </a:xfrm>
+          <a:prstGeom prst="rect">
+            <a:avLst/>
+          </a:prstGeom>
+        </p:spPr>
+      </p:pic>
+    </p:spTree>
+    <p:extLst>
+      <p:ext uri="{BB962C8B-B14F-4D97-AF65-F5344CB8AC3E}">
+        <p14:creationId xmlns:p14="http://schemas.microsoft.com/office/powerpoint/2010/main" val="2198277960"/>
+      </p:ext>
+    </p:extLst>
+  </p:cSld>
+  <p:clrMapOvr>
+    <a:masterClrMapping/>
+  </p:clrMapOvr>
+</p:sld>
+</file>
+
+<file path=ppt/slides/slide20.xml><?xml version="1.0" encoding="utf-8"?>
+<p:sld xmlns:a="http://schemas.openxmlformats.org/drawingml/2006/main" xmlns:r="http://schemas.openxmlformats.org/officeDocument/2006/relationships" xmlns:p="http://schemas.openxmlformats.org/presentationml/2006/main">
+  <p:cSld>
+    <p:bg>
+      <p:bgPr>
+        <a:solidFill>
+          <a:srgbClr val="463F3A"/>
+        </a:solidFill>
+        <a:effectLst/>
+      </p:bgPr>
+    </p:bg>
+    <p:spTree>
+      <p:nvGrpSpPr>
+        <p:cNvPr id="1" name="">
+          <a:extLst>
+            <a:ext uri="{FF2B5EF4-FFF2-40B4-BE49-F238E27FC236}">
+              <a16:creationId xmlns:a16="http://schemas.microsoft.com/office/drawing/2014/main" id="{E63DFE54-7E8A-74FF-9A17-0ECFA9D10012}"/>
+            </a:ext>
+          </a:extLst>
+        </p:cNvPr>
+        <p:cNvGrpSpPr/>
+        <p:nvPr/>
+      </p:nvGrpSpPr>
+      <p:grpSpPr>
+        <a:xfrm>
+          <a:off x="0" y="0"/>
+          <a:ext cx="0" cy="0"/>
+          <a:chOff x="0" y="0"/>
+          <a:chExt cx="0" cy="0"/>
+        </a:xfrm>
+      </p:grpSpPr>
+      <p:grpSp>
+        <p:nvGrpSpPr>
+          <p:cNvPr id="5" name="Gruppo 4">
+            <a:extLst>
+              <a:ext uri="{FF2B5EF4-FFF2-40B4-BE49-F238E27FC236}">
+                <a16:creationId xmlns:a16="http://schemas.microsoft.com/office/drawing/2014/main" id="{B70F15BD-1BA6-6613-1926-A9EC0B802366}"/>
+              </a:ext>
+            </a:extLst>
+          </p:cNvPr>
+          <p:cNvGrpSpPr/>
+          <p:nvPr/>
+        </p:nvGrpSpPr>
+        <p:grpSpPr>
+          <a:xfrm>
+            <a:off x="4517366" y="2547119"/>
+            <a:ext cx="3157268" cy="1131079"/>
+            <a:chOff x="4517366" y="2211960"/>
+            <a:chExt cx="3157268" cy="1131079"/>
+          </a:xfrm>
+        </p:grpSpPr>
+        <p:sp>
+          <p:nvSpPr>
+            <p:cNvPr id="2" name="CasellaDiTesto 1">
+              <a:extLst>
+                <a:ext uri="{FF2B5EF4-FFF2-40B4-BE49-F238E27FC236}">
+                  <a16:creationId xmlns:a16="http://schemas.microsoft.com/office/drawing/2014/main" id="{8BBDE209-7E4E-1E43-AA61-E0EF647133B6}"/>
+                </a:ext>
+              </a:extLst>
+            </p:cNvPr>
+            <p:cNvSpPr txBox="1"/>
+            <p:nvPr/>
+          </p:nvSpPr>
+          <p:spPr>
+            <a:xfrm>
+              <a:off x="4517366" y="2211960"/>
+              <a:ext cx="3157268" cy="938719"/>
+            </a:xfrm>
+            <a:prstGeom prst="rect">
+              <a:avLst/>
+            </a:prstGeom>
+            <a:noFill/>
+          </p:spPr>
+          <p:txBody>
+            <a:bodyPr wrap="square" rtlCol="0">
+              <a:spAutoFit/>
+            </a:bodyPr>
+            <a:lstStyle/>
+            <a:p>
+              <a:pPr algn="ctr"/>
+              <a:r>
+                <a:rPr lang="en-US" sz="5500" b="1" noProof="0" dirty="0">
+                  <a:solidFill>
+                    <a:srgbClr val="F4F3EE"/>
+                  </a:solidFill>
+                </a:rPr>
+                <a:t>THANKS</a:t>
+              </a:r>
+            </a:p>
+          </p:txBody>
+        </p:sp>
+        <p:sp>
+          <p:nvSpPr>
+            <p:cNvPr id="3" name="CasellaDiTesto 2">
+              <a:extLst>
+                <a:ext uri="{FF2B5EF4-FFF2-40B4-BE49-F238E27FC236}">
+                  <a16:creationId xmlns:a16="http://schemas.microsoft.com/office/drawing/2014/main" id="{A16C6232-996A-BF87-30FE-0E34496E43BC}"/>
+                </a:ext>
+              </a:extLst>
+            </p:cNvPr>
+            <p:cNvSpPr txBox="1"/>
+            <p:nvPr/>
+          </p:nvSpPr>
+          <p:spPr>
+            <a:xfrm>
+              <a:off x="4517366" y="2935235"/>
+              <a:ext cx="3157268" cy="407804"/>
+            </a:xfrm>
+            <a:prstGeom prst="rect">
+              <a:avLst/>
+            </a:prstGeom>
+            <a:noFill/>
+          </p:spPr>
+          <p:txBody>
+            <a:bodyPr wrap="square" rtlCol="0">
+              <a:spAutoFit/>
+            </a:bodyPr>
+            <a:lstStyle/>
+            <a:p>
+              <a:pPr algn="ctr"/>
+              <a:r>
+                <a:rPr lang="en-US" sz="2000" noProof="0" dirty="0">
+                  <a:solidFill>
+                    <a:srgbClr val="BCB8B1"/>
+                  </a:solidFill>
+                </a:rPr>
+                <a:t>FOR YOUR ATTENTION</a:t>
+              </a:r>
+            </a:p>
+          </p:txBody>
+        </p:sp>
+      </p:grpSp>
+    </p:spTree>
+    <p:extLst>
+      <p:ext uri="{BB962C8B-B14F-4D97-AF65-F5344CB8AC3E}">
+        <p14:creationId xmlns:p14="http://schemas.microsoft.com/office/powerpoint/2010/main" val="107189419"/>
+      </p:ext>
+    </p:extLst>
+  </p:cSld>
+  <p:clrMapOvr>
+    <a:masterClrMapping/>
+  </p:clrMapOvr>
+</p:sld>
+</file>
+
+<file path=ppt/slides/slide21.xml><?xml version="1.0" encoding="utf-8"?>
+<p:sld xmlns:a="http://schemas.openxmlformats.org/drawingml/2006/main" xmlns:r="http://schemas.openxmlformats.org/officeDocument/2006/relationships" xmlns:p="http://schemas.openxmlformats.org/presentationml/2006/main">
+  <p:cSld>
+    <p:bg>
+      <p:bgPr>
+        <a:solidFill>
+          <a:schemeClr val="tx1"/>
+        </a:solidFill>
+        <a:effectLst/>
+      </p:bgPr>
+    </p:bg>
+    <p:spTree>
+      <p:nvGrpSpPr>
+        <p:cNvPr id="1" name=""/>
+        <p:cNvGrpSpPr/>
+        <p:nvPr/>
+      </p:nvGrpSpPr>
+      <p:grpSpPr>
+        <a:xfrm>
+          <a:off x="0" y="0"/>
+          <a:ext cx="0" cy="0"/>
+          <a:chOff x="0" y="0"/>
+          <a:chExt cx="0" cy="0"/>
+        </a:xfrm>
+      </p:grpSpPr>
+      <p:sp>
+        <p:nvSpPr>
+          <p:cNvPr id="10" name="CasellaDiTesto 9">
+            <a:extLst>
+              <a:ext uri="{FF2B5EF4-FFF2-40B4-BE49-F238E27FC236}">
+                <a16:creationId xmlns:a16="http://schemas.microsoft.com/office/drawing/2014/main" id="{B7711F5E-7421-40F9-0514-FF25F24170A7}"/>
+              </a:ext>
+            </a:extLst>
+          </p:cNvPr>
+          <p:cNvSpPr txBox="1"/>
+          <p:nvPr/>
+        </p:nvSpPr>
+        <p:spPr>
+          <a:xfrm>
+            <a:off x="3335452" y="733672"/>
+            <a:ext cx="5521087" cy="369332"/>
+          </a:xfrm>
+          <a:prstGeom prst="rect">
+            <a:avLst/>
+          </a:prstGeom>
+          <a:noFill/>
+        </p:spPr>
+        <p:txBody>
+          <a:bodyPr wrap="square" rtlCol="0">
+            <a:spAutoFit/>
+          </a:bodyPr>
+          <a:lstStyle/>
+          <a:p>
+            <a:pPr algn="ctr"/>
+            <a:r>
+              <a:rPr lang="en-US" noProof="0" dirty="0">
+                <a:solidFill>
+                  <a:schemeClr val="bg1"/>
+                </a:solidFill>
+              </a:rPr>
+              <a:t>INTELLIGENT SYSTEMS</a:t>
+            </a:r>
+          </a:p>
+        </p:txBody>
+      </p:sp>
+      <p:grpSp>
+        <p:nvGrpSpPr>
+          <p:cNvPr id="14" name="Gruppo 13">
+            <a:extLst>
+              <a:ext uri="{FF2B5EF4-FFF2-40B4-BE49-F238E27FC236}">
+                <a16:creationId xmlns:a16="http://schemas.microsoft.com/office/drawing/2014/main" id="{7F125397-E915-CFD3-D3FF-C18F02397270}"/>
+              </a:ext>
+            </a:extLst>
+          </p:cNvPr>
+          <p:cNvGrpSpPr/>
+          <p:nvPr/>
+        </p:nvGrpSpPr>
+        <p:grpSpPr>
+          <a:xfrm>
+            <a:off x="4326864" y="5301966"/>
+            <a:ext cx="3538270" cy="1458396"/>
+            <a:chOff x="4326864" y="975041"/>
+            <a:chExt cx="3538270" cy="1458396"/>
+          </a:xfrm>
+        </p:grpSpPr>
+        <p:pic>
+          <p:nvPicPr>
+            <p:cNvPr id="12" name="Elemento grafico 11">
+              <a:extLst>
+                <a:ext uri="{FF2B5EF4-FFF2-40B4-BE49-F238E27FC236}">
+                  <a16:creationId xmlns:a16="http://schemas.microsoft.com/office/drawing/2014/main" id="{E8DE187A-83EF-7CE1-B8FA-4D07F88356B1}"/>
+                </a:ext>
+              </a:extLst>
+            </p:cNvPr>
+            <p:cNvPicPr>
+              <a:picLocks noChangeAspect="1"/>
+            </p:cNvPicPr>
+            <p:nvPr/>
+          </p:nvPicPr>
+          <p:blipFill>
+            <a:blip r:embed="rId2">
+              <a:extLst>
+                <a:ext uri="{28A0092B-C50C-407E-A947-70E740481C1C}">
+                  <a14:useLocalDpi xmlns:a14="http://schemas.microsoft.com/office/drawing/2010/main" val="0"/>
+                </a:ext>
+                <a:ext uri="{96DAC541-7B7A-43D3-8B79-37D633B846F1}">
+                  <asvg:svgBlip xmlns:asvg="http://schemas.microsoft.com/office/drawing/2016/SVG/main" r:embed="rId3"/>
+                </a:ext>
+              </a:extLst>
+            </a:blip>
+            <a:stretch>
+              <a:fillRect/>
+            </a:stretch>
+          </p:blipFill>
+          <p:spPr>
+            <a:xfrm>
+              <a:off x="5536856" y="975041"/>
+              <a:ext cx="1118288" cy="1138781"/>
+            </a:xfrm>
+            <a:prstGeom prst="rect">
+              <a:avLst/>
+            </a:prstGeom>
+          </p:spPr>
+        </p:pic>
+        <p:sp>
+          <p:nvSpPr>
+            <p:cNvPr id="13" name="CasellaDiTesto 12">
+              <a:extLst>
+                <a:ext uri="{FF2B5EF4-FFF2-40B4-BE49-F238E27FC236}">
+                  <a16:creationId xmlns:a16="http://schemas.microsoft.com/office/drawing/2014/main" id="{F338B660-3D6E-BEEA-9A7C-F97C5712877F}"/>
+                </a:ext>
+              </a:extLst>
+            </p:cNvPr>
+            <p:cNvSpPr txBox="1"/>
+            <p:nvPr/>
+          </p:nvSpPr>
+          <p:spPr>
+            <a:xfrm>
+              <a:off x="4326864" y="2141049"/>
+              <a:ext cx="3538270" cy="292388"/>
+            </a:xfrm>
+            <a:prstGeom prst="rect">
+              <a:avLst/>
+            </a:prstGeom>
+            <a:noFill/>
+          </p:spPr>
+          <p:txBody>
+            <a:bodyPr wrap="square" rtlCol="0">
+              <a:spAutoFit/>
+            </a:bodyPr>
+            <a:lstStyle/>
+            <a:p>
+              <a:pPr algn="ctr"/>
+              <a:r>
+                <a:rPr lang="en-US" sz="1300" noProof="0" dirty="0">
+                  <a:solidFill>
+                    <a:schemeClr val="bg1"/>
+                  </a:solidFill>
+                </a:rPr>
+                <a:t>University of Pisa</a:t>
+              </a:r>
+            </a:p>
+          </p:txBody>
+        </p:sp>
+      </p:grpSp>
+      <p:grpSp>
+        <p:nvGrpSpPr>
+          <p:cNvPr id="30" name="Gruppo 29">
+            <a:extLst>
+              <a:ext uri="{FF2B5EF4-FFF2-40B4-BE49-F238E27FC236}">
+                <a16:creationId xmlns:a16="http://schemas.microsoft.com/office/drawing/2014/main" id="{2829E1CC-DEF9-376A-9543-948A2886E771}"/>
+              </a:ext>
+            </a:extLst>
+          </p:cNvPr>
+          <p:cNvGrpSpPr/>
+          <p:nvPr/>
+        </p:nvGrpSpPr>
+        <p:grpSpPr>
+          <a:xfrm>
+            <a:off x="1643692" y="2163068"/>
+            <a:ext cx="8904617" cy="1350002"/>
+            <a:chOff x="1643688" y="2144018"/>
+            <a:chExt cx="8904617" cy="1350002"/>
+          </a:xfrm>
+        </p:grpSpPr>
+        <p:sp>
+          <p:nvSpPr>
+            <p:cNvPr id="5" name="CasellaDiTesto 4">
+              <a:extLst>
+                <a:ext uri="{FF2B5EF4-FFF2-40B4-BE49-F238E27FC236}">
+                  <a16:creationId xmlns:a16="http://schemas.microsoft.com/office/drawing/2014/main" id="{8B1B4834-7522-48CD-08E6-A84BD3BED224}"/>
+                </a:ext>
+              </a:extLst>
+            </p:cNvPr>
+            <p:cNvSpPr txBox="1"/>
+            <p:nvPr/>
+          </p:nvSpPr>
+          <p:spPr>
+            <a:xfrm>
+              <a:off x="1643688" y="2478357"/>
+              <a:ext cx="8904617" cy="1015663"/>
+            </a:xfrm>
+            <a:prstGeom prst="rect">
+              <a:avLst/>
+            </a:prstGeom>
+            <a:noFill/>
+          </p:spPr>
+          <p:txBody>
+            <a:bodyPr wrap="square" rtlCol="0">
+              <a:spAutoFit/>
+            </a:bodyPr>
+            <a:lstStyle/>
+            <a:p>
+              <a:pPr algn="ctr"/>
+              <a:r>
+                <a:rPr lang="en-US" sz="3000" b="1" noProof="0" dirty="0">
+                  <a:solidFill>
+                    <a:schemeClr val="bg1"/>
+                  </a:solidFill>
+                </a:rPr>
+                <a:t>Comparative Analysis of Deep Learning Models for Brain Tumor </a:t>
+              </a:r>
+              <a:r>
+                <a:rPr lang="en-US" sz="3000" b="1" noProof="0" dirty="0">
+                  <a:solidFill>
+                    <a:srgbClr val="FCA311"/>
+                  </a:solidFill>
+                </a:rPr>
+                <a:t>Segmentation</a:t>
+              </a:r>
+              <a:r>
+                <a:rPr lang="en-US" sz="3000" b="1" noProof="0" dirty="0">
+                  <a:solidFill>
+                    <a:schemeClr val="bg1"/>
+                  </a:solidFill>
+                </a:rPr>
+                <a:t> in MRI Images</a:t>
+              </a:r>
+            </a:p>
+          </p:txBody>
+        </p:sp>
+        <p:sp>
+          <p:nvSpPr>
+            <p:cNvPr id="16" name="CasellaDiTesto 15">
+              <a:extLst>
+                <a:ext uri="{FF2B5EF4-FFF2-40B4-BE49-F238E27FC236}">
+                  <a16:creationId xmlns:a16="http://schemas.microsoft.com/office/drawing/2014/main" id="{36FDA734-3A3A-8856-DE15-1F4E28172142}"/>
+                </a:ext>
+              </a:extLst>
+            </p:cNvPr>
+            <p:cNvSpPr txBox="1"/>
+            <p:nvPr/>
+          </p:nvSpPr>
+          <p:spPr>
+            <a:xfrm>
+              <a:off x="3518138" y="2144018"/>
+              <a:ext cx="5155721" cy="307777"/>
+            </a:xfrm>
+            <a:prstGeom prst="rect">
+              <a:avLst/>
+            </a:prstGeom>
+            <a:noFill/>
+          </p:spPr>
+          <p:txBody>
+            <a:bodyPr wrap="square" rtlCol="0">
+              <a:spAutoFit/>
+            </a:bodyPr>
+            <a:lstStyle/>
+            <a:p>
+              <a:pPr algn="ctr"/>
+              <a:r>
+                <a:rPr lang="en-US" sz="1400" noProof="0" dirty="0">
+                  <a:solidFill>
+                    <a:schemeClr val="bg1"/>
+                  </a:solidFill>
+                </a:rPr>
+                <a:t>PROJECT DISCUSSION</a:t>
+              </a:r>
+            </a:p>
+          </p:txBody>
+        </p:sp>
+      </p:grpSp>
+      <p:grpSp>
+        <p:nvGrpSpPr>
+          <p:cNvPr id="6" name="Gruppo 5">
+            <a:extLst>
+              <a:ext uri="{FF2B5EF4-FFF2-40B4-BE49-F238E27FC236}">
+                <a16:creationId xmlns:a16="http://schemas.microsoft.com/office/drawing/2014/main" id="{DCCA6799-BE8F-1FC3-1C1A-5542FE198BC4}"/>
+              </a:ext>
+            </a:extLst>
+          </p:cNvPr>
+          <p:cNvGrpSpPr/>
+          <p:nvPr/>
+        </p:nvGrpSpPr>
+        <p:grpSpPr>
+          <a:xfrm>
+            <a:off x="605075" y="4322493"/>
+            <a:ext cx="2684252" cy="853912"/>
+            <a:chOff x="458636" y="4195298"/>
+            <a:chExt cx="2684252" cy="853912"/>
+          </a:xfrm>
+        </p:grpSpPr>
+        <p:sp>
+          <p:nvSpPr>
+            <p:cNvPr id="26" name="CasellaDiTesto 25">
+              <a:extLst>
+                <a:ext uri="{FF2B5EF4-FFF2-40B4-BE49-F238E27FC236}">
+                  <a16:creationId xmlns:a16="http://schemas.microsoft.com/office/drawing/2014/main" id="{5A8FF00D-590A-73BD-4D6E-46186BEAD610}"/>
+                </a:ext>
+              </a:extLst>
+            </p:cNvPr>
+            <p:cNvSpPr txBox="1"/>
+            <p:nvPr/>
+          </p:nvSpPr>
+          <p:spPr>
+            <a:xfrm>
+              <a:off x="473743" y="4587545"/>
+              <a:ext cx="2071777" cy="461665"/>
+            </a:xfrm>
+            <a:prstGeom prst="rect">
+              <a:avLst/>
+            </a:prstGeom>
+            <a:noFill/>
+          </p:spPr>
+          <p:txBody>
+            <a:bodyPr wrap="square" rtlCol="0">
+              <a:spAutoFit/>
+            </a:bodyPr>
+            <a:lstStyle/>
+            <a:p>
+              <a:r>
+                <a:rPr lang="en-US" sz="1200" noProof="0" dirty="0">
+                  <a:solidFill>
+                    <a:schemeClr val="bg1"/>
+                  </a:solidFill>
+                </a:rPr>
+                <a:t>PIETRO DUCANGE</a:t>
+              </a:r>
+            </a:p>
+            <a:p>
+              <a:r>
+                <a:rPr lang="en-US" sz="1200" noProof="0" dirty="0">
+                  <a:solidFill>
+                    <a:schemeClr val="bg1"/>
+                  </a:solidFill>
+                </a:rPr>
+                <a:t>FABRIZIO RUFFINI</a:t>
+              </a:r>
+            </a:p>
+          </p:txBody>
+        </p:sp>
+        <p:grpSp>
+          <p:nvGrpSpPr>
+            <p:cNvPr id="27" name="Gruppo 26">
+              <a:extLst>
+                <a:ext uri="{FF2B5EF4-FFF2-40B4-BE49-F238E27FC236}">
+                  <a16:creationId xmlns:a16="http://schemas.microsoft.com/office/drawing/2014/main" id="{319E8CC2-E933-B37E-EA8C-F0329ECBAF5E}"/>
+                </a:ext>
+              </a:extLst>
+            </p:cNvPr>
+            <p:cNvGrpSpPr/>
+            <p:nvPr/>
+          </p:nvGrpSpPr>
+          <p:grpSpPr>
+            <a:xfrm>
+              <a:off x="458636" y="4195298"/>
+              <a:ext cx="2684252" cy="353943"/>
+              <a:chOff x="8268417" y="3961051"/>
+              <a:chExt cx="2684252" cy="353943"/>
+            </a:xfrm>
+          </p:grpSpPr>
+          <p:sp>
+            <p:nvSpPr>
+              <p:cNvPr id="28" name="CasellaDiTesto 27">
+                <a:extLst>
+                  <a:ext uri="{FF2B5EF4-FFF2-40B4-BE49-F238E27FC236}">
+                    <a16:creationId xmlns:a16="http://schemas.microsoft.com/office/drawing/2014/main" id="{2DE7690E-1007-CC04-9AF6-91DD2814055D}"/>
+                  </a:ext>
+                </a:extLst>
+              </p:cNvPr>
+              <p:cNvSpPr txBox="1"/>
+              <p:nvPr/>
+            </p:nvSpPr>
+            <p:spPr>
+              <a:xfrm>
+                <a:off x="8268417" y="3961051"/>
+                <a:ext cx="2684252" cy="353943"/>
+              </a:xfrm>
+              <a:prstGeom prst="rect">
+                <a:avLst/>
+              </a:prstGeom>
+              <a:noFill/>
+            </p:spPr>
+            <p:txBody>
+              <a:bodyPr wrap="square" rtlCol="0">
+                <a:spAutoFit/>
+              </a:bodyPr>
+              <a:lstStyle/>
+              <a:p>
+                <a:r>
+                  <a:rPr lang="en-US" sz="1700" noProof="0" dirty="0">
+                    <a:solidFill>
+                      <a:schemeClr val="bg1"/>
+                    </a:solidFill>
+                  </a:rPr>
+                  <a:t>PROFESSORS</a:t>
+                </a:r>
+              </a:p>
+            </p:txBody>
+          </p:sp>
+          <p:cxnSp>
+            <p:nvCxnSpPr>
+              <p:cNvPr id="29" name="Connettore diritto 28">
+                <a:extLst>
+                  <a:ext uri="{FF2B5EF4-FFF2-40B4-BE49-F238E27FC236}">
+                    <a16:creationId xmlns:a16="http://schemas.microsoft.com/office/drawing/2014/main" id="{848A73F4-ED29-453E-4936-8423B307457F}"/>
+                  </a:ext>
+                </a:extLst>
+              </p:cNvPr>
+              <p:cNvCxnSpPr>
+                <a:cxnSpLocks/>
+              </p:cNvCxnSpPr>
+              <p:nvPr/>
+            </p:nvCxnSpPr>
+            <p:spPr>
+              <a:xfrm>
+                <a:off x="8364026" y="4299605"/>
+                <a:ext cx="1285279" cy="0"/>
+              </a:xfrm>
+              <a:prstGeom prst="line">
+                <a:avLst/>
+              </a:prstGeom>
+              <a:ln w="19050">
+                <a:solidFill>
+                  <a:schemeClr val="bg1"/>
+                </a:solidFill>
+              </a:ln>
+            </p:spPr>
+            <p:style>
+              <a:lnRef idx="1">
+                <a:schemeClr val="accent1"/>
+              </a:lnRef>
+              <a:fillRef idx="0">
+                <a:schemeClr val="accent1"/>
+              </a:fillRef>
+              <a:effectRef idx="0">
+                <a:schemeClr val="accent1"/>
+              </a:effectRef>
+              <a:fontRef idx="minor">
+                <a:schemeClr val="tx1"/>
+              </a:fontRef>
+            </p:style>
+          </p:cxnSp>
+        </p:grpSp>
+      </p:grpSp>
+      <p:sp>
+        <p:nvSpPr>
+          <p:cNvPr id="2" name="CasellaDiTesto 1">
+            <a:extLst>
+              <a:ext uri="{FF2B5EF4-FFF2-40B4-BE49-F238E27FC236}">
+                <a16:creationId xmlns:a16="http://schemas.microsoft.com/office/drawing/2014/main" id="{01BC707F-F132-7670-DA0C-BA7E67681FD4}"/>
+              </a:ext>
+            </a:extLst>
+          </p:cNvPr>
+          <p:cNvSpPr txBox="1"/>
+          <p:nvPr/>
+        </p:nvSpPr>
+        <p:spPr>
+          <a:xfrm>
+            <a:off x="3518140" y="498929"/>
+            <a:ext cx="5155721" cy="292388"/>
+          </a:xfrm>
+          <a:prstGeom prst="rect">
+            <a:avLst/>
+          </a:prstGeom>
+          <a:noFill/>
+        </p:spPr>
+        <p:txBody>
+          <a:bodyPr wrap="square" rtlCol="0">
+            <a:spAutoFit/>
+          </a:bodyPr>
+          <a:lstStyle/>
+          <a:p>
+            <a:pPr algn="ctr"/>
+            <a:r>
+              <a:rPr lang="en-US" sz="1300" noProof="0" dirty="0">
+                <a:solidFill>
+                  <a:schemeClr val="bg1"/>
+                </a:solidFill>
+              </a:rPr>
+              <a:t>MASTER’S DEGREE IN COMPUTER ENGINEERING</a:t>
+            </a:r>
+          </a:p>
+        </p:txBody>
+      </p:sp>
+      <p:grpSp>
+        <p:nvGrpSpPr>
+          <p:cNvPr id="9" name="Gruppo 8">
+            <a:extLst>
+              <a:ext uri="{FF2B5EF4-FFF2-40B4-BE49-F238E27FC236}">
+                <a16:creationId xmlns:a16="http://schemas.microsoft.com/office/drawing/2014/main" id="{FABE2684-7223-365B-B172-C558DF07A31E}"/>
+              </a:ext>
+            </a:extLst>
+          </p:cNvPr>
+          <p:cNvGrpSpPr/>
+          <p:nvPr/>
+        </p:nvGrpSpPr>
+        <p:grpSpPr>
+          <a:xfrm>
+            <a:off x="8856539" y="4322493"/>
+            <a:ext cx="2712523" cy="671639"/>
+            <a:chOff x="-543464" y="4192905"/>
+            <a:chExt cx="2712523" cy="671639"/>
+          </a:xfrm>
+        </p:grpSpPr>
+        <p:sp>
+          <p:nvSpPr>
+            <p:cNvPr id="11" name="CasellaDiTesto 10">
+              <a:extLst>
+                <a:ext uri="{FF2B5EF4-FFF2-40B4-BE49-F238E27FC236}">
+                  <a16:creationId xmlns:a16="http://schemas.microsoft.com/office/drawing/2014/main" id="{465BF90F-D929-BDF5-03EE-FB7AC8B4CD16}"/>
+                </a:ext>
+              </a:extLst>
+            </p:cNvPr>
+            <p:cNvSpPr txBox="1"/>
+            <p:nvPr/>
+          </p:nvSpPr>
+          <p:spPr>
+            <a:xfrm>
+              <a:off x="97282" y="4587545"/>
+              <a:ext cx="2071777" cy="276999"/>
+            </a:xfrm>
+            <a:prstGeom prst="rect">
+              <a:avLst/>
+            </a:prstGeom>
+            <a:noFill/>
+          </p:spPr>
+          <p:txBody>
+            <a:bodyPr wrap="square" rtlCol="0">
+              <a:spAutoFit/>
+            </a:bodyPr>
+            <a:lstStyle/>
+            <a:p>
+              <a:pPr algn="r"/>
+              <a:r>
+                <a:rPr lang="en-US" sz="1200" noProof="0" dirty="0">
+                  <a:solidFill>
+                    <a:schemeClr val="bg1"/>
+                  </a:solidFill>
+                </a:rPr>
+                <a:t>GIOVANNI LIGATO</a:t>
+              </a:r>
+            </a:p>
+          </p:txBody>
+        </p:sp>
+        <p:grpSp>
+          <p:nvGrpSpPr>
+            <p:cNvPr id="19" name="Gruppo 18">
+              <a:extLst>
+                <a:ext uri="{FF2B5EF4-FFF2-40B4-BE49-F238E27FC236}">
+                  <a16:creationId xmlns:a16="http://schemas.microsoft.com/office/drawing/2014/main" id="{557575B2-F670-3D35-BE4C-002F27B4D22F}"/>
+                </a:ext>
+              </a:extLst>
+            </p:cNvPr>
+            <p:cNvGrpSpPr/>
+            <p:nvPr/>
+          </p:nvGrpSpPr>
+          <p:grpSpPr>
+            <a:xfrm>
+              <a:off x="-543464" y="4192905"/>
+              <a:ext cx="2684252" cy="353943"/>
+              <a:chOff x="7266317" y="3958658"/>
+              <a:chExt cx="2684252" cy="353943"/>
+            </a:xfrm>
+          </p:grpSpPr>
+          <p:sp>
+            <p:nvSpPr>
+              <p:cNvPr id="21" name="CasellaDiTesto 20">
+                <a:extLst>
+                  <a:ext uri="{FF2B5EF4-FFF2-40B4-BE49-F238E27FC236}">
+                    <a16:creationId xmlns:a16="http://schemas.microsoft.com/office/drawing/2014/main" id="{B4A75FE5-9AD2-8B59-35B7-535C78BD3789}"/>
+                  </a:ext>
+                </a:extLst>
+              </p:cNvPr>
+              <p:cNvSpPr txBox="1"/>
+              <p:nvPr/>
+            </p:nvSpPr>
+            <p:spPr>
+              <a:xfrm>
+                <a:off x="7266317" y="3958658"/>
+                <a:ext cx="2684252" cy="353943"/>
+              </a:xfrm>
+              <a:prstGeom prst="rect">
+                <a:avLst/>
+              </a:prstGeom>
+              <a:noFill/>
+            </p:spPr>
+            <p:txBody>
+              <a:bodyPr wrap="square" rtlCol="0">
+                <a:spAutoFit/>
+              </a:bodyPr>
+              <a:lstStyle/>
+              <a:p>
+                <a:pPr algn="r"/>
+                <a:r>
+                  <a:rPr lang="en-US" sz="1700" noProof="0" dirty="0">
+                    <a:solidFill>
+                      <a:schemeClr val="bg1"/>
+                    </a:solidFill>
+                  </a:rPr>
+                  <a:t>STUDENT</a:t>
+                </a:r>
+              </a:p>
+            </p:txBody>
+          </p:sp>
+          <p:cxnSp>
+            <p:nvCxnSpPr>
+              <p:cNvPr id="22" name="Connettore diritto 21">
+                <a:extLst>
+                  <a:ext uri="{FF2B5EF4-FFF2-40B4-BE49-F238E27FC236}">
+                    <a16:creationId xmlns:a16="http://schemas.microsoft.com/office/drawing/2014/main" id="{28C81F8B-DF02-7AD9-6632-3181D1C944E2}"/>
+                  </a:ext>
+                </a:extLst>
+              </p:cNvPr>
+              <p:cNvCxnSpPr>
+                <a:cxnSpLocks/>
+              </p:cNvCxnSpPr>
+              <p:nvPr/>
+            </p:nvCxnSpPr>
+            <p:spPr>
+              <a:xfrm>
+                <a:off x="8952478" y="4299605"/>
+                <a:ext cx="928687" cy="0"/>
+              </a:xfrm>
+              <a:prstGeom prst="line">
+                <a:avLst/>
+              </a:prstGeom>
+              <a:ln w="19050">
+                <a:solidFill>
+                  <a:schemeClr val="bg1"/>
+                </a:solidFill>
+              </a:ln>
+            </p:spPr>
+            <p:style>
+              <a:lnRef idx="1">
+                <a:schemeClr val="accent1"/>
+              </a:lnRef>
+              <a:fillRef idx="0">
+                <a:schemeClr val="accent1"/>
+              </a:fillRef>
+              <a:effectRef idx="0">
+                <a:schemeClr val="accent1"/>
+              </a:effectRef>
+              <a:fontRef idx="minor">
+                <a:schemeClr val="tx1"/>
+              </a:fontRef>
+            </p:style>
+          </p:cxnSp>
+        </p:grpSp>
+      </p:grpSp>
+    </p:spTree>
+    <p:extLst>
+      <p:ext uri="{BB962C8B-B14F-4D97-AF65-F5344CB8AC3E}">
+        <p14:creationId xmlns:p14="http://schemas.microsoft.com/office/powerpoint/2010/main" val="1131298435"/>
+      </p:ext>
+    </p:extLst>
+  </p:cSld>
+  <p:clrMapOvr>
+    <a:masterClrMapping/>
+  </p:clrMapOvr>
+</p:sld>
+</file>
+
+<file path=ppt/slides/slide22.xml><?xml version="1.0" encoding="utf-8"?>
+<p:sld xmlns:a="http://schemas.openxmlformats.org/drawingml/2006/main" xmlns:r="http://schemas.openxmlformats.org/officeDocument/2006/relationships" xmlns:p="http://schemas.openxmlformats.org/presentationml/2006/main">
+  <p:cSld>
+    <p:bg>
+      <p:bgPr>
+        <a:solidFill>
           <a:schemeClr val="tx1"/>
         </a:solidFill>
         <a:effectLst/>
@@ -4870,7 +9750,7 @@
 </p:sld>
 </file>
 
-<file path=ppt/slides/slide11.xml><?xml version="1.0" encoding="utf-8"?>
+<file path=ppt/slides/slide23.xml><?xml version="1.0" encoding="utf-8"?>
 <p:sld xmlns:a="http://schemas.openxmlformats.org/drawingml/2006/main" xmlns:r="http://schemas.openxmlformats.org/officeDocument/2006/relationships" xmlns:p="http://schemas.openxmlformats.org/presentationml/2006/main">
   <p:cSld>
     <p:bg>
@@ -6004,7 +10884,7 @@
 </p:sld>
 </file>
 
-<file path=ppt/slides/slide12.xml><?xml version="1.0" encoding="utf-8"?>
+<file path=ppt/slides/slide24.xml><?xml version="1.0" encoding="utf-8"?>
 <p:sld xmlns:a="http://schemas.openxmlformats.org/drawingml/2006/main" xmlns:r="http://schemas.openxmlformats.org/officeDocument/2006/relationships" xmlns:p="http://schemas.openxmlformats.org/presentationml/2006/main">
   <p:cSld>
     <p:bg>
@@ -7406,7 +12286,7 @@
 </p:sld>
 </file>
 
-<file path=ppt/slides/slide13.xml><?xml version="1.0" encoding="utf-8"?>
+<file path=ppt/slides/slide25.xml><?xml version="1.0" encoding="utf-8"?>
 <p:sld xmlns:a="http://schemas.openxmlformats.org/drawingml/2006/main" xmlns:r="http://schemas.openxmlformats.org/officeDocument/2006/relationships" xmlns:p="http://schemas.openxmlformats.org/presentationml/2006/main">
   <p:cSld>
     <p:bg>
@@ -7928,7 +12808,7 @@
 </p:sld>
 </file>
 
-<file path=ppt/slides/slide14.xml><?xml version="1.0" encoding="utf-8"?>
+<file path=ppt/slides/slide26.xml><?xml version="1.0" encoding="utf-8"?>
 <p:sld xmlns:a="http://schemas.openxmlformats.org/drawingml/2006/main" xmlns:r="http://schemas.openxmlformats.org/officeDocument/2006/relationships" xmlns:p="http://schemas.openxmlformats.org/presentationml/2006/main">
   <p:cSld>
     <p:bg>
@@ -8475,7 +13355,7 @@
 </p:sld>
 </file>
 
-<file path=ppt/slides/slide15.xml><?xml version="1.0" encoding="utf-8"?>
+<file path=ppt/slides/slide27.xml><?xml version="1.0" encoding="utf-8"?>
 <p:sld xmlns:a="http://schemas.openxmlformats.org/drawingml/2006/main" xmlns:r="http://schemas.openxmlformats.org/officeDocument/2006/relationships" xmlns:p="http://schemas.openxmlformats.org/presentationml/2006/main">
   <p:cSld>
     <p:bg>
@@ -8662,7 +13542,7 @@
 </p:sld>
 </file>
 
-<file path=ppt/slides/slide16.xml><?xml version="1.0" encoding="utf-8"?>
+<file path=ppt/slides/slide28.xml><?xml version="1.0" encoding="utf-8"?>
 <p:sld xmlns:a="http://schemas.openxmlformats.org/drawingml/2006/main" xmlns:r="http://schemas.openxmlformats.org/officeDocument/2006/relationships" xmlns:p="http://schemas.openxmlformats.org/presentationml/2006/main">
   <p:cSld>
     <p:bg>
@@ -8919,7 +13799,7 @@
 </p:sld>
 </file>
 
-<file path=ppt/slides/slide17.xml><?xml version="1.0" encoding="utf-8"?>
+<file path=ppt/slides/slide29.xml><?xml version="1.0" encoding="utf-8"?>
 <p:sld xmlns:a="http://schemas.openxmlformats.org/drawingml/2006/main" xmlns:r="http://schemas.openxmlformats.org/officeDocument/2006/relationships" xmlns:p="http://schemas.openxmlformats.org/presentationml/2006/main">
   <p:cSld>
     <p:bg>
@@ -9176,7 +14056,347 @@
 </p:sld>
 </file>
 
-<file path=ppt/slides/slide18.xml><?xml version="1.0" encoding="utf-8"?>
+<file path=ppt/slides/slide3.xml><?xml version="1.0" encoding="utf-8"?>
+<p:sld xmlns:a="http://schemas.openxmlformats.org/drawingml/2006/main" xmlns:r="http://schemas.openxmlformats.org/officeDocument/2006/relationships" xmlns:p="http://schemas.openxmlformats.org/presentationml/2006/main">
+  <p:cSld>
+    <p:bg>
+      <p:bgPr>
+        <a:solidFill>
+          <a:srgbClr val="463F3A"/>
+        </a:solidFill>
+        <a:effectLst/>
+      </p:bgPr>
+    </p:bg>
+    <p:spTree>
+      <p:nvGrpSpPr>
+        <p:cNvPr id="1" name="">
+          <a:extLst>
+            <a:ext uri="{FF2B5EF4-FFF2-40B4-BE49-F238E27FC236}">
+              <a16:creationId xmlns:a16="http://schemas.microsoft.com/office/drawing/2014/main" id="{E99B9A50-42BA-3DD6-9FE0-13FEE13BD066}"/>
+            </a:ext>
+          </a:extLst>
+        </p:cNvPr>
+        <p:cNvGrpSpPr/>
+        <p:nvPr/>
+      </p:nvGrpSpPr>
+      <p:grpSpPr>
+        <a:xfrm>
+          <a:off x="0" y="0"/>
+          <a:ext cx="0" cy="0"/>
+          <a:chOff x="0" y="0"/>
+          <a:chExt cx="0" cy="0"/>
+        </a:xfrm>
+      </p:grpSpPr>
+      <p:sp>
+        <p:nvSpPr>
+          <p:cNvPr id="4" name="CasellaDiTesto 3">
+            <a:extLst>
+              <a:ext uri="{FF2B5EF4-FFF2-40B4-BE49-F238E27FC236}">
+                <a16:creationId xmlns:a16="http://schemas.microsoft.com/office/drawing/2014/main" id="{B1FE0225-D2CA-4EF7-C69D-D5BF456768BC}"/>
+              </a:ext>
+            </a:extLst>
+          </p:cNvPr>
+          <p:cNvSpPr txBox="1"/>
+          <p:nvPr/>
+        </p:nvSpPr>
+        <p:spPr>
+          <a:xfrm>
+            <a:off x="3335456" y="554377"/>
+            <a:ext cx="5521087" cy="400110"/>
+          </a:xfrm>
+          <a:prstGeom prst="rect">
+            <a:avLst/>
+          </a:prstGeom>
+          <a:noFill/>
+        </p:spPr>
+        <p:txBody>
+          <a:bodyPr wrap="square" rtlCol="0">
+            <a:spAutoFit/>
+          </a:bodyPr>
+          <a:lstStyle/>
+          <a:p>
+            <a:pPr algn="ctr"/>
+            <a:r>
+              <a:rPr lang="en-US" sz="2000" b="1" spc="600" noProof="0" dirty="0">
+                <a:solidFill>
+                  <a:srgbClr val="F4F3EE"/>
+                </a:solidFill>
+              </a:rPr>
+              <a:t>INTRODUCTION</a:t>
+            </a:r>
+            <a:endParaRPr lang="en-US" sz="2000" spc="600" noProof="0" dirty="0">
+              <a:solidFill>
+                <a:srgbClr val="F4F3EE"/>
+              </a:solidFill>
+            </a:endParaRPr>
+          </a:p>
+        </p:txBody>
+      </p:sp>
+      <p:sp>
+        <p:nvSpPr>
+          <p:cNvPr id="2" name="CasellaDiTesto 1">
+            <a:extLst>
+              <a:ext uri="{FF2B5EF4-FFF2-40B4-BE49-F238E27FC236}">
+                <a16:creationId xmlns:a16="http://schemas.microsoft.com/office/drawing/2014/main" id="{72302814-AB88-063B-DC63-B8DF2D85FC37}"/>
+              </a:ext>
+            </a:extLst>
+          </p:cNvPr>
+          <p:cNvSpPr txBox="1"/>
+          <p:nvPr/>
+        </p:nvSpPr>
+        <p:spPr>
+          <a:xfrm>
+            <a:off x="3003761" y="2284565"/>
+            <a:ext cx="5521087" cy="1938992"/>
+          </a:xfrm>
+          <a:prstGeom prst="rect">
+            <a:avLst/>
+          </a:prstGeom>
+          <a:noFill/>
+        </p:spPr>
+        <p:txBody>
+          <a:bodyPr wrap="square" rtlCol="0">
+            <a:spAutoFit/>
+          </a:bodyPr>
+          <a:lstStyle/>
+          <a:p>
+            <a:pPr algn="ctr"/>
+            <a:r>
+              <a:rPr lang="en-US" sz="2000" b="1" spc="600" noProof="0" dirty="0">
+                <a:solidFill>
+                  <a:srgbClr val="F4F3EE"/>
+                </a:solidFill>
+              </a:rPr>
+              <a:t>MAYBE Follow:</a:t>
+            </a:r>
+          </a:p>
+          <a:p>
+            <a:pPr algn="ctr"/>
+            <a:r>
+              <a:rPr lang="en-US" sz="2000" b="1" spc="600" dirty="0">
+                <a:solidFill>
+                  <a:srgbClr val="F4F3EE"/>
+                </a:solidFill>
+              </a:rPr>
+              <a:t>Background</a:t>
+            </a:r>
+          </a:p>
+          <a:p>
+            <a:pPr algn="ctr"/>
+            <a:r>
+              <a:rPr lang="en-US" sz="2000" b="1" spc="600" dirty="0">
+                <a:solidFill>
+                  <a:srgbClr val="F4F3EE"/>
+                </a:solidFill>
+              </a:rPr>
+              <a:t>Problem statement,</a:t>
+            </a:r>
+          </a:p>
+          <a:p>
+            <a:pPr algn="ctr"/>
+            <a:r>
+              <a:rPr lang="en-US" sz="2000" spc="600" noProof="0" dirty="0">
+                <a:solidFill>
+                  <a:srgbClr val="F4F3EE"/>
+                </a:solidFill>
+              </a:rPr>
+              <a:t>Solution… </a:t>
+            </a:r>
+          </a:p>
+          <a:p>
+            <a:pPr algn="ctr"/>
+            <a:r>
+              <a:rPr lang="en-US" sz="2000" spc="600" dirty="0">
+                <a:solidFill>
+                  <a:srgbClr val="F4F3EE"/>
+                </a:solidFill>
+              </a:rPr>
+              <a:t>Do not represent the protocol from scratch…</a:t>
+            </a:r>
+            <a:endParaRPr lang="en-US" sz="2000" spc="600" noProof="0" dirty="0">
+              <a:solidFill>
+                <a:srgbClr val="F4F3EE"/>
+              </a:solidFill>
+            </a:endParaRPr>
+          </a:p>
+        </p:txBody>
+      </p:sp>
+      <p:pic>
+        <p:nvPicPr>
+          <p:cNvPr id="11" name="Immagine 10" descr="Immagine che contiene oggetti in metallo, lucchetto/serratura&#10;&#10;Descrizione generata automaticamente">
+            <a:extLst>
+              <a:ext uri="{FF2B5EF4-FFF2-40B4-BE49-F238E27FC236}">
+                <a16:creationId xmlns:a16="http://schemas.microsoft.com/office/drawing/2014/main" id="{58B512FB-FF86-21AD-FD37-915EDEE6EB14}"/>
+              </a:ext>
+            </a:extLst>
+          </p:cNvPr>
+          <p:cNvPicPr>
+            <a:picLocks noChangeAspect="1"/>
+          </p:cNvPicPr>
+          <p:nvPr/>
+        </p:nvPicPr>
+        <p:blipFill>
+          <a:blip r:embed="rId2">
+            <a:extLst>
+              <a:ext uri="{28A0092B-C50C-407E-A947-70E740481C1C}">
+                <a14:useLocalDpi xmlns:a14="http://schemas.microsoft.com/office/drawing/2010/main" val="0"/>
+              </a:ext>
+            </a:extLst>
+          </a:blip>
+          <a:stretch>
+            <a:fillRect/>
+          </a:stretch>
+        </p:blipFill>
+        <p:spPr>
+          <a:xfrm>
+            <a:off x="915321" y="1315069"/>
+            <a:ext cx="2021765" cy="2021765"/>
+          </a:xfrm>
+          <a:prstGeom prst="rect">
+            <a:avLst/>
+          </a:prstGeom>
+        </p:spPr>
+      </p:pic>
+      <p:sp>
+        <p:nvSpPr>
+          <p:cNvPr id="12" name="CasellaDiTesto 11">
+            <a:extLst>
+              <a:ext uri="{FF2B5EF4-FFF2-40B4-BE49-F238E27FC236}">
+                <a16:creationId xmlns:a16="http://schemas.microsoft.com/office/drawing/2014/main" id="{CBEC99E7-FA74-58EB-EFAC-033F241528F4}"/>
+              </a:ext>
+            </a:extLst>
+          </p:cNvPr>
+          <p:cNvSpPr txBox="1"/>
+          <p:nvPr/>
+        </p:nvSpPr>
+        <p:spPr>
+          <a:xfrm>
+            <a:off x="-939589" y="3121057"/>
+            <a:ext cx="5521087" cy="400110"/>
+          </a:xfrm>
+          <a:prstGeom prst="rect">
+            <a:avLst/>
+          </a:prstGeom>
+          <a:noFill/>
+        </p:spPr>
+        <p:txBody>
+          <a:bodyPr wrap="square" rtlCol="0">
+            <a:spAutoFit/>
+          </a:bodyPr>
+          <a:lstStyle/>
+          <a:p>
+            <a:pPr algn="ctr"/>
+            <a:r>
+              <a:rPr lang="en-US" sz="2000" b="1" spc="600" noProof="0" dirty="0">
+                <a:solidFill>
+                  <a:srgbClr val="F4F3EE"/>
+                </a:solidFill>
+              </a:rPr>
+              <a:t>INSECURE CHANNEL</a:t>
+            </a:r>
+            <a:endParaRPr lang="en-US" sz="2000" spc="600" noProof="0" dirty="0">
+              <a:solidFill>
+                <a:srgbClr val="F4F3EE"/>
+              </a:solidFill>
+            </a:endParaRPr>
+          </a:p>
+        </p:txBody>
+      </p:sp>
+      <p:sp>
+        <p:nvSpPr>
+          <p:cNvPr id="13" name="CasellaDiTesto 12">
+            <a:extLst>
+              <a:ext uri="{FF2B5EF4-FFF2-40B4-BE49-F238E27FC236}">
+                <a16:creationId xmlns:a16="http://schemas.microsoft.com/office/drawing/2014/main" id="{88AFAB4B-7204-3C37-33C2-A0C15C88EC43}"/>
+              </a:ext>
+            </a:extLst>
+          </p:cNvPr>
+          <p:cNvSpPr txBox="1"/>
+          <p:nvPr/>
+        </p:nvSpPr>
+        <p:spPr>
+          <a:xfrm>
+            <a:off x="460586" y="5595737"/>
+            <a:ext cx="5521087" cy="707886"/>
+          </a:xfrm>
+          <a:prstGeom prst="rect">
+            <a:avLst/>
+          </a:prstGeom>
+          <a:noFill/>
+        </p:spPr>
+        <p:txBody>
+          <a:bodyPr wrap="square" rtlCol="0">
+            <a:spAutoFit/>
+          </a:bodyPr>
+          <a:lstStyle/>
+          <a:p>
+            <a:pPr algn="ctr"/>
+            <a:r>
+              <a:rPr lang="en-US" sz="2000" b="1" spc="600" noProof="0" dirty="0">
+                <a:solidFill>
+                  <a:srgbClr val="F4F3EE"/>
+                </a:solidFill>
+              </a:rPr>
+              <a:t>EXCHANGE SECRET KEY ALICE AND BOB</a:t>
+            </a:r>
+            <a:endParaRPr lang="en-US" sz="2000" spc="600" noProof="0" dirty="0">
+              <a:solidFill>
+                <a:srgbClr val="F4F3EE"/>
+              </a:solidFill>
+            </a:endParaRPr>
+          </a:p>
+        </p:txBody>
+      </p:sp>
+      <p:pic>
+        <p:nvPicPr>
+          <p:cNvPr id="15" name="Immagine 14" descr="Immagine che contiene clipart, Elementi grafici, design, illustrazione&#10;&#10;Descrizione generata automaticamente">
+            <a:extLst>
+              <a:ext uri="{FF2B5EF4-FFF2-40B4-BE49-F238E27FC236}">
+                <a16:creationId xmlns:a16="http://schemas.microsoft.com/office/drawing/2014/main" id="{470A9A57-E130-2DE0-4DF5-AC214331C7DD}"/>
+              </a:ext>
+            </a:extLst>
+          </p:cNvPr>
+          <p:cNvPicPr>
+            <a:picLocks noChangeAspect="1"/>
+          </p:cNvPicPr>
+          <p:nvPr/>
+        </p:nvPicPr>
+        <p:blipFill>
+          <a:blip r:embed="rId3">
+            <a:extLst>
+              <a:ext uri="{28A0092B-C50C-407E-A947-70E740481C1C}">
+                <a14:useLocalDpi xmlns:a14="http://schemas.microsoft.com/office/drawing/2010/main" val="0"/>
+              </a:ext>
+            </a:extLst>
+          </a:blip>
+          <a:stretch>
+            <a:fillRect/>
+          </a:stretch>
+        </p:blipFill>
+        <p:spPr>
+          <a:xfrm>
+            <a:off x="9766598" y="1214409"/>
+            <a:ext cx="1510081" cy="1510081"/>
+          </a:xfrm>
+          <a:prstGeom prst="rect">
+            <a:avLst/>
+          </a:prstGeom>
+        </p:spPr>
+      </p:pic>
+    </p:spTree>
+    <p:extLst>
+      <p:ext uri="{BB962C8B-B14F-4D97-AF65-F5344CB8AC3E}">
+        <p14:creationId xmlns:p14="http://schemas.microsoft.com/office/powerpoint/2010/main" val="122475328"/>
+      </p:ext>
+    </p:extLst>
+  </p:cSld>
+  <p:clrMapOvr>
+    <a:masterClrMapping/>
+  </p:clrMapOvr>
+</p:sld>
+</file>
+
+<file path=ppt/slides/slide30.xml><?xml version="1.0" encoding="utf-8"?>
 <p:sld xmlns:a="http://schemas.openxmlformats.org/drawingml/2006/main" xmlns:r="http://schemas.openxmlformats.org/officeDocument/2006/relationships" xmlns:p="http://schemas.openxmlformats.org/presentationml/2006/main">
   <p:cSld>
     <p:bg>
@@ -9433,185 +14653,7 @@
 </p:sld>
 </file>
 
-<file path=ppt/slides/slide2.xml><?xml version="1.0" encoding="utf-8"?>
-<p:sld xmlns:a="http://schemas.openxmlformats.org/drawingml/2006/main" xmlns:r="http://schemas.openxmlformats.org/officeDocument/2006/relationships" xmlns:p="http://schemas.openxmlformats.org/presentationml/2006/main">
-  <p:cSld>
-    <p:bg>
-      <p:bgPr>
-        <a:solidFill>
-          <a:srgbClr val="463F3A"/>
-        </a:solidFill>
-        <a:effectLst/>
-      </p:bgPr>
-    </p:bg>
-    <p:spTree>
-      <p:nvGrpSpPr>
-        <p:cNvPr id="1" name="">
-          <a:extLst>
-            <a:ext uri="{FF2B5EF4-FFF2-40B4-BE49-F238E27FC236}">
-              <a16:creationId xmlns:a16="http://schemas.microsoft.com/office/drawing/2014/main" id="{E99B9A50-42BA-3DD6-9FE0-13FEE13BD066}"/>
-            </a:ext>
-          </a:extLst>
-        </p:cNvPr>
-        <p:cNvGrpSpPr/>
-        <p:nvPr/>
-      </p:nvGrpSpPr>
-      <p:grpSpPr>
-        <a:xfrm>
-          <a:off x="0" y="0"/>
-          <a:ext cx="0" cy="0"/>
-          <a:chOff x="0" y="0"/>
-          <a:chExt cx="0" cy="0"/>
-        </a:xfrm>
-      </p:grpSpPr>
-      <p:sp>
-        <p:nvSpPr>
-          <p:cNvPr id="4" name="CasellaDiTesto 3">
-            <a:extLst>
-              <a:ext uri="{FF2B5EF4-FFF2-40B4-BE49-F238E27FC236}">
-                <a16:creationId xmlns:a16="http://schemas.microsoft.com/office/drawing/2014/main" id="{B1FE0225-D2CA-4EF7-C69D-D5BF456768BC}"/>
-              </a:ext>
-            </a:extLst>
-          </p:cNvPr>
-          <p:cNvSpPr txBox="1"/>
-          <p:nvPr/>
-        </p:nvSpPr>
-        <p:spPr>
-          <a:xfrm>
-            <a:off x="3335456" y="554377"/>
-            <a:ext cx="5521087" cy="400110"/>
-          </a:xfrm>
-          <a:prstGeom prst="rect">
-            <a:avLst/>
-          </a:prstGeom>
-          <a:noFill/>
-        </p:spPr>
-        <p:txBody>
-          <a:bodyPr wrap="square" rtlCol="0">
-            <a:spAutoFit/>
-          </a:bodyPr>
-          <a:lstStyle/>
-          <a:p>
-            <a:pPr algn="ctr"/>
-            <a:r>
-              <a:rPr lang="en-US" sz="2000" b="1" spc="600" noProof="0" dirty="0">
-                <a:solidFill>
-                  <a:srgbClr val="F4F3EE"/>
-                </a:solidFill>
-              </a:rPr>
-              <a:t>INTRODUCTION</a:t>
-            </a:r>
-            <a:endParaRPr lang="en-US" sz="2000" spc="600" noProof="0" dirty="0">
-              <a:solidFill>
-                <a:srgbClr val="F4F3EE"/>
-              </a:solidFill>
-            </a:endParaRPr>
-          </a:p>
-        </p:txBody>
-      </p:sp>
-      <p:sp>
-        <p:nvSpPr>
-          <p:cNvPr id="2" name="CasellaDiTesto 1">
-            <a:extLst>
-              <a:ext uri="{FF2B5EF4-FFF2-40B4-BE49-F238E27FC236}">
-                <a16:creationId xmlns:a16="http://schemas.microsoft.com/office/drawing/2014/main" id="{72302814-AB88-063B-DC63-B8DF2D85FC37}"/>
-              </a:ext>
-            </a:extLst>
-          </p:cNvPr>
-          <p:cNvSpPr txBox="1"/>
-          <p:nvPr/>
-        </p:nvSpPr>
-        <p:spPr>
-          <a:xfrm>
-            <a:off x="3003761" y="2284565"/>
-            <a:ext cx="5521087" cy="1938992"/>
-          </a:xfrm>
-          <a:prstGeom prst="rect">
-            <a:avLst/>
-          </a:prstGeom>
-          <a:noFill/>
-        </p:spPr>
-        <p:txBody>
-          <a:bodyPr wrap="square" rtlCol="0">
-            <a:spAutoFit/>
-          </a:bodyPr>
-          <a:lstStyle/>
-          <a:p>
-            <a:pPr algn="ctr"/>
-            <a:r>
-              <a:rPr lang="en-US" sz="2000" b="1" spc="600" noProof="0" dirty="0">
-                <a:solidFill>
-                  <a:srgbClr val="F4F3EE"/>
-                </a:solidFill>
-              </a:rPr>
-              <a:t>MAYBE Follow:</a:t>
-            </a:r>
-          </a:p>
-          <a:p>
-            <a:pPr algn="ctr"/>
-            <a:r>
-              <a:rPr lang="en-US" sz="2000" b="1" spc="600" dirty="0">
-                <a:solidFill>
-                  <a:srgbClr val="F4F3EE"/>
-                </a:solidFill>
-              </a:rPr>
-              <a:t>Background</a:t>
-            </a:r>
-          </a:p>
-          <a:p>
-            <a:pPr algn="ctr"/>
-            <a:r>
-              <a:rPr lang="en-US" sz="2000" b="1" spc="600" dirty="0">
-                <a:solidFill>
-                  <a:srgbClr val="F4F3EE"/>
-                </a:solidFill>
-              </a:rPr>
-              <a:t>Problem statement,</a:t>
-            </a:r>
-          </a:p>
-          <a:p>
-            <a:pPr algn="ctr"/>
-            <a:r>
-              <a:rPr lang="en-US" sz="2000" spc="600" noProof="0" dirty="0">
-                <a:solidFill>
-                  <a:srgbClr val="F4F3EE"/>
-                </a:solidFill>
-              </a:rPr>
-              <a:t>Solution… </a:t>
-            </a:r>
-          </a:p>
-          <a:p>
-            <a:pPr algn="ctr"/>
-            <a:r>
-              <a:rPr lang="en-US" sz="2000" spc="600" dirty="0">
-                <a:solidFill>
-                  <a:srgbClr val="F4F3EE"/>
-                </a:solidFill>
-              </a:rPr>
-              <a:t>Do not represent the protocol from scratch…</a:t>
-            </a:r>
-            <a:endParaRPr lang="en-US" sz="2000" spc="600" noProof="0" dirty="0">
-              <a:solidFill>
-                <a:srgbClr val="F4F3EE"/>
-              </a:solidFill>
-            </a:endParaRPr>
-          </a:p>
-        </p:txBody>
-      </p:sp>
-    </p:spTree>
-    <p:extLst>
-      <p:ext uri="{BB962C8B-B14F-4D97-AF65-F5344CB8AC3E}">
-        <p14:creationId xmlns:p14="http://schemas.microsoft.com/office/powerpoint/2010/main" val="122475328"/>
-      </p:ext>
-    </p:extLst>
-  </p:cSld>
-  <p:clrMapOvr>
-    <a:masterClrMapping/>
-  </p:clrMapOvr>
-</p:sld>
-</file>
-
-<file path=ppt/slides/slide3.xml><?xml version="1.0" encoding="utf-8"?>
+<file path=ppt/slides/slide4.xml><?xml version="1.0" encoding="utf-8"?>
 <p:sld xmlns:a="http://schemas.openxmlformats.org/drawingml/2006/main" xmlns:r="http://schemas.openxmlformats.org/officeDocument/2006/relationships" xmlns:p="http://schemas.openxmlformats.org/presentationml/2006/main">
   <p:cSld>
     <p:bg>
@@ -9777,7 +14819,7 @@
 </p:sld>
 </file>
 
-<file path=ppt/slides/slide4.xml><?xml version="1.0" encoding="utf-8"?>
+<file path=ppt/slides/slide5.xml><?xml version="1.0" encoding="utf-8"?>
 <p:sld xmlns:a="http://schemas.openxmlformats.org/drawingml/2006/main" xmlns:r="http://schemas.openxmlformats.org/officeDocument/2006/relationships" xmlns:p="http://schemas.openxmlformats.org/presentationml/2006/main">
   <p:cSld>
     <p:bg>
@@ -9867,7 +14909,7 @@
         </p:nvSpPr>
         <p:spPr>
           <a:xfrm>
-            <a:off x="3075479" y="2876236"/>
+            <a:off x="3132629" y="1523686"/>
             <a:ext cx="5521087" cy="1323439"/>
           </a:xfrm>
           <a:prstGeom prst="rect">
@@ -9898,6 +14940,1284 @@
           </a:p>
         </p:txBody>
       </p:sp>
+      <mc:AlternateContent xmlns:mc="http://schemas.openxmlformats.org/markup-compatibility/2006">
+        <mc:Choice xmlns:a14="http://schemas.microsoft.com/office/drawing/2010/main" Requires="a14">
+          <p:sp>
+            <p:nvSpPr>
+              <p:cNvPr id="5" name="CasellaDiTesto 4">
+                <a:extLst>
+                  <a:ext uri="{FF2B5EF4-FFF2-40B4-BE49-F238E27FC236}">
+                    <a16:creationId xmlns:a16="http://schemas.microsoft.com/office/drawing/2014/main" id="{20C90628-420B-149F-E731-9016D293F8D8}"/>
+                  </a:ext>
+                </a:extLst>
+              </p:cNvPr>
+              <p:cNvSpPr txBox="1"/>
+              <p:nvPr/>
+            </p:nvSpPr>
+            <p:spPr>
+              <a:xfrm>
+                <a:off x="288562" y="3028890"/>
+                <a:ext cx="11209219" cy="400110"/>
+              </a:xfrm>
+              <a:prstGeom prst="rect">
+                <a:avLst/>
+              </a:prstGeom>
+              <a:noFill/>
+            </p:spPr>
+            <p:txBody>
+              <a:bodyPr wrap="square" rtlCol="0">
+                <a:spAutoFit/>
+              </a:bodyPr>
+              <a:lstStyle/>
+              <a:p>
+                <a:pPr algn="ctr"/>
+                <a14:m>
+                  <m:oMathPara xmlns:m="http://schemas.openxmlformats.org/officeDocument/2006/math">
+                    <m:oMathParaPr>
+                      <m:jc m:val="centerGroup"/>
+                    </m:oMathParaPr>
+                    <m:oMath xmlns:m="http://schemas.openxmlformats.org/officeDocument/2006/math">
+                      <m:r>
+                        <a:rPr lang="en-US" sz="2000" i="1" smtClean="0">
+                          <a:solidFill>
+                            <a:srgbClr val="F4F3EE"/>
+                          </a:solidFill>
+                          <a:latin typeface="Cambria Math" panose="02040503050406030204" pitchFamily="18" charset="0"/>
+                        </a:rPr>
+                        <m:t>𝑆</m:t>
+                      </m:r>
+                      <m:r>
+                        <a:rPr lang="it-IT" sz="2000" b="0" i="1" smtClean="0">
+                          <a:solidFill>
+                            <a:srgbClr val="F4F3EE"/>
+                          </a:solidFill>
+                          <a:latin typeface="Cambria Math" panose="02040503050406030204" pitchFamily="18" charset="0"/>
+                        </a:rPr>
+                        <m:t>=</m:t>
+                      </m:r>
+                      <m:r>
+                        <a:rPr lang="en-US" sz="2000" i="1">
+                          <a:solidFill>
+                            <a:srgbClr val="F4F3EE"/>
+                          </a:solidFill>
+                          <a:latin typeface="Cambria Math" panose="02040503050406030204" pitchFamily="18" charset="0"/>
+                        </a:rPr>
+                        <m:t> | </m:t>
+                      </m:r>
+                      <m:d>
+                        <m:dPr>
+                          <m:begChr m:val="⟨"/>
+                          <m:endChr m:val="⟩"/>
+                          <m:ctrlPr>
+                            <a:rPr lang="en-US" sz="2000" i="1" smtClean="0">
+                              <a:solidFill>
+                                <a:srgbClr val="F4F3EE"/>
+                              </a:solidFill>
+                              <a:latin typeface="Cambria Math" panose="02040503050406030204" pitchFamily="18" charset="0"/>
+                            </a:rPr>
+                          </m:ctrlPr>
+                        </m:dPr>
+                        <m:e>
+                          <m:r>
+                            <a:rPr lang="en-US" sz="2000" i="1">
+                              <a:solidFill>
+                                <a:srgbClr val="F4F3EE"/>
+                              </a:solidFill>
+                              <a:latin typeface="Cambria Math" panose="02040503050406030204" pitchFamily="18" charset="0"/>
+                            </a:rPr>
+                            <m:t> </m:t>
+                          </m:r>
+                          <m:sSub>
+                            <m:sSubPr>
+                              <m:ctrlPr>
+                                <a:rPr lang="en-US" sz="2000" i="1">
+                                  <a:solidFill>
+                                    <a:srgbClr val="F4F3EE"/>
+                                  </a:solidFill>
+                                  <a:latin typeface="Cambria Math" panose="02040503050406030204" pitchFamily="18" charset="0"/>
+                                </a:rPr>
+                              </m:ctrlPr>
+                            </m:sSubPr>
+                            <m:e>
+                              <m:r>
+                                <a:rPr lang="en-US" sz="2000" i="1">
+                                  <a:solidFill>
+                                    <a:srgbClr val="F4F3EE"/>
+                                  </a:solidFill>
+                                  <a:latin typeface="Cambria Math" panose="02040503050406030204" pitchFamily="18" charset="0"/>
+                                </a:rPr>
+                                <m:t>𝐴</m:t>
+                              </m:r>
+                            </m:e>
+                            <m:sub>
+                              <m:r>
+                                <a:rPr lang="en-US" sz="2000" i="1">
+                                  <a:solidFill>
+                                    <a:srgbClr val="F4F3EE"/>
+                                  </a:solidFill>
+                                  <a:latin typeface="Cambria Math" panose="02040503050406030204" pitchFamily="18" charset="0"/>
+                                </a:rPr>
+                                <m:t>1</m:t>
+                              </m:r>
+                            </m:sub>
+                          </m:sSub>
+                          <m:sSub>
+                            <m:sSubPr>
+                              <m:ctrlPr>
+                                <a:rPr lang="en-US" sz="2000" i="1">
+                                  <a:solidFill>
+                                    <a:srgbClr val="F4F3EE"/>
+                                  </a:solidFill>
+                                  <a:latin typeface="Cambria Math" panose="02040503050406030204" pitchFamily="18" charset="0"/>
+                                </a:rPr>
+                              </m:ctrlPr>
+                            </m:sSubPr>
+                            <m:e>
+                              <m:r>
+                                <a:rPr lang="en-US" sz="2000" i="1">
+                                  <a:solidFill>
+                                    <a:srgbClr val="F4F3EE"/>
+                                  </a:solidFill>
+                                  <a:latin typeface="Cambria Math" panose="02040503050406030204" pitchFamily="18" charset="0"/>
+                                </a:rPr>
+                                <m:t>𝐵</m:t>
+                              </m:r>
+                            </m:e>
+                            <m:sub>
+                              <m:r>
+                                <a:rPr lang="en-US" sz="2000" i="1">
+                                  <a:solidFill>
+                                    <a:srgbClr val="F4F3EE"/>
+                                  </a:solidFill>
+                                  <a:latin typeface="Cambria Math" panose="02040503050406030204" pitchFamily="18" charset="0"/>
+                                </a:rPr>
+                                <m:t>1</m:t>
+                              </m:r>
+                            </m:sub>
+                          </m:sSub>
+                          <m:r>
+                            <a:rPr lang="en-US" sz="2000" i="1">
+                              <a:solidFill>
+                                <a:srgbClr val="F4F3EE"/>
+                              </a:solidFill>
+                              <a:latin typeface="Cambria Math" panose="02040503050406030204" pitchFamily="18" charset="0"/>
+                            </a:rPr>
+                            <m:t> </m:t>
+                          </m:r>
+                        </m:e>
+                      </m:d>
+                      <m:r>
+                        <a:rPr lang="en-US" sz="2000" i="1">
+                          <a:solidFill>
+                            <a:srgbClr val="F4F3EE"/>
+                          </a:solidFill>
+                          <a:latin typeface="Cambria Math" panose="02040503050406030204" pitchFamily="18" charset="0"/>
+                        </a:rPr>
+                        <m:t>+</m:t>
+                      </m:r>
+                      <m:d>
+                        <m:dPr>
+                          <m:begChr m:val="⟨"/>
+                          <m:endChr m:val="⟩"/>
+                          <m:ctrlPr>
+                            <a:rPr lang="en-US" sz="2000" i="1" smtClean="0">
+                              <a:solidFill>
+                                <a:srgbClr val="F4F3EE"/>
+                              </a:solidFill>
+                              <a:latin typeface="Cambria Math" panose="02040503050406030204" pitchFamily="18" charset="0"/>
+                            </a:rPr>
+                          </m:ctrlPr>
+                        </m:dPr>
+                        <m:e>
+                          <m:r>
+                            <a:rPr lang="en-US" sz="2000" i="1">
+                              <a:solidFill>
+                                <a:srgbClr val="F4F3EE"/>
+                              </a:solidFill>
+                              <a:latin typeface="Cambria Math" panose="02040503050406030204" pitchFamily="18" charset="0"/>
+                            </a:rPr>
+                            <m:t> </m:t>
+                          </m:r>
+                          <m:sSub>
+                            <m:sSubPr>
+                              <m:ctrlPr>
+                                <a:rPr lang="en-US" sz="2000" i="1" smtClean="0">
+                                  <a:solidFill>
+                                    <a:srgbClr val="F4F3EE"/>
+                                  </a:solidFill>
+                                  <a:latin typeface="Cambria Math" panose="02040503050406030204" pitchFamily="18" charset="0"/>
+                                </a:rPr>
+                              </m:ctrlPr>
+                            </m:sSubPr>
+                            <m:e>
+                              <m:r>
+                                <a:rPr lang="en-US" sz="2000" i="1">
+                                  <a:solidFill>
+                                    <a:srgbClr val="F4F3EE"/>
+                                  </a:solidFill>
+                                  <a:latin typeface="Cambria Math" panose="02040503050406030204" pitchFamily="18" charset="0"/>
+                                </a:rPr>
+                                <m:t>𝐴</m:t>
+                              </m:r>
+                            </m:e>
+                            <m:sub>
+                              <m:r>
+                                <a:rPr lang="en-US" sz="2000" i="1">
+                                  <a:solidFill>
+                                    <a:srgbClr val="F4F3EE"/>
+                                  </a:solidFill>
+                                  <a:latin typeface="Cambria Math" panose="02040503050406030204" pitchFamily="18" charset="0"/>
+                                </a:rPr>
+                                <m:t>1</m:t>
+                              </m:r>
+                            </m:sub>
+                          </m:sSub>
+                          <m:sSub>
+                            <m:sSubPr>
+                              <m:ctrlPr>
+                                <a:rPr lang="en-US" sz="2000" i="1">
+                                  <a:solidFill>
+                                    <a:srgbClr val="F4F3EE"/>
+                                  </a:solidFill>
+                                  <a:latin typeface="Cambria Math" panose="02040503050406030204" pitchFamily="18" charset="0"/>
+                                </a:rPr>
+                              </m:ctrlPr>
+                            </m:sSubPr>
+                            <m:e>
+                              <m:r>
+                                <a:rPr lang="en-US" sz="2000" i="1">
+                                  <a:solidFill>
+                                    <a:srgbClr val="F4F3EE"/>
+                                  </a:solidFill>
+                                  <a:latin typeface="Cambria Math" panose="02040503050406030204" pitchFamily="18" charset="0"/>
+                                </a:rPr>
+                                <m:t>𝐵</m:t>
+                              </m:r>
+                            </m:e>
+                            <m:sub>
+                              <m:r>
+                                <a:rPr lang="en-US" sz="2000" i="1">
+                                  <a:solidFill>
+                                    <a:srgbClr val="F4F3EE"/>
+                                  </a:solidFill>
+                                  <a:latin typeface="Cambria Math" panose="02040503050406030204" pitchFamily="18" charset="0"/>
+                                </a:rPr>
+                                <m:t>2</m:t>
+                              </m:r>
+                            </m:sub>
+                          </m:sSub>
+                          <m:r>
+                            <a:rPr lang="it-IT" sz="2000" b="0" i="1" smtClean="0">
+                              <a:solidFill>
+                                <a:srgbClr val="F4F3EE"/>
+                              </a:solidFill>
+                              <a:latin typeface="Cambria Math" panose="02040503050406030204" pitchFamily="18" charset="0"/>
+                            </a:rPr>
+                            <m:t> </m:t>
+                          </m:r>
+                        </m:e>
+                      </m:d>
+                      <m:r>
+                        <a:rPr lang="en-US" sz="2000" i="1">
+                          <a:solidFill>
+                            <a:srgbClr val="F4F3EE"/>
+                          </a:solidFill>
+                          <a:latin typeface="Cambria Math" panose="02040503050406030204" pitchFamily="18" charset="0"/>
+                        </a:rPr>
+                        <m:t>+</m:t>
+                      </m:r>
+                      <m:d>
+                        <m:dPr>
+                          <m:begChr m:val="⟨"/>
+                          <m:endChr m:val="⟩"/>
+                          <m:ctrlPr>
+                            <a:rPr lang="en-US" sz="2000" b="0" i="1" smtClean="0">
+                              <a:solidFill>
+                                <a:srgbClr val="F4F3EE"/>
+                              </a:solidFill>
+                              <a:latin typeface="Cambria Math" panose="02040503050406030204" pitchFamily="18" charset="0"/>
+                            </a:rPr>
+                          </m:ctrlPr>
+                        </m:dPr>
+                        <m:e>
+                          <m:r>
+                            <a:rPr lang="en-US" sz="2000" i="1">
+                              <a:solidFill>
+                                <a:srgbClr val="F4F3EE"/>
+                              </a:solidFill>
+                              <a:latin typeface="Cambria Math" panose="02040503050406030204" pitchFamily="18" charset="0"/>
+                            </a:rPr>
+                            <m:t> </m:t>
+                          </m:r>
+                          <m:sSub>
+                            <m:sSubPr>
+                              <m:ctrlPr>
+                                <a:rPr lang="en-US" sz="2000" i="1" smtClean="0">
+                                  <a:solidFill>
+                                    <a:srgbClr val="F4F3EE"/>
+                                  </a:solidFill>
+                                  <a:latin typeface="Cambria Math" panose="02040503050406030204" pitchFamily="18" charset="0"/>
+                                </a:rPr>
+                              </m:ctrlPr>
+                            </m:sSubPr>
+                            <m:e>
+                              <m:r>
+                                <a:rPr lang="en-US" sz="2000" i="1">
+                                  <a:solidFill>
+                                    <a:srgbClr val="F4F3EE"/>
+                                  </a:solidFill>
+                                  <a:latin typeface="Cambria Math" panose="02040503050406030204" pitchFamily="18" charset="0"/>
+                                </a:rPr>
+                                <m:t>𝐴</m:t>
+                              </m:r>
+                            </m:e>
+                            <m:sub>
+                              <m:r>
+                                <a:rPr lang="en-US" sz="2000" i="1">
+                                  <a:solidFill>
+                                    <a:srgbClr val="F4F3EE"/>
+                                  </a:solidFill>
+                                  <a:latin typeface="Cambria Math" panose="02040503050406030204" pitchFamily="18" charset="0"/>
+                                </a:rPr>
+                                <m:t>2</m:t>
+                              </m:r>
+                            </m:sub>
+                          </m:sSub>
+                          <m:sSub>
+                            <m:sSubPr>
+                              <m:ctrlPr>
+                                <a:rPr lang="en-US" sz="2000" i="1">
+                                  <a:solidFill>
+                                    <a:srgbClr val="F4F3EE"/>
+                                  </a:solidFill>
+                                  <a:latin typeface="Cambria Math" panose="02040503050406030204" pitchFamily="18" charset="0"/>
+                                </a:rPr>
+                              </m:ctrlPr>
+                            </m:sSubPr>
+                            <m:e>
+                              <m:r>
+                                <a:rPr lang="en-US" sz="2000" i="1">
+                                  <a:solidFill>
+                                    <a:srgbClr val="F4F3EE"/>
+                                  </a:solidFill>
+                                  <a:latin typeface="Cambria Math" panose="02040503050406030204" pitchFamily="18" charset="0"/>
+                                </a:rPr>
+                                <m:t>𝐵</m:t>
+                              </m:r>
+                            </m:e>
+                            <m:sub>
+                              <m:r>
+                                <a:rPr lang="en-US" sz="2000" i="1">
+                                  <a:solidFill>
+                                    <a:srgbClr val="F4F3EE"/>
+                                  </a:solidFill>
+                                  <a:latin typeface="Cambria Math" panose="02040503050406030204" pitchFamily="18" charset="0"/>
+                                </a:rPr>
+                                <m:t>1</m:t>
+                              </m:r>
+                            </m:sub>
+                          </m:sSub>
+                          <m:r>
+                            <a:rPr lang="it-IT" sz="2000" b="0" i="1" smtClean="0">
+                              <a:solidFill>
+                                <a:srgbClr val="F4F3EE"/>
+                              </a:solidFill>
+                              <a:latin typeface="Cambria Math" panose="02040503050406030204" pitchFamily="18" charset="0"/>
+                            </a:rPr>
+                            <m:t> </m:t>
+                          </m:r>
+                        </m:e>
+                      </m:d>
+                      <m:r>
+                        <a:rPr lang="it-IT" sz="2000" b="0" i="1" smtClean="0">
+                          <a:solidFill>
+                            <a:srgbClr val="F4F3EE"/>
+                          </a:solidFill>
+                          <a:latin typeface="Cambria Math" panose="02040503050406030204" pitchFamily="18" charset="0"/>
+                        </a:rPr>
+                        <m:t>−</m:t>
+                      </m:r>
+                      <m:r>
+                        <a:rPr lang="en-US" sz="2000" i="1">
+                          <a:solidFill>
+                            <a:srgbClr val="F4F3EE"/>
+                          </a:solidFill>
+                          <a:latin typeface="Cambria Math" panose="02040503050406030204" pitchFamily="18" charset="0"/>
+                        </a:rPr>
+                        <m:t> </m:t>
+                      </m:r>
+                      <m:r>
+                        <a:rPr lang="en-US" sz="2000" i="1" smtClean="0">
+                          <a:solidFill>
+                            <a:srgbClr val="F4F3EE"/>
+                          </a:solidFill>
+                          <a:latin typeface="Cambria Math" panose="02040503050406030204" pitchFamily="18" charset="0"/>
+                        </a:rPr>
+                        <m:t>⟨</m:t>
+                      </m:r>
+                      <m:r>
+                        <a:rPr lang="en-US" sz="2000" i="1">
+                          <a:solidFill>
+                            <a:srgbClr val="F4F3EE"/>
+                          </a:solidFill>
+                          <a:latin typeface="Cambria Math" panose="02040503050406030204" pitchFamily="18" charset="0"/>
+                        </a:rPr>
+                        <m:t> </m:t>
+                      </m:r>
+                      <m:sSub>
+                        <m:sSubPr>
+                          <m:ctrlPr>
+                            <a:rPr lang="en-US" sz="2000" i="1">
+                              <a:solidFill>
+                                <a:srgbClr val="F4F3EE"/>
+                              </a:solidFill>
+                              <a:latin typeface="Cambria Math" panose="02040503050406030204" pitchFamily="18" charset="0"/>
+                            </a:rPr>
+                          </m:ctrlPr>
+                        </m:sSubPr>
+                        <m:e>
+                          <m:r>
+                            <a:rPr lang="en-US" sz="2000" i="1">
+                              <a:solidFill>
+                                <a:srgbClr val="F4F3EE"/>
+                              </a:solidFill>
+                              <a:latin typeface="Cambria Math" panose="02040503050406030204" pitchFamily="18" charset="0"/>
+                            </a:rPr>
+                            <m:t>𝐴</m:t>
+                          </m:r>
+                        </m:e>
+                        <m:sub>
+                          <m:r>
+                            <a:rPr lang="en-US" sz="2000" i="1">
+                              <a:solidFill>
+                                <a:srgbClr val="F4F3EE"/>
+                              </a:solidFill>
+                              <a:latin typeface="Cambria Math" panose="02040503050406030204" pitchFamily="18" charset="0"/>
+                            </a:rPr>
+                            <m:t>2</m:t>
+                          </m:r>
+                        </m:sub>
+                      </m:sSub>
+                      <m:sSub>
+                        <m:sSubPr>
+                          <m:ctrlPr>
+                            <a:rPr lang="en-US" sz="2000" i="1">
+                              <a:solidFill>
+                                <a:srgbClr val="F4F3EE"/>
+                              </a:solidFill>
+                              <a:latin typeface="Cambria Math" panose="02040503050406030204" pitchFamily="18" charset="0"/>
+                            </a:rPr>
+                          </m:ctrlPr>
+                        </m:sSubPr>
+                        <m:e>
+                          <m:r>
+                            <a:rPr lang="en-US" sz="2000" i="1">
+                              <a:solidFill>
+                                <a:srgbClr val="F4F3EE"/>
+                              </a:solidFill>
+                              <a:latin typeface="Cambria Math" panose="02040503050406030204" pitchFamily="18" charset="0"/>
+                            </a:rPr>
+                            <m:t>𝐵</m:t>
+                          </m:r>
+                        </m:e>
+                        <m:sub>
+                          <m:r>
+                            <a:rPr lang="en-US" sz="2000" i="1">
+                              <a:solidFill>
+                                <a:srgbClr val="F4F3EE"/>
+                              </a:solidFill>
+                              <a:latin typeface="Cambria Math" panose="02040503050406030204" pitchFamily="18" charset="0"/>
+                            </a:rPr>
+                            <m:t>2</m:t>
+                          </m:r>
+                        </m:sub>
+                      </m:sSub>
+                      <m:r>
+                        <a:rPr lang="en-US" sz="2000" i="1">
+                          <a:solidFill>
+                            <a:srgbClr val="F4F3EE"/>
+                          </a:solidFill>
+                          <a:latin typeface="Cambria Math" panose="02040503050406030204" pitchFamily="18" charset="0"/>
+                        </a:rPr>
+                        <m:t> </m:t>
+                      </m:r>
+                      <m:r>
+                        <a:rPr lang="en-US" sz="2000" i="1" smtClean="0">
+                          <a:solidFill>
+                            <a:srgbClr val="F4F3EE"/>
+                          </a:solidFill>
+                          <a:latin typeface="Cambria Math" panose="02040503050406030204" pitchFamily="18" charset="0"/>
+                        </a:rPr>
+                        <m:t>⟩</m:t>
+                      </m:r>
+                      <m:r>
+                        <a:rPr lang="en-US" sz="2000" i="1">
+                          <a:solidFill>
+                            <a:srgbClr val="F4F3EE"/>
+                          </a:solidFill>
+                          <a:latin typeface="Cambria Math" panose="02040503050406030204" pitchFamily="18" charset="0"/>
+                        </a:rPr>
+                        <m:t> |</m:t>
+                      </m:r>
+                    </m:oMath>
+                  </m:oMathPara>
+                </a14:m>
+                <a:endParaRPr lang="en-US" sz="2000" dirty="0">
+                  <a:solidFill>
+                    <a:srgbClr val="F4F3EE"/>
+                  </a:solidFill>
+                </a:endParaRPr>
+              </a:p>
+            </p:txBody>
+          </p:sp>
+        </mc:Choice>
+        <mc:Fallback>
+          <p:sp>
+            <p:nvSpPr>
+              <p:cNvPr id="5" name="CasellaDiTesto 4">
+                <a:extLst>
+                  <a:ext uri="{FF2B5EF4-FFF2-40B4-BE49-F238E27FC236}">
+                    <a16:creationId xmlns:a16="http://schemas.microsoft.com/office/drawing/2014/main" id="{20C90628-420B-149F-E731-9016D293F8D8}"/>
+                  </a:ext>
+                </a:extLst>
+              </p:cNvPr>
+              <p:cNvSpPr txBox="1">
+                <a:spLocks noRot="1" noChangeAspect="1" noMove="1" noResize="1" noEditPoints="1" noAdjustHandles="1" noChangeArrowheads="1" noChangeShapeType="1" noTextEdit="1"/>
+              </p:cNvSpPr>
+              <p:nvPr/>
+            </p:nvSpPr>
+            <p:spPr>
+              <a:xfrm>
+                <a:off x="288562" y="3028890"/>
+                <a:ext cx="11209219" cy="400110"/>
+              </a:xfrm>
+              <a:prstGeom prst="rect">
+                <a:avLst/>
+              </a:prstGeom>
+              <a:blipFill>
+                <a:blip r:embed="rId2"/>
+                <a:stretch>
+                  <a:fillRect b="-13636"/>
+                </a:stretch>
+              </a:blipFill>
+            </p:spPr>
+            <p:txBody>
+              <a:bodyPr/>
+              <a:lstStyle/>
+              <a:p>
+                <a:r>
+                  <a:rPr lang="it-IT">
+                    <a:noFill/>
+                  </a:rPr>
+                  <a:t> </a:t>
+                </a:r>
+              </a:p>
+            </p:txBody>
+          </p:sp>
+        </mc:Fallback>
+      </mc:AlternateContent>
+      <mc:AlternateContent xmlns:mc="http://schemas.openxmlformats.org/markup-compatibility/2006">
+        <mc:Choice xmlns:a14="http://schemas.microsoft.com/office/drawing/2010/main" Requires="a14">
+          <p:sp>
+            <p:nvSpPr>
+              <p:cNvPr id="6" name="CasellaDiTesto 5">
+                <a:extLst>
+                  <a:ext uri="{FF2B5EF4-FFF2-40B4-BE49-F238E27FC236}">
+                    <a16:creationId xmlns:a16="http://schemas.microsoft.com/office/drawing/2014/main" id="{EE4C1ACC-D738-3168-9DF1-76BB6356D855}"/>
+                  </a:ext>
+                </a:extLst>
+              </p:cNvPr>
+              <p:cNvSpPr txBox="1"/>
+              <p:nvPr/>
+            </p:nvSpPr>
+            <p:spPr>
+              <a:xfrm>
+                <a:off x="783862" y="4124265"/>
+                <a:ext cx="2273663" cy="400110"/>
+              </a:xfrm>
+              <a:prstGeom prst="rect">
+                <a:avLst/>
+              </a:prstGeom>
+              <a:noFill/>
+            </p:spPr>
+            <p:txBody>
+              <a:bodyPr wrap="square" rtlCol="0">
+                <a:spAutoFit/>
+              </a:bodyPr>
+              <a:lstStyle/>
+              <a:p>
+                <a:pPr algn="ctr"/>
+                <a14:m>
+                  <m:oMathPara xmlns:m="http://schemas.openxmlformats.org/officeDocument/2006/math">
+                    <m:oMathParaPr>
+                      <m:jc m:val="centerGroup"/>
+                    </m:oMathParaPr>
+                    <m:oMath xmlns:m="http://schemas.openxmlformats.org/officeDocument/2006/math">
+                      <m:sSub>
+                        <m:sSubPr>
+                          <m:ctrlPr>
+                            <a:rPr lang="en-US" sz="2000" i="1" smtClean="0">
+                              <a:solidFill>
+                                <a:srgbClr val="F4F3EE"/>
+                              </a:solidFill>
+                              <a:latin typeface="Cambria Math" panose="02040503050406030204" pitchFamily="18" charset="0"/>
+                            </a:rPr>
+                          </m:ctrlPr>
+                        </m:sSubPr>
+                        <m:e>
+                          <m:r>
+                            <a:rPr lang="en-US" sz="2000" i="1">
+                              <a:solidFill>
+                                <a:srgbClr val="F4F3EE"/>
+                              </a:solidFill>
+                              <a:latin typeface="Cambria Math" panose="02040503050406030204" pitchFamily="18" charset="0"/>
+                            </a:rPr>
+                            <m:t>𝐴</m:t>
+                          </m:r>
+                        </m:e>
+                        <m:sub>
+                          <m:r>
+                            <a:rPr lang="en-US" sz="2000" i="1">
+                              <a:solidFill>
+                                <a:srgbClr val="F4F3EE"/>
+                              </a:solidFill>
+                              <a:latin typeface="Cambria Math" panose="02040503050406030204" pitchFamily="18" charset="0"/>
+                            </a:rPr>
+                            <m:t>1</m:t>
+                          </m:r>
+                        </m:sub>
+                      </m:sSub>
+                      <m:r>
+                        <a:rPr lang="en-US" sz="2000" i="1">
+                          <a:solidFill>
+                            <a:srgbClr val="F4F3EE"/>
+                          </a:solidFill>
+                          <a:latin typeface="Cambria Math" panose="02040503050406030204" pitchFamily="18" charset="0"/>
+                        </a:rPr>
+                        <m:t> = </m:t>
+                      </m:r>
+                      <m:r>
+                        <a:rPr lang="en-US" sz="2000" i="1">
+                          <a:solidFill>
+                            <a:srgbClr val="F4F3EE"/>
+                          </a:solidFill>
+                          <a:latin typeface="Cambria Math" panose="02040503050406030204" pitchFamily="18" charset="0"/>
+                        </a:rPr>
+                        <m:t>𝑍</m:t>
+                      </m:r>
+                    </m:oMath>
+                  </m:oMathPara>
+                </a14:m>
+                <a:endParaRPr lang="en-US" sz="2000" dirty="0">
+                  <a:solidFill>
+                    <a:srgbClr val="F4F3EE"/>
+                  </a:solidFill>
+                </a:endParaRPr>
+              </a:p>
+            </p:txBody>
+          </p:sp>
+        </mc:Choice>
+        <mc:Fallback>
+          <p:sp>
+            <p:nvSpPr>
+              <p:cNvPr id="6" name="CasellaDiTesto 5">
+                <a:extLst>
+                  <a:ext uri="{FF2B5EF4-FFF2-40B4-BE49-F238E27FC236}">
+                    <a16:creationId xmlns:a16="http://schemas.microsoft.com/office/drawing/2014/main" id="{EE4C1ACC-D738-3168-9DF1-76BB6356D855}"/>
+                  </a:ext>
+                </a:extLst>
+              </p:cNvPr>
+              <p:cNvSpPr txBox="1">
+                <a:spLocks noRot="1" noChangeAspect="1" noMove="1" noResize="1" noEditPoints="1" noAdjustHandles="1" noChangeArrowheads="1" noChangeShapeType="1" noTextEdit="1"/>
+              </p:cNvSpPr>
+              <p:nvPr/>
+            </p:nvSpPr>
+            <p:spPr>
+              <a:xfrm>
+                <a:off x="783862" y="4124265"/>
+                <a:ext cx="2273663" cy="400110"/>
+              </a:xfrm>
+              <a:prstGeom prst="rect">
+                <a:avLst/>
+              </a:prstGeom>
+              <a:blipFill>
+                <a:blip r:embed="rId3"/>
+                <a:stretch>
+                  <a:fillRect/>
+                </a:stretch>
+              </a:blipFill>
+            </p:spPr>
+            <p:txBody>
+              <a:bodyPr/>
+              <a:lstStyle/>
+              <a:p>
+                <a:r>
+                  <a:rPr lang="it-IT">
+                    <a:noFill/>
+                  </a:rPr>
+                  <a:t> </a:t>
+                </a:r>
+              </a:p>
+            </p:txBody>
+          </p:sp>
+        </mc:Fallback>
+      </mc:AlternateContent>
+      <mc:AlternateContent xmlns:mc="http://schemas.openxmlformats.org/markup-compatibility/2006">
+        <mc:Choice xmlns:a14="http://schemas.microsoft.com/office/drawing/2010/main" Requires="a14">
+          <p:sp>
+            <p:nvSpPr>
+              <p:cNvPr id="7" name="CasellaDiTesto 6">
+                <a:extLst>
+                  <a:ext uri="{FF2B5EF4-FFF2-40B4-BE49-F238E27FC236}">
+                    <a16:creationId xmlns:a16="http://schemas.microsoft.com/office/drawing/2014/main" id="{11A2C24B-5EFB-D32F-3A87-E631E93CDFFF}"/>
+                  </a:ext>
+                </a:extLst>
+              </p:cNvPr>
+              <p:cNvSpPr txBox="1"/>
+              <p:nvPr/>
+            </p:nvSpPr>
+            <p:spPr>
+              <a:xfrm>
+                <a:off x="783861" y="4762320"/>
+                <a:ext cx="2273663" cy="400110"/>
+              </a:xfrm>
+              <a:prstGeom prst="rect">
+                <a:avLst/>
+              </a:prstGeom>
+              <a:noFill/>
+            </p:spPr>
+            <p:txBody>
+              <a:bodyPr wrap="square" rtlCol="0">
+                <a:spAutoFit/>
+              </a:bodyPr>
+              <a:lstStyle/>
+              <a:p>
+                <a:pPr algn="ctr"/>
+                <a14:m>
+                  <m:oMathPara xmlns:m="http://schemas.openxmlformats.org/officeDocument/2006/math">
+                    <m:oMathParaPr>
+                      <m:jc m:val="centerGroup"/>
+                    </m:oMathParaPr>
+                    <m:oMath xmlns:m="http://schemas.openxmlformats.org/officeDocument/2006/math">
+                      <m:sSub>
+                        <m:sSubPr>
+                          <m:ctrlPr>
+                            <a:rPr lang="en-US" sz="2000" i="1" smtClean="0">
+                              <a:solidFill>
+                                <a:srgbClr val="F4F3EE"/>
+                              </a:solidFill>
+                              <a:latin typeface="Cambria Math" panose="02040503050406030204" pitchFamily="18" charset="0"/>
+                            </a:rPr>
+                          </m:ctrlPr>
+                        </m:sSubPr>
+                        <m:e>
+                          <m:r>
+                            <a:rPr lang="en-US" sz="2000" i="1">
+                              <a:solidFill>
+                                <a:srgbClr val="F4F3EE"/>
+                              </a:solidFill>
+                              <a:latin typeface="Cambria Math" panose="02040503050406030204" pitchFamily="18" charset="0"/>
+                            </a:rPr>
+                            <m:t>𝐴</m:t>
+                          </m:r>
+                        </m:e>
+                        <m:sub>
+                          <m:r>
+                            <a:rPr lang="en-US" sz="2000" i="1">
+                              <a:solidFill>
+                                <a:srgbClr val="F4F3EE"/>
+                              </a:solidFill>
+                              <a:latin typeface="Cambria Math" panose="02040503050406030204" pitchFamily="18" charset="0"/>
+                            </a:rPr>
+                            <m:t>2</m:t>
+                          </m:r>
+                        </m:sub>
+                      </m:sSub>
+                      <m:r>
+                        <a:rPr lang="en-US" sz="2000" i="1">
+                          <a:solidFill>
+                            <a:srgbClr val="F4F3EE"/>
+                          </a:solidFill>
+                          <a:latin typeface="Cambria Math" panose="02040503050406030204" pitchFamily="18" charset="0"/>
+                        </a:rPr>
+                        <m:t> = </m:t>
+                      </m:r>
+                      <m:r>
+                        <a:rPr lang="en-US" sz="2000" i="1">
+                          <a:solidFill>
+                            <a:srgbClr val="F4F3EE"/>
+                          </a:solidFill>
+                          <a:latin typeface="Cambria Math" panose="02040503050406030204" pitchFamily="18" charset="0"/>
+                        </a:rPr>
+                        <m:t>𝑋</m:t>
+                      </m:r>
+                    </m:oMath>
+                  </m:oMathPara>
+                </a14:m>
+                <a:endParaRPr lang="en-US" sz="2000" dirty="0">
+                  <a:solidFill>
+                    <a:srgbClr val="F4F3EE"/>
+                  </a:solidFill>
+                </a:endParaRPr>
+              </a:p>
+            </p:txBody>
+          </p:sp>
+        </mc:Choice>
+        <mc:Fallback>
+          <p:sp>
+            <p:nvSpPr>
+              <p:cNvPr id="7" name="CasellaDiTesto 6">
+                <a:extLst>
+                  <a:ext uri="{FF2B5EF4-FFF2-40B4-BE49-F238E27FC236}">
+                    <a16:creationId xmlns:a16="http://schemas.microsoft.com/office/drawing/2014/main" id="{11A2C24B-5EFB-D32F-3A87-E631E93CDFFF}"/>
+                  </a:ext>
+                </a:extLst>
+              </p:cNvPr>
+              <p:cNvSpPr txBox="1">
+                <a:spLocks noRot="1" noChangeAspect="1" noMove="1" noResize="1" noEditPoints="1" noAdjustHandles="1" noChangeArrowheads="1" noChangeShapeType="1" noTextEdit="1"/>
+              </p:cNvSpPr>
+              <p:nvPr/>
+            </p:nvSpPr>
+            <p:spPr>
+              <a:xfrm>
+                <a:off x="783861" y="4762320"/>
+                <a:ext cx="2273663" cy="400110"/>
+              </a:xfrm>
+              <a:prstGeom prst="rect">
+                <a:avLst/>
+              </a:prstGeom>
+              <a:blipFill>
+                <a:blip r:embed="rId4"/>
+                <a:stretch>
+                  <a:fillRect/>
+                </a:stretch>
+              </a:blipFill>
+            </p:spPr>
+            <p:txBody>
+              <a:bodyPr/>
+              <a:lstStyle/>
+              <a:p>
+                <a:r>
+                  <a:rPr lang="it-IT">
+                    <a:noFill/>
+                  </a:rPr>
+                  <a:t> </a:t>
+                </a:r>
+              </a:p>
+            </p:txBody>
+          </p:sp>
+        </mc:Fallback>
+      </mc:AlternateContent>
+      <mc:AlternateContent xmlns:mc="http://schemas.openxmlformats.org/markup-compatibility/2006">
+        <mc:Choice xmlns:a14="http://schemas.microsoft.com/office/drawing/2010/main" Requires="a14">
+          <p:sp>
+            <p:nvSpPr>
+              <p:cNvPr id="8" name="CasellaDiTesto 7">
+                <a:extLst>
+                  <a:ext uri="{FF2B5EF4-FFF2-40B4-BE49-F238E27FC236}">
+                    <a16:creationId xmlns:a16="http://schemas.microsoft.com/office/drawing/2014/main" id="{C605799B-7D21-A848-7426-4E22EE93BD93}"/>
+                  </a:ext>
+                </a:extLst>
+              </p:cNvPr>
+              <p:cNvSpPr txBox="1"/>
+              <p:nvPr/>
+            </p:nvSpPr>
+            <p:spPr>
+              <a:xfrm>
+                <a:off x="3057524" y="3961272"/>
+                <a:ext cx="4696921" cy="726096"/>
+              </a:xfrm>
+              <a:prstGeom prst="rect">
+                <a:avLst/>
+              </a:prstGeom>
+              <a:noFill/>
+            </p:spPr>
+            <p:txBody>
+              <a:bodyPr wrap="square" rtlCol="0">
+                <a:spAutoFit/>
+              </a:bodyPr>
+              <a:lstStyle/>
+              <a:p>
+                <a:pPr algn="ctr"/>
+                <a14:m>
+                  <m:oMathPara xmlns:m="http://schemas.openxmlformats.org/officeDocument/2006/math">
+                    <m:oMathParaPr>
+                      <m:jc m:val="centerGroup"/>
+                    </m:oMathParaPr>
+                    <m:oMath xmlns:m="http://schemas.openxmlformats.org/officeDocument/2006/math">
+                      <m:sSub>
+                        <m:sSubPr>
+                          <m:ctrlPr>
+                            <a:rPr lang="en-US" sz="2000" i="1" smtClean="0">
+                              <a:solidFill>
+                                <a:srgbClr val="F4F3EE"/>
+                              </a:solidFill>
+                              <a:latin typeface="Cambria Math" panose="02040503050406030204" pitchFamily="18" charset="0"/>
+                            </a:rPr>
+                          </m:ctrlPr>
+                        </m:sSubPr>
+                        <m:e>
+                          <m:r>
+                            <a:rPr lang="en-US" sz="2000" i="1" smtClean="0">
+                              <a:solidFill>
+                                <a:srgbClr val="F4F3EE"/>
+                              </a:solidFill>
+                              <a:latin typeface="Cambria Math" panose="02040503050406030204" pitchFamily="18" charset="0"/>
+                            </a:rPr>
+                            <m:t>𝐵</m:t>
+                          </m:r>
+                        </m:e>
+                        <m:sub>
+                          <m:r>
+                            <a:rPr lang="en-US" sz="2000" i="1" smtClean="0">
+                              <a:solidFill>
+                                <a:srgbClr val="F4F3EE"/>
+                              </a:solidFill>
+                              <a:latin typeface="Cambria Math" panose="02040503050406030204" pitchFamily="18" charset="0"/>
+                            </a:rPr>
+                            <m:t>1</m:t>
+                          </m:r>
+                        </m:sub>
+                      </m:sSub>
+                      <m:r>
+                        <a:rPr lang="en-US" sz="2000" i="1" smtClean="0">
+                          <a:solidFill>
+                            <a:srgbClr val="F4F3EE"/>
+                          </a:solidFill>
+                          <a:latin typeface="Cambria Math" panose="02040503050406030204" pitchFamily="18" charset="0"/>
+                        </a:rPr>
+                        <m:t>=</m:t>
+                      </m:r>
+                      <m:f>
+                        <m:fPr>
+                          <m:ctrlPr>
+                            <a:rPr lang="it-IT" sz="2000" b="0" i="1" smtClean="0">
+                              <a:solidFill>
+                                <a:srgbClr val="F4F3EE"/>
+                              </a:solidFill>
+                              <a:latin typeface="Cambria Math" panose="02040503050406030204" pitchFamily="18" charset="0"/>
+                            </a:rPr>
+                          </m:ctrlPr>
+                        </m:fPr>
+                        <m:num>
+                          <m:r>
+                            <a:rPr lang="en-US" sz="2000" i="1" smtClean="0">
+                              <a:solidFill>
+                                <a:srgbClr val="F4F3EE"/>
+                              </a:solidFill>
+                              <a:latin typeface="Cambria Math" panose="02040503050406030204" pitchFamily="18" charset="0"/>
+                            </a:rPr>
+                            <m:t>𝑍</m:t>
+                          </m:r>
+                          <m:r>
+                            <a:rPr lang="en-US" sz="2000" i="1" smtClean="0">
+                              <a:solidFill>
+                                <a:srgbClr val="F4F3EE"/>
+                              </a:solidFill>
+                              <a:latin typeface="Cambria Math" panose="02040503050406030204" pitchFamily="18" charset="0"/>
+                            </a:rPr>
+                            <m:t>+</m:t>
+                          </m:r>
+                          <m:r>
+                            <a:rPr lang="en-US" sz="2000" i="1" smtClean="0">
+                              <a:solidFill>
+                                <a:srgbClr val="F4F3EE"/>
+                              </a:solidFill>
+                              <a:latin typeface="Cambria Math" panose="02040503050406030204" pitchFamily="18" charset="0"/>
+                            </a:rPr>
+                            <m:t>𝑋</m:t>
+                          </m:r>
+                        </m:num>
+                        <m:den>
+                          <m:rad>
+                            <m:radPr>
+                              <m:degHide m:val="on"/>
+                              <m:ctrlPr>
+                                <a:rPr lang="it-IT" sz="2000" b="0" i="1" smtClean="0">
+                                  <a:solidFill>
+                                    <a:srgbClr val="F4F3EE"/>
+                                  </a:solidFill>
+                                  <a:latin typeface="Cambria Math" panose="02040503050406030204" pitchFamily="18" charset="0"/>
+                                </a:rPr>
+                              </m:ctrlPr>
+                            </m:radPr>
+                            <m:deg/>
+                            <m:e>
+                              <m:r>
+                                <a:rPr lang="it-IT" sz="2000" b="0" i="1" smtClean="0">
+                                  <a:solidFill>
+                                    <a:srgbClr val="F4F3EE"/>
+                                  </a:solidFill>
+                                  <a:latin typeface="Cambria Math" panose="02040503050406030204" pitchFamily="18" charset="0"/>
+                                </a:rPr>
+                                <m:t>2</m:t>
+                              </m:r>
+                            </m:e>
+                          </m:rad>
+                        </m:den>
+                      </m:f>
+                    </m:oMath>
+                  </m:oMathPara>
+                </a14:m>
+                <a:endParaRPr lang="en-US" sz="2000" dirty="0">
+                  <a:solidFill>
+                    <a:srgbClr val="F4F3EE"/>
+                  </a:solidFill>
+                </a:endParaRPr>
+              </a:p>
+            </p:txBody>
+          </p:sp>
+        </mc:Choice>
+        <mc:Fallback>
+          <p:sp>
+            <p:nvSpPr>
+              <p:cNvPr id="8" name="CasellaDiTesto 7">
+                <a:extLst>
+                  <a:ext uri="{FF2B5EF4-FFF2-40B4-BE49-F238E27FC236}">
+                    <a16:creationId xmlns:a16="http://schemas.microsoft.com/office/drawing/2014/main" id="{C605799B-7D21-A848-7426-4E22EE93BD93}"/>
+                  </a:ext>
+                </a:extLst>
+              </p:cNvPr>
+              <p:cNvSpPr txBox="1">
+                <a:spLocks noRot="1" noChangeAspect="1" noMove="1" noResize="1" noEditPoints="1" noAdjustHandles="1" noChangeArrowheads="1" noChangeShapeType="1" noTextEdit="1"/>
+              </p:cNvSpPr>
+              <p:nvPr/>
+            </p:nvSpPr>
+            <p:spPr>
+              <a:xfrm>
+                <a:off x="3057524" y="3961272"/>
+                <a:ext cx="4696921" cy="726096"/>
+              </a:xfrm>
+              <a:prstGeom prst="rect">
+                <a:avLst/>
+              </a:prstGeom>
+              <a:blipFill>
+                <a:blip r:embed="rId5"/>
+                <a:stretch>
+                  <a:fillRect/>
+                </a:stretch>
+              </a:blipFill>
+            </p:spPr>
+            <p:txBody>
+              <a:bodyPr/>
+              <a:lstStyle/>
+              <a:p>
+                <a:r>
+                  <a:rPr lang="it-IT">
+                    <a:noFill/>
+                  </a:rPr>
+                  <a:t> </a:t>
+                </a:r>
+              </a:p>
+            </p:txBody>
+          </p:sp>
+        </mc:Fallback>
+      </mc:AlternateContent>
+      <mc:AlternateContent xmlns:mc="http://schemas.openxmlformats.org/markup-compatibility/2006">
+        <mc:Choice xmlns:a14="http://schemas.microsoft.com/office/drawing/2010/main" Requires="a14">
+          <p:sp>
+            <p:nvSpPr>
+              <p:cNvPr id="9" name="CasellaDiTesto 8">
+                <a:extLst>
+                  <a:ext uri="{FF2B5EF4-FFF2-40B4-BE49-F238E27FC236}">
+                    <a16:creationId xmlns:a16="http://schemas.microsoft.com/office/drawing/2014/main" id="{14661371-B9A4-116F-BA24-76BC1AF3F834}"/>
+                  </a:ext>
+                </a:extLst>
+              </p:cNvPr>
+              <p:cNvSpPr txBox="1"/>
+              <p:nvPr/>
+            </p:nvSpPr>
+            <p:spPr>
+              <a:xfrm>
+                <a:off x="3057523" y="4687368"/>
+                <a:ext cx="4696921" cy="726096"/>
+              </a:xfrm>
+              <a:prstGeom prst="rect">
+                <a:avLst/>
+              </a:prstGeom>
+              <a:noFill/>
+            </p:spPr>
+            <p:txBody>
+              <a:bodyPr wrap="square" rtlCol="0">
+                <a:spAutoFit/>
+              </a:bodyPr>
+              <a:lstStyle/>
+              <a:p>
+                <a:pPr algn="ctr"/>
+                <a14:m>
+                  <m:oMathPara xmlns:m="http://schemas.openxmlformats.org/officeDocument/2006/math">
+                    <m:oMathParaPr>
+                      <m:jc m:val="centerGroup"/>
+                    </m:oMathParaPr>
+                    <m:oMath xmlns:m="http://schemas.openxmlformats.org/officeDocument/2006/math">
+                      <m:sSub>
+                        <m:sSubPr>
+                          <m:ctrlPr>
+                            <a:rPr lang="en-US" sz="2000" i="1" smtClean="0">
+                              <a:solidFill>
+                                <a:srgbClr val="F4F3EE"/>
+                              </a:solidFill>
+                              <a:latin typeface="Cambria Math" panose="02040503050406030204" pitchFamily="18" charset="0"/>
+                            </a:rPr>
+                          </m:ctrlPr>
+                        </m:sSubPr>
+                        <m:e>
+                          <m:r>
+                            <a:rPr lang="en-US" sz="2000" i="1" smtClean="0">
+                              <a:solidFill>
+                                <a:srgbClr val="F4F3EE"/>
+                              </a:solidFill>
+                              <a:latin typeface="Cambria Math" panose="02040503050406030204" pitchFamily="18" charset="0"/>
+                            </a:rPr>
+                            <m:t>𝐵</m:t>
+                          </m:r>
+                        </m:e>
+                        <m:sub>
+                          <m:r>
+                            <a:rPr lang="it-IT" sz="2000" b="0" i="1" smtClean="0">
+                              <a:solidFill>
+                                <a:srgbClr val="F4F3EE"/>
+                              </a:solidFill>
+                              <a:latin typeface="Cambria Math" panose="02040503050406030204" pitchFamily="18" charset="0"/>
+                            </a:rPr>
+                            <m:t>2</m:t>
+                          </m:r>
+                        </m:sub>
+                      </m:sSub>
+                      <m:r>
+                        <a:rPr lang="en-US" sz="2000" i="1" smtClean="0">
+                          <a:solidFill>
+                            <a:srgbClr val="F4F3EE"/>
+                          </a:solidFill>
+                          <a:latin typeface="Cambria Math" panose="02040503050406030204" pitchFamily="18" charset="0"/>
+                        </a:rPr>
+                        <m:t>=</m:t>
+                      </m:r>
+                      <m:f>
+                        <m:fPr>
+                          <m:ctrlPr>
+                            <a:rPr lang="it-IT" sz="2000" b="0" i="1" smtClean="0">
+                              <a:solidFill>
+                                <a:srgbClr val="F4F3EE"/>
+                              </a:solidFill>
+                              <a:latin typeface="Cambria Math" panose="02040503050406030204" pitchFamily="18" charset="0"/>
+                            </a:rPr>
+                          </m:ctrlPr>
+                        </m:fPr>
+                        <m:num>
+                          <m:r>
+                            <a:rPr lang="en-US" sz="2000" i="1" smtClean="0">
+                              <a:solidFill>
+                                <a:srgbClr val="F4F3EE"/>
+                              </a:solidFill>
+                              <a:latin typeface="Cambria Math" panose="02040503050406030204" pitchFamily="18" charset="0"/>
+                            </a:rPr>
+                            <m:t>𝑍</m:t>
+                          </m:r>
+                          <m:r>
+                            <a:rPr lang="it-IT" sz="2000" b="0" i="1" smtClean="0">
+                              <a:solidFill>
+                                <a:srgbClr val="F4F3EE"/>
+                              </a:solidFill>
+                              <a:latin typeface="Cambria Math" panose="02040503050406030204" pitchFamily="18" charset="0"/>
+                            </a:rPr>
+                            <m:t>−</m:t>
+                          </m:r>
+                          <m:r>
+                            <a:rPr lang="en-US" sz="2000" i="1" smtClean="0">
+                              <a:solidFill>
+                                <a:srgbClr val="F4F3EE"/>
+                              </a:solidFill>
+                              <a:latin typeface="Cambria Math" panose="02040503050406030204" pitchFamily="18" charset="0"/>
+                            </a:rPr>
+                            <m:t>𝑋</m:t>
+                          </m:r>
+                        </m:num>
+                        <m:den>
+                          <m:rad>
+                            <m:radPr>
+                              <m:degHide m:val="on"/>
+                              <m:ctrlPr>
+                                <a:rPr lang="it-IT" sz="2000" b="0" i="1" smtClean="0">
+                                  <a:solidFill>
+                                    <a:srgbClr val="F4F3EE"/>
+                                  </a:solidFill>
+                                  <a:latin typeface="Cambria Math" panose="02040503050406030204" pitchFamily="18" charset="0"/>
+                                </a:rPr>
+                              </m:ctrlPr>
+                            </m:radPr>
+                            <m:deg/>
+                            <m:e>
+                              <m:r>
+                                <a:rPr lang="it-IT" sz="2000" b="0" i="1" smtClean="0">
+                                  <a:solidFill>
+                                    <a:srgbClr val="F4F3EE"/>
+                                  </a:solidFill>
+                                  <a:latin typeface="Cambria Math" panose="02040503050406030204" pitchFamily="18" charset="0"/>
+                                </a:rPr>
+                                <m:t>2</m:t>
+                              </m:r>
+                            </m:e>
+                          </m:rad>
+                        </m:den>
+                      </m:f>
+                    </m:oMath>
+                  </m:oMathPara>
+                </a14:m>
+                <a:endParaRPr lang="en-US" sz="2000" dirty="0">
+                  <a:solidFill>
+                    <a:srgbClr val="F4F3EE"/>
+                  </a:solidFill>
+                </a:endParaRPr>
+              </a:p>
+            </p:txBody>
+          </p:sp>
+        </mc:Choice>
+        <mc:Fallback>
+          <p:sp>
+            <p:nvSpPr>
+              <p:cNvPr id="9" name="CasellaDiTesto 8">
+                <a:extLst>
+                  <a:ext uri="{FF2B5EF4-FFF2-40B4-BE49-F238E27FC236}">
+                    <a16:creationId xmlns:a16="http://schemas.microsoft.com/office/drawing/2014/main" id="{14661371-B9A4-116F-BA24-76BC1AF3F834}"/>
+                  </a:ext>
+                </a:extLst>
+              </p:cNvPr>
+              <p:cNvSpPr txBox="1">
+                <a:spLocks noRot="1" noChangeAspect="1" noMove="1" noResize="1" noEditPoints="1" noAdjustHandles="1" noChangeArrowheads="1" noChangeShapeType="1" noTextEdit="1"/>
+              </p:cNvSpPr>
+              <p:nvPr/>
+            </p:nvSpPr>
+            <p:spPr>
+              <a:xfrm>
+                <a:off x="3057523" y="4687368"/>
+                <a:ext cx="4696921" cy="726096"/>
+              </a:xfrm>
+              <a:prstGeom prst="rect">
+                <a:avLst/>
+              </a:prstGeom>
+              <a:blipFill>
+                <a:blip r:embed="rId6"/>
+                <a:stretch>
+                  <a:fillRect/>
+                </a:stretch>
+              </a:blipFill>
+            </p:spPr>
+            <p:txBody>
+              <a:bodyPr/>
+              <a:lstStyle/>
+              <a:p>
+                <a:r>
+                  <a:rPr lang="it-IT">
+                    <a:noFill/>
+                  </a:rPr>
+                  <a:t> </a:t>
+                </a:r>
+              </a:p>
+            </p:txBody>
+          </p:sp>
+        </mc:Fallback>
+      </mc:AlternateContent>
     </p:spTree>
     <p:extLst>
       <p:ext uri="{BB962C8B-B14F-4D97-AF65-F5344CB8AC3E}">
@@ -9911,7 +16231,7 @@
 </p:sld>
 </file>
 
-<file path=ppt/slides/slide5.xml><?xml version="1.0" encoding="utf-8"?>
+<file path=ppt/slides/slide6.xml><?xml version="1.0" encoding="utf-8"?>
 <p:sld xmlns:a="http://schemas.openxmlformats.org/drawingml/2006/main" xmlns:r="http://schemas.openxmlformats.org/officeDocument/2006/relationships" xmlns:p="http://schemas.openxmlformats.org/presentationml/2006/main">
   <p:cSld>
     <p:bg>
@@ -10056,7 +16376,7 @@
 </p:sld>
 </file>
 
-<file path=ppt/slides/slide6.xml><?xml version="1.0" encoding="utf-8"?>
+<file path=ppt/slides/slide7.xml><?xml version="1.0" encoding="utf-8"?>
 <p:sld xmlns:a="http://schemas.openxmlformats.org/drawingml/2006/main" xmlns:r="http://schemas.openxmlformats.org/officeDocument/2006/relationships" xmlns:p="http://schemas.openxmlformats.org/presentationml/2006/main">
   <p:cSld>
     <p:bg>
@@ -10188,144 +16508,499 @@
           </a:p>
         </p:txBody>
       </p:sp>
+      <mc:AlternateContent xmlns:mc="http://schemas.openxmlformats.org/markup-compatibility/2006">
+        <mc:Choice xmlns:a14="http://schemas.microsoft.com/office/drawing/2010/main" Requires="a14">
+          <p:sp>
+            <p:nvSpPr>
+              <p:cNvPr id="3" name="CasellaDiTesto 2">
+                <a:extLst>
+                  <a:ext uri="{FF2B5EF4-FFF2-40B4-BE49-F238E27FC236}">
+                    <a16:creationId xmlns:a16="http://schemas.microsoft.com/office/drawing/2014/main" id="{3A16E62F-19E7-61BC-4D5D-B3DD68CA0AC0}"/>
+                  </a:ext>
+                </a:extLst>
+              </p:cNvPr>
+              <p:cNvSpPr txBox="1"/>
+              <p:nvPr/>
+            </p:nvSpPr>
+            <p:spPr>
+              <a:xfrm>
+                <a:off x="1411406" y="4186116"/>
+                <a:ext cx="10028119" cy="668516"/>
+              </a:xfrm>
+              <a:prstGeom prst="rect">
+                <a:avLst/>
+              </a:prstGeom>
+              <a:noFill/>
+            </p:spPr>
+            <p:txBody>
+              <a:bodyPr wrap="square" rtlCol="0">
+                <a:spAutoFit/>
+              </a:bodyPr>
+              <a:lstStyle/>
+              <a:p>
+                <a:pPr algn="ctr"/>
+                <a14:m>
+                  <m:oMathPara xmlns:m="http://schemas.openxmlformats.org/officeDocument/2006/math">
+                    <m:oMathParaPr>
+                      <m:jc m:val="centerGroup"/>
+                    </m:oMathParaPr>
+                    <m:oMath xmlns:m="http://schemas.openxmlformats.org/officeDocument/2006/math">
+                      <m:r>
+                        <a:rPr lang="it-IT" sz="2000" i="1" smtClean="0">
+                          <a:solidFill>
+                            <a:srgbClr val="F4F3EE"/>
+                          </a:solidFill>
+                          <a:latin typeface="Cambria Math" panose="02040503050406030204" pitchFamily="18" charset="0"/>
+                        </a:rPr>
+                        <m:t>𝑤</m:t>
+                      </m:r>
+                      <m:r>
+                        <a:rPr lang="it-IT" sz="2000" b="0" i="1" smtClean="0">
+                          <a:solidFill>
+                            <a:srgbClr val="F4F3EE"/>
+                          </a:solidFill>
+                          <a:latin typeface="Cambria Math" panose="02040503050406030204" pitchFamily="18" charset="0"/>
+                        </a:rPr>
+                        <m:t>⋅</m:t>
+                      </m:r>
+                      <m:d>
+                        <m:dPr>
+                          <m:begChr m:val="|"/>
+                          <m:endChr m:val="⟩"/>
+                          <m:ctrlPr>
+                            <a:rPr lang="it-IT" sz="2000" b="0" i="1" smtClean="0">
+                              <a:solidFill>
+                                <a:srgbClr val="F4F3EE"/>
+                              </a:solidFill>
+                              <a:latin typeface="Cambria Math" panose="02040503050406030204" pitchFamily="18" charset="0"/>
+                            </a:rPr>
+                          </m:ctrlPr>
+                        </m:dPr>
+                        <m:e>
+                          <m:sSup>
+                            <m:sSupPr>
+                              <m:ctrlPr>
+                                <a:rPr lang="it-IT" sz="2000" b="0" i="1" smtClean="0">
+                                  <a:solidFill>
+                                    <a:srgbClr val="F4F3EE"/>
+                                  </a:solidFill>
+                                  <a:latin typeface="Cambria Math" panose="02040503050406030204" pitchFamily="18" charset="0"/>
+                                </a:rPr>
+                              </m:ctrlPr>
+                            </m:sSupPr>
+                            <m:e>
+                              <m:r>
+                                <a:rPr lang="it-IT" sz="2000" i="1" smtClean="0">
+                                  <a:solidFill>
+                                    <a:srgbClr val="F4F3EE"/>
+                                  </a:solidFill>
+                                  <a:latin typeface="Cambria Math" panose="02040503050406030204" pitchFamily="18" charset="0"/>
+                                </a:rPr>
+                                <m:t>𝜓</m:t>
+                              </m:r>
+                            </m:e>
+                            <m:sup>
+                              <m:r>
+                                <a:rPr lang="it-IT" sz="2000" b="0" i="1" smtClean="0">
+                                  <a:solidFill>
+                                    <a:srgbClr val="F4F3EE"/>
+                                  </a:solidFill>
+                                  <a:latin typeface="Cambria Math" panose="02040503050406030204" pitchFamily="18" charset="0"/>
+                                </a:rPr>
+                                <m:t>−</m:t>
+                              </m:r>
+                            </m:sup>
+                          </m:sSup>
+                        </m:e>
+                      </m:d>
+                      <m:d>
+                        <m:dPr>
+                          <m:begChr m:val="⟨"/>
+                          <m:endChr m:val="|"/>
+                          <m:ctrlPr>
+                            <a:rPr lang="it-IT" sz="2000" b="0" i="1" smtClean="0">
+                              <a:solidFill>
+                                <a:srgbClr val="F4F3EE"/>
+                              </a:solidFill>
+                              <a:latin typeface="Cambria Math" panose="02040503050406030204" pitchFamily="18" charset="0"/>
+                            </a:rPr>
+                          </m:ctrlPr>
+                        </m:dPr>
+                        <m:e>
+                          <m:sSup>
+                            <m:sSupPr>
+                              <m:ctrlPr>
+                                <a:rPr lang="it-IT" sz="2000" b="0" i="1" smtClean="0">
+                                  <a:solidFill>
+                                    <a:srgbClr val="F4F3EE"/>
+                                  </a:solidFill>
+                                  <a:latin typeface="Cambria Math" panose="02040503050406030204" pitchFamily="18" charset="0"/>
+                                </a:rPr>
+                              </m:ctrlPr>
+                            </m:sSupPr>
+                            <m:e>
+                              <m:r>
+                                <a:rPr lang="it-IT" sz="2000" b="0" i="1" smtClean="0">
+                                  <a:solidFill>
+                                    <a:srgbClr val="F4F3EE"/>
+                                  </a:solidFill>
+                                  <a:latin typeface="Cambria Math" panose="02040503050406030204" pitchFamily="18" charset="0"/>
+                                </a:rPr>
+                                <m:t>𝜓</m:t>
+                              </m:r>
+                            </m:e>
+                            <m:sup>
+                              <m:r>
+                                <a:rPr lang="it-IT" sz="2000" b="0" i="1" smtClean="0">
+                                  <a:solidFill>
+                                    <a:srgbClr val="F4F3EE"/>
+                                  </a:solidFill>
+                                  <a:latin typeface="Cambria Math" panose="02040503050406030204" pitchFamily="18" charset="0"/>
+                                </a:rPr>
+                                <m:t>−</m:t>
+                              </m:r>
+                            </m:sup>
+                          </m:sSup>
+                        </m:e>
+                      </m:d>
+                      <m:r>
+                        <a:rPr lang="it-IT" sz="2000" b="0" i="1" smtClean="0">
+                          <a:solidFill>
+                            <a:srgbClr val="F4F3EE"/>
+                          </a:solidFill>
+                          <a:latin typeface="Cambria Math" panose="02040503050406030204" pitchFamily="18" charset="0"/>
+                        </a:rPr>
+                        <m:t> </m:t>
+                      </m:r>
+                      <m:r>
+                        <a:rPr lang="it-IT" sz="2000" i="1">
+                          <a:solidFill>
+                            <a:srgbClr val="F4F3EE"/>
+                          </a:solidFill>
+                          <a:latin typeface="Cambria Math" panose="02040503050406030204" pitchFamily="18" charset="0"/>
+                        </a:rPr>
+                        <m:t>+</m:t>
+                      </m:r>
+                      <m:r>
+                        <a:rPr lang="it-IT" sz="2000" b="0" i="1" smtClean="0">
+                          <a:solidFill>
+                            <a:srgbClr val="F4F3EE"/>
+                          </a:solidFill>
+                          <a:latin typeface="Cambria Math" panose="02040503050406030204" pitchFamily="18" charset="0"/>
+                        </a:rPr>
+                        <m:t> </m:t>
+                      </m:r>
+                      <m:f>
+                        <m:fPr>
+                          <m:ctrlPr>
+                            <a:rPr lang="it-IT" sz="2000" i="1" smtClean="0">
+                              <a:solidFill>
+                                <a:srgbClr val="F4F3EE"/>
+                              </a:solidFill>
+                              <a:latin typeface="Cambria Math" panose="02040503050406030204" pitchFamily="18" charset="0"/>
+                            </a:rPr>
+                          </m:ctrlPr>
+                        </m:fPr>
+                        <m:num>
+                          <m:r>
+                            <a:rPr lang="it-IT" sz="2000" b="0" i="1" smtClean="0">
+                              <a:solidFill>
+                                <a:srgbClr val="F4F3EE"/>
+                              </a:solidFill>
+                              <a:latin typeface="Cambria Math" panose="02040503050406030204" pitchFamily="18" charset="0"/>
+                            </a:rPr>
+                            <m:t>1−</m:t>
+                          </m:r>
+                          <m:r>
+                            <a:rPr lang="it-IT" sz="2000" b="0" i="1" smtClean="0">
+                              <a:solidFill>
+                                <a:srgbClr val="F4F3EE"/>
+                              </a:solidFill>
+                              <a:latin typeface="Cambria Math" panose="02040503050406030204" pitchFamily="18" charset="0"/>
+                            </a:rPr>
+                            <m:t>𝑤</m:t>
+                          </m:r>
+                        </m:num>
+                        <m:den>
+                          <m:r>
+                            <a:rPr lang="it-IT" sz="2000" b="0" i="1" smtClean="0">
+                              <a:solidFill>
+                                <a:srgbClr val="F4F3EE"/>
+                              </a:solidFill>
+                              <a:latin typeface="Cambria Math" panose="02040503050406030204" pitchFamily="18" charset="0"/>
+                            </a:rPr>
+                            <m:t>4</m:t>
+                          </m:r>
+                        </m:den>
+                      </m:f>
+                      <m:r>
+                        <a:rPr lang="it-IT" sz="2000" b="0" i="1" smtClean="0">
+                          <a:solidFill>
+                            <a:srgbClr val="F4F3EE"/>
+                          </a:solidFill>
+                          <a:latin typeface="Cambria Math" panose="02040503050406030204" pitchFamily="18" charset="0"/>
+                        </a:rPr>
+                        <m:t>⋅</m:t>
+                      </m:r>
+                      <m:r>
+                        <a:rPr lang="it-IT" sz="2000" i="1">
+                          <a:solidFill>
+                            <a:srgbClr val="F4F3EE"/>
+                          </a:solidFill>
+                          <a:latin typeface="Cambria Math" panose="02040503050406030204" pitchFamily="18" charset="0"/>
+                        </a:rPr>
+                        <m:t>𝐼</m:t>
+                      </m:r>
+                    </m:oMath>
+                  </m:oMathPara>
+                </a14:m>
+                <a:endParaRPr lang="en-US" sz="2000" dirty="0">
+                  <a:solidFill>
+                    <a:srgbClr val="F4F3EE"/>
+                  </a:solidFill>
+                </a:endParaRPr>
+              </a:p>
+            </p:txBody>
+          </p:sp>
+        </mc:Choice>
+        <mc:Fallback>
+          <p:sp>
+            <p:nvSpPr>
+              <p:cNvPr id="3" name="CasellaDiTesto 2">
+                <a:extLst>
+                  <a:ext uri="{FF2B5EF4-FFF2-40B4-BE49-F238E27FC236}">
+                    <a16:creationId xmlns:a16="http://schemas.microsoft.com/office/drawing/2014/main" id="{3A16E62F-19E7-61BC-4D5D-B3DD68CA0AC0}"/>
+                  </a:ext>
+                </a:extLst>
+              </p:cNvPr>
+              <p:cNvSpPr txBox="1">
+                <a:spLocks noRot="1" noChangeAspect="1" noMove="1" noResize="1" noEditPoints="1" noAdjustHandles="1" noChangeArrowheads="1" noChangeShapeType="1" noTextEdit="1"/>
+              </p:cNvSpPr>
+              <p:nvPr/>
+            </p:nvSpPr>
+            <p:spPr>
+              <a:xfrm>
+                <a:off x="1411406" y="4186116"/>
+                <a:ext cx="10028119" cy="668516"/>
+              </a:xfrm>
+              <a:prstGeom prst="rect">
+                <a:avLst/>
+              </a:prstGeom>
+              <a:blipFill>
+                <a:blip r:embed="rId2"/>
+                <a:stretch>
+                  <a:fillRect/>
+                </a:stretch>
+              </a:blipFill>
+            </p:spPr>
+            <p:txBody>
+              <a:bodyPr/>
+              <a:lstStyle/>
+              <a:p>
+                <a:r>
+                  <a:rPr lang="it-IT">
+                    <a:noFill/>
+                  </a:rPr>
+                  <a:t> </a:t>
+                </a:r>
+              </a:p>
+            </p:txBody>
+          </p:sp>
+        </mc:Fallback>
+      </mc:AlternateContent>
+      <mc:AlternateContent xmlns:mc="http://schemas.openxmlformats.org/markup-compatibility/2006">
+        <mc:Choice xmlns:a14="http://schemas.microsoft.com/office/drawing/2010/main" Requires="a14">
+          <p:sp>
+            <p:nvSpPr>
+              <p:cNvPr id="6" name="CasellaDiTesto 5">
+                <a:extLst>
+                  <a:ext uri="{FF2B5EF4-FFF2-40B4-BE49-F238E27FC236}">
+                    <a16:creationId xmlns:a16="http://schemas.microsoft.com/office/drawing/2014/main" id="{EAE9A4D3-F4C3-BA4F-DB4F-E3270CF89854}"/>
+                  </a:ext>
+                </a:extLst>
+              </p:cNvPr>
+              <p:cNvSpPr txBox="1"/>
+              <p:nvPr/>
+            </p:nvSpPr>
+            <p:spPr>
+              <a:xfrm>
+                <a:off x="1081939" y="5338641"/>
+                <a:ext cx="10028119" cy="729302"/>
+              </a:xfrm>
+              <a:prstGeom prst="rect">
+                <a:avLst/>
+              </a:prstGeom>
+              <a:noFill/>
+            </p:spPr>
+            <p:txBody>
+              <a:bodyPr wrap="square" rtlCol="0">
+                <a:spAutoFit/>
+              </a:bodyPr>
+              <a:lstStyle/>
+              <a:p>
+                <a:pPr algn="ctr"/>
+                <a14:m>
+                  <m:oMathPara xmlns:m="http://schemas.openxmlformats.org/officeDocument/2006/math">
+                    <m:oMathParaPr>
+                      <m:jc m:val="centerGroup"/>
+                    </m:oMathParaPr>
+                    <m:oMath xmlns:m="http://schemas.openxmlformats.org/officeDocument/2006/math">
+                      <m:sSub>
+                        <m:sSubPr>
+                          <m:ctrlPr>
+                            <a:rPr lang="it-IT" sz="2000" b="0" i="1" smtClean="0">
+                              <a:solidFill>
+                                <a:srgbClr val="F4F3EE"/>
+                              </a:solidFill>
+                              <a:latin typeface="Cambria Math" panose="02040503050406030204" pitchFamily="18" charset="0"/>
+                            </a:rPr>
+                          </m:ctrlPr>
+                        </m:sSubPr>
+                        <m:e>
+                          <m:r>
+                            <a:rPr lang="it-IT" sz="2000" i="1" smtClean="0">
+                              <a:solidFill>
+                                <a:srgbClr val="F4F3EE"/>
+                              </a:solidFill>
+                              <a:latin typeface="Cambria Math" panose="02040503050406030204" pitchFamily="18" charset="0"/>
+                            </a:rPr>
+                            <m:t>𝑅</m:t>
+                          </m:r>
+                        </m:e>
+                        <m:sub>
+                          <m:r>
+                            <a:rPr lang="it-IT" sz="2000" b="0" i="1" smtClean="0">
+                              <a:solidFill>
+                                <a:srgbClr val="F4F3EE"/>
+                              </a:solidFill>
+                              <a:latin typeface="Cambria Math" panose="02040503050406030204" pitchFamily="18" charset="0"/>
+                            </a:rPr>
+                            <m:t>𝑚𝑖𝑠</m:t>
+                          </m:r>
+                        </m:sub>
+                      </m:sSub>
+                      <m:r>
+                        <a:rPr lang="it-IT" sz="2000" b="0" i="1" smtClean="0">
+                          <a:solidFill>
+                            <a:srgbClr val="F4F3EE"/>
+                          </a:solidFill>
+                          <a:latin typeface="Cambria Math" panose="02040503050406030204" pitchFamily="18" charset="0"/>
+                        </a:rPr>
+                        <m:t>=</m:t>
+                      </m:r>
+                      <m:f>
+                        <m:fPr>
+                          <m:ctrlPr>
+                            <a:rPr lang="it-IT" sz="2000" b="0" i="1" smtClean="0">
+                              <a:solidFill>
+                                <a:srgbClr val="F4F3EE"/>
+                              </a:solidFill>
+                              <a:latin typeface="Cambria Math" panose="02040503050406030204" pitchFamily="18" charset="0"/>
+                            </a:rPr>
+                          </m:ctrlPr>
+                        </m:fPr>
+                        <m:num>
+                          <m:r>
+                            <a:rPr lang="it-IT" sz="2000" b="0" i="1" smtClean="0">
+                              <a:solidFill>
+                                <a:srgbClr val="F4F3EE"/>
+                              </a:solidFill>
+                              <a:latin typeface="Cambria Math" panose="02040503050406030204" pitchFamily="18" charset="0"/>
+                            </a:rPr>
+                            <m:t>#</m:t>
+                          </m:r>
+                          <m:r>
+                            <a:rPr lang="it-IT" sz="2000" b="0" i="1" smtClean="0">
+                              <a:solidFill>
+                                <a:srgbClr val="F4F3EE"/>
+                              </a:solidFill>
+                              <a:latin typeface="Cambria Math" panose="02040503050406030204" pitchFamily="18" charset="0"/>
+                            </a:rPr>
+                            <m:t>𝑚𝑖𝑠𝑚𝑎𝑡𝑐h𝑒𝑑𝑏𝑖𝑡𝑠</m:t>
+                          </m:r>
+                        </m:num>
+                        <m:den>
+                          <m:r>
+                            <a:rPr lang="it-IT" sz="2000" b="0" i="1" smtClean="0">
+                              <a:solidFill>
+                                <a:srgbClr val="F4F3EE"/>
+                              </a:solidFill>
+                              <a:latin typeface="Cambria Math" panose="02040503050406030204" pitchFamily="18" charset="0"/>
+                            </a:rPr>
+                            <m:t>𝑡𝑜𝑡𝑎𝑙𝑘𝑒𝑦𝑙𝑒𝑛𝑔𝑡h</m:t>
+                          </m:r>
+                          <m:r>
+                            <a:rPr lang="it-IT" sz="2000" b="0" i="1" smtClean="0">
+                              <a:solidFill>
+                                <a:srgbClr val="F4F3EE"/>
+                              </a:solidFill>
+                              <a:latin typeface="Cambria Math" panose="02040503050406030204" pitchFamily="18" charset="0"/>
+                            </a:rPr>
+                            <m:t> </m:t>
+                          </m:r>
+                        </m:den>
+                      </m:f>
+                    </m:oMath>
+                  </m:oMathPara>
+                </a14:m>
+                <a:endParaRPr lang="en-US" sz="2000" dirty="0">
+                  <a:solidFill>
+                    <a:srgbClr val="F4F3EE"/>
+                  </a:solidFill>
+                </a:endParaRPr>
+              </a:p>
+            </p:txBody>
+          </p:sp>
+        </mc:Choice>
+        <mc:Fallback>
+          <p:sp>
+            <p:nvSpPr>
+              <p:cNvPr id="6" name="CasellaDiTesto 5">
+                <a:extLst>
+                  <a:ext uri="{FF2B5EF4-FFF2-40B4-BE49-F238E27FC236}">
+                    <a16:creationId xmlns:a16="http://schemas.microsoft.com/office/drawing/2014/main" id="{EAE9A4D3-F4C3-BA4F-DB4F-E3270CF89854}"/>
+                  </a:ext>
+                </a:extLst>
+              </p:cNvPr>
+              <p:cNvSpPr txBox="1">
+                <a:spLocks noRot="1" noChangeAspect="1" noMove="1" noResize="1" noEditPoints="1" noAdjustHandles="1" noChangeArrowheads="1" noChangeShapeType="1" noTextEdit="1"/>
+              </p:cNvSpPr>
+              <p:nvPr/>
+            </p:nvSpPr>
+            <p:spPr>
+              <a:xfrm>
+                <a:off x="1081939" y="5338641"/>
+                <a:ext cx="10028119" cy="729302"/>
+              </a:xfrm>
+              <a:prstGeom prst="rect">
+                <a:avLst/>
+              </a:prstGeom>
+              <a:blipFill>
+                <a:blip r:embed="rId3"/>
+                <a:stretch>
+                  <a:fillRect/>
+                </a:stretch>
+              </a:blipFill>
+            </p:spPr>
+            <p:txBody>
+              <a:bodyPr/>
+              <a:lstStyle/>
+              <a:p>
+                <a:r>
+                  <a:rPr lang="it-IT">
+                    <a:noFill/>
+                  </a:rPr>
+                  <a:t> </a:t>
+                </a:r>
+              </a:p>
+            </p:txBody>
+          </p:sp>
+        </mc:Fallback>
+      </mc:AlternateContent>
     </p:spTree>
     <p:extLst>
       <p:ext uri="{BB962C8B-B14F-4D97-AF65-F5344CB8AC3E}">
         <p14:creationId xmlns:p14="http://schemas.microsoft.com/office/powerpoint/2010/main" val="3708494984"/>
-      </p:ext>
-    </p:extLst>
-  </p:cSld>
-  <p:clrMapOvr>
-    <a:masterClrMapping/>
-  </p:clrMapOvr>
-</p:sld>
-</file>
-
-<file path=ppt/slides/slide7.xml><?xml version="1.0" encoding="utf-8"?>
-<p:sld xmlns:a="http://schemas.openxmlformats.org/drawingml/2006/main" xmlns:r="http://schemas.openxmlformats.org/officeDocument/2006/relationships" xmlns:p="http://schemas.openxmlformats.org/presentationml/2006/main">
-  <p:cSld>
-    <p:bg>
-      <p:bgPr>
-        <a:solidFill>
-          <a:srgbClr val="463F3A"/>
-        </a:solidFill>
-        <a:effectLst/>
-      </p:bgPr>
-    </p:bg>
-    <p:spTree>
-      <p:nvGrpSpPr>
-        <p:cNvPr id="1" name="">
-          <a:extLst>
-            <a:ext uri="{FF2B5EF4-FFF2-40B4-BE49-F238E27FC236}">
-              <a16:creationId xmlns:a16="http://schemas.microsoft.com/office/drawing/2014/main" id="{BFF32CE1-18C4-C494-13D1-032D1668DD33}"/>
-            </a:ext>
-          </a:extLst>
-        </p:cNvPr>
-        <p:cNvGrpSpPr/>
-        <p:nvPr/>
-      </p:nvGrpSpPr>
-      <p:grpSpPr>
-        <a:xfrm>
-          <a:off x="0" y="0"/>
-          <a:ext cx="0" cy="0"/>
-          <a:chOff x="0" y="0"/>
-          <a:chExt cx="0" cy="0"/>
-        </a:xfrm>
-      </p:grpSpPr>
-      <p:sp>
-        <p:nvSpPr>
-          <p:cNvPr id="4" name="CasellaDiTesto 3">
-            <a:extLst>
-              <a:ext uri="{FF2B5EF4-FFF2-40B4-BE49-F238E27FC236}">
-                <a16:creationId xmlns:a16="http://schemas.microsoft.com/office/drawing/2014/main" id="{BA14FFB1-D715-62A6-F850-4AF31FB390C4}"/>
-              </a:ext>
-            </a:extLst>
-          </p:cNvPr>
-          <p:cNvSpPr txBox="1"/>
-          <p:nvPr/>
-        </p:nvSpPr>
-        <p:spPr>
-          <a:xfrm>
-            <a:off x="3335456" y="554377"/>
-            <a:ext cx="5521087" cy="400110"/>
-          </a:xfrm>
-          <a:prstGeom prst="rect">
-            <a:avLst/>
-          </a:prstGeom>
-          <a:noFill/>
-        </p:spPr>
-        <p:txBody>
-          <a:bodyPr wrap="square" rtlCol="0">
-            <a:spAutoFit/>
-          </a:bodyPr>
-          <a:lstStyle/>
-          <a:p>
-            <a:pPr algn="ctr"/>
-            <a:r>
-              <a:rPr lang="en-US" sz="2000" b="1" spc="600" noProof="0" dirty="0">
-                <a:solidFill>
-                  <a:srgbClr val="F4F3EE"/>
-                </a:solidFill>
-              </a:rPr>
-              <a:t>EAVESDROPPING</a:t>
-            </a:r>
-            <a:endParaRPr lang="en-US" sz="2000" spc="600" noProof="0" dirty="0">
-              <a:solidFill>
-                <a:srgbClr val="F4F3EE"/>
-              </a:solidFill>
-            </a:endParaRPr>
-          </a:p>
-        </p:txBody>
-      </p:sp>
-      <p:sp>
-        <p:nvSpPr>
-          <p:cNvPr id="2" name="CasellaDiTesto 1">
-            <a:extLst>
-              <a:ext uri="{FF2B5EF4-FFF2-40B4-BE49-F238E27FC236}">
-                <a16:creationId xmlns:a16="http://schemas.microsoft.com/office/drawing/2014/main" id="{C3487B51-E56E-3DA7-C337-46D2DD92CB9D}"/>
-              </a:ext>
-            </a:extLst>
-          </p:cNvPr>
-          <p:cNvSpPr txBox="1"/>
-          <p:nvPr/>
-        </p:nvSpPr>
-        <p:spPr>
-          <a:xfrm>
-            <a:off x="3335456" y="2194918"/>
-            <a:ext cx="5521087" cy="707886"/>
-          </a:xfrm>
-          <a:prstGeom prst="rect">
-            <a:avLst/>
-          </a:prstGeom>
-          <a:noFill/>
-        </p:spPr>
-        <p:txBody>
-          <a:bodyPr wrap="square" rtlCol="0">
-            <a:spAutoFit/>
-          </a:bodyPr>
-          <a:lstStyle/>
-          <a:p>
-            <a:pPr algn="ctr"/>
-            <a:r>
-              <a:rPr lang="en-US" sz="2000" b="1" spc="600" noProof="0" dirty="0">
-                <a:solidFill>
-                  <a:srgbClr val="F4F3EE"/>
-                </a:solidFill>
-              </a:rPr>
-              <a:t>GRAPH OF S WITH CI THAT IS BELOW 2sqrt(2)</a:t>
-            </a:r>
-            <a:endParaRPr lang="en-US" sz="2000" spc="600" noProof="0" dirty="0">
-              <a:solidFill>
-                <a:srgbClr val="F4F3EE"/>
-              </a:solidFill>
-            </a:endParaRPr>
-          </a:p>
-        </p:txBody>
-      </p:sp>
-    </p:spTree>
-    <p:extLst>
-      <p:ext uri="{BB962C8B-B14F-4D97-AF65-F5344CB8AC3E}">
-        <p14:creationId xmlns:p14="http://schemas.microsoft.com/office/powerpoint/2010/main" val="953764923"/>
       </p:ext>
     </p:extLst>
   </p:cSld>
@@ -10351,7 +17026,7 @@
         <p:cNvPr id="1" name="">
           <a:extLst>
             <a:ext uri="{FF2B5EF4-FFF2-40B4-BE49-F238E27FC236}">
-              <a16:creationId xmlns:a16="http://schemas.microsoft.com/office/drawing/2014/main" id="{E63DFE54-7E8A-74FF-9A17-0ECFA9D10012}"/>
+              <a16:creationId xmlns:a16="http://schemas.microsoft.com/office/drawing/2014/main" id="{8C3F9A2E-15F8-AF85-F698-43525DC85500}"/>
             </a:ext>
           </a:extLst>
         </p:cNvPr>
@@ -10366,111 +17041,566 @@
           <a:chExt cx="0" cy="0"/>
         </a:xfrm>
       </p:grpSpPr>
-      <p:grpSp>
-        <p:nvGrpSpPr>
-          <p:cNvPr id="5" name="Gruppo 4">
+      <p:sp>
+        <p:nvSpPr>
+          <p:cNvPr id="2" name="CasellaDiTesto 1">
             <a:extLst>
               <a:ext uri="{FF2B5EF4-FFF2-40B4-BE49-F238E27FC236}">
-                <a16:creationId xmlns:a16="http://schemas.microsoft.com/office/drawing/2014/main" id="{B70F15BD-1BA6-6613-1926-A9EC0B802366}"/>
+                <a16:creationId xmlns:a16="http://schemas.microsoft.com/office/drawing/2014/main" id="{2730A4CF-31DD-1FFF-5EFF-5EEDC4839B62}"/>
               </a:ext>
             </a:extLst>
           </p:cNvPr>
-          <p:cNvGrpSpPr/>
+          <p:cNvSpPr txBox="1"/>
           <p:nvPr/>
-        </p:nvGrpSpPr>
-        <p:grpSpPr>
+        </p:nvSpPr>
+        <p:spPr>
           <a:xfrm>
-            <a:off x="4517366" y="2547119"/>
-            <a:ext cx="3157268" cy="1131079"/>
-            <a:chOff x="4517366" y="2211960"/>
-            <a:chExt cx="3157268" cy="1131079"/>
+            <a:off x="2241761" y="1576354"/>
+            <a:ext cx="7861462" cy="400110"/>
           </a:xfrm>
-        </p:grpSpPr>
-        <p:sp>
-          <p:nvSpPr>
-            <p:cNvPr id="2" name="CasellaDiTesto 1">
-              <a:extLst>
-                <a:ext uri="{FF2B5EF4-FFF2-40B4-BE49-F238E27FC236}">
-                  <a16:creationId xmlns:a16="http://schemas.microsoft.com/office/drawing/2014/main" id="{8BBDE209-7E4E-1E43-AA61-E0EF647133B6}"/>
-                </a:ext>
-              </a:extLst>
-            </p:cNvPr>
-            <p:cNvSpPr txBox="1"/>
-            <p:nvPr/>
-          </p:nvSpPr>
-          <p:spPr>
-            <a:xfrm>
-              <a:off x="4517366" y="2211960"/>
-              <a:ext cx="3157268" cy="938719"/>
-            </a:xfrm>
-            <a:prstGeom prst="rect">
-              <a:avLst/>
-            </a:prstGeom>
-            <a:noFill/>
-          </p:spPr>
-          <p:txBody>
-            <a:bodyPr wrap="square" rtlCol="0">
-              <a:spAutoFit/>
-            </a:bodyPr>
-            <a:lstStyle/>
-            <a:p>
-              <a:pPr algn="ctr"/>
-              <a:r>
-                <a:rPr lang="en-US" sz="5500" b="1" noProof="0" dirty="0">
-                  <a:solidFill>
-                    <a:srgbClr val="F4F3EE"/>
-                  </a:solidFill>
-                </a:rPr>
-                <a:t>THANKS</a:t>
-              </a:r>
-            </a:p>
-          </p:txBody>
-        </p:sp>
-        <p:sp>
-          <p:nvSpPr>
-            <p:cNvPr id="3" name="CasellaDiTesto 2">
-              <a:extLst>
-                <a:ext uri="{FF2B5EF4-FFF2-40B4-BE49-F238E27FC236}">
-                  <a16:creationId xmlns:a16="http://schemas.microsoft.com/office/drawing/2014/main" id="{A16C6232-996A-BF87-30FE-0E34496E43BC}"/>
-                </a:ext>
-              </a:extLst>
-            </p:cNvPr>
-            <p:cNvSpPr txBox="1"/>
-            <p:nvPr/>
-          </p:nvSpPr>
-          <p:spPr>
-            <a:xfrm>
-              <a:off x="4517366" y="2935235"/>
-              <a:ext cx="3157268" cy="407804"/>
-            </a:xfrm>
-            <a:prstGeom prst="rect">
-              <a:avLst/>
-            </a:prstGeom>
-            <a:noFill/>
-          </p:spPr>
-          <p:txBody>
-            <a:bodyPr wrap="square" rtlCol="0">
-              <a:spAutoFit/>
-            </a:bodyPr>
-            <a:lstStyle/>
-            <a:p>
-              <a:pPr algn="ctr"/>
-              <a:r>
-                <a:rPr lang="en-US" sz="2000" noProof="0" dirty="0">
-                  <a:solidFill>
-                    <a:srgbClr val="BCB8B1"/>
-                  </a:solidFill>
-                </a:rPr>
-                <a:t>FOR YOUR ATTENTION</a:t>
-              </a:r>
-            </a:p>
-          </p:txBody>
-        </p:sp>
-      </p:grpSp>
+          <a:prstGeom prst="rect">
+            <a:avLst/>
+          </a:prstGeom>
+          <a:noFill/>
+        </p:spPr>
+        <p:txBody>
+          <a:bodyPr wrap="square" rtlCol="0">
+            <a:spAutoFit/>
+          </a:bodyPr>
+          <a:lstStyle/>
+          <a:p>
+            <a:pPr algn="ctr"/>
+            <a:r>
+              <a:rPr lang="en-US" sz="2000" b="1" spc="600" noProof="0">
+                <a:solidFill>
+                  <a:srgbClr val="F4F3EE"/>
+                </a:solidFill>
+              </a:rPr>
+              <a:t>RESULTS WITH FOLLOWIN SETTING:</a:t>
+            </a:r>
+            <a:endParaRPr lang="en-US" sz="2000" spc="600" noProof="0" dirty="0">
+              <a:solidFill>
+                <a:srgbClr val="F4F3EE"/>
+              </a:solidFill>
+            </a:endParaRPr>
+          </a:p>
+        </p:txBody>
+      </p:sp>
+      <p:sp>
+        <p:nvSpPr>
+          <p:cNvPr id="5" name="CasellaDiTesto 4">
+            <a:extLst>
+              <a:ext uri="{FF2B5EF4-FFF2-40B4-BE49-F238E27FC236}">
+                <a16:creationId xmlns:a16="http://schemas.microsoft.com/office/drawing/2014/main" id="{9076D21F-1841-FC91-84FE-2608651A4BBD}"/>
+              </a:ext>
+            </a:extLst>
+          </p:cNvPr>
+          <p:cNvSpPr txBox="1"/>
+          <p:nvPr/>
+        </p:nvSpPr>
+        <p:spPr>
+          <a:xfrm>
+            <a:off x="2931459" y="1903313"/>
+            <a:ext cx="6185646" cy="2219582"/>
+          </a:xfrm>
+          <a:prstGeom prst="rect">
+            <a:avLst/>
+          </a:prstGeom>
+          <a:noFill/>
+        </p:spPr>
+        <p:txBody>
+          <a:bodyPr wrap="square">
+            <a:spAutoFit/>
+          </a:bodyPr>
+          <a:lstStyle/>
+          <a:p>
+            <a:pPr>
+              <a:lnSpc>
+                <a:spcPts val="1500"/>
+              </a:lnSpc>
+            </a:pPr>
+            <a:r>
+              <a:rPr lang="en-US" sz="1200" b="0" dirty="0">
+                <a:solidFill>
+                  <a:srgbClr val="676F7D"/>
+                </a:solidFill>
+                <a:effectLst/>
+                <a:latin typeface="Consolas" panose="020B0609020204030204" pitchFamily="49" charset="0"/>
+              </a:rPr>
+              <a:t># Number of times the protocol is executed for each setting</a:t>
+            </a:r>
+            <a:endParaRPr lang="en-US" sz="1200" b="0" dirty="0">
+              <a:solidFill>
+                <a:srgbClr val="BBBBBB"/>
+              </a:solidFill>
+              <a:effectLst/>
+              <a:latin typeface="Consolas" panose="020B0609020204030204" pitchFamily="49" charset="0"/>
+            </a:endParaRPr>
+          </a:p>
+          <a:p>
+            <a:pPr>
+              <a:lnSpc>
+                <a:spcPts val="1500"/>
+              </a:lnSpc>
+            </a:pPr>
+            <a:r>
+              <a:rPr lang="en-US" sz="1200" b="0" dirty="0">
+                <a:solidFill>
+                  <a:srgbClr val="BBBBBB"/>
+                </a:solidFill>
+                <a:effectLst/>
+                <a:latin typeface="Consolas" panose="020B0609020204030204" pitchFamily="49" charset="0"/>
+              </a:rPr>
+              <a:t>n </a:t>
+            </a:r>
+            <a:r>
+              <a:rPr lang="en-US" sz="1200" b="0" dirty="0">
+                <a:solidFill>
+                  <a:srgbClr val="E06C75"/>
+                </a:solidFill>
+                <a:effectLst/>
+                <a:latin typeface="Consolas" panose="020B0609020204030204" pitchFamily="49" charset="0"/>
+              </a:rPr>
+              <a:t>=</a:t>
+            </a:r>
+            <a:r>
+              <a:rPr lang="en-US" sz="1200" b="0" dirty="0">
+                <a:solidFill>
+                  <a:srgbClr val="BBBBBB"/>
+                </a:solidFill>
+                <a:effectLst/>
+                <a:latin typeface="Consolas" panose="020B0609020204030204" pitchFamily="49" charset="0"/>
+              </a:rPr>
+              <a:t> </a:t>
+            </a:r>
+            <a:r>
+              <a:rPr lang="en-US" sz="1200" b="0" dirty="0">
+                <a:solidFill>
+                  <a:srgbClr val="C678DD"/>
+                </a:solidFill>
+                <a:effectLst/>
+                <a:latin typeface="Consolas" panose="020B0609020204030204" pitchFamily="49" charset="0"/>
+              </a:rPr>
+              <a:t>30</a:t>
+            </a:r>
+            <a:endParaRPr lang="en-US" sz="1200" b="0" dirty="0">
+              <a:solidFill>
+                <a:srgbClr val="BBBBBB"/>
+              </a:solidFill>
+              <a:effectLst/>
+              <a:latin typeface="Consolas" panose="020B0609020204030204" pitchFamily="49" charset="0"/>
+            </a:endParaRPr>
+          </a:p>
+          <a:p>
+            <a:pPr>
+              <a:lnSpc>
+                <a:spcPts val="1500"/>
+              </a:lnSpc>
+            </a:pPr>
+            <a:br>
+              <a:rPr lang="en-US" sz="1200" b="0" dirty="0">
+                <a:solidFill>
+                  <a:srgbClr val="BBBBBB"/>
+                </a:solidFill>
+                <a:effectLst/>
+                <a:latin typeface="Consolas" panose="020B0609020204030204" pitchFamily="49" charset="0"/>
+              </a:rPr>
+            </a:br>
+            <a:r>
+              <a:rPr lang="en-US" sz="1200" b="0" dirty="0">
+                <a:solidFill>
+                  <a:srgbClr val="676F7D"/>
+                </a:solidFill>
+                <a:effectLst/>
+                <a:latin typeface="Consolas" panose="020B0609020204030204" pitchFamily="49" charset="0"/>
+              </a:rPr>
+              <a:t># Theta values to be used for the generation of the Werner States</a:t>
+            </a:r>
+            <a:endParaRPr lang="en-US" sz="1200" b="0" dirty="0">
+              <a:solidFill>
+                <a:srgbClr val="BBBBBB"/>
+              </a:solidFill>
+              <a:effectLst/>
+              <a:latin typeface="Consolas" panose="020B0609020204030204" pitchFamily="49" charset="0"/>
+            </a:endParaRPr>
+          </a:p>
+          <a:p>
+            <a:pPr>
+              <a:lnSpc>
+                <a:spcPts val="1500"/>
+              </a:lnSpc>
+            </a:pPr>
+            <a:r>
+              <a:rPr lang="en-US" sz="1200" b="0" dirty="0" err="1">
+                <a:solidFill>
+                  <a:srgbClr val="BBBBBB"/>
+                </a:solidFill>
+                <a:effectLst/>
+                <a:latin typeface="Consolas" panose="020B0609020204030204" pitchFamily="49" charset="0"/>
+              </a:rPr>
+              <a:t>theta_values</a:t>
+            </a:r>
+            <a:r>
+              <a:rPr lang="en-US" sz="1200" b="0" dirty="0">
+                <a:solidFill>
+                  <a:srgbClr val="BBBBBB"/>
+                </a:solidFill>
+                <a:effectLst/>
+                <a:latin typeface="Consolas" panose="020B0609020204030204" pitchFamily="49" charset="0"/>
+              </a:rPr>
+              <a:t> </a:t>
+            </a:r>
+            <a:r>
+              <a:rPr lang="en-US" sz="1200" b="0" dirty="0">
+                <a:solidFill>
+                  <a:srgbClr val="E06C75"/>
+                </a:solidFill>
+                <a:effectLst/>
+                <a:latin typeface="Consolas" panose="020B0609020204030204" pitchFamily="49" charset="0"/>
+              </a:rPr>
+              <a:t>=</a:t>
+            </a:r>
+            <a:r>
+              <a:rPr lang="en-US" sz="1200" b="0" dirty="0">
+                <a:solidFill>
+                  <a:srgbClr val="BBBBBB"/>
+                </a:solidFill>
+                <a:effectLst/>
+                <a:latin typeface="Consolas" panose="020B0609020204030204" pitchFamily="49" charset="0"/>
+              </a:rPr>
+              <a:t> </a:t>
+            </a:r>
+            <a:r>
+              <a:rPr lang="en-US" sz="1200" b="0" dirty="0" err="1">
+                <a:solidFill>
+                  <a:srgbClr val="BBBBBB"/>
+                </a:solidFill>
+                <a:effectLst/>
+                <a:latin typeface="Consolas" panose="020B0609020204030204" pitchFamily="49" charset="0"/>
+              </a:rPr>
+              <a:t>np</a:t>
+            </a:r>
+            <a:r>
+              <a:rPr lang="en-US" sz="1200" b="0" dirty="0" err="1">
+                <a:solidFill>
+                  <a:srgbClr val="ABB2BF"/>
+                </a:solidFill>
+                <a:effectLst/>
+                <a:latin typeface="Consolas" panose="020B0609020204030204" pitchFamily="49" charset="0"/>
+              </a:rPr>
+              <a:t>.</a:t>
+            </a:r>
+            <a:r>
+              <a:rPr lang="en-US" sz="1200" b="0" dirty="0" err="1">
+                <a:solidFill>
+                  <a:srgbClr val="BBBBBB"/>
+                </a:solidFill>
+                <a:effectLst/>
+                <a:latin typeface="Consolas" panose="020B0609020204030204" pitchFamily="49" charset="0"/>
+              </a:rPr>
+              <a:t>linspace</a:t>
+            </a:r>
+            <a:r>
+              <a:rPr lang="en-US" sz="1200" b="0" dirty="0">
+                <a:solidFill>
+                  <a:srgbClr val="BBBBBB"/>
+                </a:solidFill>
+                <a:effectLst/>
+                <a:latin typeface="Consolas" panose="020B0609020204030204" pitchFamily="49" charset="0"/>
+              </a:rPr>
+              <a:t>(</a:t>
+            </a:r>
+            <a:r>
+              <a:rPr lang="en-US" sz="1200" b="0" dirty="0">
+                <a:solidFill>
+                  <a:srgbClr val="C678DD"/>
+                </a:solidFill>
+                <a:effectLst/>
+                <a:latin typeface="Consolas" panose="020B0609020204030204" pitchFamily="49" charset="0"/>
+              </a:rPr>
+              <a:t>0</a:t>
+            </a:r>
+            <a:r>
+              <a:rPr lang="en-US" sz="1200" b="0" dirty="0">
+                <a:solidFill>
+                  <a:srgbClr val="ABB2BF"/>
+                </a:solidFill>
+                <a:effectLst/>
+                <a:latin typeface="Consolas" panose="020B0609020204030204" pitchFamily="49" charset="0"/>
+              </a:rPr>
+              <a:t>,</a:t>
+            </a:r>
+            <a:r>
+              <a:rPr lang="en-US" sz="1200" b="0" dirty="0">
+                <a:solidFill>
+                  <a:srgbClr val="BBBBBB"/>
+                </a:solidFill>
+                <a:effectLst/>
+                <a:latin typeface="Consolas" panose="020B0609020204030204" pitchFamily="49" charset="0"/>
+              </a:rPr>
+              <a:t> </a:t>
+            </a:r>
+            <a:r>
+              <a:rPr lang="en-US" sz="1200" b="0" dirty="0" err="1">
+                <a:solidFill>
+                  <a:srgbClr val="BBBBBB"/>
+                </a:solidFill>
+                <a:effectLst/>
+                <a:latin typeface="Consolas" panose="020B0609020204030204" pitchFamily="49" charset="0"/>
+              </a:rPr>
+              <a:t>np</a:t>
+            </a:r>
+            <a:r>
+              <a:rPr lang="en-US" sz="1200" b="0" dirty="0" err="1">
+                <a:solidFill>
+                  <a:srgbClr val="ABB2BF"/>
+                </a:solidFill>
+                <a:effectLst/>
+                <a:latin typeface="Consolas" panose="020B0609020204030204" pitchFamily="49" charset="0"/>
+              </a:rPr>
+              <a:t>.</a:t>
+            </a:r>
+            <a:r>
+              <a:rPr lang="en-US" sz="1200" b="0" dirty="0" err="1">
+                <a:solidFill>
+                  <a:srgbClr val="BBBBBB"/>
+                </a:solidFill>
+                <a:effectLst/>
+                <a:latin typeface="Consolas" panose="020B0609020204030204" pitchFamily="49" charset="0"/>
+              </a:rPr>
+              <a:t>pi</a:t>
+            </a:r>
+            <a:r>
+              <a:rPr lang="en-US" sz="1200" b="0" dirty="0">
+                <a:solidFill>
+                  <a:srgbClr val="ABB2BF"/>
+                </a:solidFill>
+                <a:effectLst/>
+                <a:latin typeface="Consolas" panose="020B0609020204030204" pitchFamily="49" charset="0"/>
+              </a:rPr>
+              <a:t>,</a:t>
+            </a:r>
+            <a:r>
+              <a:rPr lang="en-US" sz="1200" b="0" dirty="0">
+                <a:solidFill>
+                  <a:srgbClr val="BBBBBB"/>
+                </a:solidFill>
+                <a:effectLst/>
+                <a:latin typeface="Consolas" panose="020B0609020204030204" pitchFamily="49" charset="0"/>
+              </a:rPr>
+              <a:t> </a:t>
+            </a:r>
+            <a:r>
+              <a:rPr lang="en-US" sz="1200" b="0" dirty="0">
+                <a:solidFill>
+                  <a:srgbClr val="C678DD"/>
+                </a:solidFill>
+                <a:effectLst/>
+                <a:latin typeface="Consolas" panose="020B0609020204030204" pitchFamily="49" charset="0"/>
+              </a:rPr>
+              <a:t>15</a:t>
+            </a:r>
+            <a:r>
+              <a:rPr lang="en-US" sz="1200" b="0" dirty="0">
+                <a:solidFill>
+                  <a:srgbClr val="BBBBBB"/>
+                </a:solidFill>
+                <a:effectLst/>
+                <a:latin typeface="Consolas" panose="020B0609020204030204" pitchFamily="49" charset="0"/>
+              </a:rPr>
+              <a:t>)</a:t>
+            </a:r>
+          </a:p>
+          <a:p>
+            <a:pPr>
+              <a:lnSpc>
+                <a:spcPts val="1500"/>
+              </a:lnSpc>
+            </a:pPr>
+            <a:br>
+              <a:rPr lang="en-US" sz="1200" b="0" dirty="0">
+                <a:solidFill>
+                  <a:srgbClr val="BBBBBB"/>
+                </a:solidFill>
+                <a:effectLst/>
+                <a:latin typeface="Consolas" panose="020B0609020204030204" pitchFamily="49" charset="0"/>
+              </a:rPr>
+            </a:br>
+            <a:r>
+              <a:rPr lang="en-US" sz="1200" b="0" dirty="0">
+                <a:solidFill>
+                  <a:srgbClr val="676F7D"/>
+                </a:solidFill>
+                <a:effectLst/>
+                <a:latin typeface="Consolas" panose="020B0609020204030204" pitchFamily="49" charset="0"/>
+              </a:rPr>
+              <a:t># Whether Eve is eavesdropping or not</a:t>
+            </a:r>
+            <a:endParaRPr lang="en-US" sz="1200" b="0" dirty="0">
+              <a:solidFill>
+                <a:srgbClr val="BBBBBB"/>
+              </a:solidFill>
+              <a:effectLst/>
+              <a:latin typeface="Consolas" panose="020B0609020204030204" pitchFamily="49" charset="0"/>
+            </a:endParaRPr>
+          </a:p>
+          <a:p>
+            <a:pPr>
+              <a:lnSpc>
+                <a:spcPts val="1500"/>
+              </a:lnSpc>
+            </a:pPr>
+            <a:r>
+              <a:rPr lang="en-US" sz="1200" b="0" dirty="0">
+                <a:solidFill>
+                  <a:srgbClr val="BBBBBB"/>
+                </a:solidFill>
+                <a:effectLst/>
+                <a:latin typeface="Consolas" panose="020B0609020204030204" pitchFamily="49" charset="0"/>
+              </a:rPr>
+              <a:t>eavesdropping </a:t>
+            </a:r>
+            <a:r>
+              <a:rPr lang="en-US" sz="1200" b="0" dirty="0">
+                <a:solidFill>
+                  <a:srgbClr val="E06C75"/>
+                </a:solidFill>
+                <a:effectLst/>
+                <a:latin typeface="Consolas" panose="020B0609020204030204" pitchFamily="49" charset="0"/>
+              </a:rPr>
+              <a:t>=</a:t>
+            </a:r>
+            <a:r>
+              <a:rPr lang="en-US" sz="1200" b="0" dirty="0">
+                <a:solidFill>
+                  <a:srgbClr val="BBBBBB"/>
+                </a:solidFill>
+                <a:effectLst/>
+                <a:latin typeface="Consolas" panose="020B0609020204030204" pitchFamily="49" charset="0"/>
+              </a:rPr>
+              <a:t> </a:t>
+            </a:r>
+            <a:r>
+              <a:rPr lang="en-US" sz="1200" b="0" dirty="0">
+                <a:solidFill>
+                  <a:srgbClr val="56B6C2"/>
+                </a:solidFill>
+                <a:effectLst/>
+                <a:latin typeface="Consolas" panose="020B0609020204030204" pitchFamily="49" charset="0"/>
+              </a:rPr>
+              <a:t>False</a:t>
+            </a:r>
+            <a:endParaRPr lang="en-US" sz="1200" b="0" dirty="0">
+              <a:solidFill>
+                <a:srgbClr val="BBBBBB"/>
+              </a:solidFill>
+              <a:effectLst/>
+              <a:latin typeface="Consolas" panose="020B0609020204030204" pitchFamily="49" charset="0"/>
+            </a:endParaRPr>
+          </a:p>
+          <a:p>
+            <a:pPr>
+              <a:lnSpc>
+                <a:spcPts val="1500"/>
+              </a:lnSpc>
+            </a:pPr>
+            <a:br>
+              <a:rPr lang="en-US" sz="1200" b="0" dirty="0">
+                <a:solidFill>
+                  <a:srgbClr val="BBBBBB"/>
+                </a:solidFill>
+                <a:effectLst/>
+                <a:latin typeface="Consolas" panose="020B0609020204030204" pitchFamily="49" charset="0"/>
+              </a:rPr>
+            </a:br>
+            <a:r>
+              <a:rPr lang="en-US" sz="1200" b="0" dirty="0">
+                <a:solidFill>
+                  <a:srgbClr val="676F7D"/>
+                </a:solidFill>
+                <a:effectLst/>
+                <a:latin typeface="Consolas" panose="020B0609020204030204" pitchFamily="49" charset="0"/>
+              </a:rPr>
+              <a:t># Number of EPR pairs to be generated in one execution of the protocol</a:t>
+            </a:r>
+            <a:endParaRPr lang="en-US" sz="1200" b="0" dirty="0">
+              <a:solidFill>
+                <a:srgbClr val="BBBBBB"/>
+              </a:solidFill>
+              <a:effectLst/>
+              <a:latin typeface="Consolas" panose="020B0609020204030204" pitchFamily="49" charset="0"/>
+            </a:endParaRPr>
+          </a:p>
+          <a:p>
+            <a:pPr>
+              <a:lnSpc>
+                <a:spcPts val="1500"/>
+              </a:lnSpc>
+            </a:pPr>
+            <a:r>
+              <a:rPr lang="en-US" sz="1200" b="0" dirty="0" err="1">
+                <a:solidFill>
+                  <a:srgbClr val="BBBBBB"/>
+                </a:solidFill>
+                <a:effectLst/>
+                <a:latin typeface="Consolas" panose="020B0609020204030204" pitchFamily="49" charset="0"/>
+              </a:rPr>
+              <a:t>epr_pairs</a:t>
+            </a:r>
+            <a:r>
+              <a:rPr lang="en-US" sz="1200" b="0" dirty="0">
+                <a:solidFill>
+                  <a:srgbClr val="BBBBBB"/>
+                </a:solidFill>
+                <a:effectLst/>
+                <a:latin typeface="Consolas" panose="020B0609020204030204" pitchFamily="49" charset="0"/>
+              </a:rPr>
+              <a:t> </a:t>
+            </a:r>
+            <a:r>
+              <a:rPr lang="en-US" sz="1200" b="0" dirty="0">
+                <a:solidFill>
+                  <a:srgbClr val="E06C75"/>
+                </a:solidFill>
+                <a:effectLst/>
+                <a:latin typeface="Consolas" panose="020B0609020204030204" pitchFamily="49" charset="0"/>
+              </a:rPr>
+              <a:t>=</a:t>
+            </a:r>
+            <a:r>
+              <a:rPr lang="en-US" sz="1200" b="0" dirty="0">
+                <a:solidFill>
+                  <a:srgbClr val="BBBBBB"/>
+                </a:solidFill>
+                <a:effectLst/>
+                <a:latin typeface="Consolas" panose="020B0609020204030204" pitchFamily="49" charset="0"/>
+              </a:rPr>
+              <a:t> </a:t>
+            </a:r>
+            <a:r>
+              <a:rPr lang="en-US" sz="1200" b="0" dirty="0">
+                <a:solidFill>
+                  <a:srgbClr val="C678DD"/>
+                </a:solidFill>
+                <a:effectLst/>
+                <a:latin typeface="Consolas" panose="020B0609020204030204" pitchFamily="49" charset="0"/>
+              </a:rPr>
+              <a:t>300</a:t>
+            </a:r>
+            <a:endParaRPr lang="en-US" sz="1200" b="0" dirty="0">
+              <a:solidFill>
+                <a:srgbClr val="BBBBBB"/>
+              </a:solidFill>
+              <a:effectLst/>
+              <a:latin typeface="Consolas" panose="020B0609020204030204" pitchFamily="49" charset="0"/>
+            </a:endParaRPr>
+          </a:p>
+        </p:txBody>
+      </p:sp>
     </p:spTree>
     <p:extLst>
       <p:ext uri="{BB962C8B-B14F-4D97-AF65-F5344CB8AC3E}">
-        <p14:creationId xmlns:p14="http://schemas.microsoft.com/office/powerpoint/2010/main" val="107189419"/>
+        <p14:creationId xmlns:p14="http://schemas.microsoft.com/office/powerpoint/2010/main" val="185932700"/>
       </p:ext>
     </p:extLst>
   </p:cSld>
@@ -10486,14 +17616,20 @@
     <p:bg>
       <p:bgPr>
         <a:solidFill>
-          <a:schemeClr val="tx1"/>
+          <a:srgbClr val="463F3A"/>
         </a:solidFill>
         <a:effectLst/>
       </p:bgPr>
     </p:bg>
     <p:spTree>
       <p:nvGrpSpPr>
-        <p:cNvPr id="1" name=""/>
+        <p:cNvPr id="1" name="">
+          <a:extLst>
+            <a:ext uri="{FF2B5EF4-FFF2-40B4-BE49-F238E27FC236}">
+              <a16:creationId xmlns:a16="http://schemas.microsoft.com/office/drawing/2014/main" id="{E56CF9D1-4A10-D549-CCB8-8E7A709C46ED}"/>
+            </a:ext>
+          </a:extLst>
+        </p:cNvPr>
         <p:cNvGrpSpPr/>
         <p:nvPr/>
       </p:nvGrpSpPr>
@@ -10505,645 +17641,70 @@
           <a:chExt cx="0" cy="0"/>
         </a:xfrm>
       </p:grpSpPr>
-      <p:sp>
-        <p:nvSpPr>
-          <p:cNvPr id="10" name="CasellaDiTesto 9">
+      <p:pic>
+        <p:nvPicPr>
+          <p:cNvPr id="8" name="Immagine 7">
             <a:extLst>
               <a:ext uri="{FF2B5EF4-FFF2-40B4-BE49-F238E27FC236}">
-                <a16:creationId xmlns:a16="http://schemas.microsoft.com/office/drawing/2014/main" id="{B7711F5E-7421-40F9-0514-FF25F24170A7}"/>
+                <a16:creationId xmlns:a16="http://schemas.microsoft.com/office/drawing/2014/main" id="{A159EFBE-D6CF-B4D6-D643-58E7210B537F}"/>
               </a:ext>
             </a:extLst>
           </p:cNvPr>
-          <p:cNvSpPr txBox="1"/>
+          <p:cNvPicPr>
+            <a:picLocks noChangeAspect="1"/>
+          </p:cNvPicPr>
           <p:nvPr/>
-        </p:nvSpPr>
+        </p:nvPicPr>
+        <p:blipFill>
+          <a:blip r:embed="rId2"/>
+          <a:stretch>
+            <a:fillRect/>
+          </a:stretch>
+        </p:blipFill>
         <p:spPr>
           <a:xfrm>
-            <a:off x="3335452" y="733672"/>
-            <a:ext cx="5521087" cy="369332"/>
+            <a:off x="2076450" y="42841"/>
+            <a:ext cx="7620000" cy="4072039"/>
           </a:xfrm>
           <a:prstGeom prst="rect">
             <a:avLst/>
           </a:prstGeom>
-          <a:noFill/>
         </p:spPr>
-        <p:txBody>
-          <a:bodyPr wrap="square" rtlCol="0">
-            <a:spAutoFit/>
-          </a:bodyPr>
-          <a:lstStyle/>
-          <a:p>
-            <a:pPr algn="ctr"/>
-            <a:r>
-              <a:rPr lang="en-US" noProof="0" dirty="0">
-                <a:solidFill>
-                  <a:schemeClr val="bg1"/>
-                </a:solidFill>
-              </a:rPr>
-              <a:t>INTELLIGENT SYSTEMS</a:t>
-            </a:r>
-          </a:p>
-        </p:txBody>
-      </p:sp>
-      <p:grpSp>
-        <p:nvGrpSpPr>
-          <p:cNvPr id="14" name="Gruppo 13">
+      </p:pic>
+      <p:pic>
+        <p:nvPicPr>
+          <p:cNvPr id="10" name="Immagine 9">
             <a:extLst>
               <a:ext uri="{FF2B5EF4-FFF2-40B4-BE49-F238E27FC236}">
-                <a16:creationId xmlns:a16="http://schemas.microsoft.com/office/drawing/2014/main" id="{7F125397-E915-CFD3-D3FF-C18F02397270}"/>
+                <a16:creationId xmlns:a16="http://schemas.microsoft.com/office/drawing/2014/main" id="{99F7D2AD-8E8E-F21A-7F7A-01A90435DE5E}"/>
               </a:ext>
             </a:extLst>
           </p:cNvPr>
-          <p:cNvGrpSpPr/>
+          <p:cNvPicPr>
+            <a:picLocks noChangeAspect="1"/>
+          </p:cNvPicPr>
           <p:nvPr/>
-        </p:nvGrpSpPr>
-        <p:grpSpPr>
-          <a:xfrm>
-            <a:off x="4326864" y="5301966"/>
-            <a:ext cx="3538270" cy="1458396"/>
-            <a:chOff x="4326864" y="975041"/>
-            <a:chExt cx="3538270" cy="1458396"/>
-          </a:xfrm>
-        </p:grpSpPr>
-        <p:pic>
-          <p:nvPicPr>
-            <p:cNvPr id="12" name="Elemento grafico 11">
-              <a:extLst>
-                <a:ext uri="{FF2B5EF4-FFF2-40B4-BE49-F238E27FC236}">
-                  <a16:creationId xmlns:a16="http://schemas.microsoft.com/office/drawing/2014/main" id="{E8DE187A-83EF-7CE1-B8FA-4D07F88356B1}"/>
-                </a:ext>
-              </a:extLst>
-            </p:cNvPr>
-            <p:cNvPicPr>
-              <a:picLocks noChangeAspect="1"/>
-            </p:cNvPicPr>
-            <p:nvPr/>
-          </p:nvPicPr>
-          <p:blipFill>
-            <a:blip r:embed="rId2">
-              <a:extLst>
-                <a:ext uri="{28A0092B-C50C-407E-A947-70E740481C1C}">
-                  <a14:useLocalDpi xmlns:a14="http://schemas.microsoft.com/office/drawing/2010/main" val="0"/>
-                </a:ext>
-                <a:ext uri="{96DAC541-7B7A-43D3-8B79-37D633B846F1}">
-                  <asvg:svgBlip xmlns:asvg="http://schemas.microsoft.com/office/drawing/2016/SVG/main" r:embed="rId3"/>
-                </a:ext>
-              </a:extLst>
-            </a:blip>
-            <a:stretch>
-              <a:fillRect/>
-            </a:stretch>
-          </p:blipFill>
-          <p:spPr>
-            <a:xfrm>
-              <a:off x="5536856" y="975041"/>
-              <a:ext cx="1118288" cy="1138781"/>
-            </a:xfrm>
-            <a:prstGeom prst="rect">
-              <a:avLst/>
-            </a:prstGeom>
-          </p:spPr>
-        </p:pic>
-        <p:sp>
-          <p:nvSpPr>
-            <p:cNvPr id="13" name="CasellaDiTesto 12">
-              <a:extLst>
-                <a:ext uri="{FF2B5EF4-FFF2-40B4-BE49-F238E27FC236}">
-                  <a16:creationId xmlns:a16="http://schemas.microsoft.com/office/drawing/2014/main" id="{F338B660-3D6E-BEEA-9A7C-F97C5712877F}"/>
-                </a:ext>
-              </a:extLst>
-            </p:cNvPr>
-            <p:cNvSpPr txBox="1"/>
-            <p:nvPr/>
-          </p:nvSpPr>
-          <p:spPr>
-            <a:xfrm>
-              <a:off x="4326864" y="2141049"/>
-              <a:ext cx="3538270" cy="292388"/>
-            </a:xfrm>
-            <a:prstGeom prst="rect">
-              <a:avLst/>
-            </a:prstGeom>
-            <a:noFill/>
-          </p:spPr>
-          <p:txBody>
-            <a:bodyPr wrap="square" rtlCol="0">
-              <a:spAutoFit/>
-            </a:bodyPr>
-            <a:lstStyle/>
-            <a:p>
-              <a:pPr algn="ctr"/>
-              <a:r>
-                <a:rPr lang="en-US" sz="1300" noProof="0" dirty="0">
-                  <a:solidFill>
-                    <a:schemeClr val="bg1"/>
-                  </a:solidFill>
-                </a:rPr>
-                <a:t>University of Pisa</a:t>
-              </a:r>
-            </a:p>
-          </p:txBody>
-        </p:sp>
-      </p:grpSp>
-      <p:grpSp>
-        <p:nvGrpSpPr>
-          <p:cNvPr id="30" name="Gruppo 29">
-            <a:extLst>
-              <a:ext uri="{FF2B5EF4-FFF2-40B4-BE49-F238E27FC236}">
-                <a16:creationId xmlns:a16="http://schemas.microsoft.com/office/drawing/2014/main" id="{2829E1CC-DEF9-376A-9543-948A2886E771}"/>
-              </a:ext>
-            </a:extLst>
-          </p:cNvPr>
-          <p:cNvGrpSpPr/>
-          <p:nvPr/>
-        </p:nvGrpSpPr>
-        <p:grpSpPr>
-          <a:xfrm>
-            <a:off x="1643692" y="2163068"/>
-            <a:ext cx="8904617" cy="1350002"/>
-            <a:chOff x="1643688" y="2144018"/>
-            <a:chExt cx="8904617" cy="1350002"/>
-          </a:xfrm>
-        </p:grpSpPr>
-        <p:sp>
-          <p:nvSpPr>
-            <p:cNvPr id="5" name="CasellaDiTesto 4">
-              <a:extLst>
-                <a:ext uri="{FF2B5EF4-FFF2-40B4-BE49-F238E27FC236}">
-                  <a16:creationId xmlns:a16="http://schemas.microsoft.com/office/drawing/2014/main" id="{8B1B4834-7522-48CD-08E6-A84BD3BED224}"/>
-                </a:ext>
-              </a:extLst>
-            </p:cNvPr>
-            <p:cNvSpPr txBox="1"/>
-            <p:nvPr/>
-          </p:nvSpPr>
-          <p:spPr>
-            <a:xfrm>
-              <a:off x="1643688" y="2478357"/>
-              <a:ext cx="8904617" cy="1015663"/>
-            </a:xfrm>
-            <a:prstGeom prst="rect">
-              <a:avLst/>
-            </a:prstGeom>
-            <a:noFill/>
-          </p:spPr>
-          <p:txBody>
-            <a:bodyPr wrap="square" rtlCol="0">
-              <a:spAutoFit/>
-            </a:bodyPr>
-            <a:lstStyle/>
-            <a:p>
-              <a:pPr algn="ctr"/>
-              <a:r>
-                <a:rPr lang="en-US" sz="3000" b="1" noProof="0" dirty="0">
-                  <a:solidFill>
-                    <a:schemeClr val="bg1"/>
-                  </a:solidFill>
-                </a:rPr>
-                <a:t>Comparative Analysis of Deep Learning Models for Brain Tumor </a:t>
-              </a:r>
-              <a:r>
-                <a:rPr lang="en-US" sz="3000" b="1" noProof="0" dirty="0">
-                  <a:solidFill>
-                    <a:srgbClr val="FCA311"/>
-                  </a:solidFill>
-                </a:rPr>
-                <a:t>Segmentation</a:t>
-              </a:r>
-              <a:r>
-                <a:rPr lang="en-US" sz="3000" b="1" noProof="0" dirty="0">
-                  <a:solidFill>
-                    <a:schemeClr val="bg1"/>
-                  </a:solidFill>
-                </a:rPr>
-                <a:t> in MRI Images</a:t>
-              </a:r>
-            </a:p>
-          </p:txBody>
-        </p:sp>
-        <p:sp>
-          <p:nvSpPr>
-            <p:cNvPr id="16" name="CasellaDiTesto 15">
-              <a:extLst>
-                <a:ext uri="{FF2B5EF4-FFF2-40B4-BE49-F238E27FC236}">
-                  <a16:creationId xmlns:a16="http://schemas.microsoft.com/office/drawing/2014/main" id="{36FDA734-3A3A-8856-DE15-1F4E28172142}"/>
-                </a:ext>
-              </a:extLst>
-            </p:cNvPr>
-            <p:cNvSpPr txBox="1"/>
-            <p:nvPr/>
-          </p:nvSpPr>
-          <p:spPr>
-            <a:xfrm>
-              <a:off x="3518138" y="2144018"/>
-              <a:ext cx="5155721" cy="307777"/>
-            </a:xfrm>
-            <a:prstGeom prst="rect">
-              <a:avLst/>
-            </a:prstGeom>
-            <a:noFill/>
-          </p:spPr>
-          <p:txBody>
-            <a:bodyPr wrap="square" rtlCol="0">
-              <a:spAutoFit/>
-            </a:bodyPr>
-            <a:lstStyle/>
-            <a:p>
-              <a:pPr algn="ctr"/>
-              <a:r>
-                <a:rPr lang="en-US" sz="1400" noProof="0" dirty="0">
-                  <a:solidFill>
-                    <a:schemeClr val="bg1"/>
-                  </a:solidFill>
-                </a:rPr>
-                <a:t>PROJECT DISCUSSION</a:t>
-              </a:r>
-            </a:p>
-          </p:txBody>
-        </p:sp>
-      </p:grpSp>
-      <p:grpSp>
-        <p:nvGrpSpPr>
-          <p:cNvPr id="6" name="Gruppo 5">
-            <a:extLst>
-              <a:ext uri="{FF2B5EF4-FFF2-40B4-BE49-F238E27FC236}">
-                <a16:creationId xmlns:a16="http://schemas.microsoft.com/office/drawing/2014/main" id="{DCCA6799-BE8F-1FC3-1C1A-5542FE198BC4}"/>
-              </a:ext>
-            </a:extLst>
-          </p:cNvPr>
-          <p:cNvGrpSpPr/>
-          <p:nvPr/>
-        </p:nvGrpSpPr>
-        <p:grpSpPr>
-          <a:xfrm>
-            <a:off x="605075" y="4322493"/>
-            <a:ext cx="2684252" cy="853912"/>
-            <a:chOff x="458636" y="4195298"/>
-            <a:chExt cx="2684252" cy="853912"/>
-          </a:xfrm>
-        </p:grpSpPr>
-        <p:sp>
-          <p:nvSpPr>
-            <p:cNvPr id="26" name="CasellaDiTesto 25">
-              <a:extLst>
-                <a:ext uri="{FF2B5EF4-FFF2-40B4-BE49-F238E27FC236}">
-                  <a16:creationId xmlns:a16="http://schemas.microsoft.com/office/drawing/2014/main" id="{5A8FF00D-590A-73BD-4D6E-46186BEAD610}"/>
-                </a:ext>
-              </a:extLst>
-            </p:cNvPr>
-            <p:cNvSpPr txBox="1"/>
-            <p:nvPr/>
-          </p:nvSpPr>
-          <p:spPr>
-            <a:xfrm>
-              <a:off x="473743" y="4587545"/>
-              <a:ext cx="2071777" cy="461665"/>
-            </a:xfrm>
-            <a:prstGeom prst="rect">
-              <a:avLst/>
-            </a:prstGeom>
-            <a:noFill/>
-          </p:spPr>
-          <p:txBody>
-            <a:bodyPr wrap="square" rtlCol="0">
-              <a:spAutoFit/>
-            </a:bodyPr>
-            <a:lstStyle/>
-            <a:p>
-              <a:r>
-                <a:rPr lang="en-US" sz="1200" noProof="0" dirty="0">
-                  <a:solidFill>
-                    <a:schemeClr val="bg1"/>
-                  </a:solidFill>
-                </a:rPr>
-                <a:t>PIETRO DUCANGE</a:t>
-              </a:r>
-            </a:p>
-            <a:p>
-              <a:r>
-                <a:rPr lang="en-US" sz="1200" noProof="0" dirty="0">
-                  <a:solidFill>
-                    <a:schemeClr val="bg1"/>
-                  </a:solidFill>
-                </a:rPr>
-                <a:t>FABRIZIO RUFFINI</a:t>
-              </a:r>
-            </a:p>
-          </p:txBody>
-        </p:sp>
-        <p:grpSp>
-          <p:nvGrpSpPr>
-            <p:cNvPr id="27" name="Gruppo 26">
-              <a:extLst>
-                <a:ext uri="{FF2B5EF4-FFF2-40B4-BE49-F238E27FC236}">
-                  <a16:creationId xmlns:a16="http://schemas.microsoft.com/office/drawing/2014/main" id="{319E8CC2-E933-B37E-EA8C-F0329ECBAF5E}"/>
-                </a:ext>
-              </a:extLst>
-            </p:cNvPr>
-            <p:cNvGrpSpPr/>
-            <p:nvPr/>
-          </p:nvGrpSpPr>
-          <p:grpSpPr>
-            <a:xfrm>
-              <a:off x="458636" y="4195298"/>
-              <a:ext cx="2684252" cy="353943"/>
-              <a:chOff x="8268417" y="3961051"/>
-              <a:chExt cx="2684252" cy="353943"/>
-            </a:xfrm>
-          </p:grpSpPr>
-          <p:sp>
-            <p:nvSpPr>
-              <p:cNvPr id="28" name="CasellaDiTesto 27">
-                <a:extLst>
-                  <a:ext uri="{FF2B5EF4-FFF2-40B4-BE49-F238E27FC236}">
-                    <a16:creationId xmlns:a16="http://schemas.microsoft.com/office/drawing/2014/main" id="{2DE7690E-1007-CC04-9AF6-91DD2814055D}"/>
-                  </a:ext>
-                </a:extLst>
-              </p:cNvPr>
-              <p:cNvSpPr txBox="1"/>
-              <p:nvPr/>
-            </p:nvSpPr>
-            <p:spPr>
-              <a:xfrm>
-                <a:off x="8268417" y="3961051"/>
-                <a:ext cx="2684252" cy="353943"/>
-              </a:xfrm>
-              <a:prstGeom prst="rect">
-                <a:avLst/>
-              </a:prstGeom>
-              <a:noFill/>
-            </p:spPr>
-            <p:txBody>
-              <a:bodyPr wrap="square" rtlCol="0">
-                <a:spAutoFit/>
-              </a:bodyPr>
-              <a:lstStyle/>
-              <a:p>
-                <a:r>
-                  <a:rPr lang="en-US" sz="1700" noProof="0" dirty="0">
-                    <a:solidFill>
-                      <a:schemeClr val="bg1"/>
-                    </a:solidFill>
-                  </a:rPr>
-                  <a:t>PROFESSORS</a:t>
-                </a:r>
-              </a:p>
-            </p:txBody>
-          </p:sp>
-          <p:cxnSp>
-            <p:nvCxnSpPr>
-              <p:cNvPr id="29" name="Connettore diritto 28">
-                <a:extLst>
-                  <a:ext uri="{FF2B5EF4-FFF2-40B4-BE49-F238E27FC236}">
-                    <a16:creationId xmlns:a16="http://schemas.microsoft.com/office/drawing/2014/main" id="{848A73F4-ED29-453E-4936-8423B307457F}"/>
-                  </a:ext>
-                </a:extLst>
-              </p:cNvPr>
-              <p:cNvCxnSpPr>
-                <a:cxnSpLocks/>
-              </p:cNvCxnSpPr>
-              <p:nvPr/>
-            </p:nvCxnSpPr>
-            <p:spPr>
-              <a:xfrm>
-                <a:off x="8364026" y="4299605"/>
-                <a:ext cx="1285279" cy="0"/>
-              </a:xfrm>
-              <a:prstGeom prst="line">
-                <a:avLst/>
-              </a:prstGeom>
-              <a:ln w="19050">
-                <a:solidFill>
-                  <a:schemeClr val="bg1"/>
-                </a:solidFill>
-              </a:ln>
-            </p:spPr>
-            <p:style>
-              <a:lnRef idx="1">
-                <a:schemeClr val="accent1"/>
-              </a:lnRef>
-              <a:fillRef idx="0">
-                <a:schemeClr val="accent1"/>
-              </a:fillRef>
-              <a:effectRef idx="0">
-                <a:schemeClr val="accent1"/>
-              </a:effectRef>
-              <a:fontRef idx="minor">
-                <a:schemeClr val="tx1"/>
-              </a:fontRef>
-            </p:style>
-          </p:cxnSp>
-        </p:grpSp>
-      </p:grpSp>
-      <p:sp>
-        <p:nvSpPr>
-          <p:cNvPr id="2" name="CasellaDiTesto 1">
-            <a:extLst>
-              <a:ext uri="{FF2B5EF4-FFF2-40B4-BE49-F238E27FC236}">
-                <a16:creationId xmlns:a16="http://schemas.microsoft.com/office/drawing/2014/main" id="{01BC707F-F132-7670-DA0C-BA7E67681FD4}"/>
-              </a:ext>
-            </a:extLst>
-          </p:cNvPr>
-          <p:cNvSpPr txBox="1"/>
-          <p:nvPr/>
-        </p:nvSpPr>
+        </p:nvPicPr>
+        <p:blipFill>
+          <a:blip r:embed="rId3"/>
+          <a:stretch>
+            <a:fillRect/>
+          </a:stretch>
+        </p:blipFill>
         <p:spPr>
           <a:xfrm>
-            <a:off x="3518140" y="498929"/>
-            <a:ext cx="5155721" cy="292388"/>
+            <a:off x="2300287" y="3911018"/>
+            <a:ext cx="7172325" cy="3832807"/>
           </a:xfrm>
           <a:prstGeom prst="rect">
             <a:avLst/>
           </a:prstGeom>
-          <a:noFill/>
         </p:spPr>
-        <p:txBody>
-          <a:bodyPr wrap="square" rtlCol="0">
-            <a:spAutoFit/>
-          </a:bodyPr>
-          <a:lstStyle/>
-          <a:p>
-            <a:pPr algn="ctr"/>
-            <a:r>
-              <a:rPr lang="en-US" sz="1300" noProof="0" dirty="0">
-                <a:solidFill>
-                  <a:schemeClr val="bg1"/>
-                </a:solidFill>
-              </a:rPr>
-              <a:t>MASTER’S DEGREE IN COMPUTER ENGINEERING</a:t>
-            </a:r>
-          </a:p>
-        </p:txBody>
-      </p:sp>
-      <p:grpSp>
-        <p:nvGrpSpPr>
-          <p:cNvPr id="9" name="Gruppo 8">
-            <a:extLst>
-              <a:ext uri="{FF2B5EF4-FFF2-40B4-BE49-F238E27FC236}">
-                <a16:creationId xmlns:a16="http://schemas.microsoft.com/office/drawing/2014/main" id="{FABE2684-7223-365B-B172-C558DF07A31E}"/>
-              </a:ext>
-            </a:extLst>
-          </p:cNvPr>
-          <p:cNvGrpSpPr/>
-          <p:nvPr/>
-        </p:nvGrpSpPr>
-        <p:grpSpPr>
-          <a:xfrm>
-            <a:off x="8856539" y="4322493"/>
-            <a:ext cx="2712523" cy="671639"/>
-            <a:chOff x="-543464" y="4192905"/>
-            <a:chExt cx="2712523" cy="671639"/>
-          </a:xfrm>
-        </p:grpSpPr>
-        <p:sp>
-          <p:nvSpPr>
-            <p:cNvPr id="11" name="CasellaDiTesto 10">
-              <a:extLst>
-                <a:ext uri="{FF2B5EF4-FFF2-40B4-BE49-F238E27FC236}">
-                  <a16:creationId xmlns:a16="http://schemas.microsoft.com/office/drawing/2014/main" id="{465BF90F-D929-BDF5-03EE-FB7AC8B4CD16}"/>
-                </a:ext>
-              </a:extLst>
-            </p:cNvPr>
-            <p:cNvSpPr txBox="1"/>
-            <p:nvPr/>
-          </p:nvSpPr>
-          <p:spPr>
-            <a:xfrm>
-              <a:off x="97282" y="4587545"/>
-              <a:ext cx="2071777" cy="276999"/>
-            </a:xfrm>
-            <a:prstGeom prst="rect">
-              <a:avLst/>
-            </a:prstGeom>
-            <a:noFill/>
-          </p:spPr>
-          <p:txBody>
-            <a:bodyPr wrap="square" rtlCol="0">
-              <a:spAutoFit/>
-            </a:bodyPr>
-            <a:lstStyle/>
-            <a:p>
-              <a:pPr algn="r"/>
-              <a:r>
-                <a:rPr lang="en-US" sz="1200" noProof="0" dirty="0">
-                  <a:solidFill>
-                    <a:schemeClr val="bg1"/>
-                  </a:solidFill>
-                </a:rPr>
-                <a:t>GIOVANNI LIGATO</a:t>
-              </a:r>
-            </a:p>
-          </p:txBody>
-        </p:sp>
-        <p:grpSp>
-          <p:nvGrpSpPr>
-            <p:cNvPr id="19" name="Gruppo 18">
-              <a:extLst>
-                <a:ext uri="{FF2B5EF4-FFF2-40B4-BE49-F238E27FC236}">
-                  <a16:creationId xmlns:a16="http://schemas.microsoft.com/office/drawing/2014/main" id="{557575B2-F670-3D35-BE4C-002F27B4D22F}"/>
-                </a:ext>
-              </a:extLst>
-            </p:cNvPr>
-            <p:cNvGrpSpPr/>
-            <p:nvPr/>
-          </p:nvGrpSpPr>
-          <p:grpSpPr>
-            <a:xfrm>
-              <a:off x="-543464" y="4192905"/>
-              <a:ext cx="2684252" cy="353943"/>
-              <a:chOff x="7266317" y="3958658"/>
-              <a:chExt cx="2684252" cy="353943"/>
-            </a:xfrm>
-          </p:grpSpPr>
-          <p:sp>
-            <p:nvSpPr>
-              <p:cNvPr id="21" name="CasellaDiTesto 20">
-                <a:extLst>
-                  <a:ext uri="{FF2B5EF4-FFF2-40B4-BE49-F238E27FC236}">
-                    <a16:creationId xmlns:a16="http://schemas.microsoft.com/office/drawing/2014/main" id="{B4A75FE5-9AD2-8B59-35B7-535C78BD3789}"/>
-                  </a:ext>
-                </a:extLst>
-              </p:cNvPr>
-              <p:cNvSpPr txBox="1"/>
-              <p:nvPr/>
-            </p:nvSpPr>
-            <p:spPr>
-              <a:xfrm>
-                <a:off x="7266317" y="3958658"/>
-                <a:ext cx="2684252" cy="353943"/>
-              </a:xfrm>
-              <a:prstGeom prst="rect">
-                <a:avLst/>
-              </a:prstGeom>
-              <a:noFill/>
-            </p:spPr>
-            <p:txBody>
-              <a:bodyPr wrap="square" rtlCol="0">
-                <a:spAutoFit/>
-              </a:bodyPr>
-              <a:lstStyle/>
-              <a:p>
-                <a:pPr algn="r"/>
-                <a:r>
-                  <a:rPr lang="en-US" sz="1700" noProof="0" dirty="0">
-                    <a:solidFill>
-                      <a:schemeClr val="bg1"/>
-                    </a:solidFill>
-                  </a:rPr>
-                  <a:t>STUDENT</a:t>
-                </a:r>
-              </a:p>
-            </p:txBody>
-          </p:sp>
-          <p:cxnSp>
-            <p:nvCxnSpPr>
-              <p:cNvPr id="22" name="Connettore diritto 21">
-                <a:extLst>
-                  <a:ext uri="{FF2B5EF4-FFF2-40B4-BE49-F238E27FC236}">
-                    <a16:creationId xmlns:a16="http://schemas.microsoft.com/office/drawing/2014/main" id="{28C81F8B-DF02-7AD9-6632-3181D1C944E2}"/>
-                  </a:ext>
-                </a:extLst>
-              </p:cNvPr>
-              <p:cNvCxnSpPr>
-                <a:cxnSpLocks/>
-              </p:cNvCxnSpPr>
-              <p:nvPr/>
-            </p:nvCxnSpPr>
-            <p:spPr>
-              <a:xfrm>
-                <a:off x="8952478" y="4299605"/>
-                <a:ext cx="928687" cy="0"/>
-              </a:xfrm>
-              <a:prstGeom prst="line">
-                <a:avLst/>
-              </a:prstGeom>
-              <a:ln w="19050">
-                <a:solidFill>
-                  <a:schemeClr val="bg1"/>
-                </a:solidFill>
-              </a:ln>
-            </p:spPr>
-            <p:style>
-              <a:lnRef idx="1">
-                <a:schemeClr val="accent1"/>
-              </a:lnRef>
-              <a:fillRef idx="0">
-                <a:schemeClr val="accent1"/>
-              </a:fillRef>
-              <a:effectRef idx="0">
-                <a:schemeClr val="accent1"/>
-              </a:effectRef>
-              <a:fontRef idx="minor">
-                <a:schemeClr val="tx1"/>
-              </a:fontRef>
-            </p:style>
-          </p:cxnSp>
-        </p:grpSp>
-      </p:grpSp>
+      </p:pic>
     </p:spTree>
     <p:extLst>
       <p:ext uri="{BB962C8B-B14F-4D97-AF65-F5344CB8AC3E}">
-        <p14:creationId xmlns:p14="http://schemas.microsoft.com/office/powerpoint/2010/main" val="1131298435"/>
+        <p14:creationId xmlns:p14="http://schemas.microsoft.com/office/powerpoint/2010/main" val="1954531531"/>
       </p:ext>
     </p:extLst>
   </p:cSld>

--- a/Slides/E91 Protocol.pptx
+++ b/Slides/E91 Protocol.pptx
@@ -5,7 +5,7 @@
     <p:sldMasterId id="2147483648" r:id="rId1"/>
   </p:sldMasterIdLst>
   <p:notesMasterIdLst>
-    <p:notesMasterId r:id="rId36"/>
+    <p:notesMasterId r:id="rId33"/>
   </p:notesMasterIdLst>
   <p:sldIdLst>
     <p:sldId id="306" r:id="rId2"/>
@@ -16,32 +16,29 @@
     <p:sldId id="539" r:id="rId7"/>
     <p:sldId id="540" r:id="rId8"/>
     <p:sldId id="310" r:id="rId9"/>
-    <p:sldId id="541" r:id="rId10"/>
-    <p:sldId id="312" r:id="rId11"/>
-    <p:sldId id="542" r:id="rId12"/>
-    <p:sldId id="313" r:id="rId13"/>
-    <p:sldId id="551" r:id="rId14"/>
-    <p:sldId id="307" r:id="rId15"/>
-    <p:sldId id="537" r:id="rId16"/>
-    <p:sldId id="549" r:id="rId17"/>
-    <p:sldId id="315" r:id="rId18"/>
-    <p:sldId id="561" r:id="rId19"/>
-    <p:sldId id="553" r:id="rId20"/>
-    <p:sldId id="293" r:id="rId21"/>
-    <p:sldId id="520" r:id="rId22"/>
-    <p:sldId id="519" r:id="rId23"/>
-    <p:sldId id="521" r:id="rId24"/>
-    <p:sldId id="558" r:id="rId25"/>
-    <p:sldId id="297" r:id="rId26"/>
-    <p:sldId id="526" r:id="rId27"/>
-    <p:sldId id="301" r:id="rId28"/>
-    <p:sldId id="559" r:id="rId29"/>
-    <p:sldId id="545" r:id="rId30"/>
-    <p:sldId id="546" r:id="rId31"/>
-    <p:sldId id="528" r:id="rId32"/>
-    <p:sldId id="529" r:id="rId33"/>
-    <p:sldId id="560" r:id="rId34"/>
-    <p:sldId id="547" r:id="rId35"/>
+    <p:sldId id="566" r:id="rId10"/>
+    <p:sldId id="542" r:id="rId11"/>
+    <p:sldId id="567" r:id="rId12"/>
+    <p:sldId id="551" r:id="rId13"/>
+    <p:sldId id="307" r:id="rId14"/>
+    <p:sldId id="537" r:id="rId15"/>
+    <p:sldId id="549" r:id="rId16"/>
+    <p:sldId id="315" r:id="rId17"/>
+    <p:sldId id="561" r:id="rId18"/>
+    <p:sldId id="553" r:id="rId19"/>
+    <p:sldId id="293" r:id="rId20"/>
+    <p:sldId id="520" r:id="rId21"/>
+    <p:sldId id="519" r:id="rId22"/>
+    <p:sldId id="521" r:id="rId23"/>
+    <p:sldId id="558" r:id="rId24"/>
+    <p:sldId id="526" r:id="rId25"/>
+    <p:sldId id="559" r:id="rId26"/>
+    <p:sldId id="570" r:id="rId27"/>
+    <p:sldId id="546" r:id="rId28"/>
+    <p:sldId id="528" r:id="rId29"/>
+    <p:sldId id="529" r:id="rId30"/>
+    <p:sldId id="560" r:id="rId31"/>
+    <p:sldId id="547" r:id="rId32"/>
   </p:sldIdLst>
   <p:sldSz cx="12192000" cy="6858000"/>
   <p:notesSz cx="6858000" cy="9144000"/>
@@ -3012,7 +3009,7 @@
           <a:p>
             <a:fld id="{E5D1D04D-EF92-4C76-B83B-385606B7E2D4}" type="datetimeFigureOut">
               <a:rPr lang="it-IT" smtClean="0"/>
-              <a:t>05/02/2025</a:t>
+              <a:t>06/02/2025</a:t>
             </a:fld>
             <a:endParaRPr lang="it-IT"/>
           </a:p>
@@ -3719,7 +3716,7 @@
         <p:cNvPr id="1" name="">
           <a:extLst>
             <a:ext uri="{FF2B5EF4-FFF2-40B4-BE49-F238E27FC236}">
-              <a16:creationId xmlns:a16="http://schemas.microsoft.com/office/drawing/2014/main" id="{E6657317-7987-03D9-9B3C-6D211A019451}"/>
+              <a16:creationId xmlns:a16="http://schemas.microsoft.com/office/drawing/2014/main" id="{DEFCAF0A-0555-7FE2-9F95-7FFA0515D791}"/>
             </a:ext>
           </a:extLst>
         </p:cNvPr>
@@ -3739,7 +3736,7 @@
           <p:cNvPr id="2" name="Segnaposto immagine diapositiva 1">
             <a:extLst>
               <a:ext uri="{FF2B5EF4-FFF2-40B4-BE49-F238E27FC236}">
-                <a16:creationId xmlns:a16="http://schemas.microsoft.com/office/drawing/2014/main" id="{E2E8C2EB-9B47-5667-34BE-AE2D6B7A9414}"/>
+                <a16:creationId xmlns:a16="http://schemas.microsoft.com/office/drawing/2014/main" id="{AAA943F1-E63F-0604-9995-CE167B055EE1}"/>
               </a:ext>
             </a:extLst>
           </p:cNvPr>
@@ -3757,7 +3754,7 @@
           <p:cNvPr id="3" name="Segnaposto note 2">
             <a:extLst>
               <a:ext uri="{FF2B5EF4-FFF2-40B4-BE49-F238E27FC236}">
-                <a16:creationId xmlns:a16="http://schemas.microsoft.com/office/drawing/2014/main" id="{09619CEC-60A9-DBD3-E66B-F03AC67ED97B}"/>
+                <a16:creationId xmlns:a16="http://schemas.microsoft.com/office/drawing/2014/main" id="{425C3E0E-0415-D667-7D13-03E3E106D24D}"/>
               </a:ext>
             </a:extLst>
           </p:cNvPr>
@@ -3782,7 +3779,7 @@
           <p:cNvPr id="4" name="Segnaposto numero diapositiva 3">
             <a:extLst>
               <a:ext uri="{FF2B5EF4-FFF2-40B4-BE49-F238E27FC236}">
-                <a16:creationId xmlns:a16="http://schemas.microsoft.com/office/drawing/2014/main" id="{3C2244C6-01EF-089A-AD4E-0C42FC3374F9}"/>
+                <a16:creationId xmlns:a16="http://schemas.microsoft.com/office/drawing/2014/main" id="{AE128C4E-9C79-EB91-87B9-96B0964CFBB8}"/>
               </a:ext>
             </a:extLst>
           </p:cNvPr>
@@ -3800,7 +3797,7 @@
           <a:p>
             <a:fld id="{5AC2CDE7-AE26-41BE-81F1-CDE2C07D695F}" type="slidenum">
               <a:rPr lang="it-IT" smtClean="0"/>
-              <a:t>10</a:t>
+              <a:t>11</a:t>
             </a:fld>
             <a:endParaRPr lang="it-IT"/>
           </a:p>
@@ -3809,7 +3806,7 @@
     </p:spTree>
     <p:extLst>
       <p:ext uri="{BB962C8B-B14F-4D97-AF65-F5344CB8AC3E}">
-        <p14:creationId xmlns:p14="http://schemas.microsoft.com/office/powerpoint/2010/main" val="2744807799"/>
+        <p14:creationId xmlns:p14="http://schemas.microsoft.com/office/powerpoint/2010/main" val="3810597319"/>
       </p:ext>
     </p:extLst>
   </p:cSld>
@@ -3820,114 +3817,6 @@
 </file>
 
 <file path=ppt/notesSlides/notesSlide6.xml><?xml version="1.0" encoding="utf-8"?>
-<p:notes xmlns:a="http://schemas.openxmlformats.org/drawingml/2006/main" xmlns:r="http://schemas.openxmlformats.org/officeDocument/2006/relationships" xmlns:p="http://schemas.openxmlformats.org/presentationml/2006/main">
-  <p:cSld>
-    <p:spTree>
-      <p:nvGrpSpPr>
-        <p:cNvPr id="1" name="">
-          <a:extLst>
-            <a:ext uri="{FF2B5EF4-FFF2-40B4-BE49-F238E27FC236}">
-              <a16:creationId xmlns:a16="http://schemas.microsoft.com/office/drawing/2014/main" id="{B08EEF30-ACFA-4E3C-143A-AF478BA28173}"/>
-            </a:ext>
-          </a:extLst>
-        </p:cNvPr>
-        <p:cNvGrpSpPr/>
-        <p:nvPr/>
-      </p:nvGrpSpPr>
-      <p:grpSpPr>
-        <a:xfrm>
-          <a:off x="0" y="0"/>
-          <a:ext cx="0" cy="0"/>
-          <a:chOff x="0" y="0"/>
-          <a:chExt cx="0" cy="0"/>
-        </a:xfrm>
-      </p:grpSpPr>
-      <p:sp>
-        <p:nvSpPr>
-          <p:cNvPr id="2" name="Segnaposto immagine diapositiva 1">
-            <a:extLst>
-              <a:ext uri="{FF2B5EF4-FFF2-40B4-BE49-F238E27FC236}">
-                <a16:creationId xmlns:a16="http://schemas.microsoft.com/office/drawing/2014/main" id="{0CA275A3-350A-CC42-2F96-957E4D2F2A1D}"/>
-              </a:ext>
-            </a:extLst>
-          </p:cNvPr>
-          <p:cNvSpPr>
-            <a:spLocks noGrp="1" noRot="1" noChangeAspect="1"/>
-          </p:cNvSpPr>
-          <p:nvPr>
-            <p:ph type="sldImg"/>
-          </p:nvPr>
-        </p:nvSpPr>
-        <p:spPr/>
-      </p:sp>
-      <p:sp>
-        <p:nvSpPr>
-          <p:cNvPr id="3" name="Segnaposto note 2">
-            <a:extLst>
-              <a:ext uri="{FF2B5EF4-FFF2-40B4-BE49-F238E27FC236}">
-                <a16:creationId xmlns:a16="http://schemas.microsoft.com/office/drawing/2014/main" id="{3DF18F6E-6AD3-9AB3-7D5C-DB35BF007B46}"/>
-              </a:ext>
-            </a:extLst>
-          </p:cNvPr>
-          <p:cNvSpPr>
-            <a:spLocks noGrp="1"/>
-          </p:cNvSpPr>
-          <p:nvPr>
-            <p:ph type="body" idx="1"/>
-          </p:nvPr>
-        </p:nvSpPr>
-        <p:spPr/>
-        <p:txBody>
-          <a:bodyPr/>
-          <a:lstStyle/>
-          <a:p>
-            <a:endParaRPr lang="it-IT" dirty="0"/>
-          </a:p>
-        </p:txBody>
-      </p:sp>
-      <p:sp>
-        <p:nvSpPr>
-          <p:cNvPr id="4" name="Segnaposto numero diapositiva 3">
-            <a:extLst>
-              <a:ext uri="{FF2B5EF4-FFF2-40B4-BE49-F238E27FC236}">
-                <a16:creationId xmlns:a16="http://schemas.microsoft.com/office/drawing/2014/main" id="{30176C4A-9685-28E4-F2FE-D16CECB76829}"/>
-              </a:ext>
-            </a:extLst>
-          </p:cNvPr>
-          <p:cNvSpPr>
-            <a:spLocks noGrp="1"/>
-          </p:cNvSpPr>
-          <p:nvPr>
-            <p:ph type="sldNum" sz="quarter" idx="5"/>
-          </p:nvPr>
-        </p:nvSpPr>
-        <p:spPr/>
-        <p:txBody>
-          <a:bodyPr/>
-          <a:lstStyle/>
-          <a:p>
-            <a:fld id="{5AC2CDE7-AE26-41BE-81F1-CDE2C07D695F}" type="slidenum">
-              <a:rPr lang="it-IT" smtClean="0"/>
-              <a:t>12</a:t>
-            </a:fld>
-            <a:endParaRPr lang="it-IT"/>
-          </a:p>
-        </p:txBody>
-      </p:sp>
-    </p:spTree>
-    <p:extLst>
-      <p:ext uri="{BB962C8B-B14F-4D97-AF65-F5344CB8AC3E}">
-        <p14:creationId xmlns:p14="http://schemas.microsoft.com/office/powerpoint/2010/main" val="3164952288"/>
-      </p:ext>
-    </p:extLst>
-  </p:cSld>
-  <p:clrMapOvr>
-    <a:masterClrMapping/>
-  </p:clrMapOvr>
-</p:notes>
-</file>
-
-<file path=ppt/notesSlides/notesSlide7.xml><?xml version="1.0" encoding="utf-8"?>
 <p:notes xmlns:a="http://schemas.openxmlformats.org/drawingml/2006/main" xmlns:r="http://schemas.openxmlformats.org/officeDocument/2006/relationships" xmlns:p="http://schemas.openxmlformats.org/presentationml/2006/main">
   <p:cSld>
     <p:spTree>
@@ -4027,7 +3916,7 @@
           <a:p>
             <a:fld id="{3F2DB5A4-1ADC-4498-B442-720211AEF2E0}" type="slidenum">
               <a:rPr lang="it-IT" smtClean="0"/>
-              <a:t>33</a:t>
+              <a:t>30</a:t>
             </a:fld>
             <a:endParaRPr lang="it-IT"/>
           </a:p>
@@ -4193,7 +4082,7 @@
           <a:p>
             <a:fld id="{500455EF-361E-4070-8C1A-88C48059B2BF}" type="datetimeFigureOut">
               <a:rPr lang="it-IT" smtClean="0"/>
-              <a:t>05/02/2025</a:t>
+              <a:t>06/02/2025</a:t>
             </a:fld>
             <a:endParaRPr lang="it-IT"/>
           </a:p>
@@ -4391,7 +4280,7 @@
           <a:p>
             <a:fld id="{500455EF-361E-4070-8C1A-88C48059B2BF}" type="datetimeFigureOut">
               <a:rPr lang="it-IT" smtClean="0"/>
-              <a:t>05/02/2025</a:t>
+              <a:t>06/02/2025</a:t>
             </a:fld>
             <a:endParaRPr lang="it-IT"/>
           </a:p>
@@ -5536,440 +5425,6 @@
         <p:cNvPr id="1" name="">
           <a:extLst>
             <a:ext uri="{FF2B5EF4-FFF2-40B4-BE49-F238E27FC236}">
-              <a16:creationId xmlns:a16="http://schemas.microsoft.com/office/drawing/2014/main" id="{5548CC0D-2203-EE1A-D556-1E7FFED51340}"/>
-            </a:ext>
-          </a:extLst>
-        </p:cNvPr>
-        <p:cNvGrpSpPr/>
-        <p:nvPr/>
-      </p:nvGrpSpPr>
-      <p:grpSpPr>
-        <a:xfrm>
-          <a:off x="0" y="0"/>
-          <a:ext cx="0" cy="0"/>
-          <a:chOff x="0" y="0"/>
-          <a:chExt cx="0" cy="0"/>
-        </a:xfrm>
-      </p:grpSpPr>
-      <mc:AlternateContent xmlns:mc="http://schemas.openxmlformats.org/markup-compatibility/2006" xmlns:a14="http://schemas.microsoft.com/office/drawing/2010/main">
-        <mc:Choice Requires="a14">
-          <p:sp>
-            <p:nvSpPr>
-              <p:cNvPr id="2" name="CasellaDiTesto 1">
-                <a:extLst>
-                  <a:ext uri="{FF2B5EF4-FFF2-40B4-BE49-F238E27FC236}">
-                    <a16:creationId xmlns:a16="http://schemas.microsoft.com/office/drawing/2014/main" id="{94BC8F15-A7DC-4D61-A6C2-45806AC03854}"/>
-                  </a:ext>
-                </a:extLst>
-              </p:cNvPr>
-              <p:cNvSpPr txBox="1"/>
-              <p:nvPr/>
-            </p:nvSpPr>
-            <p:spPr>
-              <a:xfrm>
-                <a:off x="4762992" y="2661447"/>
-                <a:ext cx="2666016" cy="584775"/>
-              </a:xfrm>
-              <a:prstGeom prst="rect">
-                <a:avLst/>
-              </a:prstGeom>
-              <a:noFill/>
-            </p:spPr>
-            <p:txBody>
-              <a:bodyPr wrap="square" rtlCol="0">
-                <a:spAutoFit/>
-              </a:bodyPr>
-              <a:lstStyle/>
-              <a:p>
-                <a:pPr algn="ctr"/>
-                <a14:m>
-                  <m:oMathPara xmlns:m="http://schemas.openxmlformats.org/officeDocument/2006/math">
-                    <m:oMathParaPr>
-                      <m:jc m:val="center"/>
-                    </m:oMathParaPr>
-                    <m:oMath xmlns:m="http://schemas.openxmlformats.org/officeDocument/2006/math">
-                      <m:r>
-                        <a:rPr lang="it-IT" sz="3200" b="0" i="1" smtClean="0">
-                          <a:solidFill>
-                            <a:srgbClr val="F4F3EE"/>
-                          </a:solidFill>
-                          <a:latin typeface="Cambria Math" panose="02040503050406030204" pitchFamily="18" charset="0"/>
-                        </a:rPr>
-                        <m:t>0≤</m:t>
-                      </m:r>
-                      <m:r>
-                        <a:rPr lang="it-IT" sz="3200" b="0" i="1" smtClean="0">
-                          <a:solidFill>
-                            <a:srgbClr val="F4F3EE"/>
-                          </a:solidFill>
-                          <a:latin typeface="Cambria Math" panose="02040503050406030204" pitchFamily="18" charset="0"/>
-                        </a:rPr>
-                        <m:t>𝜃</m:t>
-                      </m:r>
-                      <m:r>
-                        <a:rPr lang="it-IT" sz="3200" b="0" i="1" smtClean="0">
-                          <a:solidFill>
-                            <a:srgbClr val="F4F3EE"/>
-                          </a:solidFill>
-                          <a:latin typeface="Cambria Math" panose="02040503050406030204" pitchFamily="18" charset="0"/>
-                        </a:rPr>
-                        <m:t>&lt;</m:t>
-                      </m:r>
-                      <m:r>
-                        <a:rPr lang="it-IT" sz="3200" b="0" i="1" smtClean="0">
-                          <a:solidFill>
-                            <a:srgbClr val="F4F3EE"/>
-                          </a:solidFill>
-                          <a:latin typeface="Cambria Math" panose="02040503050406030204" pitchFamily="18" charset="0"/>
-                        </a:rPr>
-                        <m:t>𝜋</m:t>
-                      </m:r>
-                      <m:r>
-                        <a:rPr lang="it-IT" sz="3200" b="0" i="1" smtClean="0">
-                          <a:solidFill>
-                            <a:srgbClr val="F4F3EE"/>
-                          </a:solidFill>
-                          <a:latin typeface="Cambria Math" panose="02040503050406030204" pitchFamily="18" charset="0"/>
-                        </a:rPr>
-                        <m:t> </m:t>
-                      </m:r>
-                    </m:oMath>
-                  </m:oMathPara>
-                </a14:m>
-                <a:endParaRPr lang="en-US" sz="3200" dirty="0">
-                  <a:solidFill>
-                    <a:srgbClr val="F4F3EE"/>
-                  </a:solidFill>
-                </a:endParaRPr>
-              </a:p>
-            </p:txBody>
-          </p:sp>
-        </mc:Choice>
-        <mc:Fallback xmlns="">
-          <p:sp>
-            <p:nvSpPr>
-              <p:cNvPr id="2" name="CasellaDiTesto 1">
-                <a:extLst>
-                  <a:ext uri="{FF2B5EF4-FFF2-40B4-BE49-F238E27FC236}">
-                    <a16:creationId xmlns:a16="http://schemas.microsoft.com/office/drawing/2014/main" id="{94BC8F15-A7DC-4D61-A6C2-45806AC03854}"/>
-                  </a:ext>
-                </a:extLst>
-              </p:cNvPr>
-              <p:cNvSpPr txBox="1">
-                <a:spLocks noRot="1" noChangeAspect="1" noMove="1" noResize="1" noEditPoints="1" noAdjustHandles="1" noChangeArrowheads="1" noChangeShapeType="1" noTextEdit="1"/>
-              </p:cNvSpPr>
-              <p:nvPr/>
-            </p:nvSpPr>
-            <p:spPr>
-              <a:xfrm>
-                <a:off x="4762992" y="2661447"/>
-                <a:ext cx="2666016" cy="584775"/>
-              </a:xfrm>
-              <a:prstGeom prst="rect">
-                <a:avLst/>
-              </a:prstGeom>
-              <a:blipFill>
-                <a:blip r:embed="rId3"/>
-                <a:stretch>
-                  <a:fillRect/>
-                </a:stretch>
-              </a:blipFill>
-            </p:spPr>
-            <p:txBody>
-              <a:bodyPr/>
-              <a:lstStyle/>
-              <a:p>
-                <a:r>
-                  <a:rPr lang="it-IT">
-                    <a:noFill/>
-                  </a:rPr>
-                  <a:t> </a:t>
-                </a:r>
-              </a:p>
-            </p:txBody>
-          </p:sp>
-        </mc:Fallback>
-      </mc:AlternateContent>
-      <mc:AlternateContent xmlns:mc="http://schemas.openxmlformats.org/markup-compatibility/2006" xmlns:a14="http://schemas.microsoft.com/office/drawing/2010/main">
-        <mc:Choice Requires="a14">
-          <p:sp>
-            <p:nvSpPr>
-              <p:cNvPr id="7" name="CasellaDiTesto 6">
-                <a:extLst>
-                  <a:ext uri="{FF2B5EF4-FFF2-40B4-BE49-F238E27FC236}">
-                    <a16:creationId xmlns:a16="http://schemas.microsoft.com/office/drawing/2014/main" id="{A35876D5-1689-670F-3FE2-44CC8FEEA9F0}"/>
-                  </a:ext>
-                </a:extLst>
-              </p:cNvPr>
-              <p:cNvSpPr txBox="1"/>
-              <p:nvPr/>
-            </p:nvSpPr>
-            <p:spPr>
-              <a:xfrm>
-                <a:off x="1118598" y="1615845"/>
-                <a:ext cx="9954804" cy="584775"/>
-              </a:xfrm>
-              <a:prstGeom prst="rect">
-                <a:avLst/>
-              </a:prstGeom>
-              <a:noFill/>
-            </p:spPr>
-            <p:txBody>
-              <a:bodyPr wrap="square" rtlCol="0">
-                <a:spAutoFit/>
-              </a:bodyPr>
-              <a:lstStyle/>
-              <a:p>
-                <a:pPr algn="ctr"/>
-                <a:r>
-                  <a:rPr lang="en-US" sz="1600" spc="300" dirty="0">
-                    <a:solidFill>
-                      <a:srgbClr val="F4F3EE"/>
-                    </a:solidFill>
-                  </a:rPr>
-                  <a:t>IN THE PRESENCE OF </a:t>
-                </a:r>
-                <a:r>
-                  <a:rPr lang="en-US" sz="1600" b="1" spc="300" dirty="0">
-                    <a:solidFill>
-                      <a:srgbClr val="F4F3EE"/>
-                    </a:solidFill>
-                  </a:rPr>
-                  <a:t>CHANNEL ERRORS</a:t>
-                </a:r>
-                <a:r>
-                  <a:rPr lang="en-US" sz="1600" spc="300" dirty="0">
-                    <a:solidFill>
-                      <a:srgbClr val="F4F3EE"/>
-                    </a:solidFill>
-                  </a:rPr>
-                  <a:t>, THEY ARE SIMULATED USING THE GENERAL CIRCUIT PREVIOUSLY ILLUSTRATED, WITH THE FOLLOWING </a:t>
-                </a:r>
-                <a14:m>
-                  <m:oMath xmlns:m="http://schemas.openxmlformats.org/officeDocument/2006/math">
-                    <m:r>
-                      <a:rPr lang="it-IT" sz="1600" b="0" i="1" spc="300" smtClean="0">
-                        <a:solidFill>
-                          <a:srgbClr val="F4F3EE"/>
-                        </a:solidFill>
-                        <a:latin typeface="Cambria Math" panose="02040503050406030204" pitchFamily="18" charset="0"/>
-                      </a:rPr>
-                      <m:t>𝜃</m:t>
-                    </m:r>
-                  </m:oMath>
-                </a14:m>
-                <a:r>
-                  <a:rPr lang="en-US" sz="1600" spc="300" dirty="0">
-                    <a:solidFill>
-                      <a:srgbClr val="F4F3EE"/>
-                    </a:solidFill>
-                  </a:rPr>
-                  <a:t> VALUES:</a:t>
-                </a:r>
-              </a:p>
-            </p:txBody>
-          </p:sp>
-        </mc:Choice>
-        <mc:Fallback xmlns="">
-          <p:sp>
-            <p:nvSpPr>
-              <p:cNvPr id="7" name="CasellaDiTesto 6">
-                <a:extLst>
-                  <a:ext uri="{FF2B5EF4-FFF2-40B4-BE49-F238E27FC236}">
-                    <a16:creationId xmlns:a16="http://schemas.microsoft.com/office/drawing/2014/main" id="{A35876D5-1689-670F-3FE2-44CC8FEEA9F0}"/>
-                  </a:ext>
-                </a:extLst>
-              </p:cNvPr>
-              <p:cNvSpPr txBox="1">
-                <a:spLocks noRot="1" noChangeAspect="1" noMove="1" noResize="1" noEditPoints="1" noAdjustHandles="1" noChangeArrowheads="1" noChangeShapeType="1" noTextEdit="1"/>
-              </p:cNvSpPr>
-              <p:nvPr/>
-            </p:nvSpPr>
-            <p:spPr>
-              <a:xfrm>
-                <a:off x="1118598" y="1615845"/>
-                <a:ext cx="9954804" cy="584775"/>
-              </a:xfrm>
-              <a:prstGeom prst="rect">
-                <a:avLst/>
-              </a:prstGeom>
-              <a:blipFill>
-                <a:blip r:embed="rId4"/>
-                <a:stretch>
-                  <a:fillRect t="-3125" b="-12500"/>
-                </a:stretch>
-              </a:blipFill>
-            </p:spPr>
-            <p:txBody>
-              <a:bodyPr/>
-              <a:lstStyle/>
-              <a:p>
-                <a:r>
-                  <a:rPr lang="it-IT">
-                    <a:noFill/>
-                  </a:rPr>
-                  <a:t> </a:t>
-                </a:r>
-              </a:p>
-            </p:txBody>
-          </p:sp>
-        </mc:Fallback>
-      </mc:AlternateContent>
-      <mc:AlternateContent xmlns:mc="http://schemas.openxmlformats.org/markup-compatibility/2006" xmlns:a14="http://schemas.microsoft.com/office/drawing/2010/main">
-        <mc:Choice Requires="a14">
-          <p:sp>
-            <p:nvSpPr>
-              <p:cNvPr id="10" name="CasellaDiTesto 9">
-                <a:extLst>
-                  <a:ext uri="{FF2B5EF4-FFF2-40B4-BE49-F238E27FC236}">
-                    <a16:creationId xmlns:a16="http://schemas.microsoft.com/office/drawing/2014/main" id="{8B53171D-1F6F-B556-16B4-6705CFA80CAF}"/>
-                  </a:ext>
-                </a:extLst>
-              </p:cNvPr>
-              <p:cNvSpPr txBox="1"/>
-              <p:nvPr/>
-            </p:nvSpPr>
-            <p:spPr>
-              <a:xfrm>
-                <a:off x="2145212" y="4538591"/>
-                <a:ext cx="7901577" cy="584775"/>
-              </a:xfrm>
-              <a:prstGeom prst="rect">
-                <a:avLst/>
-              </a:prstGeom>
-              <a:noFill/>
-            </p:spPr>
-            <p:txBody>
-              <a:bodyPr wrap="square" rtlCol="0">
-                <a:spAutoFit/>
-              </a:bodyPr>
-              <a:lstStyle/>
-              <a:p>
-                <a:pPr algn="ctr"/>
-                <a:r>
-                  <a:rPr lang="en-US" sz="1600" b="1" spc="300" dirty="0">
-                    <a:solidFill>
-                      <a:srgbClr val="E0AFA0"/>
-                    </a:solidFill>
-                  </a:rPr>
-                  <a:t>NOTE</a:t>
-                </a:r>
-                <a:r>
-                  <a:rPr lang="en-US" sz="1600" spc="300" dirty="0">
-                    <a:solidFill>
-                      <a:srgbClr val="F4F3EE"/>
-                    </a:solidFill>
-                  </a:rPr>
-                  <a:t> THAT WHEN </a:t>
-                </a:r>
-                <a14:m>
-                  <m:oMath xmlns:m="http://schemas.openxmlformats.org/officeDocument/2006/math">
-                    <m:r>
-                      <a:rPr lang="it-IT" sz="1600" b="0" i="1" spc="300" smtClean="0">
-                        <a:solidFill>
-                          <a:srgbClr val="F4F3EE"/>
-                        </a:solidFill>
-                        <a:latin typeface="Cambria Math" panose="02040503050406030204" pitchFamily="18" charset="0"/>
-                      </a:rPr>
-                      <m:t>𝜃</m:t>
-                    </m:r>
-                    <m:r>
-                      <a:rPr lang="it-IT" sz="1600" b="0" i="1" spc="300" smtClean="0">
-                        <a:solidFill>
-                          <a:srgbClr val="F4F3EE"/>
-                        </a:solidFill>
-                        <a:latin typeface="Cambria Math" panose="02040503050406030204" pitchFamily="18" charset="0"/>
-                      </a:rPr>
-                      <m:t>=0</m:t>
-                    </m:r>
-                  </m:oMath>
-                </a14:m>
-                <a:r>
-                  <a:rPr lang="en-US" sz="1600" spc="300" dirty="0">
-                    <a:solidFill>
-                      <a:srgbClr val="F4F3EE"/>
-                    </a:solidFill>
-                  </a:rPr>
-                  <a:t>, THE OUTPUT OF THE CIRCUIT WILL BE A COMPLETELY DEPOLARIZED STATE.</a:t>
-                </a:r>
-              </a:p>
-            </p:txBody>
-          </p:sp>
-        </mc:Choice>
-        <mc:Fallback xmlns="">
-          <p:sp>
-            <p:nvSpPr>
-              <p:cNvPr id="10" name="CasellaDiTesto 9">
-                <a:extLst>
-                  <a:ext uri="{FF2B5EF4-FFF2-40B4-BE49-F238E27FC236}">
-                    <a16:creationId xmlns:a16="http://schemas.microsoft.com/office/drawing/2014/main" id="{8B53171D-1F6F-B556-16B4-6705CFA80CAF}"/>
-                  </a:ext>
-                </a:extLst>
-              </p:cNvPr>
-              <p:cNvSpPr txBox="1">
-                <a:spLocks noRot="1" noChangeAspect="1" noMove="1" noResize="1" noEditPoints="1" noAdjustHandles="1" noChangeArrowheads="1" noChangeShapeType="1" noTextEdit="1"/>
-              </p:cNvSpPr>
-              <p:nvPr/>
-            </p:nvSpPr>
-            <p:spPr>
-              <a:xfrm>
-                <a:off x="2145212" y="4538591"/>
-                <a:ext cx="7901577" cy="584775"/>
-              </a:xfrm>
-              <a:prstGeom prst="rect">
-                <a:avLst/>
-              </a:prstGeom>
-              <a:blipFill>
-                <a:blip r:embed="rId5"/>
-                <a:stretch>
-                  <a:fillRect t="-3158" r="-926" b="-13684"/>
-                </a:stretch>
-              </a:blipFill>
-            </p:spPr>
-            <p:txBody>
-              <a:bodyPr/>
-              <a:lstStyle/>
-              <a:p>
-                <a:r>
-                  <a:rPr lang="it-IT">
-                    <a:noFill/>
-                  </a:rPr>
-                  <a:t> </a:t>
-                </a:r>
-              </a:p>
-            </p:txBody>
-          </p:sp>
-        </mc:Fallback>
-      </mc:AlternateContent>
-    </p:spTree>
-    <p:extLst>
-      <p:ext uri="{BB962C8B-B14F-4D97-AF65-F5344CB8AC3E}">
-        <p14:creationId xmlns:p14="http://schemas.microsoft.com/office/powerpoint/2010/main" val="1005565907"/>
-      </p:ext>
-    </p:extLst>
-  </p:cSld>
-  <p:clrMapOvr>
-    <a:masterClrMapping/>
-  </p:clrMapOvr>
-</p:sld>
-</file>
-
-<file path=ppt/slides/slide11.xml><?xml version="1.0" encoding="utf-8"?>
-<p:sld xmlns:a="http://schemas.openxmlformats.org/drawingml/2006/main" xmlns:r="http://schemas.openxmlformats.org/officeDocument/2006/relationships" xmlns:p="http://schemas.openxmlformats.org/presentationml/2006/main">
-  <p:cSld>
-    <p:bg>
-      <p:bgPr>
-        <a:solidFill>
-          <a:srgbClr val="463F3A"/>
-        </a:solidFill>
-        <a:effectLst/>
-      </p:bgPr>
-    </p:bg>
-    <p:spTree>
-      <p:nvGrpSpPr>
-        <p:cNvPr id="1" name="">
-          <a:extLst>
-            <a:ext uri="{FF2B5EF4-FFF2-40B4-BE49-F238E27FC236}">
               <a16:creationId xmlns:a16="http://schemas.microsoft.com/office/drawing/2014/main" id="{E46CF9F0-C06A-95C6-FE70-E8FCA375D441}"/>
             </a:ext>
           </a:extLst>
@@ -5999,8 +5454,8 @@
         </p:nvSpPr>
         <p:spPr>
           <a:xfrm>
-            <a:off x="999818" y="3013501"/>
-            <a:ext cx="6910805" cy="830997"/>
+            <a:off x="874312" y="2998113"/>
+            <a:ext cx="6910805" cy="861774"/>
           </a:xfrm>
           <a:prstGeom prst="rect">
             <a:avLst/>
@@ -6014,7 +5469,7 @@
           <a:lstStyle/>
           <a:p>
             <a:r>
-              <a:rPr lang="en-US" sz="4800" b="1" spc="300" noProof="0" dirty="0">
+              <a:rPr lang="en-US" sz="5000" b="1" spc="300" noProof="0" dirty="0">
                 <a:solidFill>
                   <a:srgbClr val="E0AFA0"/>
                 </a:solidFill>
@@ -6022,7 +5477,7 @@
               <a:t>3. </a:t>
             </a:r>
             <a:r>
-              <a:rPr lang="en-US" sz="4800" spc="300" noProof="0" dirty="0">
+              <a:rPr lang="en-US" sz="5000" spc="300" noProof="0" dirty="0">
                 <a:solidFill>
                   <a:srgbClr val="F4F3EE"/>
                 </a:solidFill>
@@ -6032,6 +5487,50 @@
           </a:p>
         </p:txBody>
       </p:sp>
+      <p:cxnSp>
+        <p:nvCxnSpPr>
+          <p:cNvPr id="40" name="Connettore diritto 39">
+            <a:extLst>
+              <a:ext uri="{FF2B5EF4-FFF2-40B4-BE49-F238E27FC236}">
+                <a16:creationId xmlns:a16="http://schemas.microsoft.com/office/drawing/2014/main" id="{0B4230D8-3B45-D94E-70C1-DEB7E288D6BF}"/>
+              </a:ext>
+            </a:extLst>
+          </p:cNvPr>
+          <p:cNvCxnSpPr>
+            <a:cxnSpLocks/>
+          </p:cNvCxnSpPr>
+          <p:nvPr/>
+        </p:nvCxnSpPr>
+        <p:spPr>
+          <a:xfrm flipH="1">
+            <a:off x="1790700" y="3859887"/>
+            <a:ext cx="10661276" cy="0"/>
+          </a:xfrm>
+          <a:prstGeom prst="line">
+            <a:avLst/>
+          </a:prstGeom>
+          <a:ln w="38100" cap="rnd">
+            <a:solidFill>
+              <a:srgbClr val="E0AFA0"/>
+            </a:solidFill>
+            <a:prstDash val="solid"/>
+          </a:ln>
+        </p:spPr>
+        <p:style>
+          <a:lnRef idx="2">
+            <a:schemeClr val="accent1"/>
+          </a:lnRef>
+          <a:fillRef idx="0">
+            <a:schemeClr val="accent1"/>
+          </a:fillRef>
+          <a:effectRef idx="1">
+            <a:schemeClr val="accent1"/>
+          </a:effectRef>
+          <a:fontRef idx="minor">
+            <a:schemeClr val="tx1"/>
+          </a:fontRef>
+        </p:style>
+      </p:cxnSp>
     </p:spTree>
     <p:extLst>
       <p:ext uri="{BB962C8B-B14F-4D97-AF65-F5344CB8AC3E}">
@@ -6045,7 +5544,7 @@
 </p:sld>
 </file>
 
-<file path=ppt/slides/slide12.xml><?xml version="1.0" encoding="utf-8"?>
+<file path=ppt/slides/slide11.xml><?xml version="1.0" encoding="utf-8"?>
 <p:sld xmlns:a="http://schemas.openxmlformats.org/drawingml/2006/main" xmlns:r="http://schemas.openxmlformats.org/officeDocument/2006/relationships" xmlns:p="http://schemas.openxmlformats.org/presentationml/2006/main">
   <p:cSld>
     <p:bg>
@@ -6061,7 +5560,7 @@
         <p:cNvPr id="1" name="">
           <a:extLst>
             <a:ext uri="{FF2B5EF4-FFF2-40B4-BE49-F238E27FC236}">
-              <a16:creationId xmlns:a16="http://schemas.microsoft.com/office/drawing/2014/main" id="{319FDE68-6F40-5073-6CB4-5D7E5B4BE1AA}"/>
+              <a16:creationId xmlns:a16="http://schemas.microsoft.com/office/drawing/2014/main" id="{AA87972C-A502-1F86-7988-94F1DE548629}"/>
             </a:ext>
           </a:extLst>
         </p:cNvPr>
@@ -6076,14 +5575,14 @@
           <a:chExt cx="0" cy="0"/>
         </a:xfrm>
       </p:grpSpPr>
-      <mc:AlternateContent xmlns:mc="http://schemas.openxmlformats.org/markup-compatibility/2006" xmlns:a14="http://schemas.microsoft.com/office/drawing/2010/main">
-        <mc:Choice Requires="a14">
+      <mc:AlternateContent xmlns:mc="http://schemas.openxmlformats.org/markup-compatibility/2006">
+        <mc:Choice xmlns:a14="http://schemas.microsoft.com/office/drawing/2010/main" Requires="a14">
           <p:sp>
             <p:nvSpPr>
               <p:cNvPr id="57" name="CasellaDiTesto 56">
                 <a:extLst>
                   <a:ext uri="{FF2B5EF4-FFF2-40B4-BE49-F238E27FC236}">
-                    <a16:creationId xmlns:a16="http://schemas.microsoft.com/office/drawing/2014/main" id="{C5AA053D-3393-A8E4-18A7-EB943B229110}"/>
+                    <a16:creationId xmlns:a16="http://schemas.microsoft.com/office/drawing/2014/main" id="{264D5AD1-34E1-4691-4A73-2226CE011EAE}"/>
                   </a:ext>
                 </a:extLst>
               </p:cNvPr>
@@ -6116,7 +5615,7 @@
                       <m:f>
                         <m:fPr>
                           <m:ctrlPr>
-                            <a:rPr lang="it-IT" sz="1400" b="0" i="1" smtClean="0">
+                            <a:rPr lang="it-IT" sz="1400" b="1" i="1" smtClean="0">
                               <a:solidFill>
                                 <a:srgbClr val="BCB8B1"/>
                               </a:solidFill>
@@ -6126,31 +5625,31 @@
                         </m:fPr>
                         <m:num>
                           <m:r>
-                            <a:rPr lang="it-IT" sz="1400" i="1" smtClean="0">
+                            <a:rPr lang="it-IT" sz="1400" b="1" i="1" smtClean="0">
                               <a:solidFill>
                                 <a:srgbClr val="BCB8B1"/>
                               </a:solidFill>
                               <a:latin typeface="Cambria Math" panose="02040503050406030204" pitchFamily="18" charset="0"/>
                             </a:rPr>
-                            <m:t>1</m:t>
+                            <m:t>𝟏</m:t>
                           </m:r>
                         </m:num>
                         <m:den>
                           <m:r>
-                            <a:rPr lang="it-IT" sz="1400" b="0" i="1" smtClean="0">
+                            <a:rPr lang="it-IT" sz="1400" b="1" i="1" smtClean="0">
                               <a:solidFill>
                                 <a:srgbClr val="BCB8B1"/>
                               </a:solidFill>
                               <a:latin typeface="Cambria Math" panose="02040503050406030204" pitchFamily="18" charset="0"/>
                             </a:rPr>
-                            <m:t>2</m:t>
+                            <m:t>𝟐</m:t>
                           </m:r>
                         </m:den>
                       </m:f>
                     </m:oMath>
                   </m:oMathPara>
                 </a14:m>
-                <a:endParaRPr lang="it-IT" sz="1400" b="0" dirty="0">
+                <a:endParaRPr lang="it-IT" sz="1400" b="1" dirty="0">
                   <a:solidFill>
                     <a:srgbClr val="BCB8B1"/>
                   </a:solidFill>
@@ -6159,13 +5658,13 @@
             </p:txBody>
           </p:sp>
         </mc:Choice>
-        <mc:Fallback xmlns="">
+        <mc:Fallback>
           <p:sp>
             <p:nvSpPr>
               <p:cNvPr id="57" name="CasellaDiTesto 56">
                 <a:extLst>
                   <a:ext uri="{FF2B5EF4-FFF2-40B4-BE49-F238E27FC236}">
-                    <a16:creationId xmlns:a16="http://schemas.microsoft.com/office/drawing/2014/main" id="{C5AA053D-3393-A8E4-18A7-EB943B229110}"/>
+                    <a16:creationId xmlns:a16="http://schemas.microsoft.com/office/drawing/2014/main" id="{264D5AD1-34E1-4691-4A73-2226CE011EAE}"/>
                   </a:ext>
                 </a:extLst>
               </p:cNvPr>
@@ -6209,7 +5708,7 @@
           <p:cNvPr id="2" name="CasellaDiTesto 1">
             <a:extLst>
               <a:ext uri="{FF2B5EF4-FFF2-40B4-BE49-F238E27FC236}">
-                <a16:creationId xmlns:a16="http://schemas.microsoft.com/office/drawing/2014/main" id="{D64A1AEE-6218-D88B-2D9F-0506D7A9AD23}"/>
+                <a16:creationId xmlns:a16="http://schemas.microsoft.com/office/drawing/2014/main" id="{DD9BBB64-71DA-0AE5-4A28-A34E6F37CEA2}"/>
               </a:ext>
             </a:extLst>
           </p:cNvPr>
@@ -6218,8 +5717,8 @@
         </p:nvSpPr>
         <p:spPr>
           <a:xfrm>
-            <a:off x="1118598" y="494533"/>
-            <a:ext cx="9954804" cy="584775"/>
+            <a:off x="1768974" y="465958"/>
+            <a:ext cx="8654052" cy="584775"/>
           </a:xfrm>
           <a:prstGeom prst="rect">
             <a:avLst/>
@@ -6239,7 +5738,23 @@
                   <a:srgbClr val="F4F3EE"/>
                 </a:solidFill>
               </a:rPr>
-              <a:t>IN THE EAVESDROPPING SCENARIO </a:t>
+              <a:t>IN THE </a:t>
+            </a:r>
+            <a:r>
+              <a:rPr lang="en-US" sz="1600" b="1" spc="300" dirty="0">
+                <a:solidFill>
+                  <a:srgbClr val="E0AFA0"/>
+                </a:solidFill>
+              </a:rPr>
+              <a:t>EAVESDROPPING</a:t>
+            </a:r>
+            <a:r>
+              <a:rPr lang="en-US" sz="1600" spc="300" dirty="0">
+                <a:solidFill>
+                  <a:srgbClr val="F4F3EE"/>
+                </a:solidFill>
+              </a:rPr>
+              <a:t> SCENARIO </a:t>
             </a:r>
             <a:r>
               <a:rPr lang="en-US" sz="1600" b="1" spc="300" dirty="0">
@@ -6265,7 +5780,7 @@
           <p:cNvPr id="64" name="Gruppo 63">
             <a:extLst>
               <a:ext uri="{FF2B5EF4-FFF2-40B4-BE49-F238E27FC236}">
-                <a16:creationId xmlns:a16="http://schemas.microsoft.com/office/drawing/2014/main" id="{37C35F22-1D8A-C384-2780-EA6E9CAD129A}"/>
+                <a16:creationId xmlns:a16="http://schemas.microsoft.com/office/drawing/2014/main" id="{B479BEFF-9592-3AB7-9827-0644DB161FCD}"/>
               </a:ext>
             </a:extLst>
           </p:cNvPr>
@@ -6274,7 +5789,7 @@
         </p:nvGrpSpPr>
         <p:grpSpPr>
           <a:xfrm>
-            <a:off x="6768143" y="1635466"/>
+            <a:off x="6663368" y="1635466"/>
             <a:ext cx="4538347" cy="4710074"/>
             <a:chOff x="6768143" y="1635466"/>
             <a:chExt cx="4538347" cy="4710074"/>
@@ -6285,7 +5800,7 @@
             <p:cNvPr id="62" name="Gruppo 61">
               <a:extLst>
                 <a:ext uri="{FF2B5EF4-FFF2-40B4-BE49-F238E27FC236}">
-                  <a16:creationId xmlns:a16="http://schemas.microsoft.com/office/drawing/2014/main" id="{362A32FE-6B26-636A-A3F3-30D92C03DEBC}"/>
+                  <a16:creationId xmlns:a16="http://schemas.microsoft.com/office/drawing/2014/main" id="{BABD1867-5483-642D-F6E7-BBE3F77930B3}"/>
                 </a:ext>
               </a:extLst>
             </p:cNvPr>
@@ -6305,7 +5820,7 @@
               <p:cNvPr id="46" name="Gruppo 45">
                 <a:extLst>
                   <a:ext uri="{FF2B5EF4-FFF2-40B4-BE49-F238E27FC236}">
-                    <a16:creationId xmlns:a16="http://schemas.microsoft.com/office/drawing/2014/main" id="{23660690-9B83-FFB6-E6F1-1962DC8B4BD9}"/>
+                    <a16:creationId xmlns:a16="http://schemas.microsoft.com/office/drawing/2014/main" id="{B300CF8B-072F-291E-D2D1-AD85E385EFBF}"/>
                   </a:ext>
                 </a:extLst>
               </p:cNvPr>
@@ -6325,7 +5840,7 @@
                 <p:cNvPr id="47" name="Parentesi quadra aperta 46">
                   <a:extLst>
                     <a:ext uri="{FF2B5EF4-FFF2-40B4-BE49-F238E27FC236}">
-                      <a16:creationId xmlns:a16="http://schemas.microsoft.com/office/drawing/2014/main" id="{A312CCCE-0B22-C601-9B90-E848FF925317}"/>
+                      <a16:creationId xmlns:a16="http://schemas.microsoft.com/office/drawing/2014/main" id="{E1AE67B4-43F1-A5B5-00C7-3CDC619BFBA1}"/>
                     </a:ext>
                   </a:extLst>
                 </p:cNvPr>
@@ -6374,7 +5889,7 @@
                 <p:cNvPr id="48" name="Parentesi quadra aperta 47">
                   <a:extLst>
                     <a:ext uri="{FF2B5EF4-FFF2-40B4-BE49-F238E27FC236}">
-                      <a16:creationId xmlns:a16="http://schemas.microsoft.com/office/drawing/2014/main" id="{4683C441-96D0-CEAF-AD87-CECC78557FDE}"/>
+                      <a16:creationId xmlns:a16="http://schemas.microsoft.com/office/drawing/2014/main" id="{542EC12C-5777-B863-841A-867077B21AA2}"/>
                     </a:ext>
                   </a:extLst>
                 </p:cNvPr>
@@ -6423,7 +5938,7 @@
                 <p:cNvPr id="49" name="Connettore diritto 48">
                   <a:extLst>
                     <a:ext uri="{FF2B5EF4-FFF2-40B4-BE49-F238E27FC236}">
-                      <a16:creationId xmlns:a16="http://schemas.microsoft.com/office/drawing/2014/main" id="{CE351977-BEE0-B6A5-9D4B-4B740C968074}"/>
+                      <a16:creationId xmlns:a16="http://schemas.microsoft.com/office/drawing/2014/main" id="{B87CDC0D-2BCD-CDAE-FEA5-C55074146DC6}"/>
                     </a:ext>
                   </a:extLst>
                 </p:cNvPr>
@@ -6466,7 +5981,7 @@
                 <p:cNvPr id="50" name="Connettore diritto 49">
                   <a:extLst>
                     <a:ext uri="{FF2B5EF4-FFF2-40B4-BE49-F238E27FC236}">
-                      <a16:creationId xmlns:a16="http://schemas.microsoft.com/office/drawing/2014/main" id="{34549BD6-9770-0F14-3352-F55522B6B9FC}"/>
+                      <a16:creationId xmlns:a16="http://schemas.microsoft.com/office/drawing/2014/main" id="{9EA2F9C7-5B1F-2440-19D2-A655F56EB2F4}"/>
                     </a:ext>
                   </a:extLst>
                 </p:cNvPr>
@@ -6510,7 +6025,7 @@
               <p:cNvPr id="16" name="Gruppo 15">
                 <a:extLst>
                   <a:ext uri="{FF2B5EF4-FFF2-40B4-BE49-F238E27FC236}">
-                    <a16:creationId xmlns:a16="http://schemas.microsoft.com/office/drawing/2014/main" id="{93A8F06C-3F73-A0B3-53E9-15B6FC6F5BD7}"/>
+                    <a16:creationId xmlns:a16="http://schemas.microsoft.com/office/drawing/2014/main" id="{20E095D3-53D3-8A73-3434-A547E914E7A8}"/>
                   </a:ext>
                 </a:extLst>
               </p:cNvPr>
@@ -6530,7 +6045,7 @@
                 <p:cNvPr id="45" name="Gruppo 44">
                   <a:extLst>
                     <a:ext uri="{FF2B5EF4-FFF2-40B4-BE49-F238E27FC236}">
-                      <a16:creationId xmlns:a16="http://schemas.microsoft.com/office/drawing/2014/main" id="{EA22F029-C4A3-306D-AEA3-4CEF266E746A}"/>
+                      <a16:creationId xmlns:a16="http://schemas.microsoft.com/office/drawing/2014/main" id="{9685395E-C533-FE53-CD96-3248257A7D21}"/>
                     </a:ext>
                   </a:extLst>
                 </p:cNvPr>
@@ -6550,7 +6065,7 @@
                   <p:cNvPr id="3" name="Connettore diritto 2">
                     <a:extLst>
                       <a:ext uri="{FF2B5EF4-FFF2-40B4-BE49-F238E27FC236}">
-                        <a16:creationId xmlns:a16="http://schemas.microsoft.com/office/drawing/2014/main" id="{753FD8D0-056F-ED25-F63D-27E87871BA79}"/>
+                        <a16:creationId xmlns:a16="http://schemas.microsoft.com/office/drawing/2014/main" id="{BA2370E7-FF13-365C-FF49-783DCC0162CE}"/>
                       </a:ext>
                     </a:extLst>
                   </p:cNvPr>
@@ -6593,7 +6108,7 @@
                   <p:cNvPr id="5" name="Connettore diritto 4">
                     <a:extLst>
                       <a:ext uri="{FF2B5EF4-FFF2-40B4-BE49-F238E27FC236}">
-                        <a16:creationId xmlns:a16="http://schemas.microsoft.com/office/drawing/2014/main" id="{134E4FA5-3709-E047-8341-B5FCC88F6890}"/>
+                        <a16:creationId xmlns:a16="http://schemas.microsoft.com/office/drawing/2014/main" id="{EE4F6E40-F45C-807E-B0D0-1A4E5BDF86C4}"/>
                       </a:ext>
                     </a:extLst>
                   </p:cNvPr>
@@ -6631,14 +6146,14 @@
                   </a:fontRef>
                 </p:style>
               </p:cxnSp>
-              <mc:AlternateContent xmlns:mc="http://schemas.openxmlformats.org/markup-compatibility/2006" xmlns:a14="http://schemas.microsoft.com/office/drawing/2010/main">
-                <mc:Choice Requires="a14">
+              <mc:AlternateContent xmlns:mc="http://schemas.openxmlformats.org/markup-compatibility/2006">
+                <mc:Choice xmlns:a14="http://schemas.microsoft.com/office/drawing/2010/main" Requires="a14">
                   <p:sp>
                     <p:nvSpPr>
                       <p:cNvPr id="7" name="CasellaDiTesto 6">
                         <a:extLst>
                           <a:ext uri="{FF2B5EF4-FFF2-40B4-BE49-F238E27FC236}">
-                            <a16:creationId xmlns:a16="http://schemas.microsoft.com/office/drawing/2014/main" id="{F993B1BF-53CC-822D-C6CB-6F68A7408AF3}"/>
+                            <a16:creationId xmlns:a16="http://schemas.microsoft.com/office/drawing/2014/main" id="{784EABCB-9938-5702-9AA7-FE7B3E826CA7}"/>
                           </a:ext>
                         </a:extLst>
                       </p:cNvPr>
@@ -6723,13 +6238,13 @@
                     </p:txBody>
                   </p:sp>
                 </mc:Choice>
-                <mc:Fallback xmlns="">
+                <mc:Fallback>
                   <p:sp>
                     <p:nvSpPr>
                       <p:cNvPr id="7" name="CasellaDiTesto 6">
                         <a:extLst>
                           <a:ext uri="{FF2B5EF4-FFF2-40B4-BE49-F238E27FC236}">
-                            <a16:creationId xmlns:a16="http://schemas.microsoft.com/office/drawing/2014/main" id="{F993B1BF-53CC-822D-C6CB-6F68A7408AF3}"/>
+                            <a16:creationId xmlns:a16="http://schemas.microsoft.com/office/drawing/2014/main" id="{784EABCB-9938-5702-9AA7-FE7B3E826CA7}"/>
                           </a:ext>
                         </a:extLst>
                       </p:cNvPr>
@@ -6768,14 +6283,14 @@
                   </p:sp>
                 </mc:Fallback>
               </mc:AlternateContent>
-              <mc:AlternateContent xmlns:mc="http://schemas.openxmlformats.org/markup-compatibility/2006" xmlns:a14="http://schemas.microsoft.com/office/drawing/2010/main">
-                <mc:Choice Requires="a14">
+              <mc:AlternateContent xmlns:mc="http://schemas.openxmlformats.org/markup-compatibility/2006">
+                <mc:Choice xmlns:a14="http://schemas.microsoft.com/office/drawing/2010/main" Requires="a14">
                   <p:sp>
                     <p:nvSpPr>
                       <p:cNvPr id="8" name="CasellaDiTesto 7">
                         <a:extLst>
                           <a:ext uri="{FF2B5EF4-FFF2-40B4-BE49-F238E27FC236}">
-                            <a16:creationId xmlns:a16="http://schemas.microsoft.com/office/drawing/2014/main" id="{0F7D06CD-2246-BF9A-62F0-A637F11591D1}"/>
+                            <a16:creationId xmlns:a16="http://schemas.microsoft.com/office/drawing/2014/main" id="{229E08FA-F439-3F59-DB89-85758680C324}"/>
                           </a:ext>
                         </a:extLst>
                       </p:cNvPr>
@@ -6860,13 +6375,13 @@
                     </p:txBody>
                   </p:sp>
                 </mc:Choice>
-                <mc:Fallback xmlns="">
+                <mc:Fallback>
                   <p:sp>
                     <p:nvSpPr>
                       <p:cNvPr id="8" name="CasellaDiTesto 7">
                         <a:extLst>
                           <a:ext uri="{FF2B5EF4-FFF2-40B4-BE49-F238E27FC236}">
-                            <a16:creationId xmlns:a16="http://schemas.microsoft.com/office/drawing/2014/main" id="{0F7D06CD-2246-BF9A-62F0-A637F11591D1}"/>
+                            <a16:creationId xmlns:a16="http://schemas.microsoft.com/office/drawing/2014/main" id="{229E08FA-F439-3F59-DB89-85758680C324}"/>
                           </a:ext>
                         </a:extLst>
                       </p:cNvPr>
@@ -6910,7 +6425,7 @@
                   <p:cNvPr id="9" name="Gruppo 8">
                     <a:extLst>
                       <a:ext uri="{FF2B5EF4-FFF2-40B4-BE49-F238E27FC236}">
-                        <a16:creationId xmlns:a16="http://schemas.microsoft.com/office/drawing/2014/main" id="{7DD01C58-AF4D-A5AA-9284-2109EDBA23E7}"/>
+                        <a16:creationId xmlns:a16="http://schemas.microsoft.com/office/drawing/2014/main" id="{D97102DE-2727-2974-601F-7C179E87A446}"/>
                       </a:ext>
                     </a:extLst>
                   </p:cNvPr>
@@ -6930,7 +6445,7 @@
                     <p:cNvPr id="10" name="Rettangolo con angoli arrotondati 9">
                       <a:extLst>
                         <a:ext uri="{FF2B5EF4-FFF2-40B4-BE49-F238E27FC236}">
-                          <a16:creationId xmlns:a16="http://schemas.microsoft.com/office/drawing/2014/main" id="{DDE027E9-5AB2-5556-B779-1EA7B9D28A38}"/>
+                          <a16:creationId xmlns:a16="http://schemas.microsoft.com/office/drawing/2014/main" id="{DBF9AB36-47BB-8056-085A-BE3BBF46991A}"/>
                         </a:ext>
                       </a:extLst>
                     </p:cNvPr>
@@ -6981,14 +6496,14 @@
                     </a:p>
                   </p:txBody>
                 </p:sp>
-                <mc:AlternateContent xmlns:mc="http://schemas.openxmlformats.org/markup-compatibility/2006" xmlns:a14="http://schemas.microsoft.com/office/drawing/2010/main">
-                  <mc:Choice Requires="a14">
+                <mc:AlternateContent xmlns:mc="http://schemas.openxmlformats.org/markup-compatibility/2006">
+                  <mc:Choice xmlns:a14="http://schemas.microsoft.com/office/drawing/2010/main" Requires="a14">
                     <p:sp>
                       <p:nvSpPr>
                         <p:cNvPr id="11" name="CasellaDiTesto 10">
                           <a:extLst>
                             <a:ext uri="{FF2B5EF4-FFF2-40B4-BE49-F238E27FC236}">
-                              <a16:creationId xmlns:a16="http://schemas.microsoft.com/office/drawing/2014/main" id="{DFB2DA07-1835-B2E8-2F82-E273D9DD067B}"/>
+                              <a16:creationId xmlns:a16="http://schemas.microsoft.com/office/drawing/2014/main" id="{73A2CE1D-C8D6-8FEC-2A59-EAFE1867F27E}"/>
                             </a:ext>
                           </a:extLst>
                         </p:cNvPr>
@@ -7045,13 +6560,13 @@
                       </p:txBody>
                     </p:sp>
                   </mc:Choice>
-                  <mc:Fallback xmlns="">
+                  <mc:Fallback>
                     <p:sp>
                       <p:nvSpPr>
                         <p:cNvPr id="11" name="CasellaDiTesto 10">
                           <a:extLst>
                             <a:ext uri="{FF2B5EF4-FFF2-40B4-BE49-F238E27FC236}">
-                              <a16:creationId xmlns:a16="http://schemas.microsoft.com/office/drawing/2014/main" id="{DFB2DA07-1835-B2E8-2F82-E273D9DD067B}"/>
+                              <a16:creationId xmlns:a16="http://schemas.microsoft.com/office/drawing/2014/main" id="{73A2CE1D-C8D6-8FEC-2A59-EAFE1867F27E}"/>
                             </a:ext>
                           </a:extLst>
                         </p:cNvPr>
@@ -7092,14 +6607,14 @@
                 </mc:AlternateContent>
               </p:grpSp>
             </p:grpSp>
-            <mc:AlternateContent xmlns:mc="http://schemas.openxmlformats.org/markup-compatibility/2006" xmlns:a14="http://schemas.microsoft.com/office/drawing/2010/main">
-              <mc:Choice Requires="a14">
+            <mc:AlternateContent xmlns:mc="http://schemas.openxmlformats.org/markup-compatibility/2006">
+              <mc:Choice xmlns:a14="http://schemas.microsoft.com/office/drawing/2010/main" Requires="a14">
                 <p:sp>
                   <p:nvSpPr>
                     <p:cNvPr id="44" name="CasellaDiTesto 43">
                       <a:extLst>
                         <a:ext uri="{FF2B5EF4-FFF2-40B4-BE49-F238E27FC236}">
-                          <a16:creationId xmlns:a16="http://schemas.microsoft.com/office/drawing/2014/main" id="{9972436F-D3B4-1644-5450-B7B2EF3D1C62}"/>
+                          <a16:creationId xmlns:a16="http://schemas.microsoft.com/office/drawing/2014/main" id="{574DE382-DF66-57A8-7192-7BDF00D747C5}"/>
                         </a:ext>
                       </a:extLst>
                     </p:cNvPr>
@@ -7230,13 +6745,13 @@
                   </p:txBody>
                 </p:sp>
               </mc:Choice>
-              <mc:Fallback xmlns="">
+              <mc:Fallback>
                 <p:sp>
                   <p:nvSpPr>
                     <p:cNvPr id="44" name="CasellaDiTesto 43">
                       <a:extLst>
                         <a:ext uri="{FF2B5EF4-FFF2-40B4-BE49-F238E27FC236}">
-                          <a16:creationId xmlns:a16="http://schemas.microsoft.com/office/drawing/2014/main" id="{9972436F-D3B4-1644-5450-B7B2EF3D1C62}"/>
+                          <a16:creationId xmlns:a16="http://schemas.microsoft.com/office/drawing/2014/main" id="{574DE382-DF66-57A8-7192-7BDF00D747C5}"/>
                         </a:ext>
                       </a:extLst>
                     </p:cNvPr>
@@ -7280,7 +6795,7 @@
                 <p:cNvPr id="15" name="Parentesi graffa chiusa 14">
                   <a:extLst>
                     <a:ext uri="{FF2B5EF4-FFF2-40B4-BE49-F238E27FC236}">
-                      <a16:creationId xmlns:a16="http://schemas.microsoft.com/office/drawing/2014/main" id="{CC01F7B0-9C46-BA4F-26DD-1430DA5DB9C9}"/>
+                      <a16:creationId xmlns:a16="http://schemas.microsoft.com/office/drawing/2014/main" id="{5C20B46A-F604-FEB7-136B-0321256F8BE3}"/>
                     </a:ext>
                   </a:extLst>
                 </p:cNvPr>
@@ -7335,7 +6850,7 @@
             <p:cNvPr id="61" name="Gruppo 60">
               <a:extLst>
                 <a:ext uri="{FF2B5EF4-FFF2-40B4-BE49-F238E27FC236}">
-                  <a16:creationId xmlns:a16="http://schemas.microsoft.com/office/drawing/2014/main" id="{DA966136-6714-9A6E-CF66-09F171F4B40F}"/>
+                  <a16:creationId xmlns:a16="http://schemas.microsoft.com/office/drawing/2014/main" id="{F2874BFA-D7DE-C0E0-D3BD-B9168369020B}"/>
                 </a:ext>
               </a:extLst>
             </p:cNvPr>
@@ -7355,7 +6870,7 @@
               <p:cNvPr id="23" name="Parentesi quadra aperta 22">
                 <a:extLst>
                   <a:ext uri="{FF2B5EF4-FFF2-40B4-BE49-F238E27FC236}">
-                    <a16:creationId xmlns:a16="http://schemas.microsoft.com/office/drawing/2014/main" id="{57F3872B-1353-3644-132C-215D28973C00}"/>
+                    <a16:creationId xmlns:a16="http://schemas.microsoft.com/office/drawing/2014/main" id="{C3940D39-2A85-3DE7-879C-3BCCBF18E49A}"/>
                   </a:ext>
                 </a:extLst>
               </p:cNvPr>
@@ -7404,7 +6919,7 @@
               <p:cNvPr id="24" name="Parentesi quadra aperta 23">
                 <a:extLst>
                   <a:ext uri="{FF2B5EF4-FFF2-40B4-BE49-F238E27FC236}">
-                    <a16:creationId xmlns:a16="http://schemas.microsoft.com/office/drawing/2014/main" id="{4CA5B2F6-AA03-6F7A-1EFF-AC70BAFD9043}"/>
+                    <a16:creationId xmlns:a16="http://schemas.microsoft.com/office/drawing/2014/main" id="{3A6E23EA-EB0C-C7CC-88D1-086EBBEB87EE}"/>
                   </a:ext>
                 </a:extLst>
               </p:cNvPr>
@@ -7453,7 +6968,7 @@
               <p:cNvPr id="25" name="Connettore diritto 24">
                 <a:extLst>
                   <a:ext uri="{FF2B5EF4-FFF2-40B4-BE49-F238E27FC236}">
-                    <a16:creationId xmlns:a16="http://schemas.microsoft.com/office/drawing/2014/main" id="{4376BFDE-5EB8-93C2-D633-10527F776BC9}"/>
+                    <a16:creationId xmlns:a16="http://schemas.microsoft.com/office/drawing/2014/main" id="{D1975296-DE72-C089-BC1E-DE79927B7792}"/>
                   </a:ext>
                 </a:extLst>
               </p:cNvPr>
@@ -7496,7 +7011,7 @@
               <p:cNvPr id="26" name="Connettore diritto 25">
                 <a:extLst>
                   <a:ext uri="{FF2B5EF4-FFF2-40B4-BE49-F238E27FC236}">
-                    <a16:creationId xmlns:a16="http://schemas.microsoft.com/office/drawing/2014/main" id="{26926B30-A70D-0AF2-56E3-F70973062EC2}"/>
+                    <a16:creationId xmlns:a16="http://schemas.microsoft.com/office/drawing/2014/main" id="{40E7D3A5-108C-851B-DE4C-7DD25363325B}"/>
                   </a:ext>
                 </a:extLst>
               </p:cNvPr>
@@ -7539,7 +7054,7 @@
               <p:cNvPr id="31" name="Connettore diritto 30">
                 <a:extLst>
                   <a:ext uri="{FF2B5EF4-FFF2-40B4-BE49-F238E27FC236}">
-                    <a16:creationId xmlns:a16="http://schemas.microsoft.com/office/drawing/2014/main" id="{A688F452-80EA-7FC8-4B70-68409C439CB2}"/>
+                    <a16:creationId xmlns:a16="http://schemas.microsoft.com/office/drawing/2014/main" id="{C6E7A025-EB14-4C73-1C55-3924A58E8FDC}"/>
                   </a:ext>
                 </a:extLst>
               </p:cNvPr>
@@ -7582,7 +7097,7 @@
               <p:cNvPr id="32" name="Connettore diritto 31">
                 <a:extLst>
                   <a:ext uri="{FF2B5EF4-FFF2-40B4-BE49-F238E27FC236}">
-                    <a16:creationId xmlns:a16="http://schemas.microsoft.com/office/drawing/2014/main" id="{C36AEA63-EC21-AB5A-00CA-EBADA9910F0F}"/>
+                    <a16:creationId xmlns:a16="http://schemas.microsoft.com/office/drawing/2014/main" id="{170DA6CA-B125-98B6-C893-5765CA2C5144}"/>
                   </a:ext>
                 </a:extLst>
               </p:cNvPr>
@@ -7620,14 +7135,14 @@
               </a:fontRef>
             </p:style>
           </p:cxnSp>
-          <mc:AlternateContent xmlns:mc="http://schemas.openxmlformats.org/markup-compatibility/2006" xmlns:a14="http://schemas.microsoft.com/office/drawing/2010/main">
-            <mc:Choice Requires="a14">
+          <mc:AlternateContent xmlns:mc="http://schemas.openxmlformats.org/markup-compatibility/2006">
+            <mc:Choice xmlns:a14="http://schemas.microsoft.com/office/drawing/2010/main" Requires="a14">
               <p:sp>
                 <p:nvSpPr>
                   <p:cNvPr id="33" name="CasellaDiTesto 32">
                     <a:extLst>
                       <a:ext uri="{FF2B5EF4-FFF2-40B4-BE49-F238E27FC236}">
-                        <a16:creationId xmlns:a16="http://schemas.microsoft.com/office/drawing/2014/main" id="{B268A130-01D6-F7E2-A76E-81A50E2AA25A}"/>
+                        <a16:creationId xmlns:a16="http://schemas.microsoft.com/office/drawing/2014/main" id="{63B479B3-12FA-698A-CF0B-93FC36C7758F}"/>
                       </a:ext>
                     </a:extLst>
                   </p:cNvPr>
@@ -7712,13 +7227,13 @@
                 </p:txBody>
               </p:sp>
             </mc:Choice>
-            <mc:Fallback xmlns="">
+            <mc:Fallback>
               <p:sp>
                 <p:nvSpPr>
                   <p:cNvPr id="33" name="CasellaDiTesto 32">
                     <a:extLst>
                       <a:ext uri="{FF2B5EF4-FFF2-40B4-BE49-F238E27FC236}">
-                        <a16:creationId xmlns:a16="http://schemas.microsoft.com/office/drawing/2014/main" id="{B268A130-01D6-F7E2-A76E-81A50E2AA25A}"/>
+                        <a16:creationId xmlns:a16="http://schemas.microsoft.com/office/drawing/2014/main" id="{63B479B3-12FA-698A-CF0B-93FC36C7758F}"/>
                       </a:ext>
                     </a:extLst>
                   </p:cNvPr>
@@ -7757,14 +7272,14 @@
               </p:sp>
             </mc:Fallback>
           </mc:AlternateContent>
-          <mc:AlternateContent xmlns:mc="http://schemas.openxmlformats.org/markup-compatibility/2006" xmlns:a14="http://schemas.microsoft.com/office/drawing/2010/main">
-            <mc:Choice Requires="a14">
+          <mc:AlternateContent xmlns:mc="http://schemas.openxmlformats.org/markup-compatibility/2006">
+            <mc:Choice xmlns:a14="http://schemas.microsoft.com/office/drawing/2010/main" Requires="a14">
               <p:sp>
                 <p:nvSpPr>
                   <p:cNvPr id="34" name="CasellaDiTesto 33">
                     <a:extLst>
                       <a:ext uri="{FF2B5EF4-FFF2-40B4-BE49-F238E27FC236}">
-                        <a16:creationId xmlns:a16="http://schemas.microsoft.com/office/drawing/2014/main" id="{A17AA134-44AE-B879-839A-18B9574CE72C}"/>
+                        <a16:creationId xmlns:a16="http://schemas.microsoft.com/office/drawing/2014/main" id="{D9EC4933-2E36-8DA7-C68D-B9DDDA95E379}"/>
                       </a:ext>
                     </a:extLst>
                   </p:cNvPr>
@@ -7849,13 +7364,13 @@
                 </p:txBody>
               </p:sp>
             </mc:Choice>
-            <mc:Fallback xmlns="">
+            <mc:Fallback>
               <p:sp>
                 <p:nvSpPr>
                   <p:cNvPr id="34" name="CasellaDiTesto 33">
                     <a:extLst>
                       <a:ext uri="{FF2B5EF4-FFF2-40B4-BE49-F238E27FC236}">
-                        <a16:creationId xmlns:a16="http://schemas.microsoft.com/office/drawing/2014/main" id="{A17AA134-44AE-B879-839A-18B9574CE72C}"/>
+                        <a16:creationId xmlns:a16="http://schemas.microsoft.com/office/drawing/2014/main" id="{D9EC4933-2E36-8DA7-C68D-B9DDDA95E379}"/>
                       </a:ext>
                     </a:extLst>
                   </p:cNvPr>
@@ -7899,7 +7414,7 @@
               <p:cNvPr id="58" name="Gruppo 57">
                 <a:extLst>
                   <a:ext uri="{FF2B5EF4-FFF2-40B4-BE49-F238E27FC236}">
-                    <a16:creationId xmlns:a16="http://schemas.microsoft.com/office/drawing/2014/main" id="{E9FDDCF1-DB17-B647-FF13-D6AD625E12F4}"/>
+                    <a16:creationId xmlns:a16="http://schemas.microsoft.com/office/drawing/2014/main" id="{7BFF97AD-4B94-FD19-D31F-69EF9D142EDF}"/>
                   </a:ext>
                 </a:extLst>
               </p:cNvPr>
@@ -7919,7 +7434,7 @@
                 <p:cNvPr id="59" name="Rettangolo con angoli arrotondati 58">
                   <a:extLst>
                     <a:ext uri="{FF2B5EF4-FFF2-40B4-BE49-F238E27FC236}">
-                      <a16:creationId xmlns:a16="http://schemas.microsoft.com/office/drawing/2014/main" id="{F16C620B-6042-C6F8-8412-30F7F8E7FD50}"/>
+                      <a16:creationId xmlns:a16="http://schemas.microsoft.com/office/drawing/2014/main" id="{B49D39BA-F856-520D-F1BE-0FDE2361167F}"/>
                     </a:ext>
                   </a:extLst>
                 </p:cNvPr>
@@ -7970,14 +7485,14 @@
                 </a:p>
               </p:txBody>
             </p:sp>
-            <mc:AlternateContent xmlns:mc="http://schemas.openxmlformats.org/markup-compatibility/2006" xmlns:a14="http://schemas.microsoft.com/office/drawing/2010/main">
-              <mc:Choice Requires="a14">
+            <mc:AlternateContent xmlns:mc="http://schemas.openxmlformats.org/markup-compatibility/2006">
+              <mc:Choice xmlns:a14="http://schemas.microsoft.com/office/drawing/2010/main" Requires="a14">
                 <p:sp>
                   <p:nvSpPr>
                     <p:cNvPr id="60" name="CasellaDiTesto 59">
                       <a:extLst>
                         <a:ext uri="{FF2B5EF4-FFF2-40B4-BE49-F238E27FC236}">
-                          <a16:creationId xmlns:a16="http://schemas.microsoft.com/office/drawing/2014/main" id="{C4D2518D-7535-ED44-3A02-82D0E8514675}"/>
+                          <a16:creationId xmlns:a16="http://schemas.microsoft.com/office/drawing/2014/main" id="{F4D203EB-B16C-5951-991F-DCE53FBEDB8A}"/>
                         </a:ext>
                       </a:extLst>
                     </p:cNvPr>
@@ -8034,13 +7549,13 @@
                   </p:txBody>
                 </p:sp>
               </mc:Choice>
-              <mc:Fallback xmlns="">
+              <mc:Fallback>
                 <p:sp>
                   <p:nvSpPr>
-                    <p:cNvPr id="11" name="CasellaDiTesto 10">
+                    <p:cNvPr id="60" name="CasellaDiTesto 59">
                       <a:extLst>
                         <a:ext uri="{FF2B5EF4-FFF2-40B4-BE49-F238E27FC236}">
-                          <a16:creationId xmlns:a16="http://schemas.microsoft.com/office/drawing/2014/main" id="{DFB2DA07-1835-B2E8-2F82-E273D9DD067B}"/>
+                          <a16:creationId xmlns:a16="http://schemas.microsoft.com/office/drawing/2014/main" id="{F4D203EB-B16C-5951-991F-DCE53FBEDB8A}"/>
                         </a:ext>
                       </a:extLst>
                     </p:cNvPr>
@@ -8058,7 +7573,7 @@
                       <a:avLst/>
                     </a:prstGeom>
                     <a:blipFill>
-                      <a:blip r:embed="rId6"/>
+                      <a:blip r:embed="rId10"/>
                       <a:stretch>
                         <a:fillRect/>
                       </a:stretch>
@@ -8080,14 +7595,14 @@
               </mc:Fallback>
             </mc:AlternateContent>
           </p:grpSp>
-          <mc:AlternateContent xmlns:mc="http://schemas.openxmlformats.org/markup-compatibility/2006" xmlns:a14="http://schemas.microsoft.com/office/drawing/2010/main">
-            <mc:Choice Requires="a14">
+          <mc:AlternateContent xmlns:mc="http://schemas.openxmlformats.org/markup-compatibility/2006">
+            <mc:Choice xmlns:a14="http://schemas.microsoft.com/office/drawing/2010/main" Requires="a14">
               <p:sp>
                 <p:nvSpPr>
                   <p:cNvPr id="29" name="CasellaDiTesto 28">
                     <a:extLst>
                       <a:ext uri="{FF2B5EF4-FFF2-40B4-BE49-F238E27FC236}">
-                        <a16:creationId xmlns:a16="http://schemas.microsoft.com/office/drawing/2014/main" id="{A7476481-4589-43DF-A385-908ECCF50E21}"/>
+                        <a16:creationId xmlns:a16="http://schemas.microsoft.com/office/drawing/2014/main" id="{BE74803B-F1C5-ED46-2147-BB7D20D11FC9}"/>
                       </a:ext>
                     </a:extLst>
                   </p:cNvPr>
@@ -8218,13 +7733,13 @@
                 </p:txBody>
               </p:sp>
             </mc:Choice>
-            <mc:Fallback xmlns="">
+            <mc:Fallback>
               <p:sp>
                 <p:nvSpPr>
                   <p:cNvPr id="29" name="CasellaDiTesto 28">
                     <a:extLst>
                       <a:ext uri="{FF2B5EF4-FFF2-40B4-BE49-F238E27FC236}">
-                        <a16:creationId xmlns:a16="http://schemas.microsoft.com/office/drawing/2014/main" id="{A7476481-4589-43DF-A385-908ECCF50E21}"/>
+                        <a16:creationId xmlns:a16="http://schemas.microsoft.com/office/drawing/2014/main" id="{BE74803B-F1C5-ED46-2147-BB7D20D11FC9}"/>
                       </a:ext>
                     </a:extLst>
                   </p:cNvPr>
@@ -8242,7 +7757,7 @@
                     <a:avLst/>
                   </a:prstGeom>
                   <a:blipFill>
-                    <a:blip r:embed="rId10"/>
+                    <a:blip r:embed="rId11"/>
                     <a:stretch>
                       <a:fillRect l="-13869" r="-1460" b="-13636"/>
                     </a:stretch>
@@ -8268,7 +7783,7 @@
               <p:cNvPr id="30" name="Parentesi graffa chiusa 29">
                 <a:extLst>
                   <a:ext uri="{FF2B5EF4-FFF2-40B4-BE49-F238E27FC236}">
-                    <a16:creationId xmlns:a16="http://schemas.microsoft.com/office/drawing/2014/main" id="{C21228E1-B529-4E59-E064-A1071E978420}"/>
+                    <a16:creationId xmlns:a16="http://schemas.microsoft.com/office/drawing/2014/main" id="{2878571F-46E4-D60C-4B0B-89165AE146CD}"/>
                   </a:ext>
                 </a:extLst>
               </p:cNvPr>
@@ -8323,7 +7838,7 @@
           <p:cNvPr id="63" name="CasellaDiTesto 62">
             <a:extLst>
               <a:ext uri="{FF2B5EF4-FFF2-40B4-BE49-F238E27FC236}">
-                <a16:creationId xmlns:a16="http://schemas.microsoft.com/office/drawing/2014/main" id="{05538D82-0E09-D997-E6DF-073C054AD14B}"/>
+                <a16:creationId xmlns:a16="http://schemas.microsoft.com/office/drawing/2014/main" id="{5B5E61A5-079D-D436-8DFF-3CE0A4E5D22D}"/>
               </a:ext>
             </a:extLst>
           </p:cNvPr>
@@ -8332,7 +7847,7 @@
         </p:nvSpPr>
         <p:spPr>
           <a:xfrm>
-            <a:off x="648747" y="3513450"/>
+            <a:off x="848772" y="3513450"/>
             <a:ext cx="4428781" cy="954107"/>
           </a:xfrm>
           <a:prstGeom prst="rect">
@@ -8363,7 +7878,7 @@
           <p:cNvPr id="65" name="Connettore a gomito 78">
             <a:extLst>
               <a:ext uri="{FF2B5EF4-FFF2-40B4-BE49-F238E27FC236}">
-                <a16:creationId xmlns:a16="http://schemas.microsoft.com/office/drawing/2014/main" id="{1C7FD14D-7FA3-DAFA-D9A6-675C48371D2C}"/>
+                <a16:creationId xmlns:a16="http://schemas.microsoft.com/office/drawing/2014/main" id="{9CB19FF1-10BC-445F-A1DA-E4DFB5516419}"/>
               </a:ext>
             </a:extLst>
           </p:cNvPr>
@@ -8376,8 +7891,8 @@
         </p:nvCxnSpPr>
         <p:spPr>
           <a:xfrm flipV="1">
-            <a:off x="5077528" y="2711875"/>
-            <a:ext cx="1690615" cy="1278629"/>
+            <a:off x="5277553" y="2711875"/>
+            <a:ext cx="1385815" cy="1278629"/>
           </a:xfrm>
           <a:prstGeom prst="bentConnector3">
             <a:avLst>
@@ -8412,7 +7927,7 @@
           <p:cNvPr id="68" name="Connettore a gomito 78">
             <a:extLst>
               <a:ext uri="{FF2B5EF4-FFF2-40B4-BE49-F238E27FC236}">
-                <a16:creationId xmlns:a16="http://schemas.microsoft.com/office/drawing/2014/main" id="{7EF24B08-BAB3-FF40-91E0-DA9E2E171794}"/>
+                <a16:creationId xmlns:a16="http://schemas.microsoft.com/office/drawing/2014/main" id="{597FDCFD-CECB-9456-D5FB-98C4BDFB2C70}"/>
               </a:ext>
             </a:extLst>
           </p:cNvPr>
@@ -8425,8 +7940,8 @@
         </p:nvCxnSpPr>
         <p:spPr>
           <a:xfrm>
-            <a:off x="5077528" y="3990504"/>
-            <a:ext cx="1690617" cy="1279916"/>
+            <a:off x="5277553" y="3990504"/>
+            <a:ext cx="1385817" cy="1279916"/>
           </a:xfrm>
           <a:prstGeom prst="bentConnector3">
             <a:avLst>
@@ -8456,14 +7971,14 @@
           </a:fontRef>
         </p:style>
       </p:cxnSp>
-      <mc:AlternateContent xmlns:mc="http://schemas.openxmlformats.org/markup-compatibility/2006" xmlns:a14="http://schemas.microsoft.com/office/drawing/2010/main">
-        <mc:Choice Requires="a14">
+      <mc:AlternateContent xmlns:mc="http://schemas.openxmlformats.org/markup-compatibility/2006">
+        <mc:Choice xmlns:a14="http://schemas.microsoft.com/office/drawing/2010/main" Requires="a14">
           <p:sp>
             <p:nvSpPr>
               <p:cNvPr id="71" name="CasellaDiTesto 70">
                 <a:extLst>
                   <a:ext uri="{FF2B5EF4-FFF2-40B4-BE49-F238E27FC236}">
-                    <a16:creationId xmlns:a16="http://schemas.microsoft.com/office/drawing/2014/main" id="{EEB617BE-FA18-5FE9-B319-08F4D4F9506A}"/>
+                    <a16:creationId xmlns:a16="http://schemas.microsoft.com/office/drawing/2014/main" id="{7BF9FA64-CAA5-E422-A669-D47C446E4AC1}"/>
                   </a:ext>
                 </a:extLst>
               </p:cNvPr>
@@ -8496,7 +8011,7 @@
                       <m:f>
                         <m:fPr>
                           <m:ctrlPr>
-                            <a:rPr lang="it-IT" sz="1400" b="0" i="1" smtClean="0">
+                            <a:rPr lang="it-IT" sz="1400" b="1" i="1" smtClean="0">
                               <a:solidFill>
                                 <a:srgbClr val="BCB8B1"/>
                               </a:solidFill>
@@ -8506,31 +8021,31 @@
                         </m:fPr>
                         <m:num>
                           <m:r>
-                            <a:rPr lang="it-IT" sz="1400" i="1" smtClean="0">
+                            <a:rPr lang="it-IT" sz="1400" b="1" i="1" smtClean="0">
                               <a:solidFill>
                                 <a:srgbClr val="BCB8B1"/>
                               </a:solidFill>
                               <a:latin typeface="Cambria Math" panose="02040503050406030204" pitchFamily="18" charset="0"/>
                             </a:rPr>
-                            <m:t>1</m:t>
+                            <m:t>𝟏</m:t>
                           </m:r>
                         </m:num>
                         <m:den>
                           <m:r>
-                            <a:rPr lang="it-IT" sz="1400" b="0" i="1" smtClean="0">
+                            <a:rPr lang="it-IT" sz="1400" b="1" i="1" smtClean="0">
                               <a:solidFill>
                                 <a:srgbClr val="BCB8B1"/>
                               </a:solidFill>
                               <a:latin typeface="Cambria Math" panose="02040503050406030204" pitchFamily="18" charset="0"/>
                             </a:rPr>
-                            <m:t>2</m:t>
+                            <m:t>𝟐</m:t>
                           </m:r>
                         </m:den>
                       </m:f>
                     </m:oMath>
                   </m:oMathPara>
                 </a14:m>
-                <a:endParaRPr lang="it-IT" sz="1400" b="0" dirty="0">
+                <a:endParaRPr lang="it-IT" sz="1400" b="1" dirty="0">
                   <a:solidFill>
                     <a:srgbClr val="BCB8B1"/>
                   </a:solidFill>
@@ -8539,13 +8054,13 @@
             </p:txBody>
           </p:sp>
         </mc:Choice>
-        <mc:Fallback xmlns="">
+        <mc:Fallback>
           <p:sp>
             <p:nvSpPr>
               <p:cNvPr id="71" name="CasellaDiTesto 70">
                 <a:extLst>
                   <a:ext uri="{FF2B5EF4-FFF2-40B4-BE49-F238E27FC236}">
-                    <a16:creationId xmlns:a16="http://schemas.microsoft.com/office/drawing/2014/main" id="{EEB617BE-FA18-5FE9-B319-08F4D4F9506A}"/>
+                    <a16:creationId xmlns:a16="http://schemas.microsoft.com/office/drawing/2014/main" id="{7BF9FA64-CAA5-E422-A669-D47C446E4AC1}"/>
                   </a:ext>
                 </a:extLst>
               </p:cNvPr>
@@ -8587,7 +8102,7 @@
     </p:spTree>
     <p:extLst>
       <p:ext uri="{BB962C8B-B14F-4D97-AF65-F5344CB8AC3E}">
-        <p14:creationId xmlns:p14="http://schemas.microsoft.com/office/powerpoint/2010/main" val="1423326746"/>
+        <p14:creationId xmlns:p14="http://schemas.microsoft.com/office/powerpoint/2010/main" val="2784789556"/>
       </p:ext>
     </p:extLst>
   </p:cSld>
@@ -8597,7 +8112,7 @@
 </p:sld>
 </file>
 
-<file path=ppt/slides/slide13.xml><?xml version="1.0" encoding="utf-8"?>
+<file path=ppt/slides/slide12.xml><?xml version="1.0" encoding="utf-8"?>
 <p:sld xmlns:a="http://schemas.openxmlformats.org/drawingml/2006/main" xmlns:r="http://schemas.openxmlformats.org/officeDocument/2006/relationships" xmlns:p="http://schemas.openxmlformats.org/presentationml/2006/main">
   <p:cSld>
     <p:bg>
@@ -8628,94 +8143,115 @@
           <a:chExt cx="0" cy="0"/>
         </a:xfrm>
       </p:grpSpPr>
-      <p:sp>
-        <p:nvSpPr>
-          <p:cNvPr id="5" name="CasellaDiTesto 4">
+      <p:grpSp>
+        <p:nvGrpSpPr>
+          <p:cNvPr id="3" name="Gruppo 2">
             <a:extLst>
               <a:ext uri="{FF2B5EF4-FFF2-40B4-BE49-F238E27FC236}">
-                <a16:creationId xmlns:a16="http://schemas.microsoft.com/office/drawing/2014/main" id="{B297FE1C-3684-B1F7-A0CD-14C46DD8EC39}"/>
+                <a16:creationId xmlns:a16="http://schemas.microsoft.com/office/drawing/2014/main" id="{4312765D-29EC-B4A4-CE33-021C556EF444}"/>
               </a:ext>
             </a:extLst>
           </p:cNvPr>
-          <p:cNvSpPr txBox="1"/>
+          <p:cNvGrpSpPr/>
           <p:nvPr/>
-        </p:nvSpPr>
-        <p:spPr>
+        </p:nvGrpSpPr>
+        <p:grpSpPr>
           <a:xfrm>
-            <a:off x="999818" y="3013501"/>
-            <a:ext cx="6910805" cy="830997"/>
+            <a:off x="952192" y="2686830"/>
+            <a:ext cx="6910806" cy="1484341"/>
+            <a:chOff x="1256992" y="2708701"/>
+            <a:chExt cx="6910806" cy="1484341"/>
           </a:xfrm>
-          <a:prstGeom prst="rect">
-            <a:avLst/>
-          </a:prstGeom>
-          <a:noFill/>
-        </p:spPr>
-        <p:txBody>
-          <a:bodyPr wrap="square" rtlCol="0">
-            <a:spAutoFit/>
-          </a:bodyPr>
-          <a:lstStyle/>
-          <a:p>
-            <a:r>
-              <a:rPr lang="en-US" sz="4800" b="1" spc="300" dirty="0">
+        </p:grpSpPr>
+        <p:sp>
+          <p:nvSpPr>
+            <p:cNvPr id="5" name="CasellaDiTesto 4">
+              <a:extLst>
+                <a:ext uri="{FF2B5EF4-FFF2-40B4-BE49-F238E27FC236}">
+                  <a16:creationId xmlns:a16="http://schemas.microsoft.com/office/drawing/2014/main" id="{B297FE1C-3684-B1F7-A0CD-14C46DD8EC39}"/>
+                </a:ext>
+              </a:extLst>
+            </p:cNvPr>
+            <p:cNvSpPr txBox="1"/>
+            <p:nvPr/>
+          </p:nvSpPr>
+          <p:spPr>
+            <a:xfrm>
+              <a:off x="1256993" y="2708701"/>
+              <a:ext cx="6910805" cy="861774"/>
+            </a:xfrm>
+            <a:prstGeom prst="rect">
+              <a:avLst/>
+            </a:prstGeom>
+            <a:noFill/>
+          </p:spPr>
+          <p:txBody>
+            <a:bodyPr wrap="square" rtlCol="0">
+              <a:spAutoFit/>
+            </a:bodyPr>
+            <a:lstStyle/>
+            <a:p>
+              <a:r>
+                <a:rPr lang="en-US" sz="5000" b="1" spc="300" dirty="0">
+                  <a:solidFill>
+                    <a:srgbClr val="F4F3EE"/>
+                  </a:solidFill>
+                </a:rPr>
+                <a:t>KEY</a:t>
+              </a:r>
+              <a:endParaRPr lang="en-US" sz="5000" spc="300" noProof="0" dirty="0">
                 <a:solidFill>
                   <a:srgbClr val="F4F3EE"/>
                 </a:solidFill>
-              </a:rPr>
-              <a:t>KEY</a:t>
-            </a:r>
-            <a:endParaRPr lang="en-US" sz="4800" spc="300" noProof="0" dirty="0">
-              <a:solidFill>
-                <a:srgbClr val="F4F3EE"/>
-              </a:solidFill>
-            </a:endParaRPr>
-          </a:p>
-        </p:txBody>
-      </p:sp>
-      <p:sp>
-        <p:nvSpPr>
-          <p:cNvPr id="2" name="CasellaDiTesto 1">
-            <a:extLst>
-              <a:ext uri="{FF2B5EF4-FFF2-40B4-BE49-F238E27FC236}">
-                <a16:creationId xmlns:a16="http://schemas.microsoft.com/office/drawing/2014/main" id="{2C53AFA9-1B38-C677-5361-DFB43D107D8F}"/>
-              </a:ext>
-            </a:extLst>
-          </p:cNvPr>
-          <p:cNvSpPr txBox="1"/>
-          <p:nvPr/>
-        </p:nvSpPr>
-        <p:spPr>
-          <a:xfrm>
-            <a:off x="999818" y="3674168"/>
-            <a:ext cx="6910805" cy="830997"/>
-          </a:xfrm>
-          <a:prstGeom prst="rect">
-            <a:avLst/>
-          </a:prstGeom>
-          <a:noFill/>
-        </p:spPr>
-        <p:txBody>
-          <a:bodyPr wrap="square" rtlCol="0">
-            <a:spAutoFit/>
-          </a:bodyPr>
-          <a:lstStyle/>
-          <a:p>
-            <a:r>
-              <a:rPr lang="en-US" sz="4800" b="1" spc="300" dirty="0">
+              </a:endParaRPr>
+            </a:p>
+          </p:txBody>
+        </p:sp>
+        <p:sp>
+          <p:nvSpPr>
+            <p:cNvPr id="2" name="CasellaDiTesto 1">
+              <a:extLst>
+                <a:ext uri="{FF2B5EF4-FFF2-40B4-BE49-F238E27FC236}">
+                  <a16:creationId xmlns:a16="http://schemas.microsoft.com/office/drawing/2014/main" id="{2C53AFA9-1B38-C677-5361-DFB43D107D8F}"/>
+                </a:ext>
+              </a:extLst>
+            </p:cNvPr>
+            <p:cNvSpPr txBox="1"/>
+            <p:nvPr/>
+          </p:nvSpPr>
+          <p:spPr>
+            <a:xfrm>
+              <a:off x="1256992" y="3331268"/>
+              <a:ext cx="6910805" cy="861774"/>
+            </a:xfrm>
+            <a:prstGeom prst="rect">
+              <a:avLst/>
+            </a:prstGeom>
+            <a:noFill/>
+          </p:spPr>
+          <p:txBody>
+            <a:bodyPr wrap="square" rtlCol="0">
+              <a:spAutoFit/>
+            </a:bodyPr>
+            <a:lstStyle/>
+            <a:p>
+              <a:r>
+                <a:rPr lang="en-US" sz="5000" b="1" spc="300" dirty="0">
+                  <a:solidFill>
+                    <a:srgbClr val="E0AFA0"/>
+                  </a:solidFill>
+                </a:rPr>
+                <a:t>DETAILS</a:t>
+              </a:r>
+              <a:endParaRPr lang="en-US" sz="5000" spc="300" noProof="0" dirty="0">
                 <a:solidFill>
                   <a:srgbClr val="E0AFA0"/>
                 </a:solidFill>
-              </a:rPr>
-              <a:t>DETAILS</a:t>
-            </a:r>
-            <a:endParaRPr lang="en-US" sz="4800" spc="300" noProof="0" dirty="0">
-              <a:solidFill>
-                <a:srgbClr val="E0AFA0"/>
-              </a:solidFill>
-            </a:endParaRPr>
-          </a:p>
-        </p:txBody>
-      </p:sp>
+              </a:endParaRPr>
+            </a:p>
+          </p:txBody>
+        </p:sp>
+      </p:grpSp>
     </p:spTree>
     <p:extLst>
       <p:ext uri="{BB962C8B-B14F-4D97-AF65-F5344CB8AC3E}">
@@ -8729,7 +8265,7 @@
 </p:sld>
 </file>
 
-<file path=ppt/slides/slide14.xml><?xml version="1.0" encoding="utf-8"?>
+<file path=ppt/slides/slide13.xml><?xml version="1.0" encoding="utf-8"?>
 <p:sld xmlns:a="http://schemas.openxmlformats.org/drawingml/2006/main" xmlns:r="http://schemas.openxmlformats.org/officeDocument/2006/relationships" xmlns:p="http://schemas.openxmlformats.org/presentationml/2006/main">
   <p:cSld>
     <p:bg>
@@ -9491,51 +9027,6 @@
               <a:t>CORRELATION VALUE</a:t>
             </a:r>
             <a:endParaRPr lang="en-US" sz="2000" spc="300" noProof="0" dirty="0">
-              <a:solidFill>
-                <a:srgbClr val="F4F3EE"/>
-              </a:solidFill>
-            </a:endParaRPr>
-          </a:p>
-        </p:txBody>
-      </p:sp>
-      <p:sp>
-        <p:nvSpPr>
-          <p:cNvPr id="31" name="CasellaDiTesto 30">
-            <a:extLst>
-              <a:ext uri="{FF2B5EF4-FFF2-40B4-BE49-F238E27FC236}">
-                <a16:creationId xmlns:a16="http://schemas.microsoft.com/office/drawing/2014/main" id="{8FB3D6C5-A4B7-FDB7-32E8-7F952562BE01}"/>
-              </a:ext>
-            </a:extLst>
-          </p:cNvPr>
-          <p:cNvSpPr txBox="1"/>
-          <p:nvPr/>
-        </p:nvSpPr>
-        <p:spPr>
-          <a:xfrm>
-            <a:off x="3335455" y="-551884"/>
-            <a:ext cx="5521087" cy="400110"/>
-          </a:xfrm>
-          <a:prstGeom prst="rect">
-            <a:avLst/>
-          </a:prstGeom>
-          <a:noFill/>
-        </p:spPr>
-        <p:txBody>
-          <a:bodyPr wrap="square" rtlCol="0">
-            <a:spAutoFit/>
-          </a:bodyPr>
-          <a:lstStyle/>
-          <a:p>
-            <a:pPr algn="ctr"/>
-            <a:r>
-              <a:rPr lang="en-US" sz="2000" b="1" spc="600" noProof="0" dirty="0">
-                <a:solidFill>
-                  <a:srgbClr val="F4F3EE"/>
-                </a:solidFill>
-              </a:rPr>
-              <a:t>CHALLENGES</a:t>
-            </a:r>
-            <a:endParaRPr lang="en-US" sz="2000" spc="600" noProof="0" dirty="0">
               <a:solidFill>
                 <a:srgbClr val="F4F3EE"/>
               </a:solidFill>
@@ -11331,7 +10822,7 @@
 </p:sld>
 </file>
 
-<file path=ppt/slides/slide15.xml><?xml version="1.0" encoding="utf-8"?>
+<file path=ppt/slides/slide14.xml><?xml version="1.0" encoding="utf-8"?>
 <p:sld xmlns:a="http://schemas.openxmlformats.org/drawingml/2006/main" xmlns:r="http://schemas.openxmlformats.org/officeDocument/2006/relationships" xmlns:p="http://schemas.openxmlformats.org/presentationml/2006/main">
   <p:cSld>
     <p:bg>
@@ -11743,7 +11234,7 @@
                     <a:srgbClr val="463F3A"/>
                   </a:solidFill>
                 </a:rPr>
-                <a:t> ASSOCIATED WITH THE RELATIVE EIGENVALUE.</a:t>
+                <a:t> ASSOCIATED WITH THE RELATIVE EIGENVALUE</a:t>
               </a:r>
             </a:p>
           </p:txBody>
@@ -15694,7 +15185,7 @@
 </p:sld>
 </file>
 
-<file path=ppt/slides/slide16.xml><?xml version="1.0" encoding="utf-8"?>
+<file path=ppt/slides/slide15.xml><?xml version="1.0" encoding="utf-8"?>
 <p:sld xmlns:a="http://schemas.openxmlformats.org/drawingml/2006/main" xmlns:r="http://schemas.openxmlformats.org/officeDocument/2006/relationships" xmlns:p="http://schemas.openxmlformats.org/presentationml/2006/main">
   <p:cSld>
     <p:bg>
@@ -15739,8 +15230,8 @@
         </p:nvSpPr>
         <p:spPr>
           <a:xfrm>
-            <a:off x="999818" y="3013501"/>
-            <a:ext cx="9686111" cy="830997"/>
+            <a:off x="952192" y="2998113"/>
+            <a:ext cx="9686111" cy="861774"/>
           </a:xfrm>
           <a:prstGeom prst="rect">
             <a:avLst/>
@@ -15754,7 +15245,7 @@
           <a:lstStyle/>
           <a:p>
             <a:r>
-              <a:rPr lang="en-US" sz="4800" b="1" spc="300" dirty="0">
+              <a:rPr lang="en-US" sz="5000" b="1" spc="300" dirty="0">
                 <a:solidFill>
                   <a:srgbClr val="F4F3EE"/>
                 </a:solidFill>
@@ -15762,7 +15253,7 @@
               <a:t>METRICS </a:t>
             </a:r>
             <a:r>
-              <a:rPr lang="en-US" sz="4800" spc="300" dirty="0">
+              <a:rPr lang="en-US" sz="5000" spc="300" dirty="0">
                 <a:solidFill>
                   <a:srgbClr val="E0AFA0"/>
                 </a:solidFill>
@@ -15770,14 +15261,14 @@
               <a:t>AND</a:t>
             </a:r>
             <a:r>
-              <a:rPr lang="en-US" sz="4800" b="1" spc="300" dirty="0">
+              <a:rPr lang="en-US" sz="5000" b="1" spc="300" dirty="0">
                 <a:solidFill>
                   <a:srgbClr val="F4F3EE"/>
                 </a:solidFill>
               </a:rPr>
               <a:t> PARAMETERS</a:t>
             </a:r>
-            <a:endParaRPr lang="en-US" sz="4800" spc="300" noProof="0" dirty="0">
+            <a:endParaRPr lang="en-US" sz="5000" spc="300" noProof="0" dirty="0">
               <a:solidFill>
                 <a:srgbClr val="F4F3EE"/>
               </a:solidFill>
@@ -15798,7 +15289,7 @@
 </p:sld>
 </file>
 
-<file path=ppt/slides/slide17.xml><?xml version="1.0" encoding="utf-8"?>
+<file path=ppt/slides/slide16.xml><?xml version="1.0" encoding="utf-8"?>
 <p:sld xmlns:a="http://schemas.openxmlformats.org/drawingml/2006/main" xmlns:r="http://schemas.openxmlformats.org/officeDocument/2006/relationships" xmlns:p="http://schemas.openxmlformats.org/presentationml/2006/main">
   <p:cSld>
     <p:bg>
@@ -15940,7 +15431,7 @@
               </a:prstGeom>
               <a:ln w="19050" cap="rnd">
                 <a:solidFill>
-                  <a:srgbClr val="E0AFA0"/>
+                  <a:srgbClr val="BCB8B1"/>
                 </a:solidFill>
                 <a:bevel/>
                 <a:tailEnd type="arrow"/>
@@ -16288,7 +15779,7 @@
               </a:prstGeom>
               <a:ln w="19050" cap="rnd">
                 <a:solidFill>
-                  <a:srgbClr val="E0AFA0"/>
+                  <a:srgbClr val="BCB8B1"/>
                 </a:solidFill>
                 <a:bevel/>
                 <a:tailEnd type="arrow"/>
@@ -17258,7 +16749,7 @@
               <a:gd name="adj2" fmla="val 50000"/>
             </a:avLst>
           </a:prstGeom>
-          <a:ln w="28575" cap="rnd">
+          <a:ln w="57150" cap="rnd">
             <a:solidFill>
               <a:srgbClr val="E0AFA0"/>
             </a:solidFill>
@@ -17314,7 +16805,7 @@
               <a:gd name="adj1" fmla="val -49716"/>
             </a:avLst>
           </a:prstGeom>
-          <a:ln w="28575" cap="rnd">
+          <a:ln w="57150" cap="rnd">
             <a:solidFill>
               <a:srgbClr val="E0AFA0"/>
             </a:solidFill>
@@ -17350,7 +16841,7 @@
 </p:sld>
 </file>
 
-<file path=ppt/slides/slide18.xml><?xml version="1.0" encoding="utf-8"?>
+<file path=ppt/slides/slide17.xml><?xml version="1.0" encoding="utf-8"?>
 <p:sld xmlns:a="http://schemas.openxmlformats.org/drawingml/2006/main" xmlns:r="http://schemas.openxmlformats.org/officeDocument/2006/relationships" xmlns:p="http://schemas.openxmlformats.org/presentationml/2006/main">
   <p:cSld>
     <p:bg>
@@ -19056,7 +18547,7 @@
 </p:sld>
 </file>
 
-<file path=ppt/slides/slide19.xml><?xml version="1.0" encoding="utf-8"?>
+<file path=ppt/slides/slide18.xml><?xml version="1.0" encoding="utf-8"?>
 <p:sld xmlns:a="http://schemas.openxmlformats.org/drawingml/2006/main" xmlns:r="http://schemas.openxmlformats.org/officeDocument/2006/relationships" xmlns:p="http://schemas.openxmlformats.org/presentationml/2006/main">
   <p:cSld>
     <p:bg>
@@ -19087,94 +18578,115 @@
           <a:chExt cx="0" cy="0"/>
         </a:xfrm>
       </p:grpSpPr>
-      <p:sp>
-        <p:nvSpPr>
-          <p:cNvPr id="5" name="CasellaDiTesto 4">
+      <p:grpSp>
+        <p:nvGrpSpPr>
+          <p:cNvPr id="3" name="Gruppo 2">
             <a:extLst>
               <a:ext uri="{FF2B5EF4-FFF2-40B4-BE49-F238E27FC236}">
-                <a16:creationId xmlns:a16="http://schemas.microsoft.com/office/drawing/2014/main" id="{07478A1E-3D70-647A-EE80-3DBCF85C57CA}"/>
+                <a16:creationId xmlns:a16="http://schemas.microsoft.com/office/drawing/2014/main" id="{1956308F-2BB1-677F-81AC-F72FC8CFA265}"/>
               </a:ext>
             </a:extLst>
           </p:cNvPr>
-          <p:cNvSpPr txBox="1"/>
+          <p:cNvGrpSpPr/>
           <p:nvPr/>
-        </p:nvSpPr>
-        <p:spPr>
+        </p:nvGrpSpPr>
+        <p:grpSpPr>
           <a:xfrm>
-            <a:off x="999818" y="3013501"/>
-            <a:ext cx="6910805" cy="830997"/>
+            <a:off x="952192" y="2686830"/>
+            <a:ext cx="6910806" cy="1484341"/>
+            <a:chOff x="1256992" y="2708701"/>
+            <a:chExt cx="6910806" cy="1484341"/>
           </a:xfrm>
-          <a:prstGeom prst="rect">
-            <a:avLst/>
-          </a:prstGeom>
-          <a:noFill/>
-        </p:spPr>
-        <p:txBody>
-          <a:bodyPr wrap="square" rtlCol="0">
-            <a:spAutoFit/>
-          </a:bodyPr>
-          <a:lstStyle/>
-          <a:p>
-            <a:r>
-              <a:rPr lang="en-US" sz="4800" b="1" spc="300" dirty="0">
+        </p:grpSpPr>
+        <p:sp>
+          <p:nvSpPr>
+            <p:cNvPr id="4" name="CasellaDiTesto 3">
+              <a:extLst>
+                <a:ext uri="{FF2B5EF4-FFF2-40B4-BE49-F238E27FC236}">
+                  <a16:creationId xmlns:a16="http://schemas.microsoft.com/office/drawing/2014/main" id="{3CE79E7C-1703-8C8F-9673-07507C46EA2E}"/>
+                </a:ext>
+              </a:extLst>
+            </p:cNvPr>
+            <p:cNvSpPr txBox="1"/>
+            <p:nvPr/>
+          </p:nvSpPr>
+          <p:spPr>
+            <a:xfrm>
+              <a:off x="1256993" y="2708701"/>
+              <a:ext cx="6910805" cy="861774"/>
+            </a:xfrm>
+            <a:prstGeom prst="rect">
+              <a:avLst/>
+            </a:prstGeom>
+            <a:noFill/>
+          </p:spPr>
+          <p:txBody>
+            <a:bodyPr wrap="square" rtlCol="0">
+              <a:spAutoFit/>
+            </a:bodyPr>
+            <a:lstStyle/>
+            <a:p>
+              <a:r>
+                <a:rPr lang="en-US" sz="5000" b="1" spc="300" dirty="0">
+                  <a:solidFill>
+                    <a:srgbClr val="F4F3EE"/>
+                  </a:solidFill>
+                </a:rPr>
+                <a:t>RESULTS</a:t>
+              </a:r>
+              <a:endParaRPr lang="en-US" sz="5000" spc="300" noProof="0" dirty="0">
                 <a:solidFill>
                   <a:srgbClr val="F4F3EE"/>
                 </a:solidFill>
-              </a:rPr>
-              <a:t>RESULTS</a:t>
-            </a:r>
-            <a:endParaRPr lang="en-US" sz="4800" spc="300" noProof="0" dirty="0">
-              <a:solidFill>
-                <a:srgbClr val="F4F3EE"/>
-              </a:solidFill>
-            </a:endParaRPr>
-          </a:p>
-        </p:txBody>
-      </p:sp>
-      <p:sp>
-        <p:nvSpPr>
-          <p:cNvPr id="2" name="CasellaDiTesto 1">
-            <a:extLst>
-              <a:ext uri="{FF2B5EF4-FFF2-40B4-BE49-F238E27FC236}">
-                <a16:creationId xmlns:a16="http://schemas.microsoft.com/office/drawing/2014/main" id="{97631016-196B-ED0D-26C6-DB674343162B}"/>
-              </a:ext>
-            </a:extLst>
-          </p:cNvPr>
-          <p:cNvSpPr txBox="1"/>
-          <p:nvPr/>
-        </p:nvSpPr>
-        <p:spPr>
-          <a:xfrm>
-            <a:off x="999818" y="3674168"/>
-            <a:ext cx="6910805" cy="830997"/>
-          </a:xfrm>
-          <a:prstGeom prst="rect">
-            <a:avLst/>
-          </a:prstGeom>
-          <a:noFill/>
-        </p:spPr>
-        <p:txBody>
-          <a:bodyPr wrap="square" rtlCol="0">
-            <a:spAutoFit/>
-          </a:bodyPr>
-          <a:lstStyle/>
-          <a:p>
-            <a:r>
-              <a:rPr lang="en-US" sz="4800" b="1" spc="300" dirty="0">
+              </a:endParaRPr>
+            </a:p>
+          </p:txBody>
+        </p:sp>
+        <p:sp>
+          <p:nvSpPr>
+            <p:cNvPr id="6" name="CasellaDiTesto 5">
+              <a:extLst>
+                <a:ext uri="{FF2B5EF4-FFF2-40B4-BE49-F238E27FC236}">
+                  <a16:creationId xmlns:a16="http://schemas.microsoft.com/office/drawing/2014/main" id="{BDDD34C3-644B-2EAF-F12D-CB4DD156BD57}"/>
+                </a:ext>
+              </a:extLst>
+            </p:cNvPr>
+            <p:cNvSpPr txBox="1"/>
+            <p:nvPr/>
+          </p:nvSpPr>
+          <p:spPr>
+            <a:xfrm>
+              <a:off x="1256992" y="3331268"/>
+              <a:ext cx="6910805" cy="861774"/>
+            </a:xfrm>
+            <a:prstGeom prst="rect">
+              <a:avLst/>
+            </a:prstGeom>
+            <a:noFill/>
+          </p:spPr>
+          <p:txBody>
+            <a:bodyPr wrap="square" rtlCol="0">
+              <a:spAutoFit/>
+            </a:bodyPr>
+            <a:lstStyle/>
+            <a:p>
+              <a:r>
+                <a:rPr lang="en-US" sz="5000" b="1" spc="300" dirty="0">
+                  <a:solidFill>
+                    <a:srgbClr val="E0AFA0"/>
+                  </a:solidFill>
+                </a:rPr>
+                <a:t>ANALYSIS</a:t>
+              </a:r>
+              <a:endParaRPr lang="en-US" sz="5000" spc="300" noProof="0" dirty="0">
                 <a:solidFill>
                   <a:srgbClr val="E0AFA0"/>
                 </a:solidFill>
-              </a:rPr>
-              <a:t>ANALYSIS</a:t>
-            </a:r>
-            <a:endParaRPr lang="en-US" sz="4800" spc="300" noProof="0" dirty="0">
-              <a:solidFill>
-                <a:srgbClr val="E0AFA0"/>
-              </a:solidFill>
-            </a:endParaRPr>
-          </a:p>
-        </p:txBody>
-      </p:sp>
+              </a:endParaRPr>
+            </a:p>
+          </p:txBody>
+        </p:sp>
+      </p:grpSp>
     </p:spTree>
     <p:extLst>
       <p:ext uri="{BB962C8B-B14F-4D97-AF65-F5344CB8AC3E}">
@@ -19188,800 +18700,7 @@
 </p:sld>
 </file>
 
-<file path=ppt/slides/slide2.xml><?xml version="1.0" encoding="utf-8"?>
-<p:sld xmlns:a="http://schemas.openxmlformats.org/drawingml/2006/main" xmlns:r="http://schemas.openxmlformats.org/officeDocument/2006/relationships" xmlns:p="http://schemas.openxmlformats.org/presentationml/2006/main">
-  <p:cSld>
-    <p:bg>
-      <p:bgPr>
-        <a:solidFill>
-          <a:srgbClr val="463F3A"/>
-        </a:solidFill>
-        <a:effectLst/>
-      </p:bgPr>
-    </p:bg>
-    <p:spTree>
-      <p:nvGrpSpPr>
-        <p:cNvPr id="1" name="">
-          <a:extLst>
-            <a:ext uri="{FF2B5EF4-FFF2-40B4-BE49-F238E27FC236}">
-              <a16:creationId xmlns:a16="http://schemas.microsoft.com/office/drawing/2014/main" id="{E99B9A50-42BA-3DD6-9FE0-13FEE13BD066}"/>
-            </a:ext>
-          </a:extLst>
-        </p:cNvPr>
-        <p:cNvGrpSpPr/>
-        <p:nvPr/>
-      </p:nvGrpSpPr>
-      <p:grpSpPr>
-        <a:xfrm>
-          <a:off x="0" y="0"/>
-          <a:ext cx="0" cy="0"/>
-          <a:chOff x="0" y="0"/>
-          <a:chExt cx="0" cy="0"/>
-        </a:xfrm>
-      </p:grpSpPr>
-      <p:sp>
-        <p:nvSpPr>
-          <p:cNvPr id="4" name="CasellaDiTesto 3">
-            <a:extLst>
-              <a:ext uri="{FF2B5EF4-FFF2-40B4-BE49-F238E27FC236}">
-                <a16:creationId xmlns:a16="http://schemas.microsoft.com/office/drawing/2014/main" id="{B1FE0225-D2CA-4EF7-C69D-D5BF456768BC}"/>
-              </a:ext>
-            </a:extLst>
-          </p:cNvPr>
-          <p:cNvSpPr txBox="1"/>
-          <p:nvPr/>
-        </p:nvSpPr>
-        <p:spPr>
-          <a:xfrm>
-            <a:off x="4384034" y="313382"/>
-            <a:ext cx="3423932" cy="338554"/>
-          </a:xfrm>
-          <a:prstGeom prst="rect">
-            <a:avLst/>
-          </a:prstGeom>
-          <a:noFill/>
-        </p:spPr>
-        <p:txBody>
-          <a:bodyPr wrap="square" rtlCol="0">
-            <a:spAutoFit/>
-          </a:bodyPr>
-          <a:lstStyle/>
-          <a:p>
-            <a:pPr algn="ctr"/>
-            <a:r>
-              <a:rPr lang="en-US" sz="1600" spc="600" noProof="0" dirty="0">
-                <a:solidFill>
-                  <a:srgbClr val="F4F3EE"/>
-                </a:solidFill>
-              </a:rPr>
-              <a:t>INTRODUCTION</a:t>
-            </a:r>
-            <a:endParaRPr lang="en-US" sz="2000" spc="600" noProof="0" dirty="0">
-              <a:solidFill>
-                <a:srgbClr val="F4F3EE"/>
-              </a:solidFill>
-            </a:endParaRPr>
-          </a:p>
-        </p:txBody>
-      </p:sp>
-      <p:sp>
-        <p:nvSpPr>
-          <p:cNvPr id="3" name="CasellaDiTesto 2">
-            <a:extLst>
-              <a:ext uri="{FF2B5EF4-FFF2-40B4-BE49-F238E27FC236}">
-                <a16:creationId xmlns:a16="http://schemas.microsoft.com/office/drawing/2014/main" id="{2FE5E1F6-B267-E65E-7C7E-BEDACC164997}"/>
-              </a:ext>
-            </a:extLst>
-          </p:cNvPr>
-          <p:cNvSpPr txBox="1"/>
-          <p:nvPr/>
-        </p:nvSpPr>
-        <p:spPr>
-          <a:xfrm>
-            <a:off x="3251106" y="1168959"/>
-            <a:ext cx="5689788" cy="1015663"/>
-          </a:xfrm>
-          <a:prstGeom prst="rect">
-            <a:avLst/>
-          </a:prstGeom>
-          <a:noFill/>
-        </p:spPr>
-        <p:txBody>
-          <a:bodyPr wrap="square" rtlCol="0">
-            <a:spAutoFit/>
-          </a:bodyPr>
-          <a:lstStyle/>
-          <a:p>
-            <a:pPr algn="just"/>
-            <a:r>
-              <a:rPr lang="en-US" sz="2000" noProof="0" dirty="0">
-                <a:solidFill>
-                  <a:srgbClr val="F4F3EE"/>
-                </a:solidFill>
-              </a:rPr>
-              <a:t>Securely sharing cryptographic keys over </a:t>
-            </a:r>
-            <a:r>
-              <a:rPr lang="en-US" sz="2000" noProof="0" dirty="0">
-                <a:solidFill>
-                  <a:srgbClr val="E0AFA0"/>
-                </a:solidFill>
-              </a:rPr>
-              <a:t>insecure channels</a:t>
-            </a:r>
-            <a:r>
-              <a:rPr lang="en-US" sz="2000" noProof="0" dirty="0">
-                <a:solidFill>
-                  <a:srgbClr val="F4F3EE"/>
-                </a:solidFill>
-              </a:rPr>
-              <a:t> is a fundamental challenge in modern cryptography. </a:t>
-            </a:r>
-          </a:p>
-        </p:txBody>
-      </p:sp>
-      <p:sp>
-        <p:nvSpPr>
-          <p:cNvPr id="5" name="CasellaDiTesto 4">
-            <a:extLst>
-              <a:ext uri="{FF2B5EF4-FFF2-40B4-BE49-F238E27FC236}">
-                <a16:creationId xmlns:a16="http://schemas.microsoft.com/office/drawing/2014/main" id="{8E0A2621-E46B-F73C-0B16-C3AC844B01C7}"/>
-              </a:ext>
-            </a:extLst>
-          </p:cNvPr>
-          <p:cNvSpPr txBox="1"/>
-          <p:nvPr/>
-        </p:nvSpPr>
-        <p:spPr>
-          <a:xfrm>
-            <a:off x="3251106" y="2858744"/>
-            <a:ext cx="5689789" cy="1015663"/>
-          </a:xfrm>
-          <a:prstGeom prst="rect">
-            <a:avLst/>
-          </a:prstGeom>
-          <a:noFill/>
-        </p:spPr>
-        <p:txBody>
-          <a:bodyPr wrap="square" rtlCol="0">
-            <a:spAutoFit/>
-          </a:bodyPr>
-          <a:lstStyle/>
-          <a:p>
-            <a:pPr algn="just"/>
-            <a:r>
-              <a:rPr lang="en-US" sz="2000" noProof="0" dirty="0">
-                <a:solidFill>
-                  <a:srgbClr val="E0AFA0"/>
-                </a:solidFill>
-              </a:rPr>
-              <a:t>Classical</a:t>
-            </a:r>
-            <a:r>
-              <a:rPr lang="en-US" sz="2000" noProof="0" dirty="0">
-                <a:solidFill>
-                  <a:srgbClr val="F4F3EE"/>
-                </a:solidFill>
-              </a:rPr>
-              <a:t> key distribution methods rely on computational hardness, which </a:t>
-            </a:r>
-            <a:r>
-              <a:rPr lang="en-US" sz="2000" noProof="0" dirty="0">
-                <a:solidFill>
-                  <a:srgbClr val="E0AFA0"/>
-                </a:solidFill>
-              </a:rPr>
-              <a:t>can be broken </a:t>
-            </a:r>
-            <a:r>
-              <a:rPr lang="en-US" sz="2000" noProof="0" dirty="0">
-                <a:solidFill>
-                  <a:srgbClr val="F4F3EE"/>
-                </a:solidFill>
-              </a:rPr>
-              <a:t>by advances in computing.</a:t>
-            </a:r>
-          </a:p>
-        </p:txBody>
-      </p:sp>
-      <p:sp>
-        <p:nvSpPr>
-          <p:cNvPr id="6" name="CasellaDiTesto 5">
-            <a:extLst>
-              <a:ext uri="{FF2B5EF4-FFF2-40B4-BE49-F238E27FC236}">
-                <a16:creationId xmlns:a16="http://schemas.microsoft.com/office/drawing/2014/main" id="{3BF4EECB-95E3-016D-07C6-697AD0E54EB2}"/>
-              </a:ext>
-            </a:extLst>
-          </p:cNvPr>
-          <p:cNvSpPr txBox="1"/>
-          <p:nvPr/>
-        </p:nvSpPr>
-        <p:spPr>
-          <a:xfrm>
-            <a:off x="3251105" y="4653870"/>
-            <a:ext cx="5689790" cy="1323439"/>
-          </a:xfrm>
-          <a:prstGeom prst="rect">
-            <a:avLst/>
-          </a:prstGeom>
-          <a:noFill/>
-        </p:spPr>
-        <p:txBody>
-          <a:bodyPr wrap="square" rtlCol="0">
-            <a:spAutoFit/>
-          </a:bodyPr>
-          <a:lstStyle/>
-          <a:p>
-            <a:pPr algn="just"/>
-            <a:r>
-              <a:rPr lang="en-US" sz="2000" noProof="0" dirty="0">
-                <a:solidFill>
-                  <a:srgbClr val="F4F3EE"/>
-                </a:solidFill>
-              </a:rPr>
-              <a:t>The E91 protocol leverages </a:t>
-            </a:r>
-            <a:r>
-              <a:rPr lang="en-US" sz="2000" noProof="0" dirty="0">
-                <a:solidFill>
-                  <a:srgbClr val="E0AFA0"/>
-                </a:solidFill>
-              </a:rPr>
-              <a:t>quantum mechanics </a:t>
-            </a:r>
-            <a:r>
-              <a:rPr lang="en-US" sz="2000" noProof="0" dirty="0">
-                <a:solidFill>
-                  <a:srgbClr val="F4F3EE"/>
-                </a:solidFill>
-              </a:rPr>
-              <a:t>(</a:t>
-            </a:r>
-            <a:r>
-              <a:rPr lang="en-US" sz="2000" i="1" noProof="0" dirty="0">
-                <a:solidFill>
-                  <a:srgbClr val="F4F3EE"/>
-                </a:solidFill>
-              </a:rPr>
-              <a:t>entanglement</a:t>
-            </a:r>
-            <a:r>
-              <a:rPr lang="en-US" sz="2000" noProof="0" dirty="0">
-                <a:solidFill>
-                  <a:srgbClr val="F4F3EE"/>
-                </a:solidFill>
-              </a:rPr>
-              <a:t> and the </a:t>
-            </a:r>
-            <a:r>
-              <a:rPr lang="en-US" sz="2000" i="1" noProof="0" dirty="0">
-                <a:solidFill>
-                  <a:srgbClr val="F4F3EE"/>
-                </a:solidFill>
-              </a:rPr>
-              <a:t>no-cloning theorem</a:t>
-            </a:r>
-            <a:r>
-              <a:rPr lang="en-US" sz="2000" noProof="0" dirty="0">
-                <a:solidFill>
-                  <a:srgbClr val="F4F3EE"/>
-                </a:solidFill>
-              </a:rPr>
-              <a:t>) to enable </a:t>
-            </a:r>
-            <a:r>
-              <a:rPr lang="en-US" sz="2000" noProof="0" dirty="0">
-                <a:solidFill>
-                  <a:srgbClr val="E0AFA0"/>
-                </a:solidFill>
-              </a:rPr>
-              <a:t>infinitely secure</a:t>
-            </a:r>
-            <a:r>
-              <a:rPr lang="en-US" sz="2000" noProof="0" dirty="0">
-                <a:solidFill>
-                  <a:srgbClr val="F4F3EE"/>
-                </a:solidFill>
-              </a:rPr>
-              <a:t> key distribution, immune to eavesdropping. </a:t>
-            </a:r>
-          </a:p>
-        </p:txBody>
-      </p:sp>
-      <p:sp>
-        <p:nvSpPr>
-          <p:cNvPr id="7" name="Parentesi quadra aperta 6">
-            <a:extLst>
-              <a:ext uri="{FF2B5EF4-FFF2-40B4-BE49-F238E27FC236}">
-                <a16:creationId xmlns:a16="http://schemas.microsoft.com/office/drawing/2014/main" id="{98C14732-81F1-7A70-6422-498BEC9E89FC}"/>
-              </a:ext>
-            </a:extLst>
-          </p:cNvPr>
-          <p:cNvSpPr/>
-          <p:nvPr/>
-        </p:nvSpPr>
-        <p:spPr>
-          <a:xfrm>
-            <a:off x="3092445" y="1046980"/>
-            <a:ext cx="277365" cy="1252308"/>
-          </a:xfrm>
-          <a:prstGeom prst="leftBracket">
-            <a:avLst/>
-          </a:prstGeom>
-          <a:ln w="38100" cap="rnd">
-            <a:solidFill>
-              <a:srgbClr val="BCB8B1"/>
-            </a:solidFill>
-          </a:ln>
-        </p:spPr>
-        <p:style>
-          <a:lnRef idx="2">
-            <a:schemeClr val="accent1"/>
-          </a:lnRef>
-          <a:fillRef idx="0">
-            <a:schemeClr val="accent1"/>
-          </a:fillRef>
-          <a:effectRef idx="1">
-            <a:schemeClr val="accent1"/>
-          </a:effectRef>
-          <a:fontRef idx="minor">
-            <a:schemeClr val="tx1"/>
-          </a:fontRef>
-        </p:style>
-        <p:txBody>
-          <a:bodyPr rtlCol="0" anchor="ctr"/>
-          <a:lstStyle/>
-          <a:p>
-            <a:pPr algn="ctr"/>
-            <a:endParaRPr lang="it-IT"/>
-          </a:p>
-        </p:txBody>
-      </p:sp>
-      <p:sp>
-        <p:nvSpPr>
-          <p:cNvPr id="8" name="CasellaDiTesto 7">
-            <a:extLst>
-              <a:ext uri="{FF2B5EF4-FFF2-40B4-BE49-F238E27FC236}">
-                <a16:creationId xmlns:a16="http://schemas.microsoft.com/office/drawing/2014/main" id="{CB3F1CB7-8B1E-D54A-87B0-5B8A69FA17DE}"/>
-              </a:ext>
-            </a:extLst>
-          </p:cNvPr>
-          <p:cNvSpPr txBox="1"/>
-          <p:nvPr/>
-        </p:nvSpPr>
-        <p:spPr>
-          <a:xfrm>
-            <a:off x="747786" y="1526416"/>
-            <a:ext cx="2565136" cy="307777"/>
-          </a:xfrm>
-          <a:prstGeom prst="rect">
-            <a:avLst/>
-          </a:prstGeom>
-          <a:noFill/>
-        </p:spPr>
-        <p:txBody>
-          <a:bodyPr wrap="square" rtlCol="0">
-            <a:spAutoFit/>
-          </a:bodyPr>
-          <a:lstStyle/>
-          <a:p>
-            <a:pPr algn="ctr"/>
-            <a:r>
-              <a:rPr lang="en-US" sz="1400" b="1" spc="300" noProof="0" dirty="0">
-                <a:solidFill>
-                  <a:srgbClr val="F4F3EE"/>
-                </a:solidFill>
-              </a:rPr>
-              <a:t>BACKGROUND</a:t>
-            </a:r>
-          </a:p>
-        </p:txBody>
-      </p:sp>
-      <p:grpSp>
-        <p:nvGrpSpPr>
-          <p:cNvPr id="23" name="Gruppo 22">
-            <a:extLst>
-              <a:ext uri="{FF2B5EF4-FFF2-40B4-BE49-F238E27FC236}">
-                <a16:creationId xmlns:a16="http://schemas.microsoft.com/office/drawing/2014/main" id="{7CADCAC0-02CD-0168-8936-F0A0383D566F}"/>
-              </a:ext>
-            </a:extLst>
-          </p:cNvPr>
-          <p:cNvGrpSpPr/>
-          <p:nvPr/>
-        </p:nvGrpSpPr>
-        <p:grpSpPr>
-          <a:xfrm>
-            <a:off x="747786" y="2594845"/>
-            <a:ext cx="2565136" cy="1395023"/>
-            <a:chOff x="600627" y="2558579"/>
-            <a:chExt cx="2565136" cy="1395023"/>
-          </a:xfrm>
-        </p:grpSpPr>
-        <p:pic>
-          <p:nvPicPr>
-            <p:cNvPr id="11" name="Immagine 10" descr="Immagine che contiene oggetti in metallo, lucchetto/serratura&#10;&#10;Descrizione generata automaticamente">
-              <a:extLst>
-                <a:ext uri="{FF2B5EF4-FFF2-40B4-BE49-F238E27FC236}">
-                  <a16:creationId xmlns:a16="http://schemas.microsoft.com/office/drawing/2014/main" id="{58B512FB-FF86-21AD-FD37-915EDEE6EB14}"/>
-                </a:ext>
-              </a:extLst>
-            </p:cNvPr>
-            <p:cNvPicPr>
-              <a:picLocks noChangeAspect="1"/>
-            </p:cNvPicPr>
-            <p:nvPr/>
-          </p:nvPicPr>
-          <p:blipFill>
-            <a:blip r:embed="rId2">
-              <a:extLst>
-                <a:ext uri="{28A0092B-C50C-407E-A947-70E740481C1C}">
-                  <a14:useLocalDpi xmlns:a14="http://schemas.microsoft.com/office/drawing/2010/main" val="0"/>
-                </a:ext>
-              </a:extLst>
-            </a:blip>
-            <a:stretch>
-              <a:fillRect/>
-            </a:stretch>
-          </p:blipFill>
-          <p:spPr>
-            <a:xfrm>
-              <a:off x="1280364" y="2558579"/>
-              <a:ext cx="1205662" cy="1205662"/>
-            </a:xfrm>
-            <a:prstGeom prst="rect">
-              <a:avLst/>
-            </a:prstGeom>
-          </p:spPr>
-        </p:pic>
-        <p:sp>
-          <p:nvSpPr>
-            <p:cNvPr id="10" name="CasellaDiTesto 9">
-              <a:extLst>
-                <a:ext uri="{FF2B5EF4-FFF2-40B4-BE49-F238E27FC236}">
-                  <a16:creationId xmlns:a16="http://schemas.microsoft.com/office/drawing/2014/main" id="{37E1F124-3CD5-0687-A915-88E48155ED24}"/>
-                </a:ext>
-              </a:extLst>
-            </p:cNvPr>
-            <p:cNvSpPr txBox="1"/>
-            <p:nvPr/>
-          </p:nvSpPr>
-          <p:spPr>
-            <a:xfrm>
-              <a:off x="600627" y="3645825"/>
-              <a:ext cx="2565136" cy="307777"/>
-            </a:xfrm>
-            <a:prstGeom prst="rect">
-              <a:avLst/>
-            </a:prstGeom>
-            <a:noFill/>
-          </p:spPr>
-          <p:txBody>
-            <a:bodyPr wrap="square" rtlCol="0">
-              <a:spAutoFit/>
-            </a:bodyPr>
-            <a:lstStyle/>
-            <a:p>
-              <a:pPr algn="ctr"/>
-              <a:r>
-                <a:rPr lang="en-US" sz="1400" b="1" spc="300" noProof="0" dirty="0">
-                  <a:solidFill>
-                    <a:srgbClr val="F4F3EE"/>
-                  </a:solidFill>
-                </a:rPr>
-                <a:t>THE PROBLEM</a:t>
-              </a:r>
-            </a:p>
-          </p:txBody>
-        </p:sp>
-      </p:grpSp>
-      <p:grpSp>
-        <p:nvGrpSpPr>
-          <p:cNvPr id="24" name="Gruppo 23">
-            <a:extLst>
-              <a:ext uri="{FF2B5EF4-FFF2-40B4-BE49-F238E27FC236}">
-                <a16:creationId xmlns:a16="http://schemas.microsoft.com/office/drawing/2014/main" id="{2F4E52DF-D4E1-512B-4526-BC26549CE3B1}"/>
-              </a:ext>
-            </a:extLst>
-          </p:cNvPr>
-          <p:cNvGrpSpPr/>
-          <p:nvPr/>
-        </p:nvGrpSpPr>
-        <p:grpSpPr>
-          <a:xfrm>
-            <a:off x="3087329" y="4581819"/>
-            <a:ext cx="6017342" cy="1467539"/>
-            <a:chOff x="2845150" y="4439485"/>
-            <a:chExt cx="6027575" cy="1467539"/>
-          </a:xfrm>
-        </p:grpSpPr>
-        <p:sp>
-          <p:nvSpPr>
-            <p:cNvPr id="14" name="Parentesi quadra aperta 13">
-              <a:extLst>
-                <a:ext uri="{FF2B5EF4-FFF2-40B4-BE49-F238E27FC236}">
-                  <a16:creationId xmlns:a16="http://schemas.microsoft.com/office/drawing/2014/main" id="{F41FEA48-B7E4-6E46-FB73-F4A53E037BAA}"/>
-                </a:ext>
-              </a:extLst>
-            </p:cNvPr>
-            <p:cNvSpPr/>
-            <p:nvPr/>
-          </p:nvSpPr>
-          <p:spPr>
-            <a:xfrm>
-              <a:off x="2845150" y="4439485"/>
-              <a:ext cx="277365" cy="1467539"/>
-            </a:xfrm>
-            <a:prstGeom prst="leftBracket">
-              <a:avLst/>
-            </a:prstGeom>
-            <a:ln w="38100" cap="rnd">
-              <a:solidFill>
-                <a:srgbClr val="BCB8B1"/>
-              </a:solidFill>
-            </a:ln>
-          </p:spPr>
-          <p:style>
-            <a:lnRef idx="2">
-              <a:schemeClr val="accent1"/>
-            </a:lnRef>
-            <a:fillRef idx="0">
-              <a:schemeClr val="accent1"/>
-            </a:fillRef>
-            <a:effectRef idx="1">
-              <a:schemeClr val="accent1"/>
-            </a:effectRef>
-            <a:fontRef idx="minor">
-              <a:schemeClr val="tx1"/>
-            </a:fontRef>
-          </p:style>
-          <p:txBody>
-            <a:bodyPr rtlCol="0" anchor="ctr"/>
-            <a:lstStyle/>
-            <a:p>
-              <a:pPr algn="ctr"/>
-              <a:endParaRPr lang="it-IT"/>
-            </a:p>
-          </p:txBody>
-        </p:sp>
-        <p:sp>
-          <p:nvSpPr>
-            <p:cNvPr id="16" name="Parentesi quadra aperta 15">
-              <a:extLst>
-                <a:ext uri="{FF2B5EF4-FFF2-40B4-BE49-F238E27FC236}">
-                  <a16:creationId xmlns:a16="http://schemas.microsoft.com/office/drawing/2014/main" id="{58CCEF65-4231-B35B-79AF-D92527E1D9BC}"/>
-                </a:ext>
-              </a:extLst>
-            </p:cNvPr>
-            <p:cNvSpPr/>
-            <p:nvPr/>
-          </p:nvSpPr>
-          <p:spPr>
-            <a:xfrm flipH="1">
-              <a:off x="8595360" y="4439485"/>
-              <a:ext cx="277365" cy="1465328"/>
-            </a:xfrm>
-            <a:prstGeom prst="leftBracket">
-              <a:avLst/>
-            </a:prstGeom>
-            <a:ln w="38100" cap="rnd">
-              <a:solidFill>
-                <a:srgbClr val="BCB8B1"/>
-              </a:solidFill>
-            </a:ln>
-          </p:spPr>
-          <p:style>
-            <a:lnRef idx="2">
-              <a:schemeClr val="accent1"/>
-            </a:lnRef>
-            <a:fillRef idx="0">
-              <a:schemeClr val="accent1"/>
-            </a:fillRef>
-            <a:effectRef idx="1">
-              <a:schemeClr val="accent1"/>
-            </a:effectRef>
-            <a:fontRef idx="minor">
-              <a:schemeClr val="tx1"/>
-            </a:fontRef>
-          </p:style>
-          <p:txBody>
-            <a:bodyPr rtlCol="0" anchor="ctr"/>
-            <a:lstStyle/>
-            <a:p>
-              <a:pPr algn="ctr"/>
-              <a:endParaRPr lang="it-IT"/>
-            </a:p>
-          </p:txBody>
-        </p:sp>
-        <p:cxnSp>
-          <p:nvCxnSpPr>
-            <p:cNvPr id="18" name="Connettore diritto 17">
-              <a:extLst>
-                <a:ext uri="{FF2B5EF4-FFF2-40B4-BE49-F238E27FC236}">
-                  <a16:creationId xmlns:a16="http://schemas.microsoft.com/office/drawing/2014/main" id="{688D8789-7181-F53A-D3E9-AFA153E97EBF}"/>
-                </a:ext>
-              </a:extLst>
-            </p:cNvPr>
-            <p:cNvCxnSpPr>
-              <a:cxnSpLocks/>
-            </p:cNvCxnSpPr>
-            <p:nvPr/>
-          </p:nvCxnSpPr>
-          <p:spPr>
-            <a:xfrm>
-              <a:off x="3122515" y="4439485"/>
-              <a:ext cx="5472845" cy="0"/>
-            </a:xfrm>
-            <a:prstGeom prst="line">
-              <a:avLst/>
-            </a:prstGeom>
-            <a:ln w="38100">
-              <a:solidFill>
-                <a:srgbClr val="BCB8B1"/>
-              </a:solidFill>
-            </a:ln>
-          </p:spPr>
-          <p:style>
-            <a:lnRef idx="2">
-              <a:schemeClr val="accent1"/>
-            </a:lnRef>
-            <a:fillRef idx="0">
-              <a:schemeClr val="accent1"/>
-            </a:fillRef>
-            <a:effectRef idx="1">
-              <a:schemeClr val="accent1"/>
-            </a:effectRef>
-            <a:fontRef idx="minor">
-              <a:schemeClr val="tx1"/>
-            </a:fontRef>
-          </p:style>
-        </p:cxnSp>
-        <p:cxnSp>
-          <p:nvCxnSpPr>
-            <p:cNvPr id="20" name="Connettore diritto 19">
-              <a:extLst>
-                <a:ext uri="{FF2B5EF4-FFF2-40B4-BE49-F238E27FC236}">
-                  <a16:creationId xmlns:a16="http://schemas.microsoft.com/office/drawing/2014/main" id="{3DD5C1FF-6B46-CFBE-0579-CCA84A58B0A0}"/>
-                </a:ext>
-              </a:extLst>
-            </p:cNvPr>
-            <p:cNvCxnSpPr>
-              <a:cxnSpLocks/>
-            </p:cNvCxnSpPr>
-            <p:nvPr/>
-          </p:nvCxnSpPr>
-          <p:spPr>
-            <a:xfrm>
-              <a:off x="3122514" y="5906410"/>
-              <a:ext cx="5472845" cy="0"/>
-            </a:xfrm>
-            <a:prstGeom prst="line">
-              <a:avLst/>
-            </a:prstGeom>
-            <a:ln w="38100">
-              <a:solidFill>
-                <a:srgbClr val="BCB8B1"/>
-              </a:solidFill>
-            </a:ln>
-          </p:spPr>
-          <p:style>
-            <a:lnRef idx="2">
-              <a:schemeClr val="accent1"/>
-            </a:lnRef>
-            <a:fillRef idx="0">
-              <a:schemeClr val="accent1"/>
-            </a:fillRef>
-            <a:effectRef idx="1">
-              <a:schemeClr val="accent1"/>
-            </a:effectRef>
-            <a:fontRef idx="minor">
-              <a:schemeClr val="tx1"/>
-            </a:fontRef>
-          </p:style>
-        </p:cxnSp>
-      </p:grpSp>
-      <p:sp>
-        <p:nvSpPr>
-          <p:cNvPr id="21" name="CasellaDiTesto 20">
-            <a:extLst>
-              <a:ext uri="{FF2B5EF4-FFF2-40B4-BE49-F238E27FC236}">
-                <a16:creationId xmlns:a16="http://schemas.microsoft.com/office/drawing/2014/main" id="{4459C45E-94FC-E684-9F09-891AF73B0E14}"/>
-              </a:ext>
-            </a:extLst>
-          </p:cNvPr>
-          <p:cNvSpPr txBox="1"/>
-          <p:nvPr/>
-        </p:nvSpPr>
-        <p:spPr>
-          <a:xfrm>
-            <a:off x="4813431" y="6152686"/>
-            <a:ext cx="2565136" cy="307777"/>
-          </a:xfrm>
-          <a:prstGeom prst="rect">
-            <a:avLst/>
-          </a:prstGeom>
-          <a:noFill/>
-        </p:spPr>
-        <p:txBody>
-          <a:bodyPr wrap="square" rtlCol="0">
-            <a:spAutoFit/>
-          </a:bodyPr>
-          <a:lstStyle/>
-          <a:p>
-            <a:pPr algn="ctr"/>
-            <a:r>
-              <a:rPr lang="en-US" sz="1400" b="1" spc="300" noProof="0" dirty="0">
-                <a:solidFill>
-                  <a:srgbClr val="F4F3EE"/>
-                </a:solidFill>
-              </a:rPr>
-              <a:t>SOLUTION</a:t>
-            </a:r>
-          </a:p>
-        </p:txBody>
-      </p:sp>
-      <p:sp>
-        <p:nvSpPr>
-          <p:cNvPr id="22" name="Parentesi quadra aperta 21">
-            <a:extLst>
-              <a:ext uri="{FF2B5EF4-FFF2-40B4-BE49-F238E27FC236}">
-                <a16:creationId xmlns:a16="http://schemas.microsoft.com/office/drawing/2014/main" id="{8454432A-E27E-9FD0-B4CA-4CEA2D0D4E50}"/>
-              </a:ext>
-            </a:extLst>
-          </p:cNvPr>
-          <p:cNvSpPr/>
-          <p:nvPr/>
-        </p:nvSpPr>
-        <p:spPr>
-          <a:xfrm>
-            <a:off x="3092445" y="2740421"/>
-            <a:ext cx="277365" cy="1252308"/>
-          </a:xfrm>
-          <a:prstGeom prst="leftBracket">
-            <a:avLst/>
-          </a:prstGeom>
-          <a:ln w="38100" cap="rnd">
-            <a:solidFill>
-              <a:srgbClr val="BCB8B1"/>
-            </a:solidFill>
-          </a:ln>
-        </p:spPr>
-        <p:style>
-          <a:lnRef idx="2">
-            <a:schemeClr val="accent1"/>
-          </a:lnRef>
-          <a:fillRef idx="0">
-            <a:schemeClr val="accent1"/>
-          </a:fillRef>
-          <a:effectRef idx="1">
-            <a:schemeClr val="accent1"/>
-          </a:effectRef>
-          <a:fontRef idx="minor">
-            <a:schemeClr val="tx1"/>
-          </a:fontRef>
-        </p:style>
-        <p:txBody>
-          <a:bodyPr rtlCol="0" anchor="ctr"/>
-          <a:lstStyle/>
-          <a:p>
-            <a:pPr algn="ctr"/>
-            <a:endParaRPr lang="it-IT"/>
-          </a:p>
-        </p:txBody>
-      </p:sp>
-    </p:spTree>
-    <p:extLst>
-      <p:ext uri="{BB962C8B-B14F-4D97-AF65-F5344CB8AC3E}">
-        <p14:creationId xmlns:p14="http://schemas.microsoft.com/office/powerpoint/2010/main" val="122475328"/>
-      </p:ext>
-    </p:extLst>
-  </p:cSld>
-  <p:clrMapOvr>
-    <a:masterClrMapping/>
-  </p:clrMapOvr>
-</p:sld>
-</file>
-
-<file path=ppt/slides/slide20.xml><?xml version="1.0" encoding="utf-8"?>
+<file path=ppt/slides/slide19.xml><?xml version="1.0" encoding="utf-8"?>
 <p:sld xmlns:a="http://schemas.openxmlformats.org/drawingml/2006/main" xmlns:r="http://schemas.openxmlformats.org/officeDocument/2006/relationships" xmlns:p="http://schemas.openxmlformats.org/presentationml/2006/main">
   <p:cSld>
     <p:bg>
@@ -20878,7 +19597,800 @@
 </p:sld>
 </file>
 
-<file path=ppt/slides/slide21.xml><?xml version="1.0" encoding="utf-8"?>
+<file path=ppt/slides/slide2.xml><?xml version="1.0" encoding="utf-8"?>
+<p:sld xmlns:a="http://schemas.openxmlformats.org/drawingml/2006/main" xmlns:r="http://schemas.openxmlformats.org/officeDocument/2006/relationships" xmlns:p="http://schemas.openxmlformats.org/presentationml/2006/main">
+  <p:cSld>
+    <p:bg>
+      <p:bgPr>
+        <a:solidFill>
+          <a:srgbClr val="463F3A"/>
+        </a:solidFill>
+        <a:effectLst/>
+      </p:bgPr>
+    </p:bg>
+    <p:spTree>
+      <p:nvGrpSpPr>
+        <p:cNvPr id="1" name="">
+          <a:extLst>
+            <a:ext uri="{FF2B5EF4-FFF2-40B4-BE49-F238E27FC236}">
+              <a16:creationId xmlns:a16="http://schemas.microsoft.com/office/drawing/2014/main" id="{E99B9A50-42BA-3DD6-9FE0-13FEE13BD066}"/>
+            </a:ext>
+          </a:extLst>
+        </p:cNvPr>
+        <p:cNvGrpSpPr/>
+        <p:nvPr/>
+      </p:nvGrpSpPr>
+      <p:grpSpPr>
+        <a:xfrm>
+          <a:off x="0" y="0"/>
+          <a:ext cx="0" cy="0"/>
+          <a:chOff x="0" y="0"/>
+          <a:chExt cx="0" cy="0"/>
+        </a:xfrm>
+      </p:grpSpPr>
+      <p:sp>
+        <p:nvSpPr>
+          <p:cNvPr id="4" name="CasellaDiTesto 3">
+            <a:extLst>
+              <a:ext uri="{FF2B5EF4-FFF2-40B4-BE49-F238E27FC236}">
+                <a16:creationId xmlns:a16="http://schemas.microsoft.com/office/drawing/2014/main" id="{B1FE0225-D2CA-4EF7-C69D-D5BF456768BC}"/>
+              </a:ext>
+            </a:extLst>
+          </p:cNvPr>
+          <p:cNvSpPr txBox="1"/>
+          <p:nvPr/>
+        </p:nvSpPr>
+        <p:spPr>
+          <a:xfrm>
+            <a:off x="4384034" y="313382"/>
+            <a:ext cx="3423932" cy="338554"/>
+          </a:xfrm>
+          <a:prstGeom prst="rect">
+            <a:avLst/>
+          </a:prstGeom>
+          <a:noFill/>
+        </p:spPr>
+        <p:txBody>
+          <a:bodyPr wrap="square" rtlCol="0">
+            <a:spAutoFit/>
+          </a:bodyPr>
+          <a:lstStyle/>
+          <a:p>
+            <a:pPr algn="ctr"/>
+            <a:r>
+              <a:rPr lang="en-US" sz="1600" spc="600" noProof="0" dirty="0">
+                <a:solidFill>
+                  <a:srgbClr val="F4F3EE"/>
+                </a:solidFill>
+              </a:rPr>
+              <a:t>INTRODUCTION</a:t>
+            </a:r>
+            <a:endParaRPr lang="en-US" sz="2000" spc="600" noProof="0" dirty="0">
+              <a:solidFill>
+                <a:srgbClr val="F4F3EE"/>
+              </a:solidFill>
+            </a:endParaRPr>
+          </a:p>
+        </p:txBody>
+      </p:sp>
+      <p:sp>
+        <p:nvSpPr>
+          <p:cNvPr id="3" name="CasellaDiTesto 2">
+            <a:extLst>
+              <a:ext uri="{FF2B5EF4-FFF2-40B4-BE49-F238E27FC236}">
+                <a16:creationId xmlns:a16="http://schemas.microsoft.com/office/drawing/2014/main" id="{2FE5E1F6-B267-E65E-7C7E-BEDACC164997}"/>
+              </a:ext>
+            </a:extLst>
+          </p:cNvPr>
+          <p:cNvSpPr txBox="1"/>
+          <p:nvPr/>
+        </p:nvSpPr>
+        <p:spPr>
+          <a:xfrm>
+            <a:off x="3251106" y="1168959"/>
+            <a:ext cx="5689788" cy="1015663"/>
+          </a:xfrm>
+          <a:prstGeom prst="rect">
+            <a:avLst/>
+          </a:prstGeom>
+          <a:noFill/>
+        </p:spPr>
+        <p:txBody>
+          <a:bodyPr wrap="square" rtlCol="0">
+            <a:spAutoFit/>
+          </a:bodyPr>
+          <a:lstStyle/>
+          <a:p>
+            <a:pPr algn="just"/>
+            <a:r>
+              <a:rPr lang="en-US" sz="2000" noProof="0" dirty="0">
+                <a:solidFill>
+                  <a:srgbClr val="F4F3EE"/>
+                </a:solidFill>
+              </a:rPr>
+              <a:t>Securely sharing cryptographic keys over </a:t>
+            </a:r>
+            <a:r>
+              <a:rPr lang="en-US" sz="2000" noProof="0" dirty="0">
+                <a:solidFill>
+                  <a:srgbClr val="E0AFA0"/>
+                </a:solidFill>
+              </a:rPr>
+              <a:t>insecure channels</a:t>
+            </a:r>
+            <a:r>
+              <a:rPr lang="en-US" sz="2000" noProof="0" dirty="0">
+                <a:solidFill>
+                  <a:srgbClr val="F4F3EE"/>
+                </a:solidFill>
+              </a:rPr>
+              <a:t> is a fundamental challenge in modern cryptography. </a:t>
+            </a:r>
+          </a:p>
+        </p:txBody>
+      </p:sp>
+      <p:sp>
+        <p:nvSpPr>
+          <p:cNvPr id="5" name="CasellaDiTesto 4">
+            <a:extLst>
+              <a:ext uri="{FF2B5EF4-FFF2-40B4-BE49-F238E27FC236}">
+                <a16:creationId xmlns:a16="http://schemas.microsoft.com/office/drawing/2014/main" id="{8E0A2621-E46B-F73C-0B16-C3AC844B01C7}"/>
+              </a:ext>
+            </a:extLst>
+          </p:cNvPr>
+          <p:cNvSpPr txBox="1"/>
+          <p:nvPr/>
+        </p:nvSpPr>
+        <p:spPr>
+          <a:xfrm>
+            <a:off x="3251106" y="2858744"/>
+            <a:ext cx="5689789" cy="1015663"/>
+          </a:xfrm>
+          <a:prstGeom prst="rect">
+            <a:avLst/>
+          </a:prstGeom>
+          <a:noFill/>
+        </p:spPr>
+        <p:txBody>
+          <a:bodyPr wrap="square" rtlCol="0">
+            <a:spAutoFit/>
+          </a:bodyPr>
+          <a:lstStyle/>
+          <a:p>
+            <a:pPr algn="just"/>
+            <a:r>
+              <a:rPr lang="en-US" sz="2000" noProof="0" dirty="0">
+                <a:solidFill>
+                  <a:srgbClr val="E0AFA0"/>
+                </a:solidFill>
+              </a:rPr>
+              <a:t>Classical</a:t>
+            </a:r>
+            <a:r>
+              <a:rPr lang="en-US" sz="2000" noProof="0" dirty="0">
+                <a:solidFill>
+                  <a:srgbClr val="F4F3EE"/>
+                </a:solidFill>
+              </a:rPr>
+              <a:t> key distribution methods rely on computational hardness, which </a:t>
+            </a:r>
+            <a:r>
+              <a:rPr lang="en-US" sz="2000" noProof="0" dirty="0">
+                <a:solidFill>
+                  <a:srgbClr val="E0AFA0"/>
+                </a:solidFill>
+              </a:rPr>
+              <a:t>can be broken </a:t>
+            </a:r>
+            <a:r>
+              <a:rPr lang="en-US" sz="2000" noProof="0" dirty="0">
+                <a:solidFill>
+                  <a:srgbClr val="F4F3EE"/>
+                </a:solidFill>
+              </a:rPr>
+              <a:t>by advances in computing.</a:t>
+            </a:r>
+          </a:p>
+        </p:txBody>
+      </p:sp>
+      <p:sp>
+        <p:nvSpPr>
+          <p:cNvPr id="6" name="CasellaDiTesto 5">
+            <a:extLst>
+              <a:ext uri="{FF2B5EF4-FFF2-40B4-BE49-F238E27FC236}">
+                <a16:creationId xmlns:a16="http://schemas.microsoft.com/office/drawing/2014/main" id="{3BF4EECB-95E3-016D-07C6-697AD0E54EB2}"/>
+              </a:ext>
+            </a:extLst>
+          </p:cNvPr>
+          <p:cNvSpPr txBox="1"/>
+          <p:nvPr/>
+        </p:nvSpPr>
+        <p:spPr>
+          <a:xfrm>
+            <a:off x="3251105" y="4653870"/>
+            <a:ext cx="5689790" cy="1323439"/>
+          </a:xfrm>
+          <a:prstGeom prst="rect">
+            <a:avLst/>
+          </a:prstGeom>
+          <a:noFill/>
+        </p:spPr>
+        <p:txBody>
+          <a:bodyPr wrap="square" rtlCol="0">
+            <a:spAutoFit/>
+          </a:bodyPr>
+          <a:lstStyle/>
+          <a:p>
+            <a:pPr algn="just"/>
+            <a:r>
+              <a:rPr lang="en-US" sz="2000" noProof="0" dirty="0">
+                <a:solidFill>
+                  <a:srgbClr val="F4F3EE"/>
+                </a:solidFill>
+              </a:rPr>
+              <a:t>The E91 protocol leverages </a:t>
+            </a:r>
+            <a:r>
+              <a:rPr lang="en-US" sz="2000" noProof="0" dirty="0">
+                <a:solidFill>
+                  <a:srgbClr val="E0AFA0"/>
+                </a:solidFill>
+              </a:rPr>
+              <a:t>quantum mechanics </a:t>
+            </a:r>
+            <a:r>
+              <a:rPr lang="en-US" sz="2000" noProof="0" dirty="0">
+                <a:solidFill>
+                  <a:srgbClr val="F4F3EE"/>
+                </a:solidFill>
+              </a:rPr>
+              <a:t>(</a:t>
+            </a:r>
+            <a:r>
+              <a:rPr lang="en-US" sz="2000" i="1" noProof="0" dirty="0">
+                <a:solidFill>
+                  <a:srgbClr val="F4F3EE"/>
+                </a:solidFill>
+              </a:rPr>
+              <a:t>entanglement</a:t>
+            </a:r>
+            <a:r>
+              <a:rPr lang="en-US" sz="2000" noProof="0" dirty="0">
+                <a:solidFill>
+                  <a:srgbClr val="F4F3EE"/>
+                </a:solidFill>
+              </a:rPr>
+              <a:t> and the </a:t>
+            </a:r>
+            <a:r>
+              <a:rPr lang="en-US" sz="2000" i="1" noProof="0" dirty="0">
+                <a:solidFill>
+                  <a:srgbClr val="F4F3EE"/>
+                </a:solidFill>
+              </a:rPr>
+              <a:t>no-cloning theorem</a:t>
+            </a:r>
+            <a:r>
+              <a:rPr lang="en-US" sz="2000" noProof="0" dirty="0">
+                <a:solidFill>
+                  <a:srgbClr val="F4F3EE"/>
+                </a:solidFill>
+              </a:rPr>
+              <a:t>) to enable </a:t>
+            </a:r>
+            <a:r>
+              <a:rPr lang="en-US" sz="2000" noProof="0" dirty="0">
+                <a:solidFill>
+                  <a:srgbClr val="E0AFA0"/>
+                </a:solidFill>
+              </a:rPr>
+              <a:t>infinitely secure</a:t>
+            </a:r>
+            <a:r>
+              <a:rPr lang="en-US" sz="2000" noProof="0" dirty="0">
+                <a:solidFill>
+                  <a:srgbClr val="F4F3EE"/>
+                </a:solidFill>
+              </a:rPr>
+              <a:t> key distribution, immune to eavesdropping. </a:t>
+            </a:r>
+          </a:p>
+        </p:txBody>
+      </p:sp>
+      <p:sp>
+        <p:nvSpPr>
+          <p:cNvPr id="7" name="Parentesi quadra aperta 6">
+            <a:extLst>
+              <a:ext uri="{FF2B5EF4-FFF2-40B4-BE49-F238E27FC236}">
+                <a16:creationId xmlns:a16="http://schemas.microsoft.com/office/drawing/2014/main" id="{98C14732-81F1-7A70-6422-498BEC9E89FC}"/>
+              </a:ext>
+            </a:extLst>
+          </p:cNvPr>
+          <p:cNvSpPr/>
+          <p:nvPr/>
+        </p:nvSpPr>
+        <p:spPr>
+          <a:xfrm>
+            <a:off x="3092445" y="1046980"/>
+            <a:ext cx="277365" cy="1252308"/>
+          </a:xfrm>
+          <a:prstGeom prst="leftBracket">
+            <a:avLst/>
+          </a:prstGeom>
+          <a:ln w="38100" cap="rnd">
+            <a:solidFill>
+              <a:srgbClr val="BCB8B1"/>
+            </a:solidFill>
+          </a:ln>
+        </p:spPr>
+        <p:style>
+          <a:lnRef idx="2">
+            <a:schemeClr val="accent1"/>
+          </a:lnRef>
+          <a:fillRef idx="0">
+            <a:schemeClr val="accent1"/>
+          </a:fillRef>
+          <a:effectRef idx="1">
+            <a:schemeClr val="accent1"/>
+          </a:effectRef>
+          <a:fontRef idx="minor">
+            <a:schemeClr val="tx1"/>
+          </a:fontRef>
+        </p:style>
+        <p:txBody>
+          <a:bodyPr rtlCol="0" anchor="ctr"/>
+          <a:lstStyle/>
+          <a:p>
+            <a:pPr algn="ctr"/>
+            <a:endParaRPr lang="it-IT"/>
+          </a:p>
+        </p:txBody>
+      </p:sp>
+      <p:sp>
+        <p:nvSpPr>
+          <p:cNvPr id="8" name="CasellaDiTesto 7">
+            <a:extLst>
+              <a:ext uri="{FF2B5EF4-FFF2-40B4-BE49-F238E27FC236}">
+                <a16:creationId xmlns:a16="http://schemas.microsoft.com/office/drawing/2014/main" id="{CB3F1CB7-8B1E-D54A-87B0-5B8A69FA17DE}"/>
+              </a:ext>
+            </a:extLst>
+          </p:cNvPr>
+          <p:cNvSpPr txBox="1"/>
+          <p:nvPr/>
+        </p:nvSpPr>
+        <p:spPr>
+          <a:xfrm>
+            <a:off x="747786" y="1526416"/>
+            <a:ext cx="2565136" cy="307777"/>
+          </a:xfrm>
+          <a:prstGeom prst="rect">
+            <a:avLst/>
+          </a:prstGeom>
+          <a:noFill/>
+        </p:spPr>
+        <p:txBody>
+          <a:bodyPr wrap="square" rtlCol="0">
+            <a:spAutoFit/>
+          </a:bodyPr>
+          <a:lstStyle/>
+          <a:p>
+            <a:pPr algn="ctr"/>
+            <a:r>
+              <a:rPr lang="en-US" sz="1400" b="1" spc="300" noProof="0" dirty="0">
+                <a:solidFill>
+                  <a:srgbClr val="F4F3EE"/>
+                </a:solidFill>
+              </a:rPr>
+              <a:t>BACKGROUND</a:t>
+            </a:r>
+          </a:p>
+        </p:txBody>
+      </p:sp>
+      <p:grpSp>
+        <p:nvGrpSpPr>
+          <p:cNvPr id="23" name="Gruppo 22">
+            <a:extLst>
+              <a:ext uri="{FF2B5EF4-FFF2-40B4-BE49-F238E27FC236}">
+                <a16:creationId xmlns:a16="http://schemas.microsoft.com/office/drawing/2014/main" id="{7CADCAC0-02CD-0168-8936-F0A0383D566F}"/>
+              </a:ext>
+            </a:extLst>
+          </p:cNvPr>
+          <p:cNvGrpSpPr/>
+          <p:nvPr/>
+        </p:nvGrpSpPr>
+        <p:grpSpPr>
+          <a:xfrm>
+            <a:off x="747786" y="2594845"/>
+            <a:ext cx="2565136" cy="1395023"/>
+            <a:chOff x="600627" y="2558579"/>
+            <a:chExt cx="2565136" cy="1395023"/>
+          </a:xfrm>
+        </p:grpSpPr>
+        <p:pic>
+          <p:nvPicPr>
+            <p:cNvPr id="11" name="Immagine 10" descr="Immagine che contiene oggetti in metallo, lucchetto/serratura&#10;&#10;Descrizione generata automaticamente">
+              <a:extLst>
+                <a:ext uri="{FF2B5EF4-FFF2-40B4-BE49-F238E27FC236}">
+                  <a16:creationId xmlns:a16="http://schemas.microsoft.com/office/drawing/2014/main" id="{58B512FB-FF86-21AD-FD37-915EDEE6EB14}"/>
+                </a:ext>
+              </a:extLst>
+            </p:cNvPr>
+            <p:cNvPicPr>
+              <a:picLocks noChangeAspect="1"/>
+            </p:cNvPicPr>
+            <p:nvPr/>
+          </p:nvPicPr>
+          <p:blipFill>
+            <a:blip r:embed="rId2">
+              <a:extLst>
+                <a:ext uri="{28A0092B-C50C-407E-A947-70E740481C1C}">
+                  <a14:useLocalDpi xmlns:a14="http://schemas.microsoft.com/office/drawing/2010/main" val="0"/>
+                </a:ext>
+              </a:extLst>
+            </a:blip>
+            <a:stretch>
+              <a:fillRect/>
+            </a:stretch>
+          </p:blipFill>
+          <p:spPr>
+            <a:xfrm>
+              <a:off x="1280364" y="2558579"/>
+              <a:ext cx="1205662" cy="1205662"/>
+            </a:xfrm>
+            <a:prstGeom prst="rect">
+              <a:avLst/>
+            </a:prstGeom>
+          </p:spPr>
+        </p:pic>
+        <p:sp>
+          <p:nvSpPr>
+            <p:cNvPr id="10" name="CasellaDiTesto 9">
+              <a:extLst>
+                <a:ext uri="{FF2B5EF4-FFF2-40B4-BE49-F238E27FC236}">
+                  <a16:creationId xmlns:a16="http://schemas.microsoft.com/office/drawing/2014/main" id="{37E1F124-3CD5-0687-A915-88E48155ED24}"/>
+                </a:ext>
+              </a:extLst>
+            </p:cNvPr>
+            <p:cNvSpPr txBox="1"/>
+            <p:nvPr/>
+          </p:nvSpPr>
+          <p:spPr>
+            <a:xfrm>
+              <a:off x="600627" y="3645825"/>
+              <a:ext cx="2565136" cy="307777"/>
+            </a:xfrm>
+            <a:prstGeom prst="rect">
+              <a:avLst/>
+            </a:prstGeom>
+            <a:noFill/>
+          </p:spPr>
+          <p:txBody>
+            <a:bodyPr wrap="square" rtlCol="0">
+              <a:spAutoFit/>
+            </a:bodyPr>
+            <a:lstStyle/>
+            <a:p>
+              <a:pPr algn="ctr"/>
+              <a:r>
+                <a:rPr lang="en-US" sz="1400" b="1" spc="300" noProof="0" dirty="0">
+                  <a:solidFill>
+                    <a:srgbClr val="F4F3EE"/>
+                  </a:solidFill>
+                </a:rPr>
+                <a:t>THE PROBLEM</a:t>
+              </a:r>
+            </a:p>
+          </p:txBody>
+        </p:sp>
+      </p:grpSp>
+      <p:grpSp>
+        <p:nvGrpSpPr>
+          <p:cNvPr id="24" name="Gruppo 23">
+            <a:extLst>
+              <a:ext uri="{FF2B5EF4-FFF2-40B4-BE49-F238E27FC236}">
+                <a16:creationId xmlns:a16="http://schemas.microsoft.com/office/drawing/2014/main" id="{2F4E52DF-D4E1-512B-4526-BC26549CE3B1}"/>
+              </a:ext>
+            </a:extLst>
+          </p:cNvPr>
+          <p:cNvGrpSpPr/>
+          <p:nvPr/>
+        </p:nvGrpSpPr>
+        <p:grpSpPr>
+          <a:xfrm>
+            <a:off x="3087329" y="4581819"/>
+            <a:ext cx="6017342" cy="1467539"/>
+            <a:chOff x="2845150" y="4439485"/>
+            <a:chExt cx="6027575" cy="1467539"/>
+          </a:xfrm>
+        </p:grpSpPr>
+        <p:sp>
+          <p:nvSpPr>
+            <p:cNvPr id="14" name="Parentesi quadra aperta 13">
+              <a:extLst>
+                <a:ext uri="{FF2B5EF4-FFF2-40B4-BE49-F238E27FC236}">
+                  <a16:creationId xmlns:a16="http://schemas.microsoft.com/office/drawing/2014/main" id="{F41FEA48-B7E4-6E46-FB73-F4A53E037BAA}"/>
+                </a:ext>
+              </a:extLst>
+            </p:cNvPr>
+            <p:cNvSpPr/>
+            <p:nvPr/>
+          </p:nvSpPr>
+          <p:spPr>
+            <a:xfrm>
+              <a:off x="2845150" y="4439485"/>
+              <a:ext cx="277365" cy="1467539"/>
+            </a:xfrm>
+            <a:prstGeom prst="leftBracket">
+              <a:avLst/>
+            </a:prstGeom>
+            <a:ln w="38100" cap="rnd">
+              <a:solidFill>
+                <a:srgbClr val="BCB8B1"/>
+              </a:solidFill>
+            </a:ln>
+          </p:spPr>
+          <p:style>
+            <a:lnRef idx="2">
+              <a:schemeClr val="accent1"/>
+            </a:lnRef>
+            <a:fillRef idx="0">
+              <a:schemeClr val="accent1"/>
+            </a:fillRef>
+            <a:effectRef idx="1">
+              <a:schemeClr val="accent1"/>
+            </a:effectRef>
+            <a:fontRef idx="minor">
+              <a:schemeClr val="tx1"/>
+            </a:fontRef>
+          </p:style>
+          <p:txBody>
+            <a:bodyPr rtlCol="0" anchor="ctr"/>
+            <a:lstStyle/>
+            <a:p>
+              <a:pPr algn="ctr"/>
+              <a:endParaRPr lang="it-IT"/>
+            </a:p>
+          </p:txBody>
+        </p:sp>
+        <p:sp>
+          <p:nvSpPr>
+            <p:cNvPr id="16" name="Parentesi quadra aperta 15">
+              <a:extLst>
+                <a:ext uri="{FF2B5EF4-FFF2-40B4-BE49-F238E27FC236}">
+                  <a16:creationId xmlns:a16="http://schemas.microsoft.com/office/drawing/2014/main" id="{58CCEF65-4231-B35B-79AF-D92527E1D9BC}"/>
+                </a:ext>
+              </a:extLst>
+            </p:cNvPr>
+            <p:cNvSpPr/>
+            <p:nvPr/>
+          </p:nvSpPr>
+          <p:spPr>
+            <a:xfrm flipH="1">
+              <a:off x="8595360" y="4439485"/>
+              <a:ext cx="277365" cy="1465328"/>
+            </a:xfrm>
+            <a:prstGeom prst="leftBracket">
+              <a:avLst/>
+            </a:prstGeom>
+            <a:ln w="38100" cap="rnd">
+              <a:solidFill>
+                <a:srgbClr val="BCB8B1"/>
+              </a:solidFill>
+            </a:ln>
+          </p:spPr>
+          <p:style>
+            <a:lnRef idx="2">
+              <a:schemeClr val="accent1"/>
+            </a:lnRef>
+            <a:fillRef idx="0">
+              <a:schemeClr val="accent1"/>
+            </a:fillRef>
+            <a:effectRef idx="1">
+              <a:schemeClr val="accent1"/>
+            </a:effectRef>
+            <a:fontRef idx="minor">
+              <a:schemeClr val="tx1"/>
+            </a:fontRef>
+          </p:style>
+          <p:txBody>
+            <a:bodyPr rtlCol="0" anchor="ctr"/>
+            <a:lstStyle/>
+            <a:p>
+              <a:pPr algn="ctr"/>
+              <a:endParaRPr lang="it-IT"/>
+            </a:p>
+          </p:txBody>
+        </p:sp>
+        <p:cxnSp>
+          <p:nvCxnSpPr>
+            <p:cNvPr id="18" name="Connettore diritto 17">
+              <a:extLst>
+                <a:ext uri="{FF2B5EF4-FFF2-40B4-BE49-F238E27FC236}">
+                  <a16:creationId xmlns:a16="http://schemas.microsoft.com/office/drawing/2014/main" id="{688D8789-7181-F53A-D3E9-AFA153E97EBF}"/>
+                </a:ext>
+              </a:extLst>
+            </p:cNvPr>
+            <p:cNvCxnSpPr>
+              <a:cxnSpLocks/>
+            </p:cNvCxnSpPr>
+            <p:nvPr/>
+          </p:nvCxnSpPr>
+          <p:spPr>
+            <a:xfrm>
+              <a:off x="3122515" y="4439485"/>
+              <a:ext cx="5472845" cy="0"/>
+            </a:xfrm>
+            <a:prstGeom prst="line">
+              <a:avLst/>
+            </a:prstGeom>
+            <a:ln w="38100">
+              <a:solidFill>
+                <a:srgbClr val="BCB8B1"/>
+              </a:solidFill>
+            </a:ln>
+          </p:spPr>
+          <p:style>
+            <a:lnRef idx="2">
+              <a:schemeClr val="accent1"/>
+            </a:lnRef>
+            <a:fillRef idx="0">
+              <a:schemeClr val="accent1"/>
+            </a:fillRef>
+            <a:effectRef idx="1">
+              <a:schemeClr val="accent1"/>
+            </a:effectRef>
+            <a:fontRef idx="minor">
+              <a:schemeClr val="tx1"/>
+            </a:fontRef>
+          </p:style>
+        </p:cxnSp>
+        <p:cxnSp>
+          <p:nvCxnSpPr>
+            <p:cNvPr id="20" name="Connettore diritto 19">
+              <a:extLst>
+                <a:ext uri="{FF2B5EF4-FFF2-40B4-BE49-F238E27FC236}">
+                  <a16:creationId xmlns:a16="http://schemas.microsoft.com/office/drawing/2014/main" id="{3DD5C1FF-6B46-CFBE-0579-CCA84A58B0A0}"/>
+                </a:ext>
+              </a:extLst>
+            </p:cNvPr>
+            <p:cNvCxnSpPr>
+              <a:cxnSpLocks/>
+            </p:cNvCxnSpPr>
+            <p:nvPr/>
+          </p:nvCxnSpPr>
+          <p:spPr>
+            <a:xfrm>
+              <a:off x="3122514" y="5906410"/>
+              <a:ext cx="5472845" cy="0"/>
+            </a:xfrm>
+            <a:prstGeom prst="line">
+              <a:avLst/>
+            </a:prstGeom>
+            <a:ln w="38100">
+              <a:solidFill>
+                <a:srgbClr val="BCB8B1"/>
+              </a:solidFill>
+            </a:ln>
+          </p:spPr>
+          <p:style>
+            <a:lnRef idx="2">
+              <a:schemeClr val="accent1"/>
+            </a:lnRef>
+            <a:fillRef idx="0">
+              <a:schemeClr val="accent1"/>
+            </a:fillRef>
+            <a:effectRef idx="1">
+              <a:schemeClr val="accent1"/>
+            </a:effectRef>
+            <a:fontRef idx="minor">
+              <a:schemeClr val="tx1"/>
+            </a:fontRef>
+          </p:style>
+        </p:cxnSp>
+      </p:grpSp>
+      <p:sp>
+        <p:nvSpPr>
+          <p:cNvPr id="21" name="CasellaDiTesto 20">
+            <a:extLst>
+              <a:ext uri="{FF2B5EF4-FFF2-40B4-BE49-F238E27FC236}">
+                <a16:creationId xmlns:a16="http://schemas.microsoft.com/office/drawing/2014/main" id="{4459C45E-94FC-E684-9F09-891AF73B0E14}"/>
+              </a:ext>
+            </a:extLst>
+          </p:cNvPr>
+          <p:cNvSpPr txBox="1"/>
+          <p:nvPr/>
+        </p:nvSpPr>
+        <p:spPr>
+          <a:xfrm>
+            <a:off x="4813431" y="6152686"/>
+            <a:ext cx="2565136" cy="307777"/>
+          </a:xfrm>
+          <a:prstGeom prst="rect">
+            <a:avLst/>
+          </a:prstGeom>
+          <a:noFill/>
+        </p:spPr>
+        <p:txBody>
+          <a:bodyPr wrap="square" rtlCol="0">
+            <a:spAutoFit/>
+          </a:bodyPr>
+          <a:lstStyle/>
+          <a:p>
+            <a:pPr algn="ctr"/>
+            <a:r>
+              <a:rPr lang="en-US" sz="1400" b="1" spc="300" noProof="0" dirty="0">
+                <a:solidFill>
+                  <a:srgbClr val="F4F3EE"/>
+                </a:solidFill>
+              </a:rPr>
+              <a:t>SOLUTION</a:t>
+            </a:r>
+          </a:p>
+        </p:txBody>
+      </p:sp>
+      <p:sp>
+        <p:nvSpPr>
+          <p:cNvPr id="22" name="Parentesi quadra aperta 21">
+            <a:extLst>
+              <a:ext uri="{FF2B5EF4-FFF2-40B4-BE49-F238E27FC236}">
+                <a16:creationId xmlns:a16="http://schemas.microsoft.com/office/drawing/2014/main" id="{8454432A-E27E-9FD0-B4CA-4CEA2D0D4E50}"/>
+              </a:ext>
+            </a:extLst>
+          </p:cNvPr>
+          <p:cNvSpPr/>
+          <p:nvPr/>
+        </p:nvSpPr>
+        <p:spPr>
+          <a:xfrm>
+            <a:off x="3092445" y="2740421"/>
+            <a:ext cx="277365" cy="1252308"/>
+          </a:xfrm>
+          <a:prstGeom prst="leftBracket">
+            <a:avLst/>
+          </a:prstGeom>
+          <a:ln w="38100" cap="rnd">
+            <a:solidFill>
+              <a:srgbClr val="BCB8B1"/>
+            </a:solidFill>
+          </a:ln>
+        </p:spPr>
+        <p:style>
+          <a:lnRef idx="2">
+            <a:schemeClr val="accent1"/>
+          </a:lnRef>
+          <a:fillRef idx="0">
+            <a:schemeClr val="accent1"/>
+          </a:fillRef>
+          <a:effectRef idx="1">
+            <a:schemeClr val="accent1"/>
+          </a:effectRef>
+          <a:fontRef idx="minor">
+            <a:schemeClr val="tx1"/>
+          </a:fontRef>
+        </p:style>
+        <p:txBody>
+          <a:bodyPr rtlCol="0" anchor="ctr"/>
+          <a:lstStyle/>
+          <a:p>
+            <a:pPr algn="ctr"/>
+            <a:endParaRPr lang="it-IT"/>
+          </a:p>
+        </p:txBody>
+      </p:sp>
+    </p:spTree>
+    <p:extLst>
+      <p:ext uri="{BB962C8B-B14F-4D97-AF65-F5344CB8AC3E}">
+        <p14:creationId xmlns:p14="http://schemas.microsoft.com/office/powerpoint/2010/main" val="122475328"/>
+      </p:ext>
+    </p:extLst>
+  </p:cSld>
+  <p:clrMapOvr>
+    <a:masterClrMapping/>
+  </p:clrMapOvr>
+</p:sld>
+</file>
+
+<file path=ppt/slides/slide20.xml><?xml version="1.0" encoding="utf-8"?>
 <p:sld xmlns:a="http://schemas.openxmlformats.org/drawingml/2006/main" xmlns:r="http://schemas.openxmlformats.org/officeDocument/2006/relationships" xmlns:p="http://schemas.openxmlformats.org/presentationml/2006/main">
   <p:cSld>
     <p:bg>
@@ -21788,7 +21300,7 @@
 </p:sld>
 </file>
 
-<file path=ppt/slides/slide22.xml><?xml version="1.0" encoding="utf-8"?>
+<file path=ppt/slides/slide21.xml><?xml version="1.0" encoding="utf-8"?>
 <p:sld xmlns:a="http://schemas.openxmlformats.org/drawingml/2006/main" xmlns:r="http://schemas.openxmlformats.org/officeDocument/2006/relationships" xmlns:p="http://schemas.openxmlformats.org/presentationml/2006/main">
   <p:cSld>
     <p:bg>
@@ -22693,7 +22205,7 @@
 </p:sld>
 </file>
 
-<file path=ppt/slides/slide23.xml><?xml version="1.0" encoding="utf-8"?>
+<file path=ppt/slides/slide22.xml><?xml version="1.0" encoding="utf-8"?>
 <p:sld xmlns:a="http://schemas.openxmlformats.org/drawingml/2006/main" xmlns:r="http://schemas.openxmlformats.org/officeDocument/2006/relationships" xmlns:p="http://schemas.openxmlformats.org/presentationml/2006/main">
   <p:cSld>
     <p:bg>
@@ -23614,7 +23126,7 @@
 </p:sld>
 </file>
 
-<file path=ppt/slides/slide24.xml><?xml version="1.0" encoding="utf-8"?>
+<file path=ppt/slides/slide23.xml><?xml version="1.0" encoding="utf-8"?>
 <p:sld xmlns:a="http://schemas.openxmlformats.org/drawingml/2006/main" xmlns:r="http://schemas.openxmlformats.org/officeDocument/2006/relationships" xmlns:p="http://schemas.openxmlformats.org/presentationml/2006/main">
   <p:cSld>
     <p:bg>
@@ -24620,7 +24132,7 @@
               <a:gd name="adj2" fmla="val 148060"/>
             </a:avLst>
           </a:prstGeom>
-          <a:ln w="25400" cap="rnd">
+          <a:ln w="22225" cap="rnd">
             <a:solidFill>
               <a:srgbClr val="F4F3EE"/>
             </a:solidFill>
@@ -24656,111 +24168,7 @@
 </p:sld>
 </file>
 
-<file path=ppt/slides/slide25.xml><?xml version="1.0" encoding="utf-8"?>
-<p:sld xmlns:a="http://schemas.openxmlformats.org/drawingml/2006/main" xmlns:r="http://schemas.openxmlformats.org/officeDocument/2006/relationships" xmlns:p="http://schemas.openxmlformats.org/presentationml/2006/main" show="0">
-  <p:cSld>
-    <p:bg>
-      <p:bgPr>
-        <a:solidFill>
-          <a:srgbClr val="463F3A"/>
-        </a:solidFill>
-        <a:effectLst/>
-      </p:bgPr>
-    </p:bg>
-    <p:spTree>
-      <p:nvGrpSpPr>
-        <p:cNvPr id="1" name="">
-          <a:extLst>
-            <a:ext uri="{FF2B5EF4-FFF2-40B4-BE49-F238E27FC236}">
-              <a16:creationId xmlns:a16="http://schemas.microsoft.com/office/drawing/2014/main" id="{F0C17A6F-A5BA-CDF9-414B-199A64188FC8}"/>
-            </a:ext>
-          </a:extLst>
-        </p:cNvPr>
-        <p:cNvGrpSpPr/>
-        <p:nvPr/>
-      </p:nvGrpSpPr>
-      <p:grpSpPr>
-        <a:xfrm>
-          <a:off x="0" y="0"/>
-          <a:ext cx="0" cy="0"/>
-          <a:chOff x="0" y="0"/>
-          <a:chExt cx="0" cy="0"/>
-        </a:xfrm>
-      </p:grpSpPr>
-      <p:pic>
-        <p:nvPicPr>
-          <p:cNvPr id="4" name="Immagine 3">
-            <a:extLst>
-              <a:ext uri="{FF2B5EF4-FFF2-40B4-BE49-F238E27FC236}">
-                <a16:creationId xmlns:a16="http://schemas.microsoft.com/office/drawing/2014/main" id="{1802E09E-FEB5-CE3E-3B8C-685C1E0792A4}"/>
-              </a:ext>
-            </a:extLst>
-          </p:cNvPr>
-          <p:cNvPicPr>
-            <a:picLocks noChangeAspect="1"/>
-          </p:cNvPicPr>
-          <p:nvPr/>
-        </p:nvPicPr>
-        <p:blipFill>
-          <a:blip r:embed="rId2"/>
-          <a:stretch>
-            <a:fillRect/>
-          </a:stretch>
-        </p:blipFill>
-        <p:spPr>
-          <a:xfrm>
-            <a:off x="1702577" y="-600076"/>
-            <a:ext cx="8520080" cy="4553031"/>
-          </a:xfrm>
-          <a:prstGeom prst="rect">
-            <a:avLst/>
-          </a:prstGeom>
-        </p:spPr>
-      </p:pic>
-      <p:pic>
-        <p:nvPicPr>
-          <p:cNvPr id="7" name="Immagine 6">
-            <a:extLst>
-              <a:ext uri="{FF2B5EF4-FFF2-40B4-BE49-F238E27FC236}">
-                <a16:creationId xmlns:a16="http://schemas.microsoft.com/office/drawing/2014/main" id="{3467A05B-3E85-BC33-40A3-532C02831868}"/>
-              </a:ext>
-            </a:extLst>
-          </p:cNvPr>
-          <p:cNvPicPr>
-            <a:picLocks noChangeAspect="1"/>
-          </p:cNvPicPr>
-          <p:nvPr/>
-        </p:nvPicPr>
-        <p:blipFill>
-          <a:blip r:embed="rId3"/>
-          <a:stretch>
-            <a:fillRect/>
-          </a:stretch>
-        </p:blipFill>
-        <p:spPr>
-          <a:xfrm>
-            <a:off x="1909762" y="2996702"/>
-            <a:ext cx="8372475" cy="4474153"/>
-          </a:xfrm>
-          <a:prstGeom prst="rect">
-            <a:avLst/>
-          </a:prstGeom>
-        </p:spPr>
-      </p:pic>
-    </p:spTree>
-    <p:extLst>
-      <p:ext uri="{BB962C8B-B14F-4D97-AF65-F5344CB8AC3E}">
-        <p14:creationId xmlns:p14="http://schemas.microsoft.com/office/powerpoint/2010/main" val="1078289415"/>
-      </p:ext>
-    </p:extLst>
-  </p:cSld>
-  <p:clrMapOvr>
-    <a:masterClrMapping/>
-  </p:clrMapOvr>
-</p:sld>
-</file>
-
-<file path=ppt/slides/slide26.xml><?xml version="1.0" encoding="utf-8"?>
+<file path=ppt/slides/slide24.xml><?xml version="1.0" encoding="utf-8"?>
 <p:sld xmlns:a="http://schemas.openxmlformats.org/drawingml/2006/main" xmlns:r="http://schemas.openxmlformats.org/officeDocument/2006/relationships" xmlns:p="http://schemas.openxmlformats.org/presentationml/2006/main">
   <p:cSld>
     <p:bg>
@@ -25764,7 +25172,7 @@
               <a:gd name="adj2" fmla="val 148060"/>
             </a:avLst>
           </a:prstGeom>
-          <a:ln w="25400" cap="rnd">
+          <a:ln w="22225" cap="rnd">
             <a:solidFill>
               <a:srgbClr val="F4F3EE"/>
             </a:solidFill>
@@ -25800,111 +25208,7 @@
 </p:sld>
 </file>
 
-<file path=ppt/slides/slide27.xml><?xml version="1.0" encoding="utf-8"?>
-<p:sld xmlns:a="http://schemas.openxmlformats.org/drawingml/2006/main" xmlns:r="http://schemas.openxmlformats.org/officeDocument/2006/relationships" xmlns:p="http://schemas.openxmlformats.org/presentationml/2006/main" show="0">
-  <p:cSld>
-    <p:bg>
-      <p:bgPr>
-        <a:solidFill>
-          <a:srgbClr val="463F3A"/>
-        </a:solidFill>
-        <a:effectLst/>
-      </p:bgPr>
-    </p:bg>
-    <p:spTree>
-      <p:nvGrpSpPr>
-        <p:cNvPr id="1" name="">
-          <a:extLst>
-            <a:ext uri="{FF2B5EF4-FFF2-40B4-BE49-F238E27FC236}">
-              <a16:creationId xmlns:a16="http://schemas.microsoft.com/office/drawing/2014/main" id="{F675B972-ECCB-3400-73D1-FE98AE0758BB}"/>
-            </a:ext>
-          </a:extLst>
-        </p:cNvPr>
-        <p:cNvGrpSpPr/>
-        <p:nvPr/>
-      </p:nvGrpSpPr>
-      <p:grpSpPr>
-        <a:xfrm>
-          <a:off x="0" y="0"/>
-          <a:ext cx="0" cy="0"/>
-          <a:chOff x="0" y="0"/>
-          <a:chExt cx="0" cy="0"/>
-        </a:xfrm>
-      </p:grpSpPr>
-      <p:pic>
-        <p:nvPicPr>
-          <p:cNvPr id="3" name="Immagine 2">
-            <a:extLst>
-              <a:ext uri="{FF2B5EF4-FFF2-40B4-BE49-F238E27FC236}">
-                <a16:creationId xmlns:a16="http://schemas.microsoft.com/office/drawing/2014/main" id="{E4634D6D-2858-9F58-6C29-FB2FBF1F50AF}"/>
-              </a:ext>
-            </a:extLst>
-          </p:cNvPr>
-          <p:cNvPicPr>
-            <a:picLocks noChangeAspect="1"/>
-          </p:cNvPicPr>
-          <p:nvPr/>
-        </p:nvPicPr>
-        <p:blipFill>
-          <a:blip r:embed="rId2"/>
-          <a:stretch>
-            <a:fillRect/>
-          </a:stretch>
-        </p:blipFill>
-        <p:spPr>
-          <a:xfrm>
-            <a:off x="2047875" y="-333375"/>
-            <a:ext cx="8359663" cy="4467306"/>
-          </a:xfrm>
-          <a:prstGeom prst="rect">
-            <a:avLst/>
-          </a:prstGeom>
-        </p:spPr>
-      </p:pic>
-      <p:pic>
-        <p:nvPicPr>
-          <p:cNvPr id="5" name="Immagine 4">
-            <a:extLst>
-              <a:ext uri="{FF2B5EF4-FFF2-40B4-BE49-F238E27FC236}">
-                <a16:creationId xmlns:a16="http://schemas.microsoft.com/office/drawing/2014/main" id="{CDDBF328-A918-AACF-9E81-C6D910EC2446}"/>
-              </a:ext>
-            </a:extLst>
-          </p:cNvPr>
-          <p:cNvPicPr>
-            <a:picLocks noChangeAspect="1"/>
-          </p:cNvPicPr>
-          <p:nvPr/>
-        </p:nvPicPr>
-        <p:blipFill>
-          <a:blip r:embed="rId3"/>
-          <a:stretch>
-            <a:fillRect/>
-          </a:stretch>
-        </p:blipFill>
-        <p:spPr>
-          <a:xfrm>
-            <a:off x="2166936" y="2968749"/>
-            <a:ext cx="8240601" cy="4403681"/>
-          </a:xfrm>
-          <a:prstGeom prst="rect">
-            <a:avLst/>
-          </a:prstGeom>
-        </p:spPr>
-      </p:pic>
-    </p:spTree>
-    <p:extLst>
-      <p:ext uri="{BB962C8B-B14F-4D97-AF65-F5344CB8AC3E}">
-        <p14:creationId xmlns:p14="http://schemas.microsoft.com/office/powerpoint/2010/main" val="427575264"/>
-      </p:ext>
-    </p:extLst>
-  </p:cSld>
-  <p:clrMapOvr>
-    <a:masterClrMapping/>
-  </p:clrMapOvr>
-</p:sld>
-</file>
-
-<file path=ppt/slides/slide28.xml><?xml version="1.0" encoding="utf-8"?>
+<file path=ppt/slides/slide25.xml><?xml version="1.0" encoding="utf-8"?>
 <p:sld xmlns:a="http://schemas.openxmlformats.org/drawingml/2006/main" xmlns:r="http://schemas.openxmlformats.org/officeDocument/2006/relationships" xmlns:p="http://schemas.openxmlformats.org/presentationml/2006/main">
   <p:cSld>
     <p:bg>
@@ -26094,7 +25398,7 @@
         </p:nvSpPr>
         <p:spPr>
           <a:xfrm>
-            <a:off x="2450852" y="5203318"/>
+            <a:off x="2450852" y="5241418"/>
             <a:ext cx="7290297" cy="292388"/>
           </a:xfrm>
           <a:prstGeom prst="rect">
@@ -26134,7 +25438,7 @@
         </p:nvSpPr>
         <p:spPr>
           <a:xfrm>
-            <a:off x="2450852" y="2390902"/>
+            <a:off x="2450852" y="2429002"/>
             <a:ext cx="7290297" cy="892552"/>
           </a:xfrm>
           <a:prstGeom prst="rect">
@@ -26224,8 +25528,8 @@
           </a:p>
         </p:txBody>
       </p:sp>
-      <mc:AlternateContent xmlns:mc="http://schemas.openxmlformats.org/markup-compatibility/2006" xmlns:a14="http://schemas.microsoft.com/office/drawing/2010/main">
-        <mc:Choice Requires="a14">
+      <mc:AlternateContent xmlns:mc="http://schemas.openxmlformats.org/markup-compatibility/2006">
+        <mc:Choice xmlns:a14="http://schemas.microsoft.com/office/drawing/2010/main" Requires="a14">
           <p:sp>
             <p:nvSpPr>
               <p:cNvPr id="15" name="CasellaDiTesto 14">
@@ -26240,7 +25544,7 @@
             </p:nvSpPr>
             <p:spPr>
               <a:xfrm>
-                <a:off x="2450852" y="3613150"/>
+                <a:off x="2450852" y="3651250"/>
                 <a:ext cx="7290297" cy="1260473"/>
               </a:xfrm>
               <a:prstGeom prst="rect">
@@ -26359,7 +25663,7 @@
             </p:txBody>
           </p:sp>
         </mc:Choice>
-        <mc:Fallback xmlns="">
+        <mc:Fallback>
           <p:sp>
             <p:nvSpPr>
               <p:cNvPr id="15" name="CasellaDiTesto 14">
@@ -26376,7 +25680,7 @@
             </p:nvSpPr>
             <p:spPr>
               <a:xfrm>
-                <a:off x="2450852" y="3613150"/>
+                <a:off x="2450852" y="3651250"/>
                 <a:ext cx="7290297" cy="1260473"/>
               </a:xfrm>
               <a:prstGeom prst="rect">
@@ -26385,7 +25689,7 @@
               <a:blipFill>
                 <a:blip r:embed="rId2"/>
                 <a:stretch>
-                  <a:fillRect l="-84" r="-167" b="-3883"/>
+                  <a:fillRect l="-84" r="-167" b="-3382"/>
                 </a:stretch>
               </a:blipFill>
             </p:spPr>
@@ -26418,7 +25722,7 @@
         </p:nvSpPr>
         <p:spPr>
           <a:xfrm flipH="1">
-            <a:off x="1952485" y="3529996"/>
+            <a:off x="1952485" y="3568096"/>
             <a:ext cx="585620" cy="1426780"/>
           </a:xfrm>
           <a:prstGeom prst="rightBrace">
@@ -26471,7 +25775,7 @@
         </p:nvSpPr>
         <p:spPr>
           <a:xfrm>
-            <a:off x="667677" y="4012553"/>
+            <a:off x="667677" y="4050653"/>
             <a:ext cx="1284808" cy="461665"/>
           </a:xfrm>
           <a:prstGeom prst="rect">
@@ -26510,7 +25814,7 @@
 </p:sld>
 </file>
 
-<file path=ppt/slides/slide29.xml><?xml version="1.0" encoding="utf-8"?>
+<file path=ppt/slides/slide26.xml><?xml version="1.0" encoding="utf-8"?>
 <p:sld xmlns:a="http://schemas.openxmlformats.org/drawingml/2006/main" xmlns:r="http://schemas.openxmlformats.org/officeDocument/2006/relationships" xmlns:p="http://schemas.openxmlformats.org/presentationml/2006/main">
   <p:cSld>
     <p:bg>
@@ -26526,7 +25830,7 @@
         <p:cNvPr id="1" name="">
           <a:extLst>
             <a:ext uri="{FF2B5EF4-FFF2-40B4-BE49-F238E27FC236}">
-              <a16:creationId xmlns:a16="http://schemas.microsoft.com/office/drawing/2014/main" id="{D80025EF-C64D-7AA8-9C23-D12D185A59FE}"/>
+              <a16:creationId xmlns:a16="http://schemas.microsoft.com/office/drawing/2014/main" id="{ED74D9EC-C995-4D84-8B13-651E0DBEC560}"/>
             </a:ext>
           </a:extLst>
         </p:cNvPr>
@@ -26541,91 +25845,14 @@
           <a:chExt cx="0" cy="0"/>
         </a:xfrm>
       </p:grpSpPr>
-      <p:sp>
-        <p:nvSpPr>
-          <p:cNvPr id="3" name="CasellaDiTesto 2">
-            <a:extLst>
-              <a:ext uri="{FF2B5EF4-FFF2-40B4-BE49-F238E27FC236}">
-                <a16:creationId xmlns:a16="http://schemas.microsoft.com/office/drawing/2014/main" id="{D4B48253-F4A1-4700-3AC6-10046F04F8CE}"/>
-              </a:ext>
-            </a:extLst>
-          </p:cNvPr>
-          <p:cNvSpPr txBox="1"/>
-          <p:nvPr/>
-        </p:nvSpPr>
-        <p:spPr>
-          <a:xfrm>
-            <a:off x="2581835" y="384801"/>
-            <a:ext cx="7028330" cy="646331"/>
-          </a:xfrm>
-          <a:prstGeom prst="rect">
-            <a:avLst/>
-          </a:prstGeom>
-          <a:noFill/>
-        </p:spPr>
-        <p:txBody>
-          <a:bodyPr wrap="square" rtlCol="0">
-            <a:spAutoFit/>
-          </a:bodyPr>
-          <a:lstStyle/>
-          <a:p>
-            <a:pPr algn="ctr"/>
-            <a:r>
-              <a:rPr lang="en-US" spc="300" dirty="0">
-                <a:solidFill>
-                  <a:srgbClr val="F4F3EE"/>
-                </a:solidFill>
-              </a:rPr>
-              <a:t>WHAT WILL BE THE </a:t>
-            </a:r>
-            <a:r>
-              <a:rPr lang="en-US" b="1" spc="300" dirty="0">
-                <a:solidFill>
-                  <a:srgbClr val="F4F3EE"/>
-                </a:solidFill>
-              </a:rPr>
-              <a:t>RESULTS</a:t>
-            </a:r>
-            <a:r>
-              <a:rPr lang="en-US" spc="300" dirty="0">
-                <a:solidFill>
-                  <a:srgbClr val="F4F3EE"/>
-                </a:solidFill>
-              </a:rPr>
-              <a:t> IN THE SCENARIO WHERE THERE IS </a:t>
-            </a:r>
-            <a:r>
-              <a:rPr lang="en-US" b="1" spc="300" dirty="0">
-                <a:solidFill>
-                  <a:srgbClr val="E0AFA0"/>
-                </a:solidFill>
-              </a:rPr>
-              <a:t>EVE</a:t>
-            </a:r>
-            <a:r>
-              <a:rPr lang="en-US" spc="300" dirty="0">
-                <a:solidFill>
-                  <a:srgbClr val="F4F3EE"/>
-                </a:solidFill>
-              </a:rPr>
-              <a:t>, THE EAVESDROPPER?</a:t>
-            </a:r>
-            <a:endParaRPr lang="en-US" spc="300" noProof="0" dirty="0">
-              <a:solidFill>
-                <a:srgbClr val="F4F3EE"/>
-              </a:solidFill>
-            </a:endParaRPr>
-          </a:p>
-        </p:txBody>
-      </p:sp>
-      <mc:AlternateContent xmlns:mc="http://schemas.openxmlformats.org/markup-compatibility/2006" xmlns:a14="http://schemas.microsoft.com/office/drawing/2010/main">
-        <mc:Choice Requires="a14">
+      <mc:AlternateContent xmlns:mc="http://schemas.openxmlformats.org/markup-compatibility/2006">
+        <mc:Choice xmlns:a14="http://schemas.microsoft.com/office/drawing/2010/main" Requires="a14">
           <p:sp>
             <p:nvSpPr>
               <p:cNvPr id="2" name="CasellaDiTesto 1">
                 <a:extLst>
                   <a:ext uri="{FF2B5EF4-FFF2-40B4-BE49-F238E27FC236}">
-                    <a16:creationId xmlns:a16="http://schemas.microsoft.com/office/drawing/2014/main" id="{F443CFD7-8E26-21CA-D3C3-3444F15A3510}"/>
+                    <a16:creationId xmlns:a16="http://schemas.microsoft.com/office/drawing/2014/main" id="{00FC7CFE-1F18-9847-F154-51057F5E540D}"/>
                   </a:ext>
                 </a:extLst>
               </p:cNvPr>
@@ -26634,8 +25861,8 @@
             </p:nvSpPr>
             <p:spPr>
               <a:xfrm>
-                <a:off x="1152244" y="1589021"/>
-                <a:ext cx="9887511" cy="276999"/>
+                <a:off x="4960618" y="514863"/>
+                <a:ext cx="6637016" cy="492443"/>
               </a:xfrm>
               <a:prstGeom prst="rect">
                 <a:avLst/>
@@ -26650,17 +25877,33 @@
               <a:p>
                 <a:pPr algn="just"/>
                 <a:r>
-                  <a:rPr lang="en-US" sz="1200" spc="300" dirty="0">
+                  <a:rPr lang="en-US" sz="1300" spc="300" dirty="0">
                     <a:solidFill>
                       <a:srgbClr val="F4F3EE"/>
                     </a:solidFill>
                   </a:rPr>
-                  <a:t>IN THIS SCENARIO, EVE SENDS ALICE AND BOB ONLY QUBIT PAIRS IN THE STATES </a:t>
+                  <a:t>IN THIS SCENARIO, </a:t>
+                </a:r>
+                <a:r>
+                  <a:rPr lang="en-US" sz="1300" spc="300" dirty="0">
+                    <a:solidFill>
+                      <a:srgbClr val="E0AFA0"/>
+                    </a:solidFill>
+                  </a:rPr>
+                  <a:t>EVE</a:t>
+                </a:r>
+                <a:r>
+                  <a:rPr lang="en-US" sz="1300" spc="300" dirty="0">
+                    <a:solidFill>
+                      <a:srgbClr val="F4F3EE"/>
+                    </a:solidFill>
+                  </a:rPr>
+                  <a:t> SENDS ALICE AND BOB ONLY QUBIT PAIRS IN THE STATES </a:t>
                 </a:r>
                 <a14:m>
                   <m:oMath xmlns:m="http://schemas.openxmlformats.org/officeDocument/2006/math">
                     <m:r>
-                      <a:rPr lang="it-IT" sz="1200" b="0" i="1" spc="300" smtClean="0">
+                      <a:rPr lang="it-IT" sz="1300" b="0" i="1" spc="300" smtClean="0">
                         <a:solidFill>
                           <a:srgbClr val="F4F3EE"/>
                         </a:solidFill>
@@ -26671,7 +25914,7 @@
                   </m:oMath>
                 </a14:m>
                 <a:r>
-                  <a:rPr lang="en-US" sz="1200" spc="300" noProof="0" dirty="0">
+                  <a:rPr lang="en-US" sz="1300" spc="300" noProof="0" dirty="0">
                     <a:solidFill>
                       <a:srgbClr val="F4F3EE"/>
                     </a:solidFill>
@@ -26681,7 +25924,7 @@
                 <a14:m>
                   <m:oMath xmlns:m="http://schemas.openxmlformats.org/officeDocument/2006/math">
                     <m:r>
-                      <a:rPr lang="it-IT" sz="1200" i="1" spc="300">
+                      <a:rPr lang="it-IT" sz="1300" i="1" spc="300">
                         <a:solidFill>
                           <a:srgbClr val="F4F3EE"/>
                         </a:solidFill>
@@ -26690,7 +25933,7 @@
                       <m:t>|</m:t>
                     </m:r>
                     <m:r>
-                      <a:rPr lang="it-IT" sz="1200" b="0" i="1" spc="300" smtClean="0">
+                      <a:rPr lang="it-IT" sz="1300" b="0" i="1" spc="300" smtClean="0">
                         <a:solidFill>
                           <a:srgbClr val="F4F3EE"/>
                         </a:solidFill>
@@ -26699,7 +25942,7 @@
                       <m:t>10</m:t>
                     </m:r>
                     <m:r>
-                      <a:rPr lang="it-IT" sz="1200" i="1" spc="300">
+                      <a:rPr lang="it-IT" sz="1300" i="1" spc="300">
                         <a:solidFill>
                           <a:srgbClr val="F4F3EE"/>
                         </a:solidFill>
@@ -26709,22 +25952,25 @@
                     </m:r>
                   </m:oMath>
                 </a14:m>
-                <a:endParaRPr lang="en-US" sz="1200" spc="300" noProof="0" dirty="0">
-                  <a:solidFill>
-                    <a:srgbClr val="F4F3EE"/>
-                  </a:solidFill>
-                </a:endParaRPr>
+                <a:r>
+                  <a:rPr lang="en-US" sz="1300" spc="300" noProof="0" dirty="0">
+                    <a:solidFill>
+                      <a:srgbClr val="F4F3EE"/>
+                    </a:solidFill>
+                  </a:rPr>
+                  <a:t>.</a:t>
+                </a:r>
               </a:p>
             </p:txBody>
           </p:sp>
         </mc:Choice>
-        <mc:Fallback xmlns="">
+        <mc:Fallback>
           <p:sp>
             <p:nvSpPr>
               <p:cNvPr id="2" name="CasellaDiTesto 1">
                 <a:extLst>
                   <a:ext uri="{FF2B5EF4-FFF2-40B4-BE49-F238E27FC236}">
-                    <a16:creationId xmlns:a16="http://schemas.microsoft.com/office/drawing/2014/main" id="{F443CFD7-8E26-21CA-D3C3-3444F15A3510}"/>
+                    <a16:creationId xmlns:a16="http://schemas.microsoft.com/office/drawing/2014/main" id="{00FC7CFE-1F18-9847-F154-51057F5E540D}"/>
                   </a:ext>
                 </a:extLst>
               </p:cNvPr>
@@ -26735,8 +25981,8 @@
             </p:nvSpPr>
             <p:spPr>
               <a:xfrm>
-                <a:off x="1152244" y="1589021"/>
-                <a:ext cx="9887511" cy="276999"/>
+                <a:off x="4960618" y="514863"/>
+                <a:ext cx="6637016" cy="492443"/>
               </a:xfrm>
               <a:prstGeom prst="rect">
                 <a:avLst/>
@@ -26744,7 +25990,7 @@
               <a:blipFill>
                 <a:blip r:embed="rId2"/>
                 <a:stretch>
-                  <a:fillRect t="-2222" b="-17778"/>
+                  <a:fillRect l="-184" r="-184" b="-11111"/>
                 </a:stretch>
               </a:blipFill>
             </p:spPr>
@@ -26763,14 +26009,14 @@
           </p:sp>
         </mc:Fallback>
       </mc:AlternateContent>
-      <mc:AlternateContent xmlns:mc="http://schemas.openxmlformats.org/markup-compatibility/2006" xmlns:a14="http://schemas.microsoft.com/office/drawing/2010/main">
-        <mc:Choice Requires="a14">
+      <mc:AlternateContent xmlns:mc="http://schemas.openxmlformats.org/markup-compatibility/2006">
+        <mc:Choice xmlns:a14="http://schemas.microsoft.com/office/drawing/2010/main" Requires="a14">
           <p:sp>
             <p:nvSpPr>
               <p:cNvPr id="10" name="CasellaDiTesto 9">
                 <a:extLst>
                   <a:ext uri="{FF2B5EF4-FFF2-40B4-BE49-F238E27FC236}">
-                    <a16:creationId xmlns:a16="http://schemas.microsoft.com/office/drawing/2014/main" id="{FAC2BAB6-6CB3-ACDF-1F6D-874F9567ACB2}"/>
+                    <a16:creationId xmlns:a16="http://schemas.microsoft.com/office/drawing/2014/main" id="{A2C00696-95D5-FFE7-53FA-C3413C1A61DD}"/>
                   </a:ext>
                 </a:extLst>
               </p:cNvPr>
@@ -26779,8 +26025,8 @@
             </p:nvSpPr>
             <p:spPr>
               <a:xfrm>
-                <a:off x="1152243" y="2146910"/>
-                <a:ext cx="9887511" cy="664349"/>
+                <a:off x="4960618" y="1206641"/>
+                <a:ext cx="6637017" cy="1112099"/>
               </a:xfrm>
               <a:prstGeom prst="rect">
                 <a:avLst/>
@@ -26795,7 +26041,7 @@
               <a:p>
                 <a:pPr algn="just"/>
                 <a:r>
-                  <a:rPr lang="en-US" sz="1200" spc="300" dirty="0">
+                  <a:rPr lang="en-US" sz="1300" spc="300" dirty="0">
                     <a:solidFill>
                       <a:srgbClr val="F4F3EE"/>
                     </a:solidFill>
@@ -26803,15 +26049,23 @@
                   <a:t>SINCE THESE STATES ARE NOT ENTANGLED, THE </a:t>
                 </a:r>
                 <a:r>
-                  <a:rPr lang="en-US" sz="1200" b="1" spc="300" dirty="0">
+                  <a:rPr lang="en-US" sz="1300" b="1" spc="300" dirty="0">
+                    <a:solidFill>
+                      <a:srgbClr val="E0AFA0"/>
+                    </a:solidFill>
+                  </a:rPr>
+                  <a:t>CHSH CORRELATION</a:t>
+                </a:r>
+                <a:r>
+                  <a:rPr lang="en-US" sz="1300" b="1" spc="300" dirty="0">
                     <a:solidFill>
                       <a:srgbClr val="F4F3EE"/>
                     </a:solidFill>
                   </a:rPr>
-                  <a:t>CHSH CORRELATION </a:t>
+                  <a:t> </a:t>
                 </a:r>
                 <a:r>
-                  <a:rPr lang="en-US" sz="1200" spc="300" dirty="0">
+                  <a:rPr lang="en-US" sz="1300" spc="300" dirty="0">
                     <a:solidFill>
                       <a:srgbClr val="F4F3EE"/>
                     </a:solidFill>
@@ -26821,7 +26075,7 @@
                 <a14:m>
                   <m:oMath xmlns:m="http://schemas.openxmlformats.org/officeDocument/2006/math">
                     <m:r>
-                      <a:rPr lang="it-IT" sz="1200" b="0" i="1" spc="300" smtClean="0">
+                      <a:rPr lang="it-IT" sz="1300" b="0" i="1" spc="300" smtClean="0">
                         <a:solidFill>
                           <a:srgbClr val="F4F3EE"/>
                         </a:solidFill>
@@ -26833,7 +26087,7 @@
                       <m:radPr>
                         <m:degHide m:val="on"/>
                         <m:ctrlPr>
-                          <a:rPr lang="it-IT" sz="1200" b="0" i="1" spc="300" smtClean="0">
+                          <a:rPr lang="it-IT" sz="1300" b="0" i="1" spc="300" smtClean="0">
                             <a:solidFill>
                               <a:srgbClr val="F4F3EE"/>
                             </a:solidFill>
@@ -26844,7 +26098,7 @@
                       <m:deg/>
                       <m:e>
                         <m:r>
-                          <a:rPr lang="it-IT" sz="1200" b="0" i="1" spc="300" smtClean="0">
+                          <a:rPr lang="it-IT" sz="1300" b="0" i="1" spc="300" smtClean="0">
                             <a:solidFill>
                               <a:srgbClr val="F4F3EE"/>
                             </a:solidFill>
@@ -26857,14 +26111,14 @@
                   </m:oMath>
                 </a14:m>
                 <a:r>
-                  <a:rPr lang="en-US" sz="1200" spc="300" dirty="0">
+                  <a:rPr lang="en-US" sz="1300" spc="300" dirty="0">
                     <a:solidFill>
                       <a:srgbClr val="F4F3EE"/>
                     </a:solidFill>
                   </a:rPr>
                   <a:t>, THE VALUE WILL BE SIGNIFICANTLY LOWER. THIS ALLOWS ALICE AND BOB TO DETECT THE ANOMALY AND ABORT THE PROTOCOL. </a:t>
                 </a:r>
-                <a:endParaRPr lang="en-US" sz="1200" spc="300" noProof="0" dirty="0">
+                <a:endParaRPr lang="en-US" sz="1300" spc="300" noProof="0" dirty="0">
                   <a:solidFill>
                     <a:srgbClr val="F4F3EE"/>
                   </a:solidFill>
@@ -26873,13 +26127,13 @@
             </p:txBody>
           </p:sp>
         </mc:Choice>
-        <mc:Fallback xmlns="">
+        <mc:Fallback>
           <p:sp>
             <p:nvSpPr>
               <p:cNvPr id="10" name="CasellaDiTesto 9">
                 <a:extLst>
                   <a:ext uri="{FF2B5EF4-FFF2-40B4-BE49-F238E27FC236}">
-                    <a16:creationId xmlns:a16="http://schemas.microsoft.com/office/drawing/2014/main" id="{FAC2BAB6-6CB3-ACDF-1F6D-874F9567ACB2}"/>
+                    <a16:creationId xmlns:a16="http://schemas.microsoft.com/office/drawing/2014/main" id="{A2C00696-95D5-FFE7-53FA-C3413C1A61DD}"/>
                   </a:ext>
                 </a:extLst>
               </p:cNvPr>
@@ -26890,8 +26144,8 @@
             </p:nvSpPr>
             <p:spPr>
               <a:xfrm>
-                <a:off x="1152243" y="2146910"/>
-                <a:ext cx="9887511" cy="664349"/>
+                <a:off x="4960618" y="1206641"/>
+                <a:ext cx="6637017" cy="1112099"/>
               </a:xfrm>
               <a:prstGeom prst="rect">
                 <a:avLst/>
@@ -26899,7 +26153,7 @@
               <a:blipFill>
                 <a:blip r:embed="rId3"/>
                 <a:stretch>
-                  <a:fillRect r="-62" b="-6422"/>
+                  <a:fillRect l="-184" r="-184" b="-4396"/>
                 </a:stretch>
               </a:blipFill>
             </p:spPr>
@@ -26918,14 +26172,14 @@
           </p:sp>
         </mc:Fallback>
       </mc:AlternateContent>
-      <mc:AlternateContent xmlns:mc="http://schemas.openxmlformats.org/markup-compatibility/2006" xmlns:a14="http://schemas.microsoft.com/office/drawing/2010/main">
-        <mc:Choice Requires="a14">
+      <mc:AlternateContent xmlns:mc="http://schemas.openxmlformats.org/markup-compatibility/2006">
+        <mc:Choice xmlns:a14="http://schemas.microsoft.com/office/drawing/2010/main" Requires="a14">
           <p:sp>
             <p:nvSpPr>
               <p:cNvPr id="14" name="CasellaDiTesto 13">
                 <a:extLst>
                   <a:ext uri="{FF2B5EF4-FFF2-40B4-BE49-F238E27FC236}">
-                    <a16:creationId xmlns:a16="http://schemas.microsoft.com/office/drawing/2014/main" id="{6AF19A25-D46D-F1E6-28F0-2B273AC1C133}"/>
+                    <a16:creationId xmlns:a16="http://schemas.microsoft.com/office/drawing/2014/main" id="{F42756F4-7029-E178-657C-ECBE1DFC52F1}"/>
                   </a:ext>
                 </a:extLst>
               </p:cNvPr>
@@ -26934,8 +26188,8 @@
             </p:nvSpPr>
             <p:spPr>
               <a:xfrm>
-                <a:off x="1152243" y="3018272"/>
-                <a:ext cx="9887511" cy="918841"/>
+                <a:off x="4960615" y="2518075"/>
+                <a:ext cx="6637023" cy="1387880"/>
               </a:xfrm>
               <a:prstGeom prst="rect">
                 <a:avLst/>
@@ -26950,17 +26204,33 @@
               <a:p>
                 <a:pPr algn="just"/>
                 <a:r>
-                  <a:rPr lang="en-US" sz="1200" spc="300" dirty="0">
+                  <a:rPr lang="en-US" sz="1300" spc="300" dirty="0">
                     <a:solidFill>
                       <a:srgbClr val="F4F3EE"/>
                     </a:solidFill>
                   </a:rPr>
-                  <a:t>REGARDING THE MISMATCH RATIO, WHEN BOTH ALICE AND BOB MEASURE USING THE </a:t>
+                  <a:t>REGARDING THE </a:t>
+                </a:r>
+                <a:r>
+                  <a:rPr lang="en-US" sz="1300" b="1" spc="300" dirty="0">
+                    <a:solidFill>
+                      <a:srgbClr val="E0AFA0"/>
+                    </a:solidFill>
+                  </a:rPr>
+                  <a:t>MISMATCH RATIO</a:t>
+                </a:r>
+                <a:r>
+                  <a:rPr lang="en-US" sz="1300" spc="300" dirty="0">
+                    <a:solidFill>
+                      <a:srgbClr val="F4F3EE"/>
+                    </a:solidFill>
+                  </a:rPr>
+                  <a:t>, WHEN BOTH ALICE AND BOB MEASURE USING THE </a:t>
                 </a:r>
                 <a14:m>
                   <m:oMath xmlns:m="http://schemas.openxmlformats.org/officeDocument/2006/math">
                     <m:r>
-                      <a:rPr lang="it-IT" sz="1200" b="0" i="1" spc="300" smtClean="0">
+                      <a:rPr lang="it-IT" sz="1300" b="0" i="1" spc="300" smtClean="0">
                         <a:solidFill>
                           <a:srgbClr val="F4F3EE"/>
                         </a:solidFill>
@@ -26971,19 +26241,19 @@
                   </m:oMath>
                 </a14:m>
                 <a:r>
-                  <a:rPr lang="en-US" sz="1200" spc="300" dirty="0">
+                  <a:rPr lang="en-US" sz="1300" spc="300" dirty="0">
                     <a:solidFill>
                       <a:srgbClr val="F4F3EE"/>
                     </a:solidFill>
                   </a:rPr>
-                  <a:t> OBSERVABLE, THEY WILL OBTAIN ANTI-CORRELATED RESULTS (0 OR 1), PRODUCING A CORRECT MATCHING BIT FOR KEY GENERATION. HOWEVER, WHEN THEY BOTH MEASURE USING </a:t>
+                  <a:t> OBSERVABLE, THEY WILL OBTAIN ANTI-CORRELATED RESULTS, PRODUCING A CORRECT MATCHING BIT FOR KEY GENERATION. HOWEVER, WHEN THEY BOTH MEASURE USING </a:t>
                 </a:r>
                 <a14:m>
                   <m:oMath xmlns:m="http://schemas.openxmlformats.org/officeDocument/2006/math">
                     <m:f>
                       <m:fPr>
                         <m:ctrlPr>
-                          <a:rPr lang="it-IT" sz="1200" i="1">
+                          <a:rPr lang="it-IT" sz="1300" i="1">
                             <a:solidFill>
                               <a:srgbClr val="F4F3EE"/>
                             </a:solidFill>
@@ -26993,7 +26263,7 @@
                       </m:fPr>
                       <m:num>
                         <m:r>
-                          <a:rPr lang="en-US" sz="1200" i="1">
+                          <a:rPr lang="en-US" sz="1300" i="1">
                             <a:solidFill>
                               <a:srgbClr val="F4F3EE"/>
                             </a:solidFill>
@@ -27002,7 +26272,7 @@
                           <m:t>𝑍</m:t>
                         </m:r>
                         <m:r>
-                          <a:rPr lang="en-US" sz="1200" i="1">
+                          <a:rPr lang="en-US" sz="1300" i="1">
                             <a:solidFill>
                               <a:srgbClr val="F4F3EE"/>
                             </a:solidFill>
@@ -27011,7 +26281,7 @@
                           <m:t>+</m:t>
                         </m:r>
                         <m:r>
-                          <a:rPr lang="en-US" sz="1200" i="1">
+                          <a:rPr lang="en-US" sz="1300" i="1">
                             <a:solidFill>
                               <a:srgbClr val="F4F3EE"/>
                             </a:solidFill>
@@ -27025,7 +26295,7 @@
                           <m:radPr>
                             <m:degHide m:val="on"/>
                             <m:ctrlPr>
-                              <a:rPr lang="it-IT" sz="1200" i="1">
+                              <a:rPr lang="it-IT" sz="1300" i="1">
                                 <a:solidFill>
                                   <a:srgbClr val="F4F3EE"/>
                                 </a:solidFill>
@@ -27036,7 +26306,7 @@
                           <m:deg/>
                           <m:e>
                             <m:r>
-                              <a:rPr lang="it-IT" sz="1200" i="1">
+                              <a:rPr lang="it-IT" sz="1300" i="1">
                                 <a:solidFill>
                                   <a:srgbClr val="F4F3EE"/>
                                 </a:solidFill>
@@ -27049,7 +26319,7 @@
                       </m:den>
                     </m:f>
                     <m:r>
-                      <a:rPr lang="it-IT" sz="1200" i="1">
+                      <a:rPr lang="it-IT" sz="1300" i="1">
                         <a:solidFill>
                           <a:srgbClr val="F4F3EE"/>
                         </a:solidFill>
@@ -27060,14 +26330,14 @@
                   </m:oMath>
                 </a14:m>
                 <a:r>
-                  <a:rPr lang="en-US" sz="1200" spc="300" dirty="0">
+                  <a:rPr lang="en-US" sz="1300" spc="300" dirty="0">
                     <a:solidFill>
                       <a:srgbClr val="F4F3EE"/>
                     </a:solidFill>
                   </a:rPr>
                   <a:t>, THE OUTCOME IS LESS STRAIGHTFORWARD, REQUIRING FURTHER CALCULATIONS. </a:t>
                 </a:r>
-                <a:endParaRPr lang="en-US" sz="1200" spc="300" noProof="0" dirty="0">
+                <a:endParaRPr lang="en-US" sz="1300" spc="300" noProof="0" dirty="0">
                   <a:solidFill>
                     <a:srgbClr val="F4F3EE"/>
                   </a:solidFill>
@@ -27076,13 +26346,13 @@
             </p:txBody>
           </p:sp>
         </mc:Choice>
-        <mc:Fallback xmlns="">
+        <mc:Fallback>
           <p:sp>
             <p:nvSpPr>
               <p:cNvPr id="14" name="CasellaDiTesto 13">
                 <a:extLst>
                   <a:ext uri="{FF2B5EF4-FFF2-40B4-BE49-F238E27FC236}">
-                    <a16:creationId xmlns:a16="http://schemas.microsoft.com/office/drawing/2014/main" id="{6AF19A25-D46D-F1E6-28F0-2B273AC1C133}"/>
+                    <a16:creationId xmlns:a16="http://schemas.microsoft.com/office/drawing/2014/main" id="{F42756F4-7029-E178-657C-ECBE1DFC52F1}"/>
                   </a:ext>
                 </a:extLst>
               </p:cNvPr>
@@ -27093,8 +26363,8 @@
             </p:nvSpPr>
             <p:spPr>
               <a:xfrm>
-                <a:off x="1152243" y="3018272"/>
-                <a:ext cx="9887511" cy="918841"/>
+                <a:off x="4960615" y="2518075"/>
+                <a:ext cx="6637023" cy="1387880"/>
               </a:xfrm>
               <a:prstGeom prst="rect">
                 <a:avLst/>
@@ -27102,7 +26372,7 @@
               <a:blipFill>
                 <a:blip r:embed="rId4"/>
                 <a:stretch>
-                  <a:fillRect r="-62" b="-3974"/>
+                  <a:fillRect l="-184" r="-184" b="-3070"/>
                 </a:stretch>
               </a:blipFill>
             </p:spPr>
@@ -27121,14 +26391,14 @@
           </p:sp>
         </mc:Fallback>
       </mc:AlternateContent>
-      <mc:AlternateContent xmlns:mc="http://schemas.openxmlformats.org/markup-compatibility/2006" xmlns:a14="http://schemas.microsoft.com/office/drawing/2010/main">
-        <mc:Choice Requires="a14">
+      <mc:AlternateContent xmlns:mc="http://schemas.openxmlformats.org/markup-compatibility/2006">
+        <mc:Choice xmlns:a14="http://schemas.microsoft.com/office/drawing/2010/main" Requires="a14">
           <p:sp>
             <p:nvSpPr>
               <p:cNvPr id="16" name="CasellaDiTesto 15">
                 <a:extLst>
                   <a:ext uri="{FF2B5EF4-FFF2-40B4-BE49-F238E27FC236}">
-                    <a16:creationId xmlns:a16="http://schemas.microsoft.com/office/drawing/2014/main" id="{45C257E6-24BA-C02D-0CAD-2307667170BD}"/>
+                    <a16:creationId xmlns:a16="http://schemas.microsoft.com/office/drawing/2014/main" id="{3FBC2942-F56F-258E-33FB-AD4EA9195BAD}"/>
                   </a:ext>
                 </a:extLst>
               </p:cNvPr>
@@ -27137,8 +26407,8 @@
             </p:nvSpPr>
             <p:spPr>
               <a:xfrm>
-                <a:off x="1152243" y="4133218"/>
-                <a:ext cx="9887511" cy="830997"/>
+                <a:off x="4960621" y="4105290"/>
+                <a:ext cx="6637011" cy="1092607"/>
               </a:xfrm>
               <a:prstGeom prst="rect">
                 <a:avLst/>
@@ -27153,17 +26423,17 @@
               <a:p>
                 <a:pPr algn="just"/>
                 <a:r>
-                  <a:rPr lang="en-US" sz="1200" spc="300" dirty="0">
+                  <a:rPr lang="en-US" sz="1300" spc="300" dirty="0">
                     <a:solidFill>
                       <a:srgbClr val="F4F3EE"/>
                     </a:solidFill>
                   </a:rPr>
-                  <a:t>TO MEASURE IN THIS OBSERVABLE, WE NEED A UNITARY TRANSFORMATION THAT MAPS ITS EIGENVECTORS TO THE STANDARD BASIS, FOLLOWED BY A MEASUREMENT IN THE </a:t>
+                  <a:t>MEASURING IN THIS OBSERVABLE REQUIRES A UNITARY TRANSFORMATION THAT MAPS ITS EIGENVECTORS TO THE STANDARD BASIS, FOLLOWED BY A MEASUREMENT IN THE </a:t>
                 </a:r>
                 <a14:m>
                   <m:oMath xmlns:m="http://schemas.openxmlformats.org/officeDocument/2006/math">
                     <m:r>
-                      <a:rPr lang="it-IT" sz="1200" b="0" i="1" spc="300" smtClean="0">
+                      <a:rPr lang="it-IT" sz="1300" b="0" i="1" spc="300" smtClean="0">
                         <a:solidFill>
                           <a:srgbClr val="F4F3EE"/>
                         </a:solidFill>
@@ -27174,7 +26444,7 @@
                   </m:oMath>
                 </a14:m>
                 <a:r>
-                  <a:rPr lang="en-US" sz="1200" spc="300" dirty="0">
+                  <a:rPr lang="en-US" sz="1300" spc="300" dirty="0">
                     <a:solidFill>
                       <a:srgbClr val="F4F3EE"/>
                     </a:solidFill>
@@ -27184,7 +26454,7 @@
                 <a14:m>
                   <m:oMath xmlns:m="http://schemas.openxmlformats.org/officeDocument/2006/math">
                     <m:r>
-                      <a:rPr lang="it-IT" sz="1200" b="0" i="1" spc="300" smtClean="0">
+                      <a:rPr lang="it-IT" sz="1300" b="0" i="1" spc="300" smtClean="0">
                         <a:solidFill>
                           <a:srgbClr val="F4F3EE"/>
                         </a:solidFill>
@@ -27195,14 +26465,14 @@
                   </m:oMath>
                 </a14:m>
                 <a:r>
-                  <a:rPr lang="en-US" sz="1200" spc="300" dirty="0">
+                  <a:rPr lang="en-US" sz="1300" spc="300" dirty="0">
                     <a:solidFill>
                       <a:srgbClr val="F4F3EE"/>
                     </a:solidFill>
                   </a:rPr>
                   <a:t> IS GIVEN BELOW AND MUST BE APPLIED TO BOTH QUBITS BEFORE MEASUREMENT.</a:t>
                 </a:r>
-                <a:endParaRPr lang="en-US" sz="1200" spc="300" noProof="0" dirty="0">
+                <a:endParaRPr lang="en-US" sz="1300" spc="300" noProof="0" dirty="0">
                   <a:solidFill>
                     <a:srgbClr val="F4F3EE"/>
                   </a:solidFill>
@@ -27211,13 +26481,13 @@
             </p:txBody>
           </p:sp>
         </mc:Choice>
-        <mc:Fallback xmlns="">
+        <mc:Fallback>
           <p:sp>
             <p:nvSpPr>
               <p:cNvPr id="16" name="CasellaDiTesto 15">
                 <a:extLst>
                   <a:ext uri="{FF2B5EF4-FFF2-40B4-BE49-F238E27FC236}">
-                    <a16:creationId xmlns:a16="http://schemas.microsoft.com/office/drawing/2014/main" id="{45C257E6-24BA-C02D-0CAD-2307667170BD}"/>
+                    <a16:creationId xmlns:a16="http://schemas.microsoft.com/office/drawing/2014/main" id="{3FBC2942-F56F-258E-33FB-AD4EA9195BAD}"/>
                   </a:ext>
                 </a:extLst>
               </p:cNvPr>
@@ -27228,8 +26498,8 @@
             </p:nvSpPr>
             <p:spPr>
               <a:xfrm>
-                <a:off x="1152243" y="4133218"/>
-                <a:ext cx="9887511" cy="830997"/>
+                <a:off x="4960621" y="4105290"/>
+                <a:ext cx="6637011" cy="1092607"/>
               </a:xfrm>
               <a:prstGeom prst="rect">
                 <a:avLst/>
@@ -27237,7 +26507,7 @@
               <a:blipFill>
                 <a:blip r:embed="rId5"/>
                 <a:stretch>
-                  <a:fillRect r="-62" b="-5147"/>
+                  <a:fillRect l="-184" r="-184" b="-3889"/>
                 </a:stretch>
               </a:blipFill>
             </p:spPr>
@@ -27256,14 +26526,14 @@
           </p:sp>
         </mc:Fallback>
       </mc:AlternateContent>
-      <mc:AlternateContent xmlns:mc="http://schemas.openxmlformats.org/markup-compatibility/2006" xmlns:a14="http://schemas.microsoft.com/office/drawing/2010/main">
-        <mc:Choice Requires="a14">
+      <mc:AlternateContent xmlns:mc="http://schemas.openxmlformats.org/markup-compatibility/2006">
+        <mc:Choice xmlns:a14="http://schemas.microsoft.com/office/drawing/2010/main" Requires="a14">
           <p:sp>
             <p:nvSpPr>
               <p:cNvPr id="17" name="CasellaDiTesto 16">
                 <a:extLst>
                   <a:ext uri="{FF2B5EF4-FFF2-40B4-BE49-F238E27FC236}">
-                    <a16:creationId xmlns:a16="http://schemas.microsoft.com/office/drawing/2014/main" id="{2380CA3C-2788-46A1-ED78-881324E577A8}"/>
+                    <a16:creationId xmlns:a16="http://schemas.microsoft.com/office/drawing/2014/main" id="{A0C1CDD0-D2D4-E411-905C-4B47DA6A4FA5}"/>
                   </a:ext>
                 </a:extLst>
               </p:cNvPr>
@@ -27272,7 +26542,7 @@
             </p:nvSpPr>
             <p:spPr>
               <a:xfrm>
-                <a:off x="3366244" y="5160320"/>
+                <a:off x="5625573" y="5397232"/>
                 <a:ext cx="5307107" cy="502958"/>
               </a:xfrm>
               <a:prstGeom prst="rect">
@@ -27419,13 +26689,13 @@
             </p:txBody>
           </p:sp>
         </mc:Choice>
-        <mc:Fallback xmlns="">
+        <mc:Fallback>
           <p:sp>
             <p:nvSpPr>
               <p:cNvPr id="17" name="CasellaDiTesto 16">
                 <a:extLst>
                   <a:ext uri="{FF2B5EF4-FFF2-40B4-BE49-F238E27FC236}">
-                    <a16:creationId xmlns:a16="http://schemas.microsoft.com/office/drawing/2014/main" id="{2380CA3C-2788-46A1-ED78-881324E577A8}"/>
+                    <a16:creationId xmlns:a16="http://schemas.microsoft.com/office/drawing/2014/main" id="{A0C1CDD0-D2D4-E411-905C-4B47DA6A4FA5}"/>
                   </a:ext>
                 </a:extLst>
               </p:cNvPr>
@@ -27436,7 +26706,7 @@
             </p:nvSpPr>
             <p:spPr>
               <a:xfrm>
-                <a:off x="3366244" y="5160320"/>
+                <a:off x="5625573" y="5397232"/>
                 <a:ext cx="5307107" cy="502958"/>
               </a:xfrm>
               <a:prstGeom prst="rect">
@@ -27445,7 +26715,7 @@
               <a:blipFill>
                 <a:blip r:embed="rId6"/>
                 <a:stretch>
-                  <a:fillRect b="-3659"/>
+                  <a:fillRect b="-2410"/>
                 </a:stretch>
               </a:blipFill>
             </p:spPr>
@@ -27469,7 +26739,7 @@
           <p:cNvPr id="18" name="CasellaDiTesto 17">
             <a:extLst>
               <a:ext uri="{FF2B5EF4-FFF2-40B4-BE49-F238E27FC236}">
-                <a16:creationId xmlns:a16="http://schemas.microsoft.com/office/drawing/2014/main" id="{79E27108-317B-B2F3-22A2-D512E3FB558F}"/>
+                <a16:creationId xmlns:a16="http://schemas.microsoft.com/office/drawing/2014/main" id="{8FED2B94-6091-161B-C76A-48552E05A8B6}"/>
               </a:ext>
             </a:extLst>
           </p:cNvPr>
@@ -27520,56 +26790,12 @@
           </a:p>
         </p:txBody>
       </p:sp>
-    </p:spTree>
-    <p:extLst>
-      <p:ext uri="{BB962C8B-B14F-4D97-AF65-F5344CB8AC3E}">
-        <p14:creationId xmlns:p14="http://schemas.microsoft.com/office/powerpoint/2010/main" val="2875597923"/>
-      </p:ext>
-    </p:extLst>
-  </p:cSld>
-  <p:clrMapOvr>
-    <a:masterClrMapping/>
-  </p:clrMapOvr>
-</p:sld>
-</file>
-
-<file path=ppt/slides/slide3.xml><?xml version="1.0" encoding="utf-8"?>
-<p:sld xmlns:a="http://schemas.openxmlformats.org/drawingml/2006/main" xmlns:r="http://schemas.openxmlformats.org/officeDocument/2006/relationships" xmlns:p="http://schemas.openxmlformats.org/presentationml/2006/main">
-  <p:cSld>
-    <p:bg>
-      <p:bgPr>
-        <a:solidFill>
-          <a:srgbClr val="463F3A"/>
-        </a:solidFill>
-        <a:effectLst/>
-      </p:bgPr>
-    </p:bg>
-    <p:spTree>
-      <p:nvGrpSpPr>
-        <p:cNvPr id="1" name="">
-          <a:extLst>
-            <a:ext uri="{FF2B5EF4-FFF2-40B4-BE49-F238E27FC236}">
-              <a16:creationId xmlns:a16="http://schemas.microsoft.com/office/drawing/2014/main" id="{759E51ED-C663-11BD-988A-CED073CBA5CD}"/>
-            </a:ext>
-          </a:extLst>
-        </p:cNvPr>
-        <p:cNvGrpSpPr/>
-        <p:nvPr/>
-      </p:nvGrpSpPr>
-      <p:grpSpPr>
-        <a:xfrm>
-          <a:off x="0" y="0"/>
-          <a:ext cx="0" cy="0"/>
-          <a:chOff x="0" y="0"/>
-          <a:chExt cx="0" cy="0"/>
-        </a:xfrm>
-      </p:grpSpPr>
       <p:grpSp>
         <p:nvGrpSpPr>
-          <p:cNvPr id="27" name="Gruppo 26">
+          <p:cNvPr id="26" name="Gruppo 25">
             <a:extLst>
               <a:ext uri="{FF2B5EF4-FFF2-40B4-BE49-F238E27FC236}">
-                <a16:creationId xmlns:a16="http://schemas.microsoft.com/office/drawing/2014/main" id="{C46141C6-6F8C-0815-6581-D76DF2B638AC}"/>
+                <a16:creationId xmlns:a16="http://schemas.microsoft.com/office/drawing/2014/main" id="{B4CE0FAC-C33B-0DF4-64C7-3CC937BE451D}"/>
               </a:ext>
             </a:extLst>
           </p:cNvPr>
@@ -27578,18 +26804,18 @@
         </p:nvGrpSpPr>
         <p:grpSpPr>
           <a:xfrm>
-            <a:off x="1320989" y="1514052"/>
-            <a:ext cx="3027627" cy="3829896"/>
-            <a:chOff x="1587020" y="1061043"/>
-            <a:chExt cx="3027627" cy="3829896"/>
+            <a:off x="1169431" y="2246806"/>
+            <a:ext cx="2675543" cy="1969940"/>
+            <a:chOff x="1116281" y="2040910"/>
+            <a:chExt cx="2675543" cy="1969940"/>
           </a:xfrm>
         </p:grpSpPr>
         <p:sp>
           <p:nvSpPr>
-            <p:cNvPr id="2" name="CasellaDiTesto 1">
+            <p:cNvPr id="4" name="CasellaDiTesto 3">
               <a:extLst>
                 <a:ext uri="{FF2B5EF4-FFF2-40B4-BE49-F238E27FC236}">
-                  <a16:creationId xmlns:a16="http://schemas.microsoft.com/office/drawing/2014/main" id="{B27C93F9-F146-EDED-F1C8-E43D40BB8B38}"/>
+                  <a16:creationId xmlns:a16="http://schemas.microsoft.com/office/drawing/2014/main" id="{A7FCE4F3-CA28-504E-0423-3AD97950ADAF}"/>
                 </a:ext>
               </a:extLst>
             </p:cNvPr>
@@ -27598,8 +26824,8 @@
           </p:nvSpPr>
           <p:spPr>
             <a:xfrm>
-              <a:off x="1587020" y="3936832"/>
-              <a:ext cx="3027627" cy="954107"/>
+              <a:off x="1155595" y="2040910"/>
+              <a:ext cx="2634642" cy="346249"/>
             </a:xfrm>
             <a:prstGeom prst="rect">
               <a:avLst/>
@@ -27612,97 +26838,24 @@
             </a:bodyPr>
             <a:lstStyle/>
             <a:p>
-              <a:pPr algn="ctr"/>
+              <a:pPr algn="just"/>
               <a:r>
-                <a:rPr lang="en-US" sz="2800" b="1" spc="600" noProof="0" dirty="0">
+                <a:rPr lang="en-US" sz="1650" spc="300" dirty="0">
                   <a:solidFill>
                     <a:srgbClr val="F4F3EE"/>
                   </a:solidFill>
                 </a:rPr>
-                <a:t>SCENARIOS</a:t>
-              </a:r>
-              <a:endParaRPr lang="en-US" sz="2800" spc="600" noProof="0" dirty="0">
-                <a:solidFill>
-                  <a:srgbClr val="F4F3EE"/>
-                </a:solidFill>
-              </a:endParaRPr>
-            </a:p>
-            <a:p>
-              <a:pPr algn="ctr"/>
-              <a:r>
-                <a:rPr lang="en-US" sz="2800" spc="600" noProof="0" dirty="0">
-                  <a:solidFill>
-                    <a:srgbClr val="F4F3EE"/>
-                  </a:solidFill>
-                </a:rPr>
-                <a:t>TO ANALYZE</a:t>
+                <a:t>WHAT WILL BE THE  </a:t>
               </a:r>
             </a:p>
           </p:txBody>
         </p:sp>
-        <p:pic>
-          <p:nvPicPr>
-            <p:cNvPr id="25" name="Immagine 24" descr="Immagine che contiene clipart, Elementi grafici, design, illustrazione&#10;&#10;Descrizione generata automaticamente">
+        <p:sp>
+          <p:nvSpPr>
+            <p:cNvPr id="6" name="CasellaDiTesto 5">
               <a:extLst>
                 <a:ext uri="{FF2B5EF4-FFF2-40B4-BE49-F238E27FC236}">
-                  <a16:creationId xmlns:a16="http://schemas.microsoft.com/office/drawing/2014/main" id="{8E1D53AB-AD09-71E0-0586-BC3A55093DAC}"/>
-                </a:ext>
-              </a:extLst>
-            </p:cNvPr>
-            <p:cNvPicPr>
-              <a:picLocks noChangeAspect="1"/>
-            </p:cNvPicPr>
-            <p:nvPr/>
-          </p:nvPicPr>
-          <p:blipFill>
-            <a:blip r:embed="rId2">
-              <a:extLst>
-                <a:ext uri="{28A0092B-C50C-407E-A947-70E740481C1C}">
-                  <a14:useLocalDpi xmlns:a14="http://schemas.microsoft.com/office/drawing/2010/main" val="0"/>
-                </a:ext>
-              </a:extLst>
-            </a:blip>
-            <a:stretch>
-              <a:fillRect/>
-            </a:stretch>
-          </p:blipFill>
-          <p:spPr>
-            <a:xfrm>
-              <a:off x="1713358" y="1061043"/>
-              <a:ext cx="2774950" cy="2774950"/>
-            </a:xfrm>
-            <a:prstGeom prst="rect">
-              <a:avLst/>
-            </a:prstGeom>
-          </p:spPr>
-        </p:pic>
-      </p:grpSp>
-      <p:grpSp>
-        <p:nvGrpSpPr>
-          <p:cNvPr id="26" name="Gruppo 25">
-            <a:extLst>
-              <a:ext uri="{FF2B5EF4-FFF2-40B4-BE49-F238E27FC236}">
-                <a16:creationId xmlns:a16="http://schemas.microsoft.com/office/drawing/2014/main" id="{DFFFFBB6-ED20-358D-1E94-5F54A19EE3A0}"/>
-              </a:ext>
-            </a:extLst>
-          </p:cNvPr>
-          <p:cNvGrpSpPr/>
-          <p:nvPr/>
-        </p:nvGrpSpPr>
-        <p:grpSpPr>
-          <a:xfrm>
-            <a:off x="7525885" y="1277798"/>
-            <a:ext cx="3027627" cy="4302404"/>
-            <a:chOff x="7416993" y="1204139"/>
-            <a:chExt cx="3027627" cy="4302404"/>
-          </a:xfrm>
-        </p:grpSpPr>
-        <p:sp>
-          <p:nvSpPr>
-            <p:cNvPr id="5" name="CasellaDiTesto 4">
-              <a:extLst>
-                <a:ext uri="{FF2B5EF4-FFF2-40B4-BE49-F238E27FC236}">
-                  <a16:creationId xmlns:a16="http://schemas.microsoft.com/office/drawing/2014/main" id="{E52EC5E3-53A1-7CF4-05A4-14E8A2D2028C}"/>
+                  <a16:creationId xmlns:a16="http://schemas.microsoft.com/office/drawing/2014/main" id="{2CBF10BB-6A07-EEDF-B0A8-AF33E09E8984}"/>
                 </a:ext>
               </a:extLst>
             </p:cNvPr>
@@ -27711,8 +26864,56 @@
           </p:nvSpPr>
           <p:spPr>
             <a:xfrm>
-              <a:off x="7416993" y="1204139"/>
-              <a:ext cx="2456262" cy="707886"/>
+              <a:off x="1125807" y="2153212"/>
+              <a:ext cx="2634642" cy="769441"/>
+            </a:xfrm>
+            <a:prstGeom prst="rect">
+              <a:avLst/>
+            </a:prstGeom>
+            <a:noFill/>
+          </p:spPr>
+          <p:txBody>
+            <a:bodyPr wrap="square" rtlCol="0">
+              <a:spAutoFit/>
+            </a:bodyPr>
+            <a:lstStyle/>
+            <a:p>
+              <a:pPr algn="just"/>
+              <a:r>
+                <a:rPr lang="en-US" sz="4200" b="1" spc="300" dirty="0">
+                  <a:solidFill>
+                    <a:srgbClr val="E0AFA0"/>
+                  </a:solidFill>
+                </a:rPr>
+                <a:t>RESULTS</a:t>
+              </a:r>
+              <a:r>
+                <a:rPr lang="en-US" sz="4400" b="1" spc="300" dirty="0">
+                  <a:solidFill>
+                    <a:srgbClr val="E0AFA0"/>
+                  </a:solidFill>
+                </a:rPr>
+                <a:t> </a:t>
+              </a:r>
+            </a:p>
+          </p:txBody>
+        </p:sp>
+        <p:sp>
+          <p:nvSpPr>
+            <p:cNvPr id="9" name="CasellaDiTesto 8">
+              <a:extLst>
+                <a:ext uri="{FF2B5EF4-FFF2-40B4-BE49-F238E27FC236}">
+                  <a16:creationId xmlns:a16="http://schemas.microsoft.com/office/drawing/2014/main" id="{9BDAA96C-0B40-64EE-E384-3C07668C3C47}"/>
+                </a:ext>
+              </a:extLst>
+            </p:cNvPr>
+            <p:cNvSpPr txBox="1"/>
+            <p:nvPr/>
+          </p:nvSpPr>
+          <p:spPr>
+            <a:xfrm>
+              <a:off x="1157187" y="2694875"/>
+              <a:ext cx="2634637" cy="377026"/>
             </a:xfrm>
             <a:prstGeom prst="rect">
               <a:avLst/>
@@ -27726,40 +26927,27 @@
             <a:lstStyle/>
             <a:p>
               <a:r>
-                <a:rPr lang="en-US" sz="2000" b="1" spc="300" noProof="0" dirty="0">
-                  <a:solidFill>
-                    <a:srgbClr val="E0AFA0"/>
-                  </a:solidFill>
-                </a:rPr>
-                <a:t>1. </a:t>
-              </a:r>
-              <a:r>
-                <a:rPr lang="en-US" sz="2000" spc="300" noProof="0" dirty="0">
+                <a:rPr lang="en-US" spc="300" dirty="0">
                   <a:solidFill>
                     <a:srgbClr val="F4F3EE"/>
                   </a:solidFill>
                 </a:rPr>
-                <a:t>IDEAL </a:t>
+                <a:t>IN THE SCENARIO</a:t>
               </a:r>
-            </a:p>
-            <a:p>
-              <a:r>
-                <a:rPr lang="en-US" sz="2000" spc="300" noProof="0" dirty="0">
-                  <a:solidFill>
-                    <a:srgbClr val="F4F3EE"/>
-                  </a:solidFill>
-                </a:rPr>
-                <a:t>    CONDITIONS</a:t>
-              </a:r>
+              <a:endParaRPr lang="en-US" spc="300" noProof="0" dirty="0">
+                <a:solidFill>
+                  <a:srgbClr val="F4F3EE"/>
+                </a:solidFill>
+              </a:endParaRPr>
             </a:p>
           </p:txBody>
         </p:sp>
         <p:sp>
           <p:nvSpPr>
-            <p:cNvPr id="9" name="CasellaDiTesto 8">
+            <p:cNvPr id="11" name="CasellaDiTesto 10">
               <a:extLst>
                 <a:ext uri="{FF2B5EF4-FFF2-40B4-BE49-F238E27FC236}">
-                  <a16:creationId xmlns:a16="http://schemas.microsoft.com/office/drawing/2014/main" id="{82AB8084-BD40-1F39-9B7D-771E45CFE30A}"/>
+                  <a16:creationId xmlns:a16="http://schemas.microsoft.com/office/drawing/2014/main" id="{AC8C4CEB-7984-B332-CF78-62146CB84A4F}"/>
                 </a:ext>
               </a:extLst>
             </p:cNvPr>
@@ -27768,8 +26956,8 @@
           </p:nvSpPr>
           <p:spPr>
             <a:xfrm>
-              <a:off x="7416993" y="5106433"/>
-              <a:ext cx="3027627" cy="400110"/>
+              <a:off x="1159265" y="2959174"/>
+              <a:ext cx="2599256" cy="307777"/>
             </a:xfrm>
             <a:prstGeom prst="rect">
               <a:avLst/>
@@ -27783,190 +26971,179 @@
             <a:lstStyle/>
             <a:p>
               <a:r>
-                <a:rPr lang="en-US" sz="2000" b="1" spc="300" noProof="0" dirty="0">
-                  <a:solidFill>
-                    <a:srgbClr val="E0AFA0"/>
-                  </a:solidFill>
-                </a:rPr>
-                <a:t>3. </a:t>
-              </a:r>
-              <a:r>
-                <a:rPr lang="en-US" sz="2000" spc="300" noProof="0" dirty="0">
+                <a:rPr lang="en-US" sz="1350" spc="300" dirty="0">
                   <a:solidFill>
                     <a:srgbClr val="F4F3EE"/>
                   </a:solidFill>
                 </a:rPr>
-                <a:t>EAVESDROPPING</a:t>
+                <a:t>WHERE THERE IS</a:t>
               </a:r>
+              <a:endParaRPr lang="en-US" sz="1350" b="1" spc="300" noProof="0" dirty="0">
+                <a:solidFill>
+                  <a:srgbClr val="E0AFA0"/>
+                </a:solidFill>
+              </a:endParaRPr>
             </a:p>
           </p:txBody>
         </p:sp>
-        <p:sp>
-          <p:nvSpPr>
-            <p:cNvPr id="8" name="CasellaDiTesto 7">
+        <p:grpSp>
+          <p:nvGrpSpPr>
+            <p:cNvPr id="24" name="Gruppo 23">
               <a:extLst>
                 <a:ext uri="{FF2B5EF4-FFF2-40B4-BE49-F238E27FC236}">
-                  <a16:creationId xmlns:a16="http://schemas.microsoft.com/office/drawing/2014/main" id="{9454552A-9B2F-21A3-FB00-867F14A11EF6}"/>
+                  <a16:creationId xmlns:a16="http://schemas.microsoft.com/office/drawing/2014/main" id="{BB7F6AD1-1F95-3C81-0A68-B67641F70469}"/>
                 </a:ext>
               </a:extLst>
             </p:cNvPr>
-            <p:cNvSpPr txBox="1"/>
+            <p:cNvGrpSpPr/>
             <p:nvPr/>
-          </p:nvSpPr>
-          <p:spPr>
+          </p:nvGrpSpPr>
+          <p:grpSpPr>
             <a:xfrm>
-              <a:off x="7416993" y="3155287"/>
-              <a:ext cx="2031860" cy="707886"/>
+              <a:off x="1116281" y="3022873"/>
+              <a:ext cx="2644168" cy="987977"/>
+              <a:chOff x="1031862" y="4662536"/>
+              <a:chExt cx="2644168" cy="987977"/>
             </a:xfrm>
-            <a:prstGeom prst="rect">
-              <a:avLst/>
-            </a:prstGeom>
-            <a:noFill/>
-          </p:spPr>
-          <p:txBody>
-            <a:bodyPr wrap="square" rtlCol="0">
-              <a:spAutoFit/>
-            </a:bodyPr>
-            <a:lstStyle/>
-            <a:p>
-              <a:r>
-                <a:rPr lang="en-US" sz="2000" b="1" spc="300" dirty="0">
+          </p:grpSpPr>
+          <p:sp>
+            <p:nvSpPr>
+              <p:cNvPr id="21" name="CasellaDiTesto 20">
+                <a:extLst>
+                  <a:ext uri="{FF2B5EF4-FFF2-40B4-BE49-F238E27FC236}">
+                    <a16:creationId xmlns:a16="http://schemas.microsoft.com/office/drawing/2014/main" id="{8ED1A66F-1780-D5B0-B6E1-FB47A55075D9}"/>
+                  </a:ext>
+                </a:extLst>
+              </p:cNvPr>
+              <p:cNvSpPr txBox="1"/>
+              <p:nvPr/>
+            </p:nvSpPr>
+            <p:spPr>
+              <a:xfrm>
+                <a:off x="2406371" y="5083873"/>
+                <a:ext cx="1141064" cy="369332"/>
+              </a:xfrm>
+              <a:prstGeom prst="rect">
+                <a:avLst/>
+              </a:prstGeom>
+              <a:noFill/>
+            </p:spPr>
+            <p:txBody>
+              <a:bodyPr wrap="square" rtlCol="0">
+                <a:spAutoFit/>
+              </a:bodyPr>
+              <a:lstStyle/>
+              <a:p>
+                <a:r>
+                  <a:rPr lang="en-US" spc="300" dirty="0">
+                    <a:solidFill>
+                      <a:srgbClr val="F4F3EE"/>
+                    </a:solidFill>
+                  </a:rPr>
+                  <a:t>THE</a:t>
+                </a:r>
+                <a:endParaRPr lang="en-US" sz="1600" spc="300" noProof="0" dirty="0">
+                  <a:solidFill>
+                    <a:srgbClr val="F4F3EE"/>
+                  </a:solidFill>
+                </a:endParaRPr>
+              </a:p>
+            </p:txBody>
+          </p:sp>
+          <p:sp>
+            <p:nvSpPr>
+              <p:cNvPr id="22" name="CasellaDiTesto 21">
+                <a:extLst>
+                  <a:ext uri="{FF2B5EF4-FFF2-40B4-BE49-F238E27FC236}">
+                    <a16:creationId xmlns:a16="http://schemas.microsoft.com/office/drawing/2014/main" id="{4D1AF2F3-6799-016C-1DDF-ECB22ACA7518}"/>
+                  </a:ext>
+                </a:extLst>
+              </p:cNvPr>
+              <p:cNvSpPr txBox="1"/>
+              <p:nvPr/>
+            </p:nvSpPr>
+            <p:spPr>
+              <a:xfrm>
+                <a:off x="1031862" y="4662536"/>
+                <a:ext cx="1544941" cy="923330"/>
+              </a:xfrm>
+              <a:prstGeom prst="rect">
+                <a:avLst/>
+              </a:prstGeom>
+              <a:noFill/>
+            </p:spPr>
+            <p:txBody>
+              <a:bodyPr wrap="square" rtlCol="0">
+                <a:spAutoFit/>
+              </a:bodyPr>
+              <a:lstStyle/>
+              <a:p>
+                <a:r>
+                  <a:rPr lang="en-US" sz="5400" b="1" spc="300" dirty="0">
+                    <a:solidFill>
+                      <a:srgbClr val="E0AFA0"/>
+                    </a:solidFill>
+                  </a:rPr>
+                  <a:t>EVE</a:t>
+                </a:r>
+                <a:endParaRPr lang="en-US" sz="4000" b="1" spc="300" noProof="0" dirty="0">
                   <a:solidFill>
                     <a:srgbClr val="E0AFA0"/>
                   </a:solidFill>
-                </a:rPr>
-                <a:t>2</a:t>
-              </a:r>
-              <a:r>
-                <a:rPr lang="en-US" sz="2000" b="1" spc="300" noProof="0" dirty="0">
-                  <a:solidFill>
-                    <a:srgbClr val="E0AFA0"/>
-                  </a:solidFill>
-                </a:rPr>
-                <a:t>. </a:t>
-              </a:r>
-              <a:r>
-                <a:rPr lang="en-US" sz="2000" spc="300" noProof="0" dirty="0">
+                </a:endParaRPr>
+              </a:p>
+            </p:txBody>
+          </p:sp>
+          <p:sp>
+            <p:nvSpPr>
+              <p:cNvPr id="23" name="CasellaDiTesto 22">
+                <a:extLst>
+                  <a:ext uri="{FF2B5EF4-FFF2-40B4-BE49-F238E27FC236}">
+                    <a16:creationId xmlns:a16="http://schemas.microsoft.com/office/drawing/2014/main" id="{8DBCA119-D890-7814-671D-7F887892EC1E}"/>
+                  </a:ext>
+                </a:extLst>
+              </p:cNvPr>
+              <p:cNvSpPr txBox="1"/>
+              <p:nvPr/>
+            </p:nvSpPr>
+            <p:spPr>
+              <a:xfrm>
+                <a:off x="1076775" y="5342736"/>
+                <a:ext cx="2599255" cy="307777"/>
+              </a:xfrm>
+              <a:prstGeom prst="rect">
+                <a:avLst/>
+              </a:prstGeom>
+              <a:noFill/>
+            </p:spPr>
+            <p:txBody>
+              <a:bodyPr wrap="square" rtlCol="0">
+                <a:spAutoFit/>
+              </a:bodyPr>
+              <a:lstStyle/>
+              <a:p>
+                <a:r>
+                  <a:rPr lang="en-US" sz="1400" spc="300" dirty="0">
+                    <a:solidFill>
+                      <a:srgbClr val="F4F3EE"/>
+                    </a:solidFill>
+                  </a:rPr>
+                  <a:t>EAVESDROPPER?</a:t>
+                </a:r>
+                <a:endParaRPr lang="en-US" sz="1400" spc="300" noProof="0" dirty="0">
                   <a:solidFill>
                     <a:srgbClr val="F4F3EE"/>
                   </a:solidFill>
-                </a:rPr>
-                <a:t>CHANNEL </a:t>
-              </a:r>
-            </a:p>
-            <a:p>
-              <a:r>
-                <a:rPr lang="en-US" sz="2000" noProof="0" dirty="0">
-                  <a:solidFill>
-                    <a:srgbClr val="F4F3EE"/>
-                  </a:solidFill>
-                </a:rPr>
-                <a:t>       </a:t>
-              </a:r>
-              <a:r>
-                <a:rPr lang="en-US" sz="2000" spc="300" noProof="0" dirty="0">
-                  <a:solidFill>
-                    <a:srgbClr val="F4F3EE"/>
-                  </a:solidFill>
-                </a:rPr>
-                <a:t>ERRORS</a:t>
-              </a:r>
-            </a:p>
-          </p:txBody>
-        </p:sp>
-        <p:cxnSp>
-          <p:nvCxnSpPr>
-            <p:cNvPr id="6" name="Connettore diritto 5">
-              <a:extLst>
-                <a:ext uri="{FF2B5EF4-FFF2-40B4-BE49-F238E27FC236}">
-                  <a16:creationId xmlns:a16="http://schemas.microsoft.com/office/drawing/2014/main" id="{CF825F2F-D0EA-7562-922A-804DC82636AD}"/>
-                </a:ext>
-              </a:extLst>
-            </p:cNvPr>
-            <p:cNvCxnSpPr>
-              <a:cxnSpLocks/>
-            </p:cNvCxnSpPr>
-            <p:nvPr/>
-          </p:nvCxnSpPr>
-          <p:spPr>
-            <a:xfrm flipH="1">
-              <a:off x="7543331" y="4484803"/>
-              <a:ext cx="2774950" cy="0"/>
-            </a:xfrm>
-            <a:prstGeom prst="line">
-              <a:avLst/>
-            </a:prstGeom>
-            <a:ln w="38100" cap="rnd">
-              <a:solidFill>
-                <a:srgbClr val="E0AFA0"/>
-              </a:solidFill>
-              <a:prstDash val="solid"/>
-            </a:ln>
-          </p:spPr>
-          <p:style>
-            <a:lnRef idx="2">
-              <a:schemeClr val="accent1"/>
-            </a:lnRef>
-            <a:fillRef idx="0">
-              <a:schemeClr val="accent1"/>
-            </a:fillRef>
-            <a:effectRef idx="1">
-              <a:schemeClr val="accent1"/>
-            </a:effectRef>
-            <a:fontRef idx="minor">
-              <a:schemeClr val="tx1"/>
-            </a:fontRef>
-          </p:style>
-        </p:cxnSp>
-        <p:cxnSp>
-          <p:nvCxnSpPr>
-            <p:cNvPr id="22" name="Connettore diritto 21">
-              <a:extLst>
-                <a:ext uri="{FF2B5EF4-FFF2-40B4-BE49-F238E27FC236}">
-                  <a16:creationId xmlns:a16="http://schemas.microsoft.com/office/drawing/2014/main" id="{79F6D23F-5421-51AA-DC96-9E0B47F15D94}"/>
-                </a:ext>
-              </a:extLst>
-            </p:cNvPr>
-            <p:cNvCxnSpPr>
-              <a:cxnSpLocks/>
-            </p:cNvCxnSpPr>
-            <p:nvPr/>
-          </p:nvCxnSpPr>
-          <p:spPr>
-            <a:xfrm flipH="1">
-              <a:off x="7543331" y="2533656"/>
-              <a:ext cx="2774950" cy="0"/>
-            </a:xfrm>
-            <a:prstGeom prst="line">
-              <a:avLst/>
-            </a:prstGeom>
-            <a:ln w="38100" cap="rnd">
-              <a:solidFill>
-                <a:srgbClr val="E0AFA0"/>
-              </a:solidFill>
-              <a:prstDash val="solid"/>
-            </a:ln>
-          </p:spPr>
-          <p:style>
-            <a:lnRef idx="2">
-              <a:schemeClr val="accent1"/>
-            </a:lnRef>
-            <a:fillRef idx="0">
-              <a:schemeClr val="accent1"/>
-            </a:fillRef>
-            <a:effectRef idx="1">
-              <a:schemeClr val="accent1"/>
-            </a:effectRef>
-            <a:fontRef idx="minor">
-              <a:schemeClr val="tx1"/>
-            </a:fontRef>
-          </p:style>
-        </p:cxnSp>
+                </a:endParaRPr>
+              </a:p>
+            </p:txBody>
+          </p:sp>
+        </p:grpSp>
       </p:grpSp>
     </p:spTree>
     <p:extLst>
       <p:ext uri="{BB962C8B-B14F-4D97-AF65-F5344CB8AC3E}">
-        <p14:creationId xmlns:p14="http://schemas.microsoft.com/office/powerpoint/2010/main" val="1557282645"/>
+        <p14:creationId xmlns:p14="http://schemas.microsoft.com/office/powerpoint/2010/main" val="3850606334"/>
       </p:ext>
     </p:extLst>
   </p:cSld>
@@ -27976,7 +27153,7 @@
 </p:sld>
 </file>
 
-<file path=ppt/slides/slide30.xml><?xml version="1.0" encoding="utf-8"?>
+<file path=ppt/slides/slide27.xml><?xml version="1.0" encoding="utf-8"?>
 <p:sld xmlns:a="http://schemas.openxmlformats.org/drawingml/2006/main" xmlns:r="http://schemas.openxmlformats.org/officeDocument/2006/relationships" xmlns:p="http://schemas.openxmlformats.org/presentationml/2006/main">
   <p:cSld>
     <p:bg>
@@ -28007,8 +27184,64 @@
           <a:chExt cx="0" cy="0"/>
         </a:xfrm>
       </p:grpSpPr>
-      <mc:AlternateContent xmlns:mc="http://schemas.openxmlformats.org/markup-compatibility/2006" xmlns:a14="http://schemas.microsoft.com/office/drawing/2010/main">
-        <mc:Choice Requires="a14">
+      <p:sp>
+        <p:nvSpPr>
+          <p:cNvPr id="21" name="CasellaDiTesto 20">
+            <a:extLst>
+              <a:ext uri="{FF2B5EF4-FFF2-40B4-BE49-F238E27FC236}">
+                <a16:creationId xmlns:a16="http://schemas.microsoft.com/office/drawing/2014/main" id="{777D83AD-4BE3-C0B4-3209-1ABC516EF852}"/>
+              </a:ext>
+            </a:extLst>
+          </p:cNvPr>
+          <p:cNvSpPr txBox="1"/>
+          <p:nvPr/>
+        </p:nvSpPr>
+        <p:spPr>
+          <a:xfrm>
+            <a:off x="766848" y="6352588"/>
+            <a:ext cx="10658304" cy="292388"/>
+          </a:xfrm>
+          <a:prstGeom prst="rect">
+            <a:avLst/>
+          </a:prstGeom>
+          <a:noFill/>
+        </p:spPr>
+        <p:txBody>
+          <a:bodyPr wrap="square" rtlCol="0">
+            <a:spAutoFit/>
+          </a:bodyPr>
+          <a:lstStyle/>
+          <a:p>
+            <a:pPr algn="ctr"/>
+            <a:r>
+              <a:rPr lang="en-US" sz="1300" noProof="0" dirty="0">
+                <a:solidFill>
+                  <a:srgbClr val="BCB8B1"/>
+                </a:solidFill>
+              </a:rPr>
+              <a:t>Results are</a:t>
+            </a:r>
+            <a:r>
+              <a:rPr lang="en-US" sz="1300" b="1" noProof="0" dirty="0">
+                <a:solidFill>
+                  <a:srgbClr val="BCB8B1"/>
+                </a:solidFill>
+              </a:rPr>
+              <a:t> rounded to three decimal places</a:t>
+            </a:r>
+            <a:r>
+              <a:rPr lang="en-US" sz="1300" noProof="0" dirty="0">
+                <a:solidFill>
+                  <a:srgbClr val="BCB8B1"/>
+                </a:solidFill>
+              </a:rPr>
+              <a:t> in the slides for presentation purposes. In Python, more decimals are considered for higher accuracy.</a:t>
+            </a:r>
+          </a:p>
+        </p:txBody>
+      </p:sp>
+      <mc:AlternateContent xmlns:mc="http://schemas.openxmlformats.org/markup-compatibility/2006">
+        <mc:Choice xmlns:a14="http://schemas.microsoft.com/office/drawing/2010/main" Requires="a14">
           <p:sp>
             <p:nvSpPr>
               <p:cNvPr id="2" name="CasellaDiTesto 1">
@@ -28023,8 +27256,8 @@
             </p:nvSpPr>
             <p:spPr>
               <a:xfrm>
-                <a:off x="1152244" y="1427096"/>
-                <a:ext cx="9887511" cy="646331"/>
+                <a:off x="2162458" y="868806"/>
+                <a:ext cx="7867084" cy="692497"/>
               </a:xfrm>
               <a:prstGeom prst="rect">
                 <a:avLst/>
@@ -28039,7 +27272,7 @@
               <a:p>
                 <a:pPr algn="just"/>
                 <a:r>
-                  <a:rPr lang="en-US" sz="1200" spc="300" dirty="0">
+                  <a:rPr lang="en-US" sz="1300" spc="300" dirty="0">
                     <a:solidFill>
                       <a:srgbClr val="F4F3EE"/>
                     </a:solidFill>
@@ -28049,9 +27282,9 @@
                 <a14:m>
                   <m:oMath xmlns:m="http://schemas.openxmlformats.org/officeDocument/2006/math">
                     <m:r>
-                      <a:rPr lang="it-IT" sz="1200" b="0" i="1" spc="300" noProof="0" smtClean="0">
+                      <a:rPr lang="it-IT" sz="1300" b="0" i="1" spc="300" noProof="0" smtClean="0">
                         <a:solidFill>
-                          <a:srgbClr val="F4F3EE"/>
+                          <a:srgbClr val="E0AFA0"/>
                         </a:solidFill>
                         <a:latin typeface="Cambria Math" panose="02040503050406030204" pitchFamily="18" charset="0"/>
                       </a:rPr>
@@ -28060,17 +27293,25 @@
                   </m:oMath>
                 </a14:m>
                 <a:r>
-                  <a:rPr lang="en-US" sz="1200" spc="300" dirty="0">
+                  <a:rPr lang="en-US" sz="1300" spc="300" dirty="0">
+                    <a:solidFill>
+                      <a:srgbClr val="E0AFA0"/>
+                    </a:solidFill>
+                  </a:rPr>
+                  <a:t> </a:t>
+                </a:r>
+                <a:r>
+                  <a:rPr lang="en-US" sz="1300" spc="300" dirty="0">
                     <a:solidFill>
                       <a:srgbClr val="F4F3EE"/>
                     </a:solidFill>
                   </a:rPr>
-                  <a:t> TO ALICE AND BOB (THE ANALYSIS FOR THE OTHER STATE IS ANALOGOUS). THE STATE OF THE QUBITS AFTER APPLYING </a:t>
+                  <a:t>TO ALICE AND BOB (THE ANALYSIS FOR THE OTHER STATE IS ANALOGOUS). THE STATE OF THE QUBITS AFTER APPLYING </a:t>
                 </a:r>
                 <a14:m>
                   <m:oMath xmlns:m="http://schemas.openxmlformats.org/officeDocument/2006/math">
                     <m:r>
-                      <a:rPr lang="it-IT" sz="1200" b="0" i="1" spc="300" smtClean="0">
+                      <a:rPr lang="it-IT" sz="1300" b="0" i="1" spc="300" smtClean="0">
                         <a:solidFill>
                           <a:srgbClr val="F4F3EE"/>
                         </a:solidFill>
@@ -28079,7 +27320,7 @@
                       <m:t>𝑈</m:t>
                     </m:r>
                     <m:r>
-                      <a:rPr lang="it-IT" sz="1200" b="0" i="1" spc="300" smtClean="0">
+                      <a:rPr lang="it-IT" sz="1300" b="0" i="1" spc="300" smtClean="0">
                         <a:solidFill>
                           <a:srgbClr val="F4F3EE"/>
                         </a:solidFill>
@@ -28090,14 +27331,14 @@
                   </m:oMath>
                 </a14:m>
                 <a:r>
-                  <a:rPr lang="en-US" sz="1200" spc="300" dirty="0">
+                  <a:rPr lang="en-US" sz="1300" spc="300" dirty="0">
                     <a:solidFill>
                       <a:srgbClr val="F4F3EE"/>
                     </a:solidFill>
                   </a:rPr>
                   <a:t>TO BOTH CAN BE COMPUTED. </a:t>
                 </a:r>
-                <a:endParaRPr lang="en-US" sz="1200" spc="300" noProof="0" dirty="0">
+                <a:endParaRPr lang="en-US" sz="1300" spc="300" noProof="0" dirty="0">
                   <a:solidFill>
                     <a:srgbClr val="F4F3EE"/>
                   </a:solidFill>
@@ -28106,7 +27347,7 @@
             </p:txBody>
           </p:sp>
         </mc:Choice>
-        <mc:Fallback xmlns="">
+        <mc:Fallback>
           <p:sp>
             <p:nvSpPr>
               <p:cNvPr id="2" name="CasellaDiTesto 1">
@@ -28123,8 +27364,8 @@
             </p:nvSpPr>
             <p:spPr>
               <a:xfrm>
-                <a:off x="1152244" y="1427096"/>
-                <a:ext cx="9887511" cy="646331"/>
+                <a:off x="2162458" y="868806"/>
+                <a:ext cx="7867084" cy="692497"/>
               </a:xfrm>
               <a:prstGeom prst="rect">
                 <a:avLst/>
@@ -28132,7 +27373,7 @@
               <a:blipFill>
                 <a:blip r:embed="rId2"/>
                 <a:stretch>
-                  <a:fillRect r="-62" b="-6604"/>
+                  <a:fillRect l="-155" r="-78" b="-7965"/>
                 </a:stretch>
               </a:blipFill>
             </p:spPr>
@@ -28151,8 +27392,8 @@
           </p:sp>
         </mc:Fallback>
       </mc:AlternateContent>
-      <mc:AlternateContent xmlns:mc="http://schemas.openxmlformats.org/markup-compatibility/2006" xmlns:a14="http://schemas.microsoft.com/office/drawing/2010/main">
-        <mc:Choice Requires="a14">
+      <mc:AlternateContent xmlns:mc="http://schemas.openxmlformats.org/markup-compatibility/2006">
+        <mc:Choice xmlns:a14="http://schemas.microsoft.com/office/drawing/2010/main" Requires="a14">
           <p:sp>
             <p:nvSpPr>
               <p:cNvPr id="17" name="CasellaDiTesto 16">
@@ -28167,7 +27408,7 @@
             </p:nvSpPr>
             <p:spPr>
               <a:xfrm>
-                <a:off x="3442447" y="600805"/>
+                <a:off x="3442447" y="252531"/>
                 <a:ext cx="5307107" cy="502958"/>
               </a:xfrm>
               <a:prstGeom prst="rect">
@@ -28314,7 +27555,7 @@
             </p:txBody>
           </p:sp>
         </mc:Choice>
-        <mc:Fallback xmlns="">
+        <mc:Fallback>
           <p:sp>
             <p:nvSpPr>
               <p:cNvPr id="17" name="CasellaDiTesto 16">
@@ -28331,7 +27572,7 @@
             </p:nvSpPr>
             <p:spPr>
               <a:xfrm>
-                <a:off x="3442447" y="600805"/>
+                <a:off x="3442447" y="252531"/>
                 <a:ext cx="5307107" cy="502958"/>
               </a:xfrm>
               <a:prstGeom prst="rect">
@@ -28340,7 +27581,7 @@
               <a:blipFill>
                 <a:blip r:embed="rId3"/>
                 <a:stretch>
-                  <a:fillRect b="-3659"/>
+                  <a:fillRect b="-2410"/>
                 </a:stretch>
               </a:blipFill>
             </p:spPr>
@@ -28359,14 +27600,413 @@
           </p:sp>
         </mc:Fallback>
       </mc:AlternateContent>
-      <mc:AlternateContent xmlns:mc="http://schemas.openxmlformats.org/markup-compatibility/2006" xmlns:a14="http://schemas.microsoft.com/office/drawing/2010/main">
-        <mc:Choice Requires="a14">
+      <p:grpSp>
+        <p:nvGrpSpPr>
+          <p:cNvPr id="4" name="Gruppo 3">
+            <a:extLst>
+              <a:ext uri="{FF2B5EF4-FFF2-40B4-BE49-F238E27FC236}">
+                <a16:creationId xmlns:a16="http://schemas.microsoft.com/office/drawing/2014/main" id="{65760EDF-1540-EDED-105A-DEC8CD7742F5}"/>
+              </a:ext>
+            </a:extLst>
+          </p:cNvPr>
+          <p:cNvGrpSpPr/>
+          <p:nvPr/>
+        </p:nvGrpSpPr>
+        <p:grpSpPr>
+          <a:xfrm>
+            <a:off x="2151819" y="1674620"/>
+            <a:ext cx="7888362" cy="716030"/>
+            <a:chOff x="1975308" y="1629467"/>
+            <a:chExt cx="7888362" cy="716030"/>
+          </a:xfrm>
+        </p:grpSpPr>
+        <mc:AlternateContent xmlns:mc="http://schemas.openxmlformats.org/markup-compatibility/2006" xmlns:a14="http://schemas.microsoft.com/office/drawing/2010/main">
+          <mc:Choice Requires="a14">
+            <p:sp>
+              <p:nvSpPr>
+                <p:cNvPr id="5" name="CasellaDiTesto 4">
+                  <a:extLst>
+                    <a:ext uri="{FF2B5EF4-FFF2-40B4-BE49-F238E27FC236}">
+                      <a16:creationId xmlns:a16="http://schemas.microsoft.com/office/drawing/2014/main" id="{F17DEBE4-243F-2B71-C8A8-A196B858EEBB}"/>
+                    </a:ext>
+                  </a:extLst>
+                </p:cNvPr>
+                <p:cNvSpPr txBox="1"/>
+                <p:nvPr/>
+              </p:nvSpPr>
+              <p:spPr>
+                <a:xfrm>
+                  <a:off x="2328331" y="1629467"/>
+                  <a:ext cx="7535339" cy="338554"/>
+                </a:xfrm>
+                <a:prstGeom prst="rect">
+                  <a:avLst/>
+                </a:prstGeom>
+                <a:noFill/>
+              </p:spPr>
+              <p:txBody>
+                <a:bodyPr wrap="square" rtlCol="0">
+                  <a:spAutoFit/>
+                </a:bodyPr>
+                <a:lstStyle/>
+                <a:p>
+                  <a:pPr algn="ctr"/>
+                  <a14:m>
+                    <m:oMathPara xmlns:m="http://schemas.openxmlformats.org/officeDocument/2006/math">
+                      <m:oMathParaPr>
+                        <m:jc m:val="centerGroup"/>
+                      </m:oMathParaPr>
+                      <m:oMath xmlns:m="http://schemas.openxmlformats.org/officeDocument/2006/math">
+                        <m:d>
+                          <m:dPr>
+                            <m:begChr m:val="|"/>
+                            <m:endChr m:val="⟩"/>
+                            <m:ctrlPr>
+                              <a:rPr lang="it-IT" sz="1600" i="1" smtClean="0">
+                                <a:solidFill>
+                                  <a:srgbClr val="F4F3EE"/>
+                                </a:solidFill>
+                                <a:latin typeface="Cambria Math" panose="02040503050406030204" pitchFamily="18" charset="0"/>
+                              </a:rPr>
+                            </m:ctrlPr>
+                          </m:dPr>
+                          <m:e>
+                            <m:r>
+                              <a:rPr lang="it-IT" sz="1600" b="0" i="1" smtClean="0">
+                                <a:solidFill>
+                                  <a:srgbClr val="F4F3EE"/>
+                                </a:solidFill>
+                                <a:latin typeface="Cambria Math" panose="02040503050406030204" pitchFamily="18" charset="0"/>
+                              </a:rPr>
+                              <m:t>10</m:t>
+                            </m:r>
+                          </m:e>
+                        </m:d>
+                        <m:r>
+                          <a:rPr lang="it-IT" sz="1600" b="0" i="1" smtClean="0">
+                            <a:solidFill>
+                              <a:srgbClr val="F4F3EE"/>
+                            </a:solidFill>
+                            <a:latin typeface="Cambria Math" panose="02040503050406030204" pitchFamily="18" charset="0"/>
+                          </a:rPr>
+                          <m:t>⋅</m:t>
+                        </m:r>
+                        <m:d>
+                          <m:dPr>
+                            <m:ctrlPr>
+                              <a:rPr lang="it-IT" sz="1600" i="1" smtClean="0">
+                                <a:solidFill>
+                                  <a:srgbClr val="F4F3EE"/>
+                                </a:solidFill>
+                                <a:latin typeface="Cambria Math" panose="02040503050406030204" pitchFamily="18" charset="0"/>
+                              </a:rPr>
+                            </m:ctrlPr>
+                          </m:dPr>
+                          <m:e>
+                            <m:r>
+                              <a:rPr lang="it-IT" sz="1600" b="0" i="1" smtClean="0">
+                                <a:solidFill>
+                                  <a:srgbClr val="F4F3EE"/>
+                                </a:solidFill>
+                                <a:latin typeface="Cambria Math" panose="02040503050406030204" pitchFamily="18" charset="0"/>
+                              </a:rPr>
+                              <m:t>𝑈</m:t>
+                            </m:r>
+                            <m:r>
+                              <a:rPr lang="it-IT" sz="1600" b="0" i="1" smtClean="0">
+                                <a:solidFill>
+                                  <a:srgbClr val="F4F3EE"/>
+                                </a:solidFill>
+                                <a:latin typeface="Cambria Math" panose="02040503050406030204" pitchFamily="18" charset="0"/>
+                                <a:ea typeface="Cambria Math" panose="02040503050406030204" pitchFamily="18" charset="0"/>
+                              </a:rPr>
+                              <m:t>⨂</m:t>
+                            </m:r>
+                            <m:r>
+                              <a:rPr lang="it-IT" sz="1600" b="0" i="1" smtClean="0">
+                                <a:solidFill>
+                                  <a:srgbClr val="F4F3EE"/>
+                                </a:solidFill>
+                                <a:latin typeface="Cambria Math" panose="02040503050406030204" pitchFamily="18" charset="0"/>
+                                <a:ea typeface="Cambria Math" panose="02040503050406030204" pitchFamily="18" charset="0"/>
+                              </a:rPr>
+                              <m:t>𝑈</m:t>
+                            </m:r>
+                          </m:e>
+                        </m:d>
+                        <m:r>
+                          <a:rPr lang="it-IT" sz="1600" b="0" i="1" smtClean="0">
+                            <a:solidFill>
+                              <a:srgbClr val="F4F3EE"/>
+                            </a:solidFill>
+                            <a:latin typeface="Cambria Math" panose="02040503050406030204" pitchFamily="18" charset="0"/>
+                            <a:ea typeface="Cambria Math" panose="02040503050406030204" pitchFamily="18" charset="0"/>
+                          </a:rPr>
+                          <m:t>=</m:t>
+                        </m:r>
+                        <m:d>
+                          <m:dPr>
+                            <m:endChr m:val="⟩"/>
+                            <m:ctrlPr>
+                              <a:rPr lang="it-IT" sz="1600" i="1" smtClean="0">
+                                <a:solidFill>
+                                  <a:srgbClr val="F4F3EE"/>
+                                </a:solidFill>
+                                <a:latin typeface="Cambria Math" panose="02040503050406030204" pitchFamily="18" charset="0"/>
+                                <a:ea typeface="Cambria Math" panose="02040503050406030204" pitchFamily="18" charset="0"/>
+                              </a:rPr>
+                            </m:ctrlPr>
+                          </m:dPr>
+                          <m:e>
+                            <m:r>
+                              <a:rPr lang="it-IT" sz="1600" b="0" i="1" smtClean="0">
+                                <a:solidFill>
+                                  <a:srgbClr val="F4F3EE"/>
+                                </a:solidFill>
+                                <a:latin typeface="Cambria Math" panose="02040503050406030204" pitchFamily="18" charset="0"/>
+                                <a:ea typeface="Cambria Math" panose="02040503050406030204" pitchFamily="18" charset="0"/>
+                              </a:rPr>
+                              <m:t>0.383</m:t>
+                            </m:r>
+                          </m:e>
+                          <m:e>
+                            <m:r>
+                              <a:rPr lang="it-IT" sz="1600" b="0" i="1" smtClean="0">
+                                <a:solidFill>
+                                  <a:srgbClr val="F4F3EE"/>
+                                </a:solidFill>
+                                <a:latin typeface="Cambria Math" panose="02040503050406030204" pitchFamily="18" charset="0"/>
+                                <a:ea typeface="Cambria Math" panose="02040503050406030204" pitchFamily="18" charset="0"/>
+                              </a:rPr>
+                              <m:t>0</m:t>
+                            </m:r>
+                          </m:e>
+                        </m:d>
+                        <m:r>
+                          <a:rPr lang="it-IT" sz="1600" b="0" i="1">
+                            <a:solidFill>
+                              <a:srgbClr val="F4F3EE"/>
+                            </a:solidFill>
+                            <a:latin typeface="Cambria Math" panose="02040503050406030204" pitchFamily="18" charset="0"/>
+                            <a:ea typeface="Cambria Math" panose="02040503050406030204" pitchFamily="18" charset="0"/>
+                          </a:rPr>
+                          <m:t>+0.924|1⟩) ⨂ (</m:t>
+                        </m:r>
+                        <m:r>
+                          <a:rPr lang="it-IT" sz="1600" b="0" i="1" smtClean="0">
+                            <a:solidFill>
+                              <a:srgbClr val="F4F3EE"/>
+                            </a:solidFill>
+                            <a:latin typeface="Cambria Math" panose="02040503050406030204" pitchFamily="18" charset="0"/>
+                            <a:ea typeface="Cambria Math" panose="02040503050406030204" pitchFamily="18" charset="0"/>
+                          </a:rPr>
+                          <m:t>0.924</m:t>
+                        </m:r>
+                        <m:d>
+                          <m:dPr>
+                            <m:begChr m:val="|"/>
+                            <m:endChr m:val="⟩"/>
+                            <m:ctrlPr>
+                              <a:rPr lang="it-IT" sz="1600" i="1" smtClean="0">
+                                <a:solidFill>
+                                  <a:srgbClr val="F4F3EE"/>
+                                </a:solidFill>
+                                <a:latin typeface="Cambria Math" panose="02040503050406030204" pitchFamily="18" charset="0"/>
+                                <a:ea typeface="Cambria Math" panose="02040503050406030204" pitchFamily="18" charset="0"/>
+                              </a:rPr>
+                            </m:ctrlPr>
+                          </m:dPr>
+                          <m:e>
+                            <m:r>
+                              <a:rPr lang="it-IT" sz="1600" b="0" i="1" smtClean="0">
+                                <a:solidFill>
+                                  <a:srgbClr val="F4F3EE"/>
+                                </a:solidFill>
+                                <a:latin typeface="Cambria Math" panose="02040503050406030204" pitchFamily="18" charset="0"/>
+                                <a:ea typeface="Cambria Math" panose="02040503050406030204" pitchFamily="18" charset="0"/>
+                              </a:rPr>
+                              <m:t>0</m:t>
+                            </m:r>
+                          </m:e>
+                        </m:d>
+                        <m:r>
+                          <a:rPr lang="it-IT" sz="1600" b="0" i="1" smtClean="0">
+                            <a:solidFill>
+                              <a:srgbClr val="F4F3EE"/>
+                            </a:solidFill>
+                            <a:latin typeface="Cambria Math" panose="02040503050406030204" pitchFamily="18" charset="0"/>
+                            <a:ea typeface="Cambria Math" panose="02040503050406030204" pitchFamily="18" charset="0"/>
+                          </a:rPr>
+                          <m:t>−0.383|1⟩)=</m:t>
+                        </m:r>
+                      </m:oMath>
+                    </m:oMathPara>
+                  </a14:m>
+                  <a:endParaRPr lang="en-US" sz="1600" dirty="0">
+                    <a:solidFill>
+                      <a:srgbClr val="F4F3EE"/>
+                    </a:solidFill>
+                  </a:endParaRPr>
+                </a:p>
+              </p:txBody>
+            </p:sp>
+          </mc:Choice>
+          <mc:Fallback xmlns="">
+            <p:sp>
+              <p:nvSpPr>
+                <p:cNvPr id="5" name="CasellaDiTesto 4">
+                  <a:extLst>
+                    <a:ext uri="{FF2B5EF4-FFF2-40B4-BE49-F238E27FC236}">
+                      <a16:creationId xmlns:a16="http://schemas.microsoft.com/office/drawing/2014/main" id="{F17DEBE4-243F-2B71-C8A8-A196B858EEBB}"/>
+                    </a:ext>
+                  </a:extLst>
+                </p:cNvPr>
+                <p:cNvSpPr txBox="1">
+                  <a:spLocks noRot="1" noChangeAspect="1" noMove="1" noResize="1" noEditPoints="1" noAdjustHandles="1" noChangeArrowheads="1" noChangeShapeType="1" noTextEdit="1"/>
+                </p:cNvSpPr>
+                <p:nvPr/>
+              </p:nvSpPr>
+              <p:spPr>
+                <a:xfrm>
+                  <a:off x="2328331" y="1629467"/>
+                  <a:ext cx="7535339" cy="338554"/>
+                </a:xfrm>
+                <a:prstGeom prst="rect">
+                  <a:avLst/>
+                </a:prstGeom>
+                <a:blipFill>
+                  <a:blip r:embed="rId4"/>
+                  <a:stretch>
+                    <a:fillRect b="-10909"/>
+                  </a:stretch>
+                </a:blipFill>
+              </p:spPr>
+              <p:txBody>
+                <a:bodyPr/>
+                <a:lstStyle/>
+                <a:p>
+                  <a:r>
+                    <a:rPr lang="it-IT">
+                      <a:noFill/>
+                    </a:rPr>
+                    <a:t> </a:t>
+                  </a:r>
+                </a:p>
+              </p:txBody>
+            </p:sp>
+          </mc:Fallback>
+        </mc:AlternateContent>
+        <mc:AlternateContent xmlns:mc="http://schemas.openxmlformats.org/markup-compatibility/2006" xmlns:a14="http://schemas.microsoft.com/office/drawing/2010/main">
+          <mc:Choice Requires="a14">
+            <p:sp>
+              <p:nvSpPr>
+                <p:cNvPr id="6" name="CasellaDiTesto 5">
+                  <a:extLst>
+                    <a:ext uri="{FF2B5EF4-FFF2-40B4-BE49-F238E27FC236}">
+                      <a16:creationId xmlns:a16="http://schemas.microsoft.com/office/drawing/2014/main" id="{55EAC291-2EB4-9A3F-E757-765E4284BA4B}"/>
+                    </a:ext>
+                  </a:extLst>
+                </p:cNvPr>
+                <p:cNvSpPr txBox="1"/>
+                <p:nvPr/>
+              </p:nvSpPr>
+              <p:spPr>
+                <a:xfrm>
+                  <a:off x="1975308" y="2006943"/>
+                  <a:ext cx="6990481" cy="338554"/>
+                </a:xfrm>
+                <a:prstGeom prst="rect">
+                  <a:avLst/>
+                </a:prstGeom>
+                <a:noFill/>
+              </p:spPr>
+              <p:txBody>
+                <a:bodyPr wrap="square" rtlCol="0">
+                  <a:spAutoFit/>
+                </a:bodyPr>
+                <a:lstStyle/>
+                <a:p>
+                  <a:pPr algn="ctr"/>
+                  <a14:m>
+                    <m:oMath xmlns:m="http://schemas.openxmlformats.org/officeDocument/2006/math">
+                      <m:r>
+                        <a:rPr lang="it-IT" sz="1600" b="0" i="1" smtClean="0">
+                          <a:solidFill>
+                            <a:srgbClr val="F4F3EE"/>
+                          </a:solidFill>
+                          <a:latin typeface="Cambria Math" panose="02040503050406030204" pitchFamily="18" charset="0"/>
+                          <a:ea typeface="Cambria Math" panose="02040503050406030204" pitchFamily="18" charset="0"/>
+                        </a:rPr>
+                        <m:t>= 0.354|00⟩−0.147|01⟩+0.854|10⟩−0.354|11⟩ </m:t>
+                      </m:r>
+                    </m:oMath>
+                  </a14:m>
+                  <a:r>
+                    <a:rPr lang="en-US" sz="1600" dirty="0">
+                      <a:solidFill>
+                        <a:srgbClr val="F4F3EE"/>
+                      </a:solidFill>
+                    </a:rPr>
+                    <a:t> </a:t>
+                  </a:r>
+                </a:p>
+              </p:txBody>
+            </p:sp>
+          </mc:Choice>
+          <mc:Fallback xmlns="">
+            <p:sp>
+              <p:nvSpPr>
+                <p:cNvPr id="6" name="CasellaDiTesto 5">
+                  <a:extLst>
+                    <a:ext uri="{FF2B5EF4-FFF2-40B4-BE49-F238E27FC236}">
+                      <a16:creationId xmlns:a16="http://schemas.microsoft.com/office/drawing/2014/main" id="{55EAC291-2EB4-9A3F-E757-765E4284BA4B}"/>
+                    </a:ext>
+                  </a:extLst>
+                </p:cNvPr>
+                <p:cNvSpPr txBox="1">
+                  <a:spLocks noRot="1" noChangeAspect="1" noMove="1" noResize="1" noEditPoints="1" noAdjustHandles="1" noChangeArrowheads="1" noChangeShapeType="1" noTextEdit="1"/>
+                </p:cNvSpPr>
+                <p:nvPr/>
+              </p:nvSpPr>
+              <p:spPr>
+                <a:xfrm>
+                  <a:off x="1975308" y="2006943"/>
+                  <a:ext cx="6990481" cy="338554"/>
+                </a:xfrm>
+                <a:prstGeom prst="rect">
+                  <a:avLst/>
+                </a:prstGeom>
+                <a:blipFill>
+                  <a:blip r:embed="rId5"/>
+                  <a:stretch>
+                    <a:fillRect b="-10909"/>
+                  </a:stretch>
+                </a:blipFill>
+              </p:spPr>
+              <p:txBody>
+                <a:bodyPr/>
+                <a:lstStyle/>
+                <a:p>
+                  <a:r>
+                    <a:rPr lang="it-IT">
+                      <a:noFill/>
+                    </a:rPr>
+                    <a:t> </a:t>
+                  </a:r>
+                </a:p>
+              </p:txBody>
+            </p:sp>
+          </mc:Fallback>
+        </mc:AlternateContent>
+      </p:grpSp>
+      <mc:AlternateContent xmlns:mc="http://schemas.openxmlformats.org/markup-compatibility/2006">
+        <mc:Choice xmlns:a14="http://schemas.microsoft.com/office/drawing/2010/main" Requires="a14">
           <p:sp>
             <p:nvSpPr>
-              <p:cNvPr id="5" name="CasellaDiTesto 4">
+              <p:cNvPr id="8" name="CasellaDiTesto 7">
                 <a:extLst>
                   <a:ext uri="{FF2B5EF4-FFF2-40B4-BE49-F238E27FC236}">
-                    <a16:creationId xmlns:a16="http://schemas.microsoft.com/office/drawing/2014/main" id="{F17DEBE4-243F-2B71-C8A8-A196B858EEBB}"/>
+                    <a16:creationId xmlns:a16="http://schemas.microsoft.com/office/drawing/2014/main" id="{E1BC3F19-4966-2826-BFD6-257E920C4712}"/>
                   </a:ext>
                 </a:extLst>
               </p:cNvPr>
@@ -28375,8 +28015,8 @@
             </p:nvSpPr>
             <p:spPr>
               <a:xfrm>
-                <a:off x="203724" y="2227483"/>
-                <a:ext cx="11784550" cy="338554"/>
+                <a:off x="2162458" y="2503967"/>
+                <a:ext cx="7867085" cy="1092607"/>
               </a:xfrm>
               <a:prstGeom prst="rect">
                 <a:avLst/>
@@ -28389,199 +28029,93 @@
               </a:bodyPr>
               <a:lstStyle/>
               <a:p>
-                <a:pPr algn="ctr"/>
+                <a:pPr algn="just"/>
+                <a:r>
+                  <a:rPr lang="en-US" sz="1300" spc="300" dirty="0">
+                    <a:solidFill>
+                      <a:srgbClr val="E0AFA0"/>
+                    </a:solidFill>
+                  </a:rPr>
+                  <a:t>ALL</a:t>
+                </a:r>
+                <a:r>
+                  <a:rPr lang="en-US" sz="1300" spc="300" dirty="0">
+                    <a:solidFill>
+                      <a:srgbClr val="F4F3EE"/>
+                    </a:solidFill>
+                  </a:rPr>
+                  <a:t> FOUR MEASUREMENT OUTCOMES IN THE </a:t>
+                </a:r>
                 <a14:m>
-                  <m:oMathPara xmlns:m="http://schemas.openxmlformats.org/officeDocument/2006/math">
-                    <m:oMathParaPr>
-                      <m:jc m:val="centerGroup"/>
-                    </m:oMathParaPr>
-                    <m:oMath xmlns:m="http://schemas.openxmlformats.org/officeDocument/2006/math">
-                      <m:d>
-                        <m:dPr>
-                          <m:begChr m:val="|"/>
-                          <m:endChr m:val="⟩"/>
-                          <m:ctrlPr>
-                            <a:rPr lang="it-IT" sz="1600" i="1" smtClean="0">
-                              <a:solidFill>
-                                <a:srgbClr val="F4F3EE"/>
-                              </a:solidFill>
-                              <a:latin typeface="Cambria Math" panose="02040503050406030204" pitchFamily="18" charset="0"/>
-                            </a:rPr>
-                          </m:ctrlPr>
-                        </m:dPr>
-                        <m:e>
-                          <m:r>
-                            <a:rPr lang="it-IT" sz="1600" b="0" i="1" smtClean="0">
-                              <a:solidFill>
-                                <a:srgbClr val="F4F3EE"/>
-                              </a:solidFill>
-                              <a:latin typeface="Cambria Math" panose="02040503050406030204" pitchFamily="18" charset="0"/>
-                            </a:rPr>
-                            <m:t>10</m:t>
-                          </m:r>
-                        </m:e>
-                      </m:d>
-                      <m:r>
-                        <a:rPr lang="it-IT" sz="1600" b="0" i="1" smtClean="0">
-                          <a:solidFill>
-                            <a:srgbClr val="F4F3EE"/>
-                          </a:solidFill>
-                          <a:latin typeface="Cambria Math" panose="02040503050406030204" pitchFamily="18" charset="0"/>
-                        </a:rPr>
-                        <m:t>⋅</m:t>
-                      </m:r>
-                      <m:d>
-                        <m:dPr>
-                          <m:ctrlPr>
-                            <a:rPr lang="it-IT" sz="1600" i="1" smtClean="0">
-                              <a:solidFill>
-                                <a:srgbClr val="F4F3EE"/>
-                              </a:solidFill>
-                              <a:latin typeface="Cambria Math" panose="02040503050406030204" pitchFamily="18" charset="0"/>
-                            </a:rPr>
-                          </m:ctrlPr>
-                        </m:dPr>
-                        <m:e>
-                          <m:r>
-                            <a:rPr lang="it-IT" sz="1600" b="0" i="1" smtClean="0">
-                              <a:solidFill>
-                                <a:srgbClr val="F4F3EE"/>
-                              </a:solidFill>
-                              <a:latin typeface="Cambria Math" panose="02040503050406030204" pitchFamily="18" charset="0"/>
-                            </a:rPr>
-                            <m:t>𝑈</m:t>
-                          </m:r>
-                          <m:r>
-                            <a:rPr lang="it-IT" sz="1600" b="0" i="1" smtClean="0">
-                              <a:solidFill>
-                                <a:srgbClr val="F4F3EE"/>
-                              </a:solidFill>
-                              <a:latin typeface="Cambria Math" panose="02040503050406030204" pitchFamily="18" charset="0"/>
-                              <a:ea typeface="Cambria Math" panose="02040503050406030204" pitchFamily="18" charset="0"/>
-                            </a:rPr>
-                            <m:t>⨂</m:t>
-                          </m:r>
-                          <m:r>
-                            <a:rPr lang="it-IT" sz="1600" b="0" i="1" smtClean="0">
-                              <a:solidFill>
-                                <a:srgbClr val="F4F3EE"/>
-                              </a:solidFill>
-                              <a:latin typeface="Cambria Math" panose="02040503050406030204" pitchFamily="18" charset="0"/>
-                              <a:ea typeface="Cambria Math" panose="02040503050406030204" pitchFamily="18" charset="0"/>
-                            </a:rPr>
-                            <m:t>𝑈</m:t>
-                          </m:r>
-                        </m:e>
-                      </m:d>
-                      <m:r>
-                        <a:rPr lang="it-IT" sz="1600" b="0" i="1" smtClean="0">
-                          <a:solidFill>
-                            <a:srgbClr val="F4F3EE"/>
-                          </a:solidFill>
-                          <a:latin typeface="Cambria Math" panose="02040503050406030204" pitchFamily="18" charset="0"/>
-                          <a:ea typeface="Cambria Math" panose="02040503050406030204" pitchFamily="18" charset="0"/>
-                        </a:rPr>
-                        <m:t>=</m:t>
-                      </m:r>
-                      <m:d>
-                        <m:dPr>
-                          <m:endChr m:val="⟩"/>
-                          <m:ctrlPr>
-                            <a:rPr lang="it-IT" sz="1600" i="1" smtClean="0">
-                              <a:solidFill>
-                                <a:srgbClr val="F4F3EE"/>
-                              </a:solidFill>
-                              <a:latin typeface="Cambria Math" panose="02040503050406030204" pitchFamily="18" charset="0"/>
-                              <a:ea typeface="Cambria Math" panose="02040503050406030204" pitchFamily="18" charset="0"/>
-                            </a:rPr>
-                          </m:ctrlPr>
-                        </m:dPr>
-                        <m:e>
-                          <m:r>
-                            <a:rPr lang="it-IT" sz="1600" b="0" i="1" smtClean="0">
-                              <a:solidFill>
-                                <a:srgbClr val="F4F3EE"/>
-                              </a:solidFill>
-                              <a:latin typeface="Cambria Math" panose="02040503050406030204" pitchFamily="18" charset="0"/>
-                              <a:ea typeface="Cambria Math" panose="02040503050406030204" pitchFamily="18" charset="0"/>
-                            </a:rPr>
-                            <m:t>0.383</m:t>
-                          </m:r>
-                        </m:e>
-                        <m:e>
-                          <m:r>
-                            <a:rPr lang="it-IT" sz="1600" b="0" i="1" smtClean="0">
-                              <a:solidFill>
-                                <a:srgbClr val="F4F3EE"/>
-                              </a:solidFill>
-                              <a:latin typeface="Cambria Math" panose="02040503050406030204" pitchFamily="18" charset="0"/>
-                              <a:ea typeface="Cambria Math" panose="02040503050406030204" pitchFamily="18" charset="0"/>
-                            </a:rPr>
-                            <m:t>0</m:t>
-                          </m:r>
-                        </m:e>
-                      </m:d>
-                      <m:r>
-                        <a:rPr lang="it-IT" sz="1600" b="0" i="1">
-                          <a:solidFill>
-                            <a:srgbClr val="F4F3EE"/>
-                          </a:solidFill>
-                          <a:latin typeface="Cambria Math" panose="02040503050406030204" pitchFamily="18" charset="0"/>
-                          <a:ea typeface="Cambria Math" panose="02040503050406030204" pitchFamily="18" charset="0"/>
-                        </a:rPr>
-                        <m:t>+0.924|1⟩) ⨂ (</m:t>
-                      </m:r>
-                      <m:r>
-                        <a:rPr lang="it-IT" sz="1600" b="0" i="1" smtClean="0">
-                          <a:solidFill>
-                            <a:srgbClr val="F4F3EE"/>
-                          </a:solidFill>
-                          <a:latin typeface="Cambria Math" panose="02040503050406030204" pitchFamily="18" charset="0"/>
-                          <a:ea typeface="Cambria Math" panose="02040503050406030204" pitchFamily="18" charset="0"/>
-                        </a:rPr>
-                        <m:t>0.924</m:t>
-                      </m:r>
-                      <m:d>
-                        <m:dPr>
-                          <m:begChr m:val="|"/>
-                          <m:endChr m:val="⟩"/>
-                          <m:ctrlPr>
-                            <a:rPr lang="it-IT" sz="1600" i="1" smtClean="0">
-                              <a:solidFill>
-                                <a:srgbClr val="F4F3EE"/>
-                              </a:solidFill>
-                              <a:latin typeface="Cambria Math" panose="02040503050406030204" pitchFamily="18" charset="0"/>
-                              <a:ea typeface="Cambria Math" panose="02040503050406030204" pitchFamily="18" charset="0"/>
-                            </a:rPr>
-                          </m:ctrlPr>
-                        </m:dPr>
-                        <m:e>
-                          <m:r>
-                            <a:rPr lang="it-IT" sz="1600" b="0" i="1" smtClean="0">
-                              <a:solidFill>
-                                <a:srgbClr val="F4F3EE"/>
-                              </a:solidFill>
-                              <a:latin typeface="Cambria Math" panose="02040503050406030204" pitchFamily="18" charset="0"/>
-                              <a:ea typeface="Cambria Math" panose="02040503050406030204" pitchFamily="18" charset="0"/>
-                            </a:rPr>
-                            <m:t>0</m:t>
-                          </m:r>
-                        </m:e>
-                      </m:d>
-                      <m:r>
-                        <a:rPr lang="it-IT" sz="1600" b="0" i="1" smtClean="0">
-                          <a:solidFill>
-                            <a:srgbClr val="F4F3EE"/>
-                          </a:solidFill>
-                          <a:latin typeface="Cambria Math" panose="02040503050406030204" pitchFamily="18" charset="0"/>
-                          <a:ea typeface="Cambria Math" panose="02040503050406030204" pitchFamily="18" charset="0"/>
-                        </a:rPr>
-                        <m:t>−0.383|1⟩)=</m:t>
-                      </m:r>
-                    </m:oMath>
-                  </m:oMathPara>
+                  <m:oMath xmlns:m="http://schemas.openxmlformats.org/officeDocument/2006/math">
+                    <m:r>
+                      <a:rPr lang="it-IT" sz="1300" b="0" i="1" spc="300" smtClean="0">
+                        <a:solidFill>
+                          <a:srgbClr val="F4F3EE"/>
+                        </a:solidFill>
+                        <a:latin typeface="Cambria Math" panose="02040503050406030204" pitchFamily="18" charset="0"/>
+                      </a:rPr>
+                      <m:t>𝑍</m:t>
+                    </m:r>
+                  </m:oMath>
                 </a14:m>
-                <a:endParaRPr lang="en-US" sz="1600" dirty="0">
+                <a:r>
+                  <a:rPr lang="en-US" sz="1300" spc="300" dirty="0">
+                    <a:solidFill>
+                      <a:srgbClr val="F4F3EE"/>
+                    </a:solidFill>
+                  </a:rPr>
+                  <a:t> BASIS ARE POSSIBLE. WHEN THE OUTCOMES ARE </a:t>
+                </a:r>
+                <a:r>
+                  <a:rPr lang="en-US" sz="1300" spc="300" dirty="0">
+                    <a:solidFill>
+                      <a:srgbClr val="E0AFA0"/>
+                    </a:solidFill>
+                  </a:rPr>
+                  <a:t>00</a:t>
+                </a:r>
+                <a:r>
+                  <a:rPr lang="en-US" sz="1300" spc="300" dirty="0">
+                    <a:solidFill>
+                      <a:srgbClr val="F4F3EE"/>
+                    </a:solidFill>
+                  </a:rPr>
+                  <a:t> OR </a:t>
+                </a:r>
+                <a:r>
+                  <a:rPr lang="en-US" sz="1300" spc="300" dirty="0">
+                    <a:solidFill>
+                      <a:srgbClr val="E0AFA0"/>
+                    </a:solidFill>
+                  </a:rPr>
+                  <a:t>11</a:t>
+                </a:r>
+                <a:r>
+                  <a:rPr lang="en-US" sz="1300" spc="300" dirty="0">
+                    <a:solidFill>
+                      <a:srgbClr val="F4F3EE"/>
+                    </a:solidFill>
+                  </a:rPr>
+                  <a:t>, THE RESULTS ARE CORRELATED, CAUSING BOB, UPON FLIPPING HIS VALUE, TO INTRODUCE A </a:t>
+                </a:r>
+                <a:r>
+                  <a:rPr lang="en-US" sz="1300" spc="300" dirty="0">
+                    <a:solidFill>
+                      <a:srgbClr val="E0AFA0"/>
+                    </a:solidFill>
+                  </a:rPr>
+                  <a:t>MISMATCH</a:t>
+                </a:r>
+                <a:r>
+                  <a:rPr lang="en-US" sz="1300" spc="300" dirty="0">
+                    <a:solidFill>
+                      <a:srgbClr val="F4F3EE"/>
+                    </a:solidFill>
+                  </a:rPr>
+                  <a:t> BETWEEN HIS KEY AND ALICE’S. THE PROBABILITY OF OBTAINING CORRELATED RESULTS IS GIVEN BY: </a:t>
+                </a:r>
+                <a:endParaRPr lang="en-US" sz="1300" spc="300" noProof="0" dirty="0">
                   <a:solidFill>
                     <a:srgbClr val="F4F3EE"/>
                   </a:solidFill>
@@ -28590,13 +28124,13 @@
             </p:txBody>
           </p:sp>
         </mc:Choice>
-        <mc:Fallback xmlns="">
+        <mc:Fallback>
           <p:sp>
             <p:nvSpPr>
-              <p:cNvPr id="5" name="CasellaDiTesto 4">
+              <p:cNvPr id="8" name="CasellaDiTesto 7">
                 <a:extLst>
                   <a:ext uri="{FF2B5EF4-FFF2-40B4-BE49-F238E27FC236}">
-                    <a16:creationId xmlns:a16="http://schemas.microsoft.com/office/drawing/2014/main" id="{F17DEBE4-243F-2B71-C8A8-A196B858EEBB}"/>
+                    <a16:creationId xmlns:a16="http://schemas.microsoft.com/office/drawing/2014/main" id="{E1BC3F19-4966-2826-BFD6-257E920C4712}"/>
                   </a:ext>
                 </a:extLst>
               </p:cNvPr>
@@ -28607,16 +28141,16 @@
             </p:nvSpPr>
             <p:spPr>
               <a:xfrm>
-                <a:off x="203724" y="2227483"/>
-                <a:ext cx="11784550" cy="338554"/>
+                <a:off x="2162458" y="2503967"/>
+                <a:ext cx="7867085" cy="1092607"/>
               </a:xfrm>
               <a:prstGeom prst="rect">
                 <a:avLst/>
               </a:prstGeom>
               <a:blipFill>
-                <a:blip r:embed="rId4"/>
+                <a:blip r:embed="rId6"/>
                 <a:stretch>
-                  <a:fillRect b="-8929"/>
+                  <a:fillRect l="-155" r="-78" b="-4469"/>
                 </a:stretch>
               </a:blipFill>
             </p:spPr>
@@ -28635,224 +28169,8 @@
           </p:sp>
         </mc:Fallback>
       </mc:AlternateContent>
-      <mc:AlternateContent xmlns:mc="http://schemas.openxmlformats.org/markup-compatibility/2006" xmlns:a14="http://schemas.microsoft.com/office/drawing/2010/main">
-        <mc:Choice Requires="a14">
-          <p:sp>
-            <p:nvSpPr>
-              <p:cNvPr id="6" name="CasellaDiTesto 5">
-                <a:extLst>
-                  <a:ext uri="{FF2B5EF4-FFF2-40B4-BE49-F238E27FC236}">
-                    <a16:creationId xmlns:a16="http://schemas.microsoft.com/office/drawing/2014/main" id="{55EAC291-2EB4-9A3F-E757-765E4284BA4B}"/>
-                  </a:ext>
-                </a:extLst>
-              </p:cNvPr>
-              <p:cNvSpPr txBox="1"/>
-              <p:nvPr/>
-            </p:nvSpPr>
-            <p:spPr>
-              <a:xfrm>
-                <a:off x="-434451" y="2624238"/>
-                <a:ext cx="11784550" cy="338554"/>
-              </a:xfrm>
-              <a:prstGeom prst="rect">
-                <a:avLst/>
-              </a:prstGeom>
-              <a:noFill/>
-            </p:spPr>
-            <p:txBody>
-              <a:bodyPr wrap="square" rtlCol="0">
-                <a:spAutoFit/>
-              </a:bodyPr>
-              <a:lstStyle/>
-              <a:p>
-                <a:pPr algn="ctr"/>
-                <a14:m>
-                  <m:oMath xmlns:m="http://schemas.openxmlformats.org/officeDocument/2006/math">
-                    <m:r>
-                      <a:rPr lang="it-IT" sz="1600" b="0" i="1" smtClean="0">
-                        <a:solidFill>
-                          <a:srgbClr val="F4F3EE"/>
-                        </a:solidFill>
-                        <a:latin typeface="Cambria Math" panose="02040503050406030204" pitchFamily="18" charset="0"/>
-                        <a:ea typeface="Cambria Math" panose="02040503050406030204" pitchFamily="18" charset="0"/>
-                      </a:rPr>
-                      <m:t>= 0.354|00⟩−0.147|01⟩+0.854|10⟩−0.354|11⟩ </m:t>
-                    </m:r>
-                  </m:oMath>
-                </a14:m>
-                <a:r>
-                  <a:rPr lang="en-US" sz="1600" dirty="0">
-                    <a:solidFill>
-                      <a:srgbClr val="F4F3EE"/>
-                    </a:solidFill>
-                  </a:rPr>
-                  <a:t> </a:t>
-                </a:r>
-              </a:p>
-            </p:txBody>
-          </p:sp>
-        </mc:Choice>
-        <mc:Fallback xmlns="">
-          <p:sp>
-            <p:nvSpPr>
-              <p:cNvPr id="6" name="CasellaDiTesto 5">
-                <a:extLst>
-                  <a:ext uri="{FF2B5EF4-FFF2-40B4-BE49-F238E27FC236}">
-                    <a16:creationId xmlns:a16="http://schemas.microsoft.com/office/drawing/2014/main" id="{55EAC291-2EB4-9A3F-E757-765E4284BA4B}"/>
-                  </a:ext>
-                </a:extLst>
-              </p:cNvPr>
-              <p:cNvSpPr txBox="1">
-                <a:spLocks noRot="1" noChangeAspect="1" noMove="1" noResize="1" noEditPoints="1" noAdjustHandles="1" noChangeArrowheads="1" noChangeShapeType="1" noTextEdit="1"/>
-              </p:cNvSpPr>
-              <p:nvPr/>
-            </p:nvSpPr>
-            <p:spPr>
-              <a:xfrm>
-                <a:off x="-434451" y="2624238"/>
-                <a:ext cx="11784550" cy="338554"/>
-              </a:xfrm>
-              <a:prstGeom prst="rect">
-                <a:avLst/>
-              </a:prstGeom>
-              <a:blipFill>
-                <a:blip r:embed="rId5"/>
-                <a:stretch>
-                  <a:fillRect b="-8929"/>
-                </a:stretch>
-              </a:blipFill>
-            </p:spPr>
-            <p:txBody>
-              <a:bodyPr/>
-              <a:lstStyle/>
-              <a:p>
-                <a:r>
-                  <a:rPr lang="it-IT">
-                    <a:noFill/>
-                  </a:rPr>
-                  <a:t> </a:t>
-                </a:r>
-              </a:p>
-            </p:txBody>
-          </p:sp>
-        </mc:Fallback>
-      </mc:AlternateContent>
-      <mc:AlternateContent xmlns:mc="http://schemas.openxmlformats.org/markup-compatibility/2006" xmlns:a14="http://schemas.microsoft.com/office/drawing/2010/main">
-        <mc:Choice Requires="a14">
-          <p:sp>
-            <p:nvSpPr>
-              <p:cNvPr id="8" name="CasellaDiTesto 7">
-                <a:extLst>
-                  <a:ext uri="{FF2B5EF4-FFF2-40B4-BE49-F238E27FC236}">
-                    <a16:creationId xmlns:a16="http://schemas.microsoft.com/office/drawing/2014/main" id="{E1BC3F19-4966-2826-BFD6-257E920C4712}"/>
-                  </a:ext>
-                </a:extLst>
-              </p:cNvPr>
-              <p:cNvSpPr txBox="1"/>
-              <p:nvPr/>
-            </p:nvSpPr>
-            <p:spPr>
-              <a:xfrm>
-                <a:off x="1152243" y="3229114"/>
-                <a:ext cx="9887511" cy="830997"/>
-              </a:xfrm>
-              <a:prstGeom prst="rect">
-                <a:avLst/>
-              </a:prstGeom>
-              <a:noFill/>
-            </p:spPr>
-            <p:txBody>
-              <a:bodyPr wrap="square" rtlCol="0">
-                <a:spAutoFit/>
-              </a:bodyPr>
-              <a:lstStyle/>
-              <a:p>
-                <a:pPr algn="just"/>
-                <a:r>
-                  <a:rPr lang="en-US" sz="1200" spc="300" dirty="0">
-                    <a:solidFill>
-                      <a:srgbClr val="F4F3EE"/>
-                    </a:solidFill>
-                  </a:rPr>
-                  <a:t>ALL FOUR MEASUREMENT OUTCOMES IN THE </a:t>
-                </a:r>
-                <a14:m>
-                  <m:oMath xmlns:m="http://schemas.openxmlformats.org/officeDocument/2006/math">
-                    <m:r>
-                      <a:rPr lang="it-IT" sz="1200" b="0" i="1" spc="300" smtClean="0">
-                        <a:solidFill>
-                          <a:srgbClr val="F4F3EE"/>
-                        </a:solidFill>
-                        <a:latin typeface="Cambria Math" panose="02040503050406030204" pitchFamily="18" charset="0"/>
-                      </a:rPr>
-                      <m:t>𝑍</m:t>
-                    </m:r>
-                  </m:oMath>
-                </a14:m>
-                <a:r>
-                  <a:rPr lang="en-US" sz="1200" spc="300" dirty="0">
-                    <a:solidFill>
-                      <a:srgbClr val="F4F3EE"/>
-                    </a:solidFill>
-                  </a:rPr>
-                  <a:t> BASIS ARE POSSIBLE. WHEN THE OUTCOMES ARE 00 OR 11, THE RESULTS ARE CORRELATED, CAUSING BOB, UPON FLIPPING HIS VALUE, TO INTRODUCE A MISMATCH BETWEEN HIS KEY AND ALICE’S. THE PROBABILITY OF OBTAINING CORRELATED RESULTS IS GIVEN BY: </a:t>
-                </a:r>
-                <a:endParaRPr lang="en-US" sz="1200" spc="300" noProof="0" dirty="0">
-                  <a:solidFill>
-                    <a:srgbClr val="F4F3EE"/>
-                  </a:solidFill>
-                </a:endParaRPr>
-              </a:p>
-            </p:txBody>
-          </p:sp>
-        </mc:Choice>
-        <mc:Fallback xmlns="">
-          <p:sp>
-            <p:nvSpPr>
-              <p:cNvPr id="8" name="CasellaDiTesto 7">
-                <a:extLst>
-                  <a:ext uri="{FF2B5EF4-FFF2-40B4-BE49-F238E27FC236}">
-                    <a16:creationId xmlns:a16="http://schemas.microsoft.com/office/drawing/2014/main" id="{E1BC3F19-4966-2826-BFD6-257E920C4712}"/>
-                  </a:ext>
-                </a:extLst>
-              </p:cNvPr>
-              <p:cNvSpPr txBox="1">
-                <a:spLocks noRot="1" noChangeAspect="1" noMove="1" noResize="1" noEditPoints="1" noAdjustHandles="1" noChangeArrowheads="1" noChangeShapeType="1" noTextEdit="1"/>
-              </p:cNvSpPr>
-              <p:nvPr/>
-            </p:nvSpPr>
-            <p:spPr>
-              <a:xfrm>
-                <a:off x="1152243" y="3229114"/>
-                <a:ext cx="9887511" cy="830997"/>
-              </a:xfrm>
-              <a:prstGeom prst="rect">
-                <a:avLst/>
-              </a:prstGeom>
-              <a:blipFill>
-                <a:blip r:embed="rId6"/>
-                <a:stretch>
-                  <a:fillRect t="-735" r="-62" b="-5147"/>
-                </a:stretch>
-              </a:blipFill>
-            </p:spPr>
-            <p:txBody>
-              <a:bodyPr/>
-              <a:lstStyle/>
-              <a:p>
-                <a:r>
-                  <a:rPr lang="it-IT">
-                    <a:noFill/>
-                  </a:rPr>
-                  <a:t> </a:t>
-                </a:r>
-              </a:p>
-            </p:txBody>
-          </p:sp>
-        </mc:Fallback>
-      </mc:AlternateContent>
-      <mc:AlternateContent xmlns:mc="http://schemas.openxmlformats.org/markup-compatibility/2006" xmlns:a14="http://schemas.microsoft.com/office/drawing/2010/main">
-        <mc:Choice Requires="a14">
+      <mc:AlternateContent xmlns:mc="http://schemas.openxmlformats.org/markup-compatibility/2006">
+        <mc:Choice xmlns:a14="http://schemas.microsoft.com/office/drawing/2010/main" Requires="a14">
           <p:sp>
             <p:nvSpPr>
               <p:cNvPr id="9" name="CasellaDiTesto 8">
@@ -28867,7 +28185,7 @@
             </p:nvSpPr>
             <p:spPr>
               <a:xfrm>
-                <a:off x="2271931" y="4166355"/>
+                <a:off x="2271934" y="3709891"/>
                 <a:ext cx="7648133" cy="344133"/>
               </a:xfrm>
               <a:prstGeom prst="rect">
@@ -29002,7 +28320,7 @@
             </p:txBody>
           </p:sp>
         </mc:Choice>
-        <mc:Fallback xmlns="">
+        <mc:Fallback>
           <p:sp>
             <p:nvSpPr>
               <p:cNvPr id="9" name="CasellaDiTesto 8">
@@ -29019,7 +28337,7 @@
             </p:nvSpPr>
             <p:spPr>
               <a:xfrm>
-                <a:off x="2271931" y="4166355"/>
+                <a:off x="2271934" y="3709891"/>
                 <a:ext cx="7648133" cy="344133"/>
               </a:xfrm>
               <a:prstGeom prst="rect">
@@ -29047,8 +28365,8 @@
           </p:sp>
         </mc:Fallback>
       </mc:AlternateContent>
-      <mc:AlternateContent xmlns:mc="http://schemas.openxmlformats.org/markup-compatibility/2006" xmlns:a14="http://schemas.microsoft.com/office/drawing/2010/main">
-        <mc:Choice Requires="a14">
+      <mc:AlternateContent xmlns:mc="http://schemas.openxmlformats.org/markup-compatibility/2006">
+        <mc:Choice xmlns:a14="http://schemas.microsoft.com/office/drawing/2010/main" Requires="a14">
           <p:sp>
             <p:nvSpPr>
               <p:cNvPr id="11" name="CasellaDiTesto 10">
@@ -29063,8 +28381,8 @@
             </p:nvSpPr>
             <p:spPr>
               <a:xfrm>
-                <a:off x="1152243" y="4616732"/>
-                <a:ext cx="9887511" cy="907621"/>
+                <a:off x="2162458" y="4167341"/>
+                <a:ext cx="7867085" cy="1175065"/>
               </a:xfrm>
               <a:prstGeom prst="rect">
                 <a:avLst/>
@@ -29079,7 +28397,7 @@
               <a:p>
                 <a:pPr algn="just"/>
                 <a:r>
-                  <a:rPr lang="en-US" sz="1200" spc="300" dirty="0">
+                  <a:rPr lang="en-US" sz="1300" spc="300" dirty="0">
                     <a:solidFill>
                       <a:srgbClr val="F4F3EE"/>
                     </a:solidFill>
@@ -29089,7 +28407,7 @@
                 <a14:m>
                   <m:oMath xmlns:m="http://schemas.openxmlformats.org/officeDocument/2006/math">
                     <m:r>
-                      <a:rPr lang="it-IT" sz="1200" b="0" i="1" spc="300" smtClean="0">
+                      <a:rPr lang="it-IT" sz="1300" b="0" i="1" spc="300" smtClean="0">
                         <a:solidFill>
                           <a:srgbClr val="F4F3EE"/>
                         </a:solidFill>
@@ -29100,7 +28418,7 @@
                   </m:oMath>
                 </a14:m>
                 <a:r>
-                  <a:rPr lang="en-US" sz="1200" spc="300" dirty="0">
+                  <a:rPr lang="en-US" sz="1300" spc="300" dirty="0">
                     <a:solidFill>
                       <a:srgbClr val="F4F3EE"/>
                     </a:solidFill>
@@ -29112,7 +28430,7 @@
                     <m:f>
                       <m:fPr>
                         <m:ctrlPr>
-                          <a:rPr lang="it-IT" sz="1200" b="0" i="1" spc="300" smtClean="0">
+                          <a:rPr lang="it-IT" sz="1300" b="0" i="1" spc="300" smtClean="0">
                             <a:solidFill>
                               <a:srgbClr val="F4F3EE"/>
                             </a:solidFill>
@@ -29122,7 +28440,7 @@
                       </m:fPr>
                       <m:num>
                         <m:r>
-                          <a:rPr lang="it-IT" sz="1200" b="0" i="1" spc="300" smtClean="0">
+                          <a:rPr lang="it-IT" sz="1300" b="0" i="1" spc="300" smtClean="0">
                             <a:solidFill>
                               <a:srgbClr val="F4F3EE"/>
                             </a:solidFill>
@@ -29133,7 +28451,7 @@
                       </m:num>
                       <m:den>
                         <m:r>
-                          <a:rPr lang="it-IT" sz="1200" b="0" i="1" spc="300" smtClean="0">
+                          <a:rPr lang="it-IT" sz="1300" b="0" i="1" spc="300" smtClean="0">
                             <a:solidFill>
                               <a:srgbClr val="F4F3EE"/>
                             </a:solidFill>
@@ -29146,18 +28464,34 @@
                   </m:oMath>
                 </a14:m>
                 <a:r>
-                  <a:rPr lang="en-US" sz="1200" spc="300" dirty="0">
+                  <a:rPr lang="en-US" sz="1300" spc="300" dirty="0">
                     <a:solidFill>
                       <a:srgbClr val="F4F3EE"/>
                     </a:solidFill>
                   </a:rPr>
-                  <a:t> GIVES THE TOTAL PROBABILITY OF KEY ERRORS.</a:t>
+                  <a:t> GIVES THE </a:t>
+                </a:r>
+                <a:r>
+                  <a:rPr lang="en-US" sz="1300" spc="300" dirty="0">
+                    <a:solidFill>
+                      <a:srgbClr val="E0AFA0"/>
+                    </a:solidFill>
+                  </a:rPr>
+                  <a:t>TOTAL PROBABILITY OF KEY ERRORS</a:t>
+                </a:r>
+                <a:r>
+                  <a:rPr lang="en-US" sz="1300" spc="300" dirty="0">
+                    <a:solidFill>
+                      <a:srgbClr val="F4F3EE"/>
+                    </a:solidFill>
+                  </a:rPr>
+                  <a:t>.</a:t>
                 </a:r>
               </a:p>
             </p:txBody>
           </p:sp>
         </mc:Choice>
-        <mc:Fallback xmlns="">
+        <mc:Fallback>
           <p:sp>
             <p:nvSpPr>
               <p:cNvPr id="11" name="CasellaDiTesto 10">
@@ -29174,8 +28508,8 @@
             </p:nvSpPr>
             <p:spPr>
               <a:xfrm>
-                <a:off x="1152243" y="4616732"/>
-                <a:ext cx="9887511" cy="907621"/>
+                <a:off x="2162458" y="4167341"/>
+                <a:ext cx="7867085" cy="1175065"/>
               </a:xfrm>
               <a:prstGeom prst="rect">
                 <a:avLst/>
@@ -29183,7 +28517,7 @@
               <a:blipFill>
                 <a:blip r:embed="rId8"/>
                 <a:stretch>
-                  <a:fillRect r="-62" b="-4027"/>
+                  <a:fillRect l="-155" r="-78" b="-4167"/>
                 </a:stretch>
               </a:blipFill>
             </p:spPr>
@@ -29202,251 +28536,382 @@
           </p:sp>
         </mc:Fallback>
       </mc:AlternateContent>
-      <mc:AlternateContent xmlns:mc="http://schemas.openxmlformats.org/markup-compatibility/2006" xmlns:a14="http://schemas.microsoft.com/office/drawing/2010/main">
-        <mc:Choice Requires="a14">
-          <p:sp>
-            <p:nvSpPr>
-              <p:cNvPr id="19" name="CasellaDiTesto 18">
-                <a:extLst>
-                  <a:ext uri="{FF2B5EF4-FFF2-40B4-BE49-F238E27FC236}">
-                    <a16:creationId xmlns:a16="http://schemas.microsoft.com/office/drawing/2014/main" id="{83E53292-2D82-AB99-5D7B-41ACF7F22C53}"/>
-                  </a:ext>
-                </a:extLst>
-              </p:cNvPr>
-              <p:cNvSpPr txBox="1"/>
-              <p:nvPr/>
-            </p:nvSpPr>
-            <p:spPr>
-              <a:xfrm>
-                <a:off x="2142682" y="5524353"/>
-                <a:ext cx="7648133" cy="439992"/>
-              </a:xfrm>
-              <a:prstGeom prst="rect">
-                <a:avLst/>
-              </a:prstGeom>
-              <a:noFill/>
-            </p:spPr>
-            <p:txBody>
-              <a:bodyPr wrap="square" rtlCol="0">
-                <a:spAutoFit/>
-              </a:bodyPr>
-              <a:lstStyle/>
-              <a:p>
-                <a:pPr algn="ctr"/>
-                <a14:m>
-                  <m:oMath xmlns:m="http://schemas.openxmlformats.org/officeDocument/2006/math">
-                    <m:r>
-                      <a:rPr lang="it-IT" sz="1600" b="0" i="1" smtClean="0">
-                        <a:solidFill>
-                          <a:srgbClr val="F4F3EE"/>
-                        </a:solidFill>
-                        <a:latin typeface="Cambria Math" panose="02040503050406030204" pitchFamily="18" charset="0"/>
-                        <a:ea typeface="Cambria Math" panose="02040503050406030204" pitchFamily="18" charset="0"/>
-                      </a:rPr>
-                      <m:t>0.251⋅</m:t>
-                    </m:r>
-                    <m:f>
-                      <m:fPr>
-                        <m:ctrlPr>
-                          <a:rPr lang="it-IT" sz="1600" i="1" smtClean="0">
-                            <a:solidFill>
-                              <a:srgbClr val="F4F3EE"/>
-                            </a:solidFill>
-                            <a:latin typeface="Cambria Math" panose="02040503050406030204" pitchFamily="18" charset="0"/>
-                            <a:ea typeface="Cambria Math" panose="02040503050406030204" pitchFamily="18" charset="0"/>
-                          </a:rPr>
-                        </m:ctrlPr>
-                      </m:fPr>
-                      <m:num>
-                        <m:r>
-                          <a:rPr lang="it-IT" sz="1600" b="0" i="1" smtClean="0">
-                            <a:solidFill>
-                              <a:srgbClr val="F4F3EE"/>
-                            </a:solidFill>
-                            <a:latin typeface="Cambria Math" panose="02040503050406030204" pitchFamily="18" charset="0"/>
-                            <a:ea typeface="Cambria Math" panose="02040503050406030204" pitchFamily="18" charset="0"/>
-                          </a:rPr>
-                          <m:t>1</m:t>
-                        </m:r>
-                      </m:num>
-                      <m:den>
-                        <m:r>
-                          <a:rPr lang="it-IT" sz="1600" b="0" i="1" smtClean="0">
-                            <a:solidFill>
-                              <a:srgbClr val="F4F3EE"/>
-                            </a:solidFill>
-                            <a:latin typeface="Cambria Math" panose="02040503050406030204" pitchFamily="18" charset="0"/>
-                            <a:ea typeface="Cambria Math" panose="02040503050406030204" pitchFamily="18" charset="0"/>
-                          </a:rPr>
-                          <m:t>2</m:t>
-                        </m:r>
-                      </m:den>
-                    </m:f>
-                    <m:r>
-                      <a:rPr lang="it-IT" sz="1600" b="0" i="1" smtClean="0">
-                        <a:solidFill>
-                          <a:srgbClr val="F4F3EE"/>
-                        </a:solidFill>
-                        <a:latin typeface="Cambria Math" panose="02040503050406030204" pitchFamily="18" charset="0"/>
-                        <a:ea typeface="Cambria Math" panose="02040503050406030204" pitchFamily="18" charset="0"/>
-                      </a:rPr>
-                      <m:t> =0.125 </m:t>
-                    </m:r>
-                  </m:oMath>
-                </a14:m>
-                <a:r>
-                  <a:rPr lang="en-US" sz="1600" dirty="0">
-                    <a:solidFill>
-                      <a:srgbClr val="F4F3EE"/>
-                    </a:solidFill>
-                  </a:rPr>
-                  <a:t> </a:t>
-                </a:r>
-              </a:p>
-            </p:txBody>
-          </p:sp>
-        </mc:Choice>
-        <mc:Fallback xmlns="">
-          <p:sp>
-            <p:nvSpPr>
-              <p:cNvPr id="19" name="CasellaDiTesto 18">
-                <a:extLst>
-                  <a:ext uri="{FF2B5EF4-FFF2-40B4-BE49-F238E27FC236}">
-                    <a16:creationId xmlns:a16="http://schemas.microsoft.com/office/drawing/2014/main" id="{83E53292-2D82-AB99-5D7B-41ACF7F22C53}"/>
-                  </a:ext>
-                </a:extLst>
-              </p:cNvPr>
-              <p:cNvSpPr txBox="1">
-                <a:spLocks noRot="1" noChangeAspect="1" noMove="1" noResize="1" noEditPoints="1" noAdjustHandles="1" noChangeArrowheads="1" noChangeShapeType="1" noTextEdit="1"/>
-              </p:cNvSpPr>
-              <p:nvPr/>
-            </p:nvSpPr>
-            <p:spPr>
-              <a:xfrm>
-                <a:off x="2142682" y="5524353"/>
-                <a:ext cx="7648133" cy="439992"/>
-              </a:xfrm>
-              <a:prstGeom prst="rect">
-                <a:avLst/>
-              </a:prstGeom>
-              <a:blipFill>
-                <a:blip r:embed="rId9"/>
-                <a:stretch>
-                  <a:fillRect b="-1389"/>
-                </a:stretch>
-              </a:blipFill>
-            </p:spPr>
-            <p:txBody>
-              <a:bodyPr/>
-              <a:lstStyle/>
-              <a:p>
-                <a:r>
-                  <a:rPr lang="it-IT">
-                    <a:noFill/>
-                  </a:rPr>
-                  <a:t> </a:t>
-                </a:r>
-              </a:p>
-            </p:txBody>
-          </p:sp>
-        </mc:Fallback>
-      </mc:AlternateContent>
-      <p:sp>
-        <p:nvSpPr>
-          <p:cNvPr id="20" name="CasellaDiTesto 19">
+      <p:grpSp>
+        <p:nvGrpSpPr>
+          <p:cNvPr id="14" name="Gruppo 13">
             <a:extLst>
               <a:ext uri="{FF2B5EF4-FFF2-40B4-BE49-F238E27FC236}">
-                <a16:creationId xmlns:a16="http://schemas.microsoft.com/office/drawing/2014/main" id="{58297BF3-1269-5A62-F41E-4BD6F4AAFAED}"/>
+                <a16:creationId xmlns:a16="http://schemas.microsoft.com/office/drawing/2014/main" id="{D851DAF7-3033-3797-6F64-42C1E688BA98}"/>
               </a:ext>
             </a:extLst>
           </p:cNvPr>
-          <p:cNvSpPr txBox="1"/>
+          <p:cNvGrpSpPr/>
           <p:nvPr/>
-        </p:nvSpPr>
-        <p:spPr>
+        </p:nvGrpSpPr>
+        <p:grpSpPr>
           <a:xfrm>
-            <a:off x="1152243" y="5950379"/>
-            <a:ext cx="9887511" cy="276999"/>
+            <a:off x="2271934" y="5455725"/>
+            <a:ext cx="7648133" cy="468223"/>
+            <a:chOff x="2248931" y="5067440"/>
+            <a:chExt cx="7648133" cy="468223"/>
           </a:xfrm>
-          <a:prstGeom prst="rect">
-            <a:avLst/>
-          </a:prstGeom>
-          <a:noFill/>
-        </p:spPr>
-        <p:txBody>
-          <a:bodyPr wrap="square" rtlCol="0">
-            <a:spAutoFit/>
-          </a:bodyPr>
-          <a:lstStyle/>
-          <a:p>
-            <a:pPr algn="just"/>
-            <a:r>
-              <a:rPr lang="en-US" sz="1200" spc="300" dirty="0">
-                <a:solidFill>
-                  <a:srgbClr val="F4F3EE"/>
-                </a:solidFill>
-              </a:rPr>
-              <a:t>IN THE MISMATCH RATIO PLOT, THE CONFIDENCE INTERVAL SHOULD ENCOMPASS THIS VALUE.</a:t>
-            </a:r>
-          </a:p>
-        </p:txBody>
-      </p:sp>
-      <p:sp>
-        <p:nvSpPr>
-          <p:cNvPr id="21" name="CasellaDiTesto 20">
+        </p:grpSpPr>
+        <mc:AlternateContent xmlns:mc="http://schemas.openxmlformats.org/markup-compatibility/2006">
+          <mc:Choice xmlns:a14="http://schemas.microsoft.com/office/drawing/2010/main" Requires="a14">
+            <p:sp>
+              <p:nvSpPr>
+                <p:cNvPr id="19" name="CasellaDiTesto 18">
+                  <a:extLst>
+                    <a:ext uri="{FF2B5EF4-FFF2-40B4-BE49-F238E27FC236}">
+                      <a16:creationId xmlns:a16="http://schemas.microsoft.com/office/drawing/2014/main" id="{83E53292-2D82-AB99-5D7B-41ACF7F22C53}"/>
+                    </a:ext>
+                  </a:extLst>
+                </p:cNvPr>
+                <p:cNvSpPr txBox="1"/>
+                <p:nvPr/>
+              </p:nvSpPr>
+              <p:spPr>
+                <a:xfrm>
+                  <a:off x="2248931" y="5067440"/>
+                  <a:ext cx="7648133" cy="439992"/>
+                </a:xfrm>
+                <a:prstGeom prst="rect">
+                  <a:avLst/>
+                </a:prstGeom>
+                <a:noFill/>
+              </p:spPr>
+              <p:txBody>
+                <a:bodyPr wrap="square" rtlCol="0">
+                  <a:spAutoFit/>
+                </a:bodyPr>
+                <a:lstStyle/>
+                <a:p>
+                  <a:pPr algn="ctr"/>
+                  <a14:m>
+                    <m:oMath xmlns:m="http://schemas.openxmlformats.org/officeDocument/2006/math">
+                      <m:r>
+                        <a:rPr lang="it-IT" sz="1600" b="0" i="1" smtClean="0">
+                          <a:solidFill>
+                            <a:srgbClr val="F4F3EE"/>
+                          </a:solidFill>
+                          <a:latin typeface="Cambria Math" panose="02040503050406030204" pitchFamily="18" charset="0"/>
+                          <a:ea typeface="Cambria Math" panose="02040503050406030204" pitchFamily="18" charset="0"/>
+                        </a:rPr>
+                        <m:t>0.251⋅</m:t>
+                      </m:r>
+                      <m:f>
+                        <m:fPr>
+                          <m:ctrlPr>
+                            <a:rPr lang="it-IT" sz="1600" i="1" smtClean="0">
+                              <a:solidFill>
+                                <a:srgbClr val="F4F3EE"/>
+                              </a:solidFill>
+                              <a:latin typeface="Cambria Math" panose="02040503050406030204" pitchFamily="18" charset="0"/>
+                              <a:ea typeface="Cambria Math" panose="02040503050406030204" pitchFamily="18" charset="0"/>
+                            </a:rPr>
+                          </m:ctrlPr>
+                        </m:fPr>
+                        <m:num>
+                          <m:r>
+                            <a:rPr lang="it-IT" sz="1600" b="0" i="1" smtClean="0">
+                              <a:solidFill>
+                                <a:srgbClr val="F4F3EE"/>
+                              </a:solidFill>
+                              <a:latin typeface="Cambria Math" panose="02040503050406030204" pitchFamily="18" charset="0"/>
+                              <a:ea typeface="Cambria Math" panose="02040503050406030204" pitchFamily="18" charset="0"/>
+                            </a:rPr>
+                            <m:t>1</m:t>
+                          </m:r>
+                        </m:num>
+                        <m:den>
+                          <m:r>
+                            <a:rPr lang="it-IT" sz="1600" b="0" i="1" smtClean="0">
+                              <a:solidFill>
+                                <a:srgbClr val="F4F3EE"/>
+                              </a:solidFill>
+                              <a:latin typeface="Cambria Math" panose="02040503050406030204" pitchFamily="18" charset="0"/>
+                              <a:ea typeface="Cambria Math" panose="02040503050406030204" pitchFamily="18" charset="0"/>
+                            </a:rPr>
+                            <m:t>2</m:t>
+                          </m:r>
+                        </m:den>
+                      </m:f>
+                      <m:r>
+                        <a:rPr lang="it-IT" sz="1600" b="0" i="1" smtClean="0">
+                          <a:solidFill>
+                            <a:srgbClr val="F4F3EE"/>
+                          </a:solidFill>
+                          <a:latin typeface="Cambria Math" panose="02040503050406030204" pitchFamily="18" charset="0"/>
+                          <a:ea typeface="Cambria Math" panose="02040503050406030204" pitchFamily="18" charset="0"/>
+                        </a:rPr>
+                        <m:t> = 0.125 </m:t>
+                      </m:r>
+                    </m:oMath>
+                  </a14:m>
+                  <a:r>
+                    <a:rPr lang="en-US" sz="1600" dirty="0">
+                      <a:solidFill>
+                        <a:srgbClr val="F4F3EE"/>
+                      </a:solidFill>
+                    </a:rPr>
+                    <a:t> </a:t>
+                  </a:r>
+                </a:p>
+              </p:txBody>
+            </p:sp>
+          </mc:Choice>
+          <mc:Fallback>
+            <p:sp>
+              <p:nvSpPr>
+                <p:cNvPr id="19" name="CasellaDiTesto 18">
+                  <a:extLst>
+                    <a:ext uri="{FF2B5EF4-FFF2-40B4-BE49-F238E27FC236}">
+                      <a16:creationId xmlns:a16="http://schemas.microsoft.com/office/drawing/2014/main" id="{83E53292-2D82-AB99-5D7B-41ACF7F22C53}"/>
+                    </a:ext>
+                  </a:extLst>
+                </p:cNvPr>
+                <p:cNvSpPr txBox="1">
+                  <a:spLocks noRot="1" noChangeAspect="1" noMove="1" noResize="1" noEditPoints="1" noAdjustHandles="1" noChangeArrowheads="1" noChangeShapeType="1" noTextEdit="1"/>
+                </p:cNvSpPr>
+                <p:nvPr/>
+              </p:nvSpPr>
+              <p:spPr>
+                <a:xfrm>
+                  <a:off x="2248931" y="5067440"/>
+                  <a:ext cx="7648133" cy="439992"/>
+                </a:xfrm>
+                <a:prstGeom prst="rect">
+                  <a:avLst/>
+                </a:prstGeom>
+                <a:blipFill>
+                  <a:blip r:embed="rId9"/>
+                  <a:stretch>
+                    <a:fillRect/>
+                  </a:stretch>
+                </a:blipFill>
+              </p:spPr>
+              <p:txBody>
+                <a:bodyPr/>
+                <a:lstStyle/>
+                <a:p>
+                  <a:r>
+                    <a:rPr lang="it-IT">
+                      <a:noFill/>
+                    </a:rPr>
+                    <a:t> </a:t>
+                  </a:r>
+                </a:p>
+              </p:txBody>
+            </p:sp>
+          </mc:Fallback>
+        </mc:AlternateContent>
+        <p:sp>
+          <p:nvSpPr>
+            <p:cNvPr id="7" name="Parentesi graffa chiusa 6">
+              <a:extLst>
+                <a:ext uri="{FF2B5EF4-FFF2-40B4-BE49-F238E27FC236}">
+                  <a16:creationId xmlns:a16="http://schemas.microsoft.com/office/drawing/2014/main" id="{100438BA-C9F1-C63F-7E9F-896B0BC8B239}"/>
+                </a:ext>
+              </a:extLst>
+            </p:cNvPr>
+            <p:cNvSpPr/>
+            <p:nvPr/>
+          </p:nvSpPr>
+          <p:spPr>
+            <a:xfrm rot="16200000" flipH="1">
+              <a:off x="6502831" y="5161443"/>
+              <a:ext cx="171055" cy="577386"/>
+            </a:xfrm>
+            <a:prstGeom prst="rightBrace">
+              <a:avLst>
+                <a:gd name="adj1" fmla="val 0"/>
+                <a:gd name="adj2" fmla="val 50000"/>
+              </a:avLst>
+            </a:prstGeom>
+            <a:ln w="22225" cap="rnd">
+              <a:solidFill>
+                <a:srgbClr val="E0AFA0"/>
+              </a:solidFill>
+              <a:bevel/>
+            </a:ln>
+          </p:spPr>
+          <p:style>
+            <a:lnRef idx="2">
+              <a:schemeClr val="accent1"/>
+            </a:lnRef>
+            <a:fillRef idx="0">
+              <a:schemeClr val="accent1"/>
+            </a:fillRef>
+            <a:effectRef idx="1">
+              <a:schemeClr val="accent1"/>
+            </a:effectRef>
+            <a:fontRef idx="minor">
+              <a:schemeClr val="tx1"/>
+            </a:fontRef>
+          </p:style>
+          <p:txBody>
+            <a:bodyPr rtlCol="0" anchor="ctr"/>
+            <a:lstStyle/>
+            <a:p>
+              <a:pPr algn="ctr"/>
+              <a:endParaRPr lang="it-IT" dirty="0"/>
+            </a:p>
+          </p:txBody>
+        </p:sp>
+      </p:grpSp>
+      <p:cxnSp>
+        <p:nvCxnSpPr>
+          <p:cNvPr id="10" name="Connettore a gomito 78">
             <a:extLst>
               <a:ext uri="{FF2B5EF4-FFF2-40B4-BE49-F238E27FC236}">
-                <a16:creationId xmlns:a16="http://schemas.microsoft.com/office/drawing/2014/main" id="{777D83AD-4BE3-C0B4-3209-1ABC516EF852}"/>
+                <a16:creationId xmlns:a16="http://schemas.microsoft.com/office/drawing/2014/main" id="{9B8C581D-5D9C-D19C-458C-5C70919248A1}"/>
               </a:ext>
             </a:extLst>
           </p:cNvPr>
-          <p:cNvSpPr txBox="1"/>
+          <p:cNvCxnSpPr>
+            <a:cxnSpLocks/>
+            <a:stCxn id="7" idx="1"/>
+          </p:cNvCxnSpPr>
           <p:nvPr/>
-        </p:nvSpPr>
+        </p:nvCxnSpPr>
         <p:spPr>
+          <a:xfrm rot="5400000" flipH="1" flipV="1">
+            <a:off x="7624311" y="4662774"/>
+            <a:ext cx="248227" cy="2274125"/>
+          </a:xfrm>
+          <a:prstGeom prst="bentConnector4">
+            <a:avLst>
+              <a:gd name="adj1" fmla="val -81259"/>
+              <a:gd name="adj2" fmla="val 56216"/>
+            </a:avLst>
+          </a:prstGeom>
+          <a:ln w="22225" cap="rnd">
+            <a:solidFill>
+              <a:srgbClr val="E0AFA0"/>
+            </a:solidFill>
+            <a:bevel/>
+            <a:tailEnd type="arrow"/>
+          </a:ln>
+        </p:spPr>
+        <p:style>
+          <a:lnRef idx="2">
+            <a:schemeClr val="accent1"/>
+          </a:lnRef>
+          <a:fillRef idx="0">
+            <a:schemeClr val="accent1"/>
+          </a:fillRef>
+          <a:effectRef idx="1">
+            <a:schemeClr val="accent1"/>
+          </a:effectRef>
+          <a:fontRef idx="minor">
+            <a:schemeClr val="tx1"/>
+          </a:fontRef>
+        </p:style>
+      </p:cxnSp>
+      <p:grpSp>
+        <p:nvGrpSpPr>
+          <p:cNvPr id="38" name="Gruppo 37">
+            <a:extLst>
+              <a:ext uri="{FF2B5EF4-FFF2-40B4-BE49-F238E27FC236}">
+                <a16:creationId xmlns:a16="http://schemas.microsoft.com/office/drawing/2014/main" id="{FDF6FFE3-B0B5-3526-CBA3-3C2946F10DB9}"/>
+              </a:ext>
+            </a:extLst>
+          </p:cNvPr>
+          <p:cNvGrpSpPr/>
+          <p:nvPr/>
+        </p:nvGrpSpPr>
+        <p:grpSpPr>
           <a:xfrm>
-            <a:off x="766848" y="6352588"/>
-            <a:ext cx="10658304" cy="292388"/>
+            <a:off x="8885485" y="5291000"/>
+            <a:ext cx="2633418" cy="769441"/>
+            <a:chOff x="8891833" y="5386323"/>
+            <a:chExt cx="2633418" cy="769441"/>
           </a:xfrm>
-          <a:prstGeom prst="rect">
-            <a:avLst/>
-          </a:prstGeom>
-          <a:noFill/>
-        </p:spPr>
-        <p:txBody>
-          <a:bodyPr wrap="square" rtlCol="0">
-            <a:spAutoFit/>
-          </a:bodyPr>
-          <a:lstStyle/>
-          <a:p>
-            <a:pPr algn="ctr"/>
-            <a:r>
-              <a:rPr lang="en-US" sz="1300" noProof="0" dirty="0">
-                <a:solidFill>
-                  <a:srgbClr val="BCB8B1"/>
-                </a:solidFill>
-              </a:rPr>
-              <a:t>Results are</a:t>
-            </a:r>
-            <a:r>
-              <a:rPr lang="en-US" sz="1300" b="1" noProof="0" dirty="0">
-                <a:solidFill>
-                  <a:srgbClr val="BCB8B1"/>
-                </a:solidFill>
-              </a:rPr>
-              <a:t> rounded to three decimal places</a:t>
-            </a:r>
-            <a:r>
-              <a:rPr lang="en-US" sz="1300" noProof="0" dirty="0">
-                <a:solidFill>
-                  <a:srgbClr val="BCB8B1"/>
-                </a:solidFill>
-              </a:rPr>
-              <a:t> in the slides for presentation purposes. In Python, more decimals are considered for higher accuracy.</a:t>
-            </a:r>
-          </a:p>
-        </p:txBody>
-      </p:sp>
+        </p:grpSpPr>
+        <p:sp>
+          <p:nvSpPr>
+            <p:cNvPr id="20" name="CasellaDiTesto 19">
+              <a:extLst>
+                <a:ext uri="{FF2B5EF4-FFF2-40B4-BE49-F238E27FC236}">
+                  <a16:creationId xmlns:a16="http://schemas.microsoft.com/office/drawing/2014/main" id="{58297BF3-1269-5A62-F41E-4BD6F4AAFAED}"/>
+                </a:ext>
+              </a:extLst>
+            </p:cNvPr>
+            <p:cNvSpPr txBox="1"/>
+            <p:nvPr/>
+          </p:nvSpPr>
+          <p:spPr>
+            <a:xfrm>
+              <a:off x="8923105" y="5386323"/>
+              <a:ext cx="2602146" cy="769441"/>
+            </a:xfrm>
+            <a:prstGeom prst="rect">
+              <a:avLst/>
+            </a:prstGeom>
+            <a:noFill/>
+          </p:spPr>
+          <p:txBody>
+            <a:bodyPr wrap="square" rtlCol="0">
+              <a:spAutoFit/>
+            </a:bodyPr>
+            <a:lstStyle/>
+            <a:p>
+              <a:r>
+                <a:rPr lang="en-US" sz="1100" spc="300" dirty="0">
+                  <a:solidFill>
+                    <a:srgbClr val="F4F3EE"/>
+                  </a:solidFill>
+                </a:rPr>
+                <a:t>IN THE MISMATCH RATIO PLOT, THE CONFIDENCE INTERVAL SHOULD ENCOMPASS THIS VALUE</a:t>
+              </a:r>
+            </a:p>
+          </p:txBody>
+        </p:sp>
+        <p:cxnSp>
+          <p:nvCxnSpPr>
+            <p:cNvPr id="28" name="Connettore diritto 27">
+              <a:extLst>
+                <a:ext uri="{FF2B5EF4-FFF2-40B4-BE49-F238E27FC236}">
+                  <a16:creationId xmlns:a16="http://schemas.microsoft.com/office/drawing/2014/main" id="{7CF59F13-70FB-8987-6B8B-BDA32A358AD7}"/>
+                </a:ext>
+              </a:extLst>
+            </p:cNvPr>
+            <p:cNvCxnSpPr>
+              <a:cxnSpLocks/>
+            </p:cNvCxnSpPr>
+            <p:nvPr/>
+          </p:nvCxnSpPr>
+          <p:spPr>
+            <a:xfrm flipV="1">
+              <a:off x="8891833" y="5430321"/>
+              <a:ext cx="0" cy="681444"/>
+            </a:xfrm>
+            <a:prstGeom prst="line">
+              <a:avLst/>
+            </a:prstGeom>
+            <a:ln w="22225" cap="rnd">
+              <a:solidFill>
+                <a:srgbClr val="E0AFA0"/>
+              </a:solidFill>
+              <a:prstDash val="solid"/>
+            </a:ln>
+          </p:spPr>
+          <p:style>
+            <a:lnRef idx="2">
+              <a:schemeClr val="accent1"/>
+            </a:lnRef>
+            <a:fillRef idx="0">
+              <a:schemeClr val="accent1"/>
+            </a:fillRef>
+            <a:effectRef idx="1">
+              <a:schemeClr val="accent1"/>
+            </a:effectRef>
+            <a:fontRef idx="minor">
+              <a:schemeClr val="tx1"/>
+            </a:fontRef>
+          </p:style>
+        </p:cxnSp>
+      </p:grpSp>
     </p:spTree>
     <p:extLst>
       <p:ext uri="{BB962C8B-B14F-4D97-AF65-F5344CB8AC3E}">
@@ -29460,7 +28925,7 @@
 </p:sld>
 </file>
 
-<file path=ppt/slides/slide31.xml><?xml version="1.0" encoding="utf-8"?>
+<file path=ppt/slides/slide28.xml><?xml version="1.0" encoding="utf-8"?>
 <p:sld xmlns:a="http://schemas.openxmlformats.org/drawingml/2006/main" xmlns:r="http://schemas.openxmlformats.org/officeDocument/2006/relationships" xmlns:p="http://schemas.openxmlformats.org/presentationml/2006/main">
   <p:cSld>
     <p:bg>
@@ -30330,7 +29795,7 @@
 </p:sld>
 </file>
 
-<file path=ppt/slides/slide32.xml><?xml version="1.0" encoding="utf-8"?>
+<file path=ppt/slides/slide29.xml><?xml version="1.0" encoding="utf-8"?>
 <p:sld xmlns:a="http://schemas.openxmlformats.org/drawingml/2006/main" xmlns:r="http://schemas.openxmlformats.org/officeDocument/2006/relationships" xmlns:p="http://schemas.openxmlformats.org/presentationml/2006/main">
   <p:cSld>
     <p:bg>
@@ -31211,7 +30676,450 @@
 </p:sld>
 </file>
 
-<file path=ppt/slides/slide33.xml><?xml version="1.0" encoding="utf-8"?>
+<file path=ppt/slides/slide3.xml><?xml version="1.0" encoding="utf-8"?>
+<p:sld xmlns:a="http://schemas.openxmlformats.org/drawingml/2006/main" xmlns:r="http://schemas.openxmlformats.org/officeDocument/2006/relationships" xmlns:p="http://schemas.openxmlformats.org/presentationml/2006/main">
+  <p:cSld>
+    <p:bg>
+      <p:bgPr>
+        <a:solidFill>
+          <a:srgbClr val="463F3A"/>
+        </a:solidFill>
+        <a:effectLst/>
+      </p:bgPr>
+    </p:bg>
+    <p:spTree>
+      <p:nvGrpSpPr>
+        <p:cNvPr id="1" name="">
+          <a:extLst>
+            <a:ext uri="{FF2B5EF4-FFF2-40B4-BE49-F238E27FC236}">
+              <a16:creationId xmlns:a16="http://schemas.microsoft.com/office/drawing/2014/main" id="{759E51ED-C663-11BD-988A-CED073CBA5CD}"/>
+            </a:ext>
+          </a:extLst>
+        </p:cNvPr>
+        <p:cNvGrpSpPr/>
+        <p:nvPr/>
+      </p:nvGrpSpPr>
+      <p:grpSpPr>
+        <a:xfrm>
+          <a:off x="0" y="0"/>
+          <a:ext cx="0" cy="0"/>
+          <a:chOff x="0" y="0"/>
+          <a:chExt cx="0" cy="0"/>
+        </a:xfrm>
+      </p:grpSpPr>
+      <p:grpSp>
+        <p:nvGrpSpPr>
+          <p:cNvPr id="27" name="Gruppo 26">
+            <a:extLst>
+              <a:ext uri="{FF2B5EF4-FFF2-40B4-BE49-F238E27FC236}">
+                <a16:creationId xmlns:a16="http://schemas.microsoft.com/office/drawing/2014/main" id="{C46141C6-6F8C-0815-6581-D76DF2B638AC}"/>
+              </a:ext>
+            </a:extLst>
+          </p:cNvPr>
+          <p:cNvGrpSpPr/>
+          <p:nvPr/>
+        </p:nvGrpSpPr>
+        <p:grpSpPr>
+          <a:xfrm>
+            <a:off x="1320989" y="1514052"/>
+            <a:ext cx="3027627" cy="3829896"/>
+            <a:chOff x="1587020" y="1061043"/>
+            <a:chExt cx="3027627" cy="3829896"/>
+          </a:xfrm>
+        </p:grpSpPr>
+        <p:sp>
+          <p:nvSpPr>
+            <p:cNvPr id="2" name="CasellaDiTesto 1">
+              <a:extLst>
+                <a:ext uri="{FF2B5EF4-FFF2-40B4-BE49-F238E27FC236}">
+                  <a16:creationId xmlns:a16="http://schemas.microsoft.com/office/drawing/2014/main" id="{B27C93F9-F146-EDED-F1C8-E43D40BB8B38}"/>
+                </a:ext>
+              </a:extLst>
+            </p:cNvPr>
+            <p:cNvSpPr txBox="1"/>
+            <p:nvPr/>
+          </p:nvSpPr>
+          <p:spPr>
+            <a:xfrm>
+              <a:off x="1587020" y="3936832"/>
+              <a:ext cx="3027627" cy="954107"/>
+            </a:xfrm>
+            <a:prstGeom prst="rect">
+              <a:avLst/>
+            </a:prstGeom>
+            <a:noFill/>
+          </p:spPr>
+          <p:txBody>
+            <a:bodyPr wrap="square" rtlCol="0">
+              <a:spAutoFit/>
+            </a:bodyPr>
+            <a:lstStyle/>
+            <a:p>
+              <a:pPr algn="ctr"/>
+              <a:r>
+                <a:rPr lang="en-US" sz="2800" b="1" spc="600" noProof="0" dirty="0">
+                  <a:solidFill>
+                    <a:srgbClr val="F4F3EE"/>
+                  </a:solidFill>
+                </a:rPr>
+                <a:t>SCENARIOS</a:t>
+              </a:r>
+              <a:endParaRPr lang="en-US" sz="2800" spc="600" noProof="0" dirty="0">
+                <a:solidFill>
+                  <a:srgbClr val="F4F3EE"/>
+                </a:solidFill>
+              </a:endParaRPr>
+            </a:p>
+            <a:p>
+              <a:pPr algn="ctr"/>
+              <a:r>
+                <a:rPr lang="en-US" sz="2800" spc="600" noProof="0" dirty="0">
+                  <a:solidFill>
+                    <a:srgbClr val="F4F3EE"/>
+                  </a:solidFill>
+                </a:rPr>
+                <a:t>TO ANALYZE</a:t>
+              </a:r>
+            </a:p>
+          </p:txBody>
+        </p:sp>
+        <p:pic>
+          <p:nvPicPr>
+            <p:cNvPr id="25" name="Immagine 24" descr="Immagine che contiene clipart, Elementi grafici, design, illustrazione&#10;&#10;Descrizione generata automaticamente">
+              <a:extLst>
+                <a:ext uri="{FF2B5EF4-FFF2-40B4-BE49-F238E27FC236}">
+                  <a16:creationId xmlns:a16="http://schemas.microsoft.com/office/drawing/2014/main" id="{8E1D53AB-AD09-71E0-0586-BC3A55093DAC}"/>
+                </a:ext>
+              </a:extLst>
+            </p:cNvPr>
+            <p:cNvPicPr>
+              <a:picLocks noChangeAspect="1"/>
+            </p:cNvPicPr>
+            <p:nvPr/>
+          </p:nvPicPr>
+          <p:blipFill>
+            <a:blip r:embed="rId2">
+              <a:extLst>
+                <a:ext uri="{28A0092B-C50C-407E-A947-70E740481C1C}">
+                  <a14:useLocalDpi xmlns:a14="http://schemas.microsoft.com/office/drawing/2010/main" val="0"/>
+                </a:ext>
+              </a:extLst>
+            </a:blip>
+            <a:stretch>
+              <a:fillRect/>
+            </a:stretch>
+          </p:blipFill>
+          <p:spPr>
+            <a:xfrm>
+              <a:off x="1713358" y="1061043"/>
+              <a:ext cx="2774950" cy="2774950"/>
+            </a:xfrm>
+            <a:prstGeom prst="rect">
+              <a:avLst/>
+            </a:prstGeom>
+          </p:spPr>
+        </p:pic>
+      </p:grpSp>
+      <p:grpSp>
+        <p:nvGrpSpPr>
+          <p:cNvPr id="26" name="Gruppo 25">
+            <a:extLst>
+              <a:ext uri="{FF2B5EF4-FFF2-40B4-BE49-F238E27FC236}">
+                <a16:creationId xmlns:a16="http://schemas.microsoft.com/office/drawing/2014/main" id="{DFFFFBB6-ED20-358D-1E94-5F54A19EE3A0}"/>
+              </a:ext>
+            </a:extLst>
+          </p:cNvPr>
+          <p:cNvGrpSpPr/>
+          <p:nvPr/>
+        </p:nvGrpSpPr>
+        <p:grpSpPr>
+          <a:xfrm>
+            <a:off x="7525885" y="1277798"/>
+            <a:ext cx="3027627" cy="4302404"/>
+            <a:chOff x="7416993" y="1204139"/>
+            <a:chExt cx="3027627" cy="4302404"/>
+          </a:xfrm>
+        </p:grpSpPr>
+        <p:sp>
+          <p:nvSpPr>
+            <p:cNvPr id="5" name="CasellaDiTesto 4">
+              <a:extLst>
+                <a:ext uri="{FF2B5EF4-FFF2-40B4-BE49-F238E27FC236}">
+                  <a16:creationId xmlns:a16="http://schemas.microsoft.com/office/drawing/2014/main" id="{E52EC5E3-53A1-7CF4-05A4-14E8A2D2028C}"/>
+                </a:ext>
+              </a:extLst>
+            </p:cNvPr>
+            <p:cNvSpPr txBox="1"/>
+            <p:nvPr/>
+          </p:nvSpPr>
+          <p:spPr>
+            <a:xfrm>
+              <a:off x="7416993" y="1204139"/>
+              <a:ext cx="2456262" cy="707886"/>
+            </a:xfrm>
+            <a:prstGeom prst="rect">
+              <a:avLst/>
+            </a:prstGeom>
+            <a:noFill/>
+          </p:spPr>
+          <p:txBody>
+            <a:bodyPr wrap="square" rtlCol="0">
+              <a:spAutoFit/>
+            </a:bodyPr>
+            <a:lstStyle/>
+            <a:p>
+              <a:r>
+                <a:rPr lang="en-US" sz="2000" b="1" spc="300" noProof="0" dirty="0">
+                  <a:solidFill>
+                    <a:srgbClr val="E0AFA0"/>
+                  </a:solidFill>
+                </a:rPr>
+                <a:t>1. </a:t>
+              </a:r>
+              <a:r>
+                <a:rPr lang="en-US" sz="2000" spc="300" noProof="0" dirty="0">
+                  <a:solidFill>
+                    <a:srgbClr val="F4F3EE"/>
+                  </a:solidFill>
+                </a:rPr>
+                <a:t>IDEAL </a:t>
+              </a:r>
+            </a:p>
+            <a:p>
+              <a:r>
+                <a:rPr lang="en-US" sz="2000" spc="300" noProof="0" dirty="0">
+                  <a:solidFill>
+                    <a:srgbClr val="F4F3EE"/>
+                  </a:solidFill>
+                </a:rPr>
+                <a:t>    CONDITIONS</a:t>
+              </a:r>
+            </a:p>
+          </p:txBody>
+        </p:sp>
+        <p:sp>
+          <p:nvSpPr>
+            <p:cNvPr id="9" name="CasellaDiTesto 8">
+              <a:extLst>
+                <a:ext uri="{FF2B5EF4-FFF2-40B4-BE49-F238E27FC236}">
+                  <a16:creationId xmlns:a16="http://schemas.microsoft.com/office/drawing/2014/main" id="{82AB8084-BD40-1F39-9B7D-771E45CFE30A}"/>
+                </a:ext>
+              </a:extLst>
+            </p:cNvPr>
+            <p:cNvSpPr txBox="1"/>
+            <p:nvPr/>
+          </p:nvSpPr>
+          <p:spPr>
+            <a:xfrm>
+              <a:off x="7416993" y="5106433"/>
+              <a:ext cx="3027627" cy="400110"/>
+            </a:xfrm>
+            <a:prstGeom prst="rect">
+              <a:avLst/>
+            </a:prstGeom>
+            <a:noFill/>
+          </p:spPr>
+          <p:txBody>
+            <a:bodyPr wrap="square" rtlCol="0">
+              <a:spAutoFit/>
+            </a:bodyPr>
+            <a:lstStyle/>
+            <a:p>
+              <a:r>
+                <a:rPr lang="en-US" sz="2000" b="1" spc="300" noProof="0" dirty="0">
+                  <a:solidFill>
+                    <a:srgbClr val="E0AFA0"/>
+                  </a:solidFill>
+                </a:rPr>
+                <a:t>3. </a:t>
+              </a:r>
+              <a:r>
+                <a:rPr lang="en-US" sz="2000" spc="300" noProof="0" dirty="0">
+                  <a:solidFill>
+                    <a:srgbClr val="F4F3EE"/>
+                  </a:solidFill>
+                </a:rPr>
+                <a:t>EAVESDROPPING</a:t>
+              </a:r>
+            </a:p>
+          </p:txBody>
+        </p:sp>
+        <p:sp>
+          <p:nvSpPr>
+            <p:cNvPr id="8" name="CasellaDiTesto 7">
+              <a:extLst>
+                <a:ext uri="{FF2B5EF4-FFF2-40B4-BE49-F238E27FC236}">
+                  <a16:creationId xmlns:a16="http://schemas.microsoft.com/office/drawing/2014/main" id="{9454552A-9B2F-21A3-FB00-867F14A11EF6}"/>
+                </a:ext>
+              </a:extLst>
+            </p:cNvPr>
+            <p:cNvSpPr txBox="1"/>
+            <p:nvPr/>
+          </p:nvSpPr>
+          <p:spPr>
+            <a:xfrm>
+              <a:off x="7416993" y="3155287"/>
+              <a:ext cx="2031860" cy="707886"/>
+            </a:xfrm>
+            <a:prstGeom prst="rect">
+              <a:avLst/>
+            </a:prstGeom>
+            <a:noFill/>
+          </p:spPr>
+          <p:txBody>
+            <a:bodyPr wrap="square" rtlCol="0">
+              <a:spAutoFit/>
+            </a:bodyPr>
+            <a:lstStyle/>
+            <a:p>
+              <a:r>
+                <a:rPr lang="en-US" sz="2000" b="1" spc="300" dirty="0">
+                  <a:solidFill>
+                    <a:srgbClr val="E0AFA0"/>
+                  </a:solidFill>
+                </a:rPr>
+                <a:t>2</a:t>
+              </a:r>
+              <a:r>
+                <a:rPr lang="en-US" sz="2000" b="1" spc="300" noProof="0" dirty="0">
+                  <a:solidFill>
+                    <a:srgbClr val="E0AFA0"/>
+                  </a:solidFill>
+                </a:rPr>
+                <a:t>. </a:t>
+              </a:r>
+              <a:r>
+                <a:rPr lang="en-US" sz="2000" spc="300" noProof="0" dirty="0">
+                  <a:solidFill>
+                    <a:srgbClr val="F4F3EE"/>
+                  </a:solidFill>
+                </a:rPr>
+                <a:t>CHANNEL </a:t>
+              </a:r>
+            </a:p>
+            <a:p>
+              <a:r>
+                <a:rPr lang="en-US" sz="2000" noProof="0" dirty="0">
+                  <a:solidFill>
+                    <a:srgbClr val="F4F3EE"/>
+                  </a:solidFill>
+                </a:rPr>
+                <a:t>       </a:t>
+              </a:r>
+              <a:r>
+                <a:rPr lang="en-US" sz="2000" spc="300" noProof="0" dirty="0">
+                  <a:solidFill>
+                    <a:srgbClr val="F4F3EE"/>
+                  </a:solidFill>
+                </a:rPr>
+                <a:t>ERRORS</a:t>
+              </a:r>
+            </a:p>
+          </p:txBody>
+        </p:sp>
+        <p:cxnSp>
+          <p:nvCxnSpPr>
+            <p:cNvPr id="6" name="Connettore diritto 5">
+              <a:extLst>
+                <a:ext uri="{FF2B5EF4-FFF2-40B4-BE49-F238E27FC236}">
+                  <a16:creationId xmlns:a16="http://schemas.microsoft.com/office/drawing/2014/main" id="{CF825F2F-D0EA-7562-922A-804DC82636AD}"/>
+                </a:ext>
+              </a:extLst>
+            </p:cNvPr>
+            <p:cNvCxnSpPr>
+              <a:cxnSpLocks/>
+            </p:cNvCxnSpPr>
+            <p:nvPr/>
+          </p:nvCxnSpPr>
+          <p:spPr>
+            <a:xfrm flipH="1">
+              <a:off x="7543331" y="4484803"/>
+              <a:ext cx="2774950" cy="0"/>
+            </a:xfrm>
+            <a:prstGeom prst="line">
+              <a:avLst/>
+            </a:prstGeom>
+            <a:ln w="38100" cap="rnd">
+              <a:solidFill>
+                <a:srgbClr val="E0AFA0"/>
+              </a:solidFill>
+              <a:prstDash val="solid"/>
+            </a:ln>
+          </p:spPr>
+          <p:style>
+            <a:lnRef idx="2">
+              <a:schemeClr val="accent1"/>
+            </a:lnRef>
+            <a:fillRef idx="0">
+              <a:schemeClr val="accent1"/>
+            </a:fillRef>
+            <a:effectRef idx="1">
+              <a:schemeClr val="accent1"/>
+            </a:effectRef>
+            <a:fontRef idx="minor">
+              <a:schemeClr val="tx1"/>
+            </a:fontRef>
+          </p:style>
+        </p:cxnSp>
+        <p:cxnSp>
+          <p:nvCxnSpPr>
+            <p:cNvPr id="22" name="Connettore diritto 21">
+              <a:extLst>
+                <a:ext uri="{FF2B5EF4-FFF2-40B4-BE49-F238E27FC236}">
+                  <a16:creationId xmlns:a16="http://schemas.microsoft.com/office/drawing/2014/main" id="{79F6D23F-5421-51AA-DC96-9E0B47F15D94}"/>
+                </a:ext>
+              </a:extLst>
+            </p:cNvPr>
+            <p:cNvCxnSpPr>
+              <a:cxnSpLocks/>
+            </p:cNvCxnSpPr>
+            <p:nvPr/>
+          </p:nvCxnSpPr>
+          <p:spPr>
+            <a:xfrm flipH="1">
+              <a:off x="7543331" y="2533656"/>
+              <a:ext cx="2774950" cy="0"/>
+            </a:xfrm>
+            <a:prstGeom prst="line">
+              <a:avLst/>
+            </a:prstGeom>
+            <a:ln w="38100" cap="rnd">
+              <a:solidFill>
+                <a:srgbClr val="E0AFA0"/>
+              </a:solidFill>
+              <a:prstDash val="solid"/>
+            </a:ln>
+          </p:spPr>
+          <p:style>
+            <a:lnRef idx="2">
+              <a:schemeClr val="accent1"/>
+            </a:lnRef>
+            <a:fillRef idx="0">
+              <a:schemeClr val="accent1"/>
+            </a:fillRef>
+            <a:effectRef idx="1">
+              <a:schemeClr val="accent1"/>
+            </a:effectRef>
+            <a:fontRef idx="minor">
+              <a:schemeClr val="tx1"/>
+            </a:fontRef>
+          </p:style>
+        </p:cxnSp>
+      </p:grpSp>
+    </p:spTree>
+    <p:extLst>
+      <p:ext uri="{BB962C8B-B14F-4D97-AF65-F5344CB8AC3E}">
+        <p14:creationId xmlns:p14="http://schemas.microsoft.com/office/powerpoint/2010/main" val="1557282645"/>
+      </p:ext>
+    </p:extLst>
+  </p:cSld>
+  <p:clrMapOvr>
+    <a:masterClrMapping/>
+  </p:clrMapOvr>
+</p:sld>
+</file>
+
+<file path=ppt/slides/slide30.xml><?xml version="1.0" encoding="utf-8"?>
 <p:sld xmlns:a="http://schemas.openxmlformats.org/drawingml/2006/main" xmlns:r="http://schemas.openxmlformats.org/officeDocument/2006/relationships" xmlns:p="http://schemas.openxmlformats.org/presentationml/2006/main">
   <p:cSld>
     <p:bg>
@@ -32734,7 +32642,7 @@
 </p:sld>
 </file>
 
-<file path=ppt/slides/slide34.xml><?xml version="1.0" encoding="utf-8"?>
+<file path=ppt/slides/slide31.xml><?xml version="1.0" encoding="utf-8"?>
 <p:sld xmlns:a="http://schemas.openxmlformats.org/drawingml/2006/main" xmlns:r="http://schemas.openxmlformats.org/officeDocument/2006/relationships" xmlns:p="http://schemas.openxmlformats.org/presentationml/2006/main">
   <p:cSld>
     <p:bg>
@@ -37248,8 +37156,8 @@
           <a:chExt cx="0" cy="0"/>
         </a:xfrm>
       </p:grpSpPr>
-      <mc:AlternateContent xmlns:mc="http://schemas.openxmlformats.org/markup-compatibility/2006" xmlns:a14="http://schemas.microsoft.com/office/drawing/2010/main">
-        <mc:Choice Requires="a14">
+      <mc:AlternateContent xmlns:mc="http://schemas.openxmlformats.org/markup-compatibility/2006">
+        <mc:Choice xmlns:a14="http://schemas.microsoft.com/office/drawing/2010/main" Requires="a14">
           <p:sp>
             <p:nvSpPr>
               <p:cNvPr id="4" name="CasellaDiTesto 3">
@@ -37721,7 +37629,7 @@
             </p:txBody>
           </p:sp>
         </mc:Choice>
-        <mc:Fallback xmlns="">
+        <mc:Fallback>
           <p:sp>
             <p:nvSpPr>
               <p:cNvPr id="4" name="CasellaDiTesto 3">
@@ -37766,8 +37674,8 @@
           </p:sp>
         </mc:Fallback>
       </mc:AlternateContent>
-      <mc:AlternateContent xmlns:mc="http://schemas.openxmlformats.org/markup-compatibility/2006" xmlns:a14="http://schemas.microsoft.com/office/drawing/2010/main">
-        <mc:Choice Requires="a14">
+      <mc:AlternateContent xmlns:mc="http://schemas.openxmlformats.org/markup-compatibility/2006">
+        <mc:Choice xmlns:a14="http://schemas.microsoft.com/office/drawing/2010/main" Requires="a14">
           <p:sp>
             <p:nvSpPr>
               <p:cNvPr id="16" name="CasellaDiTesto 15">
@@ -37782,7 +37690,7 @@
             </p:nvSpPr>
             <p:spPr>
               <a:xfrm>
-                <a:off x="3907653" y="5513245"/>
+                <a:off x="3907653" y="5226374"/>
                 <a:ext cx="4376694" cy="695062"/>
               </a:xfrm>
               <a:prstGeom prst="rect">
@@ -37885,7 +37793,7 @@
             </p:txBody>
           </p:sp>
         </mc:Choice>
-        <mc:Fallback xmlns="">
+        <mc:Fallback>
           <p:sp>
             <p:nvSpPr>
               <p:cNvPr id="16" name="CasellaDiTesto 15">
@@ -37902,7 +37810,7 @@
             </p:nvSpPr>
             <p:spPr>
               <a:xfrm>
-                <a:off x="3907653" y="5513245"/>
+                <a:off x="3907653" y="5226374"/>
                 <a:ext cx="4376694" cy="695062"/>
               </a:xfrm>
               <a:prstGeom prst="rect">
@@ -37930,8 +37838,8 @@
           </p:sp>
         </mc:Fallback>
       </mc:AlternateContent>
-      <mc:AlternateContent xmlns:mc="http://schemas.openxmlformats.org/markup-compatibility/2006" xmlns:a14="http://schemas.microsoft.com/office/drawing/2010/main">
-        <mc:Choice Requires="a14">
+      <mc:AlternateContent xmlns:mc="http://schemas.openxmlformats.org/markup-compatibility/2006">
+        <mc:Choice xmlns:a14="http://schemas.microsoft.com/office/drawing/2010/main" Requires="a14">
           <p:sp>
             <p:nvSpPr>
               <p:cNvPr id="3" name="CasellaDiTesto 2">
@@ -37946,7 +37854,7 @@
             </p:nvSpPr>
             <p:spPr>
               <a:xfrm>
-                <a:off x="1794439" y="2052560"/>
+                <a:off x="1794439" y="2014460"/>
                 <a:ext cx="8603122" cy="323165"/>
               </a:xfrm>
               <a:prstGeom prst="rect">
@@ -37972,7 +37880,7 @@
                 <a:r>
                   <a:rPr lang="en-US" sz="1500" b="1" spc="300" noProof="0" dirty="0">
                     <a:solidFill>
-                      <a:srgbClr val="F4F3EE"/>
+                      <a:srgbClr val="E0AFA0"/>
                     </a:solidFill>
                   </a:rPr>
                   <a:t>WERNER STATE </a:t>
@@ -38026,7 +37934,7 @@
             </p:txBody>
           </p:sp>
         </mc:Choice>
-        <mc:Fallback xmlns="">
+        <mc:Fallback>
           <p:sp>
             <p:nvSpPr>
               <p:cNvPr id="3" name="CasellaDiTesto 2">
@@ -38043,7 +37951,7 @@
             </p:nvSpPr>
             <p:spPr>
               <a:xfrm>
-                <a:off x="1794439" y="2052560"/>
+                <a:off x="1794439" y="2014460"/>
                 <a:ext cx="8603122" cy="323165"/>
               </a:xfrm>
               <a:prstGeom prst="rect">
@@ -38052,7 +37960,7 @@
               <a:blipFill>
                 <a:blip r:embed="rId5"/>
                 <a:stretch>
-                  <a:fillRect l="-283" t="-3774" r="-142" b="-20755"/>
+                  <a:fillRect l="-283" t="-1887" r="-142" b="-22642"/>
                 </a:stretch>
               </a:blipFill>
             </p:spPr>
@@ -38071,8 +37979,8 @@
           </p:sp>
         </mc:Fallback>
       </mc:AlternateContent>
-      <mc:AlternateContent xmlns:mc="http://schemas.openxmlformats.org/markup-compatibility/2006" xmlns:a14="http://schemas.microsoft.com/office/drawing/2010/main">
-        <mc:Choice Requires="a14">
+      <mc:AlternateContent xmlns:mc="http://schemas.openxmlformats.org/markup-compatibility/2006">
+        <mc:Choice xmlns:a14="http://schemas.microsoft.com/office/drawing/2010/main" Requires="a14">
           <p:sp>
             <p:nvSpPr>
               <p:cNvPr id="9" name="CasellaDiTesto 8">
@@ -38524,7 +38432,7 @@
             </p:txBody>
           </p:sp>
         </mc:Choice>
-        <mc:Fallback xmlns="">
+        <mc:Fallback>
           <p:sp>
             <p:nvSpPr>
               <p:cNvPr id="9" name="CasellaDiTesto 8">
@@ -38583,7 +38491,7 @@
         </p:nvSpPr>
         <p:spPr>
           <a:xfrm>
-            <a:off x="1794439" y="4719627"/>
+            <a:off x="1794439" y="4432756"/>
             <a:ext cx="8603122" cy="553998"/>
           </a:xfrm>
           <a:prstGeom prst="rect">
@@ -38683,8 +38591,8 @@
         </p:nvSpPr>
         <p:spPr>
           <a:xfrm>
-            <a:off x="999818" y="3013501"/>
-            <a:ext cx="6910805" cy="830997"/>
+            <a:off x="874312" y="2998113"/>
+            <a:ext cx="7149100" cy="861774"/>
           </a:xfrm>
           <a:prstGeom prst="rect">
             <a:avLst/>
@@ -38698,7 +38606,7 @@
           <a:lstStyle/>
           <a:p>
             <a:r>
-              <a:rPr lang="en-US" sz="4800" b="1" spc="300" noProof="0" dirty="0">
+              <a:rPr lang="en-US" sz="5000" b="1" spc="300" noProof="0" dirty="0">
                 <a:solidFill>
                   <a:srgbClr val="E0AFA0"/>
                 </a:solidFill>
@@ -38706,7 +38614,7 @@
               <a:t>1. </a:t>
             </a:r>
             <a:r>
-              <a:rPr lang="en-US" sz="4800" spc="300" noProof="0" dirty="0">
+              <a:rPr lang="en-US" sz="5000" spc="300" noProof="0" dirty="0">
                 <a:solidFill>
                   <a:srgbClr val="F4F3EE"/>
                 </a:solidFill>
@@ -38716,6 +38624,50 @@
           </a:p>
         </p:txBody>
       </p:sp>
+      <p:cxnSp>
+        <p:nvCxnSpPr>
+          <p:cNvPr id="2" name="Connettore diritto 1">
+            <a:extLst>
+              <a:ext uri="{FF2B5EF4-FFF2-40B4-BE49-F238E27FC236}">
+                <a16:creationId xmlns:a16="http://schemas.microsoft.com/office/drawing/2014/main" id="{34CC29D7-84F6-0FE4-7098-9C4452E55294}"/>
+              </a:ext>
+            </a:extLst>
+          </p:cNvPr>
+          <p:cNvCxnSpPr>
+            <a:cxnSpLocks/>
+          </p:cNvCxnSpPr>
+          <p:nvPr/>
+        </p:nvCxnSpPr>
+        <p:spPr>
+          <a:xfrm flipH="1">
+            <a:off x="1033780" y="3859887"/>
+            <a:ext cx="6736080" cy="0"/>
+          </a:xfrm>
+          <a:prstGeom prst="line">
+            <a:avLst/>
+          </a:prstGeom>
+          <a:ln w="38100" cap="rnd">
+            <a:solidFill>
+              <a:srgbClr val="E0AFA0"/>
+            </a:solidFill>
+            <a:prstDash val="solid"/>
+          </a:ln>
+        </p:spPr>
+        <p:style>
+          <a:lnRef idx="2">
+            <a:schemeClr val="accent1"/>
+          </a:lnRef>
+          <a:fillRef idx="0">
+            <a:schemeClr val="accent1"/>
+          </a:fillRef>
+          <a:effectRef idx="1">
+            <a:schemeClr val="accent1"/>
+          </a:effectRef>
+          <a:fontRef idx="minor">
+            <a:schemeClr val="tx1"/>
+          </a:fontRef>
+        </p:style>
+      </p:cxnSp>
     </p:spTree>
     <p:extLst>
       <p:ext uri="{BB962C8B-B14F-4D97-AF65-F5344CB8AC3E}">
@@ -43251,8 +43203,8 @@
         </p:nvSpPr>
         <p:spPr>
           <a:xfrm>
-            <a:off x="2041859" y="313382"/>
-            <a:ext cx="8108283" cy="323165"/>
+            <a:off x="2041859" y="447853"/>
+            <a:ext cx="8108283" cy="338554"/>
           </a:xfrm>
           <a:prstGeom prst="rect">
             <a:avLst/>
@@ -43267,7 +43219,7 @@
           <a:p>
             <a:pPr algn="ctr"/>
             <a:r>
-              <a:rPr lang="en-US" sz="1500" spc="300" noProof="0" dirty="0">
+              <a:rPr lang="en-US" sz="1600" spc="300" noProof="0" dirty="0">
                 <a:solidFill>
                   <a:srgbClr val="F4F3EE"/>
                 </a:solidFill>
@@ -43275,7 +43227,7 @@
               <a:t>CIRCUIT </a:t>
             </a:r>
             <a:r>
-              <a:rPr lang="en-US" sz="1500" b="1" spc="300" noProof="0" dirty="0">
+              <a:rPr lang="en-US" sz="1600" b="1" spc="300" noProof="0" dirty="0">
                 <a:solidFill>
                   <a:srgbClr val="F4F3EE"/>
                 </a:solidFill>
@@ -43894,8 +43846,8 @@
           </mc:Fallback>
         </mc:AlternateContent>
       </p:grpSp>
-      <mc:AlternateContent xmlns:mc="http://schemas.openxmlformats.org/markup-compatibility/2006" xmlns:a14="http://schemas.microsoft.com/office/drawing/2010/main">
-        <mc:Choice Requires="a14">
+      <mc:AlternateContent xmlns:mc="http://schemas.openxmlformats.org/markup-compatibility/2006">
+        <mc:Choice xmlns:a14="http://schemas.microsoft.com/office/drawing/2010/main" Requires="a14">
           <p:sp>
             <p:nvSpPr>
               <p:cNvPr id="5" name="CasellaDiTesto 4">
@@ -43936,7 +43888,7 @@
                 <a:r>
                   <a:rPr lang="en-US" sz="1600" b="1" spc="300" dirty="0">
                     <a:solidFill>
-                      <a:srgbClr val="F4F3EE"/>
+                      <a:srgbClr val="E0AFA0"/>
                     </a:solidFill>
                   </a:rPr>
                   <a:t>IDEAL CASE</a:t>
@@ -44000,7 +43952,7 @@
             </p:txBody>
           </p:sp>
         </mc:Choice>
-        <mc:Fallback xmlns="">
+        <mc:Fallback>
           <p:sp>
             <p:nvSpPr>
               <p:cNvPr id="5" name="CasellaDiTesto 4">
@@ -45460,7 +45412,7 @@
         <p:cNvPr id="1" name="">
           <a:extLst>
             <a:ext uri="{FF2B5EF4-FFF2-40B4-BE49-F238E27FC236}">
-              <a16:creationId xmlns:a16="http://schemas.microsoft.com/office/drawing/2014/main" id="{90D9DA1D-924B-341A-642A-84DAF7034B7A}"/>
+              <a16:creationId xmlns:a16="http://schemas.microsoft.com/office/drawing/2014/main" id="{42831BE6-BD2C-5962-243F-2B90DAF00BB4}"/>
             </a:ext>
           </a:extLst>
         </p:cNvPr>
@@ -45480,7 +45432,7 @@
           <p:cNvPr id="5" name="CasellaDiTesto 4">
             <a:extLst>
               <a:ext uri="{FF2B5EF4-FFF2-40B4-BE49-F238E27FC236}">
-                <a16:creationId xmlns:a16="http://schemas.microsoft.com/office/drawing/2014/main" id="{0E084028-9970-3BFE-5CBF-BF64A7326DAD}"/>
+                <a16:creationId xmlns:a16="http://schemas.microsoft.com/office/drawing/2014/main" id="{BEAF0C7C-956F-923E-33D6-7463F4A1DAAF}"/>
               </a:ext>
             </a:extLst>
           </p:cNvPr>
@@ -45489,8 +45441,8 @@
         </p:nvSpPr>
         <p:spPr>
           <a:xfrm>
-            <a:off x="999818" y="3013501"/>
-            <a:ext cx="6910805" cy="830997"/>
+            <a:off x="954861" y="2828836"/>
+            <a:ext cx="3276323" cy="1200329"/>
           </a:xfrm>
           <a:prstGeom prst="rect">
             <a:avLst/>
@@ -45504,7 +45456,7 @@
           <a:lstStyle/>
           <a:p>
             <a:r>
-              <a:rPr lang="en-US" sz="4800" b="1" spc="300" dirty="0">
+              <a:rPr lang="en-US" sz="3600" b="1" spc="300" dirty="0">
                 <a:solidFill>
                   <a:srgbClr val="E0AFA0"/>
                 </a:solidFill>
@@ -45512,7 +45464,7 @@
               <a:t>2</a:t>
             </a:r>
             <a:r>
-              <a:rPr lang="en-US" sz="4800" b="1" spc="300" noProof="0" dirty="0">
+              <a:rPr lang="en-US" sz="3600" b="1" spc="300" noProof="0" dirty="0">
                 <a:solidFill>
                   <a:srgbClr val="E0AFA0"/>
                 </a:solidFill>
@@ -45520,20 +45472,1011 @@
               <a:t>. </a:t>
             </a:r>
             <a:r>
-              <a:rPr lang="en-US" sz="4800" spc="300" noProof="0" dirty="0">
+              <a:rPr lang="en-US" sz="3600" spc="300" noProof="0" dirty="0">
                 <a:solidFill>
                   <a:srgbClr val="F4F3EE"/>
                 </a:solidFill>
               </a:rPr>
-              <a:t>CHANNEL ERRORS</a:t>
+              <a:t>CHANNEL </a:t>
+            </a:r>
+          </a:p>
+          <a:p>
+            <a:r>
+              <a:rPr lang="en-US" sz="3600" dirty="0">
+                <a:solidFill>
+                  <a:srgbClr val="F4F3EE"/>
+                </a:solidFill>
+              </a:rPr>
+              <a:t>      </a:t>
+            </a:r>
+            <a:r>
+              <a:rPr lang="en-US" sz="3600" spc="300" noProof="0" dirty="0">
+                <a:solidFill>
+                  <a:srgbClr val="F4F3EE"/>
+                </a:solidFill>
+              </a:rPr>
+              <a:t>ERRORS</a:t>
             </a:r>
           </a:p>
         </p:txBody>
       </p:sp>
+      <p:cxnSp>
+        <p:nvCxnSpPr>
+          <p:cNvPr id="3" name="Connettore diritto 2">
+            <a:extLst>
+              <a:ext uri="{FF2B5EF4-FFF2-40B4-BE49-F238E27FC236}">
+                <a16:creationId xmlns:a16="http://schemas.microsoft.com/office/drawing/2014/main" id="{4630B4EF-360D-7BEF-3BCA-CCF8A18090A2}"/>
+              </a:ext>
+            </a:extLst>
+          </p:cNvPr>
+          <p:cNvCxnSpPr>
+            <a:cxnSpLocks/>
+          </p:cNvCxnSpPr>
+          <p:nvPr/>
+        </p:nvCxnSpPr>
+        <p:spPr>
+          <a:xfrm>
+            <a:off x="5186045" y="837548"/>
+            <a:ext cx="0" cy="5182904"/>
+          </a:xfrm>
+          <a:prstGeom prst="line">
+            <a:avLst/>
+          </a:prstGeom>
+          <a:ln w="41275" cap="rnd">
+            <a:solidFill>
+              <a:srgbClr val="E0AFA0"/>
+            </a:solidFill>
+            <a:prstDash val="solid"/>
+          </a:ln>
+        </p:spPr>
+        <p:style>
+          <a:lnRef idx="2">
+            <a:schemeClr val="accent1"/>
+          </a:lnRef>
+          <a:fillRef idx="0">
+            <a:schemeClr val="accent1"/>
+          </a:fillRef>
+          <a:effectRef idx="1">
+            <a:schemeClr val="accent1"/>
+          </a:effectRef>
+          <a:fontRef idx="minor">
+            <a:schemeClr val="tx1"/>
+          </a:fontRef>
+        </p:style>
+      </p:cxnSp>
+      <p:grpSp>
+        <p:nvGrpSpPr>
+          <p:cNvPr id="13" name="Gruppo 12">
+            <a:extLst>
+              <a:ext uri="{FF2B5EF4-FFF2-40B4-BE49-F238E27FC236}">
+                <a16:creationId xmlns:a16="http://schemas.microsoft.com/office/drawing/2014/main" id="{FF23773B-8AFF-FAD9-D541-6BC7C6DF3615}"/>
+              </a:ext>
+            </a:extLst>
+          </p:cNvPr>
+          <p:cNvGrpSpPr/>
+          <p:nvPr/>
+        </p:nvGrpSpPr>
+        <p:grpSpPr>
+          <a:xfrm>
+            <a:off x="6124021" y="1061489"/>
+            <a:ext cx="5212552" cy="4735022"/>
+            <a:chOff x="6221854" y="913852"/>
+            <a:chExt cx="5212552" cy="4735022"/>
+          </a:xfrm>
+        </p:grpSpPr>
+        <mc:AlternateContent xmlns:mc="http://schemas.openxmlformats.org/markup-compatibility/2006">
+          <mc:Choice xmlns:a14="http://schemas.microsoft.com/office/drawing/2010/main" Requires="a14">
+            <p:sp>
+              <p:nvSpPr>
+                <p:cNvPr id="2" name="CasellaDiTesto 1">
+                  <a:extLst>
+                    <a:ext uri="{FF2B5EF4-FFF2-40B4-BE49-F238E27FC236}">
+                      <a16:creationId xmlns:a16="http://schemas.microsoft.com/office/drawing/2014/main" id="{B673FA2B-D8E1-B145-01CE-E6908E5ED6D8}"/>
+                    </a:ext>
+                  </a:extLst>
+                </p:cNvPr>
+                <p:cNvSpPr txBox="1"/>
+                <p:nvPr/>
+              </p:nvSpPr>
+              <p:spPr>
+                <a:xfrm>
+                  <a:off x="6442530" y="3453600"/>
+                  <a:ext cx="4771201" cy="1004506"/>
+                </a:xfrm>
+                <a:prstGeom prst="rect">
+                  <a:avLst/>
+                </a:prstGeom>
+                <a:noFill/>
+              </p:spPr>
+              <p:txBody>
+                <a:bodyPr wrap="square" rtlCol="0">
+                  <a:spAutoFit/>
+                </a:bodyPr>
+                <a:lstStyle/>
+                <a:p>
+                  <a:pPr algn="ctr"/>
+                  <a14:m>
+                    <m:oMathPara xmlns:m="http://schemas.openxmlformats.org/officeDocument/2006/math">
+                      <m:oMathParaPr>
+                        <m:jc m:val="centerGroup"/>
+                      </m:oMathParaPr>
+                      <m:oMath xmlns:m="http://schemas.openxmlformats.org/officeDocument/2006/math">
+                        <m:sSub>
+                          <m:sSubPr>
+                            <m:ctrlPr>
+                              <a:rPr lang="it-IT" sz="2000" b="0" i="1" smtClean="0">
+                                <a:solidFill>
+                                  <a:srgbClr val="F4F3EE"/>
+                                </a:solidFill>
+                                <a:latin typeface="Cambria Math" panose="02040503050406030204" pitchFamily="18" charset="0"/>
+                              </a:rPr>
+                            </m:ctrlPr>
+                          </m:sSubPr>
+                          <m:e>
+                            <m:r>
+                              <a:rPr lang="it-IT" sz="2000" b="0" i="1" smtClean="0">
+                                <a:solidFill>
+                                  <a:srgbClr val="F4F3EE"/>
+                                </a:solidFill>
+                                <a:latin typeface="Cambria Math" panose="02040503050406030204" pitchFamily="18" charset="0"/>
+                              </a:rPr>
+                              <m:t>𝜌</m:t>
+                            </m:r>
+                          </m:e>
+                          <m:sub>
+                            <m:r>
+                              <a:rPr lang="it-IT" sz="2000" b="0" i="1" smtClean="0">
+                                <a:solidFill>
+                                  <a:srgbClr val="F4F3EE"/>
+                                </a:solidFill>
+                                <a:latin typeface="Cambria Math" panose="02040503050406030204" pitchFamily="18" charset="0"/>
+                              </a:rPr>
+                              <m:t>𝐴𝐵</m:t>
+                            </m:r>
+                          </m:sub>
+                        </m:sSub>
+                        <m:r>
+                          <a:rPr lang="it-IT" sz="2000" b="0" i="1" smtClean="0">
+                            <a:solidFill>
+                              <a:srgbClr val="F4F3EE"/>
+                            </a:solidFill>
+                            <a:latin typeface="Cambria Math" panose="02040503050406030204" pitchFamily="18" charset="0"/>
+                          </a:rPr>
+                          <m:t>=</m:t>
+                        </m:r>
+                        <m:func>
+                          <m:funcPr>
+                            <m:ctrlPr>
+                              <a:rPr lang="it-IT" sz="2000" b="0" i="1" smtClean="0">
+                                <a:solidFill>
+                                  <a:srgbClr val="F4F3EE"/>
+                                </a:solidFill>
+                                <a:latin typeface="Cambria Math" panose="02040503050406030204" pitchFamily="18" charset="0"/>
+                              </a:rPr>
+                            </m:ctrlPr>
+                          </m:funcPr>
+                          <m:fName>
+                            <m:sSup>
+                              <m:sSupPr>
+                                <m:ctrlPr>
+                                  <a:rPr lang="it-IT" sz="2000" b="0" i="1" smtClean="0">
+                                    <a:solidFill>
+                                      <a:srgbClr val="F4F3EE"/>
+                                    </a:solidFill>
+                                    <a:latin typeface="Cambria Math" panose="02040503050406030204" pitchFamily="18" charset="0"/>
+                                  </a:rPr>
+                                </m:ctrlPr>
+                              </m:sSupPr>
+                              <m:e>
+                                <m:r>
+                                  <m:rPr>
+                                    <m:sty m:val="p"/>
+                                  </m:rPr>
+                                  <a:rPr lang="it-IT" sz="2000" b="0" i="0" smtClean="0">
+                                    <a:solidFill>
+                                      <a:srgbClr val="F4F3EE"/>
+                                    </a:solidFill>
+                                    <a:latin typeface="Cambria Math" panose="02040503050406030204" pitchFamily="18" charset="0"/>
+                                  </a:rPr>
+                                  <m:t>sin</m:t>
+                                </m:r>
+                              </m:e>
+                              <m:sup>
+                                <m:r>
+                                  <a:rPr lang="it-IT" sz="2000" b="0" i="1" smtClean="0">
+                                    <a:solidFill>
+                                      <a:srgbClr val="F4F3EE"/>
+                                    </a:solidFill>
+                                    <a:latin typeface="Cambria Math" panose="02040503050406030204" pitchFamily="18" charset="0"/>
+                                  </a:rPr>
+                                  <m:t>2</m:t>
+                                </m:r>
+                              </m:sup>
+                            </m:sSup>
+                          </m:fName>
+                          <m:e>
+                            <m:d>
+                              <m:dPr>
+                                <m:ctrlPr>
+                                  <a:rPr lang="it-IT" sz="2000" b="0" i="1" smtClean="0">
+                                    <a:solidFill>
+                                      <a:srgbClr val="F4F3EE"/>
+                                    </a:solidFill>
+                                    <a:latin typeface="Cambria Math" panose="02040503050406030204" pitchFamily="18" charset="0"/>
+                                  </a:rPr>
+                                </m:ctrlPr>
+                              </m:dPr>
+                              <m:e>
+                                <m:f>
+                                  <m:fPr>
+                                    <m:ctrlPr>
+                                      <a:rPr lang="it-IT" sz="2000" b="0" i="1" smtClean="0">
+                                        <a:solidFill>
+                                          <a:srgbClr val="F4F3EE"/>
+                                        </a:solidFill>
+                                        <a:latin typeface="Cambria Math" panose="02040503050406030204" pitchFamily="18" charset="0"/>
+                                      </a:rPr>
+                                    </m:ctrlPr>
+                                  </m:fPr>
+                                  <m:num>
+                                    <m:r>
+                                      <a:rPr lang="it-IT" sz="2000" b="0" i="1" smtClean="0">
+                                        <a:solidFill>
+                                          <a:srgbClr val="F4F3EE"/>
+                                        </a:solidFill>
+                                        <a:latin typeface="Cambria Math" panose="02040503050406030204" pitchFamily="18" charset="0"/>
+                                      </a:rPr>
+                                      <m:t>𝜃</m:t>
+                                    </m:r>
+                                  </m:num>
+                                  <m:den>
+                                    <m:r>
+                                      <a:rPr lang="it-IT" sz="2000" b="0" i="1" smtClean="0">
+                                        <a:solidFill>
+                                          <a:srgbClr val="F4F3EE"/>
+                                        </a:solidFill>
+                                        <a:latin typeface="Cambria Math" panose="02040503050406030204" pitchFamily="18" charset="0"/>
+                                      </a:rPr>
+                                      <m:t>2</m:t>
+                                    </m:r>
+                                  </m:den>
+                                </m:f>
+                              </m:e>
+                            </m:d>
+                          </m:e>
+                        </m:func>
+                        <m:r>
+                          <a:rPr lang="it-IT" sz="2000" b="0" i="1" smtClean="0">
+                            <a:solidFill>
+                              <a:srgbClr val="F4F3EE"/>
+                            </a:solidFill>
+                            <a:latin typeface="Cambria Math" panose="02040503050406030204" pitchFamily="18" charset="0"/>
+                          </a:rPr>
+                          <m:t>⋅</m:t>
+                        </m:r>
+                        <m:d>
+                          <m:dPr>
+                            <m:begChr m:val="|"/>
+                            <m:endChr m:val="⟩"/>
+                            <m:ctrlPr>
+                              <a:rPr lang="it-IT" sz="2000" b="0" i="1" smtClean="0">
+                                <a:solidFill>
+                                  <a:srgbClr val="F4F3EE"/>
+                                </a:solidFill>
+                                <a:latin typeface="Cambria Math" panose="02040503050406030204" pitchFamily="18" charset="0"/>
+                              </a:rPr>
+                            </m:ctrlPr>
+                          </m:dPr>
+                          <m:e>
+                            <m:sSup>
+                              <m:sSupPr>
+                                <m:ctrlPr>
+                                  <a:rPr lang="it-IT" sz="2000" b="0" i="1" smtClean="0">
+                                    <a:solidFill>
+                                      <a:srgbClr val="F4F3EE"/>
+                                    </a:solidFill>
+                                    <a:latin typeface="Cambria Math" panose="02040503050406030204" pitchFamily="18" charset="0"/>
+                                  </a:rPr>
+                                </m:ctrlPr>
+                              </m:sSupPr>
+                              <m:e>
+                                <m:r>
+                                  <a:rPr lang="it-IT" sz="2000" i="1" smtClean="0">
+                                    <a:solidFill>
+                                      <a:srgbClr val="F4F3EE"/>
+                                    </a:solidFill>
+                                    <a:latin typeface="Cambria Math" panose="02040503050406030204" pitchFamily="18" charset="0"/>
+                                  </a:rPr>
+                                  <m:t>𝜓</m:t>
+                                </m:r>
+                              </m:e>
+                              <m:sup>
+                                <m:r>
+                                  <a:rPr lang="it-IT" sz="2000" b="0" i="1" smtClean="0">
+                                    <a:solidFill>
+                                      <a:srgbClr val="F4F3EE"/>
+                                    </a:solidFill>
+                                    <a:latin typeface="Cambria Math" panose="02040503050406030204" pitchFamily="18" charset="0"/>
+                                  </a:rPr>
+                                  <m:t>−</m:t>
+                                </m:r>
+                              </m:sup>
+                            </m:sSup>
+                          </m:e>
+                        </m:d>
+                        <m:d>
+                          <m:dPr>
+                            <m:begChr m:val="⟨"/>
+                            <m:endChr m:val="|"/>
+                            <m:ctrlPr>
+                              <a:rPr lang="it-IT" sz="2000" b="0" i="1" smtClean="0">
+                                <a:solidFill>
+                                  <a:srgbClr val="F4F3EE"/>
+                                </a:solidFill>
+                                <a:latin typeface="Cambria Math" panose="02040503050406030204" pitchFamily="18" charset="0"/>
+                              </a:rPr>
+                            </m:ctrlPr>
+                          </m:dPr>
+                          <m:e>
+                            <m:sSup>
+                              <m:sSupPr>
+                                <m:ctrlPr>
+                                  <a:rPr lang="it-IT" sz="2000" b="0" i="1" smtClean="0">
+                                    <a:solidFill>
+                                      <a:srgbClr val="F4F3EE"/>
+                                    </a:solidFill>
+                                    <a:latin typeface="Cambria Math" panose="02040503050406030204" pitchFamily="18" charset="0"/>
+                                  </a:rPr>
+                                </m:ctrlPr>
+                              </m:sSupPr>
+                              <m:e>
+                                <m:r>
+                                  <a:rPr lang="it-IT" sz="2000" b="0" i="1" smtClean="0">
+                                    <a:solidFill>
+                                      <a:srgbClr val="F4F3EE"/>
+                                    </a:solidFill>
+                                    <a:latin typeface="Cambria Math" panose="02040503050406030204" pitchFamily="18" charset="0"/>
+                                  </a:rPr>
+                                  <m:t>𝜓</m:t>
+                                </m:r>
+                              </m:e>
+                              <m:sup>
+                                <m:r>
+                                  <a:rPr lang="it-IT" sz="2000" b="0" i="1" smtClean="0">
+                                    <a:solidFill>
+                                      <a:srgbClr val="F4F3EE"/>
+                                    </a:solidFill>
+                                    <a:latin typeface="Cambria Math" panose="02040503050406030204" pitchFamily="18" charset="0"/>
+                                  </a:rPr>
+                                  <m:t>−</m:t>
+                                </m:r>
+                              </m:sup>
+                            </m:sSup>
+                          </m:e>
+                        </m:d>
+                        <m:r>
+                          <a:rPr lang="it-IT" sz="2000" b="0" i="1" smtClean="0">
+                            <a:solidFill>
+                              <a:srgbClr val="F4F3EE"/>
+                            </a:solidFill>
+                            <a:latin typeface="Cambria Math" panose="02040503050406030204" pitchFamily="18" charset="0"/>
+                          </a:rPr>
+                          <m:t> </m:t>
+                        </m:r>
+                        <m:r>
+                          <a:rPr lang="it-IT" sz="2000" i="1">
+                            <a:solidFill>
+                              <a:srgbClr val="F4F3EE"/>
+                            </a:solidFill>
+                            <a:latin typeface="Cambria Math" panose="02040503050406030204" pitchFamily="18" charset="0"/>
+                          </a:rPr>
+                          <m:t>+</m:t>
+                        </m:r>
+                        <m:r>
+                          <a:rPr lang="it-IT" sz="2000" b="0" i="1" smtClean="0">
+                            <a:solidFill>
+                              <a:srgbClr val="F4F3EE"/>
+                            </a:solidFill>
+                            <a:latin typeface="Cambria Math" panose="02040503050406030204" pitchFamily="18" charset="0"/>
+                          </a:rPr>
+                          <m:t> </m:t>
+                        </m:r>
+                        <m:f>
+                          <m:fPr>
+                            <m:ctrlPr>
+                              <a:rPr lang="it-IT" sz="2000" i="1" smtClean="0">
+                                <a:solidFill>
+                                  <a:srgbClr val="F4F3EE"/>
+                                </a:solidFill>
+                                <a:latin typeface="Cambria Math" panose="02040503050406030204" pitchFamily="18" charset="0"/>
+                              </a:rPr>
+                            </m:ctrlPr>
+                          </m:fPr>
+                          <m:num>
+                            <m:func>
+                              <m:funcPr>
+                                <m:ctrlPr>
+                                  <a:rPr lang="it-IT" sz="2000" b="0" i="1" smtClean="0">
+                                    <a:solidFill>
+                                      <a:srgbClr val="F4F3EE"/>
+                                    </a:solidFill>
+                                    <a:latin typeface="Cambria Math" panose="02040503050406030204" pitchFamily="18" charset="0"/>
+                                  </a:rPr>
+                                </m:ctrlPr>
+                              </m:funcPr>
+                              <m:fName>
+                                <m:sSup>
+                                  <m:sSupPr>
+                                    <m:ctrlPr>
+                                      <a:rPr lang="it-IT" sz="2000" b="0" i="1" smtClean="0">
+                                        <a:solidFill>
+                                          <a:srgbClr val="F4F3EE"/>
+                                        </a:solidFill>
+                                        <a:latin typeface="Cambria Math" panose="02040503050406030204" pitchFamily="18" charset="0"/>
+                                      </a:rPr>
+                                    </m:ctrlPr>
+                                  </m:sSupPr>
+                                  <m:e>
+                                    <m:r>
+                                      <m:rPr>
+                                        <m:sty m:val="p"/>
+                                      </m:rPr>
+                                      <a:rPr lang="it-IT" sz="2000" b="0" i="0" smtClean="0">
+                                        <a:solidFill>
+                                          <a:srgbClr val="F4F3EE"/>
+                                        </a:solidFill>
+                                        <a:latin typeface="Cambria Math" panose="02040503050406030204" pitchFamily="18" charset="0"/>
+                                      </a:rPr>
+                                      <m:t>cos</m:t>
+                                    </m:r>
+                                  </m:e>
+                                  <m:sup>
+                                    <m:r>
+                                      <a:rPr lang="it-IT" sz="2000" b="0" i="1" smtClean="0">
+                                        <a:solidFill>
+                                          <a:srgbClr val="F4F3EE"/>
+                                        </a:solidFill>
+                                        <a:latin typeface="Cambria Math" panose="02040503050406030204" pitchFamily="18" charset="0"/>
+                                      </a:rPr>
+                                      <m:t>2</m:t>
+                                    </m:r>
+                                  </m:sup>
+                                </m:sSup>
+                              </m:fName>
+                              <m:e>
+                                <m:d>
+                                  <m:dPr>
+                                    <m:ctrlPr>
+                                      <a:rPr lang="it-IT" sz="2000" b="0" i="1" smtClean="0">
+                                        <a:solidFill>
+                                          <a:srgbClr val="F4F3EE"/>
+                                        </a:solidFill>
+                                        <a:latin typeface="Cambria Math" panose="02040503050406030204" pitchFamily="18" charset="0"/>
+                                      </a:rPr>
+                                    </m:ctrlPr>
+                                  </m:dPr>
+                                  <m:e>
+                                    <m:f>
+                                      <m:fPr>
+                                        <m:ctrlPr>
+                                          <a:rPr lang="it-IT" sz="2000" b="0" i="1" smtClean="0">
+                                            <a:solidFill>
+                                              <a:srgbClr val="F4F3EE"/>
+                                            </a:solidFill>
+                                            <a:latin typeface="Cambria Math" panose="02040503050406030204" pitchFamily="18" charset="0"/>
+                                          </a:rPr>
+                                        </m:ctrlPr>
+                                      </m:fPr>
+                                      <m:num>
+                                        <m:r>
+                                          <a:rPr lang="it-IT" sz="2000" b="0" i="1" smtClean="0">
+                                            <a:solidFill>
+                                              <a:srgbClr val="F4F3EE"/>
+                                            </a:solidFill>
+                                            <a:latin typeface="Cambria Math" panose="02040503050406030204" pitchFamily="18" charset="0"/>
+                                          </a:rPr>
+                                          <m:t>𝜃</m:t>
+                                        </m:r>
+                                      </m:num>
+                                      <m:den>
+                                        <m:r>
+                                          <a:rPr lang="it-IT" sz="2000" b="0" i="1" smtClean="0">
+                                            <a:solidFill>
+                                              <a:srgbClr val="F4F3EE"/>
+                                            </a:solidFill>
+                                            <a:latin typeface="Cambria Math" panose="02040503050406030204" pitchFamily="18" charset="0"/>
+                                          </a:rPr>
+                                          <m:t>2</m:t>
+                                        </m:r>
+                                      </m:den>
+                                    </m:f>
+                                  </m:e>
+                                </m:d>
+                              </m:e>
+                            </m:func>
+                          </m:num>
+                          <m:den>
+                            <m:r>
+                              <a:rPr lang="it-IT" sz="2000" b="0" i="1" smtClean="0">
+                                <a:solidFill>
+                                  <a:srgbClr val="F4F3EE"/>
+                                </a:solidFill>
+                                <a:latin typeface="Cambria Math" panose="02040503050406030204" pitchFamily="18" charset="0"/>
+                              </a:rPr>
+                              <m:t>4</m:t>
+                            </m:r>
+                          </m:den>
+                        </m:f>
+                        <m:r>
+                          <a:rPr lang="it-IT" sz="2000" b="0" i="1" smtClean="0">
+                            <a:solidFill>
+                              <a:srgbClr val="F4F3EE"/>
+                            </a:solidFill>
+                            <a:latin typeface="Cambria Math" panose="02040503050406030204" pitchFamily="18" charset="0"/>
+                          </a:rPr>
+                          <m:t>⋅</m:t>
+                        </m:r>
+                        <m:r>
+                          <a:rPr lang="it-IT" sz="2000" i="1">
+                            <a:solidFill>
+                              <a:srgbClr val="F4F3EE"/>
+                            </a:solidFill>
+                            <a:latin typeface="Cambria Math" panose="02040503050406030204" pitchFamily="18" charset="0"/>
+                          </a:rPr>
+                          <m:t>𝐼</m:t>
+                        </m:r>
+                      </m:oMath>
+                    </m:oMathPara>
+                  </a14:m>
+                  <a:endParaRPr lang="en-US" sz="2000" dirty="0">
+                    <a:solidFill>
+                      <a:srgbClr val="F4F3EE"/>
+                    </a:solidFill>
+                  </a:endParaRPr>
+                </a:p>
+              </p:txBody>
+            </p:sp>
+          </mc:Choice>
+          <mc:Fallback>
+            <p:sp>
+              <p:nvSpPr>
+                <p:cNvPr id="2" name="CasellaDiTesto 1">
+                  <a:extLst>
+                    <a:ext uri="{FF2B5EF4-FFF2-40B4-BE49-F238E27FC236}">
+                      <a16:creationId xmlns:a16="http://schemas.microsoft.com/office/drawing/2014/main" id="{B673FA2B-D8E1-B145-01CE-E6908E5ED6D8}"/>
+                    </a:ext>
+                  </a:extLst>
+                </p:cNvPr>
+                <p:cNvSpPr txBox="1">
+                  <a:spLocks noRot="1" noChangeAspect="1" noMove="1" noResize="1" noEditPoints="1" noAdjustHandles="1" noChangeArrowheads="1" noChangeShapeType="1" noTextEdit="1"/>
+                </p:cNvSpPr>
+                <p:nvPr/>
+              </p:nvSpPr>
+              <p:spPr>
+                <a:xfrm>
+                  <a:off x="6442530" y="3453600"/>
+                  <a:ext cx="4771201" cy="1004506"/>
+                </a:xfrm>
+                <a:prstGeom prst="rect">
+                  <a:avLst/>
+                </a:prstGeom>
+                <a:blipFill>
+                  <a:blip r:embed="rId2"/>
+                  <a:stretch>
+                    <a:fillRect/>
+                  </a:stretch>
+                </a:blipFill>
+              </p:spPr>
+              <p:txBody>
+                <a:bodyPr/>
+                <a:lstStyle/>
+                <a:p>
+                  <a:r>
+                    <a:rPr lang="it-IT">
+                      <a:noFill/>
+                    </a:rPr>
+                    <a:t> </a:t>
+                  </a:r>
+                </a:p>
+              </p:txBody>
+            </p:sp>
+          </mc:Fallback>
+        </mc:AlternateContent>
+        <mc:AlternateContent xmlns:mc="http://schemas.openxmlformats.org/markup-compatibility/2006">
+          <mc:Choice xmlns:a14="http://schemas.microsoft.com/office/drawing/2010/main" Requires="a14">
+            <p:sp>
+              <p:nvSpPr>
+                <p:cNvPr id="8" name="CasellaDiTesto 7">
+                  <a:extLst>
+                    <a:ext uri="{FF2B5EF4-FFF2-40B4-BE49-F238E27FC236}">
+                      <a16:creationId xmlns:a16="http://schemas.microsoft.com/office/drawing/2014/main" id="{42C08F9C-0CA1-5322-3FDC-4A09CAD4E07A}"/>
+                    </a:ext>
+                  </a:extLst>
+                </p:cNvPr>
+                <p:cNvSpPr txBox="1"/>
+                <p:nvPr/>
+              </p:nvSpPr>
+              <p:spPr>
+                <a:xfrm>
+                  <a:off x="6221854" y="913852"/>
+                  <a:ext cx="5212552" cy="1015663"/>
+                </a:xfrm>
+                <a:prstGeom prst="rect">
+                  <a:avLst/>
+                </a:prstGeom>
+                <a:noFill/>
+              </p:spPr>
+              <p:txBody>
+                <a:bodyPr wrap="square" rtlCol="0">
+                  <a:spAutoFit/>
+                </a:bodyPr>
+                <a:lstStyle/>
+                <a:p>
+                  <a:pPr algn="just"/>
+                  <a:r>
+                    <a:rPr lang="en-US" sz="1500" spc="300" dirty="0">
+                      <a:solidFill>
+                        <a:srgbClr val="F4F3EE"/>
+                      </a:solidFill>
+                    </a:rPr>
+                    <a:t>IN THE PRESENCE OF </a:t>
+                  </a:r>
+                  <a:r>
+                    <a:rPr lang="en-US" sz="1500" b="1" spc="300" dirty="0">
+                      <a:solidFill>
+                        <a:srgbClr val="E0AFA0"/>
+                      </a:solidFill>
+                    </a:rPr>
+                    <a:t>CHANNEL ERRORS</a:t>
+                  </a:r>
+                  <a:r>
+                    <a:rPr lang="en-US" sz="1500" spc="300" dirty="0">
+                      <a:solidFill>
+                        <a:srgbClr val="F4F3EE"/>
+                      </a:solidFill>
+                    </a:rPr>
+                    <a:t>, THEY ARE SIMULATED USING THE GENERAL CIRCUIT PREVIOUSLY ILLUSTRATED, WITH THE FOLLOWING </a:t>
+                  </a:r>
+                  <a14:m>
+                    <m:oMath xmlns:m="http://schemas.openxmlformats.org/officeDocument/2006/math">
+                      <m:r>
+                        <a:rPr lang="it-IT" sz="1500" b="0" i="1" spc="300" smtClean="0">
+                          <a:solidFill>
+                            <a:srgbClr val="F4F3EE"/>
+                          </a:solidFill>
+                          <a:latin typeface="Cambria Math" panose="02040503050406030204" pitchFamily="18" charset="0"/>
+                        </a:rPr>
+                        <m:t>𝜃</m:t>
+                      </m:r>
+                    </m:oMath>
+                  </a14:m>
+                  <a:r>
+                    <a:rPr lang="en-US" sz="1500" spc="300" dirty="0">
+                      <a:solidFill>
+                        <a:srgbClr val="F4F3EE"/>
+                      </a:solidFill>
+                    </a:rPr>
+                    <a:t> VALUES:</a:t>
+                  </a:r>
+                </a:p>
+              </p:txBody>
+            </p:sp>
+          </mc:Choice>
+          <mc:Fallback>
+            <p:sp>
+              <p:nvSpPr>
+                <p:cNvPr id="8" name="CasellaDiTesto 7">
+                  <a:extLst>
+                    <a:ext uri="{FF2B5EF4-FFF2-40B4-BE49-F238E27FC236}">
+                      <a16:creationId xmlns:a16="http://schemas.microsoft.com/office/drawing/2014/main" id="{42C08F9C-0CA1-5322-3FDC-4A09CAD4E07A}"/>
+                    </a:ext>
+                  </a:extLst>
+                </p:cNvPr>
+                <p:cNvSpPr txBox="1">
+                  <a:spLocks noRot="1" noChangeAspect="1" noMove="1" noResize="1" noEditPoints="1" noAdjustHandles="1" noChangeArrowheads="1" noChangeShapeType="1" noTextEdit="1"/>
+                </p:cNvSpPr>
+                <p:nvPr/>
+              </p:nvSpPr>
+              <p:spPr>
+                <a:xfrm>
+                  <a:off x="6221854" y="913852"/>
+                  <a:ext cx="5212552" cy="1015663"/>
+                </a:xfrm>
+                <a:prstGeom prst="rect">
+                  <a:avLst/>
+                </a:prstGeom>
+                <a:blipFill>
+                  <a:blip r:embed="rId3"/>
+                  <a:stretch>
+                    <a:fillRect l="-468" t="-599" r="-468" b="-6587"/>
+                  </a:stretch>
+                </a:blipFill>
+              </p:spPr>
+              <p:txBody>
+                <a:bodyPr/>
+                <a:lstStyle/>
+                <a:p>
+                  <a:r>
+                    <a:rPr lang="it-IT">
+                      <a:noFill/>
+                    </a:rPr>
+                    <a:t> </a:t>
+                  </a:r>
+                </a:p>
+              </p:txBody>
+            </p:sp>
+          </mc:Fallback>
+        </mc:AlternateContent>
+        <mc:AlternateContent xmlns:mc="http://schemas.openxmlformats.org/markup-compatibility/2006">
+          <mc:Choice xmlns:a14="http://schemas.microsoft.com/office/drawing/2010/main" Requires="a14">
+            <p:sp>
+              <p:nvSpPr>
+                <p:cNvPr id="9" name="CasellaDiTesto 8">
+                  <a:extLst>
+                    <a:ext uri="{FF2B5EF4-FFF2-40B4-BE49-F238E27FC236}">
+                      <a16:creationId xmlns:a16="http://schemas.microsoft.com/office/drawing/2014/main" id="{F3ED53AB-F83C-6EF1-47E9-8D980B0F22F6}"/>
+                    </a:ext>
+                  </a:extLst>
+                </p:cNvPr>
+                <p:cNvSpPr txBox="1"/>
+                <p:nvPr/>
+              </p:nvSpPr>
+              <p:spPr>
+                <a:xfrm>
+                  <a:off x="7495122" y="2322613"/>
+                  <a:ext cx="2666016" cy="461665"/>
+                </a:xfrm>
+                <a:prstGeom prst="rect">
+                  <a:avLst/>
+                </a:prstGeom>
+                <a:noFill/>
+              </p:spPr>
+              <p:txBody>
+                <a:bodyPr wrap="square" rtlCol="0">
+                  <a:spAutoFit/>
+                </a:bodyPr>
+                <a:lstStyle/>
+                <a:p>
+                  <a:pPr algn="ctr"/>
+                  <a14:m>
+                    <m:oMathPara xmlns:m="http://schemas.openxmlformats.org/officeDocument/2006/math">
+                      <m:oMathParaPr>
+                        <m:jc m:val="center"/>
+                      </m:oMathParaPr>
+                      <m:oMath xmlns:m="http://schemas.openxmlformats.org/officeDocument/2006/math">
+                        <m:r>
+                          <a:rPr lang="it-IT" sz="2400" b="0" i="1" smtClean="0">
+                            <a:solidFill>
+                              <a:srgbClr val="F4F3EE"/>
+                            </a:solidFill>
+                            <a:latin typeface="Cambria Math" panose="02040503050406030204" pitchFamily="18" charset="0"/>
+                          </a:rPr>
+                          <m:t>0≤</m:t>
+                        </m:r>
+                        <m:r>
+                          <a:rPr lang="it-IT" sz="2400" b="0" i="1" smtClean="0">
+                            <a:solidFill>
+                              <a:srgbClr val="F4F3EE"/>
+                            </a:solidFill>
+                            <a:latin typeface="Cambria Math" panose="02040503050406030204" pitchFamily="18" charset="0"/>
+                          </a:rPr>
+                          <m:t>𝜃</m:t>
+                        </m:r>
+                        <m:r>
+                          <a:rPr lang="it-IT" sz="2400" b="0" i="1" smtClean="0">
+                            <a:solidFill>
+                              <a:srgbClr val="F4F3EE"/>
+                            </a:solidFill>
+                            <a:latin typeface="Cambria Math" panose="02040503050406030204" pitchFamily="18" charset="0"/>
+                          </a:rPr>
+                          <m:t>&lt;</m:t>
+                        </m:r>
+                        <m:r>
+                          <a:rPr lang="it-IT" sz="2400" b="0" i="1" smtClean="0">
+                            <a:solidFill>
+                              <a:srgbClr val="F4F3EE"/>
+                            </a:solidFill>
+                            <a:latin typeface="Cambria Math" panose="02040503050406030204" pitchFamily="18" charset="0"/>
+                          </a:rPr>
+                          <m:t>𝜋</m:t>
+                        </m:r>
+                        <m:r>
+                          <a:rPr lang="it-IT" sz="2400" b="0" i="1" smtClean="0">
+                            <a:solidFill>
+                              <a:srgbClr val="F4F3EE"/>
+                            </a:solidFill>
+                            <a:latin typeface="Cambria Math" panose="02040503050406030204" pitchFamily="18" charset="0"/>
+                          </a:rPr>
+                          <m:t> </m:t>
+                        </m:r>
+                      </m:oMath>
+                    </m:oMathPara>
+                  </a14:m>
+                  <a:endParaRPr lang="en-US" sz="2400" dirty="0">
+                    <a:solidFill>
+                      <a:srgbClr val="F4F3EE"/>
+                    </a:solidFill>
+                  </a:endParaRPr>
+                </a:p>
+              </p:txBody>
+            </p:sp>
+          </mc:Choice>
+          <mc:Fallback>
+            <p:sp>
+              <p:nvSpPr>
+                <p:cNvPr id="9" name="CasellaDiTesto 8">
+                  <a:extLst>
+                    <a:ext uri="{FF2B5EF4-FFF2-40B4-BE49-F238E27FC236}">
+                      <a16:creationId xmlns:a16="http://schemas.microsoft.com/office/drawing/2014/main" id="{F3ED53AB-F83C-6EF1-47E9-8D980B0F22F6}"/>
+                    </a:ext>
+                  </a:extLst>
+                </p:cNvPr>
+                <p:cNvSpPr txBox="1">
+                  <a:spLocks noRot="1" noChangeAspect="1" noMove="1" noResize="1" noEditPoints="1" noAdjustHandles="1" noChangeArrowheads="1" noChangeShapeType="1" noTextEdit="1"/>
+                </p:cNvSpPr>
+                <p:nvPr/>
+              </p:nvSpPr>
+              <p:spPr>
+                <a:xfrm>
+                  <a:off x="7495122" y="2322613"/>
+                  <a:ext cx="2666016" cy="461665"/>
+                </a:xfrm>
+                <a:prstGeom prst="rect">
+                  <a:avLst/>
+                </a:prstGeom>
+                <a:blipFill>
+                  <a:blip r:embed="rId4"/>
+                  <a:stretch>
+                    <a:fillRect/>
+                  </a:stretch>
+                </a:blipFill>
+              </p:spPr>
+              <p:txBody>
+                <a:bodyPr/>
+                <a:lstStyle/>
+                <a:p>
+                  <a:r>
+                    <a:rPr lang="it-IT">
+                      <a:noFill/>
+                    </a:rPr>
+                    <a:t> </a:t>
+                  </a:r>
+                </a:p>
+              </p:txBody>
+            </p:sp>
+          </mc:Fallback>
+        </mc:AlternateContent>
+        <mc:AlternateContent xmlns:mc="http://schemas.openxmlformats.org/markup-compatibility/2006">
+          <mc:Choice xmlns:a14="http://schemas.microsoft.com/office/drawing/2010/main" Requires="a14">
+            <p:sp>
+              <p:nvSpPr>
+                <p:cNvPr id="10" name="CasellaDiTesto 9">
+                  <a:extLst>
+                    <a:ext uri="{FF2B5EF4-FFF2-40B4-BE49-F238E27FC236}">
+                      <a16:creationId xmlns:a16="http://schemas.microsoft.com/office/drawing/2014/main" id="{6E6BD54E-7162-E14C-4D05-314A9820CBD8}"/>
+                    </a:ext>
+                  </a:extLst>
+                </p:cNvPr>
+                <p:cNvSpPr txBox="1"/>
+                <p:nvPr/>
+              </p:nvSpPr>
+              <p:spPr>
+                <a:xfrm>
+                  <a:off x="6355205" y="4864044"/>
+                  <a:ext cx="4945851" cy="784830"/>
+                </a:xfrm>
+                <a:prstGeom prst="rect">
+                  <a:avLst/>
+                </a:prstGeom>
+                <a:noFill/>
+              </p:spPr>
+              <p:txBody>
+                <a:bodyPr wrap="square" rtlCol="0">
+                  <a:spAutoFit/>
+                </a:bodyPr>
+                <a:lstStyle/>
+                <a:p>
+                  <a:pPr algn="just"/>
+                  <a:r>
+                    <a:rPr lang="en-US" sz="1500" spc="300" dirty="0">
+                      <a:solidFill>
+                        <a:srgbClr val="E0AFA0"/>
+                      </a:solidFill>
+                    </a:rPr>
+                    <a:t>NOTE</a:t>
+                  </a:r>
+                  <a:r>
+                    <a:rPr lang="en-US" sz="1500" spc="300" dirty="0">
+                      <a:solidFill>
+                        <a:srgbClr val="F4F3EE"/>
+                      </a:solidFill>
+                    </a:rPr>
+                    <a:t> THAT WHEN </a:t>
+                  </a:r>
+                  <a14:m>
+                    <m:oMath xmlns:m="http://schemas.openxmlformats.org/officeDocument/2006/math">
+                      <m:r>
+                        <a:rPr lang="it-IT" sz="1500" b="0" i="1" spc="300" smtClean="0">
+                          <a:solidFill>
+                            <a:srgbClr val="F4F3EE"/>
+                          </a:solidFill>
+                          <a:latin typeface="Cambria Math" panose="02040503050406030204" pitchFamily="18" charset="0"/>
+                        </a:rPr>
+                        <m:t>𝜃</m:t>
+                      </m:r>
+                      <m:r>
+                        <a:rPr lang="it-IT" sz="1500" b="0" i="1" spc="300" smtClean="0">
+                          <a:solidFill>
+                            <a:srgbClr val="F4F3EE"/>
+                          </a:solidFill>
+                          <a:latin typeface="Cambria Math" panose="02040503050406030204" pitchFamily="18" charset="0"/>
+                        </a:rPr>
+                        <m:t>=0</m:t>
+                      </m:r>
+                    </m:oMath>
+                  </a14:m>
+                  <a:r>
+                    <a:rPr lang="en-US" sz="1500" spc="300" dirty="0">
+                      <a:solidFill>
+                        <a:srgbClr val="F4F3EE"/>
+                      </a:solidFill>
+                    </a:rPr>
+                    <a:t>, THE OUTPUT OF THE CIRCUIT WILL BE A COMPLETELY DEPOLARIZED STATE.</a:t>
+                  </a:r>
+                </a:p>
+              </p:txBody>
+            </p:sp>
+          </mc:Choice>
+          <mc:Fallback>
+            <p:sp>
+              <p:nvSpPr>
+                <p:cNvPr id="10" name="CasellaDiTesto 9">
+                  <a:extLst>
+                    <a:ext uri="{FF2B5EF4-FFF2-40B4-BE49-F238E27FC236}">
+                      <a16:creationId xmlns:a16="http://schemas.microsoft.com/office/drawing/2014/main" id="{6E6BD54E-7162-E14C-4D05-314A9820CBD8}"/>
+                    </a:ext>
+                  </a:extLst>
+                </p:cNvPr>
+                <p:cNvSpPr txBox="1">
+                  <a:spLocks noRot="1" noChangeAspect="1" noMove="1" noResize="1" noEditPoints="1" noAdjustHandles="1" noChangeArrowheads="1" noChangeShapeType="1" noTextEdit="1"/>
+                </p:cNvSpPr>
+                <p:nvPr/>
+              </p:nvSpPr>
+              <p:spPr>
+                <a:xfrm>
+                  <a:off x="6355205" y="4864044"/>
+                  <a:ext cx="4945851" cy="784830"/>
+                </a:xfrm>
+                <a:prstGeom prst="rect">
+                  <a:avLst/>
+                </a:prstGeom>
+                <a:blipFill>
+                  <a:blip r:embed="rId5"/>
+                  <a:stretch>
+                    <a:fillRect l="-493" t="-775" r="-369" b="-8527"/>
+                  </a:stretch>
+                </a:blipFill>
+              </p:spPr>
+              <p:txBody>
+                <a:bodyPr/>
+                <a:lstStyle/>
+                <a:p>
+                  <a:r>
+                    <a:rPr lang="it-IT">
+                      <a:noFill/>
+                    </a:rPr>
+                    <a:t> </a:t>
+                  </a:r>
+                </a:p>
+              </p:txBody>
+            </p:sp>
+          </mc:Fallback>
+        </mc:AlternateContent>
+      </p:grpSp>
     </p:spTree>
     <p:extLst>
       <p:ext uri="{BB962C8B-B14F-4D97-AF65-F5344CB8AC3E}">
-        <p14:creationId xmlns:p14="http://schemas.microsoft.com/office/powerpoint/2010/main" val="2741620943"/>
+        <p14:creationId xmlns:p14="http://schemas.microsoft.com/office/powerpoint/2010/main" val="1818725271"/>
       </p:ext>
     </p:extLst>
   </p:cSld>

--- a/Slides/E91 Protocol.pptx
+++ b/Slides/E91 Protocol.pptx
@@ -3009,7 +3009,7 @@
           <a:p>
             <a:fld id="{E5D1D04D-EF92-4C76-B83B-385606B7E2D4}" type="datetimeFigureOut">
               <a:rPr lang="it-IT" smtClean="0"/>
-              <a:t>06/02/2025</a:t>
+              <a:t>13/02/2025</a:t>
             </a:fld>
             <a:endParaRPr lang="it-IT"/>
           </a:p>
@@ -4082,7 +4082,7 @@
           <a:p>
             <a:fld id="{500455EF-361E-4070-8C1A-88C48059B2BF}" type="datetimeFigureOut">
               <a:rPr lang="it-IT" smtClean="0"/>
-              <a:t>06/02/2025</a:t>
+              <a:t>13/02/2025</a:t>
             </a:fld>
             <a:endParaRPr lang="it-IT"/>
           </a:p>
@@ -4280,7 +4280,7 @@
           <a:p>
             <a:fld id="{500455EF-361E-4070-8C1A-88C48059B2BF}" type="datetimeFigureOut">
               <a:rPr lang="it-IT" smtClean="0"/>
-              <a:t>06/02/2025</a:t>
+              <a:t>13/02/2025</a:t>
             </a:fld>
             <a:endParaRPr lang="it-IT"/>
           </a:p>
@@ -5575,8 +5575,8 @@
           <a:chExt cx="0" cy="0"/>
         </a:xfrm>
       </p:grpSpPr>
-      <mc:AlternateContent xmlns:mc="http://schemas.openxmlformats.org/markup-compatibility/2006">
-        <mc:Choice xmlns:a14="http://schemas.microsoft.com/office/drawing/2010/main" Requires="a14">
+      <mc:AlternateContent xmlns:mc="http://schemas.openxmlformats.org/markup-compatibility/2006" xmlns:a14="http://schemas.microsoft.com/office/drawing/2010/main">
+        <mc:Choice Requires="a14">
           <p:sp>
             <p:nvSpPr>
               <p:cNvPr id="57" name="CasellaDiTesto 56">
@@ -5658,7 +5658,7 @@
             </p:txBody>
           </p:sp>
         </mc:Choice>
-        <mc:Fallback>
+        <mc:Fallback xmlns="">
           <p:sp>
             <p:nvSpPr>
               <p:cNvPr id="57" name="CasellaDiTesto 56">
@@ -6146,8 +6146,8 @@
                   </a:fontRef>
                 </p:style>
               </p:cxnSp>
-              <mc:AlternateContent xmlns:mc="http://schemas.openxmlformats.org/markup-compatibility/2006">
-                <mc:Choice xmlns:a14="http://schemas.microsoft.com/office/drawing/2010/main" Requires="a14">
+              <mc:AlternateContent xmlns:mc="http://schemas.openxmlformats.org/markup-compatibility/2006" xmlns:a14="http://schemas.microsoft.com/office/drawing/2010/main">
+                <mc:Choice Requires="a14">
                   <p:sp>
                     <p:nvSpPr>
                       <p:cNvPr id="7" name="CasellaDiTesto 6">
@@ -6238,7 +6238,7 @@
                     </p:txBody>
                   </p:sp>
                 </mc:Choice>
-                <mc:Fallback>
+                <mc:Fallback xmlns="">
                   <p:sp>
                     <p:nvSpPr>
                       <p:cNvPr id="7" name="CasellaDiTesto 6">
@@ -6283,8 +6283,8 @@
                   </p:sp>
                 </mc:Fallback>
               </mc:AlternateContent>
-              <mc:AlternateContent xmlns:mc="http://schemas.openxmlformats.org/markup-compatibility/2006">
-                <mc:Choice xmlns:a14="http://schemas.microsoft.com/office/drawing/2010/main" Requires="a14">
+              <mc:AlternateContent xmlns:mc="http://schemas.openxmlformats.org/markup-compatibility/2006" xmlns:a14="http://schemas.microsoft.com/office/drawing/2010/main">
+                <mc:Choice Requires="a14">
                   <p:sp>
                     <p:nvSpPr>
                       <p:cNvPr id="8" name="CasellaDiTesto 7">
@@ -6375,7 +6375,7 @@
                     </p:txBody>
                   </p:sp>
                 </mc:Choice>
-                <mc:Fallback>
+                <mc:Fallback xmlns="">
                   <p:sp>
                     <p:nvSpPr>
                       <p:cNvPr id="8" name="CasellaDiTesto 7">
@@ -6496,8 +6496,8 @@
                     </a:p>
                   </p:txBody>
                 </p:sp>
-                <mc:AlternateContent xmlns:mc="http://schemas.openxmlformats.org/markup-compatibility/2006">
-                  <mc:Choice xmlns:a14="http://schemas.microsoft.com/office/drawing/2010/main" Requires="a14">
+                <mc:AlternateContent xmlns:mc="http://schemas.openxmlformats.org/markup-compatibility/2006" xmlns:a14="http://schemas.microsoft.com/office/drawing/2010/main">
+                  <mc:Choice Requires="a14">
                     <p:sp>
                       <p:nvSpPr>
                         <p:cNvPr id="11" name="CasellaDiTesto 10">
@@ -6560,7 +6560,7 @@
                       </p:txBody>
                     </p:sp>
                   </mc:Choice>
-                  <mc:Fallback>
+                  <mc:Fallback xmlns="">
                     <p:sp>
                       <p:nvSpPr>
                         <p:cNvPr id="11" name="CasellaDiTesto 10">
@@ -6607,8 +6607,8 @@
                 </mc:AlternateContent>
               </p:grpSp>
             </p:grpSp>
-            <mc:AlternateContent xmlns:mc="http://schemas.openxmlformats.org/markup-compatibility/2006">
-              <mc:Choice xmlns:a14="http://schemas.microsoft.com/office/drawing/2010/main" Requires="a14">
+            <mc:AlternateContent xmlns:mc="http://schemas.openxmlformats.org/markup-compatibility/2006" xmlns:a14="http://schemas.microsoft.com/office/drawing/2010/main">
+              <mc:Choice Requires="a14">
                 <p:sp>
                   <p:nvSpPr>
                     <p:cNvPr id="44" name="CasellaDiTesto 43">
@@ -6745,7 +6745,7 @@
                   </p:txBody>
                 </p:sp>
               </mc:Choice>
-              <mc:Fallback>
+              <mc:Fallback xmlns="">
                 <p:sp>
                   <p:nvSpPr>
                     <p:cNvPr id="44" name="CasellaDiTesto 43">
@@ -7135,8 +7135,8 @@
               </a:fontRef>
             </p:style>
           </p:cxnSp>
-          <mc:AlternateContent xmlns:mc="http://schemas.openxmlformats.org/markup-compatibility/2006">
-            <mc:Choice xmlns:a14="http://schemas.microsoft.com/office/drawing/2010/main" Requires="a14">
+          <mc:AlternateContent xmlns:mc="http://schemas.openxmlformats.org/markup-compatibility/2006" xmlns:a14="http://schemas.microsoft.com/office/drawing/2010/main">
+            <mc:Choice Requires="a14">
               <p:sp>
                 <p:nvSpPr>
                   <p:cNvPr id="33" name="CasellaDiTesto 32">
@@ -7227,7 +7227,7 @@
                 </p:txBody>
               </p:sp>
             </mc:Choice>
-            <mc:Fallback>
+            <mc:Fallback xmlns="">
               <p:sp>
                 <p:nvSpPr>
                   <p:cNvPr id="33" name="CasellaDiTesto 32">
@@ -7272,8 +7272,8 @@
               </p:sp>
             </mc:Fallback>
           </mc:AlternateContent>
-          <mc:AlternateContent xmlns:mc="http://schemas.openxmlformats.org/markup-compatibility/2006">
-            <mc:Choice xmlns:a14="http://schemas.microsoft.com/office/drawing/2010/main" Requires="a14">
+          <mc:AlternateContent xmlns:mc="http://schemas.openxmlformats.org/markup-compatibility/2006" xmlns:a14="http://schemas.microsoft.com/office/drawing/2010/main">
+            <mc:Choice Requires="a14">
               <p:sp>
                 <p:nvSpPr>
                   <p:cNvPr id="34" name="CasellaDiTesto 33">
@@ -7364,7 +7364,7 @@
                 </p:txBody>
               </p:sp>
             </mc:Choice>
-            <mc:Fallback>
+            <mc:Fallback xmlns="">
               <p:sp>
                 <p:nvSpPr>
                   <p:cNvPr id="34" name="CasellaDiTesto 33">
@@ -7485,8 +7485,8 @@
                 </a:p>
               </p:txBody>
             </p:sp>
-            <mc:AlternateContent xmlns:mc="http://schemas.openxmlformats.org/markup-compatibility/2006">
-              <mc:Choice xmlns:a14="http://schemas.microsoft.com/office/drawing/2010/main" Requires="a14">
+            <mc:AlternateContent xmlns:mc="http://schemas.openxmlformats.org/markup-compatibility/2006" xmlns:a14="http://schemas.microsoft.com/office/drawing/2010/main">
+              <mc:Choice Requires="a14">
                 <p:sp>
                   <p:nvSpPr>
                     <p:cNvPr id="60" name="CasellaDiTesto 59">
@@ -7549,7 +7549,7 @@
                   </p:txBody>
                 </p:sp>
               </mc:Choice>
-              <mc:Fallback>
+              <mc:Fallback xmlns="">
                 <p:sp>
                   <p:nvSpPr>
                     <p:cNvPr id="60" name="CasellaDiTesto 59">
@@ -7595,8 +7595,8 @@
               </mc:Fallback>
             </mc:AlternateContent>
           </p:grpSp>
-          <mc:AlternateContent xmlns:mc="http://schemas.openxmlformats.org/markup-compatibility/2006">
-            <mc:Choice xmlns:a14="http://schemas.microsoft.com/office/drawing/2010/main" Requires="a14">
+          <mc:AlternateContent xmlns:mc="http://schemas.openxmlformats.org/markup-compatibility/2006" xmlns:a14="http://schemas.microsoft.com/office/drawing/2010/main">
+            <mc:Choice Requires="a14">
               <p:sp>
                 <p:nvSpPr>
                   <p:cNvPr id="29" name="CasellaDiTesto 28">
@@ -7733,7 +7733,7 @@
                 </p:txBody>
               </p:sp>
             </mc:Choice>
-            <mc:Fallback>
+            <mc:Fallback xmlns="">
               <p:sp>
                 <p:nvSpPr>
                   <p:cNvPr id="29" name="CasellaDiTesto 28">
@@ -7971,8 +7971,8 @@
           </a:fontRef>
         </p:style>
       </p:cxnSp>
-      <mc:AlternateContent xmlns:mc="http://schemas.openxmlformats.org/markup-compatibility/2006">
-        <mc:Choice xmlns:a14="http://schemas.microsoft.com/office/drawing/2010/main" Requires="a14">
+      <mc:AlternateContent xmlns:mc="http://schemas.openxmlformats.org/markup-compatibility/2006" xmlns:a14="http://schemas.microsoft.com/office/drawing/2010/main">
+        <mc:Choice Requires="a14">
           <p:sp>
             <p:nvSpPr>
               <p:cNvPr id="71" name="CasellaDiTesto 70">
@@ -8054,7 +8054,7 @@
             </p:txBody>
           </p:sp>
         </mc:Choice>
-        <mc:Fallback>
+        <mc:Fallback xmlns="">
           <p:sp>
             <p:nvSpPr>
               <p:cNvPr id="71" name="CasellaDiTesto 70">
@@ -15850,7 +15850,7 @@
                       <a:srgbClr val="F4F3EE"/>
                     </a:solidFill>
                   </a:rPr>
-                  <a:t>BETWEEN ALICE’S AMD BOB’S SECRET KEYS</a:t>
+                  <a:t>BETWEEN ALICE’S AND BOB’S SECRET KEYS</a:t>
                 </a:r>
                 <a:endParaRPr lang="en-US" sz="1200" spc="300" dirty="0">
                   <a:solidFill>
@@ -25398,7 +25398,7 @@
         </p:nvSpPr>
         <p:spPr>
           <a:xfrm>
-            <a:off x="2450852" y="5241418"/>
+            <a:off x="2450852" y="5698621"/>
             <a:ext cx="7290297" cy="292388"/>
           </a:xfrm>
           <a:prstGeom prst="rect">
@@ -25438,7 +25438,7 @@
         </p:nvSpPr>
         <p:spPr>
           <a:xfrm>
-            <a:off x="2450852" y="2429002"/>
+            <a:off x="2450852" y="2357282"/>
             <a:ext cx="7290297" cy="892552"/>
           </a:xfrm>
           <a:prstGeom prst="rect">
@@ -25528,279 +25528,254 @@
           </a:p>
         </p:txBody>
       </p:sp>
-      <mc:AlternateContent xmlns:mc="http://schemas.openxmlformats.org/markup-compatibility/2006">
-        <mc:Choice xmlns:a14="http://schemas.microsoft.com/office/drawing/2010/main" Requires="a14">
-          <p:sp>
-            <p:nvSpPr>
-              <p:cNvPr id="15" name="CasellaDiTesto 14">
-                <a:extLst>
-                  <a:ext uri="{FF2B5EF4-FFF2-40B4-BE49-F238E27FC236}">
-                    <a16:creationId xmlns:a16="http://schemas.microsoft.com/office/drawing/2014/main" id="{027F50FE-92CB-3440-C29E-1D81EB2B016D}"/>
-                  </a:ext>
-                </a:extLst>
-              </p:cNvPr>
-              <p:cNvSpPr txBox="1"/>
-              <p:nvPr/>
-            </p:nvSpPr>
-            <p:spPr>
-              <a:xfrm>
-                <a:off x="2450852" y="3651250"/>
-                <a:ext cx="7290297" cy="1260473"/>
-              </a:xfrm>
-              <a:prstGeom prst="rect">
-                <a:avLst/>
-              </a:prstGeom>
-              <a:noFill/>
-            </p:spPr>
-            <p:txBody>
-              <a:bodyPr wrap="square" rtlCol="0">
-                <a:spAutoFit/>
-              </a:bodyPr>
-              <a:lstStyle/>
-              <a:p>
-                <a:pPr algn="just"/>
-                <a:r>
-                  <a:rPr lang="en-US" sz="1300" spc="300" dirty="0">
-                    <a:solidFill>
-                      <a:srgbClr val="F4F3EE"/>
-                    </a:solidFill>
-                  </a:rPr>
-                  <a:t>THE NUMBER OF BITS IN THE RESULTING KEY TENDS TOWARD </a:t>
-                </a:r>
-                <a14:m>
-                  <m:oMath xmlns:m="http://schemas.openxmlformats.org/officeDocument/2006/math">
-                    <m:f>
-                      <m:fPr>
-                        <m:ctrlPr>
-                          <a:rPr lang="it-IT" sz="1300" b="0" i="1" spc="300" smtClean="0">
-                            <a:solidFill>
-                              <a:srgbClr val="F4F3EE"/>
-                            </a:solidFill>
-                            <a:latin typeface="Cambria Math" panose="02040503050406030204" pitchFamily="18" charset="0"/>
-                          </a:rPr>
-                        </m:ctrlPr>
-                      </m:fPr>
-                      <m:num>
-                        <m:r>
-                          <a:rPr lang="it-IT" sz="1300" b="0" i="1" spc="300" smtClean="0">
-                            <a:solidFill>
-                              <a:srgbClr val="F4F3EE"/>
-                            </a:solidFill>
-                            <a:latin typeface="Cambria Math" panose="02040503050406030204" pitchFamily="18" charset="0"/>
-                          </a:rPr>
-                          <m:t>2</m:t>
-                        </m:r>
-                      </m:num>
-                      <m:den>
-                        <m:r>
-                          <a:rPr lang="it-IT" sz="1300" b="0" i="1" spc="300" smtClean="0">
-                            <a:solidFill>
-                              <a:srgbClr val="F4F3EE"/>
-                            </a:solidFill>
-                            <a:latin typeface="Cambria Math" panose="02040503050406030204" pitchFamily="18" charset="0"/>
-                          </a:rPr>
-                          <m:t>9</m:t>
-                        </m:r>
-                      </m:den>
-                    </m:f>
-                  </m:oMath>
-                </a14:m>
-                <a:r>
-                  <a:rPr lang="en-US" sz="1300" spc="300" dirty="0">
-                    <a:solidFill>
-                      <a:srgbClr val="F4F3EE"/>
-                    </a:solidFill>
-                  </a:rPr>
-                  <a:t>, AS ONLY TWO OUT OF NINE POSSIBLE CHOICES OF OBSERVABLES BY ALICE AND BOB CONTRIBUTE TO KEY GENERATION. WITH MORE EPR PAIRS, THE KEY LENGTH RATIO APPROACHES </a:t>
-                </a:r>
-                <a14:m>
-                  <m:oMath xmlns:m="http://schemas.openxmlformats.org/officeDocument/2006/math">
-                    <m:f>
-                      <m:fPr>
-                        <m:ctrlPr>
-                          <a:rPr lang="it-IT" sz="1300" i="1" spc="300">
-                            <a:solidFill>
-                              <a:srgbClr val="F4F3EE"/>
-                            </a:solidFill>
-                            <a:latin typeface="Cambria Math" panose="02040503050406030204" pitchFamily="18" charset="0"/>
-                          </a:rPr>
-                        </m:ctrlPr>
-                      </m:fPr>
-                      <m:num>
-                        <m:r>
-                          <a:rPr lang="it-IT" sz="1300" i="1" spc="300">
-                            <a:solidFill>
-                              <a:srgbClr val="F4F3EE"/>
-                            </a:solidFill>
-                            <a:latin typeface="Cambria Math" panose="02040503050406030204" pitchFamily="18" charset="0"/>
-                          </a:rPr>
-                          <m:t>2</m:t>
-                        </m:r>
-                      </m:num>
-                      <m:den>
-                        <m:r>
-                          <a:rPr lang="it-IT" sz="1300" i="1" spc="300">
-                            <a:solidFill>
-                              <a:srgbClr val="F4F3EE"/>
-                            </a:solidFill>
-                            <a:latin typeface="Cambria Math" panose="02040503050406030204" pitchFamily="18" charset="0"/>
-                          </a:rPr>
-                          <m:t>9</m:t>
-                        </m:r>
-                      </m:den>
-                    </m:f>
-                  </m:oMath>
-                </a14:m>
-                <a:r>
-                  <a:rPr lang="en-US" sz="1300" spc="300" dirty="0">
-                    <a:solidFill>
-                      <a:srgbClr val="F4F3EE"/>
-                    </a:solidFill>
-                  </a:rPr>
-                  <a:t>, WHEREAS WITH FEWER PAIRS, NOISE BECOMES MORE PRONOUNCED. </a:t>
-                </a:r>
-              </a:p>
-            </p:txBody>
-          </p:sp>
-        </mc:Choice>
-        <mc:Fallback>
-          <p:sp>
-            <p:nvSpPr>
-              <p:cNvPr id="15" name="CasellaDiTesto 14">
-                <a:extLst>
-                  <a:ext uri="{FF2B5EF4-FFF2-40B4-BE49-F238E27FC236}">
-                    <a16:creationId xmlns:a16="http://schemas.microsoft.com/office/drawing/2014/main" id="{027F50FE-92CB-3440-C29E-1D81EB2B016D}"/>
-                  </a:ext>
-                </a:extLst>
-              </p:cNvPr>
-              <p:cNvSpPr txBox="1">
-                <a:spLocks noRot="1" noChangeAspect="1" noMove="1" noResize="1" noEditPoints="1" noAdjustHandles="1" noChangeArrowheads="1" noChangeShapeType="1" noTextEdit="1"/>
-              </p:cNvSpPr>
-              <p:nvPr/>
-            </p:nvSpPr>
-            <p:spPr>
-              <a:xfrm>
-                <a:off x="2450852" y="3651250"/>
-                <a:ext cx="7290297" cy="1260473"/>
-              </a:xfrm>
-              <a:prstGeom prst="rect">
-                <a:avLst/>
-              </a:prstGeom>
-              <a:blipFill>
-                <a:blip r:embed="rId2"/>
-                <a:stretch>
-                  <a:fillRect l="-84" r="-167" b="-3382"/>
-                </a:stretch>
-              </a:blipFill>
-            </p:spPr>
-            <p:txBody>
-              <a:bodyPr/>
-              <a:lstStyle/>
-              <a:p>
-                <a:r>
-                  <a:rPr lang="it-IT">
-                    <a:noFill/>
-                  </a:rPr>
-                  <a:t> </a:t>
-                </a:r>
-              </a:p>
-            </p:txBody>
-          </p:sp>
-        </mc:Fallback>
-      </mc:AlternateContent>
-      <p:sp>
-        <p:nvSpPr>
-          <p:cNvPr id="16" name="Parentesi graffa chiusa 15">
+      <p:grpSp>
+        <p:nvGrpSpPr>
+          <p:cNvPr id="5" name="Gruppo 4">
             <a:extLst>
               <a:ext uri="{FF2B5EF4-FFF2-40B4-BE49-F238E27FC236}">
-                <a16:creationId xmlns:a16="http://schemas.microsoft.com/office/drawing/2014/main" id="{18B19C64-12B7-00DA-0E61-A1561FB471D2}"/>
+                <a16:creationId xmlns:a16="http://schemas.microsoft.com/office/drawing/2014/main" id="{36C39750-156F-8AF3-78A6-23BAB2D326EB}"/>
               </a:ext>
             </a:extLst>
           </p:cNvPr>
-          <p:cNvSpPr/>
+          <p:cNvGrpSpPr/>
           <p:nvPr/>
-        </p:nvSpPr>
-        <p:spPr>
-          <a:xfrm flipH="1">
-            <a:off x="1952485" y="3568096"/>
-            <a:ext cx="585620" cy="1426780"/>
+        </p:nvGrpSpPr>
+        <p:grpSpPr>
+          <a:xfrm>
+            <a:off x="667677" y="3425429"/>
+            <a:ext cx="9073472" cy="2097598"/>
+            <a:chOff x="667677" y="3415696"/>
+            <a:chExt cx="9073472" cy="2097598"/>
           </a:xfrm>
-          <a:prstGeom prst="rightBrace">
-            <a:avLst>
-              <a:gd name="adj1" fmla="val 0"/>
-              <a:gd name="adj2" fmla="val 50000"/>
-            </a:avLst>
-          </a:prstGeom>
-          <a:ln w="28575" cap="rnd">
-            <a:solidFill>
-              <a:srgbClr val="E0AFA0"/>
-            </a:solidFill>
-            <a:bevel/>
-          </a:ln>
-        </p:spPr>
-        <p:style>
-          <a:lnRef idx="2">
-            <a:schemeClr val="accent1"/>
-          </a:lnRef>
-          <a:fillRef idx="0">
-            <a:schemeClr val="accent1"/>
-          </a:fillRef>
-          <a:effectRef idx="1">
-            <a:schemeClr val="accent1"/>
-          </a:effectRef>
-          <a:fontRef idx="minor">
-            <a:schemeClr val="tx1"/>
-          </a:fontRef>
-        </p:style>
-        <p:txBody>
-          <a:bodyPr rtlCol="0" anchor="ctr"/>
-          <a:lstStyle/>
-          <a:p>
-            <a:pPr algn="ctr"/>
-            <a:endParaRPr lang="it-IT" dirty="0"/>
-          </a:p>
-        </p:txBody>
-      </p:sp>
-      <p:sp>
-        <p:nvSpPr>
-          <p:cNvPr id="17" name="CasellaDiTesto 16">
-            <a:extLst>
-              <a:ext uri="{FF2B5EF4-FFF2-40B4-BE49-F238E27FC236}">
-                <a16:creationId xmlns:a16="http://schemas.microsoft.com/office/drawing/2014/main" id="{3D3C228F-6D7D-1411-1A4F-9C7E147F7D1C}"/>
-              </a:ext>
-            </a:extLst>
-          </p:cNvPr>
-          <p:cNvSpPr txBox="1"/>
-          <p:nvPr/>
-        </p:nvSpPr>
-        <p:spPr>
-          <a:xfrm>
-            <a:off x="667677" y="4050653"/>
-            <a:ext cx="1284808" cy="461665"/>
-          </a:xfrm>
-          <a:prstGeom prst="rect">
-            <a:avLst/>
-          </a:prstGeom>
-          <a:noFill/>
-        </p:spPr>
-        <p:txBody>
-          <a:bodyPr wrap="square" rtlCol="0">
-            <a:spAutoFit/>
-          </a:bodyPr>
-          <a:lstStyle/>
-          <a:p>
-            <a:pPr algn="ctr"/>
-            <a:r>
-              <a:rPr lang="en-US" sz="1200" b="1" spc="300" dirty="0">
-                <a:solidFill>
-                  <a:srgbClr val="E0AFA0"/>
-                </a:solidFill>
-              </a:rPr>
-              <a:t>CONCRETE EXAMPLE</a:t>
-            </a:r>
-          </a:p>
-        </p:txBody>
-      </p:sp>
+        </p:grpSpPr>
+        <mc:AlternateContent xmlns:mc="http://schemas.openxmlformats.org/markup-compatibility/2006" xmlns:a14="http://schemas.microsoft.com/office/drawing/2010/main">
+          <mc:Choice Requires="a14">
+            <p:sp>
+              <p:nvSpPr>
+                <p:cNvPr id="15" name="CasellaDiTesto 14">
+                  <a:extLst>
+                    <a:ext uri="{FF2B5EF4-FFF2-40B4-BE49-F238E27FC236}">
+                      <a16:creationId xmlns:a16="http://schemas.microsoft.com/office/drawing/2014/main" id="{027F50FE-92CB-3440-C29E-1D81EB2B016D}"/>
+                    </a:ext>
+                  </a:extLst>
+                </p:cNvPr>
+                <p:cNvSpPr txBox="1"/>
+                <p:nvPr/>
+              </p:nvSpPr>
+              <p:spPr>
+                <a:xfrm>
+                  <a:off x="2450852" y="3476115"/>
+                  <a:ext cx="7290297" cy="1976760"/>
+                </a:xfrm>
+                <a:prstGeom prst="rect">
+                  <a:avLst/>
+                </a:prstGeom>
+                <a:noFill/>
+              </p:spPr>
+              <p:txBody>
+                <a:bodyPr wrap="square" rtlCol="0">
+                  <a:spAutoFit/>
+                </a:bodyPr>
+                <a:lstStyle/>
+                <a:p>
+                  <a:pPr algn="just"/>
+                  <a:r>
+                    <a:rPr lang="en-US" sz="1300" spc="300" dirty="0">
+                      <a:solidFill>
+                        <a:srgbClr val="F4F3EE"/>
+                      </a:solidFill>
+                    </a:rPr>
+                    <a:t>WHEN THE NUMBER OF EPR PAIRS IS LARGE, THE RATIO OF KEY BITS TO TOTAL EPR PAIRS CONVERGES TOWARD </a:t>
+                  </a:r>
+                  <a14:m>
+                    <m:oMath xmlns:m="http://schemas.openxmlformats.org/officeDocument/2006/math">
+                      <m:f>
+                        <m:fPr>
+                          <m:ctrlPr>
+                            <a:rPr lang="it-IT" sz="1300" b="0" i="1" spc="300" smtClean="0">
+                              <a:solidFill>
+                                <a:srgbClr val="F4F3EE"/>
+                              </a:solidFill>
+                              <a:latin typeface="Cambria Math" panose="02040503050406030204" pitchFamily="18" charset="0"/>
+                            </a:rPr>
+                          </m:ctrlPr>
+                        </m:fPr>
+                        <m:num>
+                          <m:r>
+                            <a:rPr lang="it-IT" sz="1300" b="0" i="1" spc="300" smtClean="0">
+                              <a:solidFill>
+                                <a:srgbClr val="F4F3EE"/>
+                              </a:solidFill>
+                              <a:latin typeface="Cambria Math" panose="02040503050406030204" pitchFamily="18" charset="0"/>
+                            </a:rPr>
+                            <m:t>2</m:t>
+                          </m:r>
+                        </m:num>
+                        <m:den>
+                          <m:r>
+                            <a:rPr lang="it-IT" sz="1300" b="0" i="1" spc="300" smtClean="0">
+                              <a:solidFill>
+                                <a:srgbClr val="F4F3EE"/>
+                              </a:solidFill>
+                              <a:latin typeface="Cambria Math" panose="02040503050406030204" pitchFamily="18" charset="0"/>
+                            </a:rPr>
+                            <m:t>9</m:t>
+                          </m:r>
+                        </m:den>
+                      </m:f>
+                    </m:oMath>
+                  </a14:m>
+                  <a:r>
+                    <a:rPr lang="en-US" sz="1300" spc="300" dirty="0">
+                      <a:solidFill>
+                        <a:srgbClr val="F4F3EE"/>
+                      </a:solidFill>
+                    </a:rPr>
+                    <a:t>, SINCE ONLY TWO OUT OF NINE POSSIBLE CHOICES OF OBSERVABLES BY ALICE AND BOB CONTRIBUTE TO KEY GENERATION. HOWEVER, WITH FEWER EPR PAIRS, RANDOMNESS HAS A MUCH GREATER IMPACT, CAUSING SIGNIFICANT DEVIATIONS FROM THE EXPECTED VALUE IN INDIVIDUAL EXECUTIONS. THIS INCREASED VARIABILITY MAKES THE RESULTS LESS RELIABLE, AS STATISTICAL FLUCTUATIONS BECOME MORE PRONOUNCED.</a:t>
+                  </a:r>
+                </a:p>
+              </p:txBody>
+            </p:sp>
+          </mc:Choice>
+          <mc:Fallback xmlns="">
+            <p:sp>
+              <p:nvSpPr>
+                <p:cNvPr id="15" name="CasellaDiTesto 14">
+                  <a:extLst>
+                    <a:ext uri="{FF2B5EF4-FFF2-40B4-BE49-F238E27FC236}">
+                      <a16:creationId xmlns:a16="http://schemas.microsoft.com/office/drawing/2014/main" id="{027F50FE-92CB-3440-C29E-1D81EB2B016D}"/>
+                    </a:ext>
+                  </a:extLst>
+                </p:cNvPr>
+                <p:cNvSpPr txBox="1">
+                  <a:spLocks noRot="1" noChangeAspect="1" noMove="1" noResize="1" noEditPoints="1" noAdjustHandles="1" noChangeArrowheads="1" noChangeShapeType="1" noTextEdit="1"/>
+                </p:cNvSpPr>
+                <p:nvPr/>
+              </p:nvSpPr>
+              <p:spPr>
+                <a:xfrm>
+                  <a:off x="2450852" y="3476115"/>
+                  <a:ext cx="7290297" cy="1976760"/>
+                </a:xfrm>
+                <a:prstGeom prst="rect">
+                  <a:avLst/>
+                </a:prstGeom>
+                <a:blipFill>
+                  <a:blip r:embed="rId2"/>
+                  <a:stretch>
+                    <a:fillRect l="-84" r="-167" b="-2160"/>
+                  </a:stretch>
+                </a:blipFill>
+              </p:spPr>
+              <p:txBody>
+                <a:bodyPr/>
+                <a:lstStyle/>
+                <a:p>
+                  <a:r>
+                    <a:rPr lang="it-IT">
+                      <a:noFill/>
+                    </a:rPr>
+                    <a:t> </a:t>
+                  </a:r>
+                </a:p>
+              </p:txBody>
+            </p:sp>
+          </mc:Fallback>
+        </mc:AlternateContent>
+        <p:sp>
+          <p:nvSpPr>
+            <p:cNvPr id="16" name="Parentesi graffa chiusa 15">
+              <a:extLst>
+                <a:ext uri="{FF2B5EF4-FFF2-40B4-BE49-F238E27FC236}">
+                  <a16:creationId xmlns:a16="http://schemas.microsoft.com/office/drawing/2014/main" id="{18B19C64-12B7-00DA-0E61-A1561FB471D2}"/>
+                </a:ext>
+              </a:extLst>
+            </p:cNvPr>
+            <p:cNvSpPr/>
+            <p:nvPr/>
+          </p:nvSpPr>
+          <p:spPr>
+            <a:xfrm flipH="1">
+              <a:off x="1952485" y="3415696"/>
+              <a:ext cx="585620" cy="2097598"/>
+            </a:xfrm>
+            <a:prstGeom prst="rightBrace">
+              <a:avLst>
+                <a:gd name="adj1" fmla="val 0"/>
+                <a:gd name="adj2" fmla="val 50000"/>
+              </a:avLst>
+            </a:prstGeom>
+            <a:ln w="28575" cap="rnd">
+              <a:solidFill>
+                <a:srgbClr val="E0AFA0"/>
+              </a:solidFill>
+              <a:bevel/>
+            </a:ln>
+          </p:spPr>
+          <p:style>
+            <a:lnRef idx="2">
+              <a:schemeClr val="accent1"/>
+            </a:lnRef>
+            <a:fillRef idx="0">
+              <a:schemeClr val="accent1"/>
+            </a:fillRef>
+            <a:effectRef idx="1">
+              <a:schemeClr val="accent1"/>
+            </a:effectRef>
+            <a:fontRef idx="minor">
+              <a:schemeClr val="tx1"/>
+            </a:fontRef>
+          </p:style>
+          <p:txBody>
+            <a:bodyPr rtlCol="0" anchor="ctr"/>
+            <a:lstStyle/>
+            <a:p>
+              <a:pPr algn="ctr"/>
+              <a:endParaRPr lang="it-IT" dirty="0"/>
+            </a:p>
+          </p:txBody>
+        </p:sp>
+        <p:sp>
+          <p:nvSpPr>
+            <p:cNvPr id="17" name="CasellaDiTesto 16">
+              <a:extLst>
+                <a:ext uri="{FF2B5EF4-FFF2-40B4-BE49-F238E27FC236}">
+                  <a16:creationId xmlns:a16="http://schemas.microsoft.com/office/drawing/2014/main" id="{3D3C228F-6D7D-1411-1A4F-9C7E147F7D1C}"/>
+                </a:ext>
+              </a:extLst>
+            </p:cNvPr>
+            <p:cNvSpPr txBox="1"/>
+            <p:nvPr/>
+          </p:nvSpPr>
+          <p:spPr>
+            <a:xfrm>
+              <a:off x="667677" y="4233663"/>
+              <a:ext cx="1284808" cy="461665"/>
+            </a:xfrm>
+            <a:prstGeom prst="rect">
+              <a:avLst/>
+            </a:prstGeom>
+            <a:noFill/>
+          </p:spPr>
+          <p:txBody>
+            <a:bodyPr wrap="square" rtlCol="0">
+              <a:spAutoFit/>
+            </a:bodyPr>
+            <a:lstStyle/>
+            <a:p>
+              <a:pPr algn="ctr"/>
+              <a:r>
+                <a:rPr lang="en-US" sz="1200" b="1" spc="300" dirty="0">
+                  <a:solidFill>
+                    <a:srgbClr val="E0AFA0"/>
+                  </a:solidFill>
+                </a:rPr>
+                <a:t>CONCRETE EXAMPLE</a:t>
+              </a:r>
+            </a:p>
+          </p:txBody>
+        </p:sp>
+      </p:grpSp>
     </p:spTree>
     <p:extLst>
       <p:ext uri="{BB962C8B-B14F-4D97-AF65-F5344CB8AC3E}">
@@ -25845,8 +25820,8 @@
           <a:chExt cx="0" cy="0"/>
         </a:xfrm>
       </p:grpSpPr>
-      <mc:AlternateContent xmlns:mc="http://schemas.openxmlformats.org/markup-compatibility/2006">
-        <mc:Choice xmlns:a14="http://schemas.microsoft.com/office/drawing/2010/main" Requires="a14">
+      <mc:AlternateContent xmlns:mc="http://schemas.openxmlformats.org/markup-compatibility/2006" xmlns:a14="http://schemas.microsoft.com/office/drawing/2010/main">
+        <mc:Choice Requires="a14">
           <p:sp>
             <p:nvSpPr>
               <p:cNvPr id="2" name="CasellaDiTesto 1">
@@ -25964,7 +25939,7 @@
             </p:txBody>
           </p:sp>
         </mc:Choice>
-        <mc:Fallback>
+        <mc:Fallback xmlns="">
           <p:sp>
             <p:nvSpPr>
               <p:cNvPr id="2" name="CasellaDiTesto 1">
@@ -26009,8 +25984,8 @@
           </p:sp>
         </mc:Fallback>
       </mc:AlternateContent>
-      <mc:AlternateContent xmlns:mc="http://schemas.openxmlformats.org/markup-compatibility/2006">
-        <mc:Choice xmlns:a14="http://schemas.microsoft.com/office/drawing/2010/main" Requires="a14">
+      <mc:AlternateContent xmlns:mc="http://schemas.openxmlformats.org/markup-compatibility/2006" xmlns:a14="http://schemas.microsoft.com/office/drawing/2010/main">
+        <mc:Choice Requires="a14">
           <p:sp>
             <p:nvSpPr>
               <p:cNvPr id="10" name="CasellaDiTesto 9">
@@ -26127,7 +26102,7 @@
             </p:txBody>
           </p:sp>
         </mc:Choice>
-        <mc:Fallback>
+        <mc:Fallback xmlns="">
           <p:sp>
             <p:nvSpPr>
               <p:cNvPr id="10" name="CasellaDiTesto 9">
@@ -26172,8 +26147,8 @@
           </p:sp>
         </mc:Fallback>
       </mc:AlternateContent>
-      <mc:AlternateContent xmlns:mc="http://schemas.openxmlformats.org/markup-compatibility/2006">
-        <mc:Choice xmlns:a14="http://schemas.microsoft.com/office/drawing/2010/main" Requires="a14">
+      <mc:AlternateContent xmlns:mc="http://schemas.openxmlformats.org/markup-compatibility/2006" xmlns:a14="http://schemas.microsoft.com/office/drawing/2010/main">
+        <mc:Choice Requires="a14">
           <p:sp>
             <p:nvSpPr>
               <p:cNvPr id="14" name="CasellaDiTesto 13">
@@ -26346,7 +26321,7 @@
             </p:txBody>
           </p:sp>
         </mc:Choice>
-        <mc:Fallback>
+        <mc:Fallback xmlns="">
           <p:sp>
             <p:nvSpPr>
               <p:cNvPr id="14" name="CasellaDiTesto 13">
@@ -26391,8 +26366,8 @@
           </p:sp>
         </mc:Fallback>
       </mc:AlternateContent>
-      <mc:AlternateContent xmlns:mc="http://schemas.openxmlformats.org/markup-compatibility/2006">
-        <mc:Choice xmlns:a14="http://schemas.microsoft.com/office/drawing/2010/main" Requires="a14">
+      <mc:AlternateContent xmlns:mc="http://schemas.openxmlformats.org/markup-compatibility/2006" xmlns:a14="http://schemas.microsoft.com/office/drawing/2010/main">
+        <mc:Choice Requires="a14">
           <p:sp>
             <p:nvSpPr>
               <p:cNvPr id="16" name="CasellaDiTesto 15">
@@ -26481,7 +26456,7 @@
             </p:txBody>
           </p:sp>
         </mc:Choice>
-        <mc:Fallback>
+        <mc:Fallback xmlns="">
           <p:sp>
             <p:nvSpPr>
               <p:cNvPr id="16" name="CasellaDiTesto 15">
@@ -26526,8 +26501,8 @@
           </p:sp>
         </mc:Fallback>
       </mc:AlternateContent>
-      <mc:AlternateContent xmlns:mc="http://schemas.openxmlformats.org/markup-compatibility/2006">
-        <mc:Choice xmlns:a14="http://schemas.microsoft.com/office/drawing/2010/main" Requires="a14">
+      <mc:AlternateContent xmlns:mc="http://schemas.openxmlformats.org/markup-compatibility/2006" xmlns:a14="http://schemas.microsoft.com/office/drawing/2010/main">
+        <mc:Choice Requires="a14">
           <p:sp>
             <p:nvSpPr>
               <p:cNvPr id="17" name="CasellaDiTesto 16">
@@ -26689,7 +26664,7 @@
             </p:txBody>
           </p:sp>
         </mc:Choice>
-        <mc:Fallback>
+        <mc:Fallback xmlns="">
           <p:sp>
             <p:nvSpPr>
               <p:cNvPr id="17" name="CasellaDiTesto 16">
@@ -27240,8 +27215,8 @@
           </a:p>
         </p:txBody>
       </p:sp>
-      <mc:AlternateContent xmlns:mc="http://schemas.openxmlformats.org/markup-compatibility/2006">
-        <mc:Choice xmlns:a14="http://schemas.microsoft.com/office/drawing/2010/main" Requires="a14">
+      <mc:AlternateContent xmlns:mc="http://schemas.openxmlformats.org/markup-compatibility/2006" xmlns:a14="http://schemas.microsoft.com/office/drawing/2010/main">
+        <mc:Choice Requires="a14">
           <p:sp>
             <p:nvSpPr>
               <p:cNvPr id="2" name="CasellaDiTesto 1">
@@ -27347,7 +27322,7 @@
             </p:txBody>
           </p:sp>
         </mc:Choice>
-        <mc:Fallback>
+        <mc:Fallback xmlns="">
           <p:sp>
             <p:nvSpPr>
               <p:cNvPr id="2" name="CasellaDiTesto 1">
@@ -27392,8 +27367,8 @@
           </p:sp>
         </mc:Fallback>
       </mc:AlternateContent>
-      <mc:AlternateContent xmlns:mc="http://schemas.openxmlformats.org/markup-compatibility/2006">
-        <mc:Choice xmlns:a14="http://schemas.microsoft.com/office/drawing/2010/main" Requires="a14">
+      <mc:AlternateContent xmlns:mc="http://schemas.openxmlformats.org/markup-compatibility/2006" xmlns:a14="http://schemas.microsoft.com/office/drawing/2010/main">
+        <mc:Choice Requires="a14">
           <p:sp>
             <p:nvSpPr>
               <p:cNvPr id="17" name="CasellaDiTesto 16">
@@ -27555,7 +27530,7 @@
             </p:txBody>
           </p:sp>
         </mc:Choice>
-        <mc:Fallback>
+        <mc:Fallback xmlns="">
           <p:sp>
             <p:nvSpPr>
               <p:cNvPr id="17" name="CasellaDiTesto 16">
@@ -27999,8 +27974,8 @@
           </mc:Fallback>
         </mc:AlternateContent>
       </p:grpSp>
-      <mc:AlternateContent xmlns:mc="http://schemas.openxmlformats.org/markup-compatibility/2006">
-        <mc:Choice xmlns:a14="http://schemas.microsoft.com/office/drawing/2010/main" Requires="a14">
+      <mc:AlternateContent xmlns:mc="http://schemas.openxmlformats.org/markup-compatibility/2006" xmlns:a14="http://schemas.microsoft.com/office/drawing/2010/main">
+        <mc:Choice Requires="a14">
           <p:sp>
             <p:nvSpPr>
               <p:cNvPr id="8" name="CasellaDiTesto 7">
@@ -28124,7 +28099,7 @@
             </p:txBody>
           </p:sp>
         </mc:Choice>
-        <mc:Fallback>
+        <mc:Fallback xmlns="">
           <p:sp>
             <p:nvSpPr>
               <p:cNvPr id="8" name="CasellaDiTesto 7">
@@ -28169,8 +28144,8 @@
           </p:sp>
         </mc:Fallback>
       </mc:AlternateContent>
-      <mc:AlternateContent xmlns:mc="http://schemas.openxmlformats.org/markup-compatibility/2006">
-        <mc:Choice xmlns:a14="http://schemas.microsoft.com/office/drawing/2010/main" Requires="a14">
+      <mc:AlternateContent xmlns:mc="http://schemas.openxmlformats.org/markup-compatibility/2006" xmlns:a14="http://schemas.microsoft.com/office/drawing/2010/main">
+        <mc:Choice Requires="a14">
           <p:sp>
             <p:nvSpPr>
               <p:cNvPr id="9" name="CasellaDiTesto 8">
@@ -28320,7 +28295,7 @@
             </p:txBody>
           </p:sp>
         </mc:Choice>
-        <mc:Fallback>
+        <mc:Fallback xmlns="">
           <p:sp>
             <p:nvSpPr>
               <p:cNvPr id="9" name="CasellaDiTesto 8">
@@ -28365,8 +28340,8 @@
           </p:sp>
         </mc:Fallback>
       </mc:AlternateContent>
-      <mc:AlternateContent xmlns:mc="http://schemas.openxmlformats.org/markup-compatibility/2006">
-        <mc:Choice xmlns:a14="http://schemas.microsoft.com/office/drawing/2010/main" Requires="a14">
+      <mc:AlternateContent xmlns:mc="http://schemas.openxmlformats.org/markup-compatibility/2006" xmlns:a14="http://schemas.microsoft.com/office/drawing/2010/main">
+        <mc:Choice Requires="a14">
           <p:sp>
             <p:nvSpPr>
               <p:cNvPr id="11" name="CasellaDiTesto 10">
@@ -28491,7 +28466,7 @@
             </p:txBody>
           </p:sp>
         </mc:Choice>
-        <mc:Fallback>
+        <mc:Fallback xmlns="">
           <p:sp>
             <p:nvSpPr>
               <p:cNvPr id="11" name="CasellaDiTesto 10">
@@ -28556,8 +28531,8 @@
             <a:chExt cx="7648133" cy="468223"/>
           </a:xfrm>
         </p:grpSpPr>
-        <mc:AlternateContent xmlns:mc="http://schemas.openxmlformats.org/markup-compatibility/2006">
-          <mc:Choice xmlns:a14="http://schemas.microsoft.com/office/drawing/2010/main" Requires="a14">
+        <mc:AlternateContent xmlns:mc="http://schemas.openxmlformats.org/markup-compatibility/2006" xmlns:a14="http://schemas.microsoft.com/office/drawing/2010/main">
+          <mc:Choice Requires="a14">
             <p:sp>
               <p:nvSpPr>
                 <p:cNvPr id="19" name="CasellaDiTesto 18">
@@ -28660,7 +28635,7 @@
               </p:txBody>
             </p:sp>
           </mc:Choice>
-          <mc:Fallback>
+          <mc:Fallback xmlns="">
             <p:sp>
               <p:nvSpPr>
                 <p:cNvPr id="19" name="CasellaDiTesto 18">
@@ -33439,12 +33414,65 @@
           </a:fontRef>
         </p:style>
       </p:cxnSp>
+      <p:sp>
+        <p:nvSpPr>
+          <p:cNvPr id="5" name="Parentesi graffa chiusa 4">
+            <a:extLst>
+              <a:ext uri="{FF2B5EF4-FFF2-40B4-BE49-F238E27FC236}">
+                <a16:creationId xmlns:a16="http://schemas.microsoft.com/office/drawing/2014/main" id="{1161270E-5CC7-2D62-85FA-302EE0EB90A3}"/>
+              </a:ext>
+            </a:extLst>
+          </p:cNvPr>
+          <p:cNvSpPr/>
+          <p:nvPr/>
+        </p:nvSpPr>
+        <p:spPr>
+          <a:xfrm>
+            <a:off x="10558263" y="1546782"/>
+            <a:ext cx="585620" cy="1775963"/>
+          </a:xfrm>
+          <a:prstGeom prst="rightBrace">
+            <a:avLst>
+              <a:gd name="adj1" fmla="val 0"/>
+              <a:gd name="adj2" fmla="val 50000"/>
+            </a:avLst>
+          </a:prstGeom>
+          <a:ln w="28575" cap="rnd">
+            <a:solidFill>
+              <a:srgbClr val="E0AFA0"/>
+            </a:solidFill>
+            <a:bevel/>
+          </a:ln>
+        </p:spPr>
+        <p:style>
+          <a:lnRef idx="2">
+            <a:schemeClr val="accent1"/>
+          </a:lnRef>
+          <a:fillRef idx="0">
+            <a:schemeClr val="accent1"/>
+          </a:fillRef>
+          <a:effectRef idx="1">
+            <a:schemeClr val="accent1"/>
+          </a:effectRef>
+          <a:fontRef idx="minor">
+            <a:schemeClr val="tx1"/>
+          </a:fontRef>
+        </p:style>
+        <p:txBody>
+          <a:bodyPr rtlCol="0" anchor="ctr"/>
+          <a:lstStyle/>
+          <a:p>
+            <a:pPr algn="ctr"/>
+            <a:endParaRPr lang="it-IT" dirty="0"/>
+          </a:p>
+        </p:txBody>
+      </p:sp>
       <p:grpSp>
         <p:nvGrpSpPr>
-          <p:cNvPr id="84" name="Gruppo 83">
+          <p:cNvPr id="45" name="Gruppo 44">
             <a:extLst>
               <a:ext uri="{FF2B5EF4-FFF2-40B4-BE49-F238E27FC236}">
-                <a16:creationId xmlns:a16="http://schemas.microsoft.com/office/drawing/2014/main" id="{B41BA668-2BE7-D203-3F23-2EC8EB42E593}"/>
+                <a16:creationId xmlns:a16="http://schemas.microsoft.com/office/drawing/2014/main" id="{0749AB7F-3483-FCC1-D82B-D13E2C4A28BD}"/>
               </a:ext>
             </a:extLst>
           </p:cNvPr>
@@ -33453,40 +33481,38 @@
         </p:nvGrpSpPr>
         <p:grpSpPr>
           <a:xfrm>
-            <a:off x="997317" y="1546782"/>
-            <a:ext cx="10146566" cy="2826548"/>
-            <a:chOff x="511772" y="1910568"/>
-            <a:chExt cx="10146566" cy="2826548"/>
+            <a:off x="997317" y="1589724"/>
+            <a:ext cx="9563997" cy="2783606"/>
+            <a:chOff x="997317" y="1589724"/>
+            <a:chExt cx="9563997" cy="2783606"/>
           </a:xfrm>
         </p:grpSpPr>
-        <p:sp>
-          <p:nvSpPr>
-            <p:cNvPr id="5" name="Parentesi graffa chiusa 4">
+        <p:cxnSp>
+          <p:nvCxnSpPr>
+            <p:cNvPr id="3" name="Connettore diritto 2">
               <a:extLst>
                 <a:ext uri="{FF2B5EF4-FFF2-40B4-BE49-F238E27FC236}">
-                  <a16:creationId xmlns:a16="http://schemas.microsoft.com/office/drawing/2014/main" id="{1161270E-5CC7-2D62-85FA-302EE0EB90A3}"/>
+                  <a16:creationId xmlns:a16="http://schemas.microsoft.com/office/drawing/2014/main" id="{C27F812B-857A-D86D-152D-2E0C082500CB}"/>
                 </a:ext>
               </a:extLst>
             </p:cNvPr>
-            <p:cNvSpPr/>
+            <p:cNvCxnSpPr>
+              <a:cxnSpLocks/>
+            </p:cNvCxnSpPr>
             <p:nvPr/>
-          </p:nvSpPr>
+          </p:nvCxnSpPr>
           <p:spPr>
             <a:xfrm>
-              <a:off x="10072718" y="1910568"/>
-              <a:ext cx="585620" cy="1775963"/>
+              <a:off x="1779264" y="1906526"/>
+              <a:ext cx="8782050" cy="0"/>
             </a:xfrm>
-            <a:prstGeom prst="rightBrace">
-              <a:avLst>
-                <a:gd name="adj1" fmla="val 0"/>
-                <a:gd name="adj2" fmla="val 50000"/>
-              </a:avLst>
+            <a:prstGeom prst="line">
+              <a:avLst/>
             </a:prstGeom>
-            <a:ln w="28575" cap="rnd">
+            <a:ln w="19050">
               <a:solidFill>
-                <a:srgbClr val="E0AFA0"/>
+                <a:srgbClr val="F4F3EE"/>
               </a:solidFill>
-              <a:bevel/>
             </a:ln>
           </p:spPr>
           <p:style>
@@ -33503,21 +33529,13 @@
               <a:schemeClr val="tx1"/>
             </a:fontRef>
           </p:style>
-          <p:txBody>
-            <a:bodyPr rtlCol="0" anchor="ctr"/>
-            <a:lstStyle/>
-            <a:p>
-              <a:pPr algn="ctr"/>
-              <a:endParaRPr lang="it-IT" dirty="0"/>
-            </a:p>
-          </p:txBody>
-        </p:sp>
+        </p:cxnSp>
         <p:grpSp>
           <p:nvGrpSpPr>
-            <p:cNvPr id="2" name="Gruppo 1">
+            <p:cNvPr id="62" name="Gruppo 61">
               <a:extLst>
                 <a:ext uri="{FF2B5EF4-FFF2-40B4-BE49-F238E27FC236}">
-                  <a16:creationId xmlns:a16="http://schemas.microsoft.com/office/drawing/2014/main" id="{105254B7-A19E-19F0-4751-C2C8EA6106C6}"/>
+                  <a16:creationId xmlns:a16="http://schemas.microsoft.com/office/drawing/2014/main" id="{5B02CFBA-BBD4-1BA0-5468-CFA5F84A2C3A}"/>
                 </a:ext>
               </a:extLst>
             </p:cNvPr>
@@ -33526,18 +33544,18 @@
           </p:nvGrpSpPr>
           <p:grpSpPr>
             <a:xfrm>
-              <a:off x="511772" y="1953510"/>
-              <a:ext cx="9563997" cy="2783606"/>
-              <a:chOff x="864197" y="1820160"/>
-              <a:chExt cx="9563997" cy="2783606"/>
+              <a:off x="1779264" y="3965142"/>
+              <a:ext cx="7343072" cy="60960"/>
+              <a:chOff x="1646144" y="4346987"/>
+              <a:chExt cx="8782050" cy="60960"/>
             </a:xfrm>
           </p:grpSpPr>
           <p:cxnSp>
             <p:nvCxnSpPr>
-              <p:cNvPr id="3" name="Connettore diritto 2">
+              <p:cNvPr id="8" name="Connettore diritto 7">
                 <a:extLst>
                   <a:ext uri="{FF2B5EF4-FFF2-40B4-BE49-F238E27FC236}">
-                    <a16:creationId xmlns:a16="http://schemas.microsoft.com/office/drawing/2014/main" id="{C27F812B-857A-D86D-152D-2E0C082500CB}"/>
+                    <a16:creationId xmlns:a16="http://schemas.microsoft.com/office/drawing/2014/main" id="{624776E4-4ED0-0255-E1FB-C7038751646D}"/>
                   </a:ext>
                 </a:extLst>
               </p:cNvPr>
@@ -33548,7 +33566,7 @@
             </p:nvCxnSpPr>
             <p:spPr>
               <a:xfrm>
-                <a:off x="1646144" y="2136962"/>
+                <a:off x="1646144" y="4346987"/>
                 <a:ext cx="8782050" cy="0"/>
               </a:xfrm>
               <a:prstGeom prst="line">
@@ -33575,119 +33593,12 @@
               </a:fontRef>
             </p:style>
           </p:cxnSp>
-          <p:grpSp>
-            <p:nvGrpSpPr>
-              <p:cNvPr id="62" name="Gruppo 61">
+          <p:cxnSp>
+            <p:nvCxnSpPr>
+              <p:cNvPr id="9" name="Connettore diritto 8">
                 <a:extLst>
                   <a:ext uri="{FF2B5EF4-FFF2-40B4-BE49-F238E27FC236}">
-                    <a16:creationId xmlns:a16="http://schemas.microsoft.com/office/drawing/2014/main" id="{5B02CFBA-BBD4-1BA0-5468-CFA5F84A2C3A}"/>
-                  </a:ext>
-                </a:extLst>
-              </p:cNvPr>
-              <p:cNvGrpSpPr/>
-              <p:nvPr/>
-            </p:nvGrpSpPr>
-            <p:grpSpPr>
-              <a:xfrm>
-                <a:off x="1646144" y="4195578"/>
-                <a:ext cx="7343072" cy="60960"/>
-                <a:chOff x="1646144" y="4346987"/>
-                <a:chExt cx="8782050" cy="60960"/>
-              </a:xfrm>
-            </p:grpSpPr>
-            <p:cxnSp>
-              <p:nvCxnSpPr>
-                <p:cNvPr id="8" name="Connettore diritto 7">
-                  <a:extLst>
-                    <a:ext uri="{FF2B5EF4-FFF2-40B4-BE49-F238E27FC236}">
-                      <a16:creationId xmlns:a16="http://schemas.microsoft.com/office/drawing/2014/main" id="{624776E4-4ED0-0255-E1FB-C7038751646D}"/>
-                    </a:ext>
-                  </a:extLst>
-                </p:cNvPr>
-                <p:cNvCxnSpPr>
-                  <a:cxnSpLocks/>
-                </p:cNvCxnSpPr>
-                <p:nvPr/>
-              </p:nvCxnSpPr>
-              <p:spPr>
-                <a:xfrm>
-                  <a:off x="1646144" y="4346987"/>
-                  <a:ext cx="8782050" cy="0"/>
-                </a:xfrm>
-                <a:prstGeom prst="line">
-                  <a:avLst/>
-                </a:prstGeom>
-                <a:ln w="19050">
-                  <a:solidFill>
-                    <a:srgbClr val="F4F3EE"/>
-                  </a:solidFill>
-                </a:ln>
-              </p:spPr>
-              <p:style>
-                <a:lnRef idx="2">
-                  <a:schemeClr val="accent1"/>
-                </a:lnRef>
-                <a:fillRef idx="0">
-                  <a:schemeClr val="accent1"/>
-                </a:fillRef>
-                <a:effectRef idx="1">
-                  <a:schemeClr val="accent1"/>
-                </a:effectRef>
-                <a:fontRef idx="minor">
-                  <a:schemeClr val="tx1"/>
-                </a:fontRef>
-              </p:style>
-            </p:cxnSp>
-            <p:cxnSp>
-              <p:nvCxnSpPr>
-                <p:cNvPr id="9" name="Connettore diritto 8">
-                  <a:extLst>
-                    <a:ext uri="{FF2B5EF4-FFF2-40B4-BE49-F238E27FC236}">
-                      <a16:creationId xmlns:a16="http://schemas.microsoft.com/office/drawing/2014/main" id="{39C4CADE-C6B3-3245-9913-2548202B1C7C}"/>
-                    </a:ext>
-                  </a:extLst>
-                </p:cNvPr>
-                <p:cNvCxnSpPr>
-                  <a:cxnSpLocks/>
-                </p:cNvCxnSpPr>
-                <p:nvPr/>
-              </p:nvCxnSpPr>
-              <p:spPr>
-                <a:xfrm>
-                  <a:off x="1646144" y="4407947"/>
-                  <a:ext cx="8782050" cy="0"/>
-                </a:xfrm>
-                <a:prstGeom prst="line">
-                  <a:avLst/>
-                </a:prstGeom>
-                <a:ln w="19050">
-                  <a:solidFill>
-                    <a:srgbClr val="F4F3EE"/>
-                  </a:solidFill>
-                </a:ln>
-              </p:spPr>
-              <p:style>
-                <a:lnRef idx="2">
-                  <a:schemeClr val="accent1"/>
-                </a:lnRef>
-                <a:fillRef idx="0">
-                  <a:schemeClr val="accent1"/>
-                </a:fillRef>
-                <a:effectRef idx="1">
-                  <a:schemeClr val="accent1"/>
-                </a:effectRef>
-                <a:fontRef idx="minor">
-                  <a:schemeClr val="tx1"/>
-                </a:fontRef>
-              </p:style>
-            </p:cxnSp>
-          </p:grpSp>
-          <p:cxnSp>
-            <p:nvCxnSpPr>
-              <p:cNvPr id="11" name="Connettore diritto 10">
-                <a:extLst>
-                  <a:ext uri="{FF2B5EF4-FFF2-40B4-BE49-F238E27FC236}">
-                    <a16:creationId xmlns:a16="http://schemas.microsoft.com/office/drawing/2014/main" id="{2FC2927A-A1DE-B4F0-47BB-26B2A771BE36}"/>
+                    <a16:creationId xmlns:a16="http://schemas.microsoft.com/office/drawing/2014/main" id="{39C4CADE-C6B3-3245-9913-2548202B1C7C}"/>
                   </a:ext>
                 </a:extLst>
               </p:cNvPr>
@@ -33698,7 +33609,7 @@
             </p:nvCxnSpPr>
             <p:spPr>
               <a:xfrm>
-                <a:off x="1646144" y="3202904"/>
+                <a:off x="1646144" y="4407947"/>
                 <a:ext cx="8782050" cy="0"/>
               </a:xfrm>
               <a:prstGeom prst="line">
@@ -33725,14 +33636,545 @@
               </a:fontRef>
             </p:style>
           </p:cxnSp>
+        </p:grpSp>
+        <p:cxnSp>
+          <p:nvCxnSpPr>
+            <p:cNvPr id="11" name="Connettore diritto 10">
+              <a:extLst>
+                <a:ext uri="{FF2B5EF4-FFF2-40B4-BE49-F238E27FC236}">
+                  <a16:creationId xmlns:a16="http://schemas.microsoft.com/office/drawing/2014/main" id="{2FC2927A-A1DE-B4F0-47BB-26B2A771BE36}"/>
+                </a:ext>
+              </a:extLst>
+            </p:cNvPr>
+            <p:cNvCxnSpPr>
+              <a:cxnSpLocks/>
+            </p:cNvCxnSpPr>
+            <p:nvPr/>
+          </p:nvCxnSpPr>
+          <p:spPr>
+            <a:xfrm>
+              <a:off x="1779264" y="2972468"/>
+              <a:ext cx="8782050" cy="0"/>
+            </a:xfrm>
+            <a:prstGeom prst="line">
+              <a:avLst/>
+            </a:prstGeom>
+            <a:ln w="19050">
+              <a:solidFill>
+                <a:srgbClr val="F4F3EE"/>
+              </a:solidFill>
+            </a:ln>
+          </p:spPr>
+          <p:style>
+            <a:lnRef idx="2">
+              <a:schemeClr val="accent1"/>
+            </a:lnRef>
+            <a:fillRef idx="0">
+              <a:schemeClr val="accent1"/>
+            </a:fillRef>
+            <a:effectRef idx="1">
+              <a:schemeClr val="accent1"/>
+            </a:effectRef>
+            <a:fontRef idx="minor">
+              <a:schemeClr val="tx1"/>
+            </a:fontRef>
+          </p:style>
+        </p:cxnSp>
+        <mc:AlternateContent xmlns:mc="http://schemas.openxmlformats.org/markup-compatibility/2006" xmlns:a14="http://schemas.microsoft.com/office/drawing/2010/main">
+          <mc:Choice Requires="a14">
+            <p:sp>
+              <p:nvSpPr>
+                <p:cNvPr id="12" name="CasellaDiTesto 11">
+                  <a:extLst>
+                    <a:ext uri="{FF2B5EF4-FFF2-40B4-BE49-F238E27FC236}">
+                      <a16:creationId xmlns:a16="http://schemas.microsoft.com/office/drawing/2014/main" id="{F346D716-A63A-8824-0F76-71DC2C596660}"/>
+                    </a:ext>
+                  </a:extLst>
+                </p:cNvPr>
+                <p:cNvSpPr txBox="1"/>
+                <p:nvPr/>
+              </p:nvSpPr>
+              <p:spPr>
+                <a:xfrm>
+                  <a:off x="997317" y="1684858"/>
+                  <a:ext cx="919994" cy="400110"/>
+                </a:xfrm>
+                <a:prstGeom prst="rect">
+                  <a:avLst/>
+                </a:prstGeom>
+                <a:noFill/>
+              </p:spPr>
+              <p:txBody>
+                <a:bodyPr wrap="square" rtlCol="0">
+                  <a:spAutoFit/>
+                </a:bodyPr>
+                <a:lstStyle/>
+                <a:p>
+                  <a:pPr algn="ctr"/>
+                  <a14:m>
+                    <m:oMathPara xmlns:m="http://schemas.openxmlformats.org/officeDocument/2006/math">
+                      <m:oMathParaPr>
+                        <m:jc m:val="centerGroup"/>
+                      </m:oMathParaPr>
+                      <m:oMath xmlns:m="http://schemas.openxmlformats.org/officeDocument/2006/math">
+                        <m:sSub>
+                          <m:sSubPr>
+                            <m:ctrlPr>
+                              <a:rPr lang="it-IT" sz="2000" b="0" i="1" smtClean="0">
+                                <a:solidFill>
+                                  <a:srgbClr val="F4F3EE"/>
+                                </a:solidFill>
+                                <a:latin typeface="Cambria Math" panose="02040503050406030204" pitchFamily="18" charset="0"/>
+                              </a:rPr>
+                            </m:ctrlPr>
+                          </m:sSubPr>
+                          <m:e>
+                            <m:r>
+                              <a:rPr lang="it-IT" sz="2000" b="0" i="1" smtClean="0">
+                                <a:solidFill>
+                                  <a:srgbClr val="F4F3EE"/>
+                                </a:solidFill>
+                                <a:latin typeface="Cambria Math" panose="02040503050406030204" pitchFamily="18" charset="0"/>
+                              </a:rPr>
+                              <m:t>|0⟩</m:t>
+                            </m:r>
+                          </m:e>
+                          <m:sub>
+                            <m:r>
+                              <a:rPr lang="it-IT" sz="2000" b="0" i="1" smtClean="0">
+                                <a:solidFill>
+                                  <a:srgbClr val="F4F3EE"/>
+                                </a:solidFill>
+                                <a:latin typeface="Cambria Math" panose="02040503050406030204" pitchFamily="18" charset="0"/>
+                              </a:rPr>
+                              <m:t>𝐴</m:t>
+                            </m:r>
+                          </m:sub>
+                        </m:sSub>
+                        <m:r>
+                          <a:rPr lang="it-IT" sz="2000" b="0" i="1" smtClean="0">
+                            <a:solidFill>
+                              <a:srgbClr val="F4F3EE"/>
+                            </a:solidFill>
+                            <a:latin typeface="Cambria Math" panose="02040503050406030204" pitchFamily="18" charset="0"/>
+                          </a:rPr>
+                          <m:t>  </m:t>
+                        </m:r>
+                      </m:oMath>
+                    </m:oMathPara>
+                  </a14:m>
+                  <a:endParaRPr lang="en-US" sz="2000" dirty="0">
+                    <a:solidFill>
+                      <a:srgbClr val="F4F3EE"/>
+                    </a:solidFill>
+                  </a:endParaRPr>
+                </a:p>
+              </p:txBody>
+            </p:sp>
+          </mc:Choice>
+          <mc:Fallback xmlns="">
+            <p:sp>
+              <p:nvSpPr>
+                <p:cNvPr id="12" name="CasellaDiTesto 11">
+                  <a:extLst>
+                    <a:ext uri="{FF2B5EF4-FFF2-40B4-BE49-F238E27FC236}">
+                      <a16:creationId xmlns:a16="http://schemas.microsoft.com/office/drawing/2014/main" id="{F346D716-A63A-8824-0F76-71DC2C596660}"/>
+                    </a:ext>
+                  </a:extLst>
+                </p:cNvPr>
+                <p:cNvSpPr txBox="1">
+                  <a:spLocks noRot="1" noChangeAspect="1" noMove="1" noResize="1" noEditPoints="1" noAdjustHandles="1" noChangeArrowheads="1" noChangeShapeType="1" noTextEdit="1"/>
+                </p:cNvSpPr>
+                <p:nvPr/>
+              </p:nvSpPr>
+              <p:spPr>
+                <a:xfrm>
+                  <a:off x="997317" y="1684858"/>
+                  <a:ext cx="919994" cy="400110"/>
+                </a:xfrm>
+                <a:prstGeom prst="rect">
+                  <a:avLst/>
+                </a:prstGeom>
+                <a:blipFill>
+                  <a:blip r:embed="rId4"/>
+                  <a:stretch>
+                    <a:fillRect b="-13636"/>
+                  </a:stretch>
+                </a:blipFill>
+              </p:spPr>
+              <p:txBody>
+                <a:bodyPr/>
+                <a:lstStyle/>
+                <a:p>
+                  <a:r>
+                    <a:rPr lang="it-IT">
+                      <a:noFill/>
+                    </a:rPr>
+                    <a:t> </a:t>
+                  </a:r>
+                </a:p>
+              </p:txBody>
+            </p:sp>
+          </mc:Fallback>
+        </mc:AlternateContent>
+        <mc:AlternateContent xmlns:mc="http://schemas.openxmlformats.org/markup-compatibility/2006" xmlns:a14="http://schemas.microsoft.com/office/drawing/2010/main">
+          <mc:Choice Requires="a14">
+            <p:sp>
+              <p:nvSpPr>
+                <p:cNvPr id="13" name="CasellaDiTesto 12">
+                  <a:extLst>
+                    <a:ext uri="{FF2B5EF4-FFF2-40B4-BE49-F238E27FC236}">
+                      <a16:creationId xmlns:a16="http://schemas.microsoft.com/office/drawing/2014/main" id="{09BA3B92-6BD4-3B82-AB21-751F1F2343D7}"/>
+                    </a:ext>
+                  </a:extLst>
+                </p:cNvPr>
+                <p:cNvSpPr txBox="1"/>
+                <p:nvPr/>
+              </p:nvSpPr>
+              <p:spPr>
+                <a:xfrm>
+                  <a:off x="1002560" y="2749655"/>
+                  <a:ext cx="919993" cy="400110"/>
+                </a:xfrm>
+                <a:prstGeom prst="rect">
+                  <a:avLst/>
+                </a:prstGeom>
+                <a:noFill/>
+              </p:spPr>
+              <p:txBody>
+                <a:bodyPr wrap="square" rtlCol="0">
+                  <a:spAutoFit/>
+                </a:bodyPr>
+                <a:lstStyle/>
+                <a:p>
+                  <a:pPr algn="ctr"/>
+                  <a14:m>
+                    <m:oMathPara xmlns:m="http://schemas.openxmlformats.org/officeDocument/2006/math">
+                      <m:oMathParaPr>
+                        <m:jc m:val="centerGroup"/>
+                      </m:oMathParaPr>
+                      <m:oMath xmlns:m="http://schemas.openxmlformats.org/officeDocument/2006/math">
+                        <m:sSub>
+                          <m:sSubPr>
+                            <m:ctrlPr>
+                              <a:rPr lang="it-IT" sz="2000" b="0" i="1" smtClean="0">
+                                <a:solidFill>
+                                  <a:srgbClr val="F4F3EE"/>
+                                </a:solidFill>
+                                <a:latin typeface="Cambria Math" panose="02040503050406030204" pitchFamily="18" charset="0"/>
+                              </a:rPr>
+                            </m:ctrlPr>
+                          </m:sSubPr>
+                          <m:e>
+                            <m:r>
+                              <a:rPr lang="it-IT" sz="2000" b="0" i="1" smtClean="0">
+                                <a:solidFill>
+                                  <a:srgbClr val="F4F3EE"/>
+                                </a:solidFill>
+                                <a:latin typeface="Cambria Math" panose="02040503050406030204" pitchFamily="18" charset="0"/>
+                              </a:rPr>
+                              <m:t>|0⟩</m:t>
+                            </m:r>
+                          </m:e>
+                          <m:sub>
+                            <m:r>
+                              <a:rPr lang="it-IT" sz="2000" b="0" i="1" smtClean="0">
+                                <a:solidFill>
+                                  <a:srgbClr val="F4F3EE"/>
+                                </a:solidFill>
+                                <a:latin typeface="Cambria Math" panose="02040503050406030204" pitchFamily="18" charset="0"/>
+                              </a:rPr>
+                              <m:t>𝐵</m:t>
+                            </m:r>
+                          </m:sub>
+                        </m:sSub>
+                        <m:r>
+                          <a:rPr lang="it-IT" sz="2000" b="0" i="1" smtClean="0">
+                            <a:solidFill>
+                              <a:srgbClr val="F4F3EE"/>
+                            </a:solidFill>
+                            <a:latin typeface="Cambria Math" panose="02040503050406030204" pitchFamily="18" charset="0"/>
+                          </a:rPr>
+                          <m:t>  </m:t>
+                        </m:r>
+                      </m:oMath>
+                    </m:oMathPara>
+                  </a14:m>
+                  <a:endParaRPr lang="en-US" sz="2000" dirty="0">
+                    <a:solidFill>
+                      <a:srgbClr val="F4F3EE"/>
+                    </a:solidFill>
+                  </a:endParaRPr>
+                </a:p>
+              </p:txBody>
+            </p:sp>
+          </mc:Choice>
+          <mc:Fallback xmlns="">
+            <p:sp>
+              <p:nvSpPr>
+                <p:cNvPr id="13" name="CasellaDiTesto 12">
+                  <a:extLst>
+                    <a:ext uri="{FF2B5EF4-FFF2-40B4-BE49-F238E27FC236}">
+                      <a16:creationId xmlns:a16="http://schemas.microsoft.com/office/drawing/2014/main" id="{09BA3B92-6BD4-3B82-AB21-751F1F2343D7}"/>
+                    </a:ext>
+                  </a:extLst>
+                </p:cNvPr>
+                <p:cNvSpPr txBox="1">
+                  <a:spLocks noRot="1" noChangeAspect="1" noMove="1" noResize="1" noEditPoints="1" noAdjustHandles="1" noChangeArrowheads="1" noChangeShapeType="1" noTextEdit="1"/>
+                </p:cNvSpPr>
+                <p:nvPr/>
+              </p:nvSpPr>
+              <p:spPr>
+                <a:xfrm>
+                  <a:off x="1002560" y="2749655"/>
+                  <a:ext cx="919993" cy="400110"/>
+                </a:xfrm>
+                <a:prstGeom prst="rect">
+                  <a:avLst/>
+                </a:prstGeom>
+                <a:blipFill>
+                  <a:blip r:embed="rId5"/>
+                  <a:stretch>
+                    <a:fillRect b="-13636"/>
+                  </a:stretch>
+                </a:blipFill>
+              </p:spPr>
+              <p:txBody>
+                <a:bodyPr/>
+                <a:lstStyle/>
+                <a:p>
+                  <a:r>
+                    <a:rPr lang="it-IT">
+                      <a:noFill/>
+                    </a:rPr>
+                    <a:t> </a:t>
+                  </a:r>
+                </a:p>
+              </p:txBody>
+            </p:sp>
+          </mc:Fallback>
+        </mc:AlternateContent>
+        <mc:AlternateContent xmlns:mc="http://schemas.openxmlformats.org/markup-compatibility/2006" xmlns:a14="http://schemas.microsoft.com/office/drawing/2010/main">
+          <mc:Choice Requires="a14">
+            <p:sp>
+              <p:nvSpPr>
+                <p:cNvPr id="14" name="CasellaDiTesto 13">
+                  <a:extLst>
+                    <a:ext uri="{FF2B5EF4-FFF2-40B4-BE49-F238E27FC236}">
+                      <a16:creationId xmlns:a16="http://schemas.microsoft.com/office/drawing/2014/main" id="{AE5BB57A-4A9E-900E-A904-A1DF6A079ADF}"/>
+                    </a:ext>
+                  </a:extLst>
+                </p:cNvPr>
+                <p:cNvSpPr txBox="1"/>
+                <p:nvPr/>
+              </p:nvSpPr>
+              <p:spPr>
+                <a:xfrm>
+                  <a:off x="1005959" y="3803187"/>
+                  <a:ext cx="919991" cy="400110"/>
+                </a:xfrm>
+                <a:prstGeom prst="rect">
+                  <a:avLst/>
+                </a:prstGeom>
+                <a:noFill/>
+              </p:spPr>
+              <p:txBody>
+                <a:bodyPr wrap="square" rtlCol="0">
+                  <a:spAutoFit/>
+                </a:bodyPr>
+                <a:lstStyle/>
+                <a:p>
+                  <a:pPr algn="ctr"/>
+                  <a14:m>
+                    <m:oMathPara xmlns:m="http://schemas.openxmlformats.org/officeDocument/2006/math">
+                      <m:oMathParaPr>
+                        <m:jc m:val="centerGroup"/>
+                      </m:oMathParaPr>
+                      <m:oMath xmlns:m="http://schemas.openxmlformats.org/officeDocument/2006/math">
+                        <m:sSub>
+                          <m:sSubPr>
+                            <m:ctrlPr>
+                              <a:rPr lang="it-IT" sz="2000" b="0" i="1" smtClean="0">
+                                <a:solidFill>
+                                  <a:srgbClr val="F4F3EE"/>
+                                </a:solidFill>
+                                <a:latin typeface="Cambria Math" panose="02040503050406030204" pitchFamily="18" charset="0"/>
+                              </a:rPr>
+                            </m:ctrlPr>
+                          </m:sSubPr>
+                          <m:e>
+                            <m:r>
+                              <a:rPr lang="it-IT" sz="2000" b="0" i="1" smtClean="0">
+                                <a:solidFill>
+                                  <a:srgbClr val="F4F3EE"/>
+                                </a:solidFill>
+                                <a:latin typeface="Cambria Math" panose="02040503050406030204" pitchFamily="18" charset="0"/>
+                              </a:rPr>
+                              <m:t>0</m:t>
+                            </m:r>
+                          </m:e>
+                          <m:sub>
+                            <m:r>
+                              <a:rPr lang="it-IT" sz="2000" b="0" i="1" smtClean="0">
+                                <a:solidFill>
+                                  <a:srgbClr val="F4F3EE"/>
+                                </a:solidFill>
+                                <a:latin typeface="Cambria Math" panose="02040503050406030204" pitchFamily="18" charset="0"/>
+                              </a:rPr>
+                              <m:t>𝐶</m:t>
+                            </m:r>
+                          </m:sub>
+                        </m:sSub>
+                        <m:r>
+                          <a:rPr lang="it-IT" sz="2000" b="0" i="1" smtClean="0">
+                            <a:solidFill>
+                              <a:srgbClr val="F4F3EE"/>
+                            </a:solidFill>
+                            <a:latin typeface="Cambria Math" panose="02040503050406030204" pitchFamily="18" charset="0"/>
+                          </a:rPr>
+                          <m:t>  </m:t>
+                        </m:r>
+                      </m:oMath>
+                    </m:oMathPara>
+                  </a14:m>
+                  <a:endParaRPr lang="en-US" sz="2000" dirty="0">
+                    <a:solidFill>
+                      <a:srgbClr val="F4F3EE"/>
+                    </a:solidFill>
+                  </a:endParaRPr>
+                </a:p>
+              </p:txBody>
+            </p:sp>
+          </mc:Choice>
+          <mc:Fallback xmlns="">
+            <p:sp>
+              <p:nvSpPr>
+                <p:cNvPr id="14" name="CasellaDiTesto 13">
+                  <a:extLst>
+                    <a:ext uri="{FF2B5EF4-FFF2-40B4-BE49-F238E27FC236}">
+                      <a16:creationId xmlns:a16="http://schemas.microsoft.com/office/drawing/2014/main" id="{AE5BB57A-4A9E-900E-A904-A1DF6A079ADF}"/>
+                    </a:ext>
+                  </a:extLst>
+                </p:cNvPr>
+                <p:cNvSpPr txBox="1">
+                  <a:spLocks noRot="1" noChangeAspect="1" noMove="1" noResize="1" noEditPoints="1" noAdjustHandles="1" noChangeArrowheads="1" noChangeShapeType="1" noTextEdit="1"/>
+                </p:cNvSpPr>
+                <p:nvPr/>
+              </p:nvSpPr>
+              <p:spPr>
+                <a:xfrm>
+                  <a:off x="1005959" y="3803187"/>
+                  <a:ext cx="919991" cy="400110"/>
+                </a:xfrm>
+                <a:prstGeom prst="rect">
+                  <a:avLst/>
+                </a:prstGeom>
+                <a:blipFill>
+                  <a:blip r:embed="rId6"/>
+                  <a:stretch>
+                    <a:fillRect/>
+                  </a:stretch>
+                </a:blipFill>
+              </p:spPr>
+              <p:txBody>
+                <a:bodyPr/>
+                <a:lstStyle/>
+                <a:p>
+                  <a:r>
+                    <a:rPr lang="it-IT">
+                      <a:noFill/>
+                    </a:rPr>
+                    <a:t> </a:t>
+                  </a:r>
+                </a:p>
+              </p:txBody>
+            </p:sp>
+          </mc:Fallback>
+        </mc:AlternateContent>
+        <p:grpSp>
+          <p:nvGrpSpPr>
+            <p:cNvPr id="54" name="Gruppo 53">
+              <a:extLst>
+                <a:ext uri="{FF2B5EF4-FFF2-40B4-BE49-F238E27FC236}">
+                  <a16:creationId xmlns:a16="http://schemas.microsoft.com/office/drawing/2014/main" id="{78E34FEE-F092-B74B-77DE-1A29A02DBC96}"/>
+                </a:ext>
+              </a:extLst>
+            </p:cNvPr>
+            <p:cNvGrpSpPr/>
+            <p:nvPr/>
+          </p:nvGrpSpPr>
+          <p:grpSpPr>
+            <a:xfrm>
+              <a:off x="2260890" y="1589724"/>
+              <a:ext cx="948571" cy="633603"/>
+              <a:chOff x="2214521" y="2491235"/>
+              <a:chExt cx="948571" cy="633603"/>
+            </a:xfrm>
+          </p:grpSpPr>
+          <p:sp>
+            <p:nvSpPr>
+              <p:cNvPr id="15" name="Rettangolo con angoli arrotondati 14">
+                <a:extLst>
+                  <a:ext uri="{FF2B5EF4-FFF2-40B4-BE49-F238E27FC236}">
+                    <a16:creationId xmlns:a16="http://schemas.microsoft.com/office/drawing/2014/main" id="{2B77C8F2-031F-08E2-C575-F8537AFF2494}"/>
+                  </a:ext>
+                </a:extLst>
+              </p:cNvPr>
+              <p:cNvSpPr/>
+              <p:nvPr/>
+            </p:nvSpPr>
+            <p:spPr>
+              <a:xfrm>
+                <a:off x="2214521" y="2491235"/>
+                <a:ext cx="919993" cy="633603"/>
+              </a:xfrm>
+              <a:prstGeom prst="roundRect">
+                <a:avLst>
+                  <a:gd name="adj" fmla="val 8385"/>
+                </a:avLst>
+              </a:prstGeom>
+              <a:solidFill>
+                <a:srgbClr val="463F3A"/>
+              </a:solidFill>
+              <a:ln w="28575">
+                <a:solidFill>
+                  <a:srgbClr val="F4F3EE"/>
+                </a:solidFill>
+              </a:ln>
+            </p:spPr>
+            <p:style>
+              <a:lnRef idx="2">
+                <a:schemeClr val="accent1">
+                  <a:shade val="15000"/>
+                </a:schemeClr>
+              </a:lnRef>
+              <a:fillRef idx="1">
+                <a:schemeClr val="accent1"/>
+              </a:fillRef>
+              <a:effectRef idx="0">
+                <a:schemeClr val="accent1"/>
+              </a:effectRef>
+              <a:fontRef idx="minor">
+                <a:schemeClr val="lt1"/>
+              </a:fontRef>
+            </p:style>
+            <p:txBody>
+              <a:bodyPr rtlCol="0" anchor="ctr"/>
+              <a:lstStyle/>
+              <a:p>
+                <a:pPr algn="ctr"/>
+                <a:endParaRPr lang="it-IT" dirty="0"/>
+              </a:p>
+            </p:txBody>
+          </p:sp>
           <mc:AlternateContent xmlns:mc="http://schemas.openxmlformats.org/markup-compatibility/2006" xmlns:a14="http://schemas.microsoft.com/office/drawing/2010/main">
             <mc:Choice Requires="a14">
               <p:sp>
                 <p:nvSpPr>
-                  <p:cNvPr id="12" name="CasellaDiTesto 11">
+                  <p:cNvPr id="17" name="CasellaDiTesto 16">
                     <a:extLst>
                       <a:ext uri="{FF2B5EF4-FFF2-40B4-BE49-F238E27FC236}">
-                        <a16:creationId xmlns:a16="http://schemas.microsoft.com/office/drawing/2014/main" id="{F346D716-A63A-8824-0F76-71DC2C596660}"/>
+                        <a16:creationId xmlns:a16="http://schemas.microsoft.com/office/drawing/2014/main" id="{0FB1EAB7-6FF4-9AD5-CBD9-B5D128735324}"/>
                       </a:ext>
                     </a:extLst>
                   </p:cNvPr>
@@ -33741,8 +34183,8 @@
                 </p:nvSpPr>
                 <p:spPr>
                   <a:xfrm>
-                    <a:off x="864197" y="1915294"/>
-                    <a:ext cx="919994" cy="400110"/>
+                    <a:off x="2243098" y="2595895"/>
+                    <a:ext cx="919994" cy="424283"/>
                   </a:xfrm>
                   <a:prstGeom prst="rect">
                     <a:avLst/>
@@ -33759,7 +34201,7 @@
                     <a14:m>
                       <m:oMathPara xmlns:m="http://schemas.openxmlformats.org/officeDocument/2006/math">
                         <m:oMathParaPr>
-                          <m:jc m:val="centerGroup"/>
+                          <m:jc m:val="center"/>
                         </m:oMathParaPr>
                         <m:oMath xmlns:m="http://schemas.openxmlformats.org/officeDocument/2006/math">
                           <m:sSub>
@@ -33781,7 +34223,7 @@
                                   </a:solidFill>
                                   <a:latin typeface="Cambria Math" panose="02040503050406030204" pitchFamily="18" charset="0"/>
                                 </a:rPr>
-                                <m:t>|0⟩</m:t>
+                                <m:t>𝑅</m:t>
                               </m:r>
                             </m:e>
                             <m:sub>
@@ -33792,7 +34234,7 @@
                                   </a:solidFill>
                                   <a:latin typeface="Cambria Math" panose="02040503050406030204" pitchFamily="18" charset="0"/>
                                 </a:rPr>
-                                <m:t>𝐴</m:t>
+                                <m:t>𝑦</m:t>
                               </m:r>
                             </m:sub>
                           </m:sSub>
@@ -33803,7 +34245,25 @@
                               </a:solidFill>
                               <a:latin typeface="Cambria Math" panose="02040503050406030204" pitchFamily="18" charset="0"/>
                             </a:rPr>
-                            <m:t>  </m:t>
+                            <m:t>(</m:t>
+                          </m:r>
+                          <m:r>
+                            <a:rPr lang="it-IT" sz="2000" b="0" i="1" smtClean="0">
+                              <a:solidFill>
+                                <a:srgbClr val="F4F3EE"/>
+                              </a:solidFill>
+                              <a:latin typeface="Cambria Math" panose="02040503050406030204" pitchFamily="18" charset="0"/>
+                            </a:rPr>
+                            <m:t>𝜃</m:t>
+                          </m:r>
+                          <m:r>
+                            <a:rPr lang="it-IT" sz="2000" b="0" i="1" smtClean="0">
+                              <a:solidFill>
+                                <a:srgbClr val="F4F3EE"/>
+                              </a:solidFill>
+                              <a:latin typeface="Cambria Math" panose="02040503050406030204" pitchFamily="18" charset="0"/>
+                            </a:rPr>
+                            <m:t>)</m:t>
                           </m:r>
                         </m:oMath>
                       </m:oMathPara>
@@ -33820,10 +34280,10 @@
             <mc:Fallback xmlns="">
               <p:sp>
                 <p:nvSpPr>
-                  <p:cNvPr id="12" name="CasellaDiTesto 11">
+                  <p:cNvPr id="17" name="CasellaDiTesto 16">
                     <a:extLst>
                       <a:ext uri="{FF2B5EF4-FFF2-40B4-BE49-F238E27FC236}">
-                        <a16:creationId xmlns:a16="http://schemas.microsoft.com/office/drawing/2014/main" id="{F346D716-A63A-8824-0F76-71DC2C596660}"/>
+                        <a16:creationId xmlns:a16="http://schemas.microsoft.com/office/drawing/2014/main" id="{0FB1EAB7-6FF4-9AD5-CBD9-B5D128735324}"/>
                       </a:ext>
                     </a:extLst>
                   </p:cNvPr>
@@ -33834,16 +34294,16 @@
                 </p:nvSpPr>
                 <p:spPr>
                   <a:xfrm>
-                    <a:off x="864197" y="1915294"/>
-                    <a:ext cx="919994" cy="400110"/>
+                    <a:off x="2243098" y="2595895"/>
+                    <a:ext cx="919994" cy="424283"/>
                   </a:xfrm>
                   <a:prstGeom prst="rect">
                     <a:avLst/>
                   </a:prstGeom>
                   <a:blipFill>
-                    <a:blip r:embed="rId4"/>
+                    <a:blip r:embed="rId7"/>
                     <a:stretch>
-                      <a:fillRect b="-13636"/>
+                      <a:fillRect b="-10000"/>
                     </a:stretch>
                   </a:blipFill>
                 </p:spPr>
@@ -33862,512 +34322,27 @@
               </p:sp>
             </mc:Fallback>
           </mc:AlternateContent>
-          <mc:AlternateContent xmlns:mc="http://schemas.openxmlformats.org/markup-compatibility/2006" xmlns:a14="http://schemas.microsoft.com/office/drawing/2010/main">
-            <mc:Choice Requires="a14">
-              <p:sp>
-                <p:nvSpPr>
-                  <p:cNvPr id="13" name="CasellaDiTesto 12">
-                    <a:extLst>
-                      <a:ext uri="{FF2B5EF4-FFF2-40B4-BE49-F238E27FC236}">
-                        <a16:creationId xmlns:a16="http://schemas.microsoft.com/office/drawing/2014/main" id="{09BA3B92-6BD4-3B82-AB21-751F1F2343D7}"/>
-                      </a:ext>
-                    </a:extLst>
-                  </p:cNvPr>
-                  <p:cNvSpPr txBox="1"/>
-                  <p:nvPr/>
-                </p:nvSpPr>
-                <p:spPr>
-                  <a:xfrm>
-                    <a:off x="869440" y="2980091"/>
-                    <a:ext cx="919993" cy="400110"/>
-                  </a:xfrm>
-                  <a:prstGeom prst="rect">
-                    <a:avLst/>
-                  </a:prstGeom>
-                  <a:noFill/>
-                </p:spPr>
-                <p:txBody>
-                  <a:bodyPr wrap="square" rtlCol="0">
-                    <a:spAutoFit/>
-                  </a:bodyPr>
-                  <a:lstStyle/>
-                  <a:p>
-                    <a:pPr algn="ctr"/>
-                    <a14:m>
-                      <m:oMathPara xmlns:m="http://schemas.openxmlformats.org/officeDocument/2006/math">
-                        <m:oMathParaPr>
-                          <m:jc m:val="centerGroup"/>
-                        </m:oMathParaPr>
-                        <m:oMath xmlns:m="http://schemas.openxmlformats.org/officeDocument/2006/math">
-                          <m:sSub>
-                            <m:sSubPr>
-                              <m:ctrlPr>
-                                <a:rPr lang="it-IT" sz="2000" b="0" i="1" smtClean="0">
-                                  <a:solidFill>
-                                    <a:srgbClr val="F4F3EE"/>
-                                  </a:solidFill>
-                                  <a:latin typeface="Cambria Math" panose="02040503050406030204" pitchFamily="18" charset="0"/>
-                                </a:rPr>
-                              </m:ctrlPr>
-                            </m:sSubPr>
-                            <m:e>
-                              <m:r>
-                                <a:rPr lang="it-IT" sz="2000" b="0" i="1" smtClean="0">
-                                  <a:solidFill>
-                                    <a:srgbClr val="F4F3EE"/>
-                                  </a:solidFill>
-                                  <a:latin typeface="Cambria Math" panose="02040503050406030204" pitchFamily="18" charset="0"/>
-                                </a:rPr>
-                                <m:t>|0⟩</m:t>
-                              </m:r>
-                            </m:e>
-                            <m:sub>
-                              <m:r>
-                                <a:rPr lang="it-IT" sz="2000" b="0" i="1" smtClean="0">
-                                  <a:solidFill>
-                                    <a:srgbClr val="F4F3EE"/>
-                                  </a:solidFill>
-                                  <a:latin typeface="Cambria Math" panose="02040503050406030204" pitchFamily="18" charset="0"/>
-                                </a:rPr>
-                                <m:t>𝐵</m:t>
-                              </m:r>
-                            </m:sub>
-                          </m:sSub>
-                          <m:r>
-                            <a:rPr lang="it-IT" sz="2000" b="0" i="1" smtClean="0">
-                              <a:solidFill>
-                                <a:srgbClr val="F4F3EE"/>
-                              </a:solidFill>
-                              <a:latin typeface="Cambria Math" panose="02040503050406030204" pitchFamily="18" charset="0"/>
-                            </a:rPr>
-                            <m:t>  </m:t>
-                          </m:r>
-                        </m:oMath>
-                      </m:oMathPara>
-                    </a14:m>
-                    <a:endParaRPr lang="en-US" sz="2000" dirty="0">
-                      <a:solidFill>
-                        <a:srgbClr val="F4F3EE"/>
-                      </a:solidFill>
-                    </a:endParaRPr>
-                  </a:p>
-                </p:txBody>
-              </p:sp>
-            </mc:Choice>
-            <mc:Fallback xmlns="">
-              <p:sp>
-                <p:nvSpPr>
-                  <p:cNvPr id="13" name="CasellaDiTesto 12">
-                    <a:extLst>
-                      <a:ext uri="{FF2B5EF4-FFF2-40B4-BE49-F238E27FC236}">
-                        <a16:creationId xmlns:a16="http://schemas.microsoft.com/office/drawing/2014/main" id="{09BA3B92-6BD4-3B82-AB21-751F1F2343D7}"/>
-                      </a:ext>
-                    </a:extLst>
-                  </p:cNvPr>
-                  <p:cNvSpPr txBox="1">
-                    <a:spLocks noRot="1" noChangeAspect="1" noMove="1" noResize="1" noEditPoints="1" noAdjustHandles="1" noChangeArrowheads="1" noChangeShapeType="1" noTextEdit="1"/>
-                  </p:cNvSpPr>
-                  <p:nvPr/>
-                </p:nvSpPr>
-                <p:spPr>
-                  <a:xfrm>
-                    <a:off x="869440" y="2980091"/>
-                    <a:ext cx="919993" cy="400110"/>
-                  </a:xfrm>
-                  <a:prstGeom prst="rect">
-                    <a:avLst/>
-                  </a:prstGeom>
-                  <a:blipFill>
-                    <a:blip r:embed="rId5"/>
-                    <a:stretch>
-                      <a:fillRect b="-15385"/>
-                    </a:stretch>
-                  </a:blipFill>
-                </p:spPr>
-                <p:txBody>
-                  <a:bodyPr/>
-                  <a:lstStyle/>
-                  <a:p>
-                    <a:r>
-                      <a:rPr lang="it-IT">
-                        <a:noFill/>
-                      </a:rPr>
-                      <a:t> </a:t>
-                    </a:r>
-                  </a:p>
-                </p:txBody>
-              </p:sp>
-            </mc:Fallback>
-          </mc:AlternateContent>
-          <mc:AlternateContent xmlns:mc="http://schemas.openxmlformats.org/markup-compatibility/2006" xmlns:a14="http://schemas.microsoft.com/office/drawing/2010/main">
-            <mc:Choice Requires="a14">
-              <p:sp>
-                <p:nvSpPr>
-                  <p:cNvPr id="14" name="CasellaDiTesto 13">
-                    <a:extLst>
-                      <a:ext uri="{FF2B5EF4-FFF2-40B4-BE49-F238E27FC236}">
-                        <a16:creationId xmlns:a16="http://schemas.microsoft.com/office/drawing/2014/main" id="{AE5BB57A-4A9E-900E-A904-A1DF6A079ADF}"/>
-                      </a:ext>
-                    </a:extLst>
-                  </p:cNvPr>
-                  <p:cNvSpPr txBox="1"/>
-                  <p:nvPr/>
-                </p:nvSpPr>
-                <p:spPr>
-                  <a:xfrm>
-                    <a:off x="872839" y="4033623"/>
-                    <a:ext cx="919991" cy="400110"/>
-                  </a:xfrm>
-                  <a:prstGeom prst="rect">
-                    <a:avLst/>
-                  </a:prstGeom>
-                  <a:noFill/>
-                </p:spPr>
-                <p:txBody>
-                  <a:bodyPr wrap="square" rtlCol="0">
-                    <a:spAutoFit/>
-                  </a:bodyPr>
-                  <a:lstStyle/>
-                  <a:p>
-                    <a:pPr algn="ctr"/>
-                    <a14:m>
-                      <m:oMathPara xmlns:m="http://schemas.openxmlformats.org/officeDocument/2006/math">
-                        <m:oMathParaPr>
-                          <m:jc m:val="centerGroup"/>
-                        </m:oMathParaPr>
-                        <m:oMath xmlns:m="http://schemas.openxmlformats.org/officeDocument/2006/math">
-                          <m:sSub>
-                            <m:sSubPr>
-                              <m:ctrlPr>
-                                <a:rPr lang="it-IT" sz="2000" b="0" i="1" smtClean="0">
-                                  <a:solidFill>
-                                    <a:srgbClr val="F4F3EE"/>
-                                  </a:solidFill>
-                                  <a:latin typeface="Cambria Math" panose="02040503050406030204" pitchFamily="18" charset="0"/>
-                                </a:rPr>
-                              </m:ctrlPr>
-                            </m:sSubPr>
-                            <m:e>
-                              <m:r>
-                                <a:rPr lang="it-IT" sz="2000" b="0" i="1" smtClean="0">
-                                  <a:solidFill>
-                                    <a:srgbClr val="F4F3EE"/>
-                                  </a:solidFill>
-                                  <a:latin typeface="Cambria Math" panose="02040503050406030204" pitchFamily="18" charset="0"/>
-                                </a:rPr>
-                                <m:t>0</m:t>
-                              </m:r>
-                            </m:e>
-                            <m:sub>
-                              <m:r>
-                                <a:rPr lang="it-IT" sz="2000" b="0" i="1" smtClean="0">
-                                  <a:solidFill>
-                                    <a:srgbClr val="F4F3EE"/>
-                                  </a:solidFill>
-                                  <a:latin typeface="Cambria Math" panose="02040503050406030204" pitchFamily="18" charset="0"/>
-                                </a:rPr>
-                                <m:t>𝐶</m:t>
-                              </m:r>
-                            </m:sub>
-                          </m:sSub>
-                          <m:r>
-                            <a:rPr lang="it-IT" sz="2000" b="0" i="1" smtClean="0">
-                              <a:solidFill>
-                                <a:srgbClr val="F4F3EE"/>
-                              </a:solidFill>
-                              <a:latin typeface="Cambria Math" panose="02040503050406030204" pitchFamily="18" charset="0"/>
-                            </a:rPr>
-                            <m:t>  </m:t>
-                          </m:r>
-                        </m:oMath>
-                      </m:oMathPara>
-                    </a14:m>
-                    <a:endParaRPr lang="en-US" sz="2000" dirty="0">
-                      <a:solidFill>
-                        <a:srgbClr val="F4F3EE"/>
-                      </a:solidFill>
-                    </a:endParaRPr>
-                  </a:p>
-                </p:txBody>
-              </p:sp>
-            </mc:Choice>
-            <mc:Fallback xmlns="">
-              <p:sp>
-                <p:nvSpPr>
-                  <p:cNvPr id="14" name="CasellaDiTesto 13">
-                    <a:extLst>
-                      <a:ext uri="{FF2B5EF4-FFF2-40B4-BE49-F238E27FC236}">
-                        <a16:creationId xmlns:a16="http://schemas.microsoft.com/office/drawing/2014/main" id="{AE5BB57A-4A9E-900E-A904-A1DF6A079ADF}"/>
-                      </a:ext>
-                    </a:extLst>
-                  </p:cNvPr>
-                  <p:cNvSpPr txBox="1">
-                    <a:spLocks noRot="1" noChangeAspect="1" noMove="1" noResize="1" noEditPoints="1" noAdjustHandles="1" noChangeArrowheads="1" noChangeShapeType="1" noTextEdit="1"/>
-                  </p:cNvSpPr>
-                  <p:nvPr/>
-                </p:nvSpPr>
-                <p:spPr>
-                  <a:xfrm>
-                    <a:off x="872839" y="4033623"/>
-                    <a:ext cx="919991" cy="400110"/>
-                  </a:xfrm>
-                  <a:prstGeom prst="rect">
-                    <a:avLst/>
-                  </a:prstGeom>
-                  <a:blipFill>
-                    <a:blip r:embed="rId6"/>
-                    <a:stretch>
-                      <a:fillRect/>
-                    </a:stretch>
-                  </a:blipFill>
-                </p:spPr>
-                <p:txBody>
-                  <a:bodyPr/>
-                  <a:lstStyle/>
-                  <a:p>
-                    <a:r>
-                      <a:rPr lang="it-IT">
-                        <a:noFill/>
-                      </a:rPr>
-                      <a:t> </a:t>
-                    </a:r>
-                  </a:p>
-                </p:txBody>
-              </p:sp>
-            </mc:Fallback>
-          </mc:AlternateContent>
-          <p:grpSp>
-            <p:nvGrpSpPr>
-              <p:cNvPr id="54" name="Gruppo 53">
-                <a:extLst>
-                  <a:ext uri="{FF2B5EF4-FFF2-40B4-BE49-F238E27FC236}">
-                    <a16:creationId xmlns:a16="http://schemas.microsoft.com/office/drawing/2014/main" id="{78E34FEE-F092-B74B-77DE-1A29A02DBC96}"/>
-                  </a:ext>
-                </a:extLst>
-              </p:cNvPr>
-              <p:cNvGrpSpPr/>
-              <p:nvPr/>
-            </p:nvGrpSpPr>
-            <p:grpSpPr>
-              <a:xfrm>
-                <a:off x="2127770" y="1820160"/>
-                <a:ext cx="948571" cy="633603"/>
-                <a:chOff x="2214521" y="2491235"/>
-                <a:chExt cx="948571" cy="633603"/>
-              </a:xfrm>
-            </p:grpSpPr>
-            <p:sp>
-              <p:nvSpPr>
-                <p:cNvPr id="15" name="Rettangolo con angoli arrotondati 14">
-                  <a:extLst>
-                    <a:ext uri="{FF2B5EF4-FFF2-40B4-BE49-F238E27FC236}">
-                      <a16:creationId xmlns:a16="http://schemas.microsoft.com/office/drawing/2014/main" id="{2B77C8F2-031F-08E2-C575-F8537AFF2494}"/>
-                    </a:ext>
-                  </a:extLst>
-                </p:cNvPr>
-                <p:cNvSpPr/>
-                <p:nvPr/>
-              </p:nvSpPr>
-              <p:spPr>
-                <a:xfrm>
-                  <a:off x="2214521" y="2491235"/>
-                  <a:ext cx="919993" cy="633603"/>
-                </a:xfrm>
-                <a:prstGeom prst="roundRect">
-                  <a:avLst>
-                    <a:gd name="adj" fmla="val 8385"/>
-                  </a:avLst>
-                </a:prstGeom>
-                <a:solidFill>
-                  <a:srgbClr val="463F3A"/>
-                </a:solidFill>
-                <a:ln w="28575">
-                  <a:solidFill>
-                    <a:srgbClr val="F4F3EE"/>
-                  </a:solidFill>
-                </a:ln>
-              </p:spPr>
-              <p:style>
-                <a:lnRef idx="2">
-                  <a:schemeClr val="accent1">
-                    <a:shade val="15000"/>
-                  </a:schemeClr>
-                </a:lnRef>
-                <a:fillRef idx="1">
-                  <a:schemeClr val="accent1"/>
-                </a:fillRef>
-                <a:effectRef idx="0">
-                  <a:schemeClr val="accent1"/>
-                </a:effectRef>
-                <a:fontRef idx="minor">
-                  <a:schemeClr val="lt1"/>
-                </a:fontRef>
-              </p:style>
-              <p:txBody>
-                <a:bodyPr rtlCol="0" anchor="ctr"/>
-                <a:lstStyle/>
-                <a:p>
-                  <a:pPr algn="ctr"/>
-                  <a:endParaRPr lang="it-IT" dirty="0"/>
-                </a:p>
-              </p:txBody>
-            </p:sp>
-            <mc:AlternateContent xmlns:mc="http://schemas.openxmlformats.org/markup-compatibility/2006" xmlns:a14="http://schemas.microsoft.com/office/drawing/2010/main">
-              <mc:Choice Requires="a14">
-                <p:sp>
-                  <p:nvSpPr>
-                    <p:cNvPr id="17" name="CasellaDiTesto 16">
-                      <a:extLst>
-                        <a:ext uri="{FF2B5EF4-FFF2-40B4-BE49-F238E27FC236}">
-                          <a16:creationId xmlns:a16="http://schemas.microsoft.com/office/drawing/2014/main" id="{0FB1EAB7-6FF4-9AD5-CBD9-B5D128735324}"/>
-                        </a:ext>
-                      </a:extLst>
-                    </p:cNvPr>
-                    <p:cNvSpPr txBox="1"/>
-                    <p:nvPr/>
-                  </p:nvSpPr>
-                  <p:spPr>
-                    <a:xfrm>
-                      <a:off x="2243098" y="2595895"/>
-                      <a:ext cx="919994" cy="424283"/>
-                    </a:xfrm>
-                    <a:prstGeom prst="rect">
-                      <a:avLst/>
-                    </a:prstGeom>
-                    <a:noFill/>
-                  </p:spPr>
-                  <p:txBody>
-                    <a:bodyPr wrap="square" rtlCol="0">
-                      <a:spAutoFit/>
-                    </a:bodyPr>
-                    <a:lstStyle/>
-                    <a:p>
-                      <a:pPr algn="ctr"/>
-                      <a14:m>
-                        <m:oMathPara xmlns:m="http://schemas.openxmlformats.org/officeDocument/2006/math">
-                          <m:oMathParaPr>
-                            <m:jc m:val="center"/>
-                          </m:oMathParaPr>
-                          <m:oMath xmlns:m="http://schemas.openxmlformats.org/officeDocument/2006/math">
-                            <m:sSub>
-                              <m:sSubPr>
-                                <m:ctrlPr>
-                                  <a:rPr lang="it-IT" sz="2000" b="0" i="1" smtClean="0">
-                                    <a:solidFill>
-                                      <a:srgbClr val="F4F3EE"/>
-                                    </a:solidFill>
-                                    <a:latin typeface="Cambria Math" panose="02040503050406030204" pitchFamily="18" charset="0"/>
-                                  </a:rPr>
-                                </m:ctrlPr>
-                              </m:sSubPr>
-                              <m:e>
-                                <m:r>
-                                  <a:rPr lang="it-IT" sz="2000" b="0" i="1" smtClean="0">
-                                    <a:solidFill>
-                                      <a:srgbClr val="F4F3EE"/>
-                                    </a:solidFill>
-                                    <a:latin typeface="Cambria Math" panose="02040503050406030204" pitchFamily="18" charset="0"/>
-                                  </a:rPr>
-                                  <m:t>𝑅</m:t>
-                                </m:r>
-                              </m:e>
-                              <m:sub>
-                                <m:r>
-                                  <a:rPr lang="it-IT" sz="2000" b="0" i="1" smtClean="0">
-                                    <a:solidFill>
-                                      <a:srgbClr val="F4F3EE"/>
-                                    </a:solidFill>
-                                    <a:latin typeface="Cambria Math" panose="02040503050406030204" pitchFamily="18" charset="0"/>
-                                  </a:rPr>
-                                  <m:t>𝑦</m:t>
-                                </m:r>
-                              </m:sub>
-                            </m:sSub>
-                            <m:r>
-                              <a:rPr lang="it-IT" sz="2000" b="0" i="1" smtClean="0">
-                                <a:solidFill>
-                                  <a:srgbClr val="F4F3EE"/>
-                                </a:solidFill>
-                                <a:latin typeface="Cambria Math" panose="02040503050406030204" pitchFamily="18" charset="0"/>
-                              </a:rPr>
-                              <m:t>(</m:t>
-                            </m:r>
-                            <m:r>
-                              <a:rPr lang="it-IT" sz="2000" b="0" i="1" smtClean="0">
-                                <a:solidFill>
-                                  <a:srgbClr val="F4F3EE"/>
-                                </a:solidFill>
-                                <a:latin typeface="Cambria Math" panose="02040503050406030204" pitchFamily="18" charset="0"/>
-                              </a:rPr>
-                              <m:t>𝜃</m:t>
-                            </m:r>
-                            <m:r>
-                              <a:rPr lang="it-IT" sz="2000" b="0" i="1" smtClean="0">
-                                <a:solidFill>
-                                  <a:srgbClr val="F4F3EE"/>
-                                </a:solidFill>
-                                <a:latin typeface="Cambria Math" panose="02040503050406030204" pitchFamily="18" charset="0"/>
-                              </a:rPr>
-                              <m:t>)</m:t>
-                            </m:r>
-                          </m:oMath>
-                        </m:oMathPara>
-                      </a14:m>
-                      <a:endParaRPr lang="en-US" sz="2000" dirty="0">
-                        <a:solidFill>
-                          <a:srgbClr val="F4F3EE"/>
-                        </a:solidFill>
-                      </a:endParaRPr>
-                    </a:p>
-                  </p:txBody>
-                </p:sp>
-              </mc:Choice>
-              <mc:Fallback xmlns="">
-                <p:sp>
-                  <p:nvSpPr>
-                    <p:cNvPr id="17" name="CasellaDiTesto 16">
-                      <a:extLst>
-                        <a:ext uri="{FF2B5EF4-FFF2-40B4-BE49-F238E27FC236}">
-                          <a16:creationId xmlns:a16="http://schemas.microsoft.com/office/drawing/2014/main" id="{0FB1EAB7-6FF4-9AD5-CBD9-B5D128735324}"/>
-                        </a:ext>
-                      </a:extLst>
-                    </p:cNvPr>
-                    <p:cNvSpPr txBox="1">
-                      <a:spLocks noRot="1" noChangeAspect="1" noMove="1" noResize="1" noEditPoints="1" noAdjustHandles="1" noChangeArrowheads="1" noChangeShapeType="1" noTextEdit="1"/>
-                    </p:cNvSpPr>
-                    <p:nvPr/>
-                  </p:nvSpPr>
-                  <p:spPr>
-                    <a:xfrm>
-                      <a:off x="2243098" y="2595895"/>
-                      <a:ext cx="919994" cy="424283"/>
-                    </a:xfrm>
-                    <a:prstGeom prst="rect">
-                      <a:avLst/>
-                    </a:prstGeom>
-                    <a:blipFill>
-                      <a:blip r:embed="rId7"/>
-                      <a:stretch>
-                        <a:fillRect b="-10000"/>
-                      </a:stretch>
-                    </a:blipFill>
-                  </p:spPr>
-                  <p:txBody>
-                    <a:bodyPr/>
-                    <a:lstStyle/>
-                    <a:p>
-                      <a:r>
-                        <a:rPr lang="it-IT">
-                          <a:noFill/>
-                        </a:rPr>
-                        <a:t> </a:t>
-                      </a:r>
-                    </a:p>
-                  </p:txBody>
-                </p:sp>
-              </mc:Fallback>
-            </mc:AlternateContent>
-          </p:grpSp>
+        </p:grpSp>
+        <p:grpSp>
+          <p:nvGrpSpPr>
+            <p:cNvPr id="24" name="Gruppo 23">
+              <a:extLst>
+                <a:ext uri="{FF2B5EF4-FFF2-40B4-BE49-F238E27FC236}">
+                  <a16:creationId xmlns:a16="http://schemas.microsoft.com/office/drawing/2014/main" id="{45932C94-53A7-DB62-DE8E-8C7BE2EF7C8E}"/>
+                </a:ext>
+              </a:extLst>
+            </p:cNvPr>
+            <p:cNvGrpSpPr/>
+            <p:nvPr/>
+          </p:nvGrpSpPr>
+          <p:grpSpPr>
+            <a:xfrm>
+              <a:off x="3670782" y="1593411"/>
+              <a:ext cx="830580" cy="2371730"/>
+              <a:chOff x="3854292" y="1593411"/>
+              <a:chExt cx="830580" cy="2371730"/>
+            </a:xfrm>
+          </p:grpSpPr>
           <p:grpSp>
             <p:nvGrpSpPr>
               <p:cNvPr id="36" name="Gruppo 35">
@@ -34382,7 +34357,7 @@
             </p:nvGrpSpPr>
             <p:grpSpPr>
               <a:xfrm>
-                <a:off x="3792892" y="1823847"/>
+                <a:off x="3854292" y="1593411"/>
                 <a:ext cx="830580" cy="1132498"/>
                 <a:chOff x="3696595" y="2483548"/>
                 <a:chExt cx="830580" cy="1132498"/>
@@ -34556,7 +34531,7 @@
             </p:nvGrpSpPr>
             <p:grpSpPr>
               <a:xfrm rot="16200000">
-                <a:off x="3332809" y="3289724"/>
+                <a:off x="3394209" y="3059288"/>
                 <a:ext cx="1750747" cy="60960"/>
                 <a:chOff x="1704975" y="5048027"/>
                 <a:chExt cx="8782050" cy="60960"/>
@@ -34649,6 +34624,27 @@
               </p:style>
             </p:cxnSp>
           </p:grpSp>
+        </p:grpSp>
+        <p:grpSp>
+          <p:nvGrpSpPr>
+            <p:cNvPr id="22" name="Gruppo 21">
+              <a:extLst>
+                <a:ext uri="{FF2B5EF4-FFF2-40B4-BE49-F238E27FC236}">
+                  <a16:creationId xmlns:a16="http://schemas.microsoft.com/office/drawing/2014/main" id="{203C59CA-B53E-FA59-461F-FA48D7C4113E}"/>
+                </a:ext>
+              </a:extLst>
+            </p:cNvPr>
+            <p:cNvGrpSpPr/>
+            <p:nvPr/>
+          </p:nvGrpSpPr>
+          <p:grpSpPr>
+            <a:xfrm>
+              <a:off x="4684773" y="2652639"/>
+              <a:ext cx="1245336" cy="1707164"/>
+              <a:chOff x="4748983" y="2652639"/>
+              <a:chExt cx="1245336" cy="1707164"/>
+            </a:xfrm>
+          </p:grpSpPr>
           <p:grpSp>
             <p:nvGrpSpPr>
               <p:cNvPr id="63" name="Gruppo 62">
@@ -34663,7 +34659,7 @@
             </p:nvGrpSpPr>
             <p:grpSpPr>
               <a:xfrm>
-                <a:off x="4909248" y="2883075"/>
+                <a:off x="4997543" y="2652639"/>
                 <a:ext cx="716591" cy="633603"/>
                 <a:chOff x="4962524" y="3262007"/>
                 <a:chExt cx="716591" cy="633603"/>
@@ -34849,7 +34845,7 @@
             </p:nvSpPr>
             <p:spPr>
               <a:xfrm>
-                <a:off x="5191588" y="4147259"/>
+                <a:off x="5279883" y="3916823"/>
                 <a:ext cx="154963" cy="154963"/>
               </a:xfrm>
               <a:prstGeom prst="ellipse">
@@ -34901,7 +34897,7 @@
             </p:nvGrpSpPr>
             <p:grpSpPr>
               <a:xfrm rot="16200000">
-                <a:off x="4947590" y="3808620"/>
+                <a:off x="5035885" y="3578184"/>
                 <a:ext cx="644844" cy="60960"/>
                 <a:chOff x="1704975" y="5048027"/>
                 <a:chExt cx="8782050" cy="60960"/>
@@ -35010,7 +35006,7 @@
                 </p:nvSpPr>
                 <p:spPr>
                   <a:xfrm>
-                    <a:off x="4660688" y="4282462"/>
+                    <a:off x="4748983" y="4052026"/>
                     <a:ext cx="1245336" cy="307777"/>
                   </a:xfrm>
                   <a:prstGeom prst="rect">
@@ -35078,7 +35074,7 @@
                 </p:nvSpPr>
                 <p:spPr>
                   <a:xfrm>
-                    <a:off x="4660688" y="4282462"/>
+                    <a:off x="4748983" y="4052026"/>
                     <a:ext cx="1245336" cy="307777"/>
                   </a:xfrm>
                   <a:prstGeom prst="rect">
@@ -35106,6 +35102,27 @@
               </p:sp>
             </mc:Fallback>
           </mc:AlternateContent>
+        </p:grpSp>
+        <p:grpSp>
+          <p:nvGrpSpPr>
+            <p:cNvPr id="23" name="Gruppo 22">
+              <a:extLst>
+                <a:ext uri="{FF2B5EF4-FFF2-40B4-BE49-F238E27FC236}">
+                  <a16:creationId xmlns:a16="http://schemas.microsoft.com/office/drawing/2014/main" id="{EDBC9648-3516-6AD4-D2D2-BFF9869FBC83}"/>
+                </a:ext>
+              </a:extLst>
+            </p:cNvPr>
+            <p:cNvGrpSpPr/>
+            <p:nvPr/>
+          </p:nvGrpSpPr>
+          <p:grpSpPr>
+            <a:xfrm>
+              <a:off x="6005943" y="1591270"/>
+              <a:ext cx="1245336" cy="2776699"/>
+              <a:chOff x="5813725" y="1591270"/>
+              <a:chExt cx="1245336" cy="2776699"/>
+            </a:xfrm>
+          </p:grpSpPr>
           <p:grpSp>
             <p:nvGrpSpPr>
               <p:cNvPr id="65" name="Gruppo 64">
@@ -35120,7 +35137,7 @@
             </p:nvGrpSpPr>
             <p:grpSpPr>
               <a:xfrm>
-                <a:off x="5910340" y="1821706"/>
+                <a:off x="6043460" y="1591270"/>
                 <a:ext cx="716591" cy="633603"/>
                 <a:chOff x="4962524" y="3262007"/>
                 <a:chExt cx="716591" cy="633603"/>
@@ -35306,7 +35323,7 @@
             </p:nvGrpSpPr>
             <p:grpSpPr>
               <a:xfrm>
-                <a:off x="5933230" y="2891634"/>
+                <a:off x="6066350" y="2661198"/>
                 <a:ext cx="716591" cy="633603"/>
                 <a:chOff x="4962524" y="3262007"/>
                 <a:chExt cx="716591" cy="633603"/>
@@ -35492,7 +35509,7 @@
             </p:nvSpPr>
             <p:spPr>
               <a:xfrm>
-                <a:off x="6211505" y="4155425"/>
+                <a:off x="6344625" y="3924989"/>
                 <a:ext cx="154963" cy="154963"/>
               </a:xfrm>
               <a:prstGeom prst="ellipse">
@@ -35546,7 +35563,7 @@
             </p:nvGrpSpPr>
             <p:grpSpPr>
               <a:xfrm rot="16200000">
-                <a:off x="5964614" y="3811512"/>
+                <a:off x="6097734" y="3581076"/>
                 <a:ext cx="650630" cy="60960"/>
                 <a:chOff x="1704975" y="5048027"/>
                 <a:chExt cx="8782050" cy="60960"/>
@@ -35655,7 +35672,7 @@
                 </p:nvSpPr>
                 <p:spPr>
                   <a:xfrm>
-                    <a:off x="5680605" y="4290628"/>
+                    <a:off x="5813725" y="4060192"/>
                     <a:ext cx="1245336" cy="307777"/>
                   </a:xfrm>
                   <a:prstGeom prst="rect">
@@ -35723,7 +35740,7 @@
                 </p:nvSpPr>
                 <p:spPr>
                   <a:xfrm>
-                    <a:off x="5680605" y="4290628"/>
+                    <a:off x="5813725" y="4060192"/>
                     <a:ext cx="1245336" cy="307777"/>
                   </a:xfrm>
                   <a:prstGeom prst="rect">
@@ -35751,6 +35768,27 @@
               </p:sp>
             </mc:Fallback>
           </mc:AlternateContent>
+        </p:grpSp>
+        <p:grpSp>
+          <p:nvGrpSpPr>
+            <p:cNvPr id="25" name="Gruppo 24">
+              <a:extLst>
+                <a:ext uri="{FF2B5EF4-FFF2-40B4-BE49-F238E27FC236}">
+                  <a16:creationId xmlns:a16="http://schemas.microsoft.com/office/drawing/2014/main" id="{25D8B015-B778-C09E-DDE2-36EBBD484E69}"/>
+                </a:ext>
+              </a:extLst>
+            </p:cNvPr>
+            <p:cNvGrpSpPr/>
+            <p:nvPr/>
+          </p:nvGrpSpPr>
+          <p:grpSpPr>
+            <a:xfrm>
+              <a:off x="7228503" y="1827749"/>
+              <a:ext cx="1245336" cy="2545581"/>
+              <a:chOff x="7015702" y="1827749"/>
+              <a:chExt cx="1245336" cy="2545581"/>
+            </a:xfrm>
+          </p:grpSpPr>
           <p:sp>
             <p:nvSpPr>
               <p:cNvPr id="80" name="Ovale 79">
@@ -35765,7 +35803,7 @@
             </p:nvSpPr>
             <p:spPr>
               <a:xfrm>
-                <a:off x="7408878" y="2058185"/>
+                <a:off x="7541998" y="1827749"/>
                 <a:ext cx="154963" cy="154963"/>
               </a:xfrm>
               <a:prstGeom prst="ellipse">
@@ -35819,7 +35857,7 @@
             </p:nvCxnSpPr>
             <p:spPr>
               <a:xfrm flipV="1">
-                <a:off x="7486360" y="2165235"/>
+                <a:off x="7619480" y="1934799"/>
                 <a:ext cx="0" cy="1034641"/>
               </a:xfrm>
               <a:prstGeom prst="line">
@@ -35860,7 +35898,7 @@
             </p:nvSpPr>
             <p:spPr>
               <a:xfrm>
-                <a:off x="7262988" y="2977066"/>
+                <a:off x="7396108" y="2746630"/>
                 <a:ext cx="446741" cy="446741"/>
               </a:xfrm>
               <a:prstGeom prst="ellipse">
@@ -35912,7 +35950,7 @@
             </p:nvSpPr>
             <p:spPr>
               <a:xfrm>
-                <a:off x="7074495" y="2854492"/>
+                <a:off x="7207615" y="2624056"/>
                 <a:ext cx="830076" cy="707886"/>
               </a:xfrm>
               <a:prstGeom prst="rect">
@@ -35952,7 +35990,7 @@
             </p:nvSpPr>
             <p:spPr>
               <a:xfrm>
-                <a:off x="7413482" y="4160786"/>
+                <a:off x="7546602" y="3930350"/>
                 <a:ext cx="154963" cy="154963"/>
               </a:xfrm>
               <a:prstGeom prst="ellipse">
@@ -36004,7 +36042,7 @@
             </p:nvGrpSpPr>
             <p:grpSpPr>
               <a:xfrm rot="16200000">
-                <a:off x="7074828" y="3727492"/>
+                <a:off x="7207948" y="3497056"/>
                 <a:ext cx="834155" cy="60960"/>
                 <a:chOff x="1704975" y="5048027"/>
                 <a:chExt cx="8782050" cy="60960"/>
@@ -36113,7 +36151,7 @@
                 </p:nvSpPr>
                 <p:spPr>
                   <a:xfrm>
-                    <a:off x="6882582" y="4295989"/>
+                    <a:off x="7015702" y="4065553"/>
                     <a:ext cx="1245336" cy="307777"/>
                   </a:xfrm>
                   <a:prstGeom prst="rect">
@@ -36181,7 +36219,7 @@
                 </p:nvSpPr>
                 <p:spPr>
                   <a:xfrm>
-                    <a:off x="6882582" y="4295989"/>
+                    <a:off x="7015702" y="4065553"/>
                     <a:ext cx="1245336" cy="307777"/>
                   </a:xfrm>
                   <a:prstGeom prst="rect">
@@ -36209,6 +36247,27 @@
               </p:sp>
             </mc:Fallback>
           </mc:AlternateContent>
+        </p:grpSp>
+        <p:grpSp>
+          <p:nvGrpSpPr>
+            <p:cNvPr id="26" name="Gruppo 25">
+              <a:extLst>
+                <a:ext uri="{FF2B5EF4-FFF2-40B4-BE49-F238E27FC236}">
+                  <a16:creationId xmlns:a16="http://schemas.microsoft.com/office/drawing/2014/main" id="{04496E23-80CD-1C5D-605E-50C0B505046B}"/>
+                </a:ext>
+              </a:extLst>
+            </p:cNvPr>
+            <p:cNvGrpSpPr/>
+            <p:nvPr/>
+          </p:nvGrpSpPr>
+          <p:grpSpPr>
+            <a:xfrm>
+              <a:off x="8513813" y="1597417"/>
+              <a:ext cx="1245336" cy="2770552"/>
+              <a:chOff x="8513813" y="1597417"/>
+              <a:chExt cx="1245336" cy="2770552"/>
+            </a:xfrm>
+          </p:grpSpPr>
           <p:grpSp>
             <p:nvGrpSpPr>
               <p:cNvPr id="91" name="Gruppo 90">
@@ -36223,7 +36282,7 @@
             </p:nvGrpSpPr>
             <p:grpSpPr>
               <a:xfrm>
-                <a:off x="8571574" y="1827853"/>
+                <a:off x="8704694" y="1597417"/>
                 <a:ext cx="830580" cy="1132498"/>
                 <a:chOff x="3696595" y="2483548"/>
                 <a:chExt cx="830580" cy="1132498"/>
@@ -36397,7 +36456,7 @@
             </p:nvSpPr>
             <p:spPr>
               <a:xfrm>
-                <a:off x="8911593" y="4155425"/>
+                <a:off x="9044713" y="3924989"/>
                 <a:ext cx="154963" cy="154963"/>
               </a:xfrm>
               <a:prstGeom prst="ellipse">
@@ -36451,7 +36510,7 @@
             </p:nvGrpSpPr>
             <p:grpSpPr>
               <a:xfrm rot="16200000">
-                <a:off x="8137091" y="3283902"/>
+                <a:off x="8270211" y="3053466"/>
                 <a:ext cx="1705851" cy="60960"/>
                 <a:chOff x="1704975" y="5048027"/>
                 <a:chExt cx="8782050" cy="60960"/>
@@ -36560,7 +36619,7 @@
                 </p:nvSpPr>
                 <p:spPr>
                   <a:xfrm>
-                    <a:off x="8380693" y="4290628"/>
+                    <a:off x="8513813" y="4060192"/>
                     <a:ext cx="1245336" cy="307777"/>
                   </a:xfrm>
                   <a:prstGeom prst="rect">
@@ -36628,14 +36687,14 @@
                 </p:nvSpPr>
                 <p:spPr>
                   <a:xfrm>
-                    <a:off x="8380693" y="4290628"/>
+                    <a:off x="8513813" y="4060192"/>
                     <a:ext cx="1245336" cy="307777"/>
                   </a:xfrm>
                   <a:prstGeom prst="rect">
                     <a:avLst/>
                   </a:prstGeom>
                   <a:blipFill>
-                    <a:blip r:embed="rId12"/>
+                    <a:blip r:embed="rId14"/>
                     <a:stretch>
                       <a:fillRect/>
                     </a:stretch>
@@ -36670,7 +36729,7 @@
             </p:nvGrpSpPr>
             <p:grpSpPr>
               <a:xfrm>
-                <a:off x="8571574" y="2890982"/>
+                <a:off x="8704694" y="2660546"/>
                 <a:ext cx="830580" cy="1132498"/>
                 <a:chOff x="3696595" y="2483548"/>
                 <a:chExt cx="830580" cy="1132498"/>
@@ -37156,8 +37215,8 @@
           <a:chExt cx="0" cy="0"/>
         </a:xfrm>
       </p:grpSpPr>
-      <mc:AlternateContent xmlns:mc="http://schemas.openxmlformats.org/markup-compatibility/2006">
-        <mc:Choice xmlns:a14="http://schemas.microsoft.com/office/drawing/2010/main" Requires="a14">
+      <mc:AlternateContent xmlns:mc="http://schemas.openxmlformats.org/markup-compatibility/2006" xmlns:a14="http://schemas.microsoft.com/office/drawing/2010/main">
+        <mc:Choice Requires="a14">
           <p:sp>
             <p:nvSpPr>
               <p:cNvPr id="4" name="CasellaDiTesto 3">
@@ -37629,7 +37688,7 @@
             </p:txBody>
           </p:sp>
         </mc:Choice>
-        <mc:Fallback>
+        <mc:Fallback xmlns="">
           <p:sp>
             <p:nvSpPr>
               <p:cNvPr id="4" name="CasellaDiTesto 3">
@@ -37674,8 +37733,8 @@
           </p:sp>
         </mc:Fallback>
       </mc:AlternateContent>
-      <mc:AlternateContent xmlns:mc="http://schemas.openxmlformats.org/markup-compatibility/2006">
-        <mc:Choice xmlns:a14="http://schemas.microsoft.com/office/drawing/2010/main" Requires="a14">
+      <mc:AlternateContent xmlns:mc="http://schemas.openxmlformats.org/markup-compatibility/2006" xmlns:a14="http://schemas.microsoft.com/office/drawing/2010/main">
+        <mc:Choice Requires="a14">
           <p:sp>
             <p:nvSpPr>
               <p:cNvPr id="16" name="CasellaDiTesto 15">
@@ -37793,7 +37852,7 @@
             </p:txBody>
           </p:sp>
         </mc:Choice>
-        <mc:Fallback>
+        <mc:Fallback xmlns="">
           <p:sp>
             <p:nvSpPr>
               <p:cNvPr id="16" name="CasellaDiTesto 15">
@@ -37838,8 +37897,8 @@
           </p:sp>
         </mc:Fallback>
       </mc:AlternateContent>
-      <mc:AlternateContent xmlns:mc="http://schemas.openxmlformats.org/markup-compatibility/2006">
-        <mc:Choice xmlns:a14="http://schemas.microsoft.com/office/drawing/2010/main" Requires="a14">
+      <mc:AlternateContent xmlns:mc="http://schemas.openxmlformats.org/markup-compatibility/2006" xmlns:a14="http://schemas.microsoft.com/office/drawing/2010/main">
+        <mc:Choice Requires="a14">
           <p:sp>
             <p:nvSpPr>
               <p:cNvPr id="3" name="CasellaDiTesto 2">
@@ -37934,7 +37993,7 @@
             </p:txBody>
           </p:sp>
         </mc:Choice>
-        <mc:Fallback>
+        <mc:Fallback xmlns="">
           <p:sp>
             <p:nvSpPr>
               <p:cNvPr id="3" name="CasellaDiTesto 2">
@@ -37979,8 +38038,8 @@
           </p:sp>
         </mc:Fallback>
       </mc:AlternateContent>
-      <mc:AlternateContent xmlns:mc="http://schemas.openxmlformats.org/markup-compatibility/2006">
-        <mc:Choice xmlns:a14="http://schemas.microsoft.com/office/drawing/2010/main" Requires="a14">
+      <mc:AlternateContent xmlns:mc="http://schemas.openxmlformats.org/markup-compatibility/2006" xmlns:a14="http://schemas.microsoft.com/office/drawing/2010/main">
+        <mc:Choice Requires="a14">
           <p:sp>
             <p:nvSpPr>
               <p:cNvPr id="9" name="CasellaDiTesto 8">
@@ -38432,7 +38491,7 @@
             </p:txBody>
           </p:sp>
         </mc:Choice>
-        <mc:Fallback>
+        <mc:Fallback xmlns="">
           <p:sp>
             <p:nvSpPr>
               <p:cNvPr id="9" name="CasellaDiTesto 8">
@@ -38728,7 +38787,7 @@
         </p:nvCxnSpPr>
         <p:spPr>
           <a:xfrm flipV="1">
-            <a:off x="3578226" y="1389529"/>
+            <a:off x="3488576" y="1389529"/>
             <a:ext cx="0" cy="3334871"/>
           </a:xfrm>
           <a:prstGeom prst="line">
@@ -38772,7 +38831,7 @@
             </p:nvSpPr>
             <p:spPr>
               <a:xfrm>
-                <a:off x="1479644" y="4690691"/>
+                <a:off x="1389994" y="4690691"/>
                 <a:ext cx="4316150" cy="783869"/>
               </a:xfrm>
               <a:prstGeom prst="rect">
@@ -39150,7 +39209,7 @@
             </p:nvSpPr>
             <p:spPr>
               <a:xfrm>
-                <a:off x="1479644" y="4690691"/>
+                <a:off x="1389994" y="4690691"/>
                 <a:ext cx="4316150" cy="783869"/>
               </a:xfrm>
               <a:prstGeom prst="rect">
@@ -39192,7 +39251,7 @@
         </p:nvSpPr>
         <p:spPr>
           <a:xfrm>
-            <a:off x="1719602" y="5709959"/>
+            <a:off x="1629952" y="5709959"/>
             <a:ext cx="6471898" cy="338554"/>
           </a:xfrm>
           <a:prstGeom prst="rect">
@@ -39239,7 +39298,7 @@
         </p:nvGrpSpPr>
         <p:grpSpPr>
           <a:xfrm>
-            <a:off x="9199676" y="5019404"/>
+            <a:off x="9110026" y="5019404"/>
             <a:ext cx="2190815" cy="1719665"/>
             <a:chOff x="9199676" y="4897484"/>
             <a:chExt cx="2190815" cy="1719665"/>
@@ -39772,12 +39831,158 @@
           </mc:Fallback>
         </mc:AlternateContent>
       </p:grpSp>
+      <p:cxnSp>
+        <p:nvCxnSpPr>
+          <p:cNvPr id="131" name="Connettore a gomito 78">
+            <a:extLst>
+              <a:ext uri="{FF2B5EF4-FFF2-40B4-BE49-F238E27FC236}">
+                <a16:creationId xmlns:a16="http://schemas.microsoft.com/office/drawing/2014/main" id="{9DFFD6C3-FAF1-641C-DDE3-5ABA04875038}"/>
+              </a:ext>
+            </a:extLst>
+          </p:cNvPr>
+          <p:cNvCxnSpPr>
+            <a:cxnSpLocks/>
+            <a:stCxn id="21" idx="3"/>
+            <a:endCxn id="22" idx="1"/>
+          </p:cNvCxnSpPr>
+          <p:nvPr/>
+        </p:nvCxnSpPr>
+        <p:spPr>
+          <a:xfrm flipV="1">
+            <a:off x="8101850" y="5376746"/>
+            <a:ext cx="1008176" cy="502490"/>
+          </a:xfrm>
+          <a:prstGeom prst="bentConnector3">
+            <a:avLst>
+              <a:gd name="adj1" fmla="val 50000"/>
+            </a:avLst>
+          </a:prstGeom>
+          <a:ln w="28575" cap="rnd">
+            <a:solidFill>
+              <a:srgbClr val="E0AFA0"/>
+            </a:solidFill>
+            <a:bevel/>
+            <a:tailEnd type="arrow"/>
+          </a:ln>
+        </p:spPr>
+        <p:style>
+          <a:lnRef idx="2">
+            <a:schemeClr val="accent1"/>
+          </a:lnRef>
+          <a:fillRef idx="0">
+            <a:schemeClr val="accent1"/>
+          </a:fillRef>
+          <a:effectRef idx="1">
+            <a:schemeClr val="accent1"/>
+          </a:effectRef>
+          <a:fontRef idx="minor">
+            <a:schemeClr val="tx1"/>
+          </a:fontRef>
+        </p:style>
+      </p:cxnSp>
+      <p:cxnSp>
+        <p:nvCxnSpPr>
+          <p:cNvPr id="135" name="Connettore a gomito 78">
+            <a:extLst>
+              <a:ext uri="{FF2B5EF4-FFF2-40B4-BE49-F238E27FC236}">
+                <a16:creationId xmlns:a16="http://schemas.microsoft.com/office/drawing/2014/main" id="{FFB4F66A-28B8-231B-C9BB-252D3F61256D}"/>
+              </a:ext>
+            </a:extLst>
+          </p:cNvPr>
+          <p:cNvCxnSpPr>
+            <a:cxnSpLocks/>
+            <a:stCxn id="21" idx="3"/>
+            <a:endCxn id="23" idx="1"/>
+          </p:cNvCxnSpPr>
+          <p:nvPr/>
+        </p:nvCxnSpPr>
+        <p:spPr>
+          <a:xfrm>
+            <a:off x="8101850" y="5879236"/>
+            <a:ext cx="1008176" cy="502492"/>
+          </a:xfrm>
+          <a:prstGeom prst="bentConnector3">
+            <a:avLst>
+              <a:gd name="adj1" fmla="val 50000"/>
+            </a:avLst>
+          </a:prstGeom>
+          <a:ln w="28575" cap="rnd">
+            <a:solidFill>
+              <a:srgbClr val="E0AFA0"/>
+            </a:solidFill>
+            <a:bevel/>
+            <a:tailEnd type="arrow"/>
+          </a:ln>
+        </p:spPr>
+        <p:style>
+          <a:lnRef idx="2">
+            <a:schemeClr val="accent1"/>
+          </a:lnRef>
+          <a:fillRef idx="0">
+            <a:schemeClr val="accent1"/>
+          </a:fillRef>
+          <a:effectRef idx="1">
+            <a:schemeClr val="accent1"/>
+          </a:effectRef>
+          <a:fontRef idx="minor">
+            <a:schemeClr val="tx1"/>
+          </a:fontRef>
+        </p:style>
+      </p:cxnSp>
+      <p:sp>
+        <p:nvSpPr>
+          <p:cNvPr id="4" name="CasellaDiTesto 3">
+            <a:extLst>
+              <a:ext uri="{FF2B5EF4-FFF2-40B4-BE49-F238E27FC236}">
+                <a16:creationId xmlns:a16="http://schemas.microsoft.com/office/drawing/2014/main" id="{597FD7CE-FDDC-803E-E4AF-11E2E4DBFDEA}"/>
+              </a:ext>
+            </a:extLst>
+          </p:cNvPr>
+          <p:cNvSpPr txBox="1"/>
+          <p:nvPr/>
+        </p:nvSpPr>
+        <p:spPr>
+          <a:xfrm>
+            <a:off x="2041859" y="447853"/>
+            <a:ext cx="8108283" cy="338554"/>
+          </a:xfrm>
+          <a:prstGeom prst="rect">
+            <a:avLst/>
+          </a:prstGeom>
+          <a:noFill/>
+        </p:spPr>
+        <p:txBody>
+          <a:bodyPr wrap="square" rtlCol="0">
+            <a:spAutoFit/>
+          </a:bodyPr>
+          <a:lstStyle/>
+          <a:p>
+            <a:pPr algn="ctr"/>
+            <a:r>
+              <a:rPr lang="en-US" sz="1600" spc="300" noProof="0" dirty="0">
+                <a:solidFill>
+                  <a:srgbClr val="F4F3EE"/>
+                </a:solidFill>
+              </a:rPr>
+              <a:t>CIRCUIT </a:t>
+            </a:r>
+            <a:r>
+              <a:rPr lang="en-US" sz="1600" b="1" spc="300" noProof="0" dirty="0">
+                <a:solidFill>
+                  <a:srgbClr val="F4F3EE"/>
+                </a:solidFill>
+              </a:rPr>
+              <a:t>ANALYSIS</a:t>
+            </a:r>
+          </a:p>
+        </p:txBody>
+      </p:sp>
       <p:grpSp>
         <p:nvGrpSpPr>
-          <p:cNvPr id="6" name="Gruppo 5">
+          <p:cNvPr id="3" name="Gruppo 2">
             <a:extLst>
               <a:ext uri="{FF2B5EF4-FFF2-40B4-BE49-F238E27FC236}">
-                <a16:creationId xmlns:a16="http://schemas.microsoft.com/office/drawing/2014/main" id="{5A50FAEE-BCE2-DCD3-7182-7668AA95D0E8}"/>
+                <a16:creationId xmlns:a16="http://schemas.microsoft.com/office/drawing/2014/main" id="{F817E79A-C11A-2EC1-B25C-C423BC988DE7}"/>
               </a:ext>
             </a:extLst>
           </p:cNvPr>
@@ -39788,16 +39993,16 @@
           <a:xfrm>
             <a:off x="997317" y="1589724"/>
             <a:ext cx="9563997" cy="2783606"/>
-            <a:chOff x="864197" y="1820160"/>
+            <a:chOff x="997317" y="1589724"/>
             <a:chExt cx="9563997" cy="2783606"/>
           </a:xfrm>
         </p:grpSpPr>
         <p:cxnSp>
           <p:nvCxnSpPr>
-            <p:cNvPr id="10" name="Connettore diritto 9">
+            <p:cNvPr id="5" name="Connettore diritto 4">
               <a:extLst>
                 <a:ext uri="{FF2B5EF4-FFF2-40B4-BE49-F238E27FC236}">
-                  <a16:creationId xmlns:a16="http://schemas.microsoft.com/office/drawing/2014/main" id="{322F8897-304F-13D9-C267-6E88067BF46D}"/>
+                  <a16:creationId xmlns:a16="http://schemas.microsoft.com/office/drawing/2014/main" id="{5977C359-1995-9C44-25FF-4CE3F3B17E30}"/>
                 </a:ext>
               </a:extLst>
             </p:cNvPr>
@@ -39808,7 +40013,7 @@
           </p:nvCxnSpPr>
           <p:spPr>
             <a:xfrm>
-              <a:off x="1646144" y="2136962"/>
+              <a:off x="1779264" y="1906526"/>
               <a:ext cx="8782050" cy="0"/>
             </a:xfrm>
             <a:prstGeom prst="line">
@@ -39837,10 +40042,10 @@
         </p:cxnSp>
         <p:grpSp>
           <p:nvGrpSpPr>
-            <p:cNvPr id="16" name="Gruppo 15">
+            <p:cNvPr id="8" name="Gruppo 7">
               <a:extLst>
                 <a:ext uri="{FF2B5EF4-FFF2-40B4-BE49-F238E27FC236}">
-                  <a16:creationId xmlns:a16="http://schemas.microsoft.com/office/drawing/2014/main" id="{6566A83F-DDA2-7AFF-0B57-3BCAAE22C2AD}"/>
+                  <a16:creationId xmlns:a16="http://schemas.microsoft.com/office/drawing/2014/main" id="{C6F347BA-49C5-2B4E-F40C-B6CC4650240E}"/>
                 </a:ext>
               </a:extLst>
             </p:cNvPr>
@@ -39849,7 +40054,7 @@
           </p:nvGrpSpPr>
           <p:grpSpPr>
             <a:xfrm>
-              <a:off x="1646144" y="4195578"/>
+              <a:off x="1779264" y="3965142"/>
               <a:ext cx="7343072" cy="60960"/>
               <a:chOff x="1646144" y="4346987"/>
               <a:chExt cx="8782050" cy="60960"/>
@@ -39857,10 +40062,10 @@
           </p:grpSpPr>
           <p:cxnSp>
             <p:nvCxnSpPr>
-              <p:cNvPr id="126" name="Connettore diritto 125">
+              <p:cNvPr id="132" name="Connettore diritto 131">
                 <a:extLst>
                   <a:ext uri="{FF2B5EF4-FFF2-40B4-BE49-F238E27FC236}">
-                    <a16:creationId xmlns:a16="http://schemas.microsoft.com/office/drawing/2014/main" id="{5915ACA8-F53B-700B-6C9C-20FFB15BCE55}"/>
+                    <a16:creationId xmlns:a16="http://schemas.microsoft.com/office/drawing/2014/main" id="{3C6A798C-1F5C-9E23-FED7-8AAF7A203E4C}"/>
                   </a:ext>
                 </a:extLst>
               </p:cNvPr>
@@ -39900,10 +40105,10 @@
           </p:cxnSp>
           <p:cxnSp>
             <p:nvCxnSpPr>
-              <p:cNvPr id="127" name="Connettore diritto 126">
+              <p:cNvPr id="133" name="Connettore diritto 132">
                 <a:extLst>
                   <a:ext uri="{FF2B5EF4-FFF2-40B4-BE49-F238E27FC236}">
-                    <a16:creationId xmlns:a16="http://schemas.microsoft.com/office/drawing/2014/main" id="{3E61AD05-DF87-489E-7F91-0381D60C557E}"/>
+                    <a16:creationId xmlns:a16="http://schemas.microsoft.com/office/drawing/2014/main" id="{277D18FE-99D0-77A8-F7E3-79A46FA0CB25}"/>
                   </a:ext>
                 </a:extLst>
               </p:cNvPr>
@@ -39944,10 +40149,10 @@
         </p:grpSp>
         <p:cxnSp>
           <p:nvCxnSpPr>
-            <p:cNvPr id="24" name="Connettore diritto 23">
+            <p:cNvPr id="9" name="Connettore diritto 8">
               <a:extLst>
                 <a:ext uri="{FF2B5EF4-FFF2-40B4-BE49-F238E27FC236}">
-                  <a16:creationId xmlns:a16="http://schemas.microsoft.com/office/drawing/2014/main" id="{4E8A5B52-A087-6B6E-8EBC-8C7E565434A3}"/>
+                  <a16:creationId xmlns:a16="http://schemas.microsoft.com/office/drawing/2014/main" id="{EF64B841-498E-5702-D388-50DF2F8C634E}"/>
                 </a:ext>
               </a:extLst>
             </p:cNvPr>
@@ -39958,7 +40163,7 @@
           </p:nvCxnSpPr>
           <p:spPr>
             <a:xfrm>
-              <a:off x="1646144" y="3202904"/>
+              <a:off x="1779264" y="2972468"/>
               <a:ext cx="8782050" cy="0"/>
             </a:xfrm>
             <a:prstGeom prst="line">
@@ -39989,10 +40194,10 @@
           <mc:Choice Requires="a14">
             <p:sp>
               <p:nvSpPr>
-                <p:cNvPr id="25" name="CasellaDiTesto 24">
+                <p:cNvPr id="11" name="CasellaDiTesto 10">
                   <a:extLst>
                     <a:ext uri="{FF2B5EF4-FFF2-40B4-BE49-F238E27FC236}">
-                      <a16:creationId xmlns:a16="http://schemas.microsoft.com/office/drawing/2014/main" id="{FB029B8B-3AAB-5645-4989-E00C17025B5A}"/>
+                      <a16:creationId xmlns:a16="http://schemas.microsoft.com/office/drawing/2014/main" id="{2074F722-F2E7-FD48-994F-92D2073A3CFC}"/>
                     </a:ext>
                   </a:extLst>
                 </p:cNvPr>
@@ -40001,7 +40206,7 @@
               </p:nvSpPr>
               <p:spPr>
                 <a:xfrm>
-                  <a:off x="864197" y="1915294"/>
+                  <a:off x="997317" y="1684858"/>
                   <a:ext cx="919994" cy="400110"/>
                 </a:xfrm>
                 <a:prstGeom prst="rect">
@@ -40080,10 +40285,10 @@
           <mc:Fallback xmlns="">
             <p:sp>
               <p:nvSpPr>
-                <p:cNvPr id="12" name="CasellaDiTesto 11">
+                <p:cNvPr id="11" name="CasellaDiTesto 10">
                   <a:extLst>
                     <a:ext uri="{FF2B5EF4-FFF2-40B4-BE49-F238E27FC236}">
-                      <a16:creationId xmlns:a16="http://schemas.microsoft.com/office/drawing/2014/main" id="{F346D716-A63A-8824-0F76-71DC2C596660}"/>
+                      <a16:creationId xmlns:a16="http://schemas.microsoft.com/office/drawing/2014/main" id="{2074F722-F2E7-FD48-994F-92D2073A3CFC}"/>
                     </a:ext>
                   </a:extLst>
                 </p:cNvPr>
@@ -40094,7 +40299,7 @@
               </p:nvSpPr>
               <p:spPr>
                 <a:xfrm>
-                  <a:off x="864197" y="1915294"/>
+                  <a:off x="997317" y="1684858"/>
                   <a:ext cx="919994" cy="400110"/>
                 </a:xfrm>
                 <a:prstGeom prst="rect">
@@ -40126,10 +40331,10 @@
           <mc:Choice Requires="a14">
             <p:sp>
               <p:nvSpPr>
-                <p:cNvPr id="26" name="CasellaDiTesto 25">
+                <p:cNvPr id="12" name="CasellaDiTesto 11">
                   <a:extLst>
                     <a:ext uri="{FF2B5EF4-FFF2-40B4-BE49-F238E27FC236}">
-                      <a16:creationId xmlns:a16="http://schemas.microsoft.com/office/drawing/2014/main" id="{568EC5E1-4FB2-D4D0-AB7D-76C24EFB667D}"/>
+                      <a16:creationId xmlns:a16="http://schemas.microsoft.com/office/drawing/2014/main" id="{6EBC8670-2F6E-370B-295B-9F1947830182}"/>
                     </a:ext>
                   </a:extLst>
                 </p:cNvPr>
@@ -40138,7 +40343,7 @@
               </p:nvSpPr>
               <p:spPr>
                 <a:xfrm>
-                  <a:off x="869440" y="2980091"/>
+                  <a:off x="1002560" y="2749655"/>
                   <a:ext cx="919993" cy="400110"/>
                 </a:xfrm>
                 <a:prstGeom prst="rect">
@@ -40217,10 +40422,10 @@
           <mc:Fallback xmlns="">
             <p:sp>
               <p:nvSpPr>
-                <p:cNvPr id="13" name="CasellaDiTesto 12">
+                <p:cNvPr id="12" name="CasellaDiTesto 11">
                   <a:extLst>
                     <a:ext uri="{FF2B5EF4-FFF2-40B4-BE49-F238E27FC236}">
-                      <a16:creationId xmlns:a16="http://schemas.microsoft.com/office/drawing/2014/main" id="{09BA3B92-6BD4-3B82-AB21-751F1F2343D7}"/>
+                      <a16:creationId xmlns:a16="http://schemas.microsoft.com/office/drawing/2014/main" id="{6EBC8670-2F6E-370B-295B-9F1947830182}"/>
                     </a:ext>
                   </a:extLst>
                 </p:cNvPr>
@@ -40231,7 +40436,7 @@
               </p:nvSpPr>
               <p:spPr>
                 <a:xfrm>
-                  <a:off x="869440" y="2980091"/>
+                  <a:off x="1002560" y="2749655"/>
                   <a:ext cx="919993" cy="400110"/>
                 </a:xfrm>
                 <a:prstGeom prst="rect">
@@ -40240,7 +40445,7 @@
                 <a:blipFill>
                   <a:blip r:embed="rId7"/>
                   <a:stretch>
-                    <a:fillRect b="-15385"/>
+                    <a:fillRect b="-13636"/>
                   </a:stretch>
                 </a:blipFill>
               </p:spPr>
@@ -40263,10 +40468,10 @@
           <mc:Choice Requires="a14">
             <p:sp>
               <p:nvSpPr>
-                <p:cNvPr id="27" name="CasellaDiTesto 26">
+                <p:cNvPr id="13" name="CasellaDiTesto 12">
                   <a:extLst>
                     <a:ext uri="{FF2B5EF4-FFF2-40B4-BE49-F238E27FC236}">
-                      <a16:creationId xmlns:a16="http://schemas.microsoft.com/office/drawing/2014/main" id="{5690FA51-B8FE-2292-A594-89B80515B7CF}"/>
+                      <a16:creationId xmlns:a16="http://schemas.microsoft.com/office/drawing/2014/main" id="{78E3A7E6-4BC4-68FC-C6BB-6E20B7175CFC}"/>
                     </a:ext>
                   </a:extLst>
                 </p:cNvPr>
@@ -40275,7 +40480,7 @@
               </p:nvSpPr>
               <p:spPr>
                 <a:xfrm>
-                  <a:off x="872839" y="4033623"/>
+                  <a:off x="1005959" y="3803187"/>
                   <a:ext cx="919991" cy="400110"/>
                 </a:xfrm>
                 <a:prstGeom prst="rect">
@@ -40354,10 +40559,10 @@
           <mc:Fallback xmlns="">
             <p:sp>
               <p:nvSpPr>
-                <p:cNvPr id="14" name="CasellaDiTesto 13">
+                <p:cNvPr id="13" name="CasellaDiTesto 12">
                   <a:extLst>
                     <a:ext uri="{FF2B5EF4-FFF2-40B4-BE49-F238E27FC236}">
-                      <a16:creationId xmlns:a16="http://schemas.microsoft.com/office/drawing/2014/main" id="{AE5BB57A-4A9E-900E-A904-A1DF6A079ADF}"/>
+                      <a16:creationId xmlns:a16="http://schemas.microsoft.com/office/drawing/2014/main" id="{78E3A7E6-4BC4-68FC-C6BB-6E20B7175CFC}"/>
                     </a:ext>
                   </a:extLst>
                 </p:cNvPr>
@@ -40368,7 +40573,7 @@
               </p:nvSpPr>
               <p:spPr>
                 <a:xfrm>
-                  <a:off x="872839" y="4033623"/>
+                  <a:off x="1005959" y="3803187"/>
                   <a:ext cx="919991" cy="400110"/>
                 </a:xfrm>
                 <a:prstGeom prst="rect">
@@ -40398,10 +40603,10 @@
         </mc:AlternateContent>
         <p:grpSp>
           <p:nvGrpSpPr>
-            <p:cNvPr id="28" name="Gruppo 27">
+            <p:cNvPr id="14" name="Gruppo 13">
               <a:extLst>
                 <a:ext uri="{FF2B5EF4-FFF2-40B4-BE49-F238E27FC236}">
-                  <a16:creationId xmlns:a16="http://schemas.microsoft.com/office/drawing/2014/main" id="{BFD3454A-D313-310D-9DAD-367F55F9E74E}"/>
+                  <a16:creationId xmlns:a16="http://schemas.microsoft.com/office/drawing/2014/main" id="{40AB0523-EF18-0C5D-C93D-D5A1B572780B}"/>
                 </a:ext>
               </a:extLst>
             </p:cNvPr>
@@ -40410,7 +40615,7 @@
           </p:nvGrpSpPr>
           <p:grpSpPr>
             <a:xfrm>
-              <a:off x="2127770" y="1820160"/>
+              <a:off x="2260890" y="1589724"/>
               <a:ext cx="948571" cy="633603"/>
               <a:chOff x="2214521" y="2491235"/>
               <a:chExt cx="948571" cy="633603"/>
@@ -40418,10 +40623,10 @@
           </p:grpSpPr>
           <p:sp>
             <p:nvSpPr>
-              <p:cNvPr id="124" name="Rettangolo con angoli arrotondati 123">
+              <p:cNvPr id="129" name="Rettangolo con angoli arrotondati 128">
                 <a:extLst>
                   <a:ext uri="{FF2B5EF4-FFF2-40B4-BE49-F238E27FC236}">
-                    <a16:creationId xmlns:a16="http://schemas.microsoft.com/office/drawing/2014/main" id="{2CD93447-A349-A66C-8F43-2069FAEC6860}"/>
+                    <a16:creationId xmlns:a16="http://schemas.microsoft.com/office/drawing/2014/main" id="{A77B43B7-8557-52FF-526E-C893347A9611}"/>
                   </a:ext>
                 </a:extLst>
               </p:cNvPr>
@@ -40476,10 +40681,10 @@
             <mc:Choice Requires="a14">
               <p:sp>
                 <p:nvSpPr>
-                  <p:cNvPr id="125" name="CasellaDiTesto 124">
+                  <p:cNvPr id="130" name="CasellaDiTesto 129">
                     <a:extLst>
                       <a:ext uri="{FF2B5EF4-FFF2-40B4-BE49-F238E27FC236}">
-                        <a16:creationId xmlns:a16="http://schemas.microsoft.com/office/drawing/2014/main" id="{642E8613-719B-DC65-F02C-7AD9586F9D71}"/>
+                        <a16:creationId xmlns:a16="http://schemas.microsoft.com/office/drawing/2014/main" id="{BB243666-FD79-AED8-48D1-648460392CA9}"/>
                       </a:ext>
                     </a:extLst>
                   </p:cNvPr>
@@ -40630,10 +40835,10 @@
         </p:grpSp>
         <p:grpSp>
           <p:nvGrpSpPr>
-            <p:cNvPr id="29" name="Gruppo 28">
+            <p:cNvPr id="15" name="Gruppo 14">
               <a:extLst>
                 <a:ext uri="{FF2B5EF4-FFF2-40B4-BE49-F238E27FC236}">
-                  <a16:creationId xmlns:a16="http://schemas.microsoft.com/office/drawing/2014/main" id="{123E8C1C-9E40-CE74-14F4-154A1F87113E}"/>
+                  <a16:creationId xmlns:a16="http://schemas.microsoft.com/office/drawing/2014/main" id="{E9610167-7165-6F71-B96F-3891901B48E0}"/>
                 </a:ext>
               </a:extLst>
             </p:cNvPr>
@@ -40642,18 +40847,506 @@
           </p:nvGrpSpPr>
           <p:grpSpPr>
             <a:xfrm>
-              <a:off x="3792892" y="1823847"/>
-              <a:ext cx="830580" cy="1132498"/>
-              <a:chOff x="3696595" y="2483548"/>
-              <a:chExt cx="830580" cy="1132498"/>
+              <a:off x="3670782" y="1593411"/>
+              <a:ext cx="830580" cy="2371730"/>
+              <a:chOff x="3854292" y="1593411"/>
+              <a:chExt cx="830580" cy="2371730"/>
             </a:xfrm>
           </p:grpSpPr>
+          <p:grpSp>
+            <p:nvGrpSpPr>
+              <p:cNvPr id="98" name="Gruppo 97">
+                <a:extLst>
+                  <a:ext uri="{FF2B5EF4-FFF2-40B4-BE49-F238E27FC236}">
+                    <a16:creationId xmlns:a16="http://schemas.microsoft.com/office/drawing/2014/main" id="{2E3B63E0-3110-CAC6-9DC0-A2EE5DBB4C8F}"/>
+                  </a:ext>
+                </a:extLst>
+              </p:cNvPr>
+              <p:cNvGrpSpPr/>
+              <p:nvPr/>
+            </p:nvGrpSpPr>
+            <p:grpSpPr>
+              <a:xfrm>
+                <a:off x="3854292" y="1593411"/>
+                <a:ext cx="830580" cy="1132498"/>
+                <a:chOff x="3696595" y="2483548"/>
+                <a:chExt cx="830580" cy="1132498"/>
+              </a:xfrm>
+            </p:grpSpPr>
+            <p:sp>
+              <p:nvSpPr>
+                <p:cNvPr id="102" name="Rettangolo con angoli arrotondati 101">
+                  <a:extLst>
+                    <a:ext uri="{FF2B5EF4-FFF2-40B4-BE49-F238E27FC236}">
+                      <a16:creationId xmlns:a16="http://schemas.microsoft.com/office/drawing/2014/main" id="{A1325B64-3B07-2F99-D117-59808A290239}"/>
+                    </a:ext>
+                  </a:extLst>
+                </p:cNvPr>
+                <p:cNvSpPr/>
+                <p:nvPr/>
+              </p:nvSpPr>
+              <p:spPr>
+                <a:xfrm>
+                  <a:off x="3750831" y="2483548"/>
+                  <a:ext cx="722108" cy="633603"/>
+                </a:xfrm>
+                <a:prstGeom prst="roundRect">
+                  <a:avLst>
+                    <a:gd name="adj" fmla="val 8385"/>
+                  </a:avLst>
+                </a:prstGeom>
+                <a:solidFill>
+                  <a:srgbClr val="463F3A"/>
+                </a:solidFill>
+                <a:ln w="28575">
+                  <a:solidFill>
+                    <a:srgbClr val="F4F3EE"/>
+                  </a:solidFill>
+                </a:ln>
+              </p:spPr>
+              <p:style>
+                <a:lnRef idx="2">
+                  <a:schemeClr val="accent1">
+                    <a:shade val="15000"/>
+                  </a:schemeClr>
+                </a:lnRef>
+                <a:fillRef idx="1">
+                  <a:schemeClr val="accent1"/>
+                </a:fillRef>
+                <a:effectRef idx="0">
+                  <a:schemeClr val="accent1"/>
+                </a:effectRef>
+                <a:fontRef idx="minor">
+                  <a:schemeClr val="lt1"/>
+                </a:fontRef>
+              </p:style>
+              <p:txBody>
+                <a:bodyPr rtlCol="0" anchor="ctr"/>
+                <a:lstStyle/>
+                <a:p>
+                  <a:pPr algn="ctr"/>
+                  <a:endParaRPr lang="it-IT" dirty="0"/>
+                </a:p>
+              </p:txBody>
+            </p:sp>
+            <p:sp>
+              <p:nvSpPr>
+                <p:cNvPr id="103" name="Arco 102">
+                  <a:extLst>
+                    <a:ext uri="{FF2B5EF4-FFF2-40B4-BE49-F238E27FC236}">
+                      <a16:creationId xmlns:a16="http://schemas.microsoft.com/office/drawing/2014/main" id="{2744A70A-79A5-2A32-2B53-81629EFB1C02}"/>
+                    </a:ext>
+                  </a:extLst>
+                </p:cNvPr>
+                <p:cNvSpPr/>
+                <p:nvPr/>
+              </p:nvSpPr>
+              <p:spPr>
+                <a:xfrm rot="19408274">
+                  <a:off x="3696595" y="2785466"/>
+                  <a:ext cx="830580" cy="830580"/>
+                </a:xfrm>
+                <a:prstGeom prst="arc">
+                  <a:avLst>
+                    <a:gd name="adj1" fmla="val 16200000"/>
+                    <a:gd name="adj2" fmla="val 20769370"/>
+                  </a:avLst>
+                </a:prstGeom>
+                <a:ln w="28575">
+                  <a:solidFill>
+                    <a:srgbClr val="F4F3EE"/>
+                  </a:solidFill>
+                </a:ln>
+              </p:spPr>
+              <p:style>
+                <a:lnRef idx="2">
+                  <a:schemeClr val="accent1"/>
+                </a:lnRef>
+                <a:fillRef idx="0">
+                  <a:schemeClr val="accent1"/>
+                </a:fillRef>
+                <a:effectRef idx="1">
+                  <a:schemeClr val="accent1"/>
+                </a:effectRef>
+                <a:fontRef idx="minor">
+                  <a:schemeClr val="tx1"/>
+                </a:fontRef>
+              </p:style>
+              <p:txBody>
+                <a:bodyPr rtlCol="0" anchor="ctr"/>
+                <a:lstStyle/>
+                <a:p>
+                  <a:pPr algn="ctr"/>
+                  <a:endParaRPr lang="it-IT"/>
+                </a:p>
+              </p:txBody>
+            </p:sp>
+            <p:cxnSp>
+              <p:nvCxnSpPr>
+                <p:cNvPr id="128" name="Connettore diritto 127">
+                  <a:extLst>
+                    <a:ext uri="{FF2B5EF4-FFF2-40B4-BE49-F238E27FC236}">
+                      <a16:creationId xmlns:a16="http://schemas.microsoft.com/office/drawing/2014/main" id="{D637C795-32A5-9AD6-B8A9-66F7A23F3FE3}"/>
+                    </a:ext>
+                  </a:extLst>
+                </p:cNvPr>
+                <p:cNvCxnSpPr>
+                  <a:cxnSpLocks/>
+                </p:cNvCxnSpPr>
+                <p:nvPr/>
+              </p:nvCxnSpPr>
+              <p:spPr>
+                <a:xfrm flipV="1">
+                  <a:off x="4099445" y="2619854"/>
+                  <a:ext cx="248718" cy="316804"/>
+                </a:xfrm>
+                <a:prstGeom prst="line">
+                  <a:avLst/>
+                </a:prstGeom>
+                <a:ln w="19050">
+                  <a:solidFill>
+                    <a:srgbClr val="F4F3EE"/>
+                  </a:solidFill>
+                  <a:headEnd type="none"/>
+                  <a:tailEnd type="arrow"/>
+                </a:ln>
+              </p:spPr>
+              <p:style>
+                <a:lnRef idx="2">
+                  <a:schemeClr val="accent1"/>
+                </a:lnRef>
+                <a:fillRef idx="0">
+                  <a:schemeClr val="accent1"/>
+                </a:fillRef>
+                <a:effectRef idx="1">
+                  <a:schemeClr val="accent1"/>
+                </a:effectRef>
+                <a:fontRef idx="minor">
+                  <a:schemeClr val="tx1"/>
+                </a:fontRef>
+              </p:style>
+            </p:cxnSp>
+          </p:grpSp>
+          <p:grpSp>
+            <p:nvGrpSpPr>
+              <p:cNvPr id="99" name="Gruppo 98">
+                <a:extLst>
+                  <a:ext uri="{FF2B5EF4-FFF2-40B4-BE49-F238E27FC236}">
+                    <a16:creationId xmlns:a16="http://schemas.microsoft.com/office/drawing/2014/main" id="{ED5D0DFC-5FBF-9C44-2043-9667A8193619}"/>
+                  </a:ext>
+                </a:extLst>
+              </p:cNvPr>
+              <p:cNvGrpSpPr/>
+              <p:nvPr/>
+            </p:nvGrpSpPr>
+            <p:grpSpPr>
+              <a:xfrm rot="16200000">
+                <a:off x="3394209" y="3059288"/>
+                <a:ext cx="1750747" cy="60960"/>
+                <a:chOff x="1704975" y="5048027"/>
+                <a:chExt cx="8782050" cy="60960"/>
+              </a:xfrm>
+            </p:grpSpPr>
+            <p:cxnSp>
+              <p:nvCxnSpPr>
+                <p:cNvPr id="100" name="Connettore diritto 99">
+                  <a:extLst>
+                    <a:ext uri="{FF2B5EF4-FFF2-40B4-BE49-F238E27FC236}">
+                      <a16:creationId xmlns:a16="http://schemas.microsoft.com/office/drawing/2014/main" id="{08C0BDB3-5A34-33D3-7EB9-CCB95A743466}"/>
+                    </a:ext>
+                  </a:extLst>
+                </p:cNvPr>
+                <p:cNvCxnSpPr>
+                  <a:cxnSpLocks/>
+                </p:cNvCxnSpPr>
+                <p:nvPr/>
+              </p:nvCxnSpPr>
+              <p:spPr>
+                <a:xfrm>
+                  <a:off x="1704975" y="5048027"/>
+                  <a:ext cx="8782050" cy="0"/>
+                </a:xfrm>
+                <a:prstGeom prst="line">
+                  <a:avLst/>
+                </a:prstGeom>
+                <a:ln w="19050">
+                  <a:solidFill>
+                    <a:srgbClr val="F4F3EE"/>
+                  </a:solidFill>
+                </a:ln>
+              </p:spPr>
+              <p:style>
+                <a:lnRef idx="2">
+                  <a:schemeClr val="accent1"/>
+                </a:lnRef>
+                <a:fillRef idx="0">
+                  <a:schemeClr val="accent1"/>
+                </a:fillRef>
+                <a:effectRef idx="1">
+                  <a:schemeClr val="accent1"/>
+                </a:effectRef>
+                <a:fontRef idx="minor">
+                  <a:schemeClr val="tx1"/>
+                </a:fontRef>
+              </p:style>
+            </p:cxnSp>
+            <p:cxnSp>
+              <p:nvCxnSpPr>
+                <p:cNvPr id="101" name="Connettore diritto 100">
+                  <a:extLst>
+                    <a:ext uri="{FF2B5EF4-FFF2-40B4-BE49-F238E27FC236}">
+                      <a16:creationId xmlns:a16="http://schemas.microsoft.com/office/drawing/2014/main" id="{0CAE2E87-2A51-6A76-CC50-83BEFECA86F6}"/>
+                    </a:ext>
+                  </a:extLst>
+                </p:cNvPr>
+                <p:cNvCxnSpPr>
+                  <a:cxnSpLocks/>
+                </p:cNvCxnSpPr>
+                <p:nvPr/>
+              </p:nvCxnSpPr>
+              <p:spPr>
+                <a:xfrm>
+                  <a:off x="1704975" y="5108987"/>
+                  <a:ext cx="8782050" cy="0"/>
+                </a:xfrm>
+                <a:prstGeom prst="line">
+                  <a:avLst/>
+                </a:prstGeom>
+                <a:ln w="19050">
+                  <a:solidFill>
+                    <a:srgbClr val="F4F3EE"/>
+                  </a:solidFill>
+                </a:ln>
+              </p:spPr>
+              <p:style>
+                <a:lnRef idx="2">
+                  <a:schemeClr val="accent1"/>
+                </a:lnRef>
+                <a:fillRef idx="0">
+                  <a:schemeClr val="accent1"/>
+                </a:fillRef>
+                <a:effectRef idx="1">
+                  <a:schemeClr val="accent1"/>
+                </a:effectRef>
+                <a:fontRef idx="minor">
+                  <a:schemeClr val="tx1"/>
+                </a:fontRef>
+              </p:style>
+            </p:cxnSp>
+          </p:grpSp>
+        </p:grpSp>
+        <p:grpSp>
+          <p:nvGrpSpPr>
+            <p:cNvPr id="17" name="Gruppo 16">
+              <a:extLst>
+                <a:ext uri="{FF2B5EF4-FFF2-40B4-BE49-F238E27FC236}">
+                  <a16:creationId xmlns:a16="http://schemas.microsoft.com/office/drawing/2014/main" id="{AEA97923-33E7-AB59-2B8C-6B351127E1DF}"/>
+                </a:ext>
+              </a:extLst>
+            </p:cNvPr>
+            <p:cNvGrpSpPr/>
+            <p:nvPr/>
+          </p:nvGrpSpPr>
+          <p:grpSpPr>
+            <a:xfrm>
+              <a:off x="4684773" y="2652639"/>
+              <a:ext cx="1245336" cy="1707164"/>
+              <a:chOff x="4748983" y="2652639"/>
+              <a:chExt cx="1245336" cy="1707164"/>
+            </a:xfrm>
+          </p:grpSpPr>
+          <p:grpSp>
+            <p:nvGrpSpPr>
+              <p:cNvPr id="90" name="Gruppo 89">
+                <a:extLst>
+                  <a:ext uri="{FF2B5EF4-FFF2-40B4-BE49-F238E27FC236}">
+                    <a16:creationId xmlns:a16="http://schemas.microsoft.com/office/drawing/2014/main" id="{F5692902-2C91-4505-AF2C-3042E244E52D}"/>
+                  </a:ext>
+                </a:extLst>
+              </p:cNvPr>
+              <p:cNvGrpSpPr/>
+              <p:nvPr/>
+            </p:nvGrpSpPr>
+            <p:grpSpPr>
+              <a:xfrm>
+                <a:off x="4997543" y="2652639"/>
+                <a:ext cx="716591" cy="633603"/>
+                <a:chOff x="4962524" y="3262007"/>
+                <a:chExt cx="716591" cy="633603"/>
+              </a:xfrm>
+            </p:grpSpPr>
+            <p:sp>
+              <p:nvSpPr>
+                <p:cNvPr id="96" name="Rettangolo con angoli arrotondati 95">
+                  <a:extLst>
+                    <a:ext uri="{FF2B5EF4-FFF2-40B4-BE49-F238E27FC236}">
+                      <a16:creationId xmlns:a16="http://schemas.microsoft.com/office/drawing/2014/main" id="{3313D7A9-FA2A-1901-7B4E-591E16A126B7}"/>
+                    </a:ext>
+                  </a:extLst>
+                </p:cNvPr>
+                <p:cNvSpPr/>
+                <p:nvPr/>
+              </p:nvSpPr>
+              <p:spPr>
+                <a:xfrm>
+                  <a:off x="4962524" y="3262007"/>
+                  <a:ext cx="716591" cy="633603"/>
+                </a:xfrm>
+                <a:prstGeom prst="roundRect">
+                  <a:avLst>
+                    <a:gd name="adj" fmla="val 8385"/>
+                  </a:avLst>
+                </a:prstGeom>
+                <a:solidFill>
+                  <a:srgbClr val="463F3A"/>
+                </a:solidFill>
+                <a:ln w="28575">
+                  <a:solidFill>
+                    <a:srgbClr val="F4F3EE"/>
+                  </a:solidFill>
+                </a:ln>
+              </p:spPr>
+              <p:style>
+                <a:lnRef idx="2">
+                  <a:schemeClr val="accent1">
+                    <a:shade val="15000"/>
+                  </a:schemeClr>
+                </a:lnRef>
+                <a:fillRef idx="1">
+                  <a:schemeClr val="accent1"/>
+                </a:fillRef>
+                <a:effectRef idx="0">
+                  <a:schemeClr val="accent1"/>
+                </a:effectRef>
+                <a:fontRef idx="minor">
+                  <a:schemeClr val="lt1"/>
+                </a:fontRef>
+              </p:style>
+              <p:txBody>
+                <a:bodyPr rtlCol="0" anchor="ctr"/>
+                <a:lstStyle/>
+                <a:p>
+                  <a:pPr algn="ctr"/>
+                  <a:endParaRPr lang="it-IT" dirty="0"/>
+                </a:p>
+              </p:txBody>
+            </p:sp>
+            <mc:AlternateContent xmlns:mc="http://schemas.openxmlformats.org/markup-compatibility/2006" xmlns:a14="http://schemas.microsoft.com/office/drawing/2010/main">
+              <mc:Choice Requires="a14">
+                <p:sp>
+                  <p:nvSpPr>
+                    <p:cNvPr id="97" name="CasellaDiTesto 96">
+                      <a:extLst>
+                        <a:ext uri="{FF2B5EF4-FFF2-40B4-BE49-F238E27FC236}">
+                          <a16:creationId xmlns:a16="http://schemas.microsoft.com/office/drawing/2014/main" id="{78CED5D9-4470-3641-474D-028096AC8370}"/>
+                        </a:ext>
+                      </a:extLst>
+                    </p:cNvPr>
+                    <p:cNvSpPr txBox="1"/>
+                    <p:nvPr/>
+                  </p:nvSpPr>
+                  <p:spPr>
+                    <a:xfrm>
+                      <a:off x="4962524" y="3378753"/>
+                      <a:ext cx="716591" cy="400110"/>
+                    </a:xfrm>
+                    <a:prstGeom prst="rect">
+                      <a:avLst/>
+                    </a:prstGeom>
+                    <a:noFill/>
+                  </p:spPr>
+                  <p:txBody>
+                    <a:bodyPr wrap="square" rtlCol="0">
+                      <a:spAutoFit/>
+                    </a:bodyPr>
+                    <a:lstStyle/>
+                    <a:p>
+                      <a:pPr algn="ctr"/>
+                      <a:r>
+                        <a:rPr lang="it-IT" sz="100" dirty="0">
+                          <a:solidFill>
+                            <a:srgbClr val="F4F3EE"/>
+                          </a:solidFill>
+                        </a:rPr>
+                        <a:t> </a:t>
+                      </a:r>
+                      <a14:m>
+                        <m:oMath xmlns:m="http://schemas.openxmlformats.org/officeDocument/2006/math">
+                          <m:r>
+                            <m:rPr>
+                              <m:sty m:val="p"/>
+                            </m:rPr>
+                            <a:rPr lang="it-IT" sz="2000" b="0" i="0" smtClean="0">
+                              <a:solidFill>
+                                <a:srgbClr val="F4F3EE"/>
+                              </a:solidFill>
+                              <a:latin typeface="Cambria Math" panose="02040503050406030204" pitchFamily="18" charset="0"/>
+                            </a:rPr>
+                            <m:t>X</m:t>
+                          </m:r>
+                        </m:oMath>
+                      </a14:m>
+                      <a:endParaRPr lang="en-US" sz="2000" dirty="0">
+                        <a:solidFill>
+                          <a:srgbClr val="F4F3EE"/>
+                        </a:solidFill>
+                      </a:endParaRPr>
+                    </a:p>
+                  </p:txBody>
+                </p:sp>
+              </mc:Choice>
+              <mc:Fallback xmlns="">
+                <p:sp>
+                  <p:nvSpPr>
+                    <p:cNvPr id="38" name="CasellaDiTesto 37">
+                      <a:extLst>
+                        <a:ext uri="{FF2B5EF4-FFF2-40B4-BE49-F238E27FC236}">
+                          <a16:creationId xmlns:a16="http://schemas.microsoft.com/office/drawing/2014/main" id="{FB1FEC5D-B49C-E4D7-3C0B-AF9C9DADA08B}"/>
+                        </a:ext>
+                      </a:extLst>
+                    </p:cNvPr>
+                    <p:cNvSpPr txBox="1">
+                      <a:spLocks noRot="1" noChangeAspect="1" noMove="1" noResize="1" noEditPoints="1" noAdjustHandles="1" noChangeArrowheads="1" noChangeShapeType="1" noTextEdit="1"/>
+                    </p:cNvSpPr>
+                    <p:nvPr/>
+                  </p:nvSpPr>
+                  <p:spPr>
+                    <a:xfrm>
+                      <a:off x="4962524" y="3378753"/>
+                      <a:ext cx="716591" cy="400110"/>
+                    </a:xfrm>
+                    <a:prstGeom prst="rect">
+                      <a:avLst/>
+                    </a:prstGeom>
+                    <a:blipFill>
+                      <a:blip r:embed="rId10"/>
+                      <a:stretch>
+                        <a:fillRect/>
+                      </a:stretch>
+                    </a:blipFill>
+                  </p:spPr>
+                  <p:txBody>
+                    <a:bodyPr/>
+                    <a:lstStyle/>
+                    <a:p>
+                      <a:r>
+                        <a:rPr lang="it-IT">
+                          <a:noFill/>
+                        </a:rPr>
+                        <a:t> </a:t>
+                      </a:r>
+                    </a:p>
+                  </p:txBody>
+                </p:sp>
+              </mc:Fallback>
+            </mc:AlternateContent>
+          </p:grpSp>
           <p:sp>
             <p:nvSpPr>
-              <p:cNvPr id="121" name="Rettangolo con angoli arrotondati 120">
+              <p:cNvPr id="91" name="Ovale 90">
                 <a:extLst>
                   <a:ext uri="{FF2B5EF4-FFF2-40B4-BE49-F238E27FC236}">
-                    <a16:creationId xmlns:a16="http://schemas.microsoft.com/office/drawing/2014/main" id="{C852BA0C-5DFC-94AF-83EE-D137A05A060E}"/>
+                    <a16:creationId xmlns:a16="http://schemas.microsoft.com/office/drawing/2014/main" id="{1F23754C-2E0B-D423-8844-F28B47EEC673}"/>
                   </a:ext>
                 </a:extLst>
               </p:cNvPr>
@@ -40662,18 +41355,680 @@
             </p:nvSpPr>
             <p:spPr>
               <a:xfrm>
-                <a:off x="3750831" y="2483548"/>
-                <a:ext cx="722108" cy="633603"/>
+                <a:off x="5279883" y="3916823"/>
+                <a:ext cx="154963" cy="154963"/>
               </a:xfrm>
-              <a:prstGeom prst="roundRect">
-                <a:avLst>
-                  <a:gd name="adj" fmla="val 8385"/>
-                </a:avLst>
+              <a:prstGeom prst="ellipse">
+                <a:avLst/>
+              </a:prstGeom>
+              <a:solidFill>
+                <a:srgbClr val="F4F3EE"/>
+              </a:solidFill>
+              <a:ln>
+                <a:noFill/>
+              </a:ln>
+            </p:spPr>
+            <p:style>
+              <a:lnRef idx="2">
+                <a:schemeClr val="accent1">
+                  <a:shade val="15000"/>
+                </a:schemeClr>
+              </a:lnRef>
+              <a:fillRef idx="1">
+                <a:schemeClr val="accent1"/>
+              </a:fillRef>
+              <a:effectRef idx="0">
+                <a:schemeClr val="accent1"/>
+              </a:effectRef>
+              <a:fontRef idx="minor">
+                <a:schemeClr val="lt1"/>
+              </a:fontRef>
+            </p:style>
+            <p:txBody>
+              <a:bodyPr rtlCol="0" anchor="ctr"/>
+              <a:lstStyle/>
+              <a:p>
+                <a:pPr algn="ctr"/>
+                <a:endParaRPr lang="it-IT"/>
+              </a:p>
+            </p:txBody>
+          </p:sp>
+          <p:grpSp>
+            <p:nvGrpSpPr>
+              <p:cNvPr id="92" name="Gruppo 91">
+                <a:extLst>
+                  <a:ext uri="{FF2B5EF4-FFF2-40B4-BE49-F238E27FC236}">
+                    <a16:creationId xmlns:a16="http://schemas.microsoft.com/office/drawing/2014/main" id="{6E0C07EA-908D-03C0-1B81-4BF642A0A209}"/>
+                  </a:ext>
+                </a:extLst>
+              </p:cNvPr>
+              <p:cNvGrpSpPr/>
+              <p:nvPr/>
+            </p:nvGrpSpPr>
+            <p:grpSpPr>
+              <a:xfrm rot="16200000">
+                <a:off x="5035885" y="3578184"/>
+                <a:ext cx="644844" cy="60960"/>
+                <a:chOff x="1704975" y="5048027"/>
+                <a:chExt cx="8782050" cy="60960"/>
+              </a:xfrm>
+            </p:grpSpPr>
+            <p:cxnSp>
+              <p:nvCxnSpPr>
+                <p:cNvPr id="94" name="Connettore diritto 93">
+                  <a:extLst>
+                    <a:ext uri="{FF2B5EF4-FFF2-40B4-BE49-F238E27FC236}">
+                      <a16:creationId xmlns:a16="http://schemas.microsoft.com/office/drawing/2014/main" id="{DF96150D-3C00-9F32-504D-34CBAF5FA243}"/>
+                    </a:ext>
+                  </a:extLst>
+                </p:cNvPr>
+                <p:cNvCxnSpPr>
+                  <a:cxnSpLocks/>
+                </p:cNvCxnSpPr>
+                <p:nvPr/>
+              </p:nvCxnSpPr>
+              <p:spPr>
+                <a:xfrm>
+                  <a:off x="1704975" y="5048027"/>
+                  <a:ext cx="8782050" cy="0"/>
+                </a:xfrm>
+                <a:prstGeom prst="line">
+                  <a:avLst/>
+                </a:prstGeom>
+                <a:ln w="19050">
+                  <a:solidFill>
+                    <a:srgbClr val="F4F3EE"/>
+                  </a:solidFill>
+                </a:ln>
+              </p:spPr>
+              <p:style>
+                <a:lnRef idx="2">
+                  <a:schemeClr val="accent1"/>
+                </a:lnRef>
+                <a:fillRef idx="0">
+                  <a:schemeClr val="accent1"/>
+                </a:fillRef>
+                <a:effectRef idx="1">
+                  <a:schemeClr val="accent1"/>
+                </a:effectRef>
+                <a:fontRef idx="minor">
+                  <a:schemeClr val="tx1"/>
+                </a:fontRef>
+              </p:style>
+            </p:cxnSp>
+            <p:cxnSp>
+              <p:nvCxnSpPr>
+                <p:cNvPr id="95" name="Connettore diritto 94">
+                  <a:extLst>
+                    <a:ext uri="{FF2B5EF4-FFF2-40B4-BE49-F238E27FC236}">
+                      <a16:creationId xmlns:a16="http://schemas.microsoft.com/office/drawing/2014/main" id="{E6691D8E-05DF-CC7E-643E-DED486CB3038}"/>
+                    </a:ext>
+                  </a:extLst>
+                </p:cNvPr>
+                <p:cNvCxnSpPr>
+                  <a:cxnSpLocks/>
+                </p:cNvCxnSpPr>
+                <p:nvPr/>
+              </p:nvCxnSpPr>
+              <p:spPr>
+                <a:xfrm>
+                  <a:off x="1704975" y="5108987"/>
+                  <a:ext cx="8782050" cy="0"/>
+                </a:xfrm>
+                <a:prstGeom prst="line">
+                  <a:avLst/>
+                </a:prstGeom>
+                <a:ln w="19050">
+                  <a:solidFill>
+                    <a:srgbClr val="F4F3EE"/>
+                  </a:solidFill>
+                </a:ln>
+              </p:spPr>
+              <p:style>
+                <a:lnRef idx="2">
+                  <a:schemeClr val="accent1"/>
+                </a:lnRef>
+                <a:fillRef idx="0">
+                  <a:schemeClr val="accent1"/>
+                </a:fillRef>
+                <a:effectRef idx="1">
+                  <a:schemeClr val="accent1"/>
+                </a:effectRef>
+                <a:fontRef idx="minor">
+                  <a:schemeClr val="tx1"/>
+                </a:fontRef>
+              </p:style>
+            </p:cxnSp>
+          </p:grpSp>
+          <mc:AlternateContent xmlns:mc="http://schemas.openxmlformats.org/markup-compatibility/2006" xmlns:a14="http://schemas.microsoft.com/office/drawing/2010/main">
+            <mc:Choice Requires="a14">
+              <p:sp>
+                <p:nvSpPr>
+                  <p:cNvPr id="93" name="CasellaDiTesto 92">
+                    <a:extLst>
+                      <a:ext uri="{FF2B5EF4-FFF2-40B4-BE49-F238E27FC236}">
+                        <a16:creationId xmlns:a16="http://schemas.microsoft.com/office/drawing/2014/main" id="{3CB1FA39-B002-C219-8A83-B8AAFA81619E}"/>
+                      </a:ext>
+                    </a:extLst>
+                  </p:cNvPr>
+                  <p:cNvSpPr txBox="1"/>
+                  <p:nvPr/>
+                </p:nvSpPr>
+                <p:spPr>
+                  <a:xfrm>
+                    <a:off x="4748983" y="4052026"/>
+                    <a:ext cx="1245336" cy="307777"/>
+                  </a:xfrm>
+                  <a:prstGeom prst="rect">
+                    <a:avLst/>
+                  </a:prstGeom>
+                  <a:noFill/>
+                </p:spPr>
+                <p:txBody>
+                  <a:bodyPr wrap="square" rtlCol="0">
+                    <a:spAutoFit/>
+                  </a:bodyPr>
+                  <a:lstStyle/>
+                  <a:p>
+                    <a:pPr algn="ctr"/>
+                    <a14:m>
+                      <m:oMathPara xmlns:m="http://schemas.openxmlformats.org/officeDocument/2006/math">
+                        <m:oMathParaPr>
+                          <m:jc m:val="center"/>
+                        </m:oMathParaPr>
+                        <m:oMath xmlns:m="http://schemas.openxmlformats.org/officeDocument/2006/math">
+                          <m:r>
+                            <a:rPr lang="it-IT" sz="1400" b="0" i="1" smtClean="0">
+                              <a:solidFill>
+                                <a:srgbClr val="F4F3EE"/>
+                              </a:solidFill>
+                              <a:latin typeface="Cambria Math" panose="02040503050406030204" pitchFamily="18" charset="0"/>
+                            </a:rPr>
+                            <m:t>𝐶</m:t>
+                          </m:r>
+                          <m:r>
+                            <a:rPr lang="it-IT" sz="1400" b="0" i="1" smtClean="0">
+                              <a:solidFill>
+                                <a:srgbClr val="F4F3EE"/>
+                              </a:solidFill>
+                              <a:latin typeface="Cambria Math" panose="02040503050406030204" pitchFamily="18" charset="0"/>
+                            </a:rPr>
+                            <m:t>=1</m:t>
+                          </m:r>
+                        </m:oMath>
+                      </m:oMathPara>
+                    </a14:m>
+                    <a:endParaRPr lang="en-US" sz="1400" dirty="0">
+                      <a:solidFill>
+                        <a:srgbClr val="F4F3EE"/>
+                      </a:solidFill>
+                    </a:endParaRPr>
+                  </a:p>
+                </p:txBody>
+              </p:sp>
+            </mc:Choice>
+            <mc:Fallback xmlns="">
+              <p:sp>
+                <p:nvSpPr>
+                  <p:cNvPr id="93" name="CasellaDiTesto 92">
+                    <a:extLst>
+                      <a:ext uri="{FF2B5EF4-FFF2-40B4-BE49-F238E27FC236}">
+                        <a16:creationId xmlns:a16="http://schemas.microsoft.com/office/drawing/2014/main" id="{3CB1FA39-B002-C219-8A83-B8AAFA81619E}"/>
+                      </a:ext>
+                    </a:extLst>
+                  </p:cNvPr>
+                  <p:cNvSpPr txBox="1">
+                    <a:spLocks noRot="1" noChangeAspect="1" noMove="1" noResize="1" noEditPoints="1" noAdjustHandles="1" noChangeArrowheads="1" noChangeShapeType="1" noTextEdit="1"/>
+                  </p:cNvSpPr>
+                  <p:nvPr/>
+                </p:nvSpPr>
+                <p:spPr>
+                  <a:xfrm>
+                    <a:off x="4748983" y="4052026"/>
+                    <a:ext cx="1245336" cy="307777"/>
+                  </a:xfrm>
+                  <a:prstGeom prst="rect">
+                    <a:avLst/>
+                  </a:prstGeom>
+                  <a:blipFill>
+                    <a:blip r:embed="rId11"/>
+                    <a:stretch>
+                      <a:fillRect/>
+                    </a:stretch>
+                  </a:blipFill>
+                </p:spPr>
+                <p:txBody>
+                  <a:bodyPr/>
+                  <a:lstStyle/>
+                  <a:p>
+                    <a:r>
+                      <a:rPr lang="it-IT">
+                        <a:noFill/>
+                      </a:rPr>
+                      <a:t> </a:t>
+                    </a:r>
+                  </a:p>
+                </p:txBody>
+              </p:sp>
+            </mc:Fallback>
+          </mc:AlternateContent>
+        </p:grpSp>
+        <p:grpSp>
+          <p:nvGrpSpPr>
+            <p:cNvPr id="18" name="Gruppo 17">
+              <a:extLst>
+                <a:ext uri="{FF2B5EF4-FFF2-40B4-BE49-F238E27FC236}">
+                  <a16:creationId xmlns:a16="http://schemas.microsoft.com/office/drawing/2014/main" id="{A37630E5-3198-6976-5D1C-E755B32C5B4E}"/>
+                </a:ext>
+              </a:extLst>
+            </p:cNvPr>
+            <p:cNvGrpSpPr/>
+            <p:nvPr/>
+          </p:nvGrpSpPr>
+          <p:grpSpPr>
+            <a:xfrm>
+              <a:off x="6005943" y="1591270"/>
+              <a:ext cx="1245336" cy="2776699"/>
+              <a:chOff x="5813725" y="1591270"/>
+              <a:chExt cx="1245336" cy="2776699"/>
+            </a:xfrm>
+          </p:grpSpPr>
+          <p:grpSp>
+            <p:nvGrpSpPr>
+              <p:cNvPr id="77" name="Gruppo 76">
+                <a:extLst>
+                  <a:ext uri="{FF2B5EF4-FFF2-40B4-BE49-F238E27FC236}">
+                    <a16:creationId xmlns:a16="http://schemas.microsoft.com/office/drawing/2014/main" id="{4A8484E9-935C-235F-D50B-9F8F236777B9}"/>
+                  </a:ext>
+                </a:extLst>
+              </p:cNvPr>
+              <p:cNvGrpSpPr/>
+              <p:nvPr/>
+            </p:nvGrpSpPr>
+            <p:grpSpPr>
+              <a:xfrm>
+                <a:off x="6043460" y="1591270"/>
+                <a:ext cx="716591" cy="633603"/>
+                <a:chOff x="4962524" y="3262007"/>
+                <a:chExt cx="716591" cy="633603"/>
+              </a:xfrm>
+            </p:grpSpPr>
+            <p:sp>
+              <p:nvSpPr>
+                <p:cNvPr id="88" name="Rettangolo con angoli arrotondati 87">
+                  <a:extLst>
+                    <a:ext uri="{FF2B5EF4-FFF2-40B4-BE49-F238E27FC236}">
+                      <a16:creationId xmlns:a16="http://schemas.microsoft.com/office/drawing/2014/main" id="{43C555A5-854A-6D73-F938-EA5B0676BB76}"/>
+                    </a:ext>
+                  </a:extLst>
+                </p:cNvPr>
+                <p:cNvSpPr/>
+                <p:nvPr/>
+              </p:nvSpPr>
+              <p:spPr>
+                <a:xfrm>
+                  <a:off x="4962524" y="3262007"/>
+                  <a:ext cx="716591" cy="633603"/>
+                </a:xfrm>
+                <a:prstGeom prst="roundRect">
+                  <a:avLst>
+                    <a:gd name="adj" fmla="val 8385"/>
+                  </a:avLst>
+                </a:prstGeom>
+                <a:solidFill>
+                  <a:srgbClr val="463F3A"/>
+                </a:solidFill>
+                <a:ln w="28575">
+                  <a:solidFill>
+                    <a:srgbClr val="F4F3EE"/>
+                  </a:solidFill>
+                </a:ln>
+              </p:spPr>
+              <p:style>
+                <a:lnRef idx="2">
+                  <a:schemeClr val="accent1">
+                    <a:shade val="15000"/>
+                  </a:schemeClr>
+                </a:lnRef>
+                <a:fillRef idx="1">
+                  <a:schemeClr val="accent1"/>
+                </a:fillRef>
+                <a:effectRef idx="0">
+                  <a:schemeClr val="accent1"/>
+                </a:effectRef>
+                <a:fontRef idx="minor">
+                  <a:schemeClr val="lt1"/>
+                </a:fontRef>
+              </p:style>
+              <p:txBody>
+                <a:bodyPr rtlCol="0" anchor="ctr"/>
+                <a:lstStyle/>
+                <a:p>
+                  <a:pPr algn="ctr"/>
+                  <a:endParaRPr lang="it-IT" dirty="0"/>
+                </a:p>
+              </p:txBody>
+            </p:sp>
+            <mc:AlternateContent xmlns:mc="http://schemas.openxmlformats.org/markup-compatibility/2006" xmlns:a14="http://schemas.microsoft.com/office/drawing/2010/main">
+              <mc:Choice Requires="a14">
+                <p:sp>
+                  <p:nvSpPr>
+                    <p:cNvPr id="89" name="CasellaDiTesto 88">
+                      <a:extLst>
+                        <a:ext uri="{FF2B5EF4-FFF2-40B4-BE49-F238E27FC236}">
+                          <a16:creationId xmlns:a16="http://schemas.microsoft.com/office/drawing/2014/main" id="{B7D6A208-6EC3-A47D-08DC-F17F4CB5810F}"/>
+                        </a:ext>
+                      </a:extLst>
+                    </p:cNvPr>
+                    <p:cNvSpPr txBox="1"/>
+                    <p:nvPr/>
+                  </p:nvSpPr>
+                  <p:spPr>
+                    <a:xfrm>
+                      <a:off x="4962524" y="3378753"/>
+                      <a:ext cx="716591" cy="400110"/>
+                    </a:xfrm>
+                    <a:prstGeom prst="rect">
+                      <a:avLst/>
+                    </a:prstGeom>
+                    <a:noFill/>
+                  </p:spPr>
+                  <p:txBody>
+                    <a:bodyPr wrap="square" rtlCol="0">
+                      <a:spAutoFit/>
+                    </a:bodyPr>
+                    <a:lstStyle/>
+                    <a:p>
+                      <a:pPr algn="ctr"/>
+                      <a:r>
+                        <a:rPr lang="it-IT" sz="100" dirty="0">
+                          <a:solidFill>
+                            <a:srgbClr val="F4F3EE"/>
+                          </a:solidFill>
+                        </a:rPr>
+                        <a:t> </a:t>
+                      </a:r>
+                      <a14:m>
+                        <m:oMath xmlns:m="http://schemas.openxmlformats.org/officeDocument/2006/math">
+                          <m:r>
+                            <m:rPr>
+                              <m:sty m:val="p"/>
+                            </m:rPr>
+                            <a:rPr lang="it-IT" sz="2000" b="0" i="0" smtClean="0">
+                              <a:solidFill>
+                                <a:srgbClr val="F4F3EE"/>
+                              </a:solidFill>
+                              <a:latin typeface="Cambria Math" panose="02040503050406030204" pitchFamily="18" charset="0"/>
+                            </a:rPr>
+                            <m:t>H</m:t>
+                          </m:r>
+                        </m:oMath>
+                      </a14:m>
+                      <a:endParaRPr lang="en-US" sz="2000" dirty="0">
+                        <a:solidFill>
+                          <a:srgbClr val="F4F3EE"/>
+                        </a:solidFill>
+                      </a:endParaRPr>
+                    </a:p>
+                  </p:txBody>
+                </p:sp>
+              </mc:Choice>
+              <mc:Fallback xmlns="">
+                <p:sp>
+                  <p:nvSpPr>
+                    <p:cNvPr id="67" name="CasellaDiTesto 66">
+                      <a:extLst>
+                        <a:ext uri="{FF2B5EF4-FFF2-40B4-BE49-F238E27FC236}">
+                          <a16:creationId xmlns:a16="http://schemas.microsoft.com/office/drawing/2014/main" id="{D057BD7F-DAC5-C372-21EA-EC90C0FE927D}"/>
+                        </a:ext>
+                      </a:extLst>
+                    </p:cNvPr>
+                    <p:cNvSpPr txBox="1">
+                      <a:spLocks noRot="1" noChangeAspect="1" noMove="1" noResize="1" noEditPoints="1" noAdjustHandles="1" noChangeArrowheads="1" noChangeShapeType="1" noTextEdit="1"/>
+                    </p:cNvSpPr>
+                    <p:nvPr/>
+                  </p:nvSpPr>
+                  <p:spPr>
+                    <a:xfrm>
+                      <a:off x="4962524" y="3378753"/>
+                      <a:ext cx="716591" cy="400110"/>
+                    </a:xfrm>
+                    <a:prstGeom prst="rect">
+                      <a:avLst/>
+                    </a:prstGeom>
+                    <a:blipFill>
+                      <a:blip r:embed="rId12"/>
+                      <a:stretch>
+                        <a:fillRect/>
+                      </a:stretch>
+                    </a:blipFill>
+                  </p:spPr>
+                  <p:txBody>
+                    <a:bodyPr/>
+                    <a:lstStyle/>
+                    <a:p>
+                      <a:r>
+                        <a:rPr lang="it-IT">
+                          <a:noFill/>
+                        </a:rPr>
+                        <a:t> </a:t>
+                      </a:r>
+                    </a:p>
+                  </p:txBody>
+                </p:sp>
+              </mc:Fallback>
+            </mc:AlternateContent>
+          </p:grpSp>
+          <p:grpSp>
+            <p:nvGrpSpPr>
+              <p:cNvPr id="78" name="Gruppo 77">
+                <a:extLst>
+                  <a:ext uri="{FF2B5EF4-FFF2-40B4-BE49-F238E27FC236}">
+                    <a16:creationId xmlns:a16="http://schemas.microsoft.com/office/drawing/2014/main" id="{26E9AEDF-D2F1-C49F-484A-7481020336A5}"/>
+                  </a:ext>
+                </a:extLst>
+              </p:cNvPr>
+              <p:cNvGrpSpPr/>
+              <p:nvPr/>
+            </p:nvGrpSpPr>
+            <p:grpSpPr>
+              <a:xfrm>
+                <a:off x="6066350" y="2661198"/>
+                <a:ext cx="716591" cy="633603"/>
+                <a:chOff x="4962524" y="3262007"/>
+                <a:chExt cx="716591" cy="633603"/>
+              </a:xfrm>
+            </p:grpSpPr>
+            <p:sp>
+              <p:nvSpPr>
+                <p:cNvPr id="86" name="Rettangolo con angoli arrotondati 85">
+                  <a:extLst>
+                    <a:ext uri="{FF2B5EF4-FFF2-40B4-BE49-F238E27FC236}">
+                      <a16:creationId xmlns:a16="http://schemas.microsoft.com/office/drawing/2014/main" id="{4247F29C-0AA6-63A0-7724-7722B1085E97}"/>
+                    </a:ext>
+                  </a:extLst>
+                </p:cNvPr>
+                <p:cNvSpPr/>
+                <p:nvPr/>
+              </p:nvSpPr>
+              <p:spPr>
+                <a:xfrm>
+                  <a:off x="4962524" y="3262007"/>
+                  <a:ext cx="716591" cy="633603"/>
+                </a:xfrm>
+                <a:prstGeom prst="roundRect">
+                  <a:avLst>
+                    <a:gd name="adj" fmla="val 8385"/>
+                  </a:avLst>
+                </a:prstGeom>
+                <a:solidFill>
+                  <a:srgbClr val="463F3A"/>
+                </a:solidFill>
+                <a:ln w="28575">
+                  <a:solidFill>
+                    <a:srgbClr val="F4F3EE"/>
+                  </a:solidFill>
+                </a:ln>
+              </p:spPr>
+              <p:style>
+                <a:lnRef idx="2">
+                  <a:schemeClr val="accent1">
+                    <a:shade val="15000"/>
+                  </a:schemeClr>
+                </a:lnRef>
+                <a:fillRef idx="1">
+                  <a:schemeClr val="accent1"/>
+                </a:fillRef>
+                <a:effectRef idx="0">
+                  <a:schemeClr val="accent1"/>
+                </a:effectRef>
+                <a:fontRef idx="minor">
+                  <a:schemeClr val="lt1"/>
+                </a:fontRef>
+              </p:style>
+              <p:txBody>
+                <a:bodyPr rtlCol="0" anchor="ctr"/>
+                <a:lstStyle/>
+                <a:p>
+                  <a:pPr algn="ctr"/>
+                  <a:endParaRPr lang="it-IT" dirty="0"/>
+                </a:p>
+              </p:txBody>
+            </p:sp>
+            <mc:AlternateContent xmlns:mc="http://schemas.openxmlformats.org/markup-compatibility/2006" xmlns:a14="http://schemas.microsoft.com/office/drawing/2010/main">
+              <mc:Choice Requires="a14">
+                <p:sp>
+                  <p:nvSpPr>
+                    <p:cNvPr id="87" name="CasellaDiTesto 86">
+                      <a:extLst>
+                        <a:ext uri="{FF2B5EF4-FFF2-40B4-BE49-F238E27FC236}">
+                          <a16:creationId xmlns:a16="http://schemas.microsoft.com/office/drawing/2014/main" id="{FD76D6E9-022B-8BD2-37A7-13263A923DD0}"/>
+                        </a:ext>
+                      </a:extLst>
+                    </p:cNvPr>
+                    <p:cNvSpPr txBox="1"/>
+                    <p:nvPr/>
+                  </p:nvSpPr>
+                  <p:spPr>
+                    <a:xfrm>
+                      <a:off x="4962524" y="3378753"/>
+                      <a:ext cx="716591" cy="400110"/>
+                    </a:xfrm>
+                    <a:prstGeom prst="rect">
+                      <a:avLst/>
+                    </a:prstGeom>
+                    <a:noFill/>
+                  </p:spPr>
+                  <p:txBody>
+                    <a:bodyPr wrap="square" rtlCol="0">
+                      <a:spAutoFit/>
+                    </a:bodyPr>
+                    <a:lstStyle/>
+                    <a:p>
+                      <a:pPr algn="ctr"/>
+                      <a:r>
+                        <a:rPr lang="it-IT" sz="100" dirty="0">
+                          <a:solidFill>
+                            <a:srgbClr val="F4F3EE"/>
+                          </a:solidFill>
+                        </a:rPr>
+                        <a:t> </a:t>
+                      </a:r>
+                      <a14:m>
+                        <m:oMath xmlns:m="http://schemas.openxmlformats.org/officeDocument/2006/math">
+                          <m:r>
+                            <m:rPr>
+                              <m:sty m:val="p"/>
+                            </m:rPr>
+                            <a:rPr lang="it-IT" sz="2000" b="0" i="0" smtClean="0">
+                              <a:solidFill>
+                                <a:srgbClr val="F4F3EE"/>
+                              </a:solidFill>
+                              <a:latin typeface="Cambria Math" panose="02040503050406030204" pitchFamily="18" charset="0"/>
+                            </a:rPr>
+                            <m:t>H</m:t>
+                          </m:r>
+                        </m:oMath>
+                      </a14:m>
+                      <a:endParaRPr lang="en-US" sz="2000" dirty="0">
+                        <a:solidFill>
+                          <a:srgbClr val="F4F3EE"/>
+                        </a:solidFill>
+                      </a:endParaRPr>
+                    </a:p>
+                  </p:txBody>
+                </p:sp>
+              </mc:Choice>
+              <mc:Fallback xmlns="">
+                <p:sp>
+                  <p:nvSpPr>
+                    <p:cNvPr id="70" name="CasellaDiTesto 69">
+                      <a:extLst>
+                        <a:ext uri="{FF2B5EF4-FFF2-40B4-BE49-F238E27FC236}">
+                          <a16:creationId xmlns:a16="http://schemas.microsoft.com/office/drawing/2014/main" id="{2F3BAE76-8ADC-69E8-ADC7-6DDC1F00E498}"/>
+                        </a:ext>
+                      </a:extLst>
+                    </p:cNvPr>
+                    <p:cNvSpPr txBox="1">
+                      <a:spLocks noRot="1" noChangeAspect="1" noMove="1" noResize="1" noEditPoints="1" noAdjustHandles="1" noChangeArrowheads="1" noChangeShapeType="1" noTextEdit="1"/>
+                    </p:cNvSpPr>
+                    <p:nvPr/>
+                  </p:nvSpPr>
+                  <p:spPr>
+                    <a:xfrm>
+                      <a:off x="4962524" y="3378753"/>
+                      <a:ext cx="716591" cy="400110"/>
+                    </a:xfrm>
+                    <a:prstGeom prst="rect">
+                      <a:avLst/>
+                    </a:prstGeom>
+                    <a:blipFill>
+                      <a:blip r:embed="rId13"/>
+                      <a:stretch>
+                        <a:fillRect/>
+                      </a:stretch>
+                    </a:blipFill>
+                  </p:spPr>
+                  <p:txBody>
+                    <a:bodyPr/>
+                    <a:lstStyle/>
+                    <a:p>
+                      <a:r>
+                        <a:rPr lang="it-IT">
+                          <a:noFill/>
+                        </a:rPr>
+                        <a:t> </a:t>
+                      </a:r>
+                    </a:p>
+                  </p:txBody>
+                </p:sp>
+              </mc:Fallback>
+            </mc:AlternateContent>
+          </p:grpSp>
+          <p:sp>
+            <p:nvSpPr>
+              <p:cNvPr id="79" name="Ovale 78">
+                <a:extLst>
+                  <a:ext uri="{FF2B5EF4-FFF2-40B4-BE49-F238E27FC236}">
+                    <a16:creationId xmlns:a16="http://schemas.microsoft.com/office/drawing/2014/main" id="{BF30FA3A-39C4-493C-0F2C-685BA27DD1A4}"/>
+                  </a:ext>
+                </a:extLst>
+              </p:cNvPr>
+              <p:cNvSpPr/>
+              <p:nvPr/>
+            </p:nvSpPr>
+            <p:spPr>
+              <a:xfrm>
+                <a:off x="6344625" y="3924989"/>
+                <a:ext cx="154963" cy="154963"/>
+              </a:xfrm>
+              <a:prstGeom prst="ellipse">
+                <a:avLst/>
               </a:prstGeom>
               <a:solidFill>
                 <a:srgbClr val="463F3A"/>
               </a:solidFill>
-              <a:ln w="28575">
+              <a:ln>
                 <a:solidFill>
                   <a:srgbClr val="F4F3EE"/>
                 </a:solidFill>
@@ -40700,16 +42055,256 @@
               <a:lstStyle/>
               <a:p>
                 <a:pPr algn="ctr"/>
-                <a:endParaRPr lang="it-IT" dirty="0"/>
+                <a:endParaRPr lang="it-IT"/>
               </a:p>
             </p:txBody>
           </p:sp>
+          <p:grpSp>
+            <p:nvGrpSpPr>
+              <p:cNvPr id="80" name="Gruppo 79">
+                <a:extLst>
+                  <a:ext uri="{FF2B5EF4-FFF2-40B4-BE49-F238E27FC236}">
+                    <a16:creationId xmlns:a16="http://schemas.microsoft.com/office/drawing/2014/main" id="{27B8ACB6-F330-3937-D89E-AC47A3A49119}"/>
+                  </a:ext>
+                </a:extLst>
+              </p:cNvPr>
+              <p:cNvGrpSpPr/>
+              <p:nvPr/>
+            </p:nvGrpSpPr>
+            <p:grpSpPr>
+              <a:xfrm rot="16200000">
+                <a:off x="6097734" y="3581076"/>
+                <a:ext cx="650630" cy="60960"/>
+                <a:chOff x="1704975" y="5048027"/>
+                <a:chExt cx="8782050" cy="60960"/>
+              </a:xfrm>
+            </p:grpSpPr>
+            <p:cxnSp>
+              <p:nvCxnSpPr>
+                <p:cNvPr id="83" name="Connettore diritto 82">
+                  <a:extLst>
+                    <a:ext uri="{FF2B5EF4-FFF2-40B4-BE49-F238E27FC236}">
+                      <a16:creationId xmlns:a16="http://schemas.microsoft.com/office/drawing/2014/main" id="{E93B81CA-D12C-5841-6993-9F1316F7ABC9}"/>
+                    </a:ext>
+                  </a:extLst>
+                </p:cNvPr>
+                <p:cNvCxnSpPr>
+                  <a:cxnSpLocks/>
+                </p:cNvCxnSpPr>
+                <p:nvPr/>
+              </p:nvCxnSpPr>
+              <p:spPr>
+                <a:xfrm>
+                  <a:off x="1704975" y="5048027"/>
+                  <a:ext cx="8782050" cy="0"/>
+                </a:xfrm>
+                <a:prstGeom prst="line">
+                  <a:avLst/>
+                </a:prstGeom>
+                <a:ln w="19050">
+                  <a:solidFill>
+                    <a:srgbClr val="F4F3EE"/>
+                  </a:solidFill>
+                </a:ln>
+              </p:spPr>
+              <p:style>
+                <a:lnRef idx="2">
+                  <a:schemeClr val="accent1"/>
+                </a:lnRef>
+                <a:fillRef idx="0">
+                  <a:schemeClr val="accent1"/>
+                </a:fillRef>
+                <a:effectRef idx="1">
+                  <a:schemeClr val="accent1"/>
+                </a:effectRef>
+                <a:fontRef idx="minor">
+                  <a:schemeClr val="tx1"/>
+                </a:fontRef>
+              </p:style>
+            </p:cxnSp>
+            <p:cxnSp>
+              <p:nvCxnSpPr>
+                <p:cNvPr id="85" name="Connettore diritto 84">
+                  <a:extLst>
+                    <a:ext uri="{FF2B5EF4-FFF2-40B4-BE49-F238E27FC236}">
+                      <a16:creationId xmlns:a16="http://schemas.microsoft.com/office/drawing/2014/main" id="{05538AEE-8F60-031F-A534-9DB6EB0B1872}"/>
+                    </a:ext>
+                  </a:extLst>
+                </p:cNvPr>
+                <p:cNvCxnSpPr>
+                  <a:cxnSpLocks/>
+                </p:cNvCxnSpPr>
+                <p:nvPr/>
+              </p:nvCxnSpPr>
+              <p:spPr>
+                <a:xfrm>
+                  <a:off x="1704975" y="5108987"/>
+                  <a:ext cx="8782050" cy="0"/>
+                </a:xfrm>
+                <a:prstGeom prst="line">
+                  <a:avLst/>
+                </a:prstGeom>
+                <a:ln w="19050">
+                  <a:solidFill>
+                    <a:srgbClr val="F4F3EE"/>
+                  </a:solidFill>
+                </a:ln>
+              </p:spPr>
+              <p:style>
+                <a:lnRef idx="2">
+                  <a:schemeClr val="accent1"/>
+                </a:lnRef>
+                <a:fillRef idx="0">
+                  <a:schemeClr val="accent1"/>
+                </a:fillRef>
+                <a:effectRef idx="1">
+                  <a:schemeClr val="accent1"/>
+                </a:effectRef>
+                <a:fontRef idx="minor">
+                  <a:schemeClr val="tx1"/>
+                </a:fontRef>
+              </p:style>
+            </p:cxnSp>
+          </p:grpSp>
+          <mc:AlternateContent xmlns:mc="http://schemas.openxmlformats.org/markup-compatibility/2006" xmlns:a14="http://schemas.microsoft.com/office/drawing/2010/main">
+            <mc:Choice Requires="a14">
+              <p:sp>
+                <p:nvSpPr>
+                  <p:cNvPr id="81" name="CasellaDiTesto 80">
+                    <a:extLst>
+                      <a:ext uri="{FF2B5EF4-FFF2-40B4-BE49-F238E27FC236}">
+                        <a16:creationId xmlns:a16="http://schemas.microsoft.com/office/drawing/2014/main" id="{AC7FC5D6-4056-BA24-3F6F-F09482ABAFCC}"/>
+                      </a:ext>
+                    </a:extLst>
+                  </p:cNvPr>
+                  <p:cNvSpPr txBox="1"/>
+                  <p:nvPr/>
+                </p:nvSpPr>
+                <p:spPr>
+                  <a:xfrm>
+                    <a:off x="5813725" y="4060192"/>
+                    <a:ext cx="1245336" cy="307777"/>
+                  </a:xfrm>
+                  <a:prstGeom prst="rect">
+                    <a:avLst/>
+                  </a:prstGeom>
+                  <a:noFill/>
+                </p:spPr>
+                <p:txBody>
+                  <a:bodyPr wrap="square" rtlCol="0">
+                    <a:spAutoFit/>
+                  </a:bodyPr>
+                  <a:lstStyle/>
+                  <a:p>
+                    <a:pPr algn="ctr"/>
+                    <a14:m>
+                      <m:oMathPara xmlns:m="http://schemas.openxmlformats.org/officeDocument/2006/math">
+                        <m:oMathParaPr>
+                          <m:jc m:val="center"/>
+                        </m:oMathParaPr>
+                        <m:oMath xmlns:m="http://schemas.openxmlformats.org/officeDocument/2006/math">
+                          <m:r>
+                            <a:rPr lang="it-IT" sz="1400" b="0" i="1" smtClean="0">
+                              <a:solidFill>
+                                <a:srgbClr val="F4F3EE"/>
+                              </a:solidFill>
+                              <a:latin typeface="Cambria Math" panose="02040503050406030204" pitchFamily="18" charset="0"/>
+                            </a:rPr>
+                            <m:t>𝐶</m:t>
+                          </m:r>
+                          <m:r>
+                            <a:rPr lang="it-IT" sz="1400" b="0" i="1" smtClean="0">
+                              <a:solidFill>
+                                <a:srgbClr val="F4F3EE"/>
+                              </a:solidFill>
+                              <a:latin typeface="Cambria Math" panose="02040503050406030204" pitchFamily="18" charset="0"/>
+                            </a:rPr>
+                            <m:t>=0</m:t>
+                          </m:r>
+                        </m:oMath>
+                      </m:oMathPara>
+                    </a14:m>
+                    <a:endParaRPr lang="en-US" sz="1400" dirty="0">
+                      <a:solidFill>
+                        <a:srgbClr val="F4F3EE"/>
+                      </a:solidFill>
+                    </a:endParaRPr>
+                  </a:p>
+                </p:txBody>
+              </p:sp>
+            </mc:Choice>
+            <mc:Fallback xmlns="">
+              <p:sp>
+                <p:nvSpPr>
+                  <p:cNvPr id="81" name="CasellaDiTesto 80">
+                    <a:extLst>
+                      <a:ext uri="{FF2B5EF4-FFF2-40B4-BE49-F238E27FC236}">
+                        <a16:creationId xmlns:a16="http://schemas.microsoft.com/office/drawing/2014/main" id="{AC7FC5D6-4056-BA24-3F6F-F09482ABAFCC}"/>
+                      </a:ext>
+                    </a:extLst>
+                  </p:cNvPr>
+                  <p:cNvSpPr txBox="1">
+                    <a:spLocks noRot="1" noChangeAspect="1" noMove="1" noResize="1" noEditPoints="1" noAdjustHandles="1" noChangeArrowheads="1" noChangeShapeType="1" noTextEdit="1"/>
+                  </p:cNvSpPr>
+                  <p:nvPr/>
+                </p:nvSpPr>
+                <p:spPr>
+                  <a:xfrm>
+                    <a:off x="5813725" y="4060192"/>
+                    <a:ext cx="1245336" cy="307777"/>
+                  </a:xfrm>
+                  <a:prstGeom prst="rect">
+                    <a:avLst/>
+                  </a:prstGeom>
+                  <a:blipFill>
+                    <a:blip r:embed="rId14"/>
+                    <a:stretch>
+                      <a:fillRect/>
+                    </a:stretch>
+                  </a:blipFill>
+                </p:spPr>
+                <p:txBody>
+                  <a:bodyPr/>
+                  <a:lstStyle/>
+                  <a:p>
+                    <a:r>
+                      <a:rPr lang="it-IT">
+                        <a:noFill/>
+                      </a:rPr>
+                      <a:t> </a:t>
+                    </a:r>
+                  </a:p>
+                </p:txBody>
+              </p:sp>
+            </mc:Fallback>
+          </mc:AlternateContent>
+        </p:grpSp>
+        <p:grpSp>
+          <p:nvGrpSpPr>
+            <p:cNvPr id="19" name="Gruppo 18">
+              <a:extLst>
+                <a:ext uri="{FF2B5EF4-FFF2-40B4-BE49-F238E27FC236}">
+                  <a16:creationId xmlns:a16="http://schemas.microsoft.com/office/drawing/2014/main" id="{943EABF5-5DDB-8B4B-762B-E404147F3EAF}"/>
+                </a:ext>
+              </a:extLst>
+            </p:cNvPr>
+            <p:cNvGrpSpPr/>
+            <p:nvPr/>
+          </p:nvGrpSpPr>
+          <p:grpSpPr>
+            <a:xfrm>
+              <a:off x="7228503" y="1827749"/>
+              <a:ext cx="1245336" cy="2545581"/>
+              <a:chOff x="7015702" y="1827749"/>
+              <a:chExt cx="1245336" cy="2545581"/>
+            </a:xfrm>
+          </p:grpSpPr>
           <p:sp>
             <p:nvSpPr>
-              <p:cNvPr id="122" name="Arco 121">
+              <p:cNvPr id="63" name="Ovale 62">
                 <a:extLst>
                   <a:ext uri="{FF2B5EF4-FFF2-40B4-BE49-F238E27FC236}">
-                    <a16:creationId xmlns:a16="http://schemas.microsoft.com/office/drawing/2014/main" id="{AC23816B-EAB7-F3FF-792C-F5BFF6CDC62D}"/>
+                    <a16:creationId xmlns:a16="http://schemas.microsoft.com/office/drawing/2014/main" id="{0DD2874E-A56F-A4E2-21C4-98C5BA90B0CD}"/>
                   </a:ext>
                 </a:extLst>
               </p:cNvPr>
@@ -40717,34 +42312,34 @@
               <p:nvPr/>
             </p:nvSpPr>
             <p:spPr>
-              <a:xfrm rot="19408274">
-                <a:off x="3696595" y="2785466"/>
-                <a:ext cx="830580" cy="830580"/>
+              <a:xfrm>
+                <a:off x="7541998" y="1827749"/>
+                <a:ext cx="154963" cy="154963"/>
               </a:xfrm>
-              <a:prstGeom prst="arc">
-                <a:avLst>
-                  <a:gd name="adj1" fmla="val 16200000"/>
-                  <a:gd name="adj2" fmla="val 20769370"/>
-                </a:avLst>
+              <a:prstGeom prst="ellipse">
+                <a:avLst/>
               </a:prstGeom>
-              <a:ln w="28575">
-                <a:solidFill>
-                  <a:srgbClr val="F4F3EE"/>
-                </a:solidFill>
+              <a:solidFill>
+                <a:srgbClr val="F4F3EE"/>
+              </a:solidFill>
+              <a:ln>
+                <a:noFill/>
               </a:ln>
             </p:spPr>
             <p:style>
               <a:lnRef idx="2">
-                <a:schemeClr val="accent1"/>
+                <a:schemeClr val="accent1">
+                  <a:shade val="15000"/>
+                </a:schemeClr>
               </a:lnRef>
-              <a:fillRef idx="0">
+              <a:fillRef idx="1">
                 <a:schemeClr val="accent1"/>
               </a:fillRef>
-              <a:effectRef idx="1">
+              <a:effectRef idx="0">
                 <a:schemeClr val="accent1"/>
               </a:effectRef>
               <a:fontRef idx="minor">
-                <a:schemeClr val="tx1"/>
+                <a:schemeClr val="lt1"/>
               </a:fontRef>
             </p:style>
             <p:txBody>
@@ -40758,10 +42353,10 @@
           </p:sp>
           <p:cxnSp>
             <p:nvCxnSpPr>
-              <p:cNvPr id="123" name="Connettore diritto 122">
+              <p:cNvPr id="65" name="Connettore diritto 64">
                 <a:extLst>
                   <a:ext uri="{FF2B5EF4-FFF2-40B4-BE49-F238E27FC236}">
-                    <a16:creationId xmlns:a16="http://schemas.microsoft.com/office/drawing/2014/main" id="{D3FEC108-A668-3C66-5178-032BCBA0124E}"/>
+                    <a16:creationId xmlns:a16="http://schemas.microsoft.com/office/drawing/2014/main" id="{726D1686-3461-9846-0B9C-0DBC90145E04}"/>
                   </a:ext>
                 </a:extLst>
               </p:cNvPr>
@@ -40772,74 +42367,8 @@
             </p:nvCxnSpPr>
             <p:spPr>
               <a:xfrm flipV="1">
-                <a:off x="4099445" y="2619854"/>
-                <a:ext cx="248718" cy="316804"/>
-              </a:xfrm>
-              <a:prstGeom prst="line">
-                <a:avLst/>
-              </a:prstGeom>
-              <a:ln w="19050">
-                <a:solidFill>
-                  <a:srgbClr val="F4F3EE"/>
-                </a:solidFill>
-                <a:headEnd type="none"/>
-                <a:tailEnd type="arrow"/>
-              </a:ln>
-            </p:spPr>
-            <p:style>
-              <a:lnRef idx="2">
-                <a:schemeClr val="accent1"/>
-              </a:lnRef>
-              <a:fillRef idx="0">
-                <a:schemeClr val="accent1"/>
-              </a:fillRef>
-              <a:effectRef idx="1">
-                <a:schemeClr val="accent1"/>
-              </a:effectRef>
-              <a:fontRef idx="minor">
-                <a:schemeClr val="tx1"/>
-              </a:fontRef>
-            </p:style>
-          </p:cxnSp>
-        </p:grpSp>
-        <p:grpSp>
-          <p:nvGrpSpPr>
-            <p:cNvPr id="30" name="Gruppo 29">
-              <a:extLst>
-                <a:ext uri="{FF2B5EF4-FFF2-40B4-BE49-F238E27FC236}">
-                  <a16:creationId xmlns:a16="http://schemas.microsoft.com/office/drawing/2014/main" id="{23AF05B9-B31E-E978-5F1D-87297FE18378}"/>
-                </a:ext>
-              </a:extLst>
-            </p:cNvPr>
-            <p:cNvGrpSpPr/>
-            <p:nvPr/>
-          </p:nvGrpSpPr>
-          <p:grpSpPr>
-            <a:xfrm rot="16200000">
-              <a:off x="3332809" y="3289724"/>
-              <a:ext cx="1750747" cy="60960"/>
-              <a:chOff x="1704975" y="5048027"/>
-              <a:chExt cx="8782050" cy="60960"/>
-            </a:xfrm>
-          </p:grpSpPr>
-          <p:cxnSp>
-            <p:nvCxnSpPr>
-              <p:cNvPr id="119" name="Connettore diritto 118">
-                <a:extLst>
-                  <a:ext uri="{FF2B5EF4-FFF2-40B4-BE49-F238E27FC236}">
-                    <a16:creationId xmlns:a16="http://schemas.microsoft.com/office/drawing/2014/main" id="{653D0241-820F-BBCF-C23C-F26C84C62874}"/>
-                  </a:ext>
-                </a:extLst>
-              </p:cNvPr>
-              <p:cNvCxnSpPr>
-                <a:cxnSpLocks/>
-              </p:cNvCxnSpPr>
-              <p:nvPr/>
-            </p:nvCxnSpPr>
-            <p:spPr>
-              <a:xfrm>
-                <a:off x="1704975" y="5048027"/>
-                <a:ext cx="8782050" cy="0"/>
+                <a:off x="7619480" y="1934799"/>
+                <a:ext cx="0" cy="1034641"/>
               </a:xfrm>
               <a:prstGeom prst="line">
                 <a:avLst/>
@@ -40865,56 +42394,376 @@
               </a:fontRef>
             </p:style>
           </p:cxnSp>
-          <p:cxnSp>
-            <p:nvCxnSpPr>
-              <p:cNvPr id="120" name="Connettore diritto 119">
+          <p:sp>
+            <p:nvSpPr>
+              <p:cNvPr id="66" name="Ovale 65">
                 <a:extLst>
                   <a:ext uri="{FF2B5EF4-FFF2-40B4-BE49-F238E27FC236}">
-                    <a16:creationId xmlns:a16="http://schemas.microsoft.com/office/drawing/2014/main" id="{14985008-C08D-55B2-BF51-370C1ED1C67F}"/>
+                    <a16:creationId xmlns:a16="http://schemas.microsoft.com/office/drawing/2014/main" id="{A4144CB4-7DF7-EF16-8FF8-D27731CD720D}"/>
                   </a:ext>
                 </a:extLst>
               </p:cNvPr>
-              <p:cNvCxnSpPr>
-                <a:cxnSpLocks/>
-              </p:cNvCxnSpPr>
+              <p:cNvSpPr/>
               <p:nvPr/>
-            </p:nvCxnSpPr>
+            </p:nvSpPr>
             <p:spPr>
               <a:xfrm>
-                <a:off x="1704975" y="5108987"/>
-                <a:ext cx="8782050" cy="0"/>
+                <a:off x="7396108" y="2746630"/>
+                <a:ext cx="446741" cy="446741"/>
               </a:xfrm>
-              <a:prstGeom prst="line">
+              <a:prstGeom prst="ellipse">
                 <a:avLst/>
               </a:prstGeom>
-              <a:ln w="19050">
-                <a:solidFill>
-                  <a:srgbClr val="F4F3EE"/>
-                </a:solidFill>
+              <a:solidFill>
+                <a:srgbClr val="F4F3EE"/>
+              </a:solidFill>
+              <a:ln>
+                <a:noFill/>
               </a:ln>
             </p:spPr>
             <p:style>
               <a:lnRef idx="2">
-                <a:schemeClr val="accent1"/>
+                <a:schemeClr val="accent1">
+                  <a:shade val="15000"/>
+                </a:schemeClr>
               </a:lnRef>
-              <a:fillRef idx="0">
+              <a:fillRef idx="1">
                 <a:schemeClr val="accent1"/>
               </a:fillRef>
-              <a:effectRef idx="1">
+              <a:effectRef idx="0">
                 <a:schemeClr val="accent1"/>
               </a:effectRef>
               <a:fontRef idx="minor">
-                <a:schemeClr val="tx1"/>
+                <a:schemeClr val="lt1"/>
               </a:fontRef>
             </p:style>
-          </p:cxnSp>
+            <p:txBody>
+              <a:bodyPr rtlCol="0" anchor="ctr"/>
+              <a:lstStyle/>
+              <a:p>
+                <a:pPr algn="ctr"/>
+                <a:endParaRPr lang="it-IT"/>
+              </a:p>
+            </p:txBody>
+          </p:sp>
+          <p:sp>
+            <p:nvSpPr>
+              <p:cNvPr id="67" name="CasellaDiTesto 66">
+                <a:extLst>
+                  <a:ext uri="{FF2B5EF4-FFF2-40B4-BE49-F238E27FC236}">
+                    <a16:creationId xmlns:a16="http://schemas.microsoft.com/office/drawing/2014/main" id="{6803FA28-0CCD-36B0-3F09-E04A99427947}"/>
+                  </a:ext>
+                </a:extLst>
+              </p:cNvPr>
+              <p:cNvSpPr txBox="1"/>
+              <p:nvPr/>
+            </p:nvSpPr>
+            <p:spPr>
+              <a:xfrm>
+                <a:off x="7207615" y="2624056"/>
+                <a:ext cx="830076" cy="707886"/>
+              </a:xfrm>
+              <a:prstGeom prst="rect">
+                <a:avLst/>
+              </a:prstGeom>
+              <a:noFill/>
+            </p:spPr>
+            <p:txBody>
+              <a:bodyPr wrap="square" rtlCol="0">
+                <a:spAutoFit/>
+              </a:bodyPr>
+              <a:lstStyle/>
+              <a:p>
+                <a:pPr algn="ctr"/>
+                <a:r>
+                  <a:rPr lang="en-US" sz="4000" noProof="0" dirty="0">
+                    <a:solidFill>
+                      <a:srgbClr val="463F3A"/>
+                    </a:solidFill>
+                  </a:rPr>
+                  <a:t>+</a:t>
+                </a:r>
+              </a:p>
+            </p:txBody>
+          </p:sp>
+          <p:sp>
+            <p:nvSpPr>
+              <p:cNvPr id="68" name="Ovale 67">
+                <a:extLst>
+                  <a:ext uri="{FF2B5EF4-FFF2-40B4-BE49-F238E27FC236}">
+                    <a16:creationId xmlns:a16="http://schemas.microsoft.com/office/drawing/2014/main" id="{9C4F45AE-F14F-64E5-B3B4-B7D1AC563BD0}"/>
+                  </a:ext>
+                </a:extLst>
+              </p:cNvPr>
+              <p:cNvSpPr/>
+              <p:nvPr/>
+            </p:nvSpPr>
+            <p:spPr>
+              <a:xfrm>
+                <a:off x="7546602" y="3930350"/>
+                <a:ext cx="154963" cy="154963"/>
+              </a:xfrm>
+              <a:prstGeom prst="ellipse">
+                <a:avLst/>
+              </a:prstGeom>
+              <a:solidFill>
+                <a:srgbClr val="F4F3EE"/>
+              </a:solidFill>
+              <a:ln>
+                <a:noFill/>
+              </a:ln>
+            </p:spPr>
+            <p:style>
+              <a:lnRef idx="2">
+                <a:schemeClr val="accent1">
+                  <a:shade val="15000"/>
+                </a:schemeClr>
+              </a:lnRef>
+              <a:fillRef idx="1">
+                <a:schemeClr val="accent1"/>
+              </a:fillRef>
+              <a:effectRef idx="0">
+                <a:schemeClr val="accent1"/>
+              </a:effectRef>
+              <a:fontRef idx="minor">
+                <a:schemeClr val="lt1"/>
+              </a:fontRef>
+            </p:style>
+            <p:txBody>
+              <a:bodyPr rtlCol="0" anchor="ctr"/>
+              <a:lstStyle/>
+              <a:p>
+                <a:pPr algn="ctr"/>
+                <a:endParaRPr lang="it-IT"/>
+              </a:p>
+            </p:txBody>
+          </p:sp>
+          <p:grpSp>
+            <p:nvGrpSpPr>
+              <p:cNvPr id="69" name="Gruppo 68">
+                <a:extLst>
+                  <a:ext uri="{FF2B5EF4-FFF2-40B4-BE49-F238E27FC236}">
+                    <a16:creationId xmlns:a16="http://schemas.microsoft.com/office/drawing/2014/main" id="{DEE0D21E-35BF-E3E0-613A-FC6C0A97CCEF}"/>
+                  </a:ext>
+                </a:extLst>
+              </p:cNvPr>
+              <p:cNvGrpSpPr/>
+              <p:nvPr/>
+            </p:nvGrpSpPr>
+            <p:grpSpPr>
+              <a:xfrm rot="16200000">
+                <a:off x="7207948" y="3497056"/>
+                <a:ext cx="834155" cy="60960"/>
+                <a:chOff x="1704975" y="5048027"/>
+                <a:chExt cx="8782050" cy="60960"/>
+              </a:xfrm>
+            </p:grpSpPr>
+            <p:cxnSp>
+              <p:nvCxnSpPr>
+                <p:cNvPr id="75" name="Connettore diritto 74">
+                  <a:extLst>
+                    <a:ext uri="{FF2B5EF4-FFF2-40B4-BE49-F238E27FC236}">
+                      <a16:creationId xmlns:a16="http://schemas.microsoft.com/office/drawing/2014/main" id="{54731BB8-6E37-633B-C0BB-21B3BA5D074D}"/>
+                    </a:ext>
+                  </a:extLst>
+                </p:cNvPr>
+                <p:cNvCxnSpPr>
+                  <a:cxnSpLocks/>
+                </p:cNvCxnSpPr>
+                <p:nvPr/>
+              </p:nvCxnSpPr>
+              <p:spPr>
+                <a:xfrm>
+                  <a:off x="1704975" y="5048027"/>
+                  <a:ext cx="8782050" cy="0"/>
+                </a:xfrm>
+                <a:prstGeom prst="line">
+                  <a:avLst/>
+                </a:prstGeom>
+                <a:ln w="19050">
+                  <a:solidFill>
+                    <a:srgbClr val="F4F3EE"/>
+                  </a:solidFill>
+                </a:ln>
+              </p:spPr>
+              <p:style>
+                <a:lnRef idx="2">
+                  <a:schemeClr val="accent1"/>
+                </a:lnRef>
+                <a:fillRef idx="0">
+                  <a:schemeClr val="accent1"/>
+                </a:fillRef>
+                <a:effectRef idx="1">
+                  <a:schemeClr val="accent1"/>
+                </a:effectRef>
+                <a:fontRef idx="minor">
+                  <a:schemeClr val="tx1"/>
+                </a:fontRef>
+              </p:style>
+            </p:cxnSp>
+            <p:cxnSp>
+              <p:nvCxnSpPr>
+                <p:cNvPr id="76" name="Connettore diritto 75">
+                  <a:extLst>
+                    <a:ext uri="{FF2B5EF4-FFF2-40B4-BE49-F238E27FC236}">
+                      <a16:creationId xmlns:a16="http://schemas.microsoft.com/office/drawing/2014/main" id="{2B329CCC-768B-E38F-EC64-A101DDBC6317}"/>
+                    </a:ext>
+                  </a:extLst>
+                </p:cNvPr>
+                <p:cNvCxnSpPr>
+                  <a:cxnSpLocks/>
+                </p:cNvCxnSpPr>
+                <p:nvPr/>
+              </p:nvCxnSpPr>
+              <p:spPr>
+                <a:xfrm>
+                  <a:off x="1704975" y="5108987"/>
+                  <a:ext cx="8782050" cy="0"/>
+                </a:xfrm>
+                <a:prstGeom prst="line">
+                  <a:avLst/>
+                </a:prstGeom>
+                <a:ln w="19050">
+                  <a:solidFill>
+                    <a:srgbClr val="F4F3EE"/>
+                  </a:solidFill>
+                </a:ln>
+              </p:spPr>
+              <p:style>
+                <a:lnRef idx="2">
+                  <a:schemeClr val="accent1"/>
+                </a:lnRef>
+                <a:fillRef idx="0">
+                  <a:schemeClr val="accent1"/>
+                </a:fillRef>
+                <a:effectRef idx="1">
+                  <a:schemeClr val="accent1"/>
+                </a:effectRef>
+                <a:fontRef idx="minor">
+                  <a:schemeClr val="tx1"/>
+                </a:fontRef>
+              </p:style>
+            </p:cxnSp>
+          </p:grpSp>
+          <mc:AlternateContent xmlns:mc="http://schemas.openxmlformats.org/markup-compatibility/2006" xmlns:a14="http://schemas.microsoft.com/office/drawing/2010/main">
+            <mc:Choice Requires="a14">
+              <p:sp>
+                <p:nvSpPr>
+                  <p:cNvPr id="70" name="CasellaDiTesto 69">
+                    <a:extLst>
+                      <a:ext uri="{FF2B5EF4-FFF2-40B4-BE49-F238E27FC236}">
+                        <a16:creationId xmlns:a16="http://schemas.microsoft.com/office/drawing/2014/main" id="{0288CBF0-A08B-F12C-F78E-A8F5C00E1689}"/>
+                      </a:ext>
+                    </a:extLst>
+                  </p:cNvPr>
+                  <p:cNvSpPr txBox="1"/>
+                  <p:nvPr/>
+                </p:nvSpPr>
+                <p:spPr>
+                  <a:xfrm>
+                    <a:off x="7015702" y="4065553"/>
+                    <a:ext cx="1245336" cy="307777"/>
+                  </a:xfrm>
+                  <a:prstGeom prst="rect">
+                    <a:avLst/>
+                  </a:prstGeom>
+                  <a:noFill/>
+                </p:spPr>
+                <p:txBody>
+                  <a:bodyPr wrap="square" rtlCol="0">
+                    <a:spAutoFit/>
+                  </a:bodyPr>
+                  <a:lstStyle/>
+                  <a:p>
+                    <a:pPr algn="ctr"/>
+                    <a14:m>
+                      <m:oMathPara xmlns:m="http://schemas.openxmlformats.org/officeDocument/2006/math">
+                        <m:oMathParaPr>
+                          <m:jc m:val="center"/>
+                        </m:oMathParaPr>
+                        <m:oMath xmlns:m="http://schemas.openxmlformats.org/officeDocument/2006/math">
+                          <m:r>
+                            <a:rPr lang="it-IT" sz="1400" b="0" i="1" smtClean="0">
+                              <a:solidFill>
+                                <a:srgbClr val="F4F3EE"/>
+                              </a:solidFill>
+                              <a:latin typeface="Cambria Math" panose="02040503050406030204" pitchFamily="18" charset="0"/>
+                            </a:rPr>
+                            <m:t>𝐶</m:t>
+                          </m:r>
+                          <m:r>
+                            <a:rPr lang="it-IT" sz="1400" b="0" i="1" smtClean="0">
+                              <a:solidFill>
+                                <a:srgbClr val="F4F3EE"/>
+                              </a:solidFill>
+                              <a:latin typeface="Cambria Math" panose="02040503050406030204" pitchFamily="18" charset="0"/>
+                            </a:rPr>
+                            <m:t>=1</m:t>
+                          </m:r>
+                        </m:oMath>
+                      </m:oMathPara>
+                    </a14:m>
+                    <a:endParaRPr lang="en-US" sz="1400" dirty="0">
+                      <a:solidFill>
+                        <a:srgbClr val="F4F3EE"/>
+                      </a:solidFill>
+                    </a:endParaRPr>
+                  </a:p>
+                </p:txBody>
+              </p:sp>
+            </mc:Choice>
+            <mc:Fallback xmlns="">
+              <p:sp>
+                <p:nvSpPr>
+                  <p:cNvPr id="70" name="CasellaDiTesto 69">
+                    <a:extLst>
+                      <a:ext uri="{FF2B5EF4-FFF2-40B4-BE49-F238E27FC236}">
+                        <a16:creationId xmlns:a16="http://schemas.microsoft.com/office/drawing/2014/main" id="{0288CBF0-A08B-F12C-F78E-A8F5C00E1689}"/>
+                      </a:ext>
+                    </a:extLst>
+                  </p:cNvPr>
+                  <p:cNvSpPr txBox="1">
+                    <a:spLocks noRot="1" noChangeAspect="1" noMove="1" noResize="1" noEditPoints="1" noAdjustHandles="1" noChangeArrowheads="1" noChangeShapeType="1" noTextEdit="1"/>
+                  </p:cNvSpPr>
+                  <p:nvPr/>
+                </p:nvSpPr>
+                <p:spPr>
+                  <a:xfrm>
+                    <a:off x="7015702" y="4065553"/>
+                    <a:ext cx="1245336" cy="307777"/>
+                  </a:xfrm>
+                  <a:prstGeom prst="rect">
+                    <a:avLst/>
+                  </a:prstGeom>
+                  <a:blipFill>
+                    <a:blip r:embed="rId15"/>
+                    <a:stretch>
+                      <a:fillRect/>
+                    </a:stretch>
+                  </a:blipFill>
+                </p:spPr>
+                <p:txBody>
+                  <a:bodyPr/>
+                  <a:lstStyle/>
+                  <a:p>
+                    <a:r>
+                      <a:rPr lang="it-IT">
+                        <a:noFill/>
+                      </a:rPr>
+                      <a:t> </a:t>
+                    </a:r>
+                  </a:p>
+                </p:txBody>
+              </p:sp>
+            </mc:Fallback>
+          </mc:AlternateContent>
         </p:grpSp>
         <p:grpSp>
           <p:nvGrpSpPr>
-            <p:cNvPr id="31" name="Gruppo 30">
+            <p:cNvPr id="20" name="Gruppo 19">
               <a:extLst>
                 <a:ext uri="{FF2B5EF4-FFF2-40B4-BE49-F238E27FC236}">
-                  <a16:creationId xmlns:a16="http://schemas.microsoft.com/office/drawing/2014/main" id="{9CFFB8C7-9C5E-13FD-5E76-3748E8DC52D7}"/>
+                  <a16:creationId xmlns:a16="http://schemas.microsoft.com/office/drawing/2014/main" id="{74FB98DC-FE95-3BB9-990D-E1CE0C8C5FE8}"/>
                 </a:ext>
               </a:extLst>
             </p:cNvPr>
@@ -40923,18 +42772,192 @@
           </p:nvGrpSpPr>
           <p:grpSpPr>
             <a:xfrm>
-              <a:off x="4909248" y="2883075"/>
-              <a:ext cx="716591" cy="633603"/>
-              <a:chOff x="4962524" y="3262007"/>
-              <a:chExt cx="716591" cy="633603"/>
+              <a:off x="8513813" y="1597417"/>
+              <a:ext cx="1245336" cy="2770552"/>
+              <a:chOff x="8513813" y="1597417"/>
+              <a:chExt cx="1245336" cy="2770552"/>
             </a:xfrm>
           </p:grpSpPr>
+          <p:grpSp>
+            <p:nvGrpSpPr>
+              <p:cNvPr id="32" name="Gruppo 31">
+                <a:extLst>
+                  <a:ext uri="{FF2B5EF4-FFF2-40B4-BE49-F238E27FC236}">
+                    <a16:creationId xmlns:a16="http://schemas.microsoft.com/office/drawing/2014/main" id="{E81ED81E-4C65-134A-A323-055B0C0C039A}"/>
+                  </a:ext>
+                </a:extLst>
+              </p:cNvPr>
+              <p:cNvGrpSpPr/>
+              <p:nvPr/>
+            </p:nvGrpSpPr>
+            <p:grpSpPr>
+              <a:xfrm>
+                <a:off x="8704694" y="1597417"/>
+                <a:ext cx="830580" cy="1132498"/>
+                <a:chOff x="3696595" y="2483548"/>
+                <a:chExt cx="830580" cy="1132498"/>
+              </a:xfrm>
+            </p:grpSpPr>
+            <p:sp>
+              <p:nvSpPr>
+                <p:cNvPr id="42" name="Rettangolo con angoli arrotondati 41">
+                  <a:extLst>
+                    <a:ext uri="{FF2B5EF4-FFF2-40B4-BE49-F238E27FC236}">
+                      <a16:creationId xmlns:a16="http://schemas.microsoft.com/office/drawing/2014/main" id="{FAC07B44-A458-2AFA-E3C7-5F6776E3C2AC}"/>
+                    </a:ext>
+                  </a:extLst>
+                </p:cNvPr>
+                <p:cNvSpPr/>
+                <p:nvPr/>
+              </p:nvSpPr>
+              <p:spPr>
+                <a:xfrm>
+                  <a:off x="3750831" y="2483548"/>
+                  <a:ext cx="722108" cy="633603"/>
+                </a:xfrm>
+                <a:prstGeom prst="roundRect">
+                  <a:avLst>
+                    <a:gd name="adj" fmla="val 8385"/>
+                  </a:avLst>
+                </a:prstGeom>
+                <a:solidFill>
+                  <a:srgbClr val="463F3A"/>
+                </a:solidFill>
+                <a:ln w="28575">
+                  <a:solidFill>
+                    <a:srgbClr val="F4F3EE"/>
+                  </a:solidFill>
+                </a:ln>
+              </p:spPr>
+              <p:style>
+                <a:lnRef idx="2">
+                  <a:schemeClr val="accent1">
+                    <a:shade val="15000"/>
+                  </a:schemeClr>
+                </a:lnRef>
+                <a:fillRef idx="1">
+                  <a:schemeClr val="accent1"/>
+                </a:fillRef>
+                <a:effectRef idx="0">
+                  <a:schemeClr val="accent1"/>
+                </a:effectRef>
+                <a:fontRef idx="minor">
+                  <a:schemeClr val="lt1"/>
+                </a:fontRef>
+              </p:style>
+              <p:txBody>
+                <a:bodyPr rtlCol="0" anchor="ctr"/>
+                <a:lstStyle/>
+                <a:p>
+                  <a:pPr algn="ctr"/>
+                  <a:endParaRPr lang="it-IT" dirty="0"/>
+                </a:p>
+              </p:txBody>
+            </p:sp>
+            <p:sp>
+              <p:nvSpPr>
+                <p:cNvPr id="54" name="Arco 53">
+                  <a:extLst>
+                    <a:ext uri="{FF2B5EF4-FFF2-40B4-BE49-F238E27FC236}">
+                      <a16:creationId xmlns:a16="http://schemas.microsoft.com/office/drawing/2014/main" id="{934C8D11-4CE9-908A-45C6-9FEF1C634CDE}"/>
+                    </a:ext>
+                  </a:extLst>
+                </p:cNvPr>
+                <p:cNvSpPr/>
+                <p:nvPr/>
+              </p:nvSpPr>
+              <p:spPr>
+                <a:xfrm rot="19408274">
+                  <a:off x="3696595" y="2785466"/>
+                  <a:ext cx="830580" cy="830580"/>
+                </a:xfrm>
+                <a:prstGeom prst="arc">
+                  <a:avLst>
+                    <a:gd name="adj1" fmla="val 16200000"/>
+                    <a:gd name="adj2" fmla="val 20769370"/>
+                  </a:avLst>
+                </a:prstGeom>
+                <a:ln w="28575">
+                  <a:solidFill>
+                    <a:srgbClr val="F4F3EE"/>
+                  </a:solidFill>
+                </a:ln>
+              </p:spPr>
+              <p:style>
+                <a:lnRef idx="2">
+                  <a:schemeClr val="accent1"/>
+                </a:lnRef>
+                <a:fillRef idx="0">
+                  <a:schemeClr val="accent1"/>
+                </a:fillRef>
+                <a:effectRef idx="1">
+                  <a:schemeClr val="accent1"/>
+                </a:effectRef>
+                <a:fontRef idx="minor">
+                  <a:schemeClr val="tx1"/>
+                </a:fontRef>
+              </p:style>
+              <p:txBody>
+                <a:bodyPr rtlCol="0" anchor="ctr"/>
+                <a:lstStyle/>
+                <a:p>
+                  <a:pPr algn="ctr"/>
+                  <a:endParaRPr lang="it-IT"/>
+                </a:p>
+              </p:txBody>
+            </p:sp>
+            <p:cxnSp>
+              <p:nvCxnSpPr>
+                <p:cNvPr id="62" name="Connettore diritto 61">
+                  <a:extLst>
+                    <a:ext uri="{FF2B5EF4-FFF2-40B4-BE49-F238E27FC236}">
+                      <a16:creationId xmlns:a16="http://schemas.microsoft.com/office/drawing/2014/main" id="{37FA9A2B-CEF5-36ED-C31B-7735F7C05488}"/>
+                    </a:ext>
+                  </a:extLst>
+                </p:cNvPr>
+                <p:cNvCxnSpPr>
+                  <a:cxnSpLocks/>
+                </p:cNvCxnSpPr>
+                <p:nvPr/>
+              </p:nvCxnSpPr>
+              <p:spPr>
+                <a:xfrm flipV="1">
+                  <a:off x="4099445" y="2619854"/>
+                  <a:ext cx="248718" cy="316804"/>
+                </a:xfrm>
+                <a:prstGeom prst="line">
+                  <a:avLst/>
+                </a:prstGeom>
+                <a:ln w="19050">
+                  <a:solidFill>
+                    <a:srgbClr val="F4F3EE"/>
+                  </a:solidFill>
+                  <a:headEnd type="none"/>
+                  <a:tailEnd type="arrow"/>
+                </a:ln>
+              </p:spPr>
+              <p:style>
+                <a:lnRef idx="2">
+                  <a:schemeClr val="accent1"/>
+                </a:lnRef>
+                <a:fillRef idx="0">
+                  <a:schemeClr val="accent1"/>
+                </a:fillRef>
+                <a:effectRef idx="1">
+                  <a:schemeClr val="accent1"/>
+                </a:effectRef>
+                <a:fontRef idx="minor">
+                  <a:schemeClr val="tx1"/>
+                </a:fontRef>
+              </p:style>
+            </p:cxnSp>
+          </p:grpSp>
           <p:sp>
             <p:nvSpPr>
-              <p:cNvPr id="117" name="Rettangolo con angoli arrotondati 116">
+              <p:cNvPr id="33" name="Ovale 32">
                 <a:extLst>
                   <a:ext uri="{FF2B5EF4-FFF2-40B4-BE49-F238E27FC236}">
-                    <a16:creationId xmlns:a16="http://schemas.microsoft.com/office/drawing/2014/main" id="{941965C5-C859-F632-2247-6F931949A54D}"/>
+                    <a16:creationId xmlns:a16="http://schemas.microsoft.com/office/drawing/2014/main" id="{5CBF3841-CBC3-79EF-5365-FE56C3B0AA05}"/>
                   </a:ext>
                 </a:extLst>
               </p:cNvPr>
@@ -40943,18 +42966,16 @@
             </p:nvSpPr>
             <p:spPr>
               <a:xfrm>
-                <a:off x="4962524" y="3262007"/>
-                <a:ext cx="716591" cy="633603"/>
+                <a:off x="9044713" y="3924989"/>
+                <a:ext cx="154963" cy="154963"/>
               </a:xfrm>
-              <a:prstGeom prst="roundRect">
-                <a:avLst>
-                  <a:gd name="adj" fmla="val 8385"/>
-                </a:avLst>
+              <a:prstGeom prst="ellipse">
+                <a:avLst/>
               </a:prstGeom>
               <a:solidFill>
                 <a:srgbClr val="463F3A"/>
               </a:solidFill>
-              <a:ln w="28575">
+              <a:ln>
                 <a:solidFill>
                   <a:srgbClr val="F4F3EE"/>
                 </a:solidFill>
@@ -40981,18 +43002,125 @@
               <a:lstStyle/>
               <a:p>
                 <a:pPr algn="ctr"/>
-                <a:endParaRPr lang="it-IT" dirty="0"/>
+                <a:endParaRPr lang="it-IT"/>
               </a:p>
             </p:txBody>
           </p:sp>
+          <p:grpSp>
+            <p:nvGrpSpPr>
+              <p:cNvPr id="34" name="Gruppo 33">
+                <a:extLst>
+                  <a:ext uri="{FF2B5EF4-FFF2-40B4-BE49-F238E27FC236}">
+                    <a16:creationId xmlns:a16="http://schemas.microsoft.com/office/drawing/2014/main" id="{61D483F0-0EAA-DF03-A6D4-01671FD60859}"/>
+                  </a:ext>
+                </a:extLst>
+              </p:cNvPr>
+              <p:cNvGrpSpPr/>
+              <p:nvPr/>
+            </p:nvGrpSpPr>
+            <p:grpSpPr>
+              <a:xfrm rot="16200000">
+                <a:off x="8270211" y="3053466"/>
+                <a:ext cx="1705851" cy="60960"/>
+                <a:chOff x="1704975" y="5048027"/>
+                <a:chExt cx="8782050" cy="60960"/>
+              </a:xfrm>
+            </p:grpSpPr>
+            <p:cxnSp>
+              <p:nvCxnSpPr>
+                <p:cNvPr id="40" name="Connettore diritto 39">
+                  <a:extLst>
+                    <a:ext uri="{FF2B5EF4-FFF2-40B4-BE49-F238E27FC236}">
+                      <a16:creationId xmlns:a16="http://schemas.microsoft.com/office/drawing/2014/main" id="{9235B898-CB05-FDA4-3973-F64FA6618762}"/>
+                    </a:ext>
+                  </a:extLst>
+                </p:cNvPr>
+                <p:cNvCxnSpPr>
+                  <a:cxnSpLocks/>
+                </p:cNvCxnSpPr>
+                <p:nvPr/>
+              </p:nvCxnSpPr>
+              <p:spPr>
+                <a:xfrm>
+                  <a:off x="1704975" y="5048027"/>
+                  <a:ext cx="8782050" cy="0"/>
+                </a:xfrm>
+                <a:prstGeom prst="line">
+                  <a:avLst/>
+                </a:prstGeom>
+                <a:ln w="19050">
+                  <a:solidFill>
+                    <a:srgbClr val="F4F3EE"/>
+                  </a:solidFill>
+                </a:ln>
+              </p:spPr>
+              <p:style>
+                <a:lnRef idx="2">
+                  <a:schemeClr val="accent1"/>
+                </a:lnRef>
+                <a:fillRef idx="0">
+                  <a:schemeClr val="accent1"/>
+                </a:fillRef>
+                <a:effectRef idx="1">
+                  <a:schemeClr val="accent1"/>
+                </a:effectRef>
+                <a:fontRef idx="minor">
+                  <a:schemeClr val="tx1"/>
+                </a:fontRef>
+              </p:style>
+            </p:cxnSp>
+            <p:cxnSp>
+              <p:nvCxnSpPr>
+                <p:cNvPr id="41" name="Connettore diritto 40">
+                  <a:extLst>
+                    <a:ext uri="{FF2B5EF4-FFF2-40B4-BE49-F238E27FC236}">
+                      <a16:creationId xmlns:a16="http://schemas.microsoft.com/office/drawing/2014/main" id="{5A5668AE-04DE-C663-0662-D1CFF143E324}"/>
+                    </a:ext>
+                  </a:extLst>
+                </p:cNvPr>
+                <p:cNvCxnSpPr>
+                  <a:cxnSpLocks/>
+                </p:cNvCxnSpPr>
+                <p:nvPr/>
+              </p:nvCxnSpPr>
+              <p:spPr>
+                <a:xfrm>
+                  <a:off x="1704975" y="5108987"/>
+                  <a:ext cx="8782050" cy="0"/>
+                </a:xfrm>
+                <a:prstGeom prst="line">
+                  <a:avLst/>
+                </a:prstGeom>
+                <a:ln w="19050">
+                  <a:solidFill>
+                    <a:srgbClr val="F4F3EE"/>
+                  </a:solidFill>
+                </a:ln>
+              </p:spPr>
+              <p:style>
+                <a:lnRef idx="2">
+                  <a:schemeClr val="accent1"/>
+                </a:lnRef>
+                <a:fillRef idx="0">
+                  <a:schemeClr val="accent1"/>
+                </a:fillRef>
+                <a:effectRef idx="1">
+                  <a:schemeClr val="accent1"/>
+                </a:effectRef>
+                <a:fontRef idx="minor">
+                  <a:schemeClr val="tx1"/>
+                </a:fontRef>
+              </p:style>
+            </p:cxnSp>
+          </p:grpSp>
           <mc:AlternateContent xmlns:mc="http://schemas.openxmlformats.org/markup-compatibility/2006" xmlns:a14="http://schemas.microsoft.com/office/drawing/2010/main">
             <mc:Choice Requires="a14">
               <p:sp>
                 <p:nvSpPr>
-                  <p:cNvPr id="118" name="CasellaDiTesto 117">
+                  <p:cNvPr id="35" name="CasellaDiTesto 34">
                     <a:extLst>
                       <a:ext uri="{FF2B5EF4-FFF2-40B4-BE49-F238E27FC236}">
-                        <a16:creationId xmlns:a16="http://schemas.microsoft.com/office/drawing/2014/main" id="{D409C525-F1F9-E9A6-90C4-AA3736011BFB}"/>
+                        <a16:creationId xmlns:a16="http://schemas.microsoft.com/office/drawing/2014/main" id="{F1D2B7DF-61EA-1475-6025-53704A82A2BE}"/>
                       </a:ext>
                     </a:extLst>
                   </p:cNvPr>
@@ -41001,8 +43129,8 @@
                 </p:nvSpPr>
                 <p:spPr>
                   <a:xfrm>
-                    <a:off x="4962524" y="3378753"/>
-                    <a:ext cx="716591" cy="400110"/>
+                    <a:off x="8513813" y="4060192"/>
+                    <a:ext cx="1245336" cy="307777"/>
                   </a:xfrm>
                   <a:prstGeom prst="rect">
                     <a:avLst/>
@@ -41016,31 +43144,34 @@
                   <a:lstStyle/>
                   <a:p>
                     <a:pPr algn="ctr"/>
-                    <a:r>
-                      <a:rPr lang="it-IT" sz="100" dirty="0">
-                        <a:solidFill>
-                          <a:srgbClr val="F4F3EE"/>
-                        </a:solidFill>
-                      </a:rPr>
-                      <a:t> </a:t>
-                    </a:r>
                     <a14:m>
-                      <m:oMath xmlns:m="http://schemas.openxmlformats.org/officeDocument/2006/math">
-                        <m:r>
-                          <m:rPr>
-                            <m:sty m:val="p"/>
-                          </m:rPr>
-                          <a:rPr lang="it-IT" sz="2000" b="0" i="0" smtClean="0">
-                            <a:solidFill>
-                              <a:srgbClr val="F4F3EE"/>
-                            </a:solidFill>
-                            <a:latin typeface="Cambria Math" panose="02040503050406030204" pitchFamily="18" charset="0"/>
-                          </a:rPr>
-                          <m:t>X</m:t>
-                        </m:r>
-                      </m:oMath>
+                      <m:oMathPara xmlns:m="http://schemas.openxmlformats.org/officeDocument/2006/math">
+                        <m:oMathParaPr>
+                          <m:jc m:val="center"/>
+                        </m:oMathParaPr>
+                        <m:oMath xmlns:m="http://schemas.openxmlformats.org/officeDocument/2006/math">
+                          <m:r>
+                            <a:rPr lang="it-IT" sz="1400" b="0" i="1" smtClean="0">
+                              <a:solidFill>
+                                <a:srgbClr val="F4F3EE"/>
+                              </a:solidFill>
+                              <a:latin typeface="Cambria Math" panose="02040503050406030204" pitchFamily="18" charset="0"/>
+                            </a:rPr>
+                            <m:t>𝐶</m:t>
+                          </m:r>
+                          <m:r>
+                            <a:rPr lang="it-IT" sz="1400" b="0" i="1" smtClean="0">
+                              <a:solidFill>
+                                <a:srgbClr val="F4F3EE"/>
+                              </a:solidFill>
+                              <a:latin typeface="Cambria Math" panose="02040503050406030204" pitchFamily="18" charset="0"/>
+                            </a:rPr>
+                            <m:t>=0</m:t>
+                          </m:r>
+                        </m:oMath>
+                      </m:oMathPara>
                     </a14:m>
-                    <a:endParaRPr lang="en-US" sz="2000" dirty="0">
+                    <a:endParaRPr lang="en-US" sz="1400" dirty="0">
                       <a:solidFill>
                         <a:srgbClr val="F4F3EE"/>
                       </a:solidFill>
@@ -41052,10 +43183,10 @@
             <mc:Fallback xmlns="">
               <p:sp>
                 <p:nvSpPr>
-                  <p:cNvPr id="38" name="CasellaDiTesto 37">
+                  <p:cNvPr id="35" name="CasellaDiTesto 34">
                     <a:extLst>
                       <a:ext uri="{FF2B5EF4-FFF2-40B4-BE49-F238E27FC236}">
-                        <a16:creationId xmlns:a16="http://schemas.microsoft.com/office/drawing/2014/main" id="{FB1FEC5D-B49C-E4D7-3C0B-AF9C9DADA08B}"/>
+                        <a16:creationId xmlns:a16="http://schemas.microsoft.com/office/drawing/2014/main" id="{F1D2B7DF-61EA-1475-6025-53704A82A2BE}"/>
                       </a:ext>
                     </a:extLst>
                   </p:cNvPr>
@@ -41066,14 +43197,14 @@
                 </p:nvSpPr>
                 <p:spPr>
                   <a:xfrm>
-                    <a:off x="4962524" y="3378753"/>
-                    <a:ext cx="716591" cy="400110"/>
+                    <a:off x="8513813" y="4060192"/>
+                    <a:ext cx="1245336" cy="307777"/>
                   </a:xfrm>
                   <a:prstGeom prst="rect">
                     <a:avLst/>
                   </a:prstGeom>
                   <a:blipFill>
-                    <a:blip r:embed="rId10"/>
+                    <a:blip r:embed="rId16"/>
                     <a:stretch>
                       <a:fillRect/>
                     </a:stretch>
@@ -41094,2149 +43225,182 @@
               </p:sp>
             </mc:Fallback>
           </mc:AlternateContent>
-        </p:grpSp>
-        <p:sp>
-          <p:nvSpPr>
-            <p:cNvPr id="43" name="Ovale 42">
-              <a:extLst>
-                <a:ext uri="{FF2B5EF4-FFF2-40B4-BE49-F238E27FC236}">
-                  <a16:creationId xmlns:a16="http://schemas.microsoft.com/office/drawing/2014/main" id="{EF847DEE-CF59-AF4E-F2C6-07A0B262E003}"/>
-                </a:ext>
-              </a:extLst>
-            </p:cNvPr>
-            <p:cNvSpPr/>
-            <p:nvPr/>
-          </p:nvSpPr>
-          <p:spPr>
-            <a:xfrm>
-              <a:off x="5191588" y="4147259"/>
-              <a:ext cx="154963" cy="154963"/>
-            </a:xfrm>
-            <a:prstGeom prst="ellipse">
-              <a:avLst/>
-            </a:prstGeom>
-            <a:solidFill>
-              <a:srgbClr val="F4F3EE"/>
-            </a:solidFill>
-            <a:ln>
-              <a:noFill/>
-            </a:ln>
-          </p:spPr>
-          <p:style>
-            <a:lnRef idx="2">
-              <a:schemeClr val="accent1">
-                <a:shade val="15000"/>
-              </a:schemeClr>
-            </a:lnRef>
-            <a:fillRef idx="1">
-              <a:schemeClr val="accent1"/>
-            </a:fillRef>
-            <a:effectRef idx="0">
-              <a:schemeClr val="accent1"/>
-            </a:effectRef>
-            <a:fontRef idx="minor">
-              <a:schemeClr val="lt1"/>
-            </a:fontRef>
-          </p:style>
-          <p:txBody>
-            <a:bodyPr rtlCol="0" anchor="ctr"/>
-            <a:lstStyle/>
-            <a:p>
-              <a:pPr algn="ctr"/>
-              <a:endParaRPr lang="it-IT"/>
-            </a:p>
-          </p:txBody>
-        </p:sp>
-        <p:grpSp>
-          <p:nvGrpSpPr>
-            <p:cNvPr id="44" name="Gruppo 43">
-              <a:extLst>
-                <a:ext uri="{FF2B5EF4-FFF2-40B4-BE49-F238E27FC236}">
-                  <a16:creationId xmlns:a16="http://schemas.microsoft.com/office/drawing/2014/main" id="{976959F3-305B-8C95-687F-07AC385512F5}"/>
-                </a:ext>
-              </a:extLst>
-            </p:cNvPr>
-            <p:cNvGrpSpPr/>
-            <p:nvPr/>
-          </p:nvGrpSpPr>
-          <p:grpSpPr>
-            <a:xfrm rot="16200000">
-              <a:off x="4947590" y="3808620"/>
-              <a:ext cx="644844" cy="60960"/>
-              <a:chOff x="1704975" y="5048027"/>
-              <a:chExt cx="8782050" cy="60960"/>
-            </a:xfrm>
-          </p:grpSpPr>
-          <p:cxnSp>
-            <p:nvCxnSpPr>
-              <p:cNvPr id="115" name="Connettore diritto 114">
+          <p:grpSp>
+            <p:nvGrpSpPr>
+              <p:cNvPr id="36" name="Gruppo 35">
                 <a:extLst>
                   <a:ext uri="{FF2B5EF4-FFF2-40B4-BE49-F238E27FC236}">
-                    <a16:creationId xmlns:a16="http://schemas.microsoft.com/office/drawing/2014/main" id="{A752FC18-FBBD-2A48-D15C-2BCE5127FC0F}"/>
+                    <a16:creationId xmlns:a16="http://schemas.microsoft.com/office/drawing/2014/main" id="{235D4C12-E1A1-D286-0EDC-F15BD8CCCECC}"/>
                   </a:ext>
                 </a:extLst>
               </p:cNvPr>
-              <p:cNvCxnSpPr>
-                <a:cxnSpLocks/>
-              </p:cNvCxnSpPr>
+              <p:cNvGrpSpPr/>
               <p:nvPr/>
-            </p:nvCxnSpPr>
-            <p:spPr>
+            </p:nvGrpSpPr>
+            <p:grpSpPr>
               <a:xfrm>
-                <a:off x="1704975" y="5048027"/>
-                <a:ext cx="8782050" cy="0"/>
+                <a:off x="8704694" y="2660546"/>
+                <a:ext cx="830580" cy="1132498"/>
+                <a:chOff x="3696595" y="2483548"/>
+                <a:chExt cx="830580" cy="1132498"/>
               </a:xfrm>
-              <a:prstGeom prst="line">
-                <a:avLst/>
-              </a:prstGeom>
-              <a:ln w="19050">
-                <a:solidFill>
-                  <a:srgbClr val="F4F3EE"/>
-                </a:solidFill>
-              </a:ln>
-            </p:spPr>
-            <p:style>
-              <a:lnRef idx="2">
-                <a:schemeClr val="accent1"/>
-              </a:lnRef>
-              <a:fillRef idx="0">
-                <a:schemeClr val="accent1"/>
-              </a:fillRef>
-              <a:effectRef idx="1">
-                <a:schemeClr val="accent1"/>
-              </a:effectRef>
-              <a:fontRef idx="minor">
-                <a:schemeClr val="tx1"/>
-              </a:fontRef>
-            </p:style>
-          </p:cxnSp>
-          <p:cxnSp>
-            <p:nvCxnSpPr>
-              <p:cNvPr id="116" name="Connettore diritto 115">
-                <a:extLst>
-                  <a:ext uri="{FF2B5EF4-FFF2-40B4-BE49-F238E27FC236}">
-                    <a16:creationId xmlns:a16="http://schemas.microsoft.com/office/drawing/2014/main" id="{A520F055-3DB9-6A94-4446-3F95A9E34873}"/>
-                  </a:ext>
-                </a:extLst>
-              </p:cNvPr>
-              <p:cNvCxnSpPr>
-                <a:cxnSpLocks/>
-              </p:cNvCxnSpPr>
-              <p:nvPr/>
-            </p:nvCxnSpPr>
-            <p:spPr>
-              <a:xfrm>
-                <a:off x="1704975" y="5108987"/>
-                <a:ext cx="8782050" cy="0"/>
-              </a:xfrm>
-              <a:prstGeom prst="line">
-                <a:avLst/>
-              </a:prstGeom>
-              <a:ln w="19050">
-                <a:solidFill>
-                  <a:srgbClr val="F4F3EE"/>
-                </a:solidFill>
-              </a:ln>
-            </p:spPr>
-            <p:style>
-              <a:lnRef idx="2">
-                <a:schemeClr val="accent1"/>
-              </a:lnRef>
-              <a:fillRef idx="0">
-                <a:schemeClr val="accent1"/>
-              </a:fillRef>
-              <a:effectRef idx="1">
-                <a:schemeClr val="accent1"/>
-              </a:effectRef>
-              <a:fontRef idx="minor">
-                <a:schemeClr val="tx1"/>
-              </a:fontRef>
-            </p:style>
-          </p:cxnSp>
-        </p:grpSp>
-        <mc:AlternateContent xmlns:mc="http://schemas.openxmlformats.org/markup-compatibility/2006" xmlns:a14="http://schemas.microsoft.com/office/drawing/2010/main">
-          <mc:Choice Requires="a14">
+            </p:grpSpPr>
             <p:sp>
               <p:nvSpPr>
-                <p:cNvPr id="45" name="CasellaDiTesto 44">
+                <p:cNvPr id="37" name="Rettangolo con angoli arrotondati 36">
                   <a:extLst>
                     <a:ext uri="{FF2B5EF4-FFF2-40B4-BE49-F238E27FC236}">
-                      <a16:creationId xmlns:a16="http://schemas.microsoft.com/office/drawing/2014/main" id="{1A2FB874-1629-2D7E-0EAA-83BFF4F414AA}"/>
+                      <a16:creationId xmlns:a16="http://schemas.microsoft.com/office/drawing/2014/main" id="{BE9438C2-FA9C-458B-B75A-0CD40220D4A6}"/>
                     </a:ext>
                   </a:extLst>
                 </p:cNvPr>
-                <p:cNvSpPr txBox="1"/>
+                <p:cNvSpPr/>
                 <p:nvPr/>
               </p:nvSpPr>
               <p:spPr>
                 <a:xfrm>
-                  <a:off x="4660688" y="4282462"/>
-                  <a:ext cx="1245336" cy="307777"/>
+                  <a:off x="3750831" y="2483548"/>
+                  <a:ext cx="722108" cy="633603"/>
                 </a:xfrm>
-                <a:prstGeom prst="rect">
-                  <a:avLst/>
+                <a:prstGeom prst="roundRect">
+                  <a:avLst>
+                    <a:gd name="adj" fmla="val 8385"/>
+                  </a:avLst>
                 </a:prstGeom>
-                <a:noFill/>
+                <a:solidFill>
+                  <a:srgbClr val="463F3A"/>
+                </a:solidFill>
+                <a:ln w="28575">
+                  <a:solidFill>
+                    <a:srgbClr val="F4F3EE"/>
+                  </a:solidFill>
+                </a:ln>
               </p:spPr>
+              <p:style>
+                <a:lnRef idx="2">
+                  <a:schemeClr val="accent1">
+                    <a:shade val="15000"/>
+                  </a:schemeClr>
+                </a:lnRef>
+                <a:fillRef idx="1">
+                  <a:schemeClr val="accent1"/>
+                </a:fillRef>
+                <a:effectRef idx="0">
+                  <a:schemeClr val="accent1"/>
+                </a:effectRef>
+                <a:fontRef idx="minor">
+                  <a:schemeClr val="lt1"/>
+                </a:fontRef>
+              </p:style>
               <p:txBody>
-                <a:bodyPr wrap="square" rtlCol="0">
-                  <a:spAutoFit/>
-                </a:bodyPr>
+                <a:bodyPr rtlCol="0" anchor="ctr"/>
                 <a:lstStyle/>
                 <a:p>
                   <a:pPr algn="ctr"/>
-                  <a14:m>
-                    <m:oMathPara xmlns:m="http://schemas.openxmlformats.org/officeDocument/2006/math">
-                      <m:oMathParaPr>
-                        <m:jc m:val="center"/>
-                      </m:oMathParaPr>
-                      <m:oMath xmlns:m="http://schemas.openxmlformats.org/officeDocument/2006/math">
-                        <m:r>
-                          <a:rPr lang="it-IT" sz="1400" b="0" i="1" smtClean="0">
-                            <a:solidFill>
-                              <a:srgbClr val="F4F3EE"/>
-                            </a:solidFill>
-                            <a:latin typeface="Cambria Math" panose="02040503050406030204" pitchFamily="18" charset="0"/>
-                          </a:rPr>
-                          <m:t>𝐶</m:t>
-                        </m:r>
-                        <m:r>
-                          <a:rPr lang="it-IT" sz="1400" b="0" i="1" smtClean="0">
-                            <a:solidFill>
-                              <a:srgbClr val="F4F3EE"/>
-                            </a:solidFill>
-                            <a:latin typeface="Cambria Math" panose="02040503050406030204" pitchFamily="18" charset="0"/>
-                          </a:rPr>
-                          <m:t>=1</m:t>
-                        </m:r>
-                      </m:oMath>
-                    </m:oMathPara>
-                  </a14:m>
-                  <a:endParaRPr lang="en-US" sz="1400" dirty="0">
-                    <a:solidFill>
-                      <a:srgbClr val="F4F3EE"/>
-                    </a:solidFill>
-                  </a:endParaRPr>
+                  <a:endParaRPr lang="it-IT" dirty="0"/>
                 </a:p>
               </p:txBody>
             </p:sp>
-          </mc:Choice>
-          <mc:Fallback xmlns="">
             <p:sp>
               <p:nvSpPr>
-                <p:cNvPr id="42" name="CasellaDiTesto 41">
+                <p:cNvPr id="38" name="Arco 37">
                   <a:extLst>
                     <a:ext uri="{FF2B5EF4-FFF2-40B4-BE49-F238E27FC236}">
-                      <a16:creationId xmlns:a16="http://schemas.microsoft.com/office/drawing/2014/main" id="{171B4E75-3096-C8F9-7412-AD9286187D17}"/>
+                      <a16:creationId xmlns:a16="http://schemas.microsoft.com/office/drawing/2014/main" id="{305724E0-EC11-695C-38CC-A5714AE9E176}"/>
                     </a:ext>
                   </a:extLst>
                 </p:cNvPr>
-                <p:cNvSpPr txBox="1">
-                  <a:spLocks noRot="1" noChangeAspect="1" noMove="1" noResize="1" noEditPoints="1" noAdjustHandles="1" noChangeArrowheads="1" noChangeShapeType="1" noTextEdit="1"/>
-                </p:cNvSpPr>
+                <p:cNvSpPr/>
                 <p:nvPr/>
               </p:nvSpPr>
               <p:spPr>
-                <a:xfrm>
-                  <a:off x="4660688" y="4282462"/>
-                  <a:ext cx="1245336" cy="307777"/>
+                <a:xfrm rot="19408274">
+                  <a:off x="3696595" y="2785466"/>
+                  <a:ext cx="830580" cy="830580"/>
                 </a:xfrm>
-                <a:prstGeom prst="rect">
-                  <a:avLst/>
+                <a:prstGeom prst="arc">
+                  <a:avLst>
+                    <a:gd name="adj1" fmla="val 16200000"/>
+                    <a:gd name="adj2" fmla="val 20769370"/>
+                  </a:avLst>
                 </a:prstGeom>
-                <a:blipFill>
-                  <a:blip r:embed="rId11"/>
-                  <a:stretch>
-                    <a:fillRect/>
-                  </a:stretch>
-                </a:blipFill>
+                <a:ln w="28575">
+                  <a:solidFill>
+                    <a:srgbClr val="F4F3EE"/>
+                  </a:solidFill>
+                </a:ln>
               </p:spPr>
+              <p:style>
+                <a:lnRef idx="2">
+                  <a:schemeClr val="accent1"/>
+                </a:lnRef>
+                <a:fillRef idx="0">
+                  <a:schemeClr val="accent1"/>
+                </a:fillRef>
+                <a:effectRef idx="1">
+                  <a:schemeClr val="accent1"/>
+                </a:effectRef>
+                <a:fontRef idx="minor">
+                  <a:schemeClr val="tx1"/>
+                </a:fontRef>
+              </p:style>
               <p:txBody>
-                <a:bodyPr/>
+                <a:bodyPr rtlCol="0" anchor="ctr"/>
                 <a:lstStyle/>
                 <a:p>
-                  <a:r>
-                    <a:rPr lang="it-IT">
-                      <a:noFill/>
-                    </a:rPr>
-                    <a:t> </a:t>
-                  </a:r>
+                  <a:pPr algn="ctr"/>
+                  <a:endParaRPr lang="it-IT"/>
                 </a:p>
               </p:txBody>
             </p:sp>
-          </mc:Fallback>
-        </mc:AlternateContent>
-        <p:grpSp>
-          <p:nvGrpSpPr>
-            <p:cNvPr id="46" name="Gruppo 45">
-              <a:extLst>
-                <a:ext uri="{FF2B5EF4-FFF2-40B4-BE49-F238E27FC236}">
-                  <a16:creationId xmlns:a16="http://schemas.microsoft.com/office/drawing/2014/main" id="{05786F0B-36D9-70D7-A0E5-A4A19C4A5013}"/>
-                </a:ext>
-              </a:extLst>
-            </p:cNvPr>
-            <p:cNvGrpSpPr/>
-            <p:nvPr/>
-          </p:nvGrpSpPr>
-          <p:grpSpPr>
-            <a:xfrm>
-              <a:off x="5910340" y="1821706"/>
-              <a:ext cx="716591" cy="633603"/>
-              <a:chOff x="4962524" y="3262007"/>
-              <a:chExt cx="716591" cy="633603"/>
-            </a:xfrm>
-          </p:grpSpPr>
-          <p:sp>
-            <p:nvSpPr>
-              <p:cNvPr id="113" name="Rettangolo con angoli arrotondati 112">
-                <a:extLst>
-                  <a:ext uri="{FF2B5EF4-FFF2-40B4-BE49-F238E27FC236}">
-                    <a16:creationId xmlns:a16="http://schemas.microsoft.com/office/drawing/2014/main" id="{827E3E79-02C0-2468-81FC-D540BBE0AF14}"/>
-                  </a:ext>
-                </a:extLst>
-              </p:cNvPr>
-              <p:cNvSpPr/>
-              <p:nvPr/>
-            </p:nvSpPr>
-            <p:spPr>
-              <a:xfrm>
-                <a:off x="4962524" y="3262007"/>
-                <a:ext cx="716591" cy="633603"/>
-              </a:xfrm>
-              <a:prstGeom prst="roundRect">
-                <a:avLst>
-                  <a:gd name="adj" fmla="val 8385"/>
-                </a:avLst>
-              </a:prstGeom>
-              <a:solidFill>
-                <a:srgbClr val="463F3A"/>
-              </a:solidFill>
-              <a:ln w="28575">
-                <a:solidFill>
-                  <a:srgbClr val="F4F3EE"/>
-                </a:solidFill>
-              </a:ln>
-            </p:spPr>
-            <p:style>
-              <a:lnRef idx="2">
-                <a:schemeClr val="accent1">
-                  <a:shade val="15000"/>
-                </a:schemeClr>
-              </a:lnRef>
-              <a:fillRef idx="1">
-                <a:schemeClr val="accent1"/>
-              </a:fillRef>
-              <a:effectRef idx="0">
-                <a:schemeClr val="accent1"/>
-              </a:effectRef>
-              <a:fontRef idx="minor">
-                <a:schemeClr val="lt1"/>
-              </a:fontRef>
-            </p:style>
-            <p:txBody>
-              <a:bodyPr rtlCol="0" anchor="ctr"/>
-              <a:lstStyle/>
-              <a:p>
-                <a:pPr algn="ctr"/>
-                <a:endParaRPr lang="it-IT" dirty="0"/>
-              </a:p>
-            </p:txBody>
-          </p:sp>
-          <mc:AlternateContent xmlns:mc="http://schemas.openxmlformats.org/markup-compatibility/2006" xmlns:a14="http://schemas.microsoft.com/office/drawing/2010/main">
-            <mc:Choice Requires="a14">
-              <p:sp>
-                <p:nvSpPr>
-                  <p:cNvPr id="114" name="CasellaDiTesto 113">
-                    <a:extLst>
-                      <a:ext uri="{FF2B5EF4-FFF2-40B4-BE49-F238E27FC236}">
-                        <a16:creationId xmlns:a16="http://schemas.microsoft.com/office/drawing/2014/main" id="{1E8C7A7A-3D6F-7AC6-CE6D-85E5AFAAE4ED}"/>
-                      </a:ext>
-                    </a:extLst>
-                  </p:cNvPr>
-                  <p:cNvSpPr txBox="1"/>
-                  <p:nvPr/>
-                </p:nvSpPr>
-                <p:spPr>
-                  <a:xfrm>
-                    <a:off x="4962524" y="3378753"/>
-                    <a:ext cx="716591" cy="400110"/>
-                  </a:xfrm>
-                  <a:prstGeom prst="rect">
-                    <a:avLst/>
-                  </a:prstGeom>
-                  <a:noFill/>
-                </p:spPr>
-                <p:txBody>
-                  <a:bodyPr wrap="square" rtlCol="0">
-                    <a:spAutoFit/>
-                  </a:bodyPr>
-                  <a:lstStyle/>
-                  <a:p>
-                    <a:pPr algn="ctr"/>
-                    <a:r>
-                      <a:rPr lang="it-IT" sz="100" dirty="0">
-                        <a:solidFill>
-                          <a:srgbClr val="F4F3EE"/>
-                        </a:solidFill>
-                      </a:rPr>
-                      <a:t> </a:t>
-                    </a:r>
-                    <a14:m>
-                      <m:oMath xmlns:m="http://schemas.openxmlformats.org/officeDocument/2006/math">
-                        <m:r>
-                          <m:rPr>
-                            <m:sty m:val="p"/>
-                          </m:rPr>
-                          <a:rPr lang="it-IT" sz="2000" b="0" i="0" smtClean="0">
-                            <a:solidFill>
-                              <a:srgbClr val="F4F3EE"/>
-                            </a:solidFill>
-                            <a:latin typeface="Cambria Math" panose="02040503050406030204" pitchFamily="18" charset="0"/>
-                          </a:rPr>
-                          <m:t>H</m:t>
-                        </m:r>
-                      </m:oMath>
-                    </a14:m>
-                    <a:endParaRPr lang="en-US" sz="2000" dirty="0">
-                      <a:solidFill>
-                        <a:srgbClr val="F4F3EE"/>
-                      </a:solidFill>
-                    </a:endParaRPr>
-                  </a:p>
-                </p:txBody>
-              </p:sp>
-            </mc:Choice>
-            <mc:Fallback xmlns="">
-              <p:sp>
-                <p:nvSpPr>
-                  <p:cNvPr id="67" name="CasellaDiTesto 66">
-                    <a:extLst>
-                      <a:ext uri="{FF2B5EF4-FFF2-40B4-BE49-F238E27FC236}">
-                        <a16:creationId xmlns:a16="http://schemas.microsoft.com/office/drawing/2014/main" id="{D057BD7F-DAC5-C372-21EA-EC90C0FE927D}"/>
-                      </a:ext>
-                    </a:extLst>
-                  </p:cNvPr>
-                  <p:cNvSpPr txBox="1">
-                    <a:spLocks noRot="1" noChangeAspect="1" noMove="1" noResize="1" noEditPoints="1" noAdjustHandles="1" noChangeArrowheads="1" noChangeShapeType="1" noTextEdit="1"/>
-                  </p:cNvSpPr>
-                  <p:nvPr/>
-                </p:nvSpPr>
-                <p:spPr>
-                  <a:xfrm>
-                    <a:off x="4962524" y="3378753"/>
-                    <a:ext cx="716591" cy="400110"/>
-                  </a:xfrm>
-                  <a:prstGeom prst="rect">
-                    <a:avLst/>
-                  </a:prstGeom>
-                  <a:blipFill>
-                    <a:blip r:embed="rId12"/>
-                    <a:stretch>
-                      <a:fillRect/>
-                    </a:stretch>
-                  </a:blipFill>
-                </p:spPr>
-                <p:txBody>
-                  <a:bodyPr/>
-                  <a:lstStyle/>
-                  <a:p>
-                    <a:r>
-                      <a:rPr lang="it-IT">
-                        <a:noFill/>
-                      </a:rPr>
-                      <a:t> </a:t>
-                    </a:r>
-                  </a:p>
-                </p:txBody>
-              </p:sp>
-            </mc:Fallback>
-          </mc:AlternateContent>
-        </p:grpSp>
-        <p:grpSp>
-          <p:nvGrpSpPr>
-            <p:cNvPr id="47" name="Gruppo 46">
-              <a:extLst>
-                <a:ext uri="{FF2B5EF4-FFF2-40B4-BE49-F238E27FC236}">
-                  <a16:creationId xmlns:a16="http://schemas.microsoft.com/office/drawing/2014/main" id="{50AB01C8-750D-F1DB-6909-6F78684052F1}"/>
-                </a:ext>
-              </a:extLst>
-            </p:cNvPr>
-            <p:cNvGrpSpPr/>
-            <p:nvPr/>
-          </p:nvGrpSpPr>
-          <p:grpSpPr>
-            <a:xfrm>
-              <a:off x="5933230" y="2891634"/>
-              <a:ext cx="716591" cy="633603"/>
-              <a:chOff x="4962524" y="3262007"/>
-              <a:chExt cx="716591" cy="633603"/>
-            </a:xfrm>
-          </p:grpSpPr>
-          <p:sp>
-            <p:nvSpPr>
-              <p:cNvPr id="111" name="Rettangolo con angoli arrotondati 110">
-                <a:extLst>
-                  <a:ext uri="{FF2B5EF4-FFF2-40B4-BE49-F238E27FC236}">
-                    <a16:creationId xmlns:a16="http://schemas.microsoft.com/office/drawing/2014/main" id="{424E5323-39B3-F9A9-D80F-E43B2241EB3B}"/>
-                  </a:ext>
-                </a:extLst>
-              </p:cNvPr>
-              <p:cNvSpPr/>
-              <p:nvPr/>
-            </p:nvSpPr>
-            <p:spPr>
-              <a:xfrm>
-                <a:off x="4962524" y="3262007"/>
-                <a:ext cx="716591" cy="633603"/>
-              </a:xfrm>
-              <a:prstGeom prst="roundRect">
-                <a:avLst>
-                  <a:gd name="adj" fmla="val 8385"/>
-                </a:avLst>
-              </a:prstGeom>
-              <a:solidFill>
-                <a:srgbClr val="463F3A"/>
-              </a:solidFill>
-              <a:ln w="28575">
-                <a:solidFill>
-                  <a:srgbClr val="F4F3EE"/>
-                </a:solidFill>
-              </a:ln>
-            </p:spPr>
-            <p:style>
-              <a:lnRef idx="2">
-                <a:schemeClr val="accent1">
-                  <a:shade val="15000"/>
-                </a:schemeClr>
-              </a:lnRef>
-              <a:fillRef idx="1">
-                <a:schemeClr val="accent1"/>
-              </a:fillRef>
-              <a:effectRef idx="0">
-                <a:schemeClr val="accent1"/>
-              </a:effectRef>
-              <a:fontRef idx="minor">
-                <a:schemeClr val="lt1"/>
-              </a:fontRef>
-            </p:style>
-            <p:txBody>
-              <a:bodyPr rtlCol="0" anchor="ctr"/>
-              <a:lstStyle/>
-              <a:p>
-                <a:pPr algn="ctr"/>
-                <a:endParaRPr lang="it-IT" dirty="0"/>
-              </a:p>
-            </p:txBody>
-          </p:sp>
-          <mc:AlternateContent xmlns:mc="http://schemas.openxmlformats.org/markup-compatibility/2006" xmlns:a14="http://schemas.microsoft.com/office/drawing/2010/main">
-            <mc:Choice Requires="a14">
-              <p:sp>
-                <p:nvSpPr>
-                  <p:cNvPr id="112" name="CasellaDiTesto 111">
-                    <a:extLst>
-                      <a:ext uri="{FF2B5EF4-FFF2-40B4-BE49-F238E27FC236}">
-                        <a16:creationId xmlns:a16="http://schemas.microsoft.com/office/drawing/2014/main" id="{A3F62121-8DD5-07D6-4367-41B5EC2B3A1E}"/>
-                      </a:ext>
-                    </a:extLst>
-                  </p:cNvPr>
-                  <p:cNvSpPr txBox="1"/>
-                  <p:nvPr/>
-                </p:nvSpPr>
-                <p:spPr>
-                  <a:xfrm>
-                    <a:off x="4962524" y="3378753"/>
-                    <a:ext cx="716591" cy="400110"/>
-                  </a:xfrm>
-                  <a:prstGeom prst="rect">
-                    <a:avLst/>
-                  </a:prstGeom>
-                  <a:noFill/>
-                </p:spPr>
-                <p:txBody>
-                  <a:bodyPr wrap="square" rtlCol="0">
-                    <a:spAutoFit/>
-                  </a:bodyPr>
-                  <a:lstStyle/>
-                  <a:p>
-                    <a:pPr algn="ctr"/>
-                    <a:r>
-                      <a:rPr lang="it-IT" sz="100" dirty="0">
-                        <a:solidFill>
-                          <a:srgbClr val="F4F3EE"/>
-                        </a:solidFill>
-                      </a:rPr>
-                      <a:t> </a:t>
-                    </a:r>
-                    <a14:m>
-                      <m:oMath xmlns:m="http://schemas.openxmlformats.org/officeDocument/2006/math">
-                        <m:r>
-                          <m:rPr>
-                            <m:sty m:val="p"/>
-                          </m:rPr>
-                          <a:rPr lang="it-IT" sz="2000" b="0" i="0" smtClean="0">
-                            <a:solidFill>
-                              <a:srgbClr val="F4F3EE"/>
-                            </a:solidFill>
-                            <a:latin typeface="Cambria Math" panose="02040503050406030204" pitchFamily="18" charset="0"/>
-                          </a:rPr>
-                          <m:t>H</m:t>
-                        </m:r>
-                      </m:oMath>
-                    </a14:m>
-                    <a:endParaRPr lang="en-US" sz="2000" dirty="0">
-                      <a:solidFill>
-                        <a:srgbClr val="F4F3EE"/>
-                      </a:solidFill>
-                    </a:endParaRPr>
-                  </a:p>
-                </p:txBody>
-              </p:sp>
-            </mc:Choice>
-            <mc:Fallback xmlns="">
-              <p:sp>
-                <p:nvSpPr>
-                  <p:cNvPr id="70" name="CasellaDiTesto 69">
-                    <a:extLst>
-                      <a:ext uri="{FF2B5EF4-FFF2-40B4-BE49-F238E27FC236}">
-                        <a16:creationId xmlns:a16="http://schemas.microsoft.com/office/drawing/2014/main" id="{2F3BAE76-8ADC-69E8-ADC7-6DDC1F00E498}"/>
-                      </a:ext>
-                    </a:extLst>
-                  </p:cNvPr>
-                  <p:cNvSpPr txBox="1">
-                    <a:spLocks noRot="1" noChangeAspect="1" noMove="1" noResize="1" noEditPoints="1" noAdjustHandles="1" noChangeArrowheads="1" noChangeShapeType="1" noTextEdit="1"/>
-                  </p:cNvSpPr>
-                  <p:nvPr/>
-                </p:nvSpPr>
-                <p:spPr>
-                  <a:xfrm>
-                    <a:off x="4962524" y="3378753"/>
-                    <a:ext cx="716591" cy="400110"/>
-                  </a:xfrm>
-                  <a:prstGeom prst="rect">
-                    <a:avLst/>
-                  </a:prstGeom>
-                  <a:blipFill>
-                    <a:blip r:embed="rId13"/>
-                    <a:stretch>
-                      <a:fillRect/>
-                    </a:stretch>
-                  </a:blipFill>
-                </p:spPr>
-                <p:txBody>
-                  <a:bodyPr/>
-                  <a:lstStyle/>
-                  <a:p>
-                    <a:r>
-                      <a:rPr lang="it-IT">
-                        <a:noFill/>
-                      </a:rPr>
-                      <a:t> </a:t>
-                    </a:r>
-                  </a:p>
-                </p:txBody>
-              </p:sp>
-            </mc:Fallback>
-          </mc:AlternateContent>
-        </p:grpSp>
-        <p:sp>
-          <p:nvSpPr>
-            <p:cNvPr id="48" name="Ovale 47">
-              <a:extLst>
-                <a:ext uri="{FF2B5EF4-FFF2-40B4-BE49-F238E27FC236}">
-                  <a16:creationId xmlns:a16="http://schemas.microsoft.com/office/drawing/2014/main" id="{8805BA70-E59D-E1A4-E6E9-6AB12EEC8AB2}"/>
-                </a:ext>
-              </a:extLst>
-            </p:cNvPr>
-            <p:cNvSpPr/>
-            <p:nvPr/>
-          </p:nvSpPr>
-          <p:spPr>
-            <a:xfrm>
-              <a:off x="6211505" y="4155425"/>
-              <a:ext cx="154963" cy="154963"/>
-            </a:xfrm>
-            <a:prstGeom prst="ellipse">
-              <a:avLst/>
-            </a:prstGeom>
-            <a:solidFill>
-              <a:srgbClr val="463F3A"/>
-            </a:solidFill>
-            <a:ln>
-              <a:solidFill>
-                <a:srgbClr val="F4F3EE"/>
-              </a:solidFill>
-            </a:ln>
-          </p:spPr>
-          <p:style>
-            <a:lnRef idx="2">
-              <a:schemeClr val="accent1">
-                <a:shade val="15000"/>
-              </a:schemeClr>
-            </a:lnRef>
-            <a:fillRef idx="1">
-              <a:schemeClr val="accent1"/>
-            </a:fillRef>
-            <a:effectRef idx="0">
-              <a:schemeClr val="accent1"/>
-            </a:effectRef>
-            <a:fontRef idx="minor">
-              <a:schemeClr val="lt1"/>
-            </a:fontRef>
-          </p:style>
-          <p:txBody>
-            <a:bodyPr rtlCol="0" anchor="ctr"/>
-            <a:lstStyle/>
-            <a:p>
-              <a:pPr algn="ctr"/>
-              <a:endParaRPr lang="it-IT"/>
-            </a:p>
-          </p:txBody>
-        </p:sp>
-        <p:grpSp>
-          <p:nvGrpSpPr>
-            <p:cNvPr id="49" name="Gruppo 48">
-              <a:extLst>
-                <a:ext uri="{FF2B5EF4-FFF2-40B4-BE49-F238E27FC236}">
-                  <a16:creationId xmlns:a16="http://schemas.microsoft.com/office/drawing/2014/main" id="{23529117-177E-8C80-8BB1-19823F438896}"/>
-                </a:ext>
-              </a:extLst>
-            </p:cNvPr>
-            <p:cNvGrpSpPr/>
-            <p:nvPr/>
-          </p:nvGrpSpPr>
-          <p:grpSpPr>
-            <a:xfrm rot="16200000">
-              <a:off x="5964614" y="3811512"/>
-              <a:ext cx="650630" cy="60960"/>
-              <a:chOff x="1704975" y="5048027"/>
-              <a:chExt cx="8782050" cy="60960"/>
-            </a:xfrm>
-          </p:grpSpPr>
-          <p:cxnSp>
-            <p:nvCxnSpPr>
-              <p:cNvPr id="109" name="Connettore diritto 108">
-                <a:extLst>
-                  <a:ext uri="{FF2B5EF4-FFF2-40B4-BE49-F238E27FC236}">
-                    <a16:creationId xmlns:a16="http://schemas.microsoft.com/office/drawing/2014/main" id="{A59E3454-8237-A839-8B0E-4D4F1BD775F8}"/>
-                  </a:ext>
-                </a:extLst>
-              </p:cNvPr>
-              <p:cNvCxnSpPr>
-                <a:cxnSpLocks/>
-              </p:cNvCxnSpPr>
-              <p:nvPr/>
-            </p:nvCxnSpPr>
-            <p:spPr>
-              <a:xfrm>
-                <a:off x="1704975" y="5048027"/>
-                <a:ext cx="8782050" cy="0"/>
-              </a:xfrm>
-              <a:prstGeom prst="line">
-                <a:avLst/>
-              </a:prstGeom>
-              <a:ln w="19050">
-                <a:solidFill>
-                  <a:srgbClr val="F4F3EE"/>
-                </a:solidFill>
-              </a:ln>
-            </p:spPr>
-            <p:style>
-              <a:lnRef idx="2">
-                <a:schemeClr val="accent1"/>
-              </a:lnRef>
-              <a:fillRef idx="0">
-                <a:schemeClr val="accent1"/>
-              </a:fillRef>
-              <a:effectRef idx="1">
-                <a:schemeClr val="accent1"/>
-              </a:effectRef>
-              <a:fontRef idx="minor">
-                <a:schemeClr val="tx1"/>
-              </a:fontRef>
-            </p:style>
-          </p:cxnSp>
-          <p:cxnSp>
-            <p:nvCxnSpPr>
-              <p:cNvPr id="110" name="Connettore diritto 109">
-                <a:extLst>
-                  <a:ext uri="{FF2B5EF4-FFF2-40B4-BE49-F238E27FC236}">
-                    <a16:creationId xmlns:a16="http://schemas.microsoft.com/office/drawing/2014/main" id="{E0541E43-82F0-5445-7D55-00C8FFC51F77}"/>
-                  </a:ext>
-                </a:extLst>
-              </p:cNvPr>
-              <p:cNvCxnSpPr>
-                <a:cxnSpLocks/>
-              </p:cNvCxnSpPr>
-              <p:nvPr/>
-            </p:nvCxnSpPr>
-            <p:spPr>
-              <a:xfrm>
-                <a:off x="1704975" y="5108987"/>
-                <a:ext cx="8782050" cy="0"/>
-              </a:xfrm>
-              <a:prstGeom prst="line">
-                <a:avLst/>
-              </a:prstGeom>
-              <a:ln w="19050">
-                <a:solidFill>
-                  <a:srgbClr val="F4F3EE"/>
-                </a:solidFill>
-              </a:ln>
-            </p:spPr>
-            <p:style>
-              <a:lnRef idx="2">
-                <a:schemeClr val="accent1"/>
-              </a:lnRef>
-              <a:fillRef idx="0">
-                <a:schemeClr val="accent1"/>
-              </a:fillRef>
-              <a:effectRef idx="1">
-                <a:schemeClr val="accent1"/>
-              </a:effectRef>
-              <a:fontRef idx="minor">
-                <a:schemeClr val="tx1"/>
-              </a:fontRef>
-            </p:style>
-          </p:cxnSp>
-        </p:grpSp>
-        <mc:AlternateContent xmlns:mc="http://schemas.openxmlformats.org/markup-compatibility/2006" xmlns:a14="http://schemas.microsoft.com/office/drawing/2010/main">
-          <mc:Choice Requires="a14">
-            <p:sp>
-              <p:nvSpPr>
-                <p:cNvPr id="50" name="CasellaDiTesto 49">
+            <p:cxnSp>
+              <p:nvCxnSpPr>
+                <p:cNvPr id="39" name="Connettore diritto 38">
                   <a:extLst>
                     <a:ext uri="{FF2B5EF4-FFF2-40B4-BE49-F238E27FC236}">
-                      <a16:creationId xmlns:a16="http://schemas.microsoft.com/office/drawing/2014/main" id="{4730460B-0D52-BBF9-CEF3-47612A526B9C}"/>
+                      <a16:creationId xmlns:a16="http://schemas.microsoft.com/office/drawing/2014/main" id="{3F38858D-7B5B-4253-5B99-D9A76C9725EA}"/>
                     </a:ext>
                   </a:extLst>
                 </p:cNvPr>
-                <p:cNvSpPr txBox="1"/>
+                <p:cNvCxnSpPr>
+                  <a:cxnSpLocks/>
+                </p:cNvCxnSpPr>
                 <p:nvPr/>
-              </p:nvSpPr>
+              </p:nvCxnSpPr>
               <p:spPr>
-                <a:xfrm>
-                  <a:off x="5680605" y="4290628"/>
-                  <a:ext cx="1245336" cy="307777"/>
+                <a:xfrm flipV="1">
+                  <a:off x="4099445" y="2619854"/>
+                  <a:ext cx="248718" cy="316804"/>
                 </a:xfrm>
-                <a:prstGeom prst="rect">
+                <a:prstGeom prst="line">
                   <a:avLst/>
                 </a:prstGeom>
-                <a:noFill/>
+                <a:ln w="19050">
+                  <a:solidFill>
+                    <a:srgbClr val="F4F3EE"/>
+                  </a:solidFill>
+                  <a:headEnd type="none"/>
+                  <a:tailEnd type="arrow"/>
+                </a:ln>
               </p:spPr>
-              <p:txBody>
-                <a:bodyPr wrap="square" rtlCol="0">
-                  <a:spAutoFit/>
-                </a:bodyPr>
-                <a:lstStyle/>
-                <a:p>
-                  <a:pPr algn="ctr"/>
-                  <a14:m>
-                    <m:oMathPara xmlns:m="http://schemas.openxmlformats.org/officeDocument/2006/math">
-                      <m:oMathParaPr>
-                        <m:jc m:val="center"/>
-                      </m:oMathParaPr>
-                      <m:oMath xmlns:m="http://schemas.openxmlformats.org/officeDocument/2006/math">
-                        <m:r>
-                          <a:rPr lang="it-IT" sz="1400" b="0" i="1" smtClean="0">
-                            <a:solidFill>
-                              <a:srgbClr val="F4F3EE"/>
-                            </a:solidFill>
-                            <a:latin typeface="Cambria Math" panose="02040503050406030204" pitchFamily="18" charset="0"/>
-                          </a:rPr>
-                          <m:t>𝐶</m:t>
-                        </m:r>
-                        <m:r>
-                          <a:rPr lang="it-IT" sz="1400" b="0" i="1" smtClean="0">
-                            <a:solidFill>
-                              <a:srgbClr val="F4F3EE"/>
-                            </a:solidFill>
-                            <a:latin typeface="Cambria Math" panose="02040503050406030204" pitchFamily="18" charset="0"/>
-                          </a:rPr>
-                          <m:t>=0</m:t>
-                        </m:r>
-                      </m:oMath>
-                    </m:oMathPara>
-                  </a14:m>
-                  <a:endParaRPr lang="en-US" sz="1400" dirty="0">
-                    <a:solidFill>
-                      <a:srgbClr val="F4F3EE"/>
-                    </a:solidFill>
-                  </a:endParaRPr>
-                </a:p>
-              </p:txBody>
-            </p:sp>
-          </mc:Choice>
-          <mc:Fallback xmlns="">
-            <p:sp>
-              <p:nvSpPr>
-                <p:cNvPr id="79" name="CasellaDiTesto 78">
-                  <a:extLst>
-                    <a:ext uri="{FF2B5EF4-FFF2-40B4-BE49-F238E27FC236}">
-                      <a16:creationId xmlns:a16="http://schemas.microsoft.com/office/drawing/2014/main" id="{B4E2FF95-7051-8A3F-022D-1C3C5146DD64}"/>
-                    </a:ext>
-                  </a:extLst>
-                </p:cNvPr>
-                <p:cNvSpPr txBox="1">
-                  <a:spLocks noRot="1" noChangeAspect="1" noMove="1" noResize="1" noEditPoints="1" noAdjustHandles="1" noChangeArrowheads="1" noChangeShapeType="1" noTextEdit="1"/>
-                </p:cNvSpPr>
-                <p:nvPr/>
-              </p:nvSpPr>
-              <p:spPr>
-                <a:xfrm>
-                  <a:off x="5680605" y="4290628"/>
-                  <a:ext cx="1245336" cy="307777"/>
-                </a:xfrm>
-                <a:prstGeom prst="rect">
-                  <a:avLst/>
-                </a:prstGeom>
-                <a:blipFill>
-                  <a:blip r:embed="rId14"/>
-                  <a:stretch>
-                    <a:fillRect/>
-                  </a:stretch>
-                </a:blipFill>
-              </p:spPr>
-              <p:txBody>
-                <a:bodyPr/>
-                <a:lstStyle/>
-                <a:p>
-                  <a:r>
-                    <a:rPr lang="it-IT">
-                      <a:noFill/>
-                    </a:rPr>
-                    <a:t> </a:t>
-                  </a:r>
-                </a:p>
-              </p:txBody>
-            </p:sp>
-          </mc:Fallback>
-        </mc:AlternateContent>
-        <p:sp>
-          <p:nvSpPr>
-            <p:cNvPr id="51" name="Ovale 50">
-              <a:extLst>
-                <a:ext uri="{FF2B5EF4-FFF2-40B4-BE49-F238E27FC236}">
-                  <a16:creationId xmlns:a16="http://schemas.microsoft.com/office/drawing/2014/main" id="{A6279486-295E-0315-425D-2F6B7CCEB2B4}"/>
-                </a:ext>
-              </a:extLst>
-            </p:cNvPr>
-            <p:cNvSpPr/>
-            <p:nvPr/>
-          </p:nvSpPr>
-          <p:spPr>
-            <a:xfrm>
-              <a:off x="7408878" y="2058185"/>
-              <a:ext cx="154963" cy="154963"/>
-            </a:xfrm>
-            <a:prstGeom prst="ellipse">
-              <a:avLst/>
-            </a:prstGeom>
-            <a:solidFill>
-              <a:srgbClr val="F4F3EE"/>
-            </a:solidFill>
-            <a:ln>
-              <a:noFill/>
-            </a:ln>
-          </p:spPr>
-          <p:style>
-            <a:lnRef idx="2">
-              <a:schemeClr val="accent1">
-                <a:shade val="15000"/>
-              </a:schemeClr>
-            </a:lnRef>
-            <a:fillRef idx="1">
-              <a:schemeClr val="accent1"/>
-            </a:fillRef>
-            <a:effectRef idx="0">
-              <a:schemeClr val="accent1"/>
-            </a:effectRef>
-            <a:fontRef idx="minor">
-              <a:schemeClr val="lt1"/>
-            </a:fontRef>
-          </p:style>
-          <p:txBody>
-            <a:bodyPr rtlCol="0" anchor="ctr"/>
-            <a:lstStyle/>
-            <a:p>
-              <a:pPr algn="ctr"/>
-              <a:endParaRPr lang="it-IT"/>
-            </a:p>
-          </p:txBody>
-        </p:sp>
-        <p:cxnSp>
-          <p:nvCxnSpPr>
-            <p:cNvPr id="52" name="Connettore diritto 51">
-              <a:extLst>
-                <a:ext uri="{FF2B5EF4-FFF2-40B4-BE49-F238E27FC236}">
-                  <a16:creationId xmlns:a16="http://schemas.microsoft.com/office/drawing/2014/main" id="{B07A79F9-FA1F-E1B3-E905-8152E33303BE}"/>
-                </a:ext>
-              </a:extLst>
-            </p:cNvPr>
-            <p:cNvCxnSpPr>
-              <a:cxnSpLocks/>
-            </p:cNvCxnSpPr>
-            <p:nvPr/>
-          </p:nvCxnSpPr>
-          <p:spPr>
-            <a:xfrm flipV="1">
-              <a:off x="7486360" y="2165235"/>
-              <a:ext cx="0" cy="1034641"/>
-            </a:xfrm>
-            <a:prstGeom prst="line">
-              <a:avLst/>
-            </a:prstGeom>
-            <a:ln w="19050">
-              <a:solidFill>
-                <a:srgbClr val="F4F3EE"/>
-              </a:solidFill>
-            </a:ln>
-          </p:spPr>
-          <p:style>
-            <a:lnRef idx="2">
-              <a:schemeClr val="accent1"/>
-            </a:lnRef>
-            <a:fillRef idx="0">
-              <a:schemeClr val="accent1"/>
-            </a:fillRef>
-            <a:effectRef idx="1">
-              <a:schemeClr val="accent1"/>
-            </a:effectRef>
-            <a:fontRef idx="minor">
-              <a:schemeClr val="tx1"/>
-            </a:fontRef>
-          </p:style>
-        </p:cxnSp>
-        <p:sp>
-          <p:nvSpPr>
-            <p:cNvPr id="53" name="Ovale 52">
-              <a:extLst>
-                <a:ext uri="{FF2B5EF4-FFF2-40B4-BE49-F238E27FC236}">
-                  <a16:creationId xmlns:a16="http://schemas.microsoft.com/office/drawing/2014/main" id="{155CAC47-0189-DFC6-2738-EAE4109B6311}"/>
-                </a:ext>
-              </a:extLst>
-            </p:cNvPr>
-            <p:cNvSpPr/>
-            <p:nvPr/>
-          </p:nvSpPr>
-          <p:spPr>
-            <a:xfrm>
-              <a:off x="7262988" y="2977066"/>
-              <a:ext cx="446741" cy="446741"/>
-            </a:xfrm>
-            <a:prstGeom prst="ellipse">
-              <a:avLst/>
-            </a:prstGeom>
-            <a:solidFill>
-              <a:srgbClr val="F4F3EE"/>
-            </a:solidFill>
-            <a:ln>
-              <a:noFill/>
-            </a:ln>
-          </p:spPr>
-          <p:style>
-            <a:lnRef idx="2">
-              <a:schemeClr val="accent1">
-                <a:shade val="15000"/>
-              </a:schemeClr>
-            </a:lnRef>
-            <a:fillRef idx="1">
-              <a:schemeClr val="accent1"/>
-            </a:fillRef>
-            <a:effectRef idx="0">
-              <a:schemeClr val="accent1"/>
-            </a:effectRef>
-            <a:fontRef idx="minor">
-              <a:schemeClr val="lt1"/>
-            </a:fontRef>
-          </p:style>
-          <p:txBody>
-            <a:bodyPr rtlCol="0" anchor="ctr"/>
-            <a:lstStyle/>
-            <a:p>
-              <a:pPr algn="ctr"/>
-              <a:endParaRPr lang="it-IT"/>
-            </a:p>
-          </p:txBody>
-        </p:sp>
-        <p:sp>
-          <p:nvSpPr>
-            <p:cNvPr id="55" name="CasellaDiTesto 54">
-              <a:extLst>
-                <a:ext uri="{FF2B5EF4-FFF2-40B4-BE49-F238E27FC236}">
-                  <a16:creationId xmlns:a16="http://schemas.microsoft.com/office/drawing/2014/main" id="{1F1F73A7-F9BF-C7B4-34AF-398FB20BB35F}"/>
-                </a:ext>
-              </a:extLst>
-            </p:cNvPr>
-            <p:cNvSpPr txBox="1"/>
-            <p:nvPr/>
-          </p:nvSpPr>
-          <p:spPr>
-            <a:xfrm>
-              <a:off x="7074495" y="2854492"/>
-              <a:ext cx="830076" cy="707886"/>
-            </a:xfrm>
-            <a:prstGeom prst="rect">
-              <a:avLst/>
-            </a:prstGeom>
-            <a:noFill/>
-          </p:spPr>
-          <p:txBody>
-            <a:bodyPr wrap="square" rtlCol="0">
-              <a:spAutoFit/>
-            </a:bodyPr>
-            <a:lstStyle/>
-            <a:p>
-              <a:pPr algn="ctr"/>
-              <a:r>
-                <a:rPr lang="en-US" sz="4000" noProof="0" dirty="0">
-                  <a:solidFill>
-                    <a:srgbClr val="463F3A"/>
-                  </a:solidFill>
-                </a:rPr>
-                <a:t>+</a:t>
-              </a:r>
-            </a:p>
-          </p:txBody>
-        </p:sp>
-        <p:sp>
-          <p:nvSpPr>
-            <p:cNvPr id="56" name="Ovale 55">
-              <a:extLst>
-                <a:ext uri="{FF2B5EF4-FFF2-40B4-BE49-F238E27FC236}">
-                  <a16:creationId xmlns:a16="http://schemas.microsoft.com/office/drawing/2014/main" id="{D70A84EB-D326-568E-15DF-DC3B16BF86A9}"/>
-                </a:ext>
-              </a:extLst>
-            </p:cNvPr>
-            <p:cNvSpPr/>
-            <p:nvPr/>
-          </p:nvSpPr>
-          <p:spPr>
-            <a:xfrm>
-              <a:off x="7413482" y="4160786"/>
-              <a:ext cx="154963" cy="154963"/>
-            </a:xfrm>
-            <a:prstGeom prst="ellipse">
-              <a:avLst/>
-            </a:prstGeom>
-            <a:solidFill>
-              <a:srgbClr val="F4F3EE"/>
-            </a:solidFill>
-            <a:ln>
-              <a:noFill/>
-            </a:ln>
-          </p:spPr>
-          <p:style>
-            <a:lnRef idx="2">
-              <a:schemeClr val="accent1">
-                <a:shade val="15000"/>
-              </a:schemeClr>
-            </a:lnRef>
-            <a:fillRef idx="1">
-              <a:schemeClr val="accent1"/>
-            </a:fillRef>
-            <a:effectRef idx="0">
-              <a:schemeClr val="accent1"/>
-            </a:effectRef>
-            <a:fontRef idx="minor">
-              <a:schemeClr val="lt1"/>
-            </a:fontRef>
-          </p:style>
-          <p:txBody>
-            <a:bodyPr rtlCol="0" anchor="ctr"/>
-            <a:lstStyle/>
-            <a:p>
-              <a:pPr algn="ctr"/>
-              <a:endParaRPr lang="it-IT"/>
-            </a:p>
-          </p:txBody>
-        </p:sp>
-        <p:grpSp>
-          <p:nvGrpSpPr>
-            <p:cNvPr id="57" name="Gruppo 56">
-              <a:extLst>
-                <a:ext uri="{FF2B5EF4-FFF2-40B4-BE49-F238E27FC236}">
-                  <a16:creationId xmlns:a16="http://schemas.microsoft.com/office/drawing/2014/main" id="{EE8956B2-9B45-DB8B-9EE7-6738200AC6F8}"/>
-                </a:ext>
-              </a:extLst>
-            </p:cNvPr>
-            <p:cNvGrpSpPr/>
-            <p:nvPr/>
-          </p:nvGrpSpPr>
-          <p:grpSpPr>
-            <a:xfrm rot="16200000">
-              <a:off x="7074828" y="3727492"/>
-              <a:ext cx="834155" cy="60960"/>
-              <a:chOff x="1704975" y="5048027"/>
-              <a:chExt cx="8782050" cy="60960"/>
-            </a:xfrm>
-          </p:grpSpPr>
-          <p:cxnSp>
-            <p:nvCxnSpPr>
-              <p:cNvPr id="107" name="Connettore diritto 106">
-                <a:extLst>
-                  <a:ext uri="{FF2B5EF4-FFF2-40B4-BE49-F238E27FC236}">
-                    <a16:creationId xmlns:a16="http://schemas.microsoft.com/office/drawing/2014/main" id="{5C9FD8ED-738B-7F1F-675A-4254A30A28EF}"/>
-                  </a:ext>
-                </a:extLst>
-              </p:cNvPr>
-              <p:cNvCxnSpPr>
-                <a:cxnSpLocks/>
-              </p:cNvCxnSpPr>
-              <p:nvPr/>
-            </p:nvCxnSpPr>
-            <p:spPr>
-              <a:xfrm>
-                <a:off x="1704975" y="5048027"/>
-                <a:ext cx="8782050" cy="0"/>
-              </a:xfrm>
-              <a:prstGeom prst="line">
-                <a:avLst/>
-              </a:prstGeom>
-              <a:ln w="19050">
-                <a:solidFill>
-                  <a:srgbClr val="F4F3EE"/>
-                </a:solidFill>
-              </a:ln>
-            </p:spPr>
-            <p:style>
-              <a:lnRef idx="2">
-                <a:schemeClr val="accent1"/>
-              </a:lnRef>
-              <a:fillRef idx="0">
-                <a:schemeClr val="accent1"/>
-              </a:fillRef>
-              <a:effectRef idx="1">
-                <a:schemeClr val="accent1"/>
-              </a:effectRef>
-              <a:fontRef idx="minor">
-                <a:schemeClr val="tx1"/>
-              </a:fontRef>
-            </p:style>
-          </p:cxnSp>
-          <p:cxnSp>
-            <p:nvCxnSpPr>
-              <p:cNvPr id="108" name="Connettore diritto 107">
-                <a:extLst>
-                  <a:ext uri="{FF2B5EF4-FFF2-40B4-BE49-F238E27FC236}">
-                    <a16:creationId xmlns:a16="http://schemas.microsoft.com/office/drawing/2014/main" id="{28FD9FDC-A0B0-B977-8144-E535864A1160}"/>
-                  </a:ext>
-                </a:extLst>
-              </p:cNvPr>
-              <p:cNvCxnSpPr>
-                <a:cxnSpLocks/>
-              </p:cNvCxnSpPr>
-              <p:nvPr/>
-            </p:nvCxnSpPr>
-            <p:spPr>
-              <a:xfrm>
-                <a:off x="1704975" y="5108987"/>
-                <a:ext cx="8782050" cy="0"/>
-              </a:xfrm>
-              <a:prstGeom prst="line">
-                <a:avLst/>
-              </a:prstGeom>
-              <a:ln w="19050">
-                <a:solidFill>
-                  <a:srgbClr val="F4F3EE"/>
-                </a:solidFill>
-              </a:ln>
-            </p:spPr>
-            <p:style>
-              <a:lnRef idx="2">
-                <a:schemeClr val="accent1"/>
-              </a:lnRef>
-              <a:fillRef idx="0">
-                <a:schemeClr val="accent1"/>
-              </a:fillRef>
-              <a:effectRef idx="1">
-                <a:schemeClr val="accent1"/>
-              </a:effectRef>
-              <a:fontRef idx="minor">
-                <a:schemeClr val="tx1"/>
-              </a:fontRef>
-            </p:style>
-          </p:cxnSp>
-        </p:grpSp>
-        <mc:AlternateContent xmlns:mc="http://schemas.openxmlformats.org/markup-compatibility/2006" xmlns:a14="http://schemas.microsoft.com/office/drawing/2010/main">
-          <mc:Choice Requires="a14">
-            <p:sp>
-              <p:nvSpPr>
-                <p:cNvPr id="58" name="CasellaDiTesto 57">
-                  <a:extLst>
-                    <a:ext uri="{FF2B5EF4-FFF2-40B4-BE49-F238E27FC236}">
-                      <a16:creationId xmlns:a16="http://schemas.microsoft.com/office/drawing/2014/main" id="{C66F7467-6B00-C19D-7ECB-D22010F89E60}"/>
-                    </a:ext>
-                  </a:extLst>
-                </p:cNvPr>
-                <p:cNvSpPr txBox="1"/>
-                <p:nvPr/>
-              </p:nvSpPr>
-              <p:spPr>
-                <a:xfrm>
-                  <a:off x="6882582" y="4295989"/>
-                  <a:ext cx="1245336" cy="307777"/>
-                </a:xfrm>
-                <a:prstGeom prst="rect">
-                  <a:avLst/>
-                </a:prstGeom>
-                <a:noFill/>
-              </p:spPr>
-              <p:txBody>
-                <a:bodyPr wrap="square" rtlCol="0">
-                  <a:spAutoFit/>
-                </a:bodyPr>
-                <a:lstStyle/>
-                <a:p>
-                  <a:pPr algn="ctr"/>
-                  <a14:m>
-                    <m:oMathPara xmlns:m="http://schemas.openxmlformats.org/officeDocument/2006/math">
-                      <m:oMathParaPr>
-                        <m:jc m:val="center"/>
-                      </m:oMathParaPr>
-                      <m:oMath xmlns:m="http://schemas.openxmlformats.org/officeDocument/2006/math">
-                        <m:r>
-                          <a:rPr lang="it-IT" sz="1400" b="0" i="1" smtClean="0">
-                            <a:solidFill>
-                              <a:srgbClr val="F4F3EE"/>
-                            </a:solidFill>
-                            <a:latin typeface="Cambria Math" panose="02040503050406030204" pitchFamily="18" charset="0"/>
-                          </a:rPr>
-                          <m:t>𝐶</m:t>
-                        </m:r>
-                        <m:r>
-                          <a:rPr lang="it-IT" sz="1400" b="0" i="1" smtClean="0">
-                            <a:solidFill>
-                              <a:srgbClr val="F4F3EE"/>
-                            </a:solidFill>
-                            <a:latin typeface="Cambria Math" panose="02040503050406030204" pitchFamily="18" charset="0"/>
-                          </a:rPr>
-                          <m:t>=1</m:t>
-                        </m:r>
-                      </m:oMath>
-                    </m:oMathPara>
-                  </a14:m>
-                  <a:endParaRPr lang="en-US" sz="1400" dirty="0">
-                    <a:solidFill>
-                      <a:srgbClr val="F4F3EE"/>
-                    </a:solidFill>
-                  </a:endParaRPr>
-                </a:p>
-              </p:txBody>
-            </p:sp>
-          </mc:Choice>
-          <mc:Fallback xmlns="">
-            <p:sp>
-              <p:nvSpPr>
-                <p:cNvPr id="90" name="CasellaDiTesto 89">
-                  <a:extLst>
-                    <a:ext uri="{FF2B5EF4-FFF2-40B4-BE49-F238E27FC236}">
-                      <a16:creationId xmlns:a16="http://schemas.microsoft.com/office/drawing/2014/main" id="{A57628C0-EA6C-EC92-50B0-5C25E4BF6F39}"/>
-                    </a:ext>
-                  </a:extLst>
-                </p:cNvPr>
-                <p:cNvSpPr txBox="1">
-                  <a:spLocks noRot="1" noChangeAspect="1" noMove="1" noResize="1" noEditPoints="1" noAdjustHandles="1" noChangeArrowheads="1" noChangeShapeType="1" noTextEdit="1"/>
-                </p:cNvSpPr>
-                <p:nvPr/>
-              </p:nvSpPr>
-              <p:spPr>
-                <a:xfrm>
-                  <a:off x="6882582" y="4295989"/>
-                  <a:ext cx="1245336" cy="307777"/>
-                </a:xfrm>
-                <a:prstGeom prst="rect">
-                  <a:avLst/>
-                </a:prstGeom>
-                <a:blipFill>
-                  <a:blip r:embed="rId15"/>
-                  <a:stretch>
-                    <a:fillRect/>
-                  </a:stretch>
-                </a:blipFill>
-              </p:spPr>
-              <p:txBody>
-                <a:bodyPr/>
-                <a:lstStyle/>
-                <a:p>
-                  <a:r>
-                    <a:rPr lang="it-IT">
-                      <a:noFill/>
-                    </a:rPr>
-                    <a:t> </a:t>
-                  </a:r>
-                </a:p>
-              </p:txBody>
-            </p:sp>
-          </mc:Fallback>
-        </mc:AlternateContent>
-        <p:grpSp>
-          <p:nvGrpSpPr>
-            <p:cNvPr id="59" name="Gruppo 58">
-              <a:extLst>
-                <a:ext uri="{FF2B5EF4-FFF2-40B4-BE49-F238E27FC236}">
-                  <a16:creationId xmlns:a16="http://schemas.microsoft.com/office/drawing/2014/main" id="{9820E457-2644-1595-6C2E-D38578F5AF06}"/>
-                </a:ext>
-              </a:extLst>
-            </p:cNvPr>
-            <p:cNvGrpSpPr/>
-            <p:nvPr/>
-          </p:nvGrpSpPr>
-          <p:grpSpPr>
-            <a:xfrm>
-              <a:off x="8571574" y="1827853"/>
-              <a:ext cx="830580" cy="1132498"/>
-              <a:chOff x="3696595" y="2483548"/>
-              <a:chExt cx="830580" cy="1132498"/>
-            </a:xfrm>
-          </p:grpSpPr>
-          <p:sp>
-            <p:nvSpPr>
-              <p:cNvPr id="104" name="Rettangolo con angoli arrotondati 103">
-                <a:extLst>
-                  <a:ext uri="{FF2B5EF4-FFF2-40B4-BE49-F238E27FC236}">
-                    <a16:creationId xmlns:a16="http://schemas.microsoft.com/office/drawing/2014/main" id="{13E184B9-6506-2B6F-F3A7-F9B0F71FD625}"/>
-                  </a:ext>
-                </a:extLst>
-              </p:cNvPr>
-              <p:cNvSpPr/>
-              <p:nvPr/>
-            </p:nvSpPr>
-            <p:spPr>
-              <a:xfrm>
-                <a:off x="3750831" y="2483548"/>
-                <a:ext cx="722108" cy="633603"/>
-              </a:xfrm>
-              <a:prstGeom prst="roundRect">
-                <a:avLst>
-                  <a:gd name="adj" fmla="val 8385"/>
-                </a:avLst>
-              </a:prstGeom>
-              <a:solidFill>
-                <a:srgbClr val="463F3A"/>
-              </a:solidFill>
-              <a:ln w="28575">
-                <a:solidFill>
-                  <a:srgbClr val="F4F3EE"/>
-                </a:solidFill>
-              </a:ln>
-            </p:spPr>
-            <p:style>
-              <a:lnRef idx="2">
-                <a:schemeClr val="accent1">
-                  <a:shade val="15000"/>
-                </a:schemeClr>
-              </a:lnRef>
-              <a:fillRef idx="1">
-                <a:schemeClr val="accent1"/>
-              </a:fillRef>
-              <a:effectRef idx="0">
-                <a:schemeClr val="accent1"/>
-              </a:effectRef>
-              <a:fontRef idx="minor">
-                <a:schemeClr val="lt1"/>
-              </a:fontRef>
-            </p:style>
-            <p:txBody>
-              <a:bodyPr rtlCol="0" anchor="ctr"/>
-              <a:lstStyle/>
-              <a:p>
-                <a:pPr algn="ctr"/>
-                <a:endParaRPr lang="it-IT" dirty="0"/>
-              </a:p>
-            </p:txBody>
-          </p:sp>
-          <p:sp>
-            <p:nvSpPr>
-              <p:cNvPr id="105" name="Arco 104">
-                <a:extLst>
-                  <a:ext uri="{FF2B5EF4-FFF2-40B4-BE49-F238E27FC236}">
-                    <a16:creationId xmlns:a16="http://schemas.microsoft.com/office/drawing/2014/main" id="{DC893C2F-7546-339B-A259-FB96686BDFA2}"/>
-                  </a:ext>
-                </a:extLst>
-              </p:cNvPr>
-              <p:cNvSpPr/>
-              <p:nvPr/>
-            </p:nvSpPr>
-            <p:spPr>
-              <a:xfrm rot="19408274">
-                <a:off x="3696595" y="2785466"/>
-                <a:ext cx="830580" cy="830580"/>
-              </a:xfrm>
-              <a:prstGeom prst="arc">
-                <a:avLst>
-                  <a:gd name="adj1" fmla="val 16200000"/>
-                  <a:gd name="adj2" fmla="val 20769370"/>
-                </a:avLst>
-              </a:prstGeom>
-              <a:ln w="28575">
-                <a:solidFill>
-                  <a:srgbClr val="F4F3EE"/>
-                </a:solidFill>
-              </a:ln>
-            </p:spPr>
-            <p:style>
-              <a:lnRef idx="2">
-                <a:schemeClr val="accent1"/>
-              </a:lnRef>
-              <a:fillRef idx="0">
-                <a:schemeClr val="accent1"/>
-              </a:fillRef>
-              <a:effectRef idx="1">
-                <a:schemeClr val="accent1"/>
-              </a:effectRef>
-              <a:fontRef idx="minor">
-                <a:schemeClr val="tx1"/>
-              </a:fontRef>
-            </p:style>
-            <p:txBody>
-              <a:bodyPr rtlCol="0" anchor="ctr"/>
-              <a:lstStyle/>
-              <a:p>
-                <a:pPr algn="ctr"/>
-                <a:endParaRPr lang="it-IT"/>
-              </a:p>
-            </p:txBody>
-          </p:sp>
-          <p:cxnSp>
-            <p:nvCxnSpPr>
-              <p:cNvPr id="106" name="Connettore diritto 105">
-                <a:extLst>
-                  <a:ext uri="{FF2B5EF4-FFF2-40B4-BE49-F238E27FC236}">
-                    <a16:creationId xmlns:a16="http://schemas.microsoft.com/office/drawing/2014/main" id="{2172CC02-7C4E-FD25-77F8-7EDC1F8477FB}"/>
-                  </a:ext>
-                </a:extLst>
-              </p:cNvPr>
-              <p:cNvCxnSpPr>
-                <a:cxnSpLocks/>
-              </p:cNvCxnSpPr>
-              <p:nvPr/>
-            </p:nvCxnSpPr>
-            <p:spPr>
-              <a:xfrm flipV="1">
-                <a:off x="4099445" y="2619854"/>
-                <a:ext cx="248718" cy="316804"/>
-              </a:xfrm>
-              <a:prstGeom prst="line">
-                <a:avLst/>
-              </a:prstGeom>
-              <a:ln w="19050">
-                <a:solidFill>
-                  <a:srgbClr val="F4F3EE"/>
-                </a:solidFill>
-                <a:headEnd type="none"/>
-                <a:tailEnd type="arrow"/>
-              </a:ln>
-            </p:spPr>
-            <p:style>
-              <a:lnRef idx="2">
-                <a:schemeClr val="accent1"/>
-              </a:lnRef>
-              <a:fillRef idx="0">
-                <a:schemeClr val="accent1"/>
-              </a:fillRef>
-              <a:effectRef idx="1">
-                <a:schemeClr val="accent1"/>
-              </a:effectRef>
-              <a:fontRef idx="minor">
-                <a:schemeClr val="tx1"/>
-              </a:fontRef>
-            </p:style>
-          </p:cxnSp>
-        </p:grpSp>
-        <p:sp>
-          <p:nvSpPr>
-            <p:cNvPr id="60" name="Ovale 59">
-              <a:extLst>
-                <a:ext uri="{FF2B5EF4-FFF2-40B4-BE49-F238E27FC236}">
-                  <a16:creationId xmlns:a16="http://schemas.microsoft.com/office/drawing/2014/main" id="{2371A59F-5206-A7F9-55C5-063DAD17BFAD}"/>
-                </a:ext>
-              </a:extLst>
-            </p:cNvPr>
-            <p:cNvSpPr/>
-            <p:nvPr/>
-          </p:nvSpPr>
-          <p:spPr>
-            <a:xfrm>
-              <a:off x="8911593" y="4155425"/>
-              <a:ext cx="154963" cy="154963"/>
-            </a:xfrm>
-            <a:prstGeom prst="ellipse">
-              <a:avLst/>
-            </a:prstGeom>
-            <a:solidFill>
-              <a:srgbClr val="463F3A"/>
-            </a:solidFill>
-            <a:ln>
-              <a:solidFill>
-                <a:srgbClr val="F4F3EE"/>
-              </a:solidFill>
-            </a:ln>
-          </p:spPr>
-          <p:style>
-            <a:lnRef idx="2">
-              <a:schemeClr val="accent1">
-                <a:shade val="15000"/>
-              </a:schemeClr>
-            </a:lnRef>
-            <a:fillRef idx="1">
-              <a:schemeClr val="accent1"/>
-            </a:fillRef>
-            <a:effectRef idx="0">
-              <a:schemeClr val="accent1"/>
-            </a:effectRef>
-            <a:fontRef idx="minor">
-              <a:schemeClr val="lt1"/>
-            </a:fontRef>
-          </p:style>
-          <p:txBody>
-            <a:bodyPr rtlCol="0" anchor="ctr"/>
-            <a:lstStyle/>
-            <a:p>
-              <a:pPr algn="ctr"/>
-              <a:endParaRPr lang="it-IT"/>
-            </a:p>
-          </p:txBody>
-        </p:sp>
-        <p:grpSp>
-          <p:nvGrpSpPr>
-            <p:cNvPr id="61" name="Gruppo 60">
-              <a:extLst>
-                <a:ext uri="{FF2B5EF4-FFF2-40B4-BE49-F238E27FC236}">
-                  <a16:creationId xmlns:a16="http://schemas.microsoft.com/office/drawing/2014/main" id="{2F78510C-1949-06E4-A681-763337053475}"/>
-                </a:ext>
-              </a:extLst>
-            </p:cNvPr>
-            <p:cNvGrpSpPr/>
-            <p:nvPr/>
-          </p:nvGrpSpPr>
-          <p:grpSpPr>
-            <a:xfrm rot="16200000">
-              <a:off x="8137091" y="3283902"/>
-              <a:ext cx="1705851" cy="60960"/>
-              <a:chOff x="1704975" y="5048027"/>
-              <a:chExt cx="8782050" cy="60960"/>
-            </a:xfrm>
-          </p:grpSpPr>
-          <p:cxnSp>
-            <p:nvCxnSpPr>
-              <p:cNvPr id="82" name="Connettore diritto 81">
-                <a:extLst>
-                  <a:ext uri="{FF2B5EF4-FFF2-40B4-BE49-F238E27FC236}">
-                    <a16:creationId xmlns:a16="http://schemas.microsoft.com/office/drawing/2014/main" id="{3E9E31A3-7E7F-368B-5E7E-5BB99C7A148E}"/>
-                  </a:ext>
-                </a:extLst>
-              </p:cNvPr>
-              <p:cNvCxnSpPr>
-                <a:cxnSpLocks/>
-              </p:cNvCxnSpPr>
-              <p:nvPr/>
-            </p:nvCxnSpPr>
-            <p:spPr>
-              <a:xfrm>
-                <a:off x="1704975" y="5048027"/>
-                <a:ext cx="8782050" cy="0"/>
-              </a:xfrm>
-              <a:prstGeom prst="line">
-                <a:avLst/>
-              </a:prstGeom>
-              <a:ln w="19050">
-                <a:solidFill>
-                  <a:srgbClr val="F4F3EE"/>
-                </a:solidFill>
-              </a:ln>
-            </p:spPr>
-            <p:style>
-              <a:lnRef idx="2">
-                <a:schemeClr val="accent1"/>
-              </a:lnRef>
-              <a:fillRef idx="0">
-                <a:schemeClr val="accent1"/>
-              </a:fillRef>
-              <a:effectRef idx="1">
-                <a:schemeClr val="accent1"/>
-              </a:effectRef>
-              <a:fontRef idx="minor">
-                <a:schemeClr val="tx1"/>
-              </a:fontRef>
-            </p:style>
-          </p:cxnSp>
-          <p:cxnSp>
-            <p:nvCxnSpPr>
-              <p:cNvPr id="84" name="Connettore diritto 83">
-                <a:extLst>
-                  <a:ext uri="{FF2B5EF4-FFF2-40B4-BE49-F238E27FC236}">
-                    <a16:creationId xmlns:a16="http://schemas.microsoft.com/office/drawing/2014/main" id="{21A89835-1D46-B895-DD82-AFC354C98B7D}"/>
-                  </a:ext>
-                </a:extLst>
-              </p:cNvPr>
-              <p:cNvCxnSpPr>
-                <a:cxnSpLocks/>
-              </p:cNvCxnSpPr>
-              <p:nvPr/>
-            </p:nvCxnSpPr>
-            <p:spPr>
-              <a:xfrm>
-                <a:off x="1704975" y="5108987"/>
-                <a:ext cx="8782050" cy="0"/>
-              </a:xfrm>
-              <a:prstGeom prst="line">
-                <a:avLst/>
-              </a:prstGeom>
-              <a:ln w="19050">
-                <a:solidFill>
-                  <a:srgbClr val="F4F3EE"/>
-                </a:solidFill>
-              </a:ln>
-            </p:spPr>
-            <p:style>
-              <a:lnRef idx="2">
-                <a:schemeClr val="accent1"/>
-              </a:lnRef>
-              <a:fillRef idx="0">
-                <a:schemeClr val="accent1"/>
-              </a:fillRef>
-              <a:effectRef idx="1">
-                <a:schemeClr val="accent1"/>
-              </a:effectRef>
-              <a:fontRef idx="minor">
-                <a:schemeClr val="tx1"/>
-              </a:fontRef>
-            </p:style>
-          </p:cxnSp>
-        </p:grpSp>
-        <mc:AlternateContent xmlns:mc="http://schemas.openxmlformats.org/markup-compatibility/2006" xmlns:a14="http://schemas.microsoft.com/office/drawing/2010/main">
-          <mc:Choice Requires="a14">
-            <p:sp>
-              <p:nvSpPr>
-                <p:cNvPr id="64" name="CasellaDiTesto 63">
-                  <a:extLst>
-                    <a:ext uri="{FF2B5EF4-FFF2-40B4-BE49-F238E27FC236}">
-                      <a16:creationId xmlns:a16="http://schemas.microsoft.com/office/drawing/2014/main" id="{67828047-5192-E3C7-4FF2-15FF56573162}"/>
-                    </a:ext>
-                  </a:extLst>
-                </p:cNvPr>
-                <p:cNvSpPr txBox="1"/>
-                <p:nvPr/>
-              </p:nvSpPr>
-              <p:spPr>
-                <a:xfrm>
-                  <a:off x="8380693" y="4290628"/>
-                  <a:ext cx="1245336" cy="307777"/>
-                </a:xfrm>
-                <a:prstGeom prst="rect">
-                  <a:avLst/>
-                </a:prstGeom>
-                <a:noFill/>
-              </p:spPr>
-              <p:txBody>
-                <a:bodyPr wrap="square" rtlCol="0">
-                  <a:spAutoFit/>
-                </a:bodyPr>
-                <a:lstStyle/>
-                <a:p>
-                  <a:pPr algn="ctr"/>
-                  <a14:m>
-                    <m:oMathPara xmlns:m="http://schemas.openxmlformats.org/officeDocument/2006/math">
-                      <m:oMathParaPr>
-                        <m:jc m:val="center"/>
-                      </m:oMathParaPr>
-                      <m:oMath xmlns:m="http://schemas.openxmlformats.org/officeDocument/2006/math">
-                        <m:r>
-                          <a:rPr lang="it-IT" sz="1400" b="0" i="1" smtClean="0">
-                            <a:solidFill>
-                              <a:srgbClr val="F4F3EE"/>
-                            </a:solidFill>
-                            <a:latin typeface="Cambria Math" panose="02040503050406030204" pitchFamily="18" charset="0"/>
-                          </a:rPr>
-                          <m:t>𝐶</m:t>
-                        </m:r>
-                        <m:r>
-                          <a:rPr lang="it-IT" sz="1400" b="0" i="1" smtClean="0">
-                            <a:solidFill>
-                              <a:srgbClr val="F4F3EE"/>
-                            </a:solidFill>
-                            <a:latin typeface="Cambria Math" panose="02040503050406030204" pitchFamily="18" charset="0"/>
-                          </a:rPr>
-                          <m:t>=0</m:t>
-                        </m:r>
-                      </m:oMath>
-                    </m:oMathPara>
-                  </a14:m>
-                  <a:endParaRPr lang="en-US" sz="1400" dirty="0">
-                    <a:solidFill>
-                      <a:srgbClr val="F4F3EE"/>
-                    </a:solidFill>
-                  </a:endParaRPr>
-                </a:p>
-              </p:txBody>
-            </p:sp>
-          </mc:Choice>
-          <mc:Fallback xmlns="">
-            <p:sp>
-              <p:nvSpPr>
-                <p:cNvPr id="103" name="CasellaDiTesto 102">
-                  <a:extLst>
-                    <a:ext uri="{FF2B5EF4-FFF2-40B4-BE49-F238E27FC236}">
-                      <a16:creationId xmlns:a16="http://schemas.microsoft.com/office/drawing/2014/main" id="{416A46B6-65AF-BF5F-8E9C-04CBF35D91C5}"/>
-                    </a:ext>
-                  </a:extLst>
-                </p:cNvPr>
-                <p:cNvSpPr txBox="1">
-                  <a:spLocks noRot="1" noChangeAspect="1" noMove="1" noResize="1" noEditPoints="1" noAdjustHandles="1" noChangeArrowheads="1" noChangeShapeType="1" noTextEdit="1"/>
-                </p:cNvSpPr>
-                <p:nvPr/>
-              </p:nvSpPr>
-              <p:spPr>
-                <a:xfrm>
-                  <a:off x="8380693" y="4290628"/>
-                  <a:ext cx="1245336" cy="307777"/>
-                </a:xfrm>
-                <a:prstGeom prst="rect">
-                  <a:avLst/>
-                </a:prstGeom>
-                <a:blipFill>
-                  <a:blip r:embed="rId14"/>
-                  <a:stretch>
-                    <a:fillRect/>
-                  </a:stretch>
-                </a:blipFill>
-              </p:spPr>
-              <p:txBody>
-                <a:bodyPr/>
-                <a:lstStyle/>
-                <a:p>
-                  <a:r>
-                    <a:rPr lang="it-IT">
-                      <a:noFill/>
-                    </a:rPr>
-                    <a:t> </a:t>
-                  </a:r>
-                </a:p>
-              </p:txBody>
-            </p:sp>
-          </mc:Fallback>
-        </mc:AlternateContent>
-        <p:grpSp>
-          <p:nvGrpSpPr>
-            <p:cNvPr id="71" name="Gruppo 70">
-              <a:extLst>
-                <a:ext uri="{FF2B5EF4-FFF2-40B4-BE49-F238E27FC236}">
-                  <a16:creationId xmlns:a16="http://schemas.microsoft.com/office/drawing/2014/main" id="{BC3FD01D-ED3B-8995-F857-D50AD35B2743}"/>
-                </a:ext>
-              </a:extLst>
-            </p:cNvPr>
-            <p:cNvGrpSpPr/>
-            <p:nvPr/>
-          </p:nvGrpSpPr>
-          <p:grpSpPr>
-            <a:xfrm>
-              <a:off x="8571574" y="2890982"/>
-              <a:ext cx="830580" cy="1132498"/>
-              <a:chOff x="3696595" y="2483548"/>
-              <a:chExt cx="830580" cy="1132498"/>
-            </a:xfrm>
-          </p:grpSpPr>
-          <p:sp>
-            <p:nvSpPr>
-              <p:cNvPr id="72" name="Rettangolo con angoli arrotondati 71">
-                <a:extLst>
-                  <a:ext uri="{FF2B5EF4-FFF2-40B4-BE49-F238E27FC236}">
-                    <a16:creationId xmlns:a16="http://schemas.microsoft.com/office/drawing/2014/main" id="{0B6F5D51-6371-69EE-83BE-DEA7CFCE66B1}"/>
-                  </a:ext>
-                </a:extLst>
-              </p:cNvPr>
-              <p:cNvSpPr/>
-              <p:nvPr/>
-            </p:nvSpPr>
-            <p:spPr>
-              <a:xfrm>
-                <a:off x="3750831" y="2483548"/>
-                <a:ext cx="722108" cy="633603"/>
-              </a:xfrm>
-              <a:prstGeom prst="roundRect">
-                <a:avLst>
-                  <a:gd name="adj" fmla="val 8385"/>
-                </a:avLst>
-              </a:prstGeom>
-              <a:solidFill>
-                <a:srgbClr val="463F3A"/>
-              </a:solidFill>
-              <a:ln w="28575">
-                <a:solidFill>
-                  <a:srgbClr val="F4F3EE"/>
-                </a:solidFill>
-              </a:ln>
-            </p:spPr>
-            <p:style>
-              <a:lnRef idx="2">
-                <a:schemeClr val="accent1">
-                  <a:shade val="15000"/>
-                </a:schemeClr>
-              </a:lnRef>
-              <a:fillRef idx="1">
-                <a:schemeClr val="accent1"/>
-              </a:fillRef>
-              <a:effectRef idx="0">
-                <a:schemeClr val="accent1"/>
-              </a:effectRef>
-              <a:fontRef idx="minor">
-                <a:schemeClr val="lt1"/>
-              </a:fontRef>
-            </p:style>
-            <p:txBody>
-              <a:bodyPr rtlCol="0" anchor="ctr"/>
-              <a:lstStyle/>
-              <a:p>
-                <a:pPr algn="ctr"/>
-                <a:endParaRPr lang="it-IT" dirty="0"/>
-              </a:p>
-            </p:txBody>
-          </p:sp>
-          <p:sp>
-            <p:nvSpPr>
-              <p:cNvPr id="73" name="Arco 72">
-                <a:extLst>
-                  <a:ext uri="{FF2B5EF4-FFF2-40B4-BE49-F238E27FC236}">
-                    <a16:creationId xmlns:a16="http://schemas.microsoft.com/office/drawing/2014/main" id="{1FED1D15-E230-7C3E-7FF5-5AF75DFA8DFF}"/>
-                  </a:ext>
-                </a:extLst>
-              </p:cNvPr>
-              <p:cNvSpPr/>
-              <p:nvPr/>
-            </p:nvSpPr>
-            <p:spPr>
-              <a:xfrm rot="19408274">
-                <a:off x="3696595" y="2785466"/>
-                <a:ext cx="830580" cy="830580"/>
-              </a:xfrm>
-              <a:prstGeom prst="arc">
-                <a:avLst>
-                  <a:gd name="adj1" fmla="val 16200000"/>
-                  <a:gd name="adj2" fmla="val 20769370"/>
-                </a:avLst>
-              </a:prstGeom>
-              <a:ln w="28575">
-                <a:solidFill>
-                  <a:srgbClr val="F4F3EE"/>
-                </a:solidFill>
-              </a:ln>
-            </p:spPr>
-            <p:style>
-              <a:lnRef idx="2">
-                <a:schemeClr val="accent1"/>
-              </a:lnRef>
-              <a:fillRef idx="0">
-                <a:schemeClr val="accent1"/>
-              </a:fillRef>
-              <a:effectRef idx="1">
-                <a:schemeClr val="accent1"/>
-              </a:effectRef>
-              <a:fontRef idx="minor">
-                <a:schemeClr val="tx1"/>
-              </a:fontRef>
-            </p:style>
-            <p:txBody>
-              <a:bodyPr rtlCol="0" anchor="ctr"/>
-              <a:lstStyle/>
-              <a:p>
-                <a:pPr algn="ctr"/>
-                <a:endParaRPr lang="it-IT"/>
-              </a:p>
-            </p:txBody>
-          </p:sp>
-          <p:cxnSp>
-            <p:nvCxnSpPr>
-              <p:cNvPr id="74" name="Connettore diritto 73">
-                <a:extLst>
-                  <a:ext uri="{FF2B5EF4-FFF2-40B4-BE49-F238E27FC236}">
-                    <a16:creationId xmlns:a16="http://schemas.microsoft.com/office/drawing/2014/main" id="{8AA9ACB5-CE3E-3698-3DBF-17F58A51DACE}"/>
-                  </a:ext>
-                </a:extLst>
-              </p:cNvPr>
-              <p:cNvCxnSpPr>
-                <a:cxnSpLocks/>
-              </p:cNvCxnSpPr>
-              <p:nvPr/>
-            </p:nvCxnSpPr>
-            <p:spPr>
-              <a:xfrm flipV="1">
-                <a:off x="4099445" y="2619854"/>
-                <a:ext cx="248718" cy="316804"/>
-              </a:xfrm>
-              <a:prstGeom prst="line">
-                <a:avLst/>
-              </a:prstGeom>
-              <a:ln w="19050">
-                <a:solidFill>
-                  <a:srgbClr val="F4F3EE"/>
-                </a:solidFill>
-                <a:headEnd type="none"/>
-                <a:tailEnd type="arrow"/>
-              </a:ln>
-            </p:spPr>
-            <p:style>
-              <a:lnRef idx="2">
-                <a:schemeClr val="accent1"/>
-              </a:lnRef>
-              <a:fillRef idx="0">
-                <a:schemeClr val="accent1"/>
-              </a:fillRef>
-              <a:effectRef idx="1">
-                <a:schemeClr val="accent1"/>
-              </a:effectRef>
-              <a:fontRef idx="minor">
-                <a:schemeClr val="tx1"/>
-              </a:fontRef>
-            </p:style>
-          </p:cxnSp>
+              <p:style>
+                <a:lnRef idx="2">
+                  <a:schemeClr val="accent1"/>
+                </a:lnRef>
+                <a:fillRef idx="0">
+                  <a:schemeClr val="accent1"/>
+                </a:fillRef>
+                <a:effectRef idx="1">
+                  <a:schemeClr val="accent1"/>
+                </a:effectRef>
+                <a:fontRef idx="minor">
+                  <a:schemeClr val="tx1"/>
+                </a:fontRef>
+              </p:style>
+            </p:cxnSp>
+          </p:grpSp>
         </p:grpSp>
       </p:grpSp>
-      <p:cxnSp>
-        <p:nvCxnSpPr>
-          <p:cNvPr id="131" name="Connettore a gomito 78">
-            <a:extLst>
-              <a:ext uri="{FF2B5EF4-FFF2-40B4-BE49-F238E27FC236}">
-                <a16:creationId xmlns:a16="http://schemas.microsoft.com/office/drawing/2014/main" id="{9DFFD6C3-FAF1-641C-DDE3-5ABA04875038}"/>
-              </a:ext>
-            </a:extLst>
-          </p:cNvPr>
-          <p:cNvCxnSpPr>
-            <a:cxnSpLocks/>
-            <a:stCxn id="21" idx="3"/>
-            <a:endCxn id="22" idx="1"/>
-          </p:cNvCxnSpPr>
-          <p:nvPr/>
-        </p:nvCxnSpPr>
-        <p:spPr>
-          <a:xfrm flipV="1">
-            <a:off x="8191500" y="5376746"/>
-            <a:ext cx="1008176" cy="502490"/>
-          </a:xfrm>
-          <a:prstGeom prst="bentConnector3">
-            <a:avLst>
-              <a:gd name="adj1" fmla="val 50000"/>
-            </a:avLst>
-          </a:prstGeom>
-          <a:ln w="28575" cap="rnd">
-            <a:solidFill>
-              <a:srgbClr val="E0AFA0"/>
-            </a:solidFill>
-            <a:bevel/>
-            <a:tailEnd type="arrow"/>
-          </a:ln>
-        </p:spPr>
-        <p:style>
-          <a:lnRef idx="2">
-            <a:schemeClr val="accent1"/>
-          </a:lnRef>
-          <a:fillRef idx="0">
-            <a:schemeClr val="accent1"/>
-          </a:fillRef>
-          <a:effectRef idx="1">
-            <a:schemeClr val="accent1"/>
-          </a:effectRef>
-          <a:fontRef idx="minor">
-            <a:schemeClr val="tx1"/>
-          </a:fontRef>
-        </p:style>
-      </p:cxnSp>
-      <p:cxnSp>
-        <p:nvCxnSpPr>
-          <p:cNvPr id="135" name="Connettore a gomito 78">
-            <a:extLst>
-              <a:ext uri="{FF2B5EF4-FFF2-40B4-BE49-F238E27FC236}">
-                <a16:creationId xmlns:a16="http://schemas.microsoft.com/office/drawing/2014/main" id="{FFB4F66A-28B8-231B-C9BB-252D3F61256D}"/>
-              </a:ext>
-            </a:extLst>
-          </p:cNvPr>
-          <p:cNvCxnSpPr>
-            <a:cxnSpLocks/>
-            <a:stCxn id="21" idx="3"/>
-            <a:endCxn id="23" idx="1"/>
-          </p:cNvCxnSpPr>
-          <p:nvPr/>
-        </p:nvCxnSpPr>
-        <p:spPr>
-          <a:xfrm>
-            <a:off x="8191500" y="5879236"/>
-            <a:ext cx="1008176" cy="502492"/>
-          </a:xfrm>
-          <a:prstGeom prst="bentConnector3">
-            <a:avLst>
-              <a:gd name="adj1" fmla="val 50000"/>
-            </a:avLst>
-          </a:prstGeom>
-          <a:ln w="28575" cap="rnd">
-            <a:solidFill>
-              <a:srgbClr val="E0AFA0"/>
-            </a:solidFill>
-            <a:bevel/>
-            <a:tailEnd type="arrow"/>
-          </a:ln>
-        </p:spPr>
-        <p:style>
-          <a:lnRef idx="2">
-            <a:schemeClr val="accent1"/>
-          </a:lnRef>
-          <a:fillRef idx="0">
-            <a:schemeClr val="accent1"/>
-          </a:fillRef>
-          <a:effectRef idx="1">
-            <a:schemeClr val="accent1"/>
-          </a:effectRef>
-          <a:fontRef idx="minor">
-            <a:schemeClr val="tx1"/>
-          </a:fontRef>
-        </p:style>
-      </p:cxnSp>
-      <p:sp>
-        <p:nvSpPr>
-          <p:cNvPr id="4" name="CasellaDiTesto 3">
-            <a:extLst>
-              <a:ext uri="{FF2B5EF4-FFF2-40B4-BE49-F238E27FC236}">
-                <a16:creationId xmlns:a16="http://schemas.microsoft.com/office/drawing/2014/main" id="{597FD7CE-FDDC-803E-E4AF-11E2E4DBFDEA}"/>
-              </a:ext>
-            </a:extLst>
-          </p:cNvPr>
-          <p:cNvSpPr txBox="1"/>
-          <p:nvPr/>
-        </p:nvSpPr>
-        <p:spPr>
-          <a:xfrm>
-            <a:off x="2041859" y="447853"/>
-            <a:ext cx="8108283" cy="338554"/>
-          </a:xfrm>
-          <a:prstGeom prst="rect">
-            <a:avLst/>
-          </a:prstGeom>
-          <a:noFill/>
-        </p:spPr>
-        <p:txBody>
-          <a:bodyPr wrap="square" rtlCol="0">
-            <a:spAutoFit/>
-          </a:bodyPr>
-          <a:lstStyle/>
-          <a:p>
-            <a:pPr algn="ctr"/>
-            <a:r>
-              <a:rPr lang="en-US" sz="1600" spc="300" noProof="0" dirty="0">
-                <a:solidFill>
-                  <a:srgbClr val="F4F3EE"/>
-                </a:solidFill>
-              </a:rPr>
-              <a:t>CIRCUIT </a:t>
-            </a:r>
-            <a:r>
-              <a:rPr lang="en-US" sz="1600" b="1" spc="300" noProof="0" dirty="0">
-                <a:solidFill>
-                  <a:srgbClr val="F4F3EE"/>
-                </a:solidFill>
-              </a:rPr>
-              <a:t>ANALYSIS</a:t>
-            </a:r>
-          </a:p>
-        </p:txBody>
-      </p:sp>
     </p:spTree>
     <p:extLst>
       <p:ext uri="{BB962C8B-B14F-4D97-AF65-F5344CB8AC3E}">
@@ -43846,8 +44010,8 @@
           </mc:Fallback>
         </mc:AlternateContent>
       </p:grpSp>
-      <mc:AlternateContent xmlns:mc="http://schemas.openxmlformats.org/markup-compatibility/2006">
-        <mc:Choice xmlns:a14="http://schemas.microsoft.com/office/drawing/2010/main" Requires="a14">
+      <mc:AlternateContent xmlns:mc="http://schemas.openxmlformats.org/markup-compatibility/2006" xmlns:a14="http://schemas.microsoft.com/office/drawing/2010/main">
+        <mc:Choice Requires="a14">
           <p:sp>
             <p:nvSpPr>
               <p:cNvPr id="5" name="CasellaDiTesto 4">
@@ -43952,7 +44116,7 @@
             </p:txBody>
           </p:sp>
         </mc:Choice>
-        <mc:Fallback>
+        <mc:Fallback xmlns="">
           <p:sp>
             <p:nvSpPr>
               <p:cNvPr id="5" name="CasellaDiTesto 4">
@@ -45558,10 +45722,10 @@
         </p:nvGrpSpPr>
         <p:grpSpPr>
           <a:xfrm>
-            <a:off x="6124021" y="1061489"/>
-            <a:ext cx="5212552" cy="4735022"/>
+            <a:off x="6124021" y="956163"/>
+            <a:ext cx="5212552" cy="4945675"/>
             <a:chOff x="6221854" y="913852"/>
-            <a:chExt cx="5212552" cy="4735022"/>
+            <a:chExt cx="5212552" cy="4945675"/>
           </a:xfrm>
         </p:grpSpPr>
         <mc:AlternateContent xmlns:mc="http://schemas.openxmlformats.org/markup-compatibility/2006">
@@ -45580,7 +45744,7 @@
               </p:nvSpPr>
               <p:spPr>
                 <a:xfrm>
-                  <a:off x="6442530" y="3453600"/>
+                  <a:off x="6442530" y="3343221"/>
                   <a:ext cx="4771201" cy="1004506"/>
                 </a:xfrm>
                 <a:prstGeom prst="rect">
@@ -46054,7 +46218,7 @@
               </p:nvSpPr>
               <p:spPr>
                 <a:xfrm>
-                  <a:off x="6442530" y="3453600"/>
+                  <a:off x="6442530" y="3343221"/>
                   <a:ext cx="4771201" cy="1004506"/>
                 </a:xfrm>
                 <a:prstGeom prst="rect">
@@ -46082,8 +46246,8 @@
             </p:sp>
           </mc:Fallback>
         </mc:AlternateContent>
-        <mc:AlternateContent xmlns:mc="http://schemas.openxmlformats.org/markup-compatibility/2006">
-          <mc:Choice xmlns:a14="http://schemas.microsoft.com/office/drawing/2010/main" Requires="a14">
+        <mc:AlternateContent xmlns:mc="http://schemas.openxmlformats.org/markup-compatibility/2006" xmlns:a14="http://schemas.microsoft.com/office/drawing/2010/main">
+          <mc:Choice Requires="a14">
             <p:sp>
               <p:nvSpPr>
                 <p:cNvPr id="8" name="CasellaDiTesto 7">
@@ -46119,7 +46283,7 @@
                         <a:srgbClr val="F4F3EE"/>
                       </a:solidFill>
                     </a:rPr>
-                    <a:t>IN THE PRESENCE OF </a:t>
+                    <a:t>THE </a:t>
                   </a:r>
                   <a:r>
                     <a:rPr lang="en-US" sz="1500" b="1" spc="300" dirty="0">
@@ -46135,7 +46299,7 @@
                         <a:srgbClr val="F4F3EE"/>
                       </a:solidFill>
                     </a:rPr>
-                    <a:t>, THEY ARE SIMULATED USING THE GENERAL CIRCUIT PREVIOUSLY ILLUSTRATED, WITH THE FOLLOWING </a:t>
+                    <a:t> ARE SIMULATED USING THE GENERAL CIRCUIT PREVIOUSLY ILLUSTRATED WITH THE FOLLOWING </a:t>
                   </a:r>
                   <a14:m>
                     <m:oMath xmlns:m="http://schemas.openxmlformats.org/officeDocument/2006/math">
@@ -46162,7 +46326,7 @@
               </p:txBody>
             </p:sp>
           </mc:Choice>
-          <mc:Fallback>
+          <mc:Fallback xmlns="">
             <p:sp>
               <p:nvSpPr>
                 <p:cNvPr id="8" name="CasellaDiTesto 7">
@@ -46188,7 +46352,7 @@
                 <a:blipFill>
                   <a:blip r:embed="rId3"/>
                   <a:stretch>
-                    <a:fillRect l="-468" t="-599" r="-468" b="-6587"/>
+                    <a:fillRect l="-468" t="-599" r="-468" b="-5988"/>
                   </a:stretch>
                 </a:blipFill>
               </p:spPr>
@@ -46223,7 +46387,7 @@
               </p:nvSpPr>
               <p:spPr>
                 <a:xfrm>
-                  <a:off x="7495122" y="2322613"/>
+                  <a:off x="7495122" y="2255938"/>
                   <a:ext cx="2666016" cy="461665"/>
                 </a:xfrm>
                 <a:prstGeom prst="rect">
@@ -46318,7 +46482,7 @@
               </p:nvSpPr>
               <p:spPr>
                 <a:xfrm>
-                  <a:off x="7495122" y="2322613"/>
+                  <a:off x="7495122" y="2255938"/>
                   <a:ext cx="2666016" cy="461665"/>
                 </a:xfrm>
                 <a:prstGeom prst="rect">
@@ -46362,8 +46526,8 @@
               </p:nvSpPr>
               <p:spPr>
                 <a:xfrm>
-                  <a:off x="6355205" y="4864044"/>
-                  <a:ext cx="4945851" cy="784830"/>
+                  <a:off x="6355205" y="4613032"/>
+                  <a:ext cx="4945851" cy="1246495"/>
                 </a:xfrm>
                 <a:prstGeom prst="rect">
                   <a:avLst/>
@@ -46391,7 +46555,7 @@
                         <a:srgbClr val="F4F3EE"/>
                       </a:solidFill>
                     </a:rPr>
-                    <a:t> THAT WHEN </a:t>
+                    <a:t>: WHEN </a:t>
                   </a:r>
                   <a14:m>
                     <m:oMath xmlns:m="http://schemas.openxmlformats.org/officeDocument/2006/math">
@@ -46421,7 +46585,7 @@
                         <a:srgbClr val="F4F3EE"/>
                       </a:solidFill>
                     </a:rPr>
-                    <a:t>, THE OUTPUT OF THE CIRCUIT WILL BE A COMPLETELY DEPOLARIZED STATE.</a:t>
+                    <a:t>, THE OUTPUT OF THE CIRCUIT WILL BE A COMPLETELY MIXED STATE. THEREFORE, THE CHANNEL CONSIDERED IN THIS SCENARIO IS A DEPOLARIZING CHANNEL.</a:t>
                   </a:r>
                 </a:p>
               </p:txBody>
@@ -46444,8 +46608,8 @@
               </p:nvSpPr>
               <p:spPr>
                 <a:xfrm>
-                  <a:off x="6355205" y="4864044"/>
-                  <a:ext cx="4945851" cy="784830"/>
+                  <a:off x="6355205" y="4613032"/>
+                  <a:ext cx="4945851" cy="1246495"/>
                 </a:xfrm>
                 <a:prstGeom prst="rect">
                   <a:avLst/>
@@ -46453,7 +46617,7 @@
                 <a:blipFill>
                   <a:blip r:embed="rId5"/>
                   <a:stretch>
-                    <a:fillRect l="-493" t="-775" r="-369" b="-8527"/>
+                    <a:fillRect l="-493" t="-980" r="-369" b="-4902"/>
                   </a:stretch>
                 </a:blipFill>
               </p:spPr>
